--- a/ppt/Diapositivas.pptx
+++ b/ppt/Diapositivas.pptx
@@ -5,7 +5,7 @@
     <p:sldMasterId id="2147483684" r:id="rId1"/>
   </p:sldMasterIdLst>
   <p:notesMasterIdLst>
-    <p:notesMasterId r:id="rId16"/>
+    <p:notesMasterId r:id="rId25"/>
   </p:notesMasterIdLst>
   <p:sldIdLst>
     <p:sldId id="256" r:id="rId2"/>
@@ -13,15 +13,24 @@
     <p:sldId id="461" r:id="rId4"/>
     <p:sldId id="448" r:id="rId5"/>
     <p:sldId id="449" r:id="rId6"/>
-    <p:sldId id="463" r:id="rId7"/>
-    <p:sldId id="459" r:id="rId8"/>
-    <p:sldId id="462" r:id="rId9"/>
-    <p:sldId id="450" r:id="rId10"/>
-    <p:sldId id="447" r:id="rId11"/>
-    <p:sldId id="456" r:id="rId12"/>
-    <p:sldId id="453" r:id="rId13"/>
-    <p:sldId id="455" r:id="rId14"/>
-    <p:sldId id="457" r:id="rId15"/>
+    <p:sldId id="464" r:id="rId7"/>
+    <p:sldId id="463" r:id="rId8"/>
+    <p:sldId id="459" r:id="rId9"/>
+    <p:sldId id="462" r:id="rId10"/>
+    <p:sldId id="450" r:id="rId11"/>
+    <p:sldId id="447" r:id="rId12"/>
+    <p:sldId id="456" r:id="rId13"/>
+    <p:sldId id="469" r:id="rId14"/>
+    <p:sldId id="453" r:id="rId15"/>
+    <p:sldId id="466" r:id="rId16"/>
+    <p:sldId id="465" r:id="rId17"/>
+    <p:sldId id="470" r:id="rId18"/>
+    <p:sldId id="455" r:id="rId19"/>
+    <p:sldId id="457" r:id="rId20"/>
+    <p:sldId id="467" r:id="rId21"/>
+    <p:sldId id="468" r:id="rId22"/>
+    <p:sldId id="471" r:id="rId23"/>
+    <p:sldId id="472" r:id="rId24"/>
   </p:sldIdLst>
   <p:sldSz cx="9144000" cy="6858000" type="screen4x3"/>
   <p:notesSz cx="6858000" cy="9144000"/>
@@ -205,7 +214,7 @@
           <a:p>
             <a:fld id="{63D5FC4C-9EE1-4746-A368-724F618FC790}" type="datetimeFigureOut">
               <a:rPr lang="es-PE" smtClean="0"/>
-              <a:t>09/09/2011</a:t>
+              <a:t>29/09/2011</a:t>
             </a:fld>
             <a:endParaRPr lang="es-PE"/>
           </a:p>
@@ -715,7 +724,7 @@
     </p:spTree>
     <p:extLst>
       <p:ext uri="{BB962C8B-B14F-4D97-AF65-F5344CB8AC3E}">
-        <p14:creationId xmlns:p14="http://schemas.microsoft.com/office/powerpoint/2010/main" val="1461112982"/>
+        <p14:creationId xmlns:p14="http://schemas.microsoft.com/office/powerpoint/2010/main" val="3614550747"/>
       </p:ext>
     </p:extLst>
   </p:cSld>
@@ -769,113 +778,6 @@
           <a:bodyPr/>
           <a:lstStyle/>
           <a:p>
-            <a:pPr algn="l"/>
-            <a:r>
-              <a:rPr lang="es-PE" sz="1200" i="1" dirty="0" smtClean="0"/>
-              <a:t>Existe un gran catálogo de </a:t>
-            </a:r>
-            <a:r>
-              <a:rPr lang="es-PE" sz="1200" i="1" dirty="0" err="1" smtClean="0"/>
-              <a:t>refactorings</a:t>
-            </a:r>
-            <a:r>
-              <a:rPr lang="es-PE" sz="1200" i="1" baseline="0" dirty="0" smtClean="0"/>
-              <a:t> y la meta es tratar de practicar la mayor cantidad </a:t>
-            </a:r>
-            <a:endParaRPr lang="es-PE" sz="1200" i="1" dirty="0" smtClean="0"/>
-          </a:p>
-          <a:p>
-            <a:pPr algn="l"/>
-            <a:r>
-              <a:rPr lang="es-PE" sz="1200" i="1" dirty="0" smtClean="0"/>
-              <a:t>(</a:t>
-            </a:r>
-            <a:r>
-              <a:rPr lang="es-PE" sz="1200" i="1" dirty="0" err="1" smtClean="0"/>
-              <a:t>Move</a:t>
-            </a:r>
-            <a:r>
-              <a:rPr lang="es-PE" sz="1200" i="1" dirty="0" smtClean="0"/>
-              <a:t> </a:t>
-            </a:r>
-            <a:r>
-              <a:rPr lang="es-PE" sz="1200" i="1" dirty="0" err="1" smtClean="0"/>
-              <a:t>Method</a:t>
-            </a:r>
-            <a:r>
-              <a:rPr lang="es-PE" sz="1200" i="1" dirty="0" smtClean="0"/>
-              <a:t>, </a:t>
-            </a:r>
-            <a:r>
-              <a:rPr lang="es-PE" sz="1200" i="1" dirty="0" err="1" smtClean="0"/>
-              <a:t>Inline</a:t>
-            </a:r>
-            <a:r>
-              <a:rPr lang="es-PE" sz="1200" i="1" dirty="0" smtClean="0"/>
-              <a:t> </a:t>
-            </a:r>
-            <a:r>
-              <a:rPr lang="es-PE" sz="1200" i="1" dirty="0" err="1" smtClean="0"/>
-              <a:t>Method</a:t>
-            </a:r>
-            <a:r>
-              <a:rPr lang="es-PE" sz="1200" i="1" dirty="0" smtClean="0"/>
-              <a:t>, </a:t>
-            </a:r>
-            <a:r>
-              <a:rPr lang="es-PE" sz="1200" i="1" dirty="0" err="1" smtClean="0"/>
-              <a:t>Extract</a:t>
-            </a:r>
-            <a:r>
-              <a:rPr lang="es-PE" sz="1200" i="1" dirty="0" smtClean="0"/>
-              <a:t> Interface, </a:t>
-            </a:r>
-          </a:p>
-          <a:p>
-            <a:pPr algn="l"/>
-            <a:r>
-              <a:rPr lang="es-PE" sz="1200" i="1" dirty="0" err="1" smtClean="0"/>
-              <a:t>Replace</a:t>
-            </a:r>
-            <a:r>
-              <a:rPr lang="es-PE" sz="1200" i="1" dirty="0" smtClean="0"/>
-              <a:t> </a:t>
-            </a:r>
-            <a:r>
-              <a:rPr lang="es-PE" sz="1200" i="1" dirty="0" err="1" smtClean="0"/>
-              <a:t>Conditional</a:t>
-            </a:r>
-            <a:r>
-              <a:rPr lang="es-PE" sz="1200" i="1" dirty="0" smtClean="0"/>
-              <a:t> </a:t>
-            </a:r>
-            <a:r>
-              <a:rPr lang="es-PE" sz="1200" i="1" dirty="0" err="1" smtClean="0"/>
-              <a:t>with</a:t>
-            </a:r>
-            <a:r>
-              <a:rPr lang="es-PE" sz="1200" i="1" dirty="0" smtClean="0"/>
-              <a:t> </a:t>
-            </a:r>
-            <a:r>
-              <a:rPr lang="es-PE" sz="1200" i="1" dirty="0" err="1" smtClean="0"/>
-              <a:t>Polymorphism</a:t>
-            </a:r>
-            <a:r>
-              <a:rPr lang="es-PE" sz="1200" i="1" dirty="0" smtClean="0"/>
-              <a:t>, </a:t>
-            </a:r>
-            <a:r>
-              <a:rPr lang="es-PE" sz="1200" i="1" dirty="0" err="1" smtClean="0"/>
-              <a:t>etc</a:t>
-            </a:r>
-            <a:r>
-              <a:rPr lang="es-PE" sz="1200" i="1" dirty="0" smtClean="0"/>
-              <a:t>)</a:t>
-            </a:r>
-          </a:p>
-          <a:p>
-            <a:pPr algn="l"/>
             <a:endParaRPr lang="es-PE" dirty="0"/>
           </a:p>
         </p:txBody>
@@ -906,7 +808,7 @@
     </p:spTree>
     <p:extLst>
       <p:ext uri="{BB962C8B-B14F-4D97-AF65-F5344CB8AC3E}">
-        <p14:creationId xmlns:p14="http://schemas.microsoft.com/office/powerpoint/2010/main" val="3614550747"/>
+        <p14:creationId xmlns:p14="http://schemas.microsoft.com/office/powerpoint/2010/main" val="1461112982"/>
       </p:ext>
     </p:extLst>
   </p:cSld>
@@ -1046,10 +948,112 @@
           <a:p>
             <a:pPr algn="l"/>
             <a:r>
-              <a:rPr lang="en-US" noProof="0" dirty="0" smtClean="0"/>
-              <a:t>Strategies for larger design changes.</a:t>
-            </a:r>
-            <a:endParaRPr lang="en-US" noProof="0" dirty="0"/>
+              <a:rPr lang="es-PE" sz="1200" i="1" dirty="0" smtClean="0"/>
+              <a:t>Existe un gran catálogo de </a:t>
+            </a:r>
+            <a:r>
+              <a:rPr lang="es-PE" sz="1200" i="1" dirty="0" err="1" smtClean="0"/>
+              <a:t>refactorings</a:t>
+            </a:r>
+            <a:r>
+              <a:rPr lang="es-PE" sz="1200" i="1" baseline="0" dirty="0" smtClean="0"/>
+              <a:t> y la meta es tratar de practicar la mayor cantidad </a:t>
+            </a:r>
+            <a:endParaRPr lang="es-PE" sz="1200" i="1" dirty="0" smtClean="0"/>
+          </a:p>
+          <a:p>
+            <a:pPr algn="l"/>
+            <a:r>
+              <a:rPr lang="es-PE" sz="1200" i="1" dirty="0" smtClean="0"/>
+              <a:t>(</a:t>
+            </a:r>
+            <a:r>
+              <a:rPr lang="es-PE" sz="1200" i="1" dirty="0" err="1" smtClean="0"/>
+              <a:t>Move</a:t>
+            </a:r>
+            <a:r>
+              <a:rPr lang="es-PE" sz="1200" i="1" dirty="0" smtClean="0"/>
+              <a:t> </a:t>
+            </a:r>
+            <a:r>
+              <a:rPr lang="es-PE" sz="1200" i="1" dirty="0" err="1" smtClean="0"/>
+              <a:t>Method</a:t>
+            </a:r>
+            <a:r>
+              <a:rPr lang="es-PE" sz="1200" i="1" dirty="0" smtClean="0"/>
+              <a:t>, </a:t>
+            </a:r>
+            <a:r>
+              <a:rPr lang="es-PE" sz="1200" i="1" dirty="0" err="1" smtClean="0"/>
+              <a:t>Inline</a:t>
+            </a:r>
+            <a:r>
+              <a:rPr lang="es-PE" sz="1200" i="1" dirty="0" smtClean="0"/>
+              <a:t> </a:t>
+            </a:r>
+            <a:r>
+              <a:rPr lang="es-PE" sz="1200" i="1" dirty="0" err="1" smtClean="0"/>
+              <a:t>Method</a:t>
+            </a:r>
+            <a:r>
+              <a:rPr lang="es-PE" sz="1200" i="1" dirty="0" smtClean="0"/>
+              <a:t>, </a:t>
+            </a:r>
+            <a:r>
+              <a:rPr lang="es-PE" sz="1200" i="1" dirty="0" err="1" smtClean="0"/>
+              <a:t>Extract</a:t>
+            </a:r>
+            <a:r>
+              <a:rPr lang="es-PE" sz="1200" i="1" dirty="0" smtClean="0"/>
+              <a:t> Interface, </a:t>
+            </a:r>
+          </a:p>
+          <a:p>
+            <a:pPr algn="l"/>
+            <a:r>
+              <a:rPr lang="es-PE" sz="1200" i="1" dirty="0" err="1" smtClean="0"/>
+              <a:t>Replace</a:t>
+            </a:r>
+            <a:r>
+              <a:rPr lang="es-PE" sz="1200" i="1" dirty="0" smtClean="0"/>
+              <a:t> </a:t>
+            </a:r>
+            <a:r>
+              <a:rPr lang="es-PE" sz="1200" i="1" dirty="0" err="1" smtClean="0"/>
+              <a:t>Conditional</a:t>
+            </a:r>
+            <a:r>
+              <a:rPr lang="es-PE" sz="1200" i="1" dirty="0" smtClean="0"/>
+              <a:t> </a:t>
+            </a:r>
+            <a:r>
+              <a:rPr lang="es-PE" sz="1200" i="1" dirty="0" err="1" smtClean="0"/>
+              <a:t>with</a:t>
+            </a:r>
+            <a:r>
+              <a:rPr lang="es-PE" sz="1200" i="1" dirty="0" smtClean="0"/>
+              <a:t> </a:t>
+            </a:r>
+            <a:r>
+              <a:rPr lang="es-PE" sz="1200" i="1" dirty="0" err="1" smtClean="0"/>
+              <a:t>Polymorphism</a:t>
+            </a:r>
+            <a:r>
+              <a:rPr lang="es-PE" sz="1200" i="1" dirty="0" smtClean="0"/>
+              <a:t>, </a:t>
+            </a:r>
+            <a:r>
+              <a:rPr lang="es-PE" sz="1200" i="1" dirty="0" err="1" smtClean="0"/>
+              <a:t>etc</a:t>
+            </a:r>
+            <a:r>
+              <a:rPr lang="es-PE" sz="1200" i="1" dirty="0" smtClean="0"/>
+              <a:t>)</a:t>
+            </a:r>
+          </a:p>
+          <a:p>
+            <a:pPr algn="l"/>
+            <a:endParaRPr lang="es-PE" dirty="0"/>
           </a:p>
         </p:txBody>
       </p:sp>
@@ -1071,6 +1075,540 @@
             <a:fld id="{96DE5A63-0F1F-4DC0-ADE0-CC17EBA6F230}" type="slidenum">
               <a:rPr lang="es-PE" smtClean="0"/>
               <a:t>14</a:t>
+            </a:fld>
+            <a:endParaRPr lang="es-PE"/>
+          </a:p>
+        </p:txBody>
+      </p:sp>
+    </p:spTree>
+    <p:extLst>
+      <p:ext uri="{BB962C8B-B14F-4D97-AF65-F5344CB8AC3E}">
+        <p14:creationId xmlns:p14="http://schemas.microsoft.com/office/powerpoint/2010/main" val="3614550747"/>
+      </p:ext>
+    </p:extLst>
+  </p:cSld>
+  <p:clrMapOvr>
+    <a:masterClrMapping/>
+  </p:clrMapOvr>
+</p:notes>
+</file>
+
+<file path=ppt/notesSlides/notesSlide15.xml><?xml version="1.0" encoding="utf-8"?>
+<p:notes xmlns:a="http://schemas.openxmlformats.org/drawingml/2006/main" xmlns:r="http://schemas.openxmlformats.org/officeDocument/2006/relationships" xmlns:p="http://schemas.openxmlformats.org/presentationml/2006/main">
+  <p:cSld>
+    <p:spTree>
+      <p:nvGrpSpPr>
+        <p:cNvPr id="1" name=""/>
+        <p:cNvGrpSpPr/>
+        <p:nvPr/>
+      </p:nvGrpSpPr>
+      <p:grpSpPr>
+        <a:xfrm>
+          <a:off x="0" y="0"/>
+          <a:ext cx="0" cy="0"/>
+          <a:chOff x="0" y="0"/>
+          <a:chExt cx="0" cy="0"/>
+        </a:xfrm>
+      </p:grpSpPr>
+      <p:sp>
+        <p:nvSpPr>
+          <p:cNvPr id="2" name="1 Marcador de imagen de diapositiva"/>
+          <p:cNvSpPr>
+            <a:spLocks noGrp="1" noRot="1" noChangeAspect="1"/>
+          </p:cNvSpPr>
+          <p:nvPr>
+            <p:ph type="sldImg"/>
+          </p:nvPr>
+        </p:nvSpPr>
+        <p:spPr/>
+      </p:sp>
+      <p:sp>
+        <p:nvSpPr>
+          <p:cNvPr id="3" name="2 Marcador de notas"/>
+          <p:cNvSpPr>
+            <a:spLocks noGrp="1"/>
+          </p:cNvSpPr>
+          <p:nvPr>
+            <p:ph type="body" idx="1"/>
+          </p:nvPr>
+        </p:nvSpPr>
+        <p:spPr/>
+        <p:txBody>
+          <a:bodyPr/>
+          <a:lstStyle/>
+          <a:p>
+            <a:pPr algn="l"/>
+            <a:r>
+              <a:rPr lang="es-PE" sz="1200" i="1" dirty="0" smtClean="0"/>
+              <a:t>Existe un gran catálogo de </a:t>
+            </a:r>
+            <a:r>
+              <a:rPr lang="es-PE" sz="1200" i="1" dirty="0" err="1" smtClean="0"/>
+              <a:t>refactorings</a:t>
+            </a:r>
+            <a:r>
+              <a:rPr lang="es-PE" sz="1200" i="1" baseline="0" dirty="0" smtClean="0"/>
+              <a:t> y la meta es tratar de practicar la mayor cantidad </a:t>
+            </a:r>
+            <a:endParaRPr lang="es-PE" sz="1200" i="1" dirty="0" smtClean="0"/>
+          </a:p>
+          <a:p>
+            <a:pPr algn="l"/>
+            <a:r>
+              <a:rPr lang="es-PE" sz="1200" i="1" dirty="0" smtClean="0"/>
+              <a:t>(</a:t>
+            </a:r>
+            <a:r>
+              <a:rPr lang="es-PE" sz="1200" i="1" dirty="0" err="1" smtClean="0"/>
+              <a:t>Move</a:t>
+            </a:r>
+            <a:r>
+              <a:rPr lang="es-PE" sz="1200" i="1" dirty="0" smtClean="0"/>
+              <a:t> </a:t>
+            </a:r>
+            <a:r>
+              <a:rPr lang="es-PE" sz="1200" i="1" dirty="0" err="1" smtClean="0"/>
+              <a:t>Method</a:t>
+            </a:r>
+            <a:r>
+              <a:rPr lang="es-PE" sz="1200" i="1" dirty="0" smtClean="0"/>
+              <a:t>, </a:t>
+            </a:r>
+            <a:r>
+              <a:rPr lang="es-PE" sz="1200" i="1" dirty="0" err="1" smtClean="0"/>
+              <a:t>Inline</a:t>
+            </a:r>
+            <a:r>
+              <a:rPr lang="es-PE" sz="1200" i="1" dirty="0" smtClean="0"/>
+              <a:t> </a:t>
+            </a:r>
+            <a:r>
+              <a:rPr lang="es-PE" sz="1200" i="1" dirty="0" err="1" smtClean="0"/>
+              <a:t>Method</a:t>
+            </a:r>
+            <a:r>
+              <a:rPr lang="es-PE" sz="1200" i="1" dirty="0" smtClean="0"/>
+              <a:t>, </a:t>
+            </a:r>
+            <a:r>
+              <a:rPr lang="es-PE" sz="1200" i="1" dirty="0" err="1" smtClean="0"/>
+              <a:t>Extract</a:t>
+            </a:r>
+            <a:r>
+              <a:rPr lang="es-PE" sz="1200" i="1" dirty="0" smtClean="0"/>
+              <a:t> Interface, </a:t>
+            </a:r>
+          </a:p>
+          <a:p>
+            <a:pPr algn="l"/>
+            <a:r>
+              <a:rPr lang="es-PE" sz="1200" i="1" dirty="0" err="1" smtClean="0"/>
+              <a:t>Replace</a:t>
+            </a:r>
+            <a:r>
+              <a:rPr lang="es-PE" sz="1200" i="1" dirty="0" smtClean="0"/>
+              <a:t> </a:t>
+            </a:r>
+            <a:r>
+              <a:rPr lang="es-PE" sz="1200" i="1" dirty="0" err="1" smtClean="0"/>
+              <a:t>Conditional</a:t>
+            </a:r>
+            <a:r>
+              <a:rPr lang="es-PE" sz="1200" i="1" dirty="0" smtClean="0"/>
+              <a:t> </a:t>
+            </a:r>
+            <a:r>
+              <a:rPr lang="es-PE" sz="1200" i="1" dirty="0" err="1" smtClean="0"/>
+              <a:t>with</a:t>
+            </a:r>
+            <a:r>
+              <a:rPr lang="es-PE" sz="1200" i="1" dirty="0" smtClean="0"/>
+              <a:t> </a:t>
+            </a:r>
+            <a:r>
+              <a:rPr lang="es-PE" sz="1200" i="1" dirty="0" err="1" smtClean="0"/>
+              <a:t>Polymorphism</a:t>
+            </a:r>
+            <a:r>
+              <a:rPr lang="es-PE" sz="1200" i="1" dirty="0" smtClean="0"/>
+              <a:t>, </a:t>
+            </a:r>
+            <a:r>
+              <a:rPr lang="es-PE" sz="1200" i="1" dirty="0" err="1" smtClean="0"/>
+              <a:t>etc</a:t>
+            </a:r>
+            <a:r>
+              <a:rPr lang="es-PE" sz="1200" i="1" dirty="0" smtClean="0"/>
+              <a:t>)</a:t>
+            </a:r>
+          </a:p>
+          <a:p>
+            <a:pPr algn="l"/>
+            <a:endParaRPr lang="es-PE" dirty="0"/>
+          </a:p>
+        </p:txBody>
+      </p:sp>
+      <p:sp>
+        <p:nvSpPr>
+          <p:cNvPr id="4" name="3 Marcador de número de diapositiva"/>
+          <p:cNvSpPr>
+            <a:spLocks noGrp="1"/>
+          </p:cNvSpPr>
+          <p:nvPr>
+            <p:ph type="sldNum" sz="quarter" idx="10"/>
+          </p:nvPr>
+        </p:nvSpPr>
+        <p:spPr/>
+        <p:txBody>
+          <a:bodyPr/>
+          <a:lstStyle/>
+          <a:p>
+            <a:fld id="{96DE5A63-0F1F-4DC0-ADE0-CC17EBA6F230}" type="slidenum">
+              <a:rPr lang="es-PE" smtClean="0"/>
+              <a:t>15</a:t>
+            </a:fld>
+            <a:endParaRPr lang="es-PE"/>
+          </a:p>
+        </p:txBody>
+      </p:sp>
+    </p:spTree>
+    <p:extLst>
+      <p:ext uri="{BB962C8B-B14F-4D97-AF65-F5344CB8AC3E}">
+        <p14:creationId xmlns:p14="http://schemas.microsoft.com/office/powerpoint/2010/main" val="3614550747"/>
+      </p:ext>
+    </p:extLst>
+  </p:cSld>
+  <p:clrMapOvr>
+    <a:masterClrMapping/>
+  </p:clrMapOvr>
+</p:notes>
+</file>
+
+<file path=ppt/notesSlides/notesSlide16.xml><?xml version="1.0" encoding="utf-8"?>
+<p:notes xmlns:a="http://schemas.openxmlformats.org/drawingml/2006/main" xmlns:r="http://schemas.openxmlformats.org/officeDocument/2006/relationships" xmlns:p="http://schemas.openxmlformats.org/presentationml/2006/main">
+  <p:cSld>
+    <p:spTree>
+      <p:nvGrpSpPr>
+        <p:cNvPr id="1" name=""/>
+        <p:cNvGrpSpPr/>
+        <p:nvPr/>
+      </p:nvGrpSpPr>
+      <p:grpSpPr>
+        <a:xfrm>
+          <a:off x="0" y="0"/>
+          <a:ext cx="0" cy="0"/>
+          <a:chOff x="0" y="0"/>
+          <a:chExt cx="0" cy="0"/>
+        </a:xfrm>
+      </p:grpSpPr>
+      <p:sp>
+        <p:nvSpPr>
+          <p:cNvPr id="2" name="1 Marcador de imagen de diapositiva"/>
+          <p:cNvSpPr>
+            <a:spLocks noGrp="1" noRot="1" noChangeAspect="1"/>
+          </p:cNvSpPr>
+          <p:nvPr>
+            <p:ph type="sldImg"/>
+          </p:nvPr>
+        </p:nvSpPr>
+        <p:spPr/>
+      </p:sp>
+      <p:sp>
+        <p:nvSpPr>
+          <p:cNvPr id="3" name="2 Marcador de notas"/>
+          <p:cNvSpPr>
+            <a:spLocks noGrp="1"/>
+          </p:cNvSpPr>
+          <p:nvPr>
+            <p:ph type="body" idx="1"/>
+          </p:nvPr>
+        </p:nvSpPr>
+        <p:spPr/>
+        <p:txBody>
+          <a:bodyPr/>
+          <a:lstStyle/>
+          <a:p>
+            <a:pPr algn="l"/>
+            <a:endParaRPr lang="es-PE" dirty="0"/>
+          </a:p>
+        </p:txBody>
+      </p:sp>
+      <p:sp>
+        <p:nvSpPr>
+          <p:cNvPr id="4" name="3 Marcador de número de diapositiva"/>
+          <p:cNvSpPr>
+            <a:spLocks noGrp="1"/>
+          </p:cNvSpPr>
+          <p:nvPr>
+            <p:ph type="sldNum" sz="quarter" idx="10"/>
+          </p:nvPr>
+        </p:nvSpPr>
+        <p:spPr/>
+        <p:txBody>
+          <a:bodyPr/>
+          <a:lstStyle/>
+          <a:p>
+            <a:fld id="{96DE5A63-0F1F-4DC0-ADE0-CC17EBA6F230}" type="slidenum">
+              <a:rPr lang="es-PE" smtClean="0"/>
+              <a:t>16</a:t>
+            </a:fld>
+            <a:endParaRPr lang="es-PE"/>
+          </a:p>
+        </p:txBody>
+      </p:sp>
+    </p:spTree>
+    <p:extLst>
+      <p:ext uri="{BB962C8B-B14F-4D97-AF65-F5344CB8AC3E}">
+        <p14:creationId xmlns:p14="http://schemas.microsoft.com/office/powerpoint/2010/main" val="3614550747"/>
+      </p:ext>
+    </p:extLst>
+  </p:cSld>
+  <p:clrMapOvr>
+    <a:masterClrMapping/>
+  </p:clrMapOvr>
+</p:notes>
+</file>
+
+<file path=ppt/notesSlides/notesSlide17.xml><?xml version="1.0" encoding="utf-8"?>
+<p:notes xmlns:a="http://schemas.openxmlformats.org/drawingml/2006/main" xmlns:r="http://schemas.openxmlformats.org/officeDocument/2006/relationships" xmlns:p="http://schemas.openxmlformats.org/presentationml/2006/main">
+  <p:cSld>
+    <p:spTree>
+      <p:nvGrpSpPr>
+        <p:cNvPr id="1" name=""/>
+        <p:cNvGrpSpPr/>
+        <p:nvPr/>
+      </p:nvGrpSpPr>
+      <p:grpSpPr>
+        <a:xfrm>
+          <a:off x="0" y="0"/>
+          <a:ext cx="0" cy="0"/>
+          <a:chOff x="0" y="0"/>
+          <a:chExt cx="0" cy="0"/>
+        </a:xfrm>
+      </p:grpSpPr>
+      <p:sp>
+        <p:nvSpPr>
+          <p:cNvPr id="2" name="1 Marcador de imagen de diapositiva"/>
+          <p:cNvSpPr>
+            <a:spLocks noGrp="1" noRot="1" noChangeAspect="1"/>
+          </p:cNvSpPr>
+          <p:nvPr>
+            <p:ph type="sldImg"/>
+          </p:nvPr>
+        </p:nvSpPr>
+        <p:spPr/>
+      </p:sp>
+      <p:sp>
+        <p:nvSpPr>
+          <p:cNvPr id="3" name="2 Marcador de notas"/>
+          <p:cNvSpPr>
+            <a:spLocks noGrp="1"/>
+          </p:cNvSpPr>
+          <p:nvPr>
+            <p:ph type="body" idx="1"/>
+          </p:nvPr>
+        </p:nvSpPr>
+        <p:spPr/>
+        <p:txBody>
+          <a:bodyPr/>
+          <a:lstStyle/>
+          <a:p>
+            <a:pPr algn="l"/>
+            <a:endParaRPr lang="es-PE" dirty="0"/>
+          </a:p>
+        </p:txBody>
+      </p:sp>
+      <p:sp>
+        <p:nvSpPr>
+          <p:cNvPr id="4" name="3 Marcador de número de diapositiva"/>
+          <p:cNvSpPr>
+            <a:spLocks noGrp="1"/>
+          </p:cNvSpPr>
+          <p:nvPr>
+            <p:ph type="sldNum" sz="quarter" idx="10"/>
+          </p:nvPr>
+        </p:nvSpPr>
+        <p:spPr/>
+        <p:txBody>
+          <a:bodyPr/>
+          <a:lstStyle/>
+          <a:p>
+            <a:fld id="{96DE5A63-0F1F-4DC0-ADE0-CC17EBA6F230}" type="slidenum">
+              <a:rPr lang="es-PE" smtClean="0"/>
+              <a:t>17</a:t>
+            </a:fld>
+            <a:endParaRPr lang="es-PE"/>
+          </a:p>
+        </p:txBody>
+      </p:sp>
+    </p:spTree>
+    <p:extLst>
+      <p:ext uri="{BB962C8B-B14F-4D97-AF65-F5344CB8AC3E}">
+        <p14:creationId xmlns:p14="http://schemas.microsoft.com/office/powerpoint/2010/main" val="3614550747"/>
+      </p:ext>
+    </p:extLst>
+  </p:cSld>
+  <p:clrMapOvr>
+    <a:masterClrMapping/>
+  </p:clrMapOvr>
+</p:notes>
+</file>
+
+<file path=ppt/notesSlides/notesSlide18.xml><?xml version="1.0" encoding="utf-8"?>
+<p:notes xmlns:a="http://schemas.openxmlformats.org/drawingml/2006/main" xmlns:r="http://schemas.openxmlformats.org/officeDocument/2006/relationships" xmlns:p="http://schemas.openxmlformats.org/presentationml/2006/main">
+  <p:cSld>
+    <p:spTree>
+      <p:nvGrpSpPr>
+        <p:cNvPr id="1" name=""/>
+        <p:cNvGrpSpPr/>
+        <p:nvPr/>
+      </p:nvGrpSpPr>
+      <p:grpSpPr>
+        <a:xfrm>
+          <a:off x="0" y="0"/>
+          <a:ext cx="0" cy="0"/>
+          <a:chOff x="0" y="0"/>
+          <a:chExt cx="0" cy="0"/>
+        </a:xfrm>
+      </p:grpSpPr>
+      <p:sp>
+        <p:nvSpPr>
+          <p:cNvPr id="2" name="1 Marcador de imagen de diapositiva"/>
+          <p:cNvSpPr>
+            <a:spLocks noGrp="1" noRot="1" noChangeAspect="1"/>
+          </p:cNvSpPr>
+          <p:nvPr>
+            <p:ph type="sldImg"/>
+          </p:nvPr>
+        </p:nvSpPr>
+        <p:spPr/>
+      </p:sp>
+      <p:sp>
+        <p:nvSpPr>
+          <p:cNvPr id="3" name="2 Marcador de notas"/>
+          <p:cNvSpPr>
+            <a:spLocks noGrp="1"/>
+          </p:cNvSpPr>
+          <p:nvPr>
+            <p:ph type="body" idx="1"/>
+          </p:nvPr>
+        </p:nvSpPr>
+        <p:spPr/>
+        <p:txBody>
+          <a:bodyPr/>
+          <a:lstStyle/>
+          <a:p>
+            <a:endParaRPr lang="es-PE" dirty="0"/>
+          </a:p>
+        </p:txBody>
+      </p:sp>
+      <p:sp>
+        <p:nvSpPr>
+          <p:cNvPr id="4" name="3 Marcador de número de diapositiva"/>
+          <p:cNvSpPr>
+            <a:spLocks noGrp="1"/>
+          </p:cNvSpPr>
+          <p:nvPr>
+            <p:ph type="sldNum" sz="quarter" idx="10"/>
+          </p:nvPr>
+        </p:nvSpPr>
+        <p:spPr/>
+        <p:txBody>
+          <a:bodyPr/>
+          <a:lstStyle/>
+          <a:p>
+            <a:fld id="{96DE5A63-0F1F-4DC0-ADE0-CC17EBA6F230}" type="slidenum">
+              <a:rPr lang="es-PE" smtClean="0"/>
+              <a:t>18</a:t>
+            </a:fld>
+            <a:endParaRPr lang="es-PE"/>
+          </a:p>
+        </p:txBody>
+      </p:sp>
+    </p:spTree>
+    <p:extLst>
+      <p:ext uri="{BB962C8B-B14F-4D97-AF65-F5344CB8AC3E}">
+        <p14:creationId xmlns:p14="http://schemas.microsoft.com/office/powerpoint/2010/main" val="1461112982"/>
+      </p:ext>
+    </p:extLst>
+  </p:cSld>
+  <p:clrMapOvr>
+    <a:masterClrMapping/>
+  </p:clrMapOvr>
+</p:notes>
+</file>
+
+<file path=ppt/notesSlides/notesSlide19.xml><?xml version="1.0" encoding="utf-8"?>
+<p:notes xmlns:a="http://schemas.openxmlformats.org/drawingml/2006/main" xmlns:r="http://schemas.openxmlformats.org/officeDocument/2006/relationships" xmlns:p="http://schemas.openxmlformats.org/presentationml/2006/main">
+  <p:cSld>
+    <p:spTree>
+      <p:nvGrpSpPr>
+        <p:cNvPr id="1" name=""/>
+        <p:cNvGrpSpPr/>
+        <p:nvPr/>
+      </p:nvGrpSpPr>
+      <p:grpSpPr>
+        <a:xfrm>
+          <a:off x="0" y="0"/>
+          <a:ext cx="0" cy="0"/>
+          <a:chOff x="0" y="0"/>
+          <a:chExt cx="0" cy="0"/>
+        </a:xfrm>
+      </p:grpSpPr>
+      <p:sp>
+        <p:nvSpPr>
+          <p:cNvPr id="2" name="1 Marcador de imagen de diapositiva"/>
+          <p:cNvSpPr>
+            <a:spLocks noGrp="1" noRot="1" noChangeAspect="1"/>
+          </p:cNvSpPr>
+          <p:nvPr>
+            <p:ph type="sldImg"/>
+          </p:nvPr>
+        </p:nvSpPr>
+        <p:spPr/>
+      </p:sp>
+      <p:sp>
+        <p:nvSpPr>
+          <p:cNvPr id="3" name="2 Marcador de notas"/>
+          <p:cNvSpPr>
+            <a:spLocks noGrp="1"/>
+          </p:cNvSpPr>
+          <p:nvPr>
+            <p:ph type="body" idx="1"/>
+          </p:nvPr>
+        </p:nvSpPr>
+        <p:spPr/>
+        <p:txBody>
+          <a:bodyPr/>
+          <a:lstStyle/>
+          <a:p>
+            <a:pPr algn="l"/>
+            <a:r>
+              <a:rPr lang="en-US" noProof="0" dirty="0" smtClean="0"/>
+              <a:t>Strategies for larger design changes.</a:t>
+            </a:r>
+            <a:endParaRPr lang="en-US" noProof="0" dirty="0"/>
+          </a:p>
+        </p:txBody>
+      </p:sp>
+      <p:sp>
+        <p:nvSpPr>
+          <p:cNvPr id="4" name="3 Marcador de número de diapositiva"/>
+          <p:cNvSpPr>
+            <a:spLocks noGrp="1"/>
+          </p:cNvSpPr>
+          <p:nvPr>
+            <p:ph type="sldNum" sz="quarter" idx="10"/>
+          </p:nvPr>
+        </p:nvSpPr>
+        <p:spPr/>
+        <p:txBody>
+          <a:bodyPr/>
+          <a:lstStyle/>
+          <a:p>
+            <a:fld id="{96DE5A63-0F1F-4DC0-ADE0-CC17EBA6F230}" type="slidenum">
+              <a:rPr lang="es-PE" smtClean="0"/>
+              <a:t>19</a:t>
             </a:fld>
             <a:endParaRPr lang="es-PE"/>
           </a:p>
@@ -1173,6 +1711,346 @@
             <a:fld id="{96DE5A63-0F1F-4DC0-ADE0-CC17EBA6F230}" type="slidenum">
               <a:rPr lang="es-PE" smtClean="0"/>
               <a:t>2</a:t>
+            </a:fld>
+            <a:endParaRPr lang="es-PE"/>
+          </a:p>
+        </p:txBody>
+      </p:sp>
+    </p:spTree>
+    <p:extLst>
+      <p:ext uri="{BB962C8B-B14F-4D97-AF65-F5344CB8AC3E}">
+        <p14:creationId xmlns:p14="http://schemas.microsoft.com/office/powerpoint/2010/main" val="3614550747"/>
+      </p:ext>
+    </p:extLst>
+  </p:cSld>
+  <p:clrMapOvr>
+    <a:masterClrMapping/>
+  </p:clrMapOvr>
+</p:notes>
+</file>
+
+<file path=ppt/notesSlides/notesSlide20.xml><?xml version="1.0" encoding="utf-8"?>
+<p:notes xmlns:a="http://schemas.openxmlformats.org/drawingml/2006/main" xmlns:r="http://schemas.openxmlformats.org/officeDocument/2006/relationships" xmlns:p="http://schemas.openxmlformats.org/presentationml/2006/main">
+  <p:cSld>
+    <p:spTree>
+      <p:nvGrpSpPr>
+        <p:cNvPr id="1" name=""/>
+        <p:cNvGrpSpPr/>
+        <p:nvPr/>
+      </p:nvGrpSpPr>
+      <p:grpSpPr>
+        <a:xfrm>
+          <a:off x="0" y="0"/>
+          <a:ext cx="0" cy="0"/>
+          <a:chOff x="0" y="0"/>
+          <a:chExt cx="0" cy="0"/>
+        </a:xfrm>
+      </p:grpSpPr>
+      <p:sp>
+        <p:nvSpPr>
+          <p:cNvPr id="2" name="1 Marcador de imagen de diapositiva"/>
+          <p:cNvSpPr>
+            <a:spLocks noGrp="1" noRot="1" noChangeAspect="1"/>
+          </p:cNvSpPr>
+          <p:nvPr>
+            <p:ph type="sldImg"/>
+          </p:nvPr>
+        </p:nvSpPr>
+        <p:spPr/>
+      </p:sp>
+      <p:sp>
+        <p:nvSpPr>
+          <p:cNvPr id="3" name="2 Marcador de notas"/>
+          <p:cNvSpPr>
+            <a:spLocks noGrp="1"/>
+          </p:cNvSpPr>
+          <p:nvPr>
+            <p:ph type="body" idx="1"/>
+          </p:nvPr>
+        </p:nvSpPr>
+        <p:spPr/>
+        <p:txBody>
+          <a:bodyPr/>
+          <a:lstStyle/>
+          <a:p>
+            <a:pPr algn="l"/>
+            <a:endParaRPr lang="es-PE" dirty="0"/>
+          </a:p>
+        </p:txBody>
+      </p:sp>
+      <p:sp>
+        <p:nvSpPr>
+          <p:cNvPr id="4" name="3 Marcador de número de diapositiva"/>
+          <p:cNvSpPr>
+            <a:spLocks noGrp="1"/>
+          </p:cNvSpPr>
+          <p:nvPr>
+            <p:ph type="sldNum" sz="quarter" idx="10"/>
+          </p:nvPr>
+        </p:nvSpPr>
+        <p:spPr/>
+        <p:txBody>
+          <a:bodyPr/>
+          <a:lstStyle/>
+          <a:p>
+            <a:fld id="{96DE5A63-0F1F-4DC0-ADE0-CC17EBA6F230}" type="slidenum">
+              <a:rPr lang="es-PE" smtClean="0"/>
+              <a:t>20</a:t>
+            </a:fld>
+            <a:endParaRPr lang="es-PE"/>
+          </a:p>
+        </p:txBody>
+      </p:sp>
+    </p:spTree>
+    <p:extLst>
+      <p:ext uri="{BB962C8B-B14F-4D97-AF65-F5344CB8AC3E}">
+        <p14:creationId xmlns:p14="http://schemas.microsoft.com/office/powerpoint/2010/main" val="3614550747"/>
+      </p:ext>
+    </p:extLst>
+  </p:cSld>
+  <p:clrMapOvr>
+    <a:masterClrMapping/>
+  </p:clrMapOvr>
+</p:notes>
+</file>
+
+<file path=ppt/notesSlides/notesSlide21.xml><?xml version="1.0" encoding="utf-8"?>
+<p:notes xmlns:a="http://schemas.openxmlformats.org/drawingml/2006/main" xmlns:r="http://schemas.openxmlformats.org/officeDocument/2006/relationships" xmlns:p="http://schemas.openxmlformats.org/presentationml/2006/main">
+  <p:cSld>
+    <p:spTree>
+      <p:nvGrpSpPr>
+        <p:cNvPr id="1" name=""/>
+        <p:cNvGrpSpPr/>
+        <p:nvPr/>
+      </p:nvGrpSpPr>
+      <p:grpSpPr>
+        <a:xfrm>
+          <a:off x="0" y="0"/>
+          <a:ext cx="0" cy="0"/>
+          <a:chOff x="0" y="0"/>
+          <a:chExt cx="0" cy="0"/>
+        </a:xfrm>
+      </p:grpSpPr>
+      <p:sp>
+        <p:nvSpPr>
+          <p:cNvPr id="2" name="1 Marcador de imagen de diapositiva"/>
+          <p:cNvSpPr>
+            <a:spLocks noGrp="1" noRot="1" noChangeAspect="1"/>
+          </p:cNvSpPr>
+          <p:nvPr>
+            <p:ph type="sldImg"/>
+          </p:nvPr>
+        </p:nvSpPr>
+        <p:spPr/>
+      </p:sp>
+      <p:sp>
+        <p:nvSpPr>
+          <p:cNvPr id="3" name="2 Marcador de notas"/>
+          <p:cNvSpPr>
+            <a:spLocks noGrp="1"/>
+          </p:cNvSpPr>
+          <p:nvPr>
+            <p:ph type="body" idx="1"/>
+          </p:nvPr>
+        </p:nvSpPr>
+        <p:spPr/>
+        <p:txBody>
+          <a:bodyPr/>
+          <a:lstStyle/>
+          <a:p>
+            <a:pPr algn="l"/>
+            <a:endParaRPr lang="es-PE" dirty="0"/>
+          </a:p>
+        </p:txBody>
+      </p:sp>
+      <p:sp>
+        <p:nvSpPr>
+          <p:cNvPr id="4" name="3 Marcador de número de diapositiva"/>
+          <p:cNvSpPr>
+            <a:spLocks noGrp="1"/>
+          </p:cNvSpPr>
+          <p:nvPr>
+            <p:ph type="sldNum" sz="quarter" idx="10"/>
+          </p:nvPr>
+        </p:nvSpPr>
+        <p:spPr/>
+        <p:txBody>
+          <a:bodyPr/>
+          <a:lstStyle/>
+          <a:p>
+            <a:fld id="{96DE5A63-0F1F-4DC0-ADE0-CC17EBA6F230}" type="slidenum">
+              <a:rPr lang="es-PE" smtClean="0"/>
+              <a:t>21</a:t>
+            </a:fld>
+            <a:endParaRPr lang="es-PE"/>
+          </a:p>
+        </p:txBody>
+      </p:sp>
+    </p:spTree>
+    <p:extLst>
+      <p:ext uri="{BB962C8B-B14F-4D97-AF65-F5344CB8AC3E}">
+        <p14:creationId xmlns:p14="http://schemas.microsoft.com/office/powerpoint/2010/main" val="3614550747"/>
+      </p:ext>
+    </p:extLst>
+  </p:cSld>
+  <p:clrMapOvr>
+    <a:masterClrMapping/>
+  </p:clrMapOvr>
+</p:notes>
+</file>
+
+<file path=ppt/notesSlides/notesSlide22.xml><?xml version="1.0" encoding="utf-8"?>
+<p:notes xmlns:a="http://schemas.openxmlformats.org/drawingml/2006/main" xmlns:r="http://schemas.openxmlformats.org/officeDocument/2006/relationships" xmlns:p="http://schemas.openxmlformats.org/presentationml/2006/main">
+  <p:cSld>
+    <p:spTree>
+      <p:nvGrpSpPr>
+        <p:cNvPr id="1" name=""/>
+        <p:cNvGrpSpPr/>
+        <p:nvPr/>
+      </p:nvGrpSpPr>
+      <p:grpSpPr>
+        <a:xfrm>
+          <a:off x="0" y="0"/>
+          <a:ext cx="0" cy="0"/>
+          <a:chOff x="0" y="0"/>
+          <a:chExt cx="0" cy="0"/>
+        </a:xfrm>
+      </p:grpSpPr>
+      <p:sp>
+        <p:nvSpPr>
+          <p:cNvPr id="2" name="1 Marcador de imagen de diapositiva"/>
+          <p:cNvSpPr>
+            <a:spLocks noGrp="1" noRot="1" noChangeAspect="1"/>
+          </p:cNvSpPr>
+          <p:nvPr>
+            <p:ph type="sldImg"/>
+          </p:nvPr>
+        </p:nvSpPr>
+        <p:spPr/>
+      </p:sp>
+      <p:sp>
+        <p:nvSpPr>
+          <p:cNvPr id="3" name="2 Marcador de notas"/>
+          <p:cNvSpPr>
+            <a:spLocks noGrp="1"/>
+          </p:cNvSpPr>
+          <p:nvPr>
+            <p:ph type="body" idx="1"/>
+          </p:nvPr>
+        </p:nvSpPr>
+        <p:spPr/>
+        <p:txBody>
+          <a:bodyPr/>
+          <a:lstStyle/>
+          <a:p>
+            <a:pPr algn="l"/>
+            <a:endParaRPr lang="es-PE" dirty="0"/>
+          </a:p>
+        </p:txBody>
+      </p:sp>
+      <p:sp>
+        <p:nvSpPr>
+          <p:cNvPr id="4" name="3 Marcador de número de diapositiva"/>
+          <p:cNvSpPr>
+            <a:spLocks noGrp="1"/>
+          </p:cNvSpPr>
+          <p:nvPr>
+            <p:ph type="sldNum" sz="quarter" idx="10"/>
+          </p:nvPr>
+        </p:nvSpPr>
+        <p:spPr/>
+        <p:txBody>
+          <a:bodyPr/>
+          <a:lstStyle/>
+          <a:p>
+            <a:fld id="{96DE5A63-0F1F-4DC0-ADE0-CC17EBA6F230}" type="slidenum">
+              <a:rPr lang="es-PE" smtClean="0"/>
+              <a:t>22</a:t>
+            </a:fld>
+            <a:endParaRPr lang="es-PE"/>
+          </a:p>
+        </p:txBody>
+      </p:sp>
+    </p:spTree>
+    <p:extLst>
+      <p:ext uri="{BB962C8B-B14F-4D97-AF65-F5344CB8AC3E}">
+        <p14:creationId xmlns:p14="http://schemas.microsoft.com/office/powerpoint/2010/main" val="3614550747"/>
+      </p:ext>
+    </p:extLst>
+  </p:cSld>
+  <p:clrMapOvr>
+    <a:masterClrMapping/>
+  </p:clrMapOvr>
+</p:notes>
+</file>
+
+<file path=ppt/notesSlides/notesSlide23.xml><?xml version="1.0" encoding="utf-8"?>
+<p:notes xmlns:a="http://schemas.openxmlformats.org/drawingml/2006/main" xmlns:r="http://schemas.openxmlformats.org/officeDocument/2006/relationships" xmlns:p="http://schemas.openxmlformats.org/presentationml/2006/main">
+  <p:cSld>
+    <p:spTree>
+      <p:nvGrpSpPr>
+        <p:cNvPr id="1" name=""/>
+        <p:cNvGrpSpPr/>
+        <p:nvPr/>
+      </p:nvGrpSpPr>
+      <p:grpSpPr>
+        <a:xfrm>
+          <a:off x="0" y="0"/>
+          <a:ext cx="0" cy="0"/>
+          <a:chOff x="0" y="0"/>
+          <a:chExt cx="0" cy="0"/>
+        </a:xfrm>
+      </p:grpSpPr>
+      <p:sp>
+        <p:nvSpPr>
+          <p:cNvPr id="2" name="1 Marcador de imagen de diapositiva"/>
+          <p:cNvSpPr>
+            <a:spLocks noGrp="1" noRot="1" noChangeAspect="1"/>
+          </p:cNvSpPr>
+          <p:nvPr>
+            <p:ph type="sldImg"/>
+          </p:nvPr>
+        </p:nvSpPr>
+        <p:spPr/>
+      </p:sp>
+      <p:sp>
+        <p:nvSpPr>
+          <p:cNvPr id="3" name="2 Marcador de notas"/>
+          <p:cNvSpPr>
+            <a:spLocks noGrp="1"/>
+          </p:cNvSpPr>
+          <p:nvPr>
+            <p:ph type="body" idx="1"/>
+          </p:nvPr>
+        </p:nvSpPr>
+        <p:spPr/>
+        <p:txBody>
+          <a:bodyPr/>
+          <a:lstStyle/>
+          <a:p>
+            <a:pPr algn="l"/>
+            <a:endParaRPr lang="es-PE" dirty="0"/>
+          </a:p>
+        </p:txBody>
+      </p:sp>
+      <p:sp>
+        <p:nvSpPr>
+          <p:cNvPr id="4" name="3 Marcador de número de diapositiva"/>
+          <p:cNvSpPr>
+            <a:spLocks noGrp="1"/>
+          </p:cNvSpPr>
+          <p:nvPr>
+            <p:ph type="sldNum" sz="quarter" idx="10"/>
+          </p:nvPr>
+        </p:nvSpPr>
+        <p:spPr/>
+        <p:txBody>
+          <a:bodyPr/>
+          <a:lstStyle/>
+          <a:p>
+            <a:fld id="{96DE5A63-0F1F-4DC0-ADE0-CC17EBA6F230}" type="slidenum">
+              <a:rPr lang="es-PE" smtClean="0"/>
+              <a:t>23</a:t>
             </a:fld>
             <a:endParaRPr lang="es-PE"/>
           </a:p>
@@ -2040,7 +2918,7 @@
             <a:fld id="{807CB568-C05F-482F-9F26-AA302B8892DF}" type="datetimeFigureOut">
               <a:rPr lang="es-ES" smtClean="0"/>
               <a:pPr/>
-              <a:t>09/09/2011</a:t>
+              <a:t>29/09/2011</a:t>
             </a:fld>
             <a:endParaRPr lang="es-ES"/>
           </a:p>
@@ -2219,7 +3097,7 @@
             <a:fld id="{807CB568-C05F-482F-9F26-AA302B8892DF}" type="datetimeFigureOut">
               <a:rPr lang="es-ES" smtClean="0"/>
               <a:pPr/>
-              <a:t>09/09/2011</a:t>
+              <a:t>29/09/2011</a:t>
             </a:fld>
             <a:endParaRPr lang="es-ES"/>
           </a:p>
@@ -2408,7 +3286,7 @@
             <a:fld id="{807CB568-C05F-482F-9F26-AA302B8892DF}" type="datetimeFigureOut">
               <a:rPr lang="es-ES" smtClean="0"/>
               <a:pPr/>
-              <a:t>09/09/2011</a:t>
+              <a:t>29/09/2011</a:t>
             </a:fld>
             <a:endParaRPr lang="es-ES"/>
           </a:p>
@@ -2587,7 +3465,7 @@
             <a:fld id="{807CB568-C05F-482F-9F26-AA302B8892DF}" type="datetimeFigureOut">
               <a:rPr lang="es-ES" smtClean="0"/>
               <a:pPr/>
-              <a:t>09/09/2011</a:t>
+              <a:t>29/09/2011</a:t>
             </a:fld>
             <a:endParaRPr lang="es-ES"/>
           </a:p>
@@ -2842,7 +3720,7 @@
             <a:fld id="{807CB568-C05F-482F-9F26-AA302B8892DF}" type="datetimeFigureOut">
               <a:rPr lang="es-ES" smtClean="0"/>
               <a:pPr/>
-              <a:t>09/09/2011</a:t>
+              <a:t>29/09/2011</a:t>
             </a:fld>
             <a:endParaRPr lang="es-ES"/>
           </a:p>
@@ -3139,7 +4017,7 @@
             <a:fld id="{807CB568-C05F-482F-9F26-AA302B8892DF}" type="datetimeFigureOut">
               <a:rPr lang="es-ES" smtClean="0"/>
               <a:pPr/>
-              <a:t>09/09/2011</a:t>
+              <a:t>29/09/2011</a:t>
             </a:fld>
             <a:endParaRPr lang="es-ES"/>
           </a:p>
@@ -3570,7 +4448,7 @@
             <a:fld id="{807CB568-C05F-482F-9F26-AA302B8892DF}" type="datetimeFigureOut">
               <a:rPr lang="es-ES" smtClean="0"/>
               <a:pPr/>
-              <a:t>09/09/2011</a:t>
+              <a:t>29/09/2011</a:t>
             </a:fld>
             <a:endParaRPr lang="es-ES"/>
           </a:p>
@@ -3697,7 +4575,7 @@
             <a:fld id="{807CB568-C05F-482F-9F26-AA302B8892DF}" type="datetimeFigureOut">
               <a:rPr lang="es-ES" smtClean="0"/>
               <a:pPr/>
-              <a:t>09/09/2011</a:t>
+              <a:t>29/09/2011</a:t>
             </a:fld>
             <a:endParaRPr lang="es-ES"/>
           </a:p>
@@ -3801,7 +4679,7 @@
             <a:fld id="{807CB568-C05F-482F-9F26-AA302B8892DF}" type="datetimeFigureOut">
               <a:rPr lang="es-ES" smtClean="0"/>
               <a:pPr/>
-              <a:t>09/09/2011</a:t>
+              <a:t>29/09/2011</a:t>
             </a:fld>
             <a:endParaRPr lang="es-ES"/>
           </a:p>
@@ -4087,7 +4965,7 @@
             <a:fld id="{807CB568-C05F-482F-9F26-AA302B8892DF}" type="datetimeFigureOut">
               <a:rPr lang="es-ES" smtClean="0"/>
               <a:pPr/>
-              <a:t>09/09/2011</a:t>
+              <a:t>29/09/2011</a:t>
             </a:fld>
             <a:endParaRPr lang="es-ES"/>
           </a:p>
@@ -4356,7 +5234,7 @@
             <a:fld id="{807CB568-C05F-482F-9F26-AA302B8892DF}" type="datetimeFigureOut">
               <a:rPr lang="es-ES" smtClean="0"/>
               <a:pPr/>
-              <a:t>09/09/2011</a:t>
+              <a:t>29/09/2011</a:t>
             </a:fld>
             <a:endParaRPr lang="es-ES"/>
           </a:p>
@@ -4607,7 +5485,7 @@
             <a:fld id="{807CB568-C05F-482F-9F26-AA302B8892DF}" type="datetimeFigureOut">
               <a:rPr lang="es-ES" smtClean="0"/>
               <a:pPr/>
-              <a:t>09/09/2011</a:t>
+              <a:t>29/09/2011</a:t>
             </a:fld>
             <a:endParaRPr lang="es-ES"/>
           </a:p>
@@ -5462,6 +6340,180 @@
                   <a:srgbClr val="FF0000"/>
                 </a:solidFill>
               </a:rPr>
+              <a:t>Premios</a:t>
+            </a:r>
+            <a:endParaRPr lang="es-PE" dirty="0">
+              <a:solidFill>
+                <a:srgbClr val="FF0000"/>
+              </a:solidFill>
+            </a:endParaRPr>
+          </a:p>
+        </p:txBody>
+      </p:sp>
+      <p:sp>
+        <p:nvSpPr>
+          <p:cNvPr id="2" name="1 CuadroTexto"/>
+          <p:cNvSpPr txBox="1"/>
+          <p:nvPr/>
+        </p:nvSpPr>
+        <p:spPr>
+          <a:xfrm>
+            <a:off x="3547427" y="1700808"/>
+            <a:ext cx="5256584" cy="3539430"/>
+          </a:xfrm>
+          <a:prstGeom prst="rect">
+            <a:avLst/>
+          </a:prstGeom>
+          <a:noFill/>
+        </p:spPr>
+        <p:txBody>
+          <a:bodyPr wrap="square" rtlCol="0">
+            <a:spAutoFit/>
+          </a:bodyPr>
+          <a:lstStyle/>
+          <a:p>
+            <a:pPr algn="ctr"/>
+            <a:r>
+              <a:rPr lang="es-PE" sz="3200" dirty="0" smtClean="0"/>
+              <a:t>El equipo ganador de cada juego se llevará 2 licencias de </a:t>
+            </a:r>
+            <a:r>
+              <a:rPr lang="es-PE" sz="3200" i="1" dirty="0" err="1" smtClean="0"/>
+              <a:t>JetBrains</a:t>
+            </a:r>
+            <a:r>
+              <a:rPr lang="es-PE" sz="3200" i="1" dirty="0" smtClean="0"/>
+              <a:t>.</a:t>
+            </a:r>
+          </a:p>
+          <a:p>
+            <a:pPr algn="ctr"/>
+            <a:endParaRPr lang="es-PE" sz="3200" dirty="0"/>
+          </a:p>
+          <a:p>
+            <a:pPr algn="ctr"/>
+            <a:r>
+              <a:rPr lang="es-PE" sz="3200" dirty="0" smtClean="0"/>
+              <a:t>Cada licencia será válida para </a:t>
+            </a:r>
+            <a:r>
+              <a:rPr lang="es-PE" sz="3200" i="1" dirty="0" err="1" smtClean="0"/>
+              <a:t>Resharper</a:t>
+            </a:r>
+            <a:r>
+              <a:rPr lang="es-PE" sz="3200" dirty="0" smtClean="0"/>
+              <a:t> o </a:t>
+            </a:r>
+            <a:r>
+              <a:rPr lang="es-PE" sz="3200" i="1" dirty="0" err="1" smtClean="0"/>
+              <a:t>IntelliJ</a:t>
+            </a:r>
+            <a:r>
+              <a:rPr lang="es-PE" sz="3200" dirty="0" smtClean="0"/>
+              <a:t> según elección.</a:t>
+            </a:r>
+            <a:endParaRPr lang="es-PE" sz="2800" dirty="0"/>
+          </a:p>
+        </p:txBody>
+      </p:sp>
+      <p:pic>
+        <p:nvPicPr>
+          <p:cNvPr id="3" name="2 Imagen"/>
+          <p:cNvPicPr>
+            <a:picLocks noChangeAspect="1"/>
+          </p:cNvPicPr>
+          <p:nvPr/>
+        </p:nvPicPr>
+        <p:blipFill rotWithShape="1">
+          <a:blip r:embed="rId3" cstate="print">
+            <a:extLst>
+              <a:ext uri="{28A0092B-C50C-407E-A947-70E740481C1C}">
+                <a14:useLocalDpi xmlns:a14="http://schemas.microsoft.com/office/drawing/2010/main" val="0"/>
+              </a:ext>
+            </a:extLst>
+          </a:blip>
+          <a:srcRect l="31564" t="5322" r="29719" b="6045"/>
+          <a:stretch/>
+        </p:blipFill>
+        <p:spPr>
+          <a:xfrm>
+            <a:off x="467544" y="836712"/>
+            <a:ext cx="2952328" cy="5748447"/>
+          </a:xfrm>
+          <a:prstGeom prst="rect">
+            <a:avLst/>
+          </a:prstGeom>
+          <a:ln>
+            <a:noFill/>
+          </a:ln>
+          <a:effectLst>
+            <a:softEdge rad="112500"/>
+          </a:effectLst>
+        </p:spPr>
+      </p:pic>
+    </p:spTree>
+    <p:extLst>
+      <p:ext uri="{BB962C8B-B14F-4D97-AF65-F5344CB8AC3E}">
+        <p14:creationId xmlns:p14="http://schemas.microsoft.com/office/powerpoint/2010/main" val="1123983067"/>
+      </p:ext>
+    </p:extLst>
+  </p:cSld>
+  <p:clrMapOvr>
+    <a:masterClrMapping/>
+  </p:clrMapOvr>
+  <p:timing>
+    <p:tnLst>
+      <p:par>
+        <p:cTn id="1" dur="indefinite" restart="never" nodeType="tmRoot"/>
+      </p:par>
+    </p:tnLst>
+  </p:timing>
+</p:sld>
+</file>
+
+<file path=ppt/slides/slide11.xml><?xml version="1.0" encoding="utf-8"?>
+<p:sld xmlns:a="http://schemas.openxmlformats.org/drawingml/2006/main" xmlns:r="http://schemas.openxmlformats.org/officeDocument/2006/relationships" xmlns:p="http://schemas.openxmlformats.org/presentationml/2006/main">
+  <p:cSld>
+    <p:spTree>
+      <p:nvGrpSpPr>
+        <p:cNvPr id="1" name=""/>
+        <p:cNvGrpSpPr/>
+        <p:nvPr/>
+      </p:nvGrpSpPr>
+      <p:grpSpPr>
+        <a:xfrm>
+          <a:off x="0" y="0"/>
+          <a:ext cx="0" cy="0"/>
+          <a:chOff x="0" y="0"/>
+          <a:chExt cx="0" cy="0"/>
+        </a:xfrm>
+      </p:grpSpPr>
+      <p:sp>
+        <p:nvSpPr>
+          <p:cNvPr id="18" name="1 Título"/>
+          <p:cNvSpPr>
+            <a:spLocks noGrp="1"/>
+          </p:cNvSpPr>
+          <p:nvPr>
+            <p:ph type="title"/>
+          </p:nvPr>
+        </p:nvSpPr>
+        <p:spPr>
+          <a:xfrm>
+            <a:off x="457200" y="160885"/>
+            <a:ext cx="8229600" cy="792088"/>
+          </a:xfrm>
+        </p:spPr>
+        <p:txBody>
+          <a:bodyPr/>
+          <a:lstStyle/>
+          <a:p>
+            <a:r>
+              <a:rPr lang="es-PE" dirty="0" smtClean="0">
+                <a:solidFill>
+                  <a:srgbClr val="FF0000"/>
+                </a:solidFill>
+              </a:rPr>
               <a:t>Etiqueta</a:t>
             </a:r>
             <a:endParaRPr lang="es-PE" dirty="0">
@@ -5559,7 +6611,102 @@
 </p:sld>
 </file>
 
-<file path=ppt/slides/slide11.xml><?xml version="1.0" encoding="utf-8"?>
+<file path=ppt/slides/slide12.xml><?xml version="1.0" encoding="utf-8"?>
+<p:sld xmlns:a="http://schemas.openxmlformats.org/drawingml/2006/main" xmlns:r="http://schemas.openxmlformats.org/officeDocument/2006/relationships" xmlns:p="http://schemas.openxmlformats.org/presentationml/2006/main">
+  <p:cSld>
+    <p:spTree>
+      <p:nvGrpSpPr>
+        <p:cNvPr id="1" name=""/>
+        <p:cNvGrpSpPr/>
+        <p:nvPr/>
+      </p:nvGrpSpPr>
+      <p:grpSpPr>
+        <a:xfrm>
+          <a:off x="0" y="0"/>
+          <a:ext cx="0" cy="0"/>
+          <a:chOff x="0" y="0"/>
+          <a:chExt cx="0" cy="0"/>
+        </a:xfrm>
+      </p:grpSpPr>
+      <p:pic>
+        <p:nvPicPr>
+          <p:cNvPr id="4" name="3 Imagen"/>
+          <p:cNvPicPr>
+            <a:picLocks noChangeAspect="1"/>
+          </p:cNvPicPr>
+          <p:nvPr/>
+        </p:nvPicPr>
+        <p:blipFill>
+          <a:blip r:embed="rId3" cstate="print">
+            <a:extLst>
+              <a:ext uri="{28A0092B-C50C-407E-A947-70E740481C1C}">
+                <a14:useLocalDpi xmlns:a14="http://schemas.microsoft.com/office/drawing/2010/main" val="0"/>
+              </a:ext>
+            </a:extLst>
+          </a:blip>
+          <a:stretch>
+            <a:fillRect/>
+          </a:stretch>
+        </p:blipFill>
+        <p:spPr>
+          <a:xfrm>
+            <a:off x="-381804" y="13016"/>
+            <a:ext cx="9913822" cy="7173416"/>
+          </a:xfrm>
+          <a:prstGeom prst="rect">
+            <a:avLst/>
+          </a:prstGeom>
+        </p:spPr>
+      </p:pic>
+      <p:sp>
+        <p:nvSpPr>
+          <p:cNvPr id="2" name="1 Título"/>
+          <p:cNvSpPr>
+            <a:spLocks noGrp="1"/>
+          </p:cNvSpPr>
+          <p:nvPr>
+            <p:ph type="ctrTitle"/>
+          </p:nvPr>
+        </p:nvSpPr>
+        <p:spPr>
+          <a:xfrm>
+            <a:off x="-20748" y="87136"/>
+            <a:ext cx="9144000" cy="1093136"/>
+          </a:xfrm>
+        </p:spPr>
+        <p:txBody>
+          <a:bodyPr/>
+          <a:lstStyle/>
+          <a:p>
+            <a:r>
+              <a:rPr lang="es-PE" sz="11500" b="1" spc="300" dirty="0" smtClean="0"/>
+              <a:t>DEMO</a:t>
+            </a:r>
+            <a:endParaRPr lang="es-ES" sz="9600" b="1" spc="300" dirty="0"/>
+          </a:p>
+        </p:txBody>
+      </p:sp>
+    </p:spTree>
+    <p:extLst>
+      <p:ext uri="{BB962C8B-B14F-4D97-AF65-F5344CB8AC3E}">
+        <p14:creationId xmlns:p14="http://schemas.microsoft.com/office/powerpoint/2010/main" val="3149365002"/>
+      </p:ext>
+    </p:extLst>
+  </p:cSld>
+  <p:clrMapOvr>
+    <a:masterClrMapping/>
+  </p:clrMapOvr>
+  <p:timing>
+    <p:tnLst>
+      <p:par>
+        <p:cTn id="1" dur="indefinite" restart="never" nodeType="tmRoot"/>
+      </p:par>
+    </p:tnLst>
+  </p:timing>
+</p:sld>
+</file>
+
+<file path=ppt/slides/slide13.xml><?xml version="1.0" encoding="utf-8"?>
 <p:sld xmlns:a="http://schemas.openxmlformats.org/drawingml/2006/main" xmlns:r="http://schemas.openxmlformats.org/officeDocument/2006/relationships" xmlns:p="http://schemas.openxmlformats.org/presentationml/2006/main">
   <p:cSld>
     <p:spTree>
@@ -5618,8 +6765,8 @@
         </p:nvSpPr>
         <p:spPr>
           <a:xfrm>
-            <a:off x="1333267" y="5517232"/>
-            <a:ext cx="6552728" cy="1093136"/>
+            <a:off x="704264" y="5517232"/>
+            <a:ext cx="7810734" cy="1093136"/>
           </a:xfrm>
         </p:spPr>
         <p:txBody>
@@ -5628,7 +6775,11 @@
           <a:p>
             <a:r>
               <a:rPr lang="es-PE" sz="11500" b="1" spc="300" dirty="0" smtClean="0"/>
-              <a:t>1st GAME</a:t>
+              <a:t>1st </a:t>
+            </a:r>
+            <a:r>
+              <a:rPr lang="es-PE" sz="11500" b="1" spc="300" dirty="0" smtClean="0"/>
+              <a:t>COURSE</a:t>
             </a:r>
             <a:endParaRPr lang="es-ES" sz="9600" b="1" spc="300" dirty="0"/>
           </a:p>
@@ -5637,7 +6788,7 @@
     </p:spTree>
     <p:extLst>
       <p:ext uri="{BB962C8B-B14F-4D97-AF65-F5344CB8AC3E}">
-        <p14:creationId xmlns:p14="http://schemas.microsoft.com/office/powerpoint/2010/main" val="3149365002"/>
+        <p14:creationId xmlns:p14="http://schemas.microsoft.com/office/powerpoint/2010/main" val="2661519987"/>
       </p:ext>
     </p:extLst>
   </p:cSld>
@@ -5654,7 +6805,7 @@
 </p:sld>
 </file>
 
-<file path=ppt/slides/slide12.xml><?xml version="1.0" encoding="utf-8"?>
+<file path=ppt/slides/slide14.xml><?xml version="1.0" encoding="utf-8"?>
 <p:sld xmlns:a="http://schemas.openxmlformats.org/drawingml/2006/main" xmlns:r="http://schemas.openxmlformats.org/officeDocument/2006/relationships" xmlns:p="http://schemas.openxmlformats.org/presentationml/2006/main">
   <p:cSld>
     <p:spTree>
@@ -5732,15 +6883,7 @@
             <a:pPr algn="ctr"/>
             <a:r>
               <a:rPr lang="es-PE" sz="4000" dirty="0" smtClean="0"/>
-              <a:t>Aprender y practicar diversos </a:t>
-            </a:r>
-            <a:r>
-              <a:rPr lang="es-PE" sz="4000" dirty="0" smtClean="0"/>
-              <a:t>refactorizaciones tanto </a:t>
-            </a:r>
-            <a:r>
-              <a:rPr lang="es-PE" sz="4000" dirty="0" smtClean="0"/>
-              <a:t>simples como complejos</a:t>
+              <a:t>Aprender y practicar diversos refactorizaciones tanto simples como complejos</a:t>
             </a:r>
             <a:endParaRPr lang="es-PE" sz="4000" dirty="0"/>
           </a:p>
@@ -5766,7 +6909,506 @@
 </p:sld>
 </file>
 
-<file path=ppt/slides/slide13.xml><?xml version="1.0" encoding="utf-8"?>
+<file path=ppt/slides/slide15.xml><?xml version="1.0" encoding="utf-8"?>
+<p:sld xmlns:a="http://schemas.openxmlformats.org/drawingml/2006/main" xmlns:r="http://schemas.openxmlformats.org/officeDocument/2006/relationships" xmlns:p="http://schemas.openxmlformats.org/presentationml/2006/main">
+  <p:cSld>
+    <p:spTree>
+      <p:nvGrpSpPr>
+        <p:cNvPr id="1" name=""/>
+        <p:cNvGrpSpPr/>
+        <p:nvPr/>
+      </p:nvGrpSpPr>
+      <p:grpSpPr>
+        <a:xfrm>
+          <a:off x="0" y="0"/>
+          <a:ext cx="0" cy="0"/>
+          <a:chOff x="0" y="0"/>
+          <a:chExt cx="0" cy="0"/>
+        </a:xfrm>
+      </p:grpSpPr>
+      <p:sp>
+        <p:nvSpPr>
+          <p:cNvPr id="18" name="1 Título"/>
+          <p:cNvSpPr>
+            <a:spLocks noGrp="1"/>
+          </p:cNvSpPr>
+          <p:nvPr>
+            <p:ph type="title"/>
+          </p:nvPr>
+        </p:nvSpPr>
+        <p:spPr>
+          <a:xfrm>
+            <a:off x="457200" y="1589389"/>
+            <a:ext cx="8229600" cy="792088"/>
+          </a:xfrm>
+        </p:spPr>
+        <p:txBody>
+          <a:bodyPr/>
+          <a:lstStyle/>
+          <a:p>
+            <a:r>
+              <a:rPr lang="es-PE" sz="4800" dirty="0" smtClean="0">
+                <a:solidFill>
+                  <a:srgbClr val="FF0000"/>
+                </a:solidFill>
+              </a:rPr>
+              <a:t>Descripción</a:t>
+            </a:r>
+            <a:endParaRPr lang="es-PE" sz="4800" dirty="0">
+              <a:solidFill>
+                <a:srgbClr val="FF0000"/>
+              </a:solidFill>
+            </a:endParaRPr>
+          </a:p>
+        </p:txBody>
+      </p:sp>
+      <p:sp>
+        <p:nvSpPr>
+          <p:cNvPr id="2" name="1 CuadroTexto"/>
+          <p:cNvSpPr txBox="1"/>
+          <p:nvPr/>
+        </p:nvSpPr>
+        <p:spPr>
+          <a:xfrm>
+            <a:off x="611560" y="2507644"/>
+            <a:ext cx="8064896" cy="1323439"/>
+          </a:xfrm>
+          <a:prstGeom prst="rect">
+            <a:avLst/>
+          </a:prstGeom>
+          <a:noFill/>
+        </p:spPr>
+        <p:txBody>
+          <a:bodyPr wrap="square" rtlCol="0">
+            <a:spAutoFit/>
+          </a:bodyPr>
+          <a:lstStyle/>
+          <a:p>
+            <a:pPr algn="ctr"/>
+            <a:r>
+              <a:rPr lang="es-PE" sz="4000" dirty="0"/>
+              <a:t>El código </a:t>
+            </a:r>
+            <a:r>
+              <a:rPr lang="es-PE" sz="4000" dirty="0" smtClean="0"/>
+              <a:t>representa el dominio de </a:t>
+            </a:r>
+            <a:r>
+              <a:rPr lang="es-PE" sz="4000" dirty="0"/>
+              <a:t>una tienda online de bicicletas.</a:t>
+            </a:r>
+            <a:endParaRPr lang="es-PE" sz="4000" dirty="0"/>
+          </a:p>
+        </p:txBody>
+      </p:sp>
+    </p:spTree>
+    <p:extLst>
+      <p:ext uri="{BB962C8B-B14F-4D97-AF65-F5344CB8AC3E}">
+        <p14:creationId xmlns:p14="http://schemas.microsoft.com/office/powerpoint/2010/main" val="2864752739"/>
+      </p:ext>
+    </p:extLst>
+  </p:cSld>
+  <p:clrMapOvr>
+    <a:masterClrMapping/>
+  </p:clrMapOvr>
+  <p:timing>
+    <p:tnLst>
+      <p:par>
+        <p:cTn id="1" dur="indefinite" restart="never" nodeType="tmRoot"/>
+      </p:par>
+    </p:tnLst>
+  </p:timing>
+</p:sld>
+</file>
+
+<file path=ppt/slides/slide16.xml><?xml version="1.0" encoding="utf-8"?>
+<p:sld xmlns:a="http://schemas.openxmlformats.org/drawingml/2006/main" xmlns:r="http://schemas.openxmlformats.org/officeDocument/2006/relationships" xmlns:p="http://schemas.openxmlformats.org/presentationml/2006/main">
+  <p:cSld>
+    <p:spTree>
+      <p:nvGrpSpPr>
+        <p:cNvPr id="1" name=""/>
+        <p:cNvGrpSpPr/>
+        <p:nvPr/>
+      </p:nvGrpSpPr>
+      <p:grpSpPr>
+        <a:xfrm>
+          <a:off x="0" y="0"/>
+          <a:ext cx="0" cy="0"/>
+          <a:chOff x="0" y="0"/>
+          <a:chExt cx="0" cy="0"/>
+        </a:xfrm>
+      </p:grpSpPr>
+      <p:sp>
+        <p:nvSpPr>
+          <p:cNvPr id="18" name="1 Título"/>
+          <p:cNvSpPr>
+            <a:spLocks noGrp="1"/>
+          </p:cNvSpPr>
+          <p:nvPr>
+            <p:ph type="title"/>
+          </p:nvPr>
+        </p:nvSpPr>
+        <p:spPr>
+          <a:xfrm>
+            <a:off x="457200" y="162000"/>
+            <a:ext cx="8229600" cy="792088"/>
+          </a:xfrm>
+        </p:spPr>
+        <p:txBody>
+          <a:bodyPr/>
+          <a:lstStyle/>
+          <a:p>
+            <a:r>
+              <a:rPr lang="es-PE" sz="4800" dirty="0" smtClean="0">
+                <a:solidFill>
+                  <a:srgbClr val="FF0000"/>
+                </a:solidFill>
+              </a:rPr>
+              <a:t>Reglas</a:t>
+            </a:r>
+            <a:endParaRPr lang="es-PE" sz="4800" dirty="0">
+              <a:solidFill>
+                <a:srgbClr val="FF0000"/>
+              </a:solidFill>
+            </a:endParaRPr>
+          </a:p>
+        </p:txBody>
+      </p:sp>
+      <p:sp>
+        <p:nvSpPr>
+          <p:cNvPr id="2" name="1 CuadroTexto"/>
+          <p:cNvSpPr txBox="1"/>
+          <p:nvPr/>
+        </p:nvSpPr>
+        <p:spPr>
+          <a:xfrm>
+            <a:off x="251520" y="908720"/>
+            <a:ext cx="8640960" cy="1569660"/>
+          </a:xfrm>
+          <a:prstGeom prst="rect">
+            <a:avLst/>
+          </a:prstGeom>
+          <a:noFill/>
+        </p:spPr>
+        <p:txBody>
+          <a:bodyPr wrap="square" rtlCol="0">
+            <a:spAutoFit/>
+          </a:bodyPr>
+          <a:lstStyle/>
+          <a:p>
+            <a:pPr algn="ctr"/>
+            <a:r>
+              <a:rPr lang="es-PE" sz="3200" dirty="0" smtClean="0"/>
+              <a:t>Es </a:t>
+            </a:r>
+            <a:r>
+              <a:rPr lang="es-PE" sz="3200" dirty="0" smtClean="0"/>
+              <a:t>un juego </a:t>
+            </a:r>
+            <a:r>
+              <a:rPr lang="es-PE" sz="3200" dirty="0" smtClean="0"/>
+              <a:t>de 4 hoyos, todos los equipos comenzarán en el </a:t>
+            </a:r>
+            <a:r>
+              <a:rPr lang="es-PE" sz="3200" dirty="0" err="1" smtClean="0"/>
+              <a:t>tee</a:t>
+            </a:r>
+            <a:r>
+              <a:rPr lang="es-PE" sz="3200" dirty="0" smtClean="0"/>
+              <a:t> y en los siguientes hoyos de manera simultanea.</a:t>
+            </a:r>
+          </a:p>
+        </p:txBody>
+      </p:sp>
+      <p:pic>
+        <p:nvPicPr>
+          <p:cNvPr id="1026" name="Picture 2"/>
+          <p:cNvPicPr>
+            <a:picLocks noChangeAspect="1" noChangeArrowheads="1"/>
+          </p:cNvPicPr>
+          <p:nvPr/>
+        </p:nvPicPr>
+        <p:blipFill>
+          <a:blip r:embed="rId3">
+            <a:extLst>
+              <a:ext uri="{28A0092B-C50C-407E-A947-70E740481C1C}">
+                <a14:useLocalDpi xmlns:a14="http://schemas.microsoft.com/office/drawing/2010/main" val="0"/>
+              </a:ext>
+            </a:extLst>
+          </a:blip>
+          <a:srcRect/>
+          <a:stretch>
+            <a:fillRect/>
+          </a:stretch>
+        </p:blipFill>
+        <p:spPr bwMode="auto">
+          <a:xfrm>
+            <a:off x="3085413" y="2564904"/>
+            <a:ext cx="3096344" cy="2750042"/>
+          </a:xfrm>
+          <a:prstGeom prst="rect">
+            <a:avLst/>
+          </a:prstGeom>
+          <a:ln>
+            <a:noFill/>
+          </a:ln>
+          <a:effectLst>
+            <a:softEdge rad="112500"/>
+          </a:effectLst>
+          <a:extLst>
+            <a:ext uri="{909E8E84-426E-40DD-AFC4-6F175D3DCCD1}">
+              <a14:hiddenFill xmlns:a14="http://schemas.microsoft.com/office/drawing/2010/main">
+                <a:solidFill>
+                  <a:schemeClr val="accent1"/>
+                </a:solidFill>
+              </a14:hiddenFill>
+            </a:ext>
+            <a:ext uri="{91240B29-F687-4F45-9708-019B960494DF}">
+              <a14:hiddenLine xmlns:a14="http://schemas.microsoft.com/office/drawing/2010/main" w="9525">
+                <a:solidFill>
+                  <a:schemeClr val="tx1"/>
+                </a:solidFill>
+                <a:miter lim="800000"/>
+                <a:headEnd/>
+                <a:tailEnd/>
+              </a14:hiddenLine>
+            </a:ext>
+            <a:ext uri="{AF507438-7753-43E0-B8FC-AC1667EBCBE1}">
+              <a14:hiddenEffects xmlns:a14="http://schemas.microsoft.com/office/drawing/2010/main">
+                <a:effectLst>
+                  <a:outerShdw dist="35921" dir="2700000" algn="ctr" rotWithShape="0">
+                    <a:schemeClr val="bg2"/>
+                  </a:outerShdw>
+                </a:effectLst>
+              </a14:hiddenEffects>
+            </a:ext>
+          </a:extLst>
+        </p:spPr>
+      </p:pic>
+      <p:sp>
+        <p:nvSpPr>
+          <p:cNvPr id="3" name="2 Rectángulo"/>
+          <p:cNvSpPr/>
+          <p:nvPr/>
+        </p:nvSpPr>
+        <p:spPr>
+          <a:xfrm>
+            <a:off x="251520" y="5373216"/>
+            <a:ext cx="8640960" cy="1077218"/>
+          </a:xfrm>
+          <a:prstGeom prst="rect">
+            <a:avLst/>
+          </a:prstGeom>
+        </p:spPr>
+        <p:txBody>
+          <a:bodyPr wrap="square">
+            <a:spAutoFit/>
+          </a:bodyPr>
+          <a:lstStyle/>
+          <a:p>
+            <a:pPr algn="ctr"/>
+            <a:r>
+              <a:rPr lang="es-PE" sz="3200" dirty="0" smtClean="0"/>
+              <a:t>El tiempo por hoyo es 10 minutos, al finalizar cada hoyo el mejor equipo mostrará sus resultados.</a:t>
+            </a:r>
+            <a:endParaRPr lang="es-PE" sz="3200" dirty="0"/>
+          </a:p>
+        </p:txBody>
+      </p:sp>
+    </p:spTree>
+    <p:extLst>
+      <p:ext uri="{BB962C8B-B14F-4D97-AF65-F5344CB8AC3E}">
+        <p14:creationId xmlns:p14="http://schemas.microsoft.com/office/powerpoint/2010/main" val="3539184923"/>
+      </p:ext>
+    </p:extLst>
+  </p:cSld>
+  <p:clrMapOvr>
+    <a:masterClrMapping/>
+  </p:clrMapOvr>
+  <p:timing>
+    <p:tnLst>
+      <p:par>
+        <p:cTn id="1" dur="indefinite" restart="never" nodeType="tmRoot"/>
+      </p:par>
+    </p:tnLst>
+  </p:timing>
+</p:sld>
+</file>
+
+<file path=ppt/slides/slide17.xml><?xml version="1.0" encoding="utf-8"?>
+<p:sld xmlns:a="http://schemas.openxmlformats.org/drawingml/2006/main" xmlns:r="http://schemas.openxmlformats.org/officeDocument/2006/relationships" xmlns:p="http://schemas.openxmlformats.org/presentationml/2006/main">
+  <p:cSld>
+    <p:spTree>
+      <p:nvGrpSpPr>
+        <p:cNvPr id="1" name=""/>
+        <p:cNvGrpSpPr/>
+        <p:nvPr/>
+      </p:nvGrpSpPr>
+      <p:grpSpPr>
+        <a:xfrm>
+          <a:off x="0" y="0"/>
+          <a:ext cx="0" cy="0"/>
+          <a:chOff x="0" y="0"/>
+          <a:chExt cx="0" cy="0"/>
+        </a:xfrm>
+      </p:grpSpPr>
+      <p:sp>
+        <p:nvSpPr>
+          <p:cNvPr id="18" name="1 Título"/>
+          <p:cNvSpPr>
+            <a:spLocks noGrp="1"/>
+          </p:cNvSpPr>
+          <p:nvPr>
+            <p:ph type="title"/>
+          </p:nvPr>
+        </p:nvSpPr>
+        <p:spPr>
+          <a:xfrm>
+            <a:off x="457200" y="162000"/>
+            <a:ext cx="8229600" cy="792088"/>
+          </a:xfrm>
+        </p:spPr>
+        <p:txBody>
+          <a:bodyPr/>
+          <a:lstStyle/>
+          <a:p>
+            <a:r>
+              <a:rPr lang="es-PE" sz="4800" dirty="0" smtClean="0">
+                <a:solidFill>
+                  <a:srgbClr val="FF0000"/>
+                </a:solidFill>
+              </a:rPr>
+              <a:t>Listos </a:t>
+            </a:r>
+            <a:r>
+              <a:rPr lang="es-PE" sz="4800" dirty="0">
+                <a:solidFill>
+                  <a:srgbClr val="FF0000"/>
+                </a:solidFill>
+              </a:rPr>
+              <a:t>P</a:t>
+            </a:r>
+            <a:r>
+              <a:rPr lang="es-PE" sz="4800" dirty="0" smtClean="0">
+                <a:solidFill>
+                  <a:srgbClr val="FF0000"/>
+                </a:solidFill>
+              </a:rPr>
+              <a:t>ara Comenzar</a:t>
+            </a:r>
+            <a:endParaRPr lang="es-PE" sz="4800" dirty="0">
+              <a:solidFill>
+                <a:srgbClr val="FF0000"/>
+              </a:solidFill>
+            </a:endParaRPr>
+          </a:p>
+        </p:txBody>
+      </p:sp>
+      <p:sp>
+        <p:nvSpPr>
+          <p:cNvPr id="2" name="1 CuadroTexto"/>
+          <p:cNvSpPr txBox="1"/>
+          <p:nvPr/>
+        </p:nvSpPr>
+        <p:spPr>
+          <a:xfrm>
+            <a:off x="251520" y="1208941"/>
+            <a:ext cx="8640960" cy="4524315"/>
+          </a:xfrm>
+          <a:prstGeom prst="rect">
+            <a:avLst/>
+          </a:prstGeom>
+          <a:noFill/>
+        </p:spPr>
+        <p:txBody>
+          <a:bodyPr wrap="square" rtlCol="0">
+            <a:spAutoFit/>
+          </a:bodyPr>
+          <a:lstStyle/>
+          <a:p>
+            <a:pPr marL="457200" indent="-457200">
+              <a:buFont typeface="Arial" pitchFamily="34" charset="0"/>
+              <a:buChar char="•"/>
+            </a:pPr>
+            <a:r>
+              <a:rPr lang="es-PE" sz="3200" dirty="0" smtClean="0"/>
+              <a:t>Abrir el código inicial en el IDE.</a:t>
+            </a:r>
+          </a:p>
+          <a:p>
+            <a:pPr marL="457200" indent="-457200">
+              <a:buFont typeface="Arial" pitchFamily="34" charset="0"/>
+              <a:buChar char="•"/>
+            </a:pPr>
+            <a:endParaRPr lang="es-PE" sz="3200" dirty="0"/>
+          </a:p>
+          <a:p>
+            <a:pPr marL="457200" indent="-457200">
+              <a:buFont typeface="Arial" pitchFamily="34" charset="0"/>
+              <a:buChar char="•"/>
+            </a:pPr>
+            <a:r>
+              <a:rPr lang="es-PE" sz="3200" dirty="0" smtClean="0"/>
+              <a:t>Asegurarse que compile y todos los test se pasen.</a:t>
+            </a:r>
+          </a:p>
+          <a:p>
+            <a:pPr marL="457200" indent="-457200">
+              <a:buFont typeface="Arial" pitchFamily="34" charset="0"/>
+              <a:buChar char="•"/>
+            </a:pPr>
+            <a:endParaRPr lang="es-PE" sz="3200" dirty="0"/>
+          </a:p>
+          <a:p>
+            <a:pPr marL="457200" indent="-457200">
+              <a:buFont typeface="Arial" pitchFamily="34" charset="0"/>
+              <a:buChar char="•"/>
+            </a:pPr>
+            <a:r>
+              <a:rPr lang="es-PE" sz="3200" dirty="0" smtClean="0"/>
+              <a:t>No se olviden las actividades de cada rol del equipo.</a:t>
+            </a:r>
+          </a:p>
+          <a:p>
+            <a:pPr marL="457200" indent="-457200">
+              <a:buFont typeface="Arial" pitchFamily="34" charset="0"/>
+              <a:buChar char="•"/>
+            </a:pPr>
+            <a:endParaRPr lang="es-PE" sz="3200" dirty="0"/>
+          </a:p>
+          <a:p>
+            <a:pPr marL="457200" indent="-457200">
+              <a:buFont typeface="Arial" pitchFamily="34" charset="0"/>
+              <a:buChar char="•"/>
+            </a:pPr>
+            <a:r>
+              <a:rPr lang="es-PE" sz="3200" dirty="0" smtClean="0"/>
+              <a:t>Tienen 10 minutos por hoyo.</a:t>
+            </a:r>
+          </a:p>
+        </p:txBody>
+      </p:sp>
+    </p:spTree>
+    <p:extLst>
+      <p:ext uri="{BB962C8B-B14F-4D97-AF65-F5344CB8AC3E}">
+        <p14:creationId xmlns:p14="http://schemas.microsoft.com/office/powerpoint/2010/main" val="2616784292"/>
+      </p:ext>
+    </p:extLst>
+  </p:cSld>
+  <p:clrMapOvr>
+    <a:masterClrMapping/>
+  </p:clrMapOvr>
+  <p:timing>
+    <p:tnLst>
+      <p:par>
+        <p:cTn id="1" dur="indefinite" restart="never" nodeType="tmRoot"/>
+      </p:par>
+    </p:tnLst>
+  </p:timing>
+</p:sld>
+</file>
+
+<file path=ppt/slides/slide18.xml><?xml version="1.0" encoding="utf-8"?>
 <p:sld xmlns:a="http://schemas.openxmlformats.org/drawingml/2006/main" xmlns:r="http://schemas.openxmlformats.org/officeDocument/2006/relationships" xmlns:p="http://schemas.openxmlformats.org/presentationml/2006/main">
   <p:cSld>
     <p:spTree>
@@ -5825,8 +7467,8 @@
         </p:nvSpPr>
         <p:spPr>
           <a:xfrm>
-            <a:off x="1093494" y="5445224"/>
-            <a:ext cx="6957012" cy="1093136"/>
+            <a:off x="359532" y="5445224"/>
+            <a:ext cx="8424936" cy="1093136"/>
           </a:xfrm>
         </p:spPr>
         <p:txBody>
@@ -5835,7 +7477,11 @@
           <a:p>
             <a:r>
               <a:rPr lang="es-PE" sz="11500" b="1" spc="300" dirty="0" smtClean="0"/>
-              <a:t>2nd GAME</a:t>
+              <a:t>2nd </a:t>
+            </a:r>
+            <a:r>
+              <a:rPr lang="es-PE" sz="11500" b="1" spc="300" dirty="0" smtClean="0"/>
+              <a:t>COURSE</a:t>
             </a:r>
             <a:endParaRPr lang="es-ES" sz="9600" b="1" spc="300" dirty="0"/>
           </a:p>
@@ -5861,7 +7507,7 @@
 </p:sld>
 </file>
 
-<file path=ppt/slides/slide14.xml><?xml version="1.0" encoding="utf-8"?>
+<file path=ppt/slides/slide19.xml><?xml version="1.0" encoding="utf-8"?>
 <p:sld xmlns:a="http://schemas.openxmlformats.org/drawingml/2006/main" xmlns:r="http://schemas.openxmlformats.org/officeDocument/2006/relationships" xmlns:p="http://schemas.openxmlformats.org/presentationml/2006/main">
   <p:cSld>
     <p:spTree>
@@ -6138,7 +7784,6 @@
               <a:rPr lang="es-PE" sz="3000" dirty="0"/>
               <a:t>mejores soluciones serán presentadas al resto de los asistentes.</a:t>
             </a:r>
-            <a:endParaRPr lang="es-PE" sz="3000" dirty="0"/>
           </a:p>
         </p:txBody>
       </p:sp>
@@ -6146,6 +7791,655 @@
     <p:extLst>
       <p:ext uri="{BB962C8B-B14F-4D97-AF65-F5344CB8AC3E}">
         <p14:creationId xmlns:p14="http://schemas.microsoft.com/office/powerpoint/2010/main" val="2961369227"/>
+      </p:ext>
+    </p:extLst>
+  </p:cSld>
+  <p:clrMapOvr>
+    <a:masterClrMapping/>
+  </p:clrMapOvr>
+  <p:timing>
+    <p:tnLst>
+      <p:par>
+        <p:cTn id="1" dur="indefinite" restart="never" nodeType="tmRoot"/>
+      </p:par>
+    </p:tnLst>
+  </p:timing>
+</p:sld>
+</file>
+
+<file path=ppt/slides/slide20.xml><?xml version="1.0" encoding="utf-8"?>
+<p:sld xmlns:a="http://schemas.openxmlformats.org/drawingml/2006/main" xmlns:r="http://schemas.openxmlformats.org/officeDocument/2006/relationships" xmlns:p="http://schemas.openxmlformats.org/presentationml/2006/main">
+  <p:cSld>
+    <p:spTree>
+      <p:nvGrpSpPr>
+        <p:cNvPr id="1" name=""/>
+        <p:cNvGrpSpPr/>
+        <p:nvPr/>
+      </p:nvGrpSpPr>
+      <p:grpSpPr>
+        <a:xfrm>
+          <a:off x="0" y="0"/>
+          <a:ext cx="0" cy="0"/>
+          <a:chOff x="0" y="0"/>
+          <a:chExt cx="0" cy="0"/>
+        </a:xfrm>
+      </p:grpSpPr>
+      <p:sp>
+        <p:nvSpPr>
+          <p:cNvPr id="18" name="1 Título"/>
+          <p:cNvSpPr>
+            <a:spLocks noGrp="1"/>
+          </p:cNvSpPr>
+          <p:nvPr>
+            <p:ph type="title"/>
+          </p:nvPr>
+        </p:nvSpPr>
+        <p:spPr>
+          <a:xfrm>
+            <a:off x="457200" y="1589389"/>
+            <a:ext cx="8229600" cy="792088"/>
+          </a:xfrm>
+        </p:spPr>
+        <p:txBody>
+          <a:bodyPr/>
+          <a:lstStyle/>
+          <a:p>
+            <a:r>
+              <a:rPr lang="es-PE" sz="4800" dirty="0" smtClean="0">
+                <a:solidFill>
+                  <a:srgbClr val="FF0000"/>
+                </a:solidFill>
+              </a:rPr>
+              <a:t>Descripción</a:t>
+            </a:r>
+            <a:endParaRPr lang="es-PE" sz="4800" dirty="0">
+              <a:solidFill>
+                <a:srgbClr val="FF0000"/>
+              </a:solidFill>
+            </a:endParaRPr>
+          </a:p>
+        </p:txBody>
+      </p:sp>
+      <p:sp>
+        <p:nvSpPr>
+          <p:cNvPr id="2" name="1 CuadroTexto"/>
+          <p:cNvSpPr txBox="1"/>
+          <p:nvPr/>
+        </p:nvSpPr>
+        <p:spPr>
+          <a:xfrm>
+            <a:off x="611560" y="2507644"/>
+            <a:ext cx="8064896" cy="1323439"/>
+          </a:xfrm>
+          <a:prstGeom prst="rect">
+            <a:avLst/>
+          </a:prstGeom>
+          <a:noFill/>
+        </p:spPr>
+        <p:txBody>
+          <a:bodyPr wrap="square" rtlCol="0">
+            <a:spAutoFit/>
+          </a:bodyPr>
+          <a:lstStyle/>
+          <a:p>
+            <a:pPr algn="ctr"/>
+            <a:r>
+              <a:rPr lang="es-PE" sz="4000" dirty="0"/>
+              <a:t>El código </a:t>
+            </a:r>
+            <a:r>
+              <a:rPr lang="es-PE" sz="4000" dirty="0" smtClean="0"/>
+              <a:t>es de una clase que representa a un </a:t>
+            </a:r>
+            <a:r>
+              <a:rPr lang="es-PE" sz="4000" dirty="0" err="1" smtClean="0"/>
+              <a:t>Stack</a:t>
+            </a:r>
+            <a:r>
+              <a:rPr lang="es-PE" sz="4000" dirty="0" smtClean="0"/>
+              <a:t> (Pila) </a:t>
+            </a:r>
+            <a:endParaRPr lang="es-PE" sz="4000" dirty="0"/>
+          </a:p>
+        </p:txBody>
+      </p:sp>
+    </p:spTree>
+    <p:extLst>
+      <p:ext uri="{BB962C8B-B14F-4D97-AF65-F5344CB8AC3E}">
+        <p14:creationId xmlns:p14="http://schemas.microsoft.com/office/powerpoint/2010/main" val="997755487"/>
+      </p:ext>
+    </p:extLst>
+  </p:cSld>
+  <p:clrMapOvr>
+    <a:masterClrMapping/>
+  </p:clrMapOvr>
+  <p:timing>
+    <p:tnLst>
+      <p:par>
+        <p:cTn id="1" dur="indefinite" restart="never" nodeType="tmRoot"/>
+      </p:par>
+    </p:tnLst>
+  </p:timing>
+</p:sld>
+</file>
+
+<file path=ppt/slides/slide21.xml><?xml version="1.0" encoding="utf-8"?>
+<p:sld xmlns:a="http://schemas.openxmlformats.org/drawingml/2006/main" xmlns:r="http://schemas.openxmlformats.org/officeDocument/2006/relationships" xmlns:p="http://schemas.openxmlformats.org/presentationml/2006/main">
+  <p:cSld>
+    <p:spTree>
+      <p:nvGrpSpPr>
+        <p:cNvPr id="1" name=""/>
+        <p:cNvGrpSpPr/>
+        <p:nvPr/>
+      </p:nvGrpSpPr>
+      <p:grpSpPr>
+        <a:xfrm>
+          <a:off x="0" y="0"/>
+          <a:ext cx="0" cy="0"/>
+          <a:chOff x="0" y="0"/>
+          <a:chExt cx="0" cy="0"/>
+        </a:xfrm>
+      </p:grpSpPr>
+      <p:sp>
+        <p:nvSpPr>
+          <p:cNvPr id="18" name="1 Título"/>
+          <p:cNvSpPr>
+            <a:spLocks noGrp="1"/>
+          </p:cNvSpPr>
+          <p:nvPr>
+            <p:ph type="title"/>
+          </p:nvPr>
+        </p:nvSpPr>
+        <p:spPr>
+          <a:xfrm>
+            <a:off x="457200" y="162000"/>
+            <a:ext cx="8229600" cy="792088"/>
+          </a:xfrm>
+        </p:spPr>
+        <p:txBody>
+          <a:bodyPr/>
+          <a:lstStyle/>
+          <a:p>
+            <a:r>
+              <a:rPr lang="es-PE" sz="4800" dirty="0" smtClean="0">
+                <a:solidFill>
+                  <a:srgbClr val="FF0000"/>
+                </a:solidFill>
+              </a:rPr>
+              <a:t>Reglas</a:t>
+            </a:r>
+            <a:endParaRPr lang="es-PE" sz="4800" dirty="0">
+              <a:solidFill>
+                <a:srgbClr val="FF0000"/>
+              </a:solidFill>
+            </a:endParaRPr>
+          </a:p>
+        </p:txBody>
+      </p:sp>
+      <p:sp>
+        <p:nvSpPr>
+          <p:cNvPr id="2" name="1 CuadroTexto"/>
+          <p:cNvSpPr txBox="1"/>
+          <p:nvPr/>
+        </p:nvSpPr>
+        <p:spPr>
+          <a:xfrm>
+            <a:off x="251520" y="908720"/>
+            <a:ext cx="8640960" cy="584775"/>
+          </a:xfrm>
+          <a:prstGeom prst="rect">
+            <a:avLst/>
+          </a:prstGeom>
+          <a:noFill/>
+        </p:spPr>
+        <p:txBody>
+          <a:bodyPr wrap="square" rtlCol="0">
+            <a:spAutoFit/>
+          </a:bodyPr>
+          <a:lstStyle/>
+          <a:p>
+            <a:pPr algn="ctr"/>
+            <a:r>
+              <a:rPr lang="es-PE" sz="3200" dirty="0" smtClean="0"/>
+              <a:t>Es </a:t>
+            </a:r>
+            <a:r>
+              <a:rPr lang="es-PE" sz="3200" dirty="0" smtClean="0"/>
+              <a:t>un recorrido de un único hoyo</a:t>
+            </a:r>
+            <a:endParaRPr lang="es-PE" sz="3200" dirty="0" smtClean="0"/>
+          </a:p>
+        </p:txBody>
+      </p:sp>
+      <p:sp>
+        <p:nvSpPr>
+          <p:cNvPr id="3" name="2 Rectángulo"/>
+          <p:cNvSpPr/>
+          <p:nvPr/>
+        </p:nvSpPr>
+        <p:spPr>
+          <a:xfrm>
+            <a:off x="251520" y="3515524"/>
+            <a:ext cx="8640960" cy="1569660"/>
+          </a:xfrm>
+          <a:prstGeom prst="rect">
+            <a:avLst/>
+          </a:prstGeom>
+        </p:spPr>
+        <p:txBody>
+          <a:bodyPr wrap="square">
+            <a:spAutoFit/>
+          </a:bodyPr>
+          <a:lstStyle/>
+          <a:p>
+            <a:pPr algn="ctr"/>
+            <a:r>
+              <a:rPr lang="es-PE" sz="3200" dirty="0" smtClean="0"/>
+              <a:t>El tiempo de todo el recorrido es de 15 minutos, al finalizar el tiempo el mejor equipo mostrará sus resultados.</a:t>
+            </a:r>
+            <a:endParaRPr lang="es-PE" sz="3200" dirty="0"/>
+          </a:p>
+        </p:txBody>
+      </p:sp>
+      <p:pic>
+        <p:nvPicPr>
+          <p:cNvPr id="2050" name="Picture 2"/>
+          <p:cNvPicPr>
+            <a:picLocks noChangeAspect="1" noChangeArrowheads="1"/>
+          </p:cNvPicPr>
+          <p:nvPr/>
+        </p:nvPicPr>
+        <p:blipFill>
+          <a:blip r:embed="rId3">
+            <a:extLst>
+              <a:ext uri="{28A0092B-C50C-407E-A947-70E740481C1C}">
+                <a14:useLocalDpi xmlns:a14="http://schemas.microsoft.com/office/drawing/2010/main" val="0"/>
+              </a:ext>
+            </a:extLst>
+          </a:blip>
+          <a:srcRect/>
+          <a:stretch>
+            <a:fillRect/>
+          </a:stretch>
+        </p:blipFill>
+        <p:spPr bwMode="auto">
+          <a:xfrm>
+            <a:off x="2703984" y="1628800"/>
+            <a:ext cx="3736031" cy="1800200"/>
+          </a:xfrm>
+          <a:prstGeom prst="rect">
+            <a:avLst/>
+          </a:prstGeom>
+          <a:ln>
+            <a:noFill/>
+          </a:ln>
+          <a:effectLst>
+            <a:softEdge rad="112500"/>
+          </a:effectLst>
+          <a:extLst>
+            <a:ext uri="{909E8E84-426E-40DD-AFC4-6F175D3DCCD1}">
+              <a14:hiddenFill xmlns:a14="http://schemas.microsoft.com/office/drawing/2010/main">
+                <a:solidFill>
+                  <a:schemeClr val="accent1"/>
+                </a:solidFill>
+              </a14:hiddenFill>
+            </a:ext>
+            <a:ext uri="{91240B29-F687-4F45-9708-019B960494DF}">
+              <a14:hiddenLine xmlns:a14="http://schemas.microsoft.com/office/drawing/2010/main" w="9525">
+                <a:solidFill>
+                  <a:schemeClr val="tx1"/>
+                </a:solidFill>
+                <a:miter lim="800000"/>
+                <a:headEnd/>
+                <a:tailEnd/>
+              </a14:hiddenLine>
+            </a:ext>
+            <a:ext uri="{AF507438-7753-43E0-B8FC-AC1667EBCBE1}">
+              <a14:hiddenEffects xmlns:a14="http://schemas.microsoft.com/office/drawing/2010/main">
+                <a:effectLst>
+                  <a:outerShdw dist="35921" dir="2700000" algn="ctr" rotWithShape="0">
+                    <a:schemeClr val="bg2"/>
+                  </a:outerShdw>
+                </a:effectLst>
+              </a14:hiddenEffects>
+            </a:ext>
+          </a:extLst>
+        </p:spPr>
+      </p:pic>
+    </p:spTree>
+    <p:extLst>
+      <p:ext uri="{BB962C8B-B14F-4D97-AF65-F5344CB8AC3E}">
+        <p14:creationId xmlns:p14="http://schemas.microsoft.com/office/powerpoint/2010/main" val="110595477"/>
+      </p:ext>
+    </p:extLst>
+  </p:cSld>
+  <p:clrMapOvr>
+    <a:masterClrMapping/>
+  </p:clrMapOvr>
+  <p:timing>
+    <p:tnLst>
+      <p:par>
+        <p:cTn id="1" dur="indefinite" restart="never" nodeType="tmRoot"/>
+      </p:par>
+    </p:tnLst>
+  </p:timing>
+</p:sld>
+</file>
+
+<file path=ppt/slides/slide22.xml><?xml version="1.0" encoding="utf-8"?>
+<p:sld xmlns:a="http://schemas.openxmlformats.org/drawingml/2006/main" xmlns:r="http://schemas.openxmlformats.org/officeDocument/2006/relationships" xmlns:p="http://schemas.openxmlformats.org/presentationml/2006/main">
+  <p:cSld>
+    <p:spTree>
+      <p:nvGrpSpPr>
+        <p:cNvPr id="1" name=""/>
+        <p:cNvGrpSpPr/>
+        <p:nvPr/>
+      </p:nvGrpSpPr>
+      <p:grpSpPr>
+        <a:xfrm>
+          <a:off x="0" y="0"/>
+          <a:ext cx="0" cy="0"/>
+          <a:chOff x="0" y="0"/>
+          <a:chExt cx="0" cy="0"/>
+        </a:xfrm>
+      </p:grpSpPr>
+      <p:sp>
+        <p:nvSpPr>
+          <p:cNvPr id="18" name="1 Título"/>
+          <p:cNvSpPr>
+            <a:spLocks noGrp="1"/>
+          </p:cNvSpPr>
+          <p:nvPr>
+            <p:ph type="title"/>
+          </p:nvPr>
+        </p:nvSpPr>
+        <p:spPr>
+          <a:xfrm>
+            <a:off x="457200" y="162000"/>
+            <a:ext cx="8229600" cy="792088"/>
+          </a:xfrm>
+        </p:spPr>
+        <p:txBody>
+          <a:bodyPr/>
+          <a:lstStyle/>
+          <a:p>
+            <a:r>
+              <a:rPr lang="es-PE" sz="4800" dirty="0" smtClean="0">
+                <a:solidFill>
+                  <a:srgbClr val="FF0000"/>
+                </a:solidFill>
+              </a:rPr>
+              <a:t>Listos </a:t>
+            </a:r>
+            <a:r>
+              <a:rPr lang="es-PE" sz="4800" dirty="0">
+                <a:solidFill>
+                  <a:srgbClr val="FF0000"/>
+                </a:solidFill>
+              </a:rPr>
+              <a:t>P</a:t>
+            </a:r>
+            <a:r>
+              <a:rPr lang="es-PE" sz="4800" dirty="0" smtClean="0">
+                <a:solidFill>
+                  <a:srgbClr val="FF0000"/>
+                </a:solidFill>
+              </a:rPr>
+              <a:t>ara Comenzar</a:t>
+            </a:r>
+            <a:endParaRPr lang="es-PE" sz="4800" dirty="0">
+              <a:solidFill>
+                <a:srgbClr val="FF0000"/>
+              </a:solidFill>
+            </a:endParaRPr>
+          </a:p>
+        </p:txBody>
+      </p:sp>
+      <p:sp>
+        <p:nvSpPr>
+          <p:cNvPr id="2" name="1 CuadroTexto"/>
+          <p:cNvSpPr txBox="1"/>
+          <p:nvPr/>
+        </p:nvSpPr>
+        <p:spPr>
+          <a:xfrm>
+            <a:off x="251520" y="1208941"/>
+            <a:ext cx="8640960" cy="4524315"/>
+          </a:xfrm>
+          <a:prstGeom prst="rect">
+            <a:avLst/>
+          </a:prstGeom>
+          <a:noFill/>
+        </p:spPr>
+        <p:txBody>
+          <a:bodyPr wrap="square" rtlCol="0">
+            <a:spAutoFit/>
+          </a:bodyPr>
+          <a:lstStyle/>
+          <a:p>
+            <a:pPr marL="457200" indent="-457200">
+              <a:buFont typeface="Arial" pitchFamily="34" charset="0"/>
+              <a:buChar char="•"/>
+            </a:pPr>
+            <a:r>
+              <a:rPr lang="es-PE" sz="3200" dirty="0" smtClean="0"/>
+              <a:t>Abrir el código inicial en el IDE.</a:t>
+            </a:r>
+          </a:p>
+          <a:p>
+            <a:pPr marL="457200" indent="-457200">
+              <a:buFont typeface="Arial" pitchFamily="34" charset="0"/>
+              <a:buChar char="•"/>
+            </a:pPr>
+            <a:endParaRPr lang="es-PE" sz="3200" dirty="0"/>
+          </a:p>
+          <a:p>
+            <a:pPr marL="457200" indent="-457200">
+              <a:buFont typeface="Arial" pitchFamily="34" charset="0"/>
+              <a:buChar char="•"/>
+            </a:pPr>
+            <a:r>
+              <a:rPr lang="es-PE" sz="3200" dirty="0" smtClean="0"/>
+              <a:t>Asegurarse que compile y todos los test se pasen.</a:t>
+            </a:r>
+          </a:p>
+          <a:p>
+            <a:pPr marL="457200" indent="-457200">
+              <a:buFont typeface="Arial" pitchFamily="34" charset="0"/>
+              <a:buChar char="•"/>
+            </a:pPr>
+            <a:endParaRPr lang="es-PE" sz="3200" dirty="0"/>
+          </a:p>
+          <a:p>
+            <a:pPr marL="457200" indent="-457200">
+              <a:buFont typeface="Arial" pitchFamily="34" charset="0"/>
+              <a:buChar char="•"/>
+            </a:pPr>
+            <a:r>
+              <a:rPr lang="es-PE" sz="3200" dirty="0" smtClean="0"/>
+              <a:t>No se olviden las actividades de cada rol del equipo.</a:t>
+            </a:r>
+          </a:p>
+          <a:p>
+            <a:pPr marL="457200" indent="-457200">
+              <a:buFont typeface="Arial" pitchFamily="34" charset="0"/>
+              <a:buChar char="•"/>
+            </a:pPr>
+            <a:endParaRPr lang="es-PE" sz="3200" dirty="0"/>
+          </a:p>
+          <a:p>
+            <a:pPr marL="457200" indent="-457200">
+              <a:buFont typeface="Arial" pitchFamily="34" charset="0"/>
+              <a:buChar char="•"/>
+            </a:pPr>
+            <a:r>
+              <a:rPr lang="es-PE" sz="3200" dirty="0" smtClean="0"/>
+              <a:t>Tienen 15 minutos para todo el recorrido.</a:t>
+            </a:r>
+          </a:p>
+        </p:txBody>
+      </p:sp>
+    </p:spTree>
+    <p:extLst>
+      <p:ext uri="{BB962C8B-B14F-4D97-AF65-F5344CB8AC3E}">
+        <p14:creationId xmlns:p14="http://schemas.microsoft.com/office/powerpoint/2010/main" val="1687246152"/>
+      </p:ext>
+    </p:extLst>
+  </p:cSld>
+  <p:clrMapOvr>
+    <a:masterClrMapping/>
+  </p:clrMapOvr>
+  <p:timing>
+    <p:tnLst>
+      <p:par>
+        <p:cTn id="1" dur="indefinite" restart="never" nodeType="tmRoot"/>
+      </p:par>
+    </p:tnLst>
+  </p:timing>
+</p:sld>
+</file>
+
+<file path=ppt/slides/slide23.xml><?xml version="1.0" encoding="utf-8"?>
+<p:sld xmlns:a="http://schemas.openxmlformats.org/drawingml/2006/main" xmlns:r="http://schemas.openxmlformats.org/officeDocument/2006/relationships" xmlns:p="http://schemas.openxmlformats.org/presentationml/2006/main">
+  <p:cSld>
+    <p:spTree>
+      <p:nvGrpSpPr>
+        <p:cNvPr id="1" name=""/>
+        <p:cNvGrpSpPr/>
+        <p:nvPr/>
+      </p:nvGrpSpPr>
+      <p:grpSpPr>
+        <a:xfrm>
+          <a:off x="0" y="0"/>
+          <a:ext cx="0" cy="0"/>
+          <a:chOff x="0" y="0"/>
+          <a:chExt cx="0" cy="0"/>
+        </a:xfrm>
+      </p:grpSpPr>
+      <p:sp>
+        <p:nvSpPr>
+          <p:cNvPr id="18" name="1 Título"/>
+          <p:cNvSpPr>
+            <a:spLocks noGrp="1"/>
+          </p:cNvSpPr>
+          <p:nvPr>
+            <p:ph type="title"/>
+          </p:nvPr>
+        </p:nvSpPr>
+        <p:spPr>
+          <a:xfrm>
+            <a:off x="457200" y="162000"/>
+            <a:ext cx="8229600" cy="792088"/>
+          </a:xfrm>
+        </p:spPr>
+        <p:txBody>
+          <a:bodyPr/>
+          <a:lstStyle/>
+          <a:p>
+            <a:r>
+              <a:rPr lang="es-PE" sz="4800" dirty="0" err="1" smtClean="0">
+                <a:solidFill>
+                  <a:srgbClr val="FF0000"/>
+                </a:solidFill>
+              </a:rPr>
+              <a:t>Feedback</a:t>
+            </a:r>
+            <a:endParaRPr lang="es-PE" sz="4800" dirty="0">
+              <a:solidFill>
+                <a:srgbClr val="FF0000"/>
+              </a:solidFill>
+            </a:endParaRPr>
+          </a:p>
+        </p:txBody>
+      </p:sp>
+      <p:sp>
+        <p:nvSpPr>
+          <p:cNvPr id="2" name="1 CuadroTexto"/>
+          <p:cNvSpPr txBox="1"/>
+          <p:nvPr/>
+        </p:nvSpPr>
+        <p:spPr>
+          <a:xfrm>
+            <a:off x="251520" y="1208941"/>
+            <a:ext cx="8640960" cy="4524315"/>
+          </a:xfrm>
+          <a:prstGeom prst="rect">
+            <a:avLst/>
+          </a:prstGeom>
+          <a:noFill/>
+        </p:spPr>
+        <p:txBody>
+          <a:bodyPr wrap="square" rtlCol="0">
+            <a:spAutoFit/>
+          </a:bodyPr>
+          <a:lstStyle/>
+          <a:p>
+            <a:pPr marL="457200" indent="-457200">
+              <a:buFont typeface="Arial" pitchFamily="34" charset="0"/>
+              <a:buChar char="•"/>
+            </a:pPr>
+            <a:r>
+              <a:rPr lang="es-PE" sz="3200" dirty="0" smtClean="0"/>
+              <a:t>Abrir el código inicial en el IDE.</a:t>
+            </a:r>
+          </a:p>
+          <a:p>
+            <a:pPr marL="457200" indent="-457200">
+              <a:buFont typeface="Arial" pitchFamily="34" charset="0"/>
+              <a:buChar char="•"/>
+            </a:pPr>
+            <a:endParaRPr lang="es-PE" sz="3200" dirty="0"/>
+          </a:p>
+          <a:p>
+            <a:pPr marL="457200" indent="-457200">
+              <a:buFont typeface="Arial" pitchFamily="34" charset="0"/>
+              <a:buChar char="•"/>
+            </a:pPr>
+            <a:r>
+              <a:rPr lang="es-PE" sz="3200" dirty="0" smtClean="0"/>
+              <a:t>Asegurarse que compile y todos los test se pasen.</a:t>
+            </a:r>
+          </a:p>
+          <a:p>
+            <a:pPr marL="457200" indent="-457200">
+              <a:buFont typeface="Arial" pitchFamily="34" charset="0"/>
+              <a:buChar char="•"/>
+            </a:pPr>
+            <a:endParaRPr lang="es-PE" sz="3200" dirty="0"/>
+          </a:p>
+          <a:p>
+            <a:pPr marL="457200" indent="-457200">
+              <a:buFont typeface="Arial" pitchFamily="34" charset="0"/>
+              <a:buChar char="•"/>
+            </a:pPr>
+            <a:r>
+              <a:rPr lang="es-PE" sz="3200" dirty="0" smtClean="0"/>
+              <a:t>No se olviden las actividades de cada rol del equipo.</a:t>
+            </a:r>
+          </a:p>
+          <a:p>
+            <a:pPr marL="457200" indent="-457200">
+              <a:buFont typeface="Arial" pitchFamily="34" charset="0"/>
+              <a:buChar char="•"/>
+            </a:pPr>
+            <a:endParaRPr lang="es-PE" sz="3200" dirty="0"/>
+          </a:p>
+          <a:p>
+            <a:pPr marL="457200" indent="-457200">
+              <a:buFont typeface="Arial" pitchFamily="34" charset="0"/>
+              <a:buChar char="•"/>
+            </a:pPr>
+            <a:r>
+              <a:rPr lang="es-PE" sz="3200" dirty="0" smtClean="0"/>
+              <a:t>Tienen 10 minutos por hoyo.</a:t>
+            </a:r>
+          </a:p>
+        </p:txBody>
+      </p:sp>
+    </p:spTree>
+    <p:extLst>
+      <p:ext uri="{BB962C8B-B14F-4D97-AF65-F5344CB8AC3E}">
+        <p14:creationId xmlns:p14="http://schemas.microsoft.com/office/powerpoint/2010/main" val="436303969"/>
       </p:ext>
     </p:extLst>
   </p:cSld>
@@ -6711,7 +9005,7 @@
                   <a:srgbClr val="FF0000"/>
                 </a:solidFill>
               </a:rPr>
-              <a:t>Equipamiento</a:t>
+              <a:t>Campo de Juego</a:t>
             </a:r>
             <a:endParaRPr lang="es-PE" dirty="0">
               <a:solidFill>
@@ -6729,8 +9023,8 @@
         </p:nvSpPr>
         <p:spPr>
           <a:xfrm>
-            <a:off x="3203847" y="1023002"/>
-            <a:ext cx="5472609" cy="5386090"/>
+            <a:off x="3851920" y="1109996"/>
+            <a:ext cx="5040560" cy="5078313"/>
           </a:xfrm>
           <a:prstGeom prst="rect">
             <a:avLst/>
@@ -6745,7 +9039,7 @@
             <a:pPr algn="ctr"/>
             <a:r>
               <a:rPr lang="es-PE" sz="3600" dirty="0" smtClean="0"/>
-              <a:t>El juego se podrá realizar utilizando C# o Java.</a:t>
+              <a:t>Realizaremos 2 juegos diferentes y en cada juego se podrá utilizar C# o Java.</a:t>
             </a:r>
           </a:p>
           <a:p>
@@ -6756,17 +9050,222 @@
             <a:pPr algn="ctr"/>
             <a:r>
               <a:rPr lang="es-PE" sz="3600" dirty="0" smtClean="0"/>
-              <a:t>El código se encuentra en VS2010 y Eclipse pero se puede importar y utilizar el IDE de su preferencia.</a:t>
-            </a:r>
-          </a:p>
-          <a:p>
-            <a:pPr algn="ctr"/>
-            <a:endParaRPr lang="es-PE" sz="3600" dirty="0"/>
-          </a:p>
-          <a:p>
-            <a:pPr algn="ctr"/>
-            <a:r>
-              <a:rPr lang="es-PE" sz="2800" dirty="0" smtClean="0">
+              <a:t>Cada juego tiene un punto de partida (</a:t>
+            </a:r>
+            <a:r>
+              <a:rPr lang="es-PE" sz="3600" dirty="0" err="1" smtClean="0"/>
+              <a:t>Tee</a:t>
+            </a:r>
+            <a:r>
+              <a:rPr lang="es-PE" sz="3600" dirty="0" smtClean="0"/>
+              <a:t>) y el objetivo es llegar al punto final (</a:t>
+            </a:r>
+            <a:r>
+              <a:rPr lang="es-PE" sz="3600" dirty="0" err="1" smtClean="0"/>
+              <a:t>Hole</a:t>
+            </a:r>
+            <a:r>
+              <a:rPr lang="es-PE" sz="3600" dirty="0" smtClean="0"/>
+              <a:t>).</a:t>
+            </a:r>
+          </a:p>
+        </p:txBody>
+      </p:sp>
+      <p:pic>
+        <p:nvPicPr>
+          <p:cNvPr id="1031" name="Picture 7"/>
+          <p:cNvPicPr>
+            <a:picLocks noChangeAspect="1" noChangeArrowheads="1"/>
+          </p:cNvPicPr>
+          <p:nvPr/>
+        </p:nvPicPr>
+        <p:blipFill>
+          <a:blip r:embed="rId3">
+            <a:extLst>
+              <a:ext uri="{28A0092B-C50C-407E-A947-70E740481C1C}">
+                <a14:useLocalDpi xmlns:a14="http://schemas.microsoft.com/office/drawing/2010/main" val="0"/>
+              </a:ext>
+            </a:extLst>
+          </a:blip>
+          <a:srcRect/>
+          <a:stretch>
+            <a:fillRect/>
+          </a:stretch>
+        </p:blipFill>
+        <p:spPr bwMode="auto">
+          <a:xfrm>
+            <a:off x="251520" y="1155264"/>
+            <a:ext cx="3571875" cy="5067300"/>
+          </a:xfrm>
+          <a:prstGeom prst="rect">
+            <a:avLst/>
+          </a:prstGeom>
+          <a:ln>
+            <a:noFill/>
+          </a:ln>
+          <a:effectLst>
+            <a:softEdge rad="112500"/>
+          </a:effectLst>
+          <a:extLst>
+            <a:ext uri="{909E8E84-426E-40DD-AFC4-6F175D3DCCD1}">
+              <a14:hiddenFill xmlns:a14="http://schemas.microsoft.com/office/drawing/2010/main">
+                <a:solidFill>
+                  <a:schemeClr val="accent1"/>
+                </a:solidFill>
+              </a14:hiddenFill>
+            </a:ext>
+            <a:ext uri="{91240B29-F687-4F45-9708-019B960494DF}">
+              <a14:hiddenLine xmlns:a14="http://schemas.microsoft.com/office/drawing/2010/main" w="9525">
+                <a:solidFill>
+                  <a:schemeClr val="tx1"/>
+                </a:solidFill>
+                <a:miter lim="800000"/>
+                <a:headEnd/>
+                <a:tailEnd/>
+              </a14:hiddenLine>
+            </a:ext>
+            <a:ext uri="{AF507438-7753-43E0-B8FC-AC1667EBCBE1}">
+              <a14:hiddenEffects xmlns:a14="http://schemas.microsoft.com/office/drawing/2010/main">
+                <a:effectLst>
+                  <a:outerShdw dist="35921" dir="2700000" algn="ctr" rotWithShape="0">
+                    <a:schemeClr val="bg2"/>
+                  </a:outerShdw>
+                </a:effectLst>
+              </a14:hiddenEffects>
+            </a:ext>
+          </a:extLst>
+        </p:spPr>
+      </p:pic>
+    </p:spTree>
+    <p:extLst>
+      <p:ext uri="{BB962C8B-B14F-4D97-AF65-F5344CB8AC3E}">
+        <p14:creationId xmlns:p14="http://schemas.microsoft.com/office/powerpoint/2010/main" val="2094414178"/>
+      </p:ext>
+    </p:extLst>
+  </p:cSld>
+  <p:clrMapOvr>
+    <a:masterClrMapping/>
+  </p:clrMapOvr>
+  <p:timing>
+    <p:tnLst>
+      <p:par>
+        <p:cTn id="1" dur="indefinite" restart="never" nodeType="tmRoot"/>
+      </p:par>
+    </p:tnLst>
+  </p:timing>
+</p:sld>
+</file>
+
+<file path=ppt/slides/slide7.xml><?xml version="1.0" encoding="utf-8"?>
+<p:sld xmlns:a="http://schemas.openxmlformats.org/drawingml/2006/main" xmlns:r="http://schemas.openxmlformats.org/officeDocument/2006/relationships" xmlns:p="http://schemas.openxmlformats.org/presentationml/2006/main">
+  <p:cSld>
+    <p:spTree>
+      <p:nvGrpSpPr>
+        <p:cNvPr id="1" name=""/>
+        <p:cNvGrpSpPr/>
+        <p:nvPr/>
+      </p:nvGrpSpPr>
+      <p:grpSpPr>
+        <a:xfrm>
+          <a:off x="0" y="0"/>
+          <a:ext cx="0" cy="0"/>
+          <a:chOff x="0" y="0"/>
+          <a:chExt cx="0" cy="0"/>
+        </a:xfrm>
+      </p:grpSpPr>
+      <p:sp>
+        <p:nvSpPr>
+          <p:cNvPr id="18" name="1 Título"/>
+          <p:cNvSpPr>
+            <a:spLocks noGrp="1"/>
+          </p:cNvSpPr>
+          <p:nvPr>
+            <p:ph type="title"/>
+          </p:nvPr>
+        </p:nvSpPr>
+        <p:spPr>
+          <a:xfrm>
+            <a:off x="457200" y="160885"/>
+            <a:ext cx="8229600" cy="792088"/>
+          </a:xfrm>
+        </p:spPr>
+        <p:txBody>
+          <a:bodyPr/>
+          <a:lstStyle/>
+          <a:p>
+            <a:r>
+              <a:rPr lang="es-PE" dirty="0" smtClean="0">
+                <a:solidFill>
+                  <a:srgbClr val="FF0000"/>
+                </a:solidFill>
+              </a:rPr>
+              <a:t>Equipamiento</a:t>
+            </a:r>
+            <a:endParaRPr lang="es-PE" dirty="0">
+              <a:solidFill>
+                <a:srgbClr val="FF0000"/>
+              </a:solidFill>
+            </a:endParaRPr>
+          </a:p>
+        </p:txBody>
+      </p:sp>
+      <p:sp>
+        <p:nvSpPr>
+          <p:cNvPr id="3" name="2 Rectángulo"/>
+          <p:cNvSpPr/>
+          <p:nvPr/>
+        </p:nvSpPr>
+        <p:spPr>
+          <a:xfrm>
+            <a:off x="3203847" y="993506"/>
+            <a:ext cx="5760641" cy="5570756"/>
+          </a:xfrm>
+          <a:prstGeom prst="rect">
+            <a:avLst/>
+          </a:prstGeom>
+        </p:spPr>
+        <p:txBody>
+          <a:bodyPr wrap="square">
+            <a:spAutoFit/>
+          </a:bodyPr>
+          <a:lstStyle/>
+          <a:p>
+            <a:pPr marL="439738" indent="-439738">
+              <a:buFont typeface="Arial" pitchFamily="34" charset="0"/>
+              <a:buChar char="•"/>
+              <a:tabLst>
+                <a:tab pos="442913" algn="l"/>
+              </a:tabLst>
+            </a:pPr>
+            <a:r>
+              <a:rPr lang="es-PE" sz="3600" dirty="0" smtClean="0"/>
+              <a:t>Un IDE de su preferencia. </a:t>
+            </a:r>
+            <a:br>
+              <a:rPr lang="es-PE" sz="3600" dirty="0" smtClean="0"/>
+            </a:br>
+            <a:r>
+              <a:rPr lang="es-PE" sz="2800" dirty="0" smtClean="0"/>
+              <a:t>(El </a:t>
+            </a:r>
+            <a:r>
+              <a:rPr lang="es-PE" sz="2800" dirty="0" smtClean="0"/>
+              <a:t>código se encuentra en VS2010 y Eclipse pero se puede </a:t>
+            </a:r>
+            <a:r>
+              <a:rPr lang="es-PE" sz="2800" dirty="0" smtClean="0"/>
+              <a:t>importar)</a:t>
+            </a:r>
+            <a:endParaRPr lang="es-PE" sz="2800" dirty="0" smtClean="0"/>
+          </a:p>
+          <a:p>
+            <a:pPr marL="439738" indent="-439738" algn="ctr">
+              <a:tabLst>
+                <a:tab pos="442913" algn="l"/>
+              </a:tabLst>
+            </a:pPr>
+            <a:r>
+              <a:rPr lang="es-PE" sz="2800" dirty="0">
                 <a:solidFill>
                   <a:srgbClr val="FFC000"/>
                 </a:solidFill>
@@ -6774,14 +9273,14 @@
               <a:t>*Recomendación*</a:t>
             </a:r>
             <a:br>
-              <a:rPr lang="es-PE" sz="2800" dirty="0" smtClean="0">
+              <a:rPr lang="es-PE" sz="2800" dirty="0">
                 <a:solidFill>
                   <a:srgbClr val="FFC000"/>
                 </a:solidFill>
               </a:rPr>
             </a:br>
             <a:r>
-              <a:rPr lang="es-PE" sz="2800" dirty="0" smtClean="0">
+              <a:rPr lang="es-PE" sz="2800" dirty="0">
                 <a:solidFill>
                   <a:srgbClr val="FFC000"/>
                 </a:solidFill>
@@ -6796,11 +9295,70 @@
               </a:rPr>
               <a:t>Resharper</a:t>
             </a:r>
-            <a:endParaRPr lang="es-PE" sz="2800" dirty="0">
-              <a:solidFill>
-                <a:srgbClr val="FFC000"/>
-              </a:solidFill>
-            </a:endParaRPr>
+            <a:endParaRPr lang="es-PE" sz="2800" dirty="0"/>
+          </a:p>
+          <a:p>
+            <a:pPr marL="439738" indent="-439738">
+              <a:buFont typeface="Arial" pitchFamily="34" charset="0"/>
+              <a:buChar char="•"/>
+              <a:tabLst>
+                <a:tab pos="442913" algn="l"/>
+              </a:tabLst>
+            </a:pPr>
+            <a:endParaRPr lang="es-PE" sz="2800" dirty="0" smtClean="0"/>
+          </a:p>
+          <a:p>
+            <a:pPr marL="439738" indent="-439738">
+              <a:buFont typeface="Arial" pitchFamily="34" charset="0"/>
+              <a:buChar char="•"/>
+              <a:tabLst>
+                <a:tab pos="442913" algn="l"/>
+              </a:tabLst>
+            </a:pPr>
+            <a:r>
+              <a:rPr lang="es-PE" sz="3600" dirty="0"/>
+              <a:t>Una hoja donde anotar los puntajes.</a:t>
+            </a:r>
+          </a:p>
+          <a:p>
+            <a:pPr marL="439738" indent="-439738">
+              <a:buFont typeface="Arial" pitchFamily="34" charset="0"/>
+              <a:buChar char="•"/>
+              <a:tabLst>
+                <a:tab pos="442913" algn="l"/>
+              </a:tabLst>
+            </a:pPr>
+            <a:endParaRPr lang="es-PE" sz="3600" dirty="0"/>
+          </a:p>
+          <a:p>
+            <a:pPr marL="439738" indent="-439738">
+              <a:buFont typeface="Arial" pitchFamily="34" charset="0"/>
+              <a:buChar char="•"/>
+              <a:tabLst>
+                <a:tab pos="442913" algn="l"/>
+              </a:tabLst>
+            </a:pPr>
+            <a:r>
+              <a:rPr lang="es-PE" sz="3600" dirty="0"/>
+              <a:t>El código </a:t>
+            </a:r>
+            <a:r>
+              <a:rPr lang="es-PE" sz="3600" dirty="0" smtClean="0"/>
+              <a:t>final (</a:t>
+            </a:r>
+            <a:r>
+              <a:rPr lang="es-PE" sz="3600" dirty="0" err="1" smtClean="0"/>
+              <a:t>Hole</a:t>
+            </a:r>
+            <a:r>
+              <a:rPr lang="es-PE" sz="3600" dirty="0" smtClean="0"/>
+              <a:t>) </a:t>
+            </a:r>
+            <a:r>
+              <a:rPr lang="es-PE" sz="3600" dirty="0"/>
+              <a:t>de cada juego en papel.</a:t>
+            </a:r>
+            <a:endParaRPr lang="es-PE" sz="3600" dirty="0"/>
           </a:p>
         </p:txBody>
       </p:sp>
@@ -6826,7 +9384,7 @@
         </p:blipFill>
         <p:spPr>
           <a:xfrm>
-            <a:off x="438054" y="971176"/>
+            <a:off x="323528" y="985924"/>
             <a:ext cx="2693786" cy="5580000"/>
           </a:xfrm>
           <a:prstGeom prst="rect">
@@ -6860,249 +9418,6 @@
 </p:sld>
 </file>
 
-<file path=ppt/slides/slide7.xml><?xml version="1.0" encoding="utf-8"?>
-<p:sld xmlns:a="http://schemas.openxmlformats.org/drawingml/2006/main" xmlns:r="http://schemas.openxmlformats.org/officeDocument/2006/relationships" xmlns:p="http://schemas.openxmlformats.org/presentationml/2006/main">
-  <p:cSld>
-    <p:spTree>
-      <p:nvGrpSpPr>
-        <p:cNvPr id="1" name=""/>
-        <p:cNvGrpSpPr/>
-        <p:nvPr/>
-      </p:nvGrpSpPr>
-      <p:grpSpPr>
-        <a:xfrm>
-          <a:off x="0" y="0"/>
-          <a:ext cx="0" cy="0"/>
-          <a:chOff x="0" y="0"/>
-          <a:chExt cx="0" cy="0"/>
-        </a:xfrm>
-      </p:grpSpPr>
-      <p:sp>
-        <p:nvSpPr>
-          <p:cNvPr id="18" name="1 Título"/>
-          <p:cNvSpPr>
-            <a:spLocks noGrp="1"/>
-          </p:cNvSpPr>
-          <p:nvPr>
-            <p:ph type="title"/>
-          </p:nvPr>
-        </p:nvSpPr>
-        <p:spPr>
-          <a:xfrm>
-            <a:off x="457200" y="160885"/>
-            <a:ext cx="8229600" cy="792088"/>
-          </a:xfrm>
-        </p:spPr>
-        <p:txBody>
-          <a:bodyPr/>
-          <a:lstStyle/>
-          <a:p>
-            <a:r>
-              <a:rPr lang="es-PE" dirty="0" smtClean="0">
-                <a:solidFill>
-                  <a:srgbClr val="FF0000"/>
-                </a:solidFill>
-              </a:rPr>
-              <a:t>Puntaje</a:t>
-            </a:r>
-            <a:endParaRPr lang="es-PE" dirty="0">
-              <a:solidFill>
-                <a:srgbClr val="FF0000"/>
-              </a:solidFill>
-            </a:endParaRPr>
-          </a:p>
-        </p:txBody>
-      </p:sp>
-      <p:sp>
-        <p:nvSpPr>
-          <p:cNvPr id="2" name="1 CuadroTexto"/>
-          <p:cNvSpPr txBox="1"/>
-          <p:nvPr/>
-        </p:nvSpPr>
-        <p:spPr>
-          <a:xfrm>
-            <a:off x="634590" y="1025663"/>
-            <a:ext cx="7874820" cy="2862322"/>
-          </a:xfrm>
-          <a:prstGeom prst="rect">
-            <a:avLst/>
-          </a:prstGeom>
-          <a:noFill/>
-        </p:spPr>
-        <p:txBody>
-          <a:bodyPr wrap="square" rtlCol="0">
-            <a:spAutoFit/>
-          </a:bodyPr>
-          <a:lstStyle/>
-          <a:p>
-            <a:pPr algn="ctr"/>
-            <a:r>
-              <a:rPr lang="es-PE" sz="3600" dirty="0" smtClean="0">
-                <a:solidFill>
-                  <a:srgbClr val="FFC000"/>
-                </a:solidFill>
-              </a:rPr>
-              <a:t>General</a:t>
-            </a:r>
-            <a:endParaRPr lang="es-PE" sz="3600" dirty="0" smtClean="0"/>
-          </a:p>
-          <a:p>
-            <a:r>
-              <a:rPr lang="es-PE" sz="3600" dirty="0" smtClean="0"/>
-              <a:t>+</a:t>
-            </a:r>
-            <a:r>
-              <a:rPr lang="es-PE" sz="3600" dirty="0"/>
-              <a:t>1 </a:t>
-            </a:r>
-            <a:r>
-              <a:rPr lang="es-PE" sz="3600" dirty="0" smtClean="0"/>
-              <a:t>Cada refactorización</a:t>
-            </a:r>
-          </a:p>
-          <a:p>
-            <a:r>
-              <a:rPr lang="es-PE" sz="3600" dirty="0" smtClean="0"/>
-              <a:t>+</a:t>
-            </a:r>
-            <a:r>
-              <a:rPr lang="es-PE" sz="3600" dirty="0"/>
-              <a:t>1 </a:t>
-            </a:r>
-            <a:r>
-              <a:rPr lang="es-PE" sz="3600" dirty="0"/>
-              <a:t>Copiar + </a:t>
-            </a:r>
-            <a:r>
-              <a:rPr lang="es-PE" sz="3600" dirty="0" smtClean="0"/>
-              <a:t>Pegar</a:t>
-            </a:r>
-          </a:p>
-          <a:p>
-            <a:r>
-              <a:rPr lang="es-PE" sz="3600" dirty="0"/>
-              <a:t>+1 </a:t>
-            </a:r>
-            <a:r>
-              <a:rPr lang="es-PE" sz="3600" dirty="0" smtClean="0"/>
-              <a:t>Cualquier </a:t>
-            </a:r>
-            <a:r>
-              <a:rPr lang="es-PE" sz="3600" dirty="0" err="1" smtClean="0"/>
-              <a:t>shortcut</a:t>
-            </a:r>
-            <a:r>
-              <a:rPr lang="es-PE" sz="3600" dirty="0" smtClean="0"/>
-              <a:t> </a:t>
-            </a:r>
-            <a:r>
-              <a:rPr lang="es-PE" sz="3600" dirty="0"/>
-              <a:t>de edición </a:t>
-            </a:r>
-            <a:r>
-              <a:rPr lang="es-PE" sz="3600" dirty="0" smtClean="0"/>
-              <a:t>código</a:t>
-            </a:r>
-          </a:p>
-          <a:p>
-            <a:r>
-              <a:rPr lang="es-PE" sz="3600" dirty="0" smtClean="0"/>
-              <a:t>+</a:t>
-            </a:r>
-            <a:r>
-              <a:rPr lang="es-PE" sz="3600" dirty="0"/>
-              <a:t>0 Organizar y dar formato al </a:t>
-            </a:r>
-            <a:r>
-              <a:rPr lang="es-PE" sz="3600" dirty="0" smtClean="0"/>
-              <a:t>código</a:t>
-            </a:r>
-            <a:endParaRPr lang="es-PE" sz="3600" dirty="0" smtClean="0">
-              <a:solidFill>
-                <a:srgbClr val="FFC000"/>
-              </a:solidFill>
-            </a:endParaRPr>
-          </a:p>
-        </p:txBody>
-      </p:sp>
-      <p:sp>
-        <p:nvSpPr>
-          <p:cNvPr id="3" name="2 Rectángulo"/>
-          <p:cNvSpPr/>
-          <p:nvPr/>
-        </p:nvSpPr>
-        <p:spPr>
-          <a:xfrm>
-            <a:off x="634590" y="3928988"/>
-            <a:ext cx="7874820" cy="1754326"/>
-          </a:xfrm>
-          <a:prstGeom prst="rect">
-            <a:avLst/>
-          </a:prstGeom>
-        </p:spPr>
-        <p:txBody>
-          <a:bodyPr wrap="square">
-            <a:spAutoFit/>
-          </a:bodyPr>
-          <a:lstStyle/>
-          <a:p>
-            <a:pPr algn="ctr"/>
-            <a:r>
-              <a:rPr lang="es-PE" sz="3600" dirty="0">
-                <a:solidFill>
-                  <a:srgbClr val="FFC000"/>
-                </a:solidFill>
-              </a:rPr>
-              <a:t>Penalidades</a:t>
-            </a:r>
-          </a:p>
-          <a:p>
-            <a:r>
-              <a:rPr lang="es-PE" sz="3600" dirty="0"/>
-              <a:t>+2 Cada línea modificada </a:t>
-            </a:r>
-            <a:r>
-              <a:rPr lang="es-PE" sz="3600" dirty="0" smtClean="0"/>
-              <a:t>manualmente</a:t>
-            </a:r>
-          </a:p>
-          <a:p>
-            <a:r>
-              <a:rPr lang="es-PE" sz="3600" dirty="0" smtClean="0"/>
-              <a:t>x2 Cada cambio mientras </a:t>
-            </a:r>
-            <a:r>
-              <a:rPr lang="es-PE" sz="3600" dirty="0"/>
-              <a:t>no </a:t>
-            </a:r>
-            <a:r>
-              <a:rPr lang="es-PE" sz="3600" dirty="0" smtClean="0"/>
-              <a:t>compile</a:t>
-            </a:r>
-            <a:endParaRPr lang="es-PE" sz="3600" dirty="0"/>
-          </a:p>
-        </p:txBody>
-      </p:sp>
-    </p:spTree>
-    <p:extLst>
-      <p:ext uri="{BB962C8B-B14F-4D97-AF65-F5344CB8AC3E}">
-        <p14:creationId xmlns:p14="http://schemas.microsoft.com/office/powerpoint/2010/main" val="988592054"/>
-      </p:ext>
-    </p:extLst>
-  </p:cSld>
-  <p:clrMapOvr>
-    <a:masterClrMapping/>
-  </p:clrMapOvr>
-  <p:timing>
-    <p:tnLst>
-      <p:par>
-        <p:cTn id="1" dur="indefinite" restart="never" nodeType="tmRoot"/>
-      </p:par>
-    </p:tnLst>
-  </p:timing>
-</p:sld>
-</file>
-
 <file path=ppt/slides/slide8.xml><?xml version="1.0" encoding="utf-8"?>
 <p:sld xmlns:a="http://schemas.openxmlformats.org/drawingml/2006/main" xmlns:r="http://schemas.openxmlformats.org/officeDocument/2006/relationships" xmlns:p="http://schemas.openxmlformats.org/presentationml/2006/main">
   <p:cSld>
@@ -7146,7 +9461,7 @@
                   <a:srgbClr val="FF0000"/>
                 </a:solidFill>
               </a:rPr>
-              <a:t>Equipo Ganador</a:t>
+              <a:t>Puntaje</a:t>
             </a:r>
             <a:endParaRPr lang="es-PE" dirty="0">
               <a:solidFill>
@@ -7158,14 +9473,122 @@
       </p:sp>
       <p:sp>
         <p:nvSpPr>
+          <p:cNvPr id="2" name="1 CuadroTexto"/>
+          <p:cNvSpPr txBox="1"/>
+          <p:nvPr/>
+        </p:nvSpPr>
+        <p:spPr>
+          <a:xfrm>
+            <a:off x="634590" y="1025663"/>
+            <a:ext cx="7874820" cy="2862322"/>
+          </a:xfrm>
+          <a:prstGeom prst="rect">
+            <a:avLst/>
+          </a:prstGeom>
+          <a:noFill/>
+        </p:spPr>
+        <p:txBody>
+          <a:bodyPr wrap="square" rtlCol="0">
+            <a:spAutoFit/>
+          </a:bodyPr>
+          <a:lstStyle/>
+          <a:p>
+            <a:pPr algn="ctr"/>
+            <a:r>
+              <a:rPr lang="es-PE" sz="3600" dirty="0" smtClean="0">
+                <a:solidFill>
+                  <a:srgbClr val="FFC000"/>
+                </a:solidFill>
+              </a:rPr>
+              <a:t>General</a:t>
+            </a:r>
+            <a:endParaRPr lang="es-PE" sz="3600" dirty="0" smtClean="0"/>
+          </a:p>
+          <a:p>
+            <a:r>
+              <a:rPr lang="es-PE" sz="3600" dirty="0" smtClean="0"/>
+              <a:t>+</a:t>
+            </a:r>
+            <a:r>
+              <a:rPr lang="es-PE" sz="3600" dirty="0"/>
+              <a:t>1 </a:t>
+            </a:r>
+            <a:r>
+              <a:rPr lang="es-PE" sz="3600" dirty="0" smtClean="0"/>
+              <a:t>Cada refactorización</a:t>
+            </a:r>
+          </a:p>
+          <a:p>
+            <a:r>
+              <a:rPr lang="es-PE" sz="3600" dirty="0" smtClean="0"/>
+              <a:t>+</a:t>
+            </a:r>
+            <a:r>
+              <a:rPr lang="es-PE" sz="3600" dirty="0"/>
+              <a:t>1 Copiar + </a:t>
+            </a:r>
+            <a:r>
+              <a:rPr lang="es-PE" sz="3600" dirty="0" smtClean="0"/>
+              <a:t>Pegar</a:t>
+            </a:r>
+          </a:p>
+          <a:p>
+            <a:r>
+              <a:rPr lang="es-PE" sz="3600" dirty="0"/>
+              <a:t>+1 </a:t>
+            </a:r>
+            <a:r>
+              <a:rPr lang="es-PE" sz="3600" dirty="0" smtClean="0"/>
+              <a:t>Cualquier </a:t>
+            </a:r>
+            <a:r>
+              <a:rPr lang="es-PE" sz="3600" dirty="0" err="1" smtClean="0"/>
+              <a:t>shortcut</a:t>
+            </a:r>
+            <a:r>
+              <a:rPr lang="es-PE" sz="3600" dirty="0" smtClean="0"/>
+              <a:t> </a:t>
+            </a:r>
+            <a:r>
+              <a:rPr lang="es-PE" sz="3600" dirty="0"/>
+              <a:t>de edición </a:t>
+            </a:r>
+            <a:r>
+              <a:rPr lang="es-PE" sz="3600" dirty="0" smtClean="0"/>
+              <a:t>código</a:t>
+            </a:r>
+          </a:p>
+          <a:p>
+            <a:r>
+              <a:rPr lang="es-PE" sz="3600" dirty="0" smtClean="0"/>
+              <a:t>+</a:t>
+            </a:r>
+            <a:r>
+              <a:rPr lang="es-PE" sz="3600" dirty="0"/>
+              <a:t>0 Organizar y dar formato al </a:t>
+            </a:r>
+            <a:r>
+              <a:rPr lang="es-PE" sz="3600" dirty="0" smtClean="0"/>
+              <a:t>código</a:t>
+            </a:r>
+            <a:endParaRPr lang="es-PE" sz="3600" dirty="0" smtClean="0">
+              <a:solidFill>
+                <a:srgbClr val="FFC000"/>
+              </a:solidFill>
+            </a:endParaRPr>
+          </a:p>
+        </p:txBody>
+      </p:sp>
+      <p:sp>
+        <p:nvSpPr>
           <p:cNvPr id="3" name="2 Rectángulo"/>
           <p:cNvSpPr/>
           <p:nvPr/>
         </p:nvSpPr>
         <p:spPr>
           <a:xfrm>
-            <a:off x="610315" y="1668864"/>
-            <a:ext cx="7874820" cy="3416320"/>
+            <a:off x="634590" y="3928988"/>
+            <a:ext cx="7874820" cy="1754326"/>
           </a:xfrm>
           <a:prstGeom prst="rect">
             <a:avLst/>
@@ -7179,19 +9602,36 @@
           <a:p>
             <a:pPr algn="ctr"/>
             <a:r>
+              <a:rPr lang="es-PE" sz="3600" dirty="0">
+                <a:solidFill>
+                  <a:srgbClr val="FFC000"/>
+                </a:solidFill>
+              </a:rPr>
+              <a:t>Penalidades</a:t>
+            </a:r>
+          </a:p>
+          <a:p>
+            <a:r>
+              <a:rPr lang="es-PE" sz="3600" dirty="0"/>
+              <a:t>+2 Cada línea modificada </a:t>
+            </a:r>
+            <a:r>
               <a:rPr lang="es-PE" sz="3600" dirty="0" smtClean="0"/>
-              <a:t>El equipo que logre el menor puntaje será el ganador.</a:t>
-            </a:r>
-          </a:p>
-          <a:p>
-            <a:pPr algn="ctr"/>
-            <a:endParaRPr lang="es-PE" sz="3600" dirty="0"/>
-          </a:p>
-          <a:p>
-            <a:pPr algn="ctr"/>
+              <a:t>manualmente</a:t>
+            </a:r>
+          </a:p>
+          <a:p>
             <a:r>
               <a:rPr lang="es-PE" sz="3600" dirty="0" smtClean="0"/>
-              <a:t>Al finalizar el juego, el equipo ganador mostrará como realizó el juego al resto de asistentes.</a:t>
+              <a:t>x2 Cada cambio mientras </a:t>
+            </a:r>
+            <a:r>
+              <a:rPr lang="es-PE" sz="3600" dirty="0"/>
+              <a:t>no </a:t>
+            </a:r>
+            <a:r>
+              <a:rPr lang="es-PE" sz="3600" dirty="0" smtClean="0"/>
+              <a:t>compile</a:t>
             </a:r>
             <a:endParaRPr lang="es-PE" sz="3600" dirty="0"/>
           </a:p>
@@ -7200,7 +9640,7 @@
     </p:spTree>
     <p:extLst>
       <p:ext uri="{BB962C8B-B14F-4D97-AF65-F5344CB8AC3E}">
-        <p14:creationId xmlns:p14="http://schemas.microsoft.com/office/powerpoint/2010/main" val="1762542377"/>
+        <p14:creationId xmlns:p14="http://schemas.microsoft.com/office/powerpoint/2010/main" val="988592054"/>
       </p:ext>
     </p:extLst>
   </p:cSld>
@@ -7260,7 +9700,7 @@
                   <a:srgbClr val="FF0000"/>
                 </a:solidFill>
               </a:rPr>
-              <a:t>Premios</a:t>
+              <a:t>Equipo Ganador</a:t>
             </a:r>
             <a:endParaRPr lang="es-PE" dirty="0">
               <a:solidFill>
@@ -7272,118 +9712,49 @@
       </p:sp>
       <p:sp>
         <p:nvSpPr>
-          <p:cNvPr id="2" name="1 CuadroTexto"/>
-          <p:cNvSpPr txBox="1"/>
+          <p:cNvPr id="3" name="2 Rectángulo"/>
+          <p:cNvSpPr/>
           <p:nvPr/>
         </p:nvSpPr>
         <p:spPr>
           <a:xfrm>
-            <a:off x="3547427" y="1700808"/>
-            <a:ext cx="5256584" cy="3539430"/>
+            <a:off x="610315" y="1668864"/>
+            <a:ext cx="7874820" cy="3416320"/>
           </a:xfrm>
           <a:prstGeom prst="rect">
             <a:avLst/>
           </a:prstGeom>
-          <a:noFill/>
         </p:spPr>
         <p:txBody>
-          <a:bodyPr wrap="square" rtlCol="0">
+          <a:bodyPr wrap="square">
             <a:spAutoFit/>
           </a:bodyPr>
           <a:lstStyle/>
           <a:p>
             <a:pPr algn="ctr"/>
             <a:r>
-              <a:rPr lang="es-PE" sz="3200" dirty="0" smtClean="0"/>
-              <a:t>El equipo ganador de </a:t>
-            </a:r>
-            <a:r>
-              <a:rPr lang="es-PE" sz="3200" dirty="0" smtClean="0"/>
-              <a:t>cada juego se llevará 2 licencias de </a:t>
-            </a:r>
-            <a:r>
-              <a:rPr lang="es-PE" sz="3200" i="1" dirty="0" err="1" smtClean="0"/>
-              <a:t>JetBrains</a:t>
-            </a:r>
-            <a:r>
-              <a:rPr lang="es-PE" sz="3200" i="1" dirty="0" smtClean="0"/>
-              <a:t>.</a:t>
-            </a:r>
-            <a:endParaRPr lang="es-PE" sz="3200" i="1" dirty="0" smtClean="0"/>
+              <a:rPr lang="es-PE" sz="3600" dirty="0" smtClean="0"/>
+              <a:t>El equipo que logre el menor puntaje será el ganador.</a:t>
+            </a:r>
           </a:p>
           <a:p>
             <a:pPr algn="ctr"/>
-            <a:endParaRPr lang="es-PE" sz="3200" dirty="0"/>
+            <a:endParaRPr lang="es-PE" sz="3600" dirty="0"/>
           </a:p>
           <a:p>
             <a:pPr algn="ctr"/>
             <a:r>
-              <a:rPr lang="es-PE" sz="3200" dirty="0" smtClean="0"/>
-              <a:t>Cada licencia será válida para </a:t>
-            </a:r>
-            <a:r>
-              <a:rPr lang="es-PE" sz="3200" i="1" dirty="0" err="1" smtClean="0"/>
-              <a:t>Resharper</a:t>
-            </a:r>
-            <a:r>
-              <a:rPr lang="es-PE" sz="3200" dirty="0" smtClean="0"/>
-              <a:t> o </a:t>
-            </a:r>
-            <a:r>
-              <a:rPr lang="es-PE" sz="3200" i="1" dirty="0" err="1" smtClean="0"/>
-              <a:t>IntelliJ</a:t>
-            </a:r>
-            <a:r>
-              <a:rPr lang="es-PE" sz="3200" dirty="0" smtClean="0"/>
-              <a:t> según </a:t>
-            </a:r>
-            <a:r>
-              <a:rPr lang="es-PE" sz="3200" dirty="0" smtClean="0"/>
-              <a:t>elección.</a:t>
-            </a:r>
-            <a:endParaRPr lang="es-PE" sz="2800" dirty="0"/>
-          </a:p>
-        </p:txBody>
-      </p:sp>
-      <p:pic>
-        <p:nvPicPr>
-          <p:cNvPr id="3" name="2 Imagen"/>
-          <p:cNvPicPr>
-            <a:picLocks noChangeAspect="1"/>
-          </p:cNvPicPr>
-          <p:nvPr/>
-        </p:nvPicPr>
-        <p:blipFill rotWithShape="1">
-          <a:blip r:embed="rId3" cstate="print">
-            <a:extLst>
-              <a:ext uri="{28A0092B-C50C-407E-A947-70E740481C1C}">
-                <a14:useLocalDpi xmlns:a14="http://schemas.microsoft.com/office/drawing/2010/main" val="0"/>
-              </a:ext>
-            </a:extLst>
-          </a:blip>
-          <a:srcRect l="31564" t="5322" r="29719" b="6045"/>
-          <a:stretch/>
-        </p:blipFill>
-        <p:spPr>
-          <a:xfrm>
-            <a:off x="467544" y="836712"/>
-            <a:ext cx="2952328" cy="5748447"/>
-          </a:xfrm>
-          <a:prstGeom prst="rect">
-            <a:avLst/>
-          </a:prstGeom>
-          <a:ln>
-            <a:noFill/>
-          </a:ln>
-          <a:effectLst>
-            <a:softEdge rad="112500"/>
-          </a:effectLst>
-        </p:spPr>
-      </p:pic>
+              <a:rPr lang="es-PE" sz="3600" dirty="0" smtClean="0"/>
+              <a:t>Al finalizar el juego, el equipo ganador mostrará como realizó el juego al resto de asistentes.</a:t>
+            </a:r>
+            <a:endParaRPr lang="es-PE" sz="3600" dirty="0"/>
+          </a:p>
+        </p:txBody>
+      </p:sp>
     </p:spTree>
     <p:extLst>
       <p:ext uri="{BB962C8B-B14F-4D97-AF65-F5344CB8AC3E}">
-        <p14:creationId xmlns:p14="http://schemas.microsoft.com/office/powerpoint/2010/main" val="1123983067"/>
+        <p14:creationId xmlns:p14="http://schemas.microsoft.com/office/powerpoint/2010/main" val="1762542377"/>
       </p:ext>
     </p:extLst>
   </p:cSld>

--- a/ppt/Diapositivas.pptx
+++ b/ppt/Diapositivas.pptx
@@ -20,17 +20,17 @@
     <p:sldId id="450" r:id="rId11"/>
     <p:sldId id="447" r:id="rId12"/>
     <p:sldId id="456" r:id="rId13"/>
-    <p:sldId id="469" r:id="rId14"/>
-    <p:sldId id="453" r:id="rId15"/>
-    <p:sldId id="466" r:id="rId16"/>
-    <p:sldId id="465" r:id="rId17"/>
-    <p:sldId id="470" r:id="rId18"/>
-    <p:sldId id="455" r:id="rId19"/>
-    <p:sldId id="457" r:id="rId20"/>
-    <p:sldId id="467" r:id="rId21"/>
-    <p:sldId id="468" r:id="rId22"/>
-    <p:sldId id="471" r:id="rId23"/>
-    <p:sldId id="472" r:id="rId24"/>
+    <p:sldId id="472" r:id="rId14"/>
+    <p:sldId id="469" r:id="rId15"/>
+    <p:sldId id="453" r:id="rId16"/>
+    <p:sldId id="466" r:id="rId17"/>
+    <p:sldId id="465" r:id="rId18"/>
+    <p:sldId id="470" r:id="rId19"/>
+    <p:sldId id="455" r:id="rId20"/>
+    <p:sldId id="457" r:id="rId21"/>
+    <p:sldId id="467" r:id="rId22"/>
+    <p:sldId id="468" r:id="rId23"/>
+    <p:sldId id="471" r:id="rId24"/>
   </p:sldIdLst>
   <p:sldSz cx="9144000" cy="6858000" type="screen4x3"/>
   <p:notesSz cx="6858000" cy="9144000"/>
@@ -214,7 +214,7 @@
           <a:p>
             <a:fld id="{63D5FC4C-9EE1-4746-A368-724F618FC790}" type="datetimeFigureOut">
               <a:rPr lang="es-PE" smtClean="0"/>
-              <a:t>29/09/2011</a:t>
+              <a:t>30/09/2011</a:t>
             </a:fld>
             <a:endParaRPr lang="es-PE"/>
           </a:p>
@@ -862,6 +862,7 @@
           <a:bodyPr/>
           <a:lstStyle/>
           <a:p>
+            <a:pPr algn="l"/>
             <a:endParaRPr lang="es-PE" dirty="0"/>
           </a:p>
         </p:txBody>
@@ -892,7 +893,7 @@
     </p:spTree>
     <p:extLst>
       <p:ext uri="{BB962C8B-B14F-4D97-AF65-F5344CB8AC3E}">
-        <p14:creationId xmlns:p14="http://schemas.microsoft.com/office/powerpoint/2010/main" val="1461112982"/>
+        <p14:creationId xmlns:p14="http://schemas.microsoft.com/office/powerpoint/2010/main" val="3614550747"/>
       </p:ext>
     </p:extLst>
   </p:cSld>
@@ -946,113 +947,6 @@
           <a:bodyPr/>
           <a:lstStyle/>
           <a:p>
-            <a:pPr algn="l"/>
-            <a:r>
-              <a:rPr lang="es-PE" sz="1200" i="1" dirty="0" smtClean="0"/>
-              <a:t>Existe un gran catálogo de </a:t>
-            </a:r>
-            <a:r>
-              <a:rPr lang="es-PE" sz="1200" i="1" dirty="0" err="1" smtClean="0"/>
-              <a:t>refactorings</a:t>
-            </a:r>
-            <a:r>
-              <a:rPr lang="es-PE" sz="1200" i="1" baseline="0" dirty="0" smtClean="0"/>
-              <a:t> y la meta es tratar de practicar la mayor cantidad </a:t>
-            </a:r>
-            <a:endParaRPr lang="es-PE" sz="1200" i="1" dirty="0" smtClean="0"/>
-          </a:p>
-          <a:p>
-            <a:pPr algn="l"/>
-            <a:r>
-              <a:rPr lang="es-PE" sz="1200" i="1" dirty="0" smtClean="0"/>
-              <a:t>(</a:t>
-            </a:r>
-            <a:r>
-              <a:rPr lang="es-PE" sz="1200" i="1" dirty="0" err="1" smtClean="0"/>
-              <a:t>Move</a:t>
-            </a:r>
-            <a:r>
-              <a:rPr lang="es-PE" sz="1200" i="1" dirty="0" smtClean="0"/>
-              <a:t> </a:t>
-            </a:r>
-            <a:r>
-              <a:rPr lang="es-PE" sz="1200" i="1" dirty="0" err="1" smtClean="0"/>
-              <a:t>Method</a:t>
-            </a:r>
-            <a:r>
-              <a:rPr lang="es-PE" sz="1200" i="1" dirty="0" smtClean="0"/>
-              <a:t>, </a:t>
-            </a:r>
-            <a:r>
-              <a:rPr lang="es-PE" sz="1200" i="1" dirty="0" err="1" smtClean="0"/>
-              <a:t>Inline</a:t>
-            </a:r>
-            <a:r>
-              <a:rPr lang="es-PE" sz="1200" i="1" dirty="0" smtClean="0"/>
-              <a:t> </a:t>
-            </a:r>
-            <a:r>
-              <a:rPr lang="es-PE" sz="1200" i="1" dirty="0" err="1" smtClean="0"/>
-              <a:t>Method</a:t>
-            </a:r>
-            <a:r>
-              <a:rPr lang="es-PE" sz="1200" i="1" dirty="0" smtClean="0"/>
-              <a:t>, </a:t>
-            </a:r>
-            <a:r>
-              <a:rPr lang="es-PE" sz="1200" i="1" dirty="0" err="1" smtClean="0"/>
-              <a:t>Extract</a:t>
-            </a:r>
-            <a:r>
-              <a:rPr lang="es-PE" sz="1200" i="1" dirty="0" smtClean="0"/>
-              <a:t> Interface, </a:t>
-            </a:r>
-          </a:p>
-          <a:p>
-            <a:pPr algn="l"/>
-            <a:r>
-              <a:rPr lang="es-PE" sz="1200" i="1" dirty="0" err="1" smtClean="0"/>
-              <a:t>Replace</a:t>
-            </a:r>
-            <a:r>
-              <a:rPr lang="es-PE" sz="1200" i="1" dirty="0" smtClean="0"/>
-              <a:t> </a:t>
-            </a:r>
-            <a:r>
-              <a:rPr lang="es-PE" sz="1200" i="1" dirty="0" err="1" smtClean="0"/>
-              <a:t>Conditional</a:t>
-            </a:r>
-            <a:r>
-              <a:rPr lang="es-PE" sz="1200" i="1" dirty="0" smtClean="0"/>
-              <a:t> </a:t>
-            </a:r>
-            <a:r>
-              <a:rPr lang="es-PE" sz="1200" i="1" dirty="0" err="1" smtClean="0"/>
-              <a:t>with</a:t>
-            </a:r>
-            <a:r>
-              <a:rPr lang="es-PE" sz="1200" i="1" dirty="0" smtClean="0"/>
-              <a:t> </a:t>
-            </a:r>
-            <a:r>
-              <a:rPr lang="es-PE" sz="1200" i="1" dirty="0" err="1" smtClean="0"/>
-              <a:t>Polymorphism</a:t>
-            </a:r>
-            <a:r>
-              <a:rPr lang="es-PE" sz="1200" i="1" dirty="0" smtClean="0"/>
-              <a:t>, </a:t>
-            </a:r>
-            <a:r>
-              <a:rPr lang="es-PE" sz="1200" i="1" dirty="0" err="1" smtClean="0"/>
-              <a:t>etc</a:t>
-            </a:r>
-            <a:r>
-              <a:rPr lang="es-PE" sz="1200" i="1" dirty="0" smtClean="0"/>
-              <a:t>)</a:t>
-            </a:r>
-          </a:p>
-          <a:p>
-            <a:pPr algn="l"/>
             <a:endParaRPr lang="es-PE" dirty="0"/>
           </a:p>
         </p:txBody>
@@ -1083,7 +977,7 @@
     </p:spTree>
     <p:extLst>
       <p:ext uri="{BB962C8B-B14F-4D97-AF65-F5344CB8AC3E}">
-        <p14:creationId xmlns:p14="http://schemas.microsoft.com/office/powerpoint/2010/main" val="3614550747"/>
+        <p14:creationId xmlns:p14="http://schemas.microsoft.com/office/powerpoint/2010/main" val="1461112982"/>
       </p:ext>
     </p:extLst>
   </p:cSld>
@@ -1329,6 +1223,112 @@
           <a:lstStyle/>
           <a:p>
             <a:pPr algn="l"/>
+            <a:r>
+              <a:rPr lang="es-PE" sz="1200" i="1" dirty="0" smtClean="0"/>
+              <a:t>Existe un gran catálogo de </a:t>
+            </a:r>
+            <a:r>
+              <a:rPr lang="es-PE" sz="1200" i="1" dirty="0" err="1" smtClean="0"/>
+              <a:t>refactorings</a:t>
+            </a:r>
+            <a:r>
+              <a:rPr lang="es-PE" sz="1200" i="1" baseline="0" dirty="0" smtClean="0"/>
+              <a:t> y la meta es tratar de practicar la mayor cantidad </a:t>
+            </a:r>
+            <a:endParaRPr lang="es-PE" sz="1200" i="1" dirty="0" smtClean="0"/>
+          </a:p>
+          <a:p>
+            <a:pPr algn="l"/>
+            <a:r>
+              <a:rPr lang="es-PE" sz="1200" i="1" dirty="0" smtClean="0"/>
+              <a:t>(</a:t>
+            </a:r>
+            <a:r>
+              <a:rPr lang="es-PE" sz="1200" i="1" dirty="0" err="1" smtClean="0"/>
+              <a:t>Move</a:t>
+            </a:r>
+            <a:r>
+              <a:rPr lang="es-PE" sz="1200" i="1" dirty="0" smtClean="0"/>
+              <a:t> </a:t>
+            </a:r>
+            <a:r>
+              <a:rPr lang="es-PE" sz="1200" i="1" dirty="0" err="1" smtClean="0"/>
+              <a:t>Method</a:t>
+            </a:r>
+            <a:r>
+              <a:rPr lang="es-PE" sz="1200" i="1" dirty="0" smtClean="0"/>
+              <a:t>, </a:t>
+            </a:r>
+            <a:r>
+              <a:rPr lang="es-PE" sz="1200" i="1" dirty="0" err="1" smtClean="0"/>
+              <a:t>Inline</a:t>
+            </a:r>
+            <a:r>
+              <a:rPr lang="es-PE" sz="1200" i="1" dirty="0" smtClean="0"/>
+              <a:t> </a:t>
+            </a:r>
+            <a:r>
+              <a:rPr lang="es-PE" sz="1200" i="1" dirty="0" err="1" smtClean="0"/>
+              <a:t>Method</a:t>
+            </a:r>
+            <a:r>
+              <a:rPr lang="es-PE" sz="1200" i="1" dirty="0" smtClean="0"/>
+              <a:t>, </a:t>
+            </a:r>
+            <a:r>
+              <a:rPr lang="es-PE" sz="1200" i="1" dirty="0" err="1" smtClean="0"/>
+              <a:t>Extract</a:t>
+            </a:r>
+            <a:r>
+              <a:rPr lang="es-PE" sz="1200" i="1" dirty="0" smtClean="0"/>
+              <a:t> Interface, </a:t>
+            </a:r>
+          </a:p>
+          <a:p>
+            <a:pPr algn="l"/>
+            <a:r>
+              <a:rPr lang="es-PE" sz="1200" i="1" dirty="0" err="1" smtClean="0"/>
+              <a:t>Replace</a:t>
+            </a:r>
+            <a:r>
+              <a:rPr lang="es-PE" sz="1200" i="1" dirty="0" smtClean="0"/>
+              <a:t> </a:t>
+            </a:r>
+            <a:r>
+              <a:rPr lang="es-PE" sz="1200" i="1" dirty="0" err="1" smtClean="0"/>
+              <a:t>Conditional</a:t>
+            </a:r>
+            <a:r>
+              <a:rPr lang="es-PE" sz="1200" i="1" dirty="0" smtClean="0"/>
+              <a:t> </a:t>
+            </a:r>
+            <a:r>
+              <a:rPr lang="es-PE" sz="1200" i="1" dirty="0" err="1" smtClean="0"/>
+              <a:t>with</a:t>
+            </a:r>
+            <a:r>
+              <a:rPr lang="es-PE" sz="1200" i="1" dirty="0" smtClean="0"/>
+              <a:t> </a:t>
+            </a:r>
+            <a:r>
+              <a:rPr lang="es-PE" sz="1200" i="1" dirty="0" err="1" smtClean="0"/>
+              <a:t>Polymorphism</a:t>
+            </a:r>
+            <a:r>
+              <a:rPr lang="es-PE" sz="1200" i="1" dirty="0" smtClean="0"/>
+              <a:t>, </a:t>
+            </a:r>
+            <a:r>
+              <a:rPr lang="es-PE" sz="1200" i="1" dirty="0" err="1" smtClean="0"/>
+              <a:t>etc</a:t>
+            </a:r>
+            <a:r>
+              <a:rPr lang="es-PE" sz="1200" i="1" dirty="0" smtClean="0"/>
+              <a:t>)</a:t>
+            </a:r>
+          </a:p>
+          <a:p>
+            <a:pPr algn="l"/>
             <a:endParaRPr lang="es-PE" dirty="0"/>
           </a:p>
         </p:txBody>
@@ -1498,6 +1498,7 @@
           <a:bodyPr/>
           <a:lstStyle/>
           <a:p>
+            <a:pPr algn="l"/>
             <a:endParaRPr lang="es-PE" dirty="0"/>
           </a:p>
         </p:txBody>
@@ -1528,7 +1529,7 @@
     </p:spTree>
     <p:extLst>
       <p:ext uri="{BB962C8B-B14F-4D97-AF65-F5344CB8AC3E}">
-        <p14:creationId xmlns:p14="http://schemas.microsoft.com/office/powerpoint/2010/main" val="1461112982"/>
+        <p14:creationId xmlns:p14="http://schemas.microsoft.com/office/powerpoint/2010/main" val="3614550747"/>
       </p:ext>
     </p:extLst>
   </p:cSld>
@@ -1582,12 +1583,7 @@
           <a:bodyPr/>
           <a:lstStyle/>
           <a:p>
-            <a:pPr algn="l"/>
-            <a:r>
-              <a:rPr lang="en-US" noProof="0" dirty="0" smtClean="0"/>
-              <a:t>Strategies for larger design changes.</a:t>
-            </a:r>
-            <a:endParaRPr lang="en-US" noProof="0" dirty="0"/>
+            <a:endParaRPr lang="es-PE" dirty="0"/>
           </a:p>
         </p:txBody>
       </p:sp>
@@ -1617,7 +1613,7 @@
     </p:spTree>
     <p:extLst>
       <p:ext uri="{BB962C8B-B14F-4D97-AF65-F5344CB8AC3E}">
-        <p14:creationId xmlns:p14="http://schemas.microsoft.com/office/powerpoint/2010/main" val="3614550747"/>
+        <p14:creationId xmlns:p14="http://schemas.microsoft.com/office/powerpoint/2010/main" val="1461112982"/>
       </p:ext>
     </p:extLst>
   </p:cSld>
@@ -1774,7 +1770,11 @@
           <a:lstStyle/>
           <a:p>
             <a:pPr algn="l"/>
-            <a:endParaRPr lang="es-PE" dirty="0"/>
+            <a:r>
+              <a:rPr lang="en-US" noProof="0" dirty="0" smtClean="0"/>
+              <a:t>Strategies for larger design changes.</a:t>
+            </a:r>
+            <a:endParaRPr lang="en-US" noProof="0" dirty="0"/>
           </a:p>
         </p:txBody>
       </p:sp>
@@ -2918,7 +2918,7 @@
             <a:fld id="{807CB568-C05F-482F-9F26-AA302B8892DF}" type="datetimeFigureOut">
               <a:rPr lang="es-ES" smtClean="0"/>
               <a:pPr/>
-              <a:t>29/09/2011</a:t>
+              <a:t>30/09/2011</a:t>
             </a:fld>
             <a:endParaRPr lang="es-ES"/>
           </a:p>
@@ -3097,7 +3097,7 @@
             <a:fld id="{807CB568-C05F-482F-9F26-AA302B8892DF}" type="datetimeFigureOut">
               <a:rPr lang="es-ES" smtClean="0"/>
               <a:pPr/>
-              <a:t>29/09/2011</a:t>
+              <a:t>30/09/2011</a:t>
             </a:fld>
             <a:endParaRPr lang="es-ES"/>
           </a:p>
@@ -3286,7 +3286,7 @@
             <a:fld id="{807CB568-C05F-482F-9F26-AA302B8892DF}" type="datetimeFigureOut">
               <a:rPr lang="es-ES" smtClean="0"/>
               <a:pPr/>
-              <a:t>29/09/2011</a:t>
+              <a:t>30/09/2011</a:t>
             </a:fld>
             <a:endParaRPr lang="es-ES"/>
           </a:p>
@@ -3465,7 +3465,7 @@
             <a:fld id="{807CB568-C05F-482F-9F26-AA302B8892DF}" type="datetimeFigureOut">
               <a:rPr lang="es-ES" smtClean="0"/>
               <a:pPr/>
-              <a:t>29/09/2011</a:t>
+              <a:t>30/09/2011</a:t>
             </a:fld>
             <a:endParaRPr lang="es-ES"/>
           </a:p>
@@ -3720,7 +3720,7 @@
             <a:fld id="{807CB568-C05F-482F-9F26-AA302B8892DF}" type="datetimeFigureOut">
               <a:rPr lang="es-ES" smtClean="0"/>
               <a:pPr/>
-              <a:t>29/09/2011</a:t>
+              <a:t>30/09/2011</a:t>
             </a:fld>
             <a:endParaRPr lang="es-ES"/>
           </a:p>
@@ -4017,7 +4017,7 @@
             <a:fld id="{807CB568-C05F-482F-9F26-AA302B8892DF}" type="datetimeFigureOut">
               <a:rPr lang="es-ES" smtClean="0"/>
               <a:pPr/>
-              <a:t>29/09/2011</a:t>
+              <a:t>30/09/2011</a:t>
             </a:fld>
             <a:endParaRPr lang="es-ES"/>
           </a:p>
@@ -4448,7 +4448,7 @@
             <a:fld id="{807CB568-C05F-482F-9F26-AA302B8892DF}" type="datetimeFigureOut">
               <a:rPr lang="es-ES" smtClean="0"/>
               <a:pPr/>
-              <a:t>29/09/2011</a:t>
+              <a:t>30/09/2011</a:t>
             </a:fld>
             <a:endParaRPr lang="es-ES"/>
           </a:p>
@@ -4575,7 +4575,7 @@
             <a:fld id="{807CB568-C05F-482F-9F26-AA302B8892DF}" type="datetimeFigureOut">
               <a:rPr lang="es-ES" smtClean="0"/>
               <a:pPr/>
-              <a:t>29/09/2011</a:t>
+              <a:t>30/09/2011</a:t>
             </a:fld>
             <a:endParaRPr lang="es-ES"/>
           </a:p>
@@ -4679,7 +4679,7 @@
             <a:fld id="{807CB568-C05F-482F-9F26-AA302B8892DF}" type="datetimeFigureOut">
               <a:rPr lang="es-ES" smtClean="0"/>
               <a:pPr/>
-              <a:t>29/09/2011</a:t>
+              <a:t>30/09/2011</a:t>
             </a:fld>
             <a:endParaRPr lang="es-ES"/>
           </a:p>
@@ -4965,7 +4965,7 @@
             <a:fld id="{807CB568-C05F-482F-9F26-AA302B8892DF}" type="datetimeFigureOut">
               <a:rPr lang="es-ES" smtClean="0"/>
               <a:pPr/>
-              <a:t>29/09/2011</a:t>
+              <a:t>30/09/2011</a:t>
             </a:fld>
             <a:endParaRPr lang="es-ES"/>
           </a:p>
@@ -5234,7 +5234,7 @@
             <a:fld id="{807CB568-C05F-482F-9F26-AA302B8892DF}" type="datetimeFigureOut">
               <a:rPr lang="es-ES" smtClean="0"/>
               <a:pPr/>
-              <a:t>29/09/2011</a:t>
+              <a:t>30/09/2011</a:t>
             </a:fld>
             <a:endParaRPr lang="es-ES"/>
           </a:p>
@@ -5485,7 +5485,7 @@
             <a:fld id="{807CB568-C05F-482F-9F26-AA302B8892DF}" type="datetimeFigureOut">
               <a:rPr lang="es-ES" smtClean="0"/>
               <a:pPr/>
-              <a:t>29/09/2011</a:t>
+              <a:t>30/09/2011</a:t>
             </a:fld>
             <a:endParaRPr lang="es-ES"/>
           </a:p>
@@ -6723,9 +6723,95 @@
           <a:chExt cx="0" cy="0"/>
         </a:xfrm>
       </p:grpSpPr>
+      <p:sp>
+        <p:nvSpPr>
+          <p:cNvPr id="18" name="1 Título"/>
+          <p:cNvSpPr>
+            <a:spLocks noGrp="1"/>
+          </p:cNvSpPr>
+          <p:nvPr>
+            <p:ph type="title"/>
+          </p:nvPr>
+        </p:nvSpPr>
+        <p:spPr>
+          <a:xfrm>
+            <a:off x="457200" y="162000"/>
+            <a:ext cx="8229600" cy="792088"/>
+          </a:xfrm>
+        </p:spPr>
+        <p:txBody>
+          <a:bodyPr/>
+          <a:lstStyle/>
+          <a:p>
+            <a:r>
+              <a:rPr lang="es-PE" sz="4800" dirty="0" err="1" smtClean="0">
+                <a:solidFill>
+                  <a:srgbClr val="FF0000"/>
+                </a:solidFill>
+              </a:rPr>
+              <a:t>Feedback</a:t>
+            </a:r>
+            <a:endParaRPr lang="es-PE" sz="4800" dirty="0">
+              <a:solidFill>
+                <a:srgbClr val="FF0000"/>
+              </a:solidFill>
+            </a:endParaRPr>
+          </a:p>
+        </p:txBody>
+      </p:sp>
+      <p:sp>
+        <p:nvSpPr>
+          <p:cNvPr id="2" name="1 CuadroTexto"/>
+          <p:cNvSpPr txBox="1"/>
+          <p:nvPr/>
+        </p:nvSpPr>
+        <p:spPr>
+          <a:xfrm>
+            <a:off x="3347864" y="1208941"/>
+            <a:ext cx="5400600" cy="4031873"/>
+          </a:xfrm>
+          <a:prstGeom prst="rect">
+            <a:avLst/>
+          </a:prstGeom>
+          <a:noFill/>
+        </p:spPr>
+        <p:txBody>
+          <a:bodyPr wrap="square" rtlCol="0">
+            <a:spAutoFit/>
+          </a:bodyPr>
+          <a:lstStyle/>
+          <a:p>
+            <a:pPr algn="ctr"/>
+            <a:r>
+              <a:rPr lang="es-PE" sz="3200" dirty="0" smtClean="0"/>
+              <a:t>Nadie puede pasar por la puerta sin dejar algún tipo de idea, comentario o </a:t>
+            </a:r>
+            <a:r>
+              <a:rPr lang="es-PE" sz="3200" dirty="0" err="1" smtClean="0"/>
+              <a:t>feedkback</a:t>
+            </a:r>
+            <a:r>
+              <a:rPr lang="es-PE" sz="3200" dirty="0" smtClean="0"/>
+              <a:t>.</a:t>
+            </a:r>
+          </a:p>
+          <a:p>
+            <a:pPr algn="ctr"/>
+            <a:endParaRPr lang="es-PE" sz="3200" dirty="0"/>
+          </a:p>
+          <a:p>
+            <a:pPr algn="ctr"/>
+            <a:r>
+              <a:rPr lang="es-PE" sz="3200" dirty="0" smtClean="0"/>
+              <a:t>No importa que sea un problema elemental o una carita feliz, deben poner algo en la puerta</a:t>
+            </a:r>
+            <a:endParaRPr lang="es-PE" sz="3200" dirty="0" smtClean="0"/>
+          </a:p>
+        </p:txBody>
+      </p:sp>
       <p:pic>
         <p:nvPicPr>
-          <p:cNvPr id="3" name="2 Imagen"/>
+          <p:cNvPr id="4" name="3 Imagen"/>
           <p:cNvPicPr>
             <a:picLocks noChangeAspect="1"/>
           </p:cNvPicPr>
@@ -6745,50 +6831,18 @@
         </p:blipFill>
         <p:spPr>
           <a:xfrm>
-            <a:off x="-249282" y="-2112"/>
-            <a:ext cx="9717826" cy="6858000"/>
+            <a:off x="591840" y="1556792"/>
+            <a:ext cx="2540000" cy="3390900"/>
           </a:xfrm>
           <a:prstGeom prst="rect">
             <a:avLst/>
           </a:prstGeom>
         </p:spPr>
       </p:pic>
-      <p:sp>
-        <p:nvSpPr>
-          <p:cNvPr id="2" name="1 Título"/>
-          <p:cNvSpPr>
-            <a:spLocks noGrp="1"/>
-          </p:cNvSpPr>
-          <p:nvPr>
-            <p:ph type="ctrTitle"/>
-          </p:nvPr>
-        </p:nvSpPr>
-        <p:spPr>
-          <a:xfrm>
-            <a:off x="704264" y="5517232"/>
-            <a:ext cx="7810734" cy="1093136"/>
-          </a:xfrm>
-        </p:spPr>
-        <p:txBody>
-          <a:bodyPr/>
-          <a:lstStyle/>
-          <a:p>
-            <a:r>
-              <a:rPr lang="es-PE" sz="11500" b="1" spc="300" dirty="0" smtClean="0"/>
-              <a:t>1st </a:t>
-            </a:r>
-            <a:r>
-              <a:rPr lang="es-PE" sz="11500" b="1" spc="300" dirty="0" smtClean="0"/>
-              <a:t>COURSE</a:t>
-            </a:r>
-            <a:endParaRPr lang="es-ES" sz="9600" b="1" spc="300" dirty="0"/>
-          </a:p>
-        </p:txBody>
-      </p:sp>
     </p:spTree>
     <p:extLst>
       <p:ext uri="{BB962C8B-B14F-4D97-AF65-F5344CB8AC3E}">
-        <p14:creationId xmlns:p14="http://schemas.microsoft.com/office/powerpoint/2010/main" val="2661519987"/>
+        <p14:creationId xmlns:p14="http://schemas.microsoft.com/office/powerpoint/2010/main" val="436303969"/>
       </p:ext>
     </p:extLst>
   </p:cSld>
@@ -6822,77 +6876,68 @@
           <a:chExt cx="0" cy="0"/>
         </a:xfrm>
       </p:grpSpPr>
-      <p:sp>
-        <p:nvSpPr>
-          <p:cNvPr id="18" name="1 Título"/>
-          <p:cNvSpPr>
-            <a:spLocks noGrp="1"/>
-          </p:cNvSpPr>
-          <p:nvPr>
-            <p:ph type="title"/>
-          </p:nvPr>
-        </p:nvSpPr>
+      <p:pic>
+        <p:nvPicPr>
+          <p:cNvPr id="3" name="2 Imagen"/>
+          <p:cNvPicPr>
+            <a:picLocks noChangeAspect="1"/>
+          </p:cNvPicPr>
+          <p:nvPr/>
+        </p:nvPicPr>
+        <p:blipFill>
+          <a:blip r:embed="rId3">
+            <a:extLst>
+              <a:ext uri="{28A0092B-C50C-407E-A947-70E740481C1C}">
+                <a14:useLocalDpi xmlns:a14="http://schemas.microsoft.com/office/drawing/2010/main" val="0"/>
+              </a:ext>
+            </a:extLst>
+          </a:blip>
+          <a:stretch>
+            <a:fillRect/>
+          </a:stretch>
+        </p:blipFill>
         <p:spPr>
           <a:xfrm>
-            <a:off x="457200" y="1589389"/>
-            <a:ext cx="8229600" cy="792088"/>
-          </a:xfrm>
-        </p:spPr>
-        <p:txBody>
-          <a:bodyPr/>
-          <a:lstStyle/>
-          <a:p>
-            <a:r>
-              <a:rPr lang="es-PE" sz="4800" dirty="0" smtClean="0">
-                <a:solidFill>
-                  <a:srgbClr val="FF0000"/>
-                </a:solidFill>
-              </a:rPr>
-              <a:t>Objetivo</a:t>
-            </a:r>
-            <a:endParaRPr lang="es-PE" sz="4800" dirty="0">
-              <a:solidFill>
-                <a:srgbClr val="FF0000"/>
-              </a:solidFill>
-            </a:endParaRPr>
-          </a:p>
-        </p:txBody>
-      </p:sp>
-      <p:sp>
-        <p:nvSpPr>
-          <p:cNvPr id="2" name="1 CuadroTexto"/>
-          <p:cNvSpPr txBox="1"/>
-          <p:nvPr/>
-        </p:nvSpPr>
-        <p:spPr>
-          <a:xfrm>
-            <a:off x="611560" y="2507644"/>
-            <a:ext cx="8064896" cy="1938992"/>
+            <a:off x="-249282" y="-2112"/>
+            <a:ext cx="9717826" cy="6858000"/>
           </a:xfrm>
           <a:prstGeom prst="rect">
             <a:avLst/>
           </a:prstGeom>
-          <a:noFill/>
         </p:spPr>
-        <p:txBody>
-          <a:bodyPr wrap="square" rtlCol="0">
-            <a:spAutoFit/>
-          </a:bodyPr>
-          <a:lstStyle/>
-          <a:p>
-            <a:pPr algn="ctr"/>
-            <a:r>
-              <a:rPr lang="es-PE" sz="4000" dirty="0" smtClean="0"/>
-              <a:t>Aprender y practicar diversos refactorizaciones tanto simples como complejos</a:t>
-            </a:r>
-            <a:endParaRPr lang="es-PE" sz="4000" dirty="0"/>
+      </p:pic>
+      <p:sp>
+        <p:nvSpPr>
+          <p:cNvPr id="2" name="1 Título"/>
+          <p:cNvSpPr>
+            <a:spLocks noGrp="1"/>
+          </p:cNvSpPr>
+          <p:nvPr>
+            <p:ph type="ctrTitle"/>
+          </p:nvPr>
+        </p:nvSpPr>
+        <p:spPr>
+          <a:xfrm>
+            <a:off x="704264" y="5517232"/>
+            <a:ext cx="7810734" cy="1093136"/>
+          </a:xfrm>
+        </p:spPr>
+        <p:txBody>
+          <a:bodyPr/>
+          <a:lstStyle/>
+          <a:p>
+            <a:r>
+              <a:rPr lang="es-PE" sz="11500" b="1" spc="300" dirty="0" smtClean="0"/>
+              <a:t>1st COURSE</a:t>
+            </a:r>
+            <a:endParaRPr lang="es-ES" sz="9600" b="1" spc="300" dirty="0"/>
           </a:p>
         </p:txBody>
       </p:sp>
     </p:spTree>
     <p:extLst>
       <p:ext uri="{BB962C8B-B14F-4D97-AF65-F5344CB8AC3E}">
-        <p14:creationId xmlns:p14="http://schemas.microsoft.com/office/powerpoint/2010/main" val="426973170"/>
+        <p14:creationId xmlns:p14="http://schemas.microsoft.com/office/powerpoint/2010/main" val="2661519987"/>
       </p:ext>
     </p:extLst>
   </p:cSld>
@@ -6952,7 +6997,7 @@
                   <a:srgbClr val="FF0000"/>
                 </a:solidFill>
               </a:rPr>
-              <a:t>Descripción</a:t>
+              <a:t>Objetivo</a:t>
             </a:r>
             <a:endParaRPr lang="es-PE" sz="4800" dirty="0">
               <a:solidFill>
@@ -6971,7 +7016,7 @@
         <p:spPr>
           <a:xfrm>
             <a:off x="611560" y="2507644"/>
-            <a:ext cx="8064896" cy="1323439"/>
+            <a:ext cx="8064896" cy="1938992"/>
           </a:xfrm>
           <a:prstGeom prst="rect">
             <a:avLst/>
@@ -6986,16 +7031,8 @@
           <a:p>
             <a:pPr algn="ctr"/>
             <a:r>
-              <a:rPr lang="es-PE" sz="4000" dirty="0"/>
-              <a:t>El código </a:t>
-            </a:r>
-            <a:r>
               <a:rPr lang="es-PE" sz="4000" dirty="0" smtClean="0"/>
-              <a:t>representa el dominio de </a:t>
-            </a:r>
-            <a:r>
-              <a:rPr lang="es-PE" sz="4000" dirty="0"/>
-              <a:t>una tienda online de bicicletas.</a:t>
+              <a:t>Aprender y practicar diversos refactorizaciones tanto simples como complejos</a:t>
             </a:r>
             <a:endParaRPr lang="es-PE" sz="4000" dirty="0"/>
           </a:p>
@@ -7004,7 +7041,7 @@
     </p:spTree>
     <p:extLst>
       <p:ext uri="{BB962C8B-B14F-4D97-AF65-F5344CB8AC3E}">
-        <p14:creationId xmlns:p14="http://schemas.microsoft.com/office/powerpoint/2010/main" val="2864752739"/>
+        <p14:creationId xmlns:p14="http://schemas.microsoft.com/office/powerpoint/2010/main" val="426973170"/>
       </p:ext>
     </p:extLst>
   </p:cSld>
@@ -7050,6 +7087,117 @@
         </p:nvSpPr>
         <p:spPr>
           <a:xfrm>
+            <a:off x="457200" y="1589389"/>
+            <a:ext cx="8229600" cy="792088"/>
+          </a:xfrm>
+        </p:spPr>
+        <p:txBody>
+          <a:bodyPr/>
+          <a:lstStyle/>
+          <a:p>
+            <a:r>
+              <a:rPr lang="es-PE" sz="4800" dirty="0" smtClean="0">
+                <a:solidFill>
+                  <a:srgbClr val="FF0000"/>
+                </a:solidFill>
+              </a:rPr>
+              <a:t>Descripción</a:t>
+            </a:r>
+            <a:endParaRPr lang="es-PE" sz="4800" dirty="0">
+              <a:solidFill>
+                <a:srgbClr val="FF0000"/>
+              </a:solidFill>
+            </a:endParaRPr>
+          </a:p>
+        </p:txBody>
+      </p:sp>
+      <p:sp>
+        <p:nvSpPr>
+          <p:cNvPr id="2" name="1 CuadroTexto"/>
+          <p:cNvSpPr txBox="1"/>
+          <p:nvPr/>
+        </p:nvSpPr>
+        <p:spPr>
+          <a:xfrm>
+            <a:off x="611560" y="2507644"/>
+            <a:ext cx="8064896" cy="1323439"/>
+          </a:xfrm>
+          <a:prstGeom prst="rect">
+            <a:avLst/>
+          </a:prstGeom>
+          <a:noFill/>
+        </p:spPr>
+        <p:txBody>
+          <a:bodyPr wrap="square" rtlCol="0">
+            <a:spAutoFit/>
+          </a:bodyPr>
+          <a:lstStyle/>
+          <a:p>
+            <a:pPr algn="ctr"/>
+            <a:r>
+              <a:rPr lang="es-PE" sz="4000" dirty="0"/>
+              <a:t>El código </a:t>
+            </a:r>
+            <a:r>
+              <a:rPr lang="es-PE" sz="4000" dirty="0" smtClean="0"/>
+              <a:t>representa el dominio de </a:t>
+            </a:r>
+            <a:r>
+              <a:rPr lang="es-PE" sz="4000" dirty="0"/>
+              <a:t>una tienda online de bicicletas.</a:t>
+            </a:r>
+          </a:p>
+        </p:txBody>
+      </p:sp>
+    </p:spTree>
+    <p:extLst>
+      <p:ext uri="{BB962C8B-B14F-4D97-AF65-F5344CB8AC3E}">
+        <p14:creationId xmlns:p14="http://schemas.microsoft.com/office/powerpoint/2010/main" val="2864752739"/>
+      </p:ext>
+    </p:extLst>
+  </p:cSld>
+  <p:clrMapOvr>
+    <a:masterClrMapping/>
+  </p:clrMapOvr>
+  <p:timing>
+    <p:tnLst>
+      <p:par>
+        <p:cTn id="1" dur="indefinite" restart="never" nodeType="tmRoot"/>
+      </p:par>
+    </p:tnLst>
+  </p:timing>
+</p:sld>
+</file>
+
+<file path=ppt/slides/slide17.xml><?xml version="1.0" encoding="utf-8"?>
+<p:sld xmlns:a="http://schemas.openxmlformats.org/drawingml/2006/main" xmlns:r="http://schemas.openxmlformats.org/officeDocument/2006/relationships" xmlns:p="http://schemas.openxmlformats.org/presentationml/2006/main">
+  <p:cSld>
+    <p:spTree>
+      <p:nvGrpSpPr>
+        <p:cNvPr id="1" name=""/>
+        <p:cNvGrpSpPr/>
+        <p:nvPr/>
+      </p:nvGrpSpPr>
+      <p:grpSpPr>
+        <a:xfrm>
+          <a:off x="0" y="0"/>
+          <a:ext cx="0" cy="0"/>
+          <a:chOff x="0" y="0"/>
+          <a:chExt cx="0" cy="0"/>
+        </a:xfrm>
+      </p:grpSpPr>
+      <p:sp>
+        <p:nvSpPr>
+          <p:cNvPr id="18" name="1 Título"/>
+          <p:cNvSpPr>
+            <a:spLocks noGrp="1"/>
+          </p:cNvSpPr>
+          <p:nvPr>
+            <p:ph type="title"/>
+          </p:nvPr>
+        </p:nvSpPr>
+        <p:spPr>
+          <a:xfrm>
             <a:off x="457200" y="162000"/>
             <a:ext cx="8229600" cy="792088"/>
           </a:xfrm>
@@ -7099,15 +7247,7 @@
             <a:pPr algn="ctr"/>
             <a:r>
               <a:rPr lang="es-PE" sz="3200" dirty="0" smtClean="0"/>
-              <a:t>Es </a:t>
-            </a:r>
-            <a:r>
-              <a:rPr lang="es-PE" sz="3200" dirty="0" smtClean="0"/>
-              <a:t>un juego </a:t>
-            </a:r>
-            <a:r>
-              <a:rPr lang="es-PE" sz="3200" dirty="0" smtClean="0"/>
-              <a:t>de 4 hoyos, todos los equipos comenzarán en el </a:t>
+              <a:t>Es un juego de 4 hoyos, todos los equipos comenzarán en el </a:t>
             </a:r>
             <a:r>
               <a:rPr lang="es-PE" sz="3200" dirty="0" err="1" smtClean="0"/>
@@ -7235,7 +7375,7 @@
 </p:sld>
 </file>
 
-<file path=ppt/slides/slide17.xml><?xml version="1.0" encoding="utf-8"?>
+<file path=ppt/slides/slide18.xml><?xml version="1.0" encoding="utf-8"?>
 <p:sld xmlns:a="http://schemas.openxmlformats.org/drawingml/2006/main" xmlns:r="http://schemas.openxmlformats.org/officeDocument/2006/relationships" xmlns:p="http://schemas.openxmlformats.org/presentationml/2006/main">
   <p:cSld>
     <p:spTree>
@@ -7408,7 +7548,7 @@
 </p:sld>
 </file>
 
-<file path=ppt/slides/slide18.xml><?xml version="1.0" encoding="utf-8"?>
+<file path=ppt/slides/slide19.xml><?xml version="1.0" encoding="utf-8"?>
 <p:sld xmlns:a="http://schemas.openxmlformats.org/drawingml/2006/main" xmlns:r="http://schemas.openxmlformats.org/officeDocument/2006/relationships" xmlns:p="http://schemas.openxmlformats.org/presentationml/2006/main">
   <p:cSld>
     <p:spTree>
@@ -7477,11 +7617,7 @@
           <a:p>
             <a:r>
               <a:rPr lang="es-PE" sz="11500" b="1" spc="300" dirty="0" smtClean="0"/>
-              <a:t>2nd </a:t>
-            </a:r>
-            <a:r>
-              <a:rPr lang="es-PE" sz="11500" b="1" spc="300" dirty="0" smtClean="0"/>
-              <a:t>COURSE</a:t>
+              <a:t>2nd COURSE</a:t>
             </a:r>
             <a:endParaRPr lang="es-ES" sz="9600" b="1" spc="300" dirty="0"/>
           </a:p>
@@ -7491,149 +7627,6 @@
     <p:extLst>
       <p:ext uri="{BB962C8B-B14F-4D97-AF65-F5344CB8AC3E}">
         <p14:creationId xmlns:p14="http://schemas.microsoft.com/office/powerpoint/2010/main" val="3991114041"/>
-      </p:ext>
-    </p:extLst>
-  </p:cSld>
-  <p:clrMapOvr>
-    <a:masterClrMapping/>
-  </p:clrMapOvr>
-  <p:timing>
-    <p:tnLst>
-      <p:par>
-        <p:cTn id="1" dur="indefinite" restart="never" nodeType="tmRoot"/>
-      </p:par>
-    </p:tnLst>
-  </p:timing>
-</p:sld>
-</file>
-
-<file path=ppt/slides/slide19.xml><?xml version="1.0" encoding="utf-8"?>
-<p:sld xmlns:a="http://schemas.openxmlformats.org/drawingml/2006/main" xmlns:r="http://schemas.openxmlformats.org/officeDocument/2006/relationships" xmlns:p="http://schemas.openxmlformats.org/presentationml/2006/main">
-  <p:cSld>
-    <p:spTree>
-      <p:nvGrpSpPr>
-        <p:cNvPr id="1" name=""/>
-        <p:cNvGrpSpPr/>
-        <p:nvPr/>
-      </p:nvGrpSpPr>
-      <p:grpSpPr>
-        <a:xfrm>
-          <a:off x="0" y="0"/>
-          <a:ext cx="0" cy="0"/>
-          <a:chOff x="0" y="0"/>
-          <a:chExt cx="0" cy="0"/>
-        </a:xfrm>
-      </p:grpSpPr>
-      <p:sp>
-        <p:nvSpPr>
-          <p:cNvPr id="18" name="1 Título"/>
-          <p:cNvSpPr>
-            <a:spLocks noGrp="1"/>
-          </p:cNvSpPr>
-          <p:nvPr>
-            <p:ph type="title"/>
-          </p:nvPr>
-        </p:nvSpPr>
-        <p:spPr>
-          <a:xfrm>
-            <a:off x="457200" y="1589389"/>
-            <a:ext cx="8229600" cy="792088"/>
-          </a:xfrm>
-        </p:spPr>
-        <p:txBody>
-          <a:bodyPr/>
-          <a:lstStyle/>
-          <a:p>
-            <a:r>
-              <a:rPr lang="es-PE" sz="4800" dirty="0" smtClean="0">
-                <a:solidFill>
-                  <a:srgbClr val="FF0000"/>
-                </a:solidFill>
-              </a:rPr>
-              <a:t>Objetivo</a:t>
-            </a:r>
-            <a:endParaRPr lang="es-PE" sz="4800" dirty="0">
-              <a:solidFill>
-                <a:srgbClr val="FF0000"/>
-              </a:solidFill>
-            </a:endParaRPr>
-          </a:p>
-        </p:txBody>
-      </p:sp>
-      <p:sp>
-        <p:nvSpPr>
-          <p:cNvPr id="2" name="1 CuadroTexto"/>
-          <p:cNvSpPr txBox="1"/>
-          <p:nvPr/>
-        </p:nvSpPr>
-        <p:spPr>
-          <a:xfrm>
-            <a:off x="611560" y="2507644"/>
-            <a:ext cx="8064896" cy="1938992"/>
-          </a:xfrm>
-          <a:prstGeom prst="rect">
-            <a:avLst/>
-          </a:prstGeom>
-          <a:noFill/>
-        </p:spPr>
-        <p:txBody>
-          <a:bodyPr wrap="square" rtlCol="0">
-            <a:spAutoFit/>
-          </a:bodyPr>
-          <a:lstStyle/>
-          <a:p>
-            <a:pPr algn="ctr"/>
-            <a:r>
-              <a:rPr lang="es-PE" sz="4000" dirty="0" smtClean="0"/>
-              <a:t>Aprender y practicar diversas estratégicas de refactorización</a:t>
-            </a:r>
-          </a:p>
-          <a:p>
-            <a:pPr algn="ctr"/>
-            <a:r>
-              <a:rPr lang="es-PE" sz="4000" dirty="0" smtClean="0"/>
-              <a:t>(</a:t>
-            </a:r>
-            <a:r>
-              <a:rPr lang="es-PE" sz="4000" dirty="0" err="1" smtClean="0"/>
-              <a:t>Parallel</a:t>
-            </a:r>
-            <a:r>
-              <a:rPr lang="es-PE" sz="4000" dirty="0" smtClean="0"/>
-              <a:t> </a:t>
-            </a:r>
-            <a:r>
-              <a:rPr lang="es-PE" sz="4000" dirty="0" err="1" smtClean="0"/>
-              <a:t>Change</a:t>
-            </a:r>
-            <a:r>
-              <a:rPr lang="es-PE" sz="4000" dirty="0" smtClean="0"/>
-              <a:t> y </a:t>
-            </a:r>
-            <a:r>
-              <a:rPr lang="es-PE" sz="4000" dirty="0" err="1" smtClean="0"/>
-              <a:t>Narrowed</a:t>
-            </a:r>
-            <a:r>
-              <a:rPr lang="es-PE" sz="4000" dirty="0" smtClean="0"/>
-              <a:t> </a:t>
-            </a:r>
-            <a:r>
-              <a:rPr lang="es-PE" sz="4000" dirty="0" err="1" smtClean="0"/>
-              <a:t>Change</a:t>
-            </a:r>
-            <a:r>
-              <a:rPr lang="es-PE" sz="4000" dirty="0" smtClean="0"/>
-              <a:t>)</a:t>
-            </a:r>
-            <a:endParaRPr lang="es-PE" sz="4000" dirty="0"/>
-          </a:p>
-        </p:txBody>
-      </p:sp>
-    </p:spTree>
-    <p:extLst>
-      <p:ext uri="{BB962C8B-B14F-4D97-AF65-F5344CB8AC3E}">
-        <p14:creationId xmlns:p14="http://schemas.microsoft.com/office/powerpoint/2010/main" val="2293511525"/>
       </p:ext>
     </p:extLst>
   </p:cSld>
@@ -7850,7 +7843,7 @@
                   <a:srgbClr val="FF0000"/>
                 </a:solidFill>
               </a:rPr>
-              <a:t>Descripción</a:t>
+              <a:t>Objetivo</a:t>
             </a:r>
             <a:endParaRPr lang="es-PE" sz="4800" dirty="0">
               <a:solidFill>
@@ -7869,7 +7862,7 @@
         <p:spPr>
           <a:xfrm>
             <a:off x="611560" y="2507644"/>
-            <a:ext cx="8064896" cy="1323439"/>
+            <a:ext cx="8064896" cy="1938992"/>
           </a:xfrm>
           <a:prstGeom prst="rect">
             <a:avLst/>
@@ -7884,20 +7877,47 @@
           <a:p>
             <a:pPr algn="ctr"/>
             <a:r>
-              <a:rPr lang="es-PE" sz="4000" dirty="0"/>
-              <a:t>El código </a:t>
-            </a:r>
-            <a:r>
               <a:rPr lang="es-PE" sz="4000" dirty="0" smtClean="0"/>
-              <a:t>es de una clase que representa a un </a:t>
+              <a:t>Aprender y practicar diversas estratégicas de refactorización</a:t>
+            </a:r>
+          </a:p>
+          <a:p>
+            <a:pPr algn="ctr"/>
+            <a:r>
+              <a:rPr lang="es-PE" sz="4000" dirty="0" smtClean="0"/>
+              <a:t>(</a:t>
             </a:r>
             <a:r>
               <a:rPr lang="es-PE" sz="4000" dirty="0" err="1" smtClean="0"/>
-              <a:t>Stack</a:t>
+              <a:t>Parallel</a:t>
             </a:r>
             <a:r>
               <a:rPr lang="es-PE" sz="4000" dirty="0" smtClean="0"/>
-              <a:t> (Pila) </a:t>
+              <a:t> </a:t>
+            </a:r>
+            <a:r>
+              <a:rPr lang="es-PE" sz="4000" dirty="0" err="1" smtClean="0"/>
+              <a:t>Change</a:t>
+            </a:r>
+            <a:r>
+              <a:rPr lang="es-PE" sz="4000" dirty="0" smtClean="0"/>
+              <a:t> y </a:t>
+            </a:r>
+            <a:r>
+              <a:rPr lang="es-PE" sz="4000" dirty="0" err="1" smtClean="0"/>
+              <a:t>Narrowed</a:t>
+            </a:r>
+            <a:r>
+              <a:rPr lang="es-PE" sz="4000" dirty="0" smtClean="0"/>
+              <a:t> </a:t>
+            </a:r>
+            <a:r>
+              <a:rPr lang="es-PE" sz="4000" dirty="0" err="1" smtClean="0"/>
+              <a:t>Change</a:t>
+            </a:r>
+            <a:r>
+              <a:rPr lang="es-PE" sz="4000" dirty="0" smtClean="0"/>
+              <a:t>)</a:t>
             </a:r>
             <a:endParaRPr lang="es-PE" sz="4000" dirty="0"/>
           </a:p>
@@ -7906,7 +7926,7 @@
     </p:spTree>
     <p:extLst>
       <p:ext uri="{BB962C8B-B14F-4D97-AF65-F5344CB8AC3E}">
-        <p14:creationId xmlns:p14="http://schemas.microsoft.com/office/powerpoint/2010/main" val="997755487"/>
+        <p14:creationId xmlns:p14="http://schemas.microsoft.com/office/powerpoint/2010/main" val="2293511525"/>
       </p:ext>
     </p:extLst>
   </p:cSld>
@@ -7952,6 +7972,122 @@
         </p:nvSpPr>
         <p:spPr>
           <a:xfrm>
+            <a:off x="457200" y="1589389"/>
+            <a:ext cx="8229600" cy="792088"/>
+          </a:xfrm>
+        </p:spPr>
+        <p:txBody>
+          <a:bodyPr/>
+          <a:lstStyle/>
+          <a:p>
+            <a:r>
+              <a:rPr lang="es-PE" sz="4800" dirty="0" smtClean="0">
+                <a:solidFill>
+                  <a:srgbClr val="FF0000"/>
+                </a:solidFill>
+              </a:rPr>
+              <a:t>Descripción</a:t>
+            </a:r>
+            <a:endParaRPr lang="es-PE" sz="4800" dirty="0">
+              <a:solidFill>
+                <a:srgbClr val="FF0000"/>
+              </a:solidFill>
+            </a:endParaRPr>
+          </a:p>
+        </p:txBody>
+      </p:sp>
+      <p:sp>
+        <p:nvSpPr>
+          <p:cNvPr id="2" name="1 CuadroTexto"/>
+          <p:cNvSpPr txBox="1"/>
+          <p:nvPr/>
+        </p:nvSpPr>
+        <p:spPr>
+          <a:xfrm>
+            <a:off x="611560" y="2507644"/>
+            <a:ext cx="8064896" cy="1323439"/>
+          </a:xfrm>
+          <a:prstGeom prst="rect">
+            <a:avLst/>
+          </a:prstGeom>
+          <a:noFill/>
+        </p:spPr>
+        <p:txBody>
+          <a:bodyPr wrap="square" rtlCol="0">
+            <a:spAutoFit/>
+          </a:bodyPr>
+          <a:lstStyle/>
+          <a:p>
+            <a:pPr algn="ctr"/>
+            <a:r>
+              <a:rPr lang="es-PE" sz="4000" dirty="0"/>
+              <a:t>El código </a:t>
+            </a:r>
+            <a:r>
+              <a:rPr lang="es-PE" sz="4000" dirty="0" smtClean="0"/>
+              <a:t>es de una clase que representa a un </a:t>
+            </a:r>
+            <a:r>
+              <a:rPr lang="es-PE" sz="4000" dirty="0" err="1" smtClean="0"/>
+              <a:t>Stack</a:t>
+            </a:r>
+            <a:r>
+              <a:rPr lang="es-PE" sz="4000" dirty="0" smtClean="0"/>
+              <a:t> (Pila) </a:t>
+            </a:r>
+            <a:endParaRPr lang="es-PE" sz="4000" dirty="0"/>
+          </a:p>
+        </p:txBody>
+      </p:sp>
+    </p:spTree>
+    <p:extLst>
+      <p:ext uri="{BB962C8B-B14F-4D97-AF65-F5344CB8AC3E}">
+        <p14:creationId xmlns:p14="http://schemas.microsoft.com/office/powerpoint/2010/main" val="997755487"/>
+      </p:ext>
+    </p:extLst>
+  </p:cSld>
+  <p:clrMapOvr>
+    <a:masterClrMapping/>
+  </p:clrMapOvr>
+  <p:timing>
+    <p:tnLst>
+      <p:par>
+        <p:cTn id="1" dur="indefinite" restart="never" nodeType="tmRoot"/>
+      </p:par>
+    </p:tnLst>
+  </p:timing>
+</p:sld>
+</file>
+
+<file path=ppt/slides/slide22.xml><?xml version="1.0" encoding="utf-8"?>
+<p:sld xmlns:a="http://schemas.openxmlformats.org/drawingml/2006/main" xmlns:r="http://schemas.openxmlformats.org/officeDocument/2006/relationships" xmlns:p="http://schemas.openxmlformats.org/presentationml/2006/main">
+  <p:cSld>
+    <p:spTree>
+      <p:nvGrpSpPr>
+        <p:cNvPr id="1" name=""/>
+        <p:cNvGrpSpPr/>
+        <p:nvPr/>
+      </p:nvGrpSpPr>
+      <p:grpSpPr>
+        <a:xfrm>
+          <a:off x="0" y="0"/>
+          <a:ext cx="0" cy="0"/>
+          <a:chOff x="0" y="0"/>
+          <a:chExt cx="0" cy="0"/>
+        </a:xfrm>
+      </p:grpSpPr>
+      <p:sp>
+        <p:nvSpPr>
+          <p:cNvPr id="18" name="1 Título"/>
+          <p:cNvSpPr>
+            <a:spLocks noGrp="1"/>
+          </p:cNvSpPr>
+          <p:nvPr>
+            <p:ph type="title"/>
+          </p:nvPr>
+        </p:nvSpPr>
+        <p:spPr>
+          <a:xfrm>
             <a:off x="457200" y="162000"/>
             <a:ext cx="8229600" cy="792088"/>
           </a:xfrm>
@@ -8001,13 +8137,8 @@
             <a:pPr algn="ctr"/>
             <a:r>
               <a:rPr lang="es-PE" sz="3200" dirty="0" smtClean="0"/>
-              <a:t>Es </a:t>
-            </a:r>
-            <a:r>
-              <a:rPr lang="es-PE" sz="3200" dirty="0" smtClean="0"/>
-              <a:t>un recorrido de un único hoyo</a:t>
-            </a:r>
-            <a:endParaRPr lang="es-PE" sz="3200" dirty="0" smtClean="0"/>
+              <a:t>Es un recorrido de un único hoyo</a:t>
+            </a:r>
           </a:p>
         </p:txBody>
       </p:sp>
@@ -8126,179 +8257,6 @@
 </p:sld>
 </file>
 
-<file path=ppt/slides/slide22.xml><?xml version="1.0" encoding="utf-8"?>
-<p:sld xmlns:a="http://schemas.openxmlformats.org/drawingml/2006/main" xmlns:r="http://schemas.openxmlformats.org/officeDocument/2006/relationships" xmlns:p="http://schemas.openxmlformats.org/presentationml/2006/main">
-  <p:cSld>
-    <p:spTree>
-      <p:nvGrpSpPr>
-        <p:cNvPr id="1" name=""/>
-        <p:cNvGrpSpPr/>
-        <p:nvPr/>
-      </p:nvGrpSpPr>
-      <p:grpSpPr>
-        <a:xfrm>
-          <a:off x="0" y="0"/>
-          <a:ext cx="0" cy="0"/>
-          <a:chOff x="0" y="0"/>
-          <a:chExt cx="0" cy="0"/>
-        </a:xfrm>
-      </p:grpSpPr>
-      <p:sp>
-        <p:nvSpPr>
-          <p:cNvPr id="18" name="1 Título"/>
-          <p:cNvSpPr>
-            <a:spLocks noGrp="1"/>
-          </p:cNvSpPr>
-          <p:nvPr>
-            <p:ph type="title"/>
-          </p:nvPr>
-        </p:nvSpPr>
-        <p:spPr>
-          <a:xfrm>
-            <a:off x="457200" y="162000"/>
-            <a:ext cx="8229600" cy="792088"/>
-          </a:xfrm>
-        </p:spPr>
-        <p:txBody>
-          <a:bodyPr/>
-          <a:lstStyle/>
-          <a:p>
-            <a:r>
-              <a:rPr lang="es-PE" sz="4800" dirty="0" smtClean="0">
-                <a:solidFill>
-                  <a:srgbClr val="FF0000"/>
-                </a:solidFill>
-              </a:rPr>
-              <a:t>Listos </a:t>
-            </a:r>
-            <a:r>
-              <a:rPr lang="es-PE" sz="4800" dirty="0">
-                <a:solidFill>
-                  <a:srgbClr val="FF0000"/>
-                </a:solidFill>
-              </a:rPr>
-              <a:t>P</a:t>
-            </a:r>
-            <a:r>
-              <a:rPr lang="es-PE" sz="4800" dirty="0" smtClean="0">
-                <a:solidFill>
-                  <a:srgbClr val="FF0000"/>
-                </a:solidFill>
-              </a:rPr>
-              <a:t>ara Comenzar</a:t>
-            </a:r>
-            <a:endParaRPr lang="es-PE" sz="4800" dirty="0">
-              <a:solidFill>
-                <a:srgbClr val="FF0000"/>
-              </a:solidFill>
-            </a:endParaRPr>
-          </a:p>
-        </p:txBody>
-      </p:sp>
-      <p:sp>
-        <p:nvSpPr>
-          <p:cNvPr id="2" name="1 CuadroTexto"/>
-          <p:cNvSpPr txBox="1"/>
-          <p:nvPr/>
-        </p:nvSpPr>
-        <p:spPr>
-          <a:xfrm>
-            <a:off x="251520" y="1208941"/>
-            <a:ext cx="8640960" cy="4524315"/>
-          </a:xfrm>
-          <a:prstGeom prst="rect">
-            <a:avLst/>
-          </a:prstGeom>
-          <a:noFill/>
-        </p:spPr>
-        <p:txBody>
-          <a:bodyPr wrap="square" rtlCol="0">
-            <a:spAutoFit/>
-          </a:bodyPr>
-          <a:lstStyle/>
-          <a:p>
-            <a:pPr marL="457200" indent="-457200">
-              <a:buFont typeface="Arial" pitchFamily="34" charset="0"/>
-              <a:buChar char="•"/>
-            </a:pPr>
-            <a:r>
-              <a:rPr lang="es-PE" sz="3200" dirty="0" smtClean="0"/>
-              <a:t>Abrir el código inicial en el IDE.</a:t>
-            </a:r>
-          </a:p>
-          <a:p>
-            <a:pPr marL="457200" indent="-457200">
-              <a:buFont typeface="Arial" pitchFamily="34" charset="0"/>
-              <a:buChar char="•"/>
-            </a:pPr>
-            <a:endParaRPr lang="es-PE" sz="3200" dirty="0"/>
-          </a:p>
-          <a:p>
-            <a:pPr marL="457200" indent="-457200">
-              <a:buFont typeface="Arial" pitchFamily="34" charset="0"/>
-              <a:buChar char="•"/>
-            </a:pPr>
-            <a:r>
-              <a:rPr lang="es-PE" sz="3200" dirty="0" smtClean="0"/>
-              <a:t>Asegurarse que compile y todos los test se pasen.</a:t>
-            </a:r>
-          </a:p>
-          <a:p>
-            <a:pPr marL="457200" indent="-457200">
-              <a:buFont typeface="Arial" pitchFamily="34" charset="0"/>
-              <a:buChar char="•"/>
-            </a:pPr>
-            <a:endParaRPr lang="es-PE" sz="3200" dirty="0"/>
-          </a:p>
-          <a:p>
-            <a:pPr marL="457200" indent="-457200">
-              <a:buFont typeface="Arial" pitchFamily="34" charset="0"/>
-              <a:buChar char="•"/>
-            </a:pPr>
-            <a:r>
-              <a:rPr lang="es-PE" sz="3200" dirty="0" smtClean="0"/>
-              <a:t>No se olviden las actividades de cada rol del equipo.</a:t>
-            </a:r>
-          </a:p>
-          <a:p>
-            <a:pPr marL="457200" indent="-457200">
-              <a:buFont typeface="Arial" pitchFamily="34" charset="0"/>
-              <a:buChar char="•"/>
-            </a:pPr>
-            <a:endParaRPr lang="es-PE" sz="3200" dirty="0"/>
-          </a:p>
-          <a:p>
-            <a:pPr marL="457200" indent="-457200">
-              <a:buFont typeface="Arial" pitchFamily="34" charset="0"/>
-              <a:buChar char="•"/>
-            </a:pPr>
-            <a:r>
-              <a:rPr lang="es-PE" sz="3200" dirty="0" smtClean="0"/>
-              <a:t>Tienen 15 minutos para todo el recorrido.</a:t>
-            </a:r>
-          </a:p>
-        </p:txBody>
-      </p:sp>
-    </p:spTree>
-    <p:extLst>
-      <p:ext uri="{BB962C8B-B14F-4D97-AF65-F5344CB8AC3E}">
-        <p14:creationId xmlns:p14="http://schemas.microsoft.com/office/powerpoint/2010/main" val="1687246152"/>
-      </p:ext>
-    </p:extLst>
-  </p:cSld>
-  <p:clrMapOvr>
-    <a:masterClrMapping/>
-  </p:clrMapOvr>
-  <p:timing>
-    <p:tnLst>
-      <p:par>
-        <p:cTn id="1" dur="indefinite" restart="never" nodeType="tmRoot"/>
-      </p:par>
-    </p:tnLst>
-  </p:timing>
-</p:sld>
-</file>
-
 <file path=ppt/slides/slide23.xml><?xml version="1.0" encoding="utf-8"?>
 <p:sld xmlns:a="http://schemas.openxmlformats.org/drawingml/2006/main" xmlns:r="http://schemas.openxmlformats.org/officeDocument/2006/relationships" xmlns:p="http://schemas.openxmlformats.org/presentationml/2006/main">
   <p:cSld>
@@ -8337,12 +8295,28 @@
           <a:lstStyle/>
           <a:p>
             <a:r>
-              <a:rPr lang="es-PE" sz="4800" dirty="0" err="1" smtClean="0">
+              <a:rPr lang="es-PE" sz="4800" dirty="0" smtClean="0">
                 <a:solidFill>
                   <a:srgbClr val="FF0000"/>
                 </a:solidFill>
               </a:rPr>
-              <a:t>Feedback</a:t>
+              <a:t>Listos </a:t>
+            </a:r>
+            <a:r>
+              <a:rPr lang="es-PE" sz="4800" dirty="0">
+                <a:solidFill>
+                  <a:srgbClr val="FF0000"/>
+                </a:solidFill>
+              </a:rPr>
+              <a:t>P</a:t>
+            </a:r>
+            <a:r>
+              <a:rPr lang="es-PE" sz="4800" dirty="0" smtClean="0">
+                <a:solidFill>
+                  <a:srgbClr val="FF0000"/>
+                </a:solidFill>
+              </a:rPr>
+              <a:t>ara Comenzar</a:t>
             </a:r>
             <a:endParaRPr lang="es-PE" sz="4800" dirty="0">
               <a:solidFill>
@@ -8431,7 +8405,7 @@
             </a:pPr>
             <a:r>
               <a:rPr lang="es-PE" sz="3200" dirty="0" smtClean="0"/>
-              <a:t>Tienen 10 minutos por hoyo.</a:t>
+              <a:t>Tienen 15 minutos para todo el recorrido.</a:t>
             </a:r>
           </a:p>
         </p:txBody>
@@ -8439,7 +8413,7 @@
     </p:spTree>
     <p:extLst>
       <p:ext uri="{BB962C8B-B14F-4D97-AF65-F5344CB8AC3E}">
-        <p14:creationId xmlns:p14="http://schemas.microsoft.com/office/powerpoint/2010/main" val="436303969"/>
+        <p14:creationId xmlns:p14="http://schemas.microsoft.com/office/powerpoint/2010/main" val="1687246152"/>
       </p:ext>
     </p:extLst>
   </p:cSld>
@@ -9246,17 +9220,8 @@
             </a:br>
             <a:r>
               <a:rPr lang="es-PE" sz="2800" dirty="0" smtClean="0"/>
-              <a:t>(El </a:t>
-            </a:r>
-            <a:r>
-              <a:rPr lang="es-PE" sz="2800" dirty="0" smtClean="0"/>
-              <a:t>código se encuentra en VS2010 y Eclipse pero se puede </a:t>
-            </a:r>
-            <a:r>
-              <a:rPr lang="es-PE" sz="2800" dirty="0" smtClean="0"/>
-              <a:t>importar)</a:t>
-            </a:r>
-            <a:endParaRPr lang="es-PE" sz="2800" dirty="0" smtClean="0"/>
+              <a:t>(El código se encuentra en VS2010 y Eclipse pero se puede importar)</a:t>
+            </a:r>
           </a:p>
           <a:p>
             <a:pPr marL="439738" indent="-439738" algn="ctr">
@@ -9358,7 +9323,6 @@
               <a:rPr lang="es-PE" sz="3600" dirty="0"/>
               <a:t>de cada juego en papel.</a:t>
             </a:r>
-            <a:endParaRPr lang="es-PE" sz="3600" dirty="0"/>
           </a:p>
         </p:txBody>
       </p:sp>

--- a/ppt/Diapositivas.pptx
+++ b/ppt/Diapositivas.pptx
@@ -6805,7 +6805,6 @@
               <a:rPr lang="es-PE" sz="3200" dirty="0" smtClean="0"/>
               <a:t>No importa que sea un problema elemental o una carita feliz, deben poner algo en la puerta</a:t>
             </a:r>
-            <a:endParaRPr lang="es-PE" sz="3200" dirty="0" smtClean="0"/>
           </a:p>
         </p:txBody>
       </p:sp>
@@ -9443,8 +9442,8 @@
         </p:nvSpPr>
         <p:spPr>
           <a:xfrm>
-            <a:off x="634590" y="1025663"/>
-            <a:ext cx="7874820" cy="2862322"/>
+            <a:off x="251520" y="879224"/>
+            <a:ext cx="8712968" cy="3970318"/>
           </a:xfrm>
           <a:prstGeom prst="rect">
             <a:avLst/>
@@ -9459,87 +9458,99 @@
           <a:p>
             <a:pPr algn="ctr"/>
             <a:r>
-              <a:rPr lang="es-PE" sz="3600" dirty="0" smtClean="0">
+              <a:rPr lang="es-PE" sz="3500" dirty="0" smtClean="0">
                 <a:solidFill>
                   <a:srgbClr val="FFC000"/>
                 </a:solidFill>
               </a:rPr>
               <a:t>General</a:t>
             </a:r>
-            <a:endParaRPr lang="es-PE" sz="3600" dirty="0" smtClean="0"/>
-          </a:p>
-          <a:p>
-            <a:r>
-              <a:rPr lang="es-PE" sz="3600" dirty="0" smtClean="0"/>
+            <a:endParaRPr lang="es-PE" sz="3500" dirty="0" smtClean="0"/>
+          </a:p>
+          <a:p>
+            <a:r>
+              <a:rPr lang="es-PE" sz="3500" dirty="0" smtClean="0"/>
               <a:t>+</a:t>
             </a:r>
             <a:r>
-              <a:rPr lang="es-PE" sz="3600" dirty="0"/>
+              <a:rPr lang="es-PE" sz="3500" dirty="0"/>
               <a:t>1 </a:t>
             </a:r>
             <a:r>
-              <a:rPr lang="es-PE" sz="3600" dirty="0" smtClean="0"/>
+              <a:rPr lang="es-PE" sz="3500" dirty="0" smtClean="0"/>
               <a:t>Cada refactorización</a:t>
             </a:r>
           </a:p>
           <a:p>
             <a:r>
-              <a:rPr lang="es-PE" sz="3600" dirty="0" smtClean="0"/>
+              <a:rPr lang="es-PE" sz="3500" dirty="0" smtClean="0"/>
               <a:t>+</a:t>
             </a:r>
             <a:r>
-              <a:rPr lang="es-PE" sz="3600" dirty="0"/>
+              <a:rPr lang="es-PE" sz="3500" dirty="0"/>
               <a:t>1 Copiar + </a:t>
             </a:r>
             <a:r>
-              <a:rPr lang="es-PE" sz="3600" dirty="0" smtClean="0"/>
+              <a:rPr lang="es-PE" sz="3500" dirty="0" smtClean="0"/>
               <a:t>Pegar</a:t>
             </a:r>
           </a:p>
           <a:p>
             <a:r>
-              <a:rPr lang="es-PE" sz="3600" dirty="0"/>
+              <a:rPr lang="es-PE" sz="3500" dirty="0"/>
               <a:t>+1 </a:t>
             </a:r>
             <a:r>
-              <a:rPr lang="es-PE" sz="3600" dirty="0" smtClean="0"/>
+              <a:rPr lang="es-PE" sz="3500" dirty="0" smtClean="0"/>
               <a:t>Cualquier </a:t>
             </a:r>
             <a:r>
-              <a:rPr lang="es-PE" sz="3600" dirty="0" err="1" smtClean="0"/>
+              <a:rPr lang="es-PE" sz="3500" dirty="0" err="1" smtClean="0"/>
               <a:t>shortcut</a:t>
             </a:r>
             <a:r>
-              <a:rPr lang="es-PE" sz="3600" dirty="0" smtClean="0"/>
+              <a:rPr lang="es-PE" sz="3500" dirty="0" smtClean="0"/>
               <a:t> </a:t>
             </a:r>
             <a:r>
-              <a:rPr lang="es-PE" sz="3600" dirty="0"/>
+              <a:rPr lang="es-PE" sz="3500" dirty="0"/>
               <a:t>de edición </a:t>
             </a:r>
             <a:r>
-              <a:rPr lang="es-PE" sz="3600" dirty="0" smtClean="0"/>
+              <a:rPr lang="es-PE" sz="3500" dirty="0" smtClean="0"/>
               <a:t>código</a:t>
             </a:r>
           </a:p>
           <a:p>
-            <a:r>
-              <a:rPr lang="es-PE" sz="3600" dirty="0" smtClean="0"/>
+            <a:pPr marL="633413" indent="-633413"/>
+            <a:r>
+              <a:rPr lang="es-PE" sz="3500" dirty="0" smtClean="0"/>
               <a:t>+</a:t>
             </a:r>
             <a:r>
-              <a:rPr lang="es-PE" sz="3600" dirty="0"/>
-              <a:t>0 Organizar y dar formato al </a:t>
-            </a:r>
-            <a:r>
-              <a:rPr lang="es-PE" sz="3600" dirty="0" smtClean="0"/>
-              <a:t>código</a:t>
-            </a:r>
-            <a:endParaRPr lang="es-PE" sz="3600" dirty="0" smtClean="0">
-              <a:solidFill>
-                <a:srgbClr val="FFC000"/>
-              </a:solidFill>
-            </a:endParaRPr>
+              <a:rPr lang="es-PE" sz="3500" dirty="0"/>
+              <a:t>0 </a:t>
+            </a:r>
+            <a:r>
+              <a:rPr lang="es-PE" sz="3500" dirty="0" smtClean="0"/>
+              <a:t>Organizar, dar </a:t>
+            </a:r>
+            <a:r>
+              <a:rPr lang="es-PE" sz="3500" dirty="0"/>
+              <a:t>formato al </a:t>
+            </a:r>
+            <a:r>
+              <a:rPr lang="es-PE" sz="3500" dirty="0" smtClean="0"/>
+              <a:t>código o eliminar líneas en blanco</a:t>
+            </a:r>
+          </a:p>
+          <a:p>
+            <a:pPr marL="633413" indent="-633413"/>
+            <a:r>
+              <a:rPr lang="es-PE" sz="3500" dirty="0" smtClean="0"/>
+              <a:t>+0 Cambiar el acceso de los métodos o clases</a:t>
+            </a:r>
+            <a:endParaRPr lang="es-PE" sz="3500" dirty="0" smtClean="0"/>
           </a:p>
         </p:txBody>
       </p:sp>
@@ -9551,8 +9562,8 @@
         </p:nvSpPr>
         <p:spPr>
           <a:xfrm>
-            <a:off x="634590" y="3928988"/>
-            <a:ext cx="7874820" cy="1754326"/>
+            <a:off x="251520" y="4680900"/>
+            <a:ext cx="8712968" cy="1754326"/>
           </a:xfrm>
           <a:prstGeom prst="rect">
             <a:avLst/>
@@ -9566,7 +9577,7 @@
           <a:p>
             <a:pPr algn="ctr"/>
             <a:r>
-              <a:rPr lang="es-PE" sz="3600" dirty="0">
+              <a:rPr lang="es-PE" sz="3500" dirty="0">
                 <a:solidFill>
                   <a:srgbClr val="FFC000"/>
                 </a:solidFill>
@@ -9576,28 +9587,28 @@
           </a:p>
           <a:p>
             <a:r>
-              <a:rPr lang="es-PE" sz="3600" dirty="0"/>
+              <a:rPr lang="es-PE" sz="3500" dirty="0"/>
               <a:t>+2 Cada línea modificada </a:t>
             </a:r>
             <a:r>
-              <a:rPr lang="es-PE" sz="3600" dirty="0" smtClean="0"/>
+              <a:rPr lang="es-PE" sz="3500" dirty="0" smtClean="0"/>
               <a:t>manualmente</a:t>
             </a:r>
           </a:p>
           <a:p>
             <a:r>
-              <a:rPr lang="es-PE" sz="3600" dirty="0" smtClean="0"/>
+              <a:rPr lang="es-PE" sz="3500" dirty="0" smtClean="0"/>
               <a:t>x2 Cada cambio mientras </a:t>
             </a:r>
             <a:r>
-              <a:rPr lang="es-PE" sz="3600" dirty="0"/>
+              <a:rPr lang="es-PE" sz="3500" dirty="0"/>
               <a:t>no </a:t>
             </a:r>
             <a:r>
-              <a:rPr lang="es-PE" sz="3600" dirty="0" smtClean="0"/>
+              <a:rPr lang="es-PE" sz="3500" dirty="0" smtClean="0"/>
               <a:t>compile</a:t>
             </a:r>
-            <a:endParaRPr lang="es-PE" sz="3600" dirty="0"/>
+            <a:endParaRPr lang="es-PE" sz="3500" dirty="0"/>
           </a:p>
         </p:txBody>
       </p:sp>

--- a/ppt/Diapositivas.pptx
+++ b/ppt/Diapositivas.pptx
@@ -7246,7 +7246,15 @@
             <a:pPr algn="ctr"/>
             <a:r>
               <a:rPr lang="es-PE" sz="3200" dirty="0" smtClean="0"/>
-              <a:t>Es un juego de 4 hoyos, todos los equipos comenzarán en el </a:t>
+              <a:t>Es un juego de </a:t>
+            </a:r>
+            <a:r>
+              <a:rPr lang="es-PE" sz="3200" dirty="0" smtClean="0"/>
+              <a:t>3 </a:t>
+            </a:r>
+            <a:r>
+              <a:rPr lang="es-PE" sz="3200" dirty="0" smtClean="0"/>
+              <a:t>hoyos, todos los equipos comenzarán en el </a:t>
             </a:r>
             <a:r>
               <a:rPr lang="es-PE" sz="3200" dirty="0" err="1" smtClean="0"/>
@@ -7259,15 +7267,53 @@
           </a:p>
         </p:txBody>
       </p:sp>
+      <p:sp>
+        <p:nvSpPr>
+          <p:cNvPr id="3" name="2 Rectángulo"/>
+          <p:cNvSpPr/>
+          <p:nvPr/>
+        </p:nvSpPr>
+        <p:spPr>
+          <a:xfrm>
+            <a:off x="251520" y="5373216"/>
+            <a:ext cx="8640960" cy="1077218"/>
+          </a:xfrm>
+          <a:prstGeom prst="rect">
+            <a:avLst/>
+          </a:prstGeom>
+        </p:spPr>
+        <p:txBody>
+          <a:bodyPr wrap="square">
+            <a:spAutoFit/>
+          </a:bodyPr>
+          <a:lstStyle/>
+          <a:p>
+            <a:pPr algn="ctr"/>
+            <a:r>
+              <a:rPr lang="es-PE" sz="3200" dirty="0" smtClean="0"/>
+              <a:t>El tiempo por hoyo es </a:t>
+            </a:r>
+            <a:r>
+              <a:rPr lang="es-PE" sz="3200" dirty="0" smtClean="0"/>
+              <a:t>12 </a:t>
+            </a:r>
+            <a:r>
+              <a:rPr lang="es-PE" sz="3200" dirty="0" smtClean="0"/>
+              <a:t>minutos, al finalizar cada hoyo el mejor equipo mostrará sus resultados.</a:t>
+            </a:r>
+            <a:endParaRPr lang="es-PE" sz="3200" dirty="0"/>
+          </a:p>
+        </p:txBody>
+      </p:sp>
       <p:pic>
         <p:nvPicPr>
-          <p:cNvPr id="1026" name="Picture 2"/>
+          <p:cNvPr id="4" name="Picture 2"/>
           <p:cNvPicPr>
             <a:picLocks noChangeAspect="1" noChangeArrowheads="1"/>
           </p:cNvPicPr>
           <p:nvPr/>
         </p:nvPicPr>
-        <p:blipFill>
+        <p:blipFill rotWithShape="1">
           <a:blip r:embed="rId3">
             <a:extLst>
               <a:ext uri="{28A0092B-C50C-407E-A947-70E740481C1C}">
@@ -7275,15 +7321,13 @@
               </a:ext>
             </a:extLst>
           </a:blip>
-          <a:srcRect/>
-          <a:stretch>
-            <a:fillRect/>
-          </a:stretch>
+          <a:srcRect t="2104"/>
+          <a:stretch/>
         </p:blipFill>
         <p:spPr bwMode="auto">
           <a:xfrm>
-            <a:off x="3085413" y="2564904"/>
-            <a:ext cx="3096344" cy="2750042"/>
+            <a:off x="3081612" y="2535260"/>
+            <a:ext cx="2980775" cy="2723436"/>
           </a:xfrm>
           <a:prstGeom prst="rect">
             <a:avLst/>
@@ -7324,36 +7368,6 @@
           </a:extLst>
         </p:spPr>
       </p:pic>
-      <p:sp>
-        <p:nvSpPr>
-          <p:cNvPr id="3" name="2 Rectángulo"/>
-          <p:cNvSpPr/>
-          <p:nvPr/>
-        </p:nvSpPr>
-        <p:spPr>
-          <a:xfrm>
-            <a:off x="251520" y="5373216"/>
-            <a:ext cx="8640960" cy="1077218"/>
-          </a:xfrm>
-          <a:prstGeom prst="rect">
-            <a:avLst/>
-          </a:prstGeom>
-        </p:spPr>
-        <p:txBody>
-          <a:bodyPr wrap="square">
-            <a:spAutoFit/>
-          </a:bodyPr>
-          <a:lstStyle/>
-          <a:p>
-            <a:pPr algn="ctr"/>
-            <a:r>
-              <a:rPr lang="es-PE" sz="3200" dirty="0" smtClean="0"/>
-              <a:t>El tiempo por hoyo es 10 minutos, al finalizar cada hoyo el mejor equipo mostrará sus resultados.</a:t>
-            </a:r>
-            <a:endParaRPr lang="es-PE" sz="3200" dirty="0"/>
-          </a:p>
-        </p:txBody>
-      </p:sp>
     </p:spTree>
     <p:extLst>
       <p:ext uri="{BB962C8B-B14F-4D97-AF65-F5344CB8AC3E}">
@@ -9550,7 +9564,6 @@
               <a:rPr lang="es-PE" sz="3500" dirty="0" smtClean="0"/>
               <a:t>+0 Cambiar el acceso de los métodos o clases</a:t>
             </a:r>
-            <a:endParaRPr lang="es-PE" sz="3500" dirty="0" smtClean="0"/>
           </a:p>
         </p:txBody>
       </p:sp>

--- a/ppt/Diapositivas.pptx
+++ b/ppt/Diapositivas.pptx
@@ -15,12 +15,12 @@
     <p:sldId id="449" r:id="rId6"/>
     <p:sldId id="464" r:id="rId7"/>
     <p:sldId id="463" r:id="rId8"/>
-    <p:sldId id="459" r:id="rId9"/>
+    <p:sldId id="473" r:id="rId9"/>
     <p:sldId id="462" r:id="rId10"/>
     <p:sldId id="450" r:id="rId11"/>
     <p:sldId id="447" r:id="rId12"/>
-    <p:sldId id="456" r:id="rId13"/>
-    <p:sldId id="472" r:id="rId14"/>
+    <p:sldId id="472" r:id="rId13"/>
+    <p:sldId id="456" r:id="rId14"/>
     <p:sldId id="469" r:id="rId15"/>
     <p:sldId id="453" r:id="rId16"/>
     <p:sldId id="466" r:id="rId17"/>
@@ -214,7 +214,7 @@
           <a:p>
             <a:fld id="{63D5FC4C-9EE1-4746-A368-724F618FC790}" type="datetimeFigureOut">
               <a:rPr lang="es-PE" smtClean="0"/>
-              <a:t>30/09/2011</a:t>
+              <a:t>02/10/2011</a:t>
             </a:fld>
             <a:endParaRPr lang="es-PE"/>
           </a:p>
@@ -778,6 +778,7 @@
           <a:bodyPr/>
           <a:lstStyle/>
           <a:p>
+            <a:pPr algn="l"/>
             <a:endParaRPr lang="es-PE" dirty="0"/>
           </a:p>
         </p:txBody>
@@ -808,7 +809,7 @@
     </p:spTree>
     <p:extLst>
       <p:ext uri="{BB962C8B-B14F-4D97-AF65-F5344CB8AC3E}">
-        <p14:creationId xmlns:p14="http://schemas.microsoft.com/office/powerpoint/2010/main" val="1461112982"/>
+        <p14:creationId xmlns:p14="http://schemas.microsoft.com/office/powerpoint/2010/main" val="3614550747"/>
       </p:ext>
     </p:extLst>
   </p:cSld>
@@ -862,7 +863,6 @@
           <a:bodyPr/>
           <a:lstStyle/>
           <a:p>
-            <a:pPr algn="l"/>
             <a:endParaRPr lang="es-PE" dirty="0"/>
           </a:p>
         </p:txBody>
@@ -893,7 +893,7 @@
     </p:spTree>
     <p:extLst>
       <p:ext uri="{BB962C8B-B14F-4D97-AF65-F5344CB8AC3E}">
-        <p14:creationId xmlns:p14="http://schemas.microsoft.com/office/powerpoint/2010/main" val="3614550747"/>
+        <p14:creationId xmlns:p14="http://schemas.microsoft.com/office/powerpoint/2010/main" val="1461112982"/>
       </p:ext>
     </p:extLst>
   </p:cSld>
@@ -2350,13 +2350,8 @@
             </a:pPr>
             <a:r>
               <a:rPr lang="es-PE" baseline="0" dirty="0" smtClean="0"/>
-              <a:t>Asegurarse que las reglas y roles se </a:t>
-            </a:r>
-            <a:r>
-              <a:rPr lang="es-PE" baseline="0" smtClean="0"/>
-              <a:t>están cumpliendo.</a:t>
-            </a:r>
-            <a:endParaRPr lang="es-PE" baseline="0" dirty="0" smtClean="0"/>
+              <a:t>Asegurarse que las reglas y roles se están cumpliendo.</a:t>
+            </a:r>
           </a:p>
         </p:txBody>
       </p:sp>
@@ -2918,7 +2913,7 @@
             <a:fld id="{807CB568-C05F-482F-9F26-AA302B8892DF}" type="datetimeFigureOut">
               <a:rPr lang="es-ES" smtClean="0"/>
               <a:pPr/>
-              <a:t>30/09/2011</a:t>
+              <a:t>02/10/2011</a:t>
             </a:fld>
             <a:endParaRPr lang="es-ES"/>
           </a:p>
@@ -3097,7 +3092,7 @@
             <a:fld id="{807CB568-C05F-482F-9F26-AA302B8892DF}" type="datetimeFigureOut">
               <a:rPr lang="es-ES" smtClean="0"/>
               <a:pPr/>
-              <a:t>30/09/2011</a:t>
+              <a:t>02/10/2011</a:t>
             </a:fld>
             <a:endParaRPr lang="es-ES"/>
           </a:p>
@@ -3286,7 +3281,7 @@
             <a:fld id="{807CB568-C05F-482F-9F26-AA302B8892DF}" type="datetimeFigureOut">
               <a:rPr lang="es-ES" smtClean="0"/>
               <a:pPr/>
-              <a:t>30/09/2011</a:t>
+              <a:t>02/10/2011</a:t>
             </a:fld>
             <a:endParaRPr lang="es-ES"/>
           </a:p>
@@ -3465,7 +3460,7 @@
             <a:fld id="{807CB568-C05F-482F-9F26-AA302B8892DF}" type="datetimeFigureOut">
               <a:rPr lang="es-ES" smtClean="0"/>
               <a:pPr/>
-              <a:t>30/09/2011</a:t>
+              <a:t>02/10/2011</a:t>
             </a:fld>
             <a:endParaRPr lang="es-ES"/>
           </a:p>
@@ -3720,7 +3715,7 @@
             <a:fld id="{807CB568-C05F-482F-9F26-AA302B8892DF}" type="datetimeFigureOut">
               <a:rPr lang="es-ES" smtClean="0"/>
               <a:pPr/>
-              <a:t>30/09/2011</a:t>
+              <a:t>02/10/2011</a:t>
             </a:fld>
             <a:endParaRPr lang="es-ES"/>
           </a:p>
@@ -4017,7 +4012,7 @@
             <a:fld id="{807CB568-C05F-482F-9F26-AA302B8892DF}" type="datetimeFigureOut">
               <a:rPr lang="es-ES" smtClean="0"/>
               <a:pPr/>
-              <a:t>30/09/2011</a:t>
+              <a:t>02/10/2011</a:t>
             </a:fld>
             <a:endParaRPr lang="es-ES"/>
           </a:p>
@@ -4448,7 +4443,7 @@
             <a:fld id="{807CB568-C05F-482F-9F26-AA302B8892DF}" type="datetimeFigureOut">
               <a:rPr lang="es-ES" smtClean="0"/>
               <a:pPr/>
-              <a:t>30/09/2011</a:t>
+              <a:t>02/10/2011</a:t>
             </a:fld>
             <a:endParaRPr lang="es-ES"/>
           </a:p>
@@ -4575,7 +4570,7 @@
             <a:fld id="{807CB568-C05F-482F-9F26-AA302B8892DF}" type="datetimeFigureOut">
               <a:rPr lang="es-ES" smtClean="0"/>
               <a:pPr/>
-              <a:t>30/09/2011</a:t>
+              <a:t>02/10/2011</a:t>
             </a:fld>
             <a:endParaRPr lang="es-ES"/>
           </a:p>
@@ -4679,7 +4674,7 @@
             <a:fld id="{807CB568-C05F-482F-9F26-AA302B8892DF}" type="datetimeFigureOut">
               <a:rPr lang="es-ES" smtClean="0"/>
               <a:pPr/>
-              <a:t>30/09/2011</a:t>
+              <a:t>02/10/2011</a:t>
             </a:fld>
             <a:endParaRPr lang="es-ES"/>
           </a:p>
@@ -4965,7 +4960,7 @@
             <a:fld id="{807CB568-C05F-482F-9F26-AA302B8892DF}" type="datetimeFigureOut">
               <a:rPr lang="es-ES" smtClean="0"/>
               <a:pPr/>
-              <a:t>30/09/2011</a:t>
+              <a:t>02/10/2011</a:t>
             </a:fld>
             <a:endParaRPr lang="es-ES"/>
           </a:p>
@@ -5234,7 +5229,7 @@
             <a:fld id="{807CB568-C05F-482F-9F26-AA302B8892DF}" type="datetimeFigureOut">
               <a:rPr lang="es-ES" smtClean="0"/>
               <a:pPr/>
-              <a:t>30/09/2011</a:t>
+              <a:t>02/10/2011</a:t>
             </a:fld>
             <a:endParaRPr lang="es-ES"/>
           </a:p>
@@ -5485,7 +5480,7 @@
             <a:fld id="{807CB568-C05F-482F-9F26-AA302B8892DF}" type="datetimeFigureOut">
               <a:rPr lang="es-ES" smtClean="0"/>
               <a:pPr/>
-              <a:t>30/09/2011</a:t>
+              <a:t>02/10/2011</a:t>
             </a:fld>
             <a:endParaRPr lang="es-ES"/>
           </a:p>
@@ -6628,101 +6623,6 @@
           <a:chExt cx="0" cy="0"/>
         </a:xfrm>
       </p:grpSpPr>
-      <p:pic>
-        <p:nvPicPr>
-          <p:cNvPr id="4" name="3 Imagen"/>
-          <p:cNvPicPr>
-            <a:picLocks noChangeAspect="1"/>
-          </p:cNvPicPr>
-          <p:nvPr/>
-        </p:nvPicPr>
-        <p:blipFill>
-          <a:blip r:embed="rId3" cstate="print">
-            <a:extLst>
-              <a:ext uri="{28A0092B-C50C-407E-A947-70E740481C1C}">
-                <a14:useLocalDpi xmlns:a14="http://schemas.microsoft.com/office/drawing/2010/main" val="0"/>
-              </a:ext>
-            </a:extLst>
-          </a:blip>
-          <a:stretch>
-            <a:fillRect/>
-          </a:stretch>
-        </p:blipFill>
-        <p:spPr>
-          <a:xfrm>
-            <a:off x="-381804" y="13016"/>
-            <a:ext cx="9913822" cy="7173416"/>
-          </a:xfrm>
-          <a:prstGeom prst="rect">
-            <a:avLst/>
-          </a:prstGeom>
-        </p:spPr>
-      </p:pic>
-      <p:sp>
-        <p:nvSpPr>
-          <p:cNvPr id="2" name="1 Título"/>
-          <p:cNvSpPr>
-            <a:spLocks noGrp="1"/>
-          </p:cNvSpPr>
-          <p:nvPr>
-            <p:ph type="ctrTitle"/>
-          </p:nvPr>
-        </p:nvSpPr>
-        <p:spPr>
-          <a:xfrm>
-            <a:off x="-20748" y="87136"/>
-            <a:ext cx="9144000" cy="1093136"/>
-          </a:xfrm>
-        </p:spPr>
-        <p:txBody>
-          <a:bodyPr/>
-          <a:lstStyle/>
-          <a:p>
-            <a:r>
-              <a:rPr lang="es-PE" sz="11500" b="1" spc="300" dirty="0" smtClean="0"/>
-              <a:t>DEMO</a:t>
-            </a:r>
-            <a:endParaRPr lang="es-ES" sz="9600" b="1" spc="300" dirty="0"/>
-          </a:p>
-        </p:txBody>
-      </p:sp>
-    </p:spTree>
-    <p:extLst>
-      <p:ext uri="{BB962C8B-B14F-4D97-AF65-F5344CB8AC3E}">
-        <p14:creationId xmlns:p14="http://schemas.microsoft.com/office/powerpoint/2010/main" val="3149365002"/>
-      </p:ext>
-    </p:extLst>
-  </p:cSld>
-  <p:clrMapOvr>
-    <a:masterClrMapping/>
-  </p:clrMapOvr>
-  <p:timing>
-    <p:tnLst>
-      <p:par>
-        <p:cTn id="1" dur="indefinite" restart="never" nodeType="tmRoot"/>
-      </p:par>
-    </p:tnLst>
-  </p:timing>
-</p:sld>
-</file>
-
-<file path=ppt/slides/slide13.xml><?xml version="1.0" encoding="utf-8"?>
-<p:sld xmlns:a="http://schemas.openxmlformats.org/drawingml/2006/main" xmlns:r="http://schemas.openxmlformats.org/officeDocument/2006/relationships" xmlns:p="http://schemas.openxmlformats.org/presentationml/2006/main">
-  <p:cSld>
-    <p:spTree>
-      <p:nvGrpSpPr>
-        <p:cNvPr id="1" name=""/>
-        <p:cNvGrpSpPr/>
-        <p:nvPr/>
-      </p:nvGrpSpPr>
-      <p:grpSpPr>
-        <a:xfrm>
-          <a:off x="0" y="0"/>
-          <a:ext cx="0" cy="0"/>
-          <a:chOff x="0" y="0"/>
-          <a:chExt cx="0" cy="0"/>
-        </a:xfrm>
-      </p:grpSpPr>
       <p:sp>
         <p:nvSpPr>
           <p:cNvPr id="18" name="1 Título"/>
@@ -6842,6 +6742,101 @@
     <p:extLst>
       <p:ext uri="{BB962C8B-B14F-4D97-AF65-F5344CB8AC3E}">
         <p14:creationId xmlns:p14="http://schemas.microsoft.com/office/powerpoint/2010/main" val="436303969"/>
+      </p:ext>
+    </p:extLst>
+  </p:cSld>
+  <p:clrMapOvr>
+    <a:masterClrMapping/>
+  </p:clrMapOvr>
+  <p:timing>
+    <p:tnLst>
+      <p:par>
+        <p:cTn id="1" dur="indefinite" restart="never" nodeType="tmRoot"/>
+      </p:par>
+    </p:tnLst>
+  </p:timing>
+</p:sld>
+</file>
+
+<file path=ppt/slides/slide13.xml><?xml version="1.0" encoding="utf-8"?>
+<p:sld xmlns:a="http://schemas.openxmlformats.org/drawingml/2006/main" xmlns:r="http://schemas.openxmlformats.org/officeDocument/2006/relationships" xmlns:p="http://schemas.openxmlformats.org/presentationml/2006/main">
+  <p:cSld>
+    <p:spTree>
+      <p:nvGrpSpPr>
+        <p:cNvPr id="1" name=""/>
+        <p:cNvGrpSpPr/>
+        <p:nvPr/>
+      </p:nvGrpSpPr>
+      <p:grpSpPr>
+        <a:xfrm>
+          <a:off x="0" y="0"/>
+          <a:ext cx="0" cy="0"/>
+          <a:chOff x="0" y="0"/>
+          <a:chExt cx="0" cy="0"/>
+        </a:xfrm>
+      </p:grpSpPr>
+      <p:pic>
+        <p:nvPicPr>
+          <p:cNvPr id="4" name="3 Imagen"/>
+          <p:cNvPicPr>
+            <a:picLocks noChangeAspect="1"/>
+          </p:cNvPicPr>
+          <p:nvPr/>
+        </p:nvPicPr>
+        <p:blipFill>
+          <a:blip r:embed="rId3" cstate="print">
+            <a:extLst>
+              <a:ext uri="{28A0092B-C50C-407E-A947-70E740481C1C}">
+                <a14:useLocalDpi xmlns:a14="http://schemas.microsoft.com/office/drawing/2010/main" val="0"/>
+              </a:ext>
+            </a:extLst>
+          </a:blip>
+          <a:stretch>
+            <a:fillRect/>
+          </a:stretch>
+        </p:blipFill>
+        <p:spPr>
+          <a:xfrm>
+            <a:off x="-381804" y="13016"/>
+            <a:ext cx="9913822" cy="7173416"/>
+          </a:xfrm>
+          <a:prstGeom prst="rect">
+            <a:avLst/>
+          </a:prstGeom>
+        </p:spPr>
+      </p:pic>
+      <p:sp>
+        <p:nvSpPr>
+          <p:cNvPr id="2" name="1 Título"/>
+          <p:cNvSpPr>
+            <a:spLocks noGrp="1"/>
+          </p:cNvSpPr>
+          <p:nvPr>
+            <p:ph type="ctrTitle"/>
+          </p:nvPr>
+        </p:nvSpPr>
+        <p:spPr>
+          <a:xfrm>
+            <a:off x="-20748" y="87136"/>
+            <a:ext cx="9144000" cy="1093136"/>
+          </a:xfrm>
+        </p:spPr>
+        <p:txBody>
+          <a:bodyPr/>
+          <a:lstStyle/>
+          <a:p>
+            <a:r>
+              <a:rPr lang="es-PE" sz="11500" b="1" spc="300" dirty="0" smtClean="0"/>
+              <a:t>DEMO</a:t>
+            </a:r>
+            <a:endParaRPr lang="es-ES" sz="9600" b="1" spc="300" dirty="0"/>
+          </a:p>
+        </p:txBody>
+      </p:sp>
+    </p:spTree>
+    <p:extLst>
+      <p:ext uri="{BB962C8B-B14F-4D97-AF65-F5344CB8AC3E}">
+        <p14:creationId xmlns:p14="http://schemas.microsoft.com/office/powerpoint/2010/main" val="3149365002"/>
       </p:ext>
     </p:extLst>
   </p:cSld>
@@ -7246,15 +7241,7 @@
             <a:pPr algn="ctr"/>
             <a:r>
               <a:rPr lang="es-PE" sz="3200" dirty="0" smtClean="0"/>
-              <a:t>Es un juego de </a:t>
-            </a:r>
-            <a:r>
-              <a:rPr lang="es-PE" sz="3200" dirty="0" smtClean="0"/>
-              <a:t>3 </a:t>
-            </a:r>
-            <a:r>
-              <a:rPr lang="es-PE" sz="3200" dirty="0" smtClean="0"/>
-              <a:t>hoyos, todos los equipos comenzarán en el </a:t>
+              <a:t>Es un juego de 3 hoyos, todos los equipos comenzarán en el </a:t>
             </a:r>
             <a:r>
               <a:rPr lang="es-PE" sz="3200" dirty="0" err="1" smtClean="0"/>
@@ -7291,15 +7278,7 @@
             <a:pPr algn="ctr"/>
             <a:r>
               <a:rPr lang="es-PE" sz="3200" dirty="0" smtClean="0"/>
-              <a:t>El tiempo por hoyo es </a:t>
-            </a:r>
-            <a:r>
-              <a:rPr lang="es-PE" sz="3200" dirty="0" smtClean="0"/>
-              <a:t>12 </a:t>
-            </a:r>
-            <a:r>
-              <a:rPr lang="es-PE" sz="3200" dirty="0" smtClean="0"/>
-              <a:t>minutos, al finalizar cada hoyo el mejor equipo mostrará sus resultados.</a:t>
+              <a:t>El tiempo por hoyo es 12 minutos, al finalizar cada hoyo el mejor equipo mostrará sus resultados.</a:t>
             </a:r>
             <a:endParaRPr lang="es-PE" sz="3200" dirty="0"/>
           </a:p>
@@ -7519,7 +7498,15 @@
             </a:pPr>
             <a:r>
               <a:rPr lang="es-PE" sz="3200" dirty="0" smtClean="0"/>
-              <a:t>No se olviden las actividades de cada rol del equipo.</a:t>
+              <a:t>No </a:t>
+            </a:r>
+            <a:r>
+              <a:rPr lang="es-PE" sz="3200" dirty="0" smtClean="0"/>
+              <a:t>olvidar las </a:t>
+            </a:r>
+            <a:r>
+              <a:rPr lang="es-PE" sz="3200" dirty="0" smtClean="0"/>
+              <a:t>actividades de cada rol del equipo.</a:t>
             </a:r>
           </a:p>
           <a:p>
@@ -7536,7 +7523,15 @@
             </a:pPr>
             <a:r>
               <a:rPr lang="es-PE" sz="3200" dirty="0" smtClean="0"/>
-              <a:t>Tienen 10 minutos por hoyo.</a:t>
+              <a:t>Tienen </a:t>
+            </a:r>
+            <a:r>
+              <a:rPr lang="es-PE" sz="3200" dirty="0" smtClean="0"/>
+              <a:t>12 </a:t>
+            </a:r>
+            <a:r>
+              <a:rPr lang="es-PE" sz="3200" dirty="0" smtClean="0"/>
+              <a:t>minutos por hoyo.</a:t>
             </a:r>
           </a:p>
         </p:txBody>
@@ -8418,7 +8413,15 @@
             </a:pPr>
             <a:r>
               <a:rPr lang="es-PE" sz="3200" dirty="0" smtClean="0"/>
-              <a:t>Tienen 15 minutos para todo el recorrido.</a:t>
+              <a:t>Tienen </a:t>
+            </a:r>
+            <a:r>
+              <a:rPr lang="es-PE" sz="3200" dirty="0" smtClean="0"/>
+              <a:t>18 </a:t>
+            </a:r>
+            <a:r>
+              <a:rPr lang="es-PE" sz="3200" dirty="0" smtClean="0"/>
+              <a:t>minutos para todo el recorrido.</a:t>
             </a:r>
           </a:p>
         </p:txBody>
@@ -8791,6 +8794,56 @@
           </a:effectLst>
         </p:spPr>
       </p:pic>
+      <p:sp>
+        <p:nvSpPr>
+          <p:cNvPr id="3" name="2 Rectángulo"/>
+          <p:cNvSpPr/>
+          <p:nvPr/>
+        </p:nvSpPr>
+        <p:spPr>
+          <a:xfrm>
+            <a:off x="4194212" y="5067181"/>
+            <a:ext cx="4572000" cy="954107"/>
+          </a:xfrm>
+          <a:prstGeom prst="rect">
+            <a:avLst/>
+          </a:prstGeom>
+        </p:spPr>
+        <p:txBody>
+          <a:bodyPr>
+            <a:spAutoFit/>
+          </a:bodyPr>
+          <a:lstStyle/>
+          <a:p>
+            <a:pPr algn="ctr"/>
+            <a:r>
+              <a:rPr lang="es-PE" sz="2800" dirty="0" smtClean="0">
+                <a:solidFill>
+                  <a:srgbClr val="FFC000"/>
+                </a:solidFill>
+              </a:rPr>
+              <a:t>Además ser el </a:t>
+            </a:r>
+            <a:r>
+              <a:rPr lang="es-PE" sz="2800" i="1" dirty="0" smtClean="0">
+                <a:solidFill>
+                  <a:srgbClr val="FFC000"/>
+                </a:solidFill>
+              </a:rPr>
+              <a:t>DRIVER</a:t>
+            </a:r>
+            <a:r>
+              <a:rPr lang="es-PE" sz="2800" dirty="0" smtClean="0">
+                <a:solidFill>
+                  <a:srgbClr val="FFC000"/>
+                </a:solidFill>
+              </a:rPr>
+              <a:t> del equipo</a:t>
+            </a:r>
+            <a:endParaRPr lang="es-PE" sz="2800" dirty="0"/>
+          </a:p>
+        </p:txBody>
+      </p:sp>
     </p:spTree>
     <p:extLst>
       <p:ext uri="{BB962C8B-B14F-4D97-AF65-F5344CB8AC3E}">
@@ -8872,8 +8925,8 @@
         </p:nvSpPr>
         <p:spPr>
           <a:xfrm>
-            <a:off x="3923928" y="2322746"/>
-            <a:ext cx="4824536" cy="1754326"/>
+            <a:off x="3953424" y="1052736"/>
+            <a:ext cx="4824536" cy="3970318"/>
           </a:xfrm>
           <a:prstGeom prst="rect">
             <a:avLst/>
@@ -8889,8 +8942,32 @@
             <a:pPr algn="ctr"/>
             <a:r>
               <a:rPr lang="es-PE" sz="3600" dirty="0" smtClean="0"/>
-              <a:t>Registrar el número de movimientos y penalidades cometidas</a:t>
-            </a:r>
+              <a:t>Registrar el número de movimientos y penalidades </a:t>
+            </a:r>
+            <a:r>
+              <a:rPr lang="es-PE" sz="3600" dirty="0" smtClean="0"/>
+              <a:t>cometidas</a:t>
+            </a:r>
+          </a:p>
+          <a:p>
+            <a:pPr algn="ctr"/>
+            <a:endParaRPr lang="es-PE" sz="3600" dirty="0"/>
+          </a:p>
+          <a:p>
+            <a:pPr algn="ctr"/>
+            <a:r>
+              <a:rPr lang="es-PE" sz="3600" dirty="0" smtClean="0"/>
+              <a:t>Asegurarse que los </a:t>
+            </a:r>
+            <a:r>
+              <a:rPr lang="es-PE" sz="3600" dirty="0" err="1" smtClean="0"/>
+              <a:t>tests</a:t>
+            </a:r>
+            <a:r>
+              <a:rPr lang="es-PE" sz="3600" dirty="0" smtClean="0"/>
+              <a:t> se ejecuten constantemente</a:t>
+            </a:r>
+            <a:endParaRPr lang="es-PE" sz="3600" dirty="0" smtClean="0"/>
           </a:p>
         </p:txBody>
       </p:sp>
@@ -8929,6 +9006,56 @@
           </a:effectLst>
         </p:spPr>
       </p:pic>
+      <p:sp>
+        <p:nvSpPr>
+          <p:cNvPr id="5" name="4 Rectángulo"/>
+          <p:cNvSpPr/>
+          <p:nvPr/>
+        </p:nvSpPr>
+        <p:spPr>
+          <a:xfrm>
+            <a:off x="4079692" y="5243948"/>
+            <a:ext cx="4572000" cy="954107"/>
+          </a:xfrm>
+          <a:prstGeom prst="rect">
+            <a:avLst/>
+          </a:prstGeom>
+        </p:spPr>
+        <p:txBody>
+          <a:bodyPr>
+            <a:spAutoFit/>
+          </a:bodyPr>
+          <a:lstStyle/>
+          <a:p>
+            <a:pPr algn="ctr"/>
+            <a:r>
+              <a:rPr lang="es-PE" sz="2800" dirty="0" smtClean="0">
+                <a:solidFill>
+                  <a:srgbClr val="FFC000"/>
+                </a:solidFill>
+              </a:rPr>
+              <a:t>Además ser el </a:t>
+            </a:r>
+            <a:r>
+              <a:rPr lang="es-PE" sz="2800" i="1" dirty="0" smtClean="0">
+                <a:solidFill>
+                  <a:srgbClr val="FFC000"/>
+                </a:solidFill>
+              </a:rPr>
+              <a:t>NAVIGATOR </a:t>
+            </a:r>
+            <a:r>
+              <a:rPr lang="es-PE" sz="2800" dirty="0" smtClean="0">
+                <a:solidFill>
+                  <a:srgbClr val="FFC000"/>
+                </a:solidFill>
+              </a:rPr>
+              <a:t>del equipo</a:t>
+            </a:r>
+            <a:endParaRPr lang="es-PE" sz="2800" dirty="0"/>
+          </a:p>
+        </p:txBody>
+      </p:sp>
     </p:spTree>
     <p:extLst>
       <p:ext uri="{BB962C8B-B14F-4D97-AF65-F5344CB8AC3E}">
@@ -9457,7 +9584,7 @@
         <p:spPr>
           <a:xfrm>
             <a:off x="251520" y="879224"/>
-            <a:ext cx="8712968" cy="3970318"/>
+            <a:ext cx="8712968" cy="3323987"/>
           </a:xfrm>
           <a:prstGeom prst="rect">
             <a:avLst/>
@@ -9547,15 +9674,11 @@
             </a:r>
             <a:r>
               <a:rPr lang="es-PE" sz="3500" dirty="0" smtClean="0"/>
-              <a:t>Organizar, dar </a:t>
-            </a:r>
-            <a:r>
-              <a:rPr lang="es-PE" sz="3500" dirty="0"/>
-              <a:t>formato al </a:t>
+              <a:t>Dar formato o </a:t>
             </a:r>
             <a:r>
               <a:rPr lang="es-PE" sz="3500" dirty="0" smtClean="0"/>
-              <a:t>código o eliminar líneas en blanco</a:t>
+              <a:t>eliminar líneas en blanco</a:t>
             </a:r>
           </a:p>
           <a:p>
@@ -9575,8 +9698,8 @@
         </p:nvSpPr>
         <p:spPr>
           <a:xfrm>
-            <a:off x="251520" y="4680900"/>
-            <a:ext cx="8712968" cy="1754326"/>
+            <a:off x="251520" y="4221088"/>
+            <a:ext cx="8712968" cy="1708160"/>
           </a:xfrm>
           <a:prstGeom prst="rect">
             <a:avLst/>
@@ -9621,14 +9744,13 @@
               <a:rPr lang="es-PE" sz="3500" dirty="0" smtClean="0"/>
               <a:t>compile</a:t>
             </a:r>
-            <a:endParaRPr lang="es-PE" sz="3500" dirty="0"/>
           </a:p>
         </p:txBody>
       </p:sp>
     </p:spTree>
     <p:extLst>
       <p:ext uri="{BB962C8B-B14F-4D97-AF65-F5344CB8AC3E}">
-        <p14:creationId xmlns:p14="http://schemas.microsoft.com/office/powerpoint/2010/main" val="988592054"/>
+        <p14:creationId xmlns:p14="http://schemas.microsoft.com/office/powerpoint/2010/main" val="1848309971"/>
       </p:ext>
     </p:extLst>
   </p:cSld>

--- a/ppt/Diapositivas.pptx
+++ b/ppt/Diapositivas.pptx
@@ -5,7 +5,7 @@
     <p:sldMasterId id="2147483684" r:id="rId1"/>
   </p:sldMasterIdLst>
   <p:notesMasterIdLst>
-    <p:notesMasterId r:id="rId25"/>
+    <p:notesMasterId r:id="rId24"/>
   </p:notesMasterIdLst>
   <p:sldIdLst>
     <p:sldId id="256" r:id="rId2"/>
@@ -18,19 +18,18 @@
     <p:sldId id="473" r:id="rId9"/>
     <p:sldId id="462" r:id="rId10"/>
     <p:sldId id="450" r:id="rId11"/>
-    <p:sldId id="447" r:id="rId12"/>
-    <p:sldId id="472" r:id="rId13"/>
-    <p:sldId id="456" r:id="rId14"/>
-    <p:sldId id="469" r:id="rId15"/>
-    <p:sldId id="453" r:id="rId16"/>
-    <p:sldId id="466" r:id="rId17"/>
-    <p:sldId id="465" r:id="rId18"/>
-    <p:sldId id="470" r:id="rId19"/>
-    <p:sldId id="455" r:id="rId20"/>
-    <p:sldId id="457" r:id="rId21"/>
-    <p:sldId id="467" r:id="rId22"/>
-    <p:sldId id="468" r:id="rId23"/>
-    <p:sldId id="471" r:id="rId24"/>
+    <p:sldId id="472" r:id="rId12"/>
+    <p:sldId id="456" r:id="rId13"/>
+    <p:sldId id="469" r:id="rId14"/>
+    <p:sldId id="453" r:id="rId15"/>
+    <p:sldId id="466" r:id="rId16"/>
+    <p:sldId id="465" r:id="rId17"/>
+    <p:sldId id="470" r:id="rId18"/>
+    <p:sldId id="455" r:id="rId19"/>
+    <p:sldId id="457" r:id="rId20"/>
+    <p:sldId id="467" r:id="rId21"/>
+    <p:sldId id="468" r:id="rId22"/>
+    <p:sldId id="471" r:id="rId23"/>
   </p:sldIdLst>
   <p:sldSz cx="9144000" cy="6858000" type="screen4x3"/>
   <p:notesSz cx="6858000" cy="9144000"/>
@@ -214,7 +213,7 @@
           <a:p>
             <a:fld id="{63D5FC4C-9EE1-4746-A368-724F618FC790}" type="datetimeFigureOut">
               <a:rPr lang="es-PE" smtClean="0"/>
-              <a:t>02/10/2011</a:t>
+              <a:t>09/10/2011</a:t>
             </a:fld>
             <a:endParaRPr lang="es-PE"/>
           </a:p>
@@ -694,6 +693,7 @@
           <a:bodyPr/>
           <a:lstStyle/>
           <a:p>
+            <a:pPr algn="l"/>
             <a:endParaRPr lang="es-PE" dirty="0"/>
           </a:p>
         </p:txBody>
@@ -778,7 +778,6 @@
           <a:bodyPr/>
           <a:lstStyle/>
           <a:p>
-            <a:pPr algn="l"/>
             <a:endParaRPr lang="es-PE" dirty="0"/>
           </a:p>
         </p:txBody>
@@ -809,7 +808,7 @@
     </p:spTree>
     <p:extLst>
       <p:ext uri="{BB962C8B-B14F-4D97-AF65-F5344CB8AC3E}">
-        <p14:creationId xmlns:p14="http://schemas.microsoft.com/office/powerpoint/2010/main" val="3614550747"/>
+        <p14:creationId xmlns:p14="http://schemas.microsoft.com/office/powerpoint/2010/main" val="1461112982"/>
       </p:ext>
     </p:extLst>
   </p:cSld>
@@ -947,6 +946,113 @@
           <a:bodyPr/>
           <a:lstStyle/>
           <a:p>
+            <a:pPr algn="l"/>
+            <a:r>
+              <a:rPr lang="es-PE" sz="1200" i="1" dirty="0" smtClean="0"/>
+              <a:t>Existe un gran catálogo de </a:t>
+            </a:r>
+            <a:r>
+              <a:rPr lang="es-PE" sz="1200" i="1" dirty="0" err="1" smtClean="0"/>
+              <a:t>refactorings</a:t>
+            </a:r>
+            <a:r>
+              <a:rPr lang="es-PE" sz="1200" i="1" baseline="0" dirty="0" smtClean="0"/>
+              <a:t> y la meta es tratar de practicar la mayor cantidad </a:t>
+            </a:r>
+            <a:endParaRPr lang="es-PE" sz="1200" i="1" dirty="0" smtClean="0"/>
+          </a:p>
+          <a:p>
+            <a:pPr algn="l"/>
+            <a:r>
+              <a:rPr lang="es-PE" sz="1200" i="1" dirty="0" smtClean="0"/>
+              <a:t>(</a:t>
+            </a:r>
+            <a:r>
+              <a:rPr lang="es-PE" sz="1200" i="1" dirty="0" err="1" smtClean="0"/>
+              <a:t>Move</a:t>
+            </a:r>
+            <a:r>
+              <a:rPr lang="es-PE" sz="1200" i="1" dirty="0" smtClean="0"/>
+              <a:t> </a:t>
+            </a:r>
+            <a:r>
+              <a:rPr lang="es-PE" sz="1200" i="1" dirty="0" err="1" smtClean="0"/>
+              <a:t>Method</a:t>
+            </a:r>
+            <a:r>
+              <a:rPr lang="es-PE" sz="1200" i="1" dirty="0" smtClean="0"/>
+              <a:t>, </a:t>
+            </a:r>
+            <a:r>
+              <a:rPr lang="es-PE" sz="1200" i="1" dirty="0" err="1" smtClean="0"/>
+              <a:t>Inline</a:t>
+            </a:r>
+            <a:r>
+              <a:rPr lang="es-PE" sz="1200" i="1" dirty="0" smtClean="0"/>
+              <a:t> </a:t>
+            </a:r>
+            <a:r>
+              <a:rPr lang="es-PE" sz="1200" i="1" dirty="0" err="1" smtClean="0"/>
+              <a:t>Method</a:t>
+            </a:r>
+            <a:r>
+              <a:rPr lang="es-PE" sz="1200" i="1" dirty="0" smtClean="0"/>
+              <a:t>, </a:t>
+            </a:r>
+            <a:r>
+              <a:rPr lang="es-PE" sz="1200" i="1" dirty="0" err="1" smtClean="0"/>
+              <a:t>Extract</a:t>
+            </a:r>
+            <a:r>
+              <a:rPr lang="es-PE" sz="1200" i="1" dirty="0" smtClean="0"/>
+              <a:t> Interface, </a:t>
+            </a:r>
+          </a:p>
+          <a:p>
+            <a:pPr algn="l"/>
+            <a:r>
+              <a:rPr lang="es-PE" sz="1200" i="1" dirty="0" err="1" smtClean="0"/>
+              <a:t>Replace</a:t>
+            </a:r>
+            <a:r>
+              <a:rPr lang="es-PE" sz="1200" i="1" dirty="0" smtClean="0"/>
+              <a:t> </a:t>
+            </a:r>
+            <a:r>
+              <a:rPr lang="es-PE" sz="1200" i="1" dirty="0" err="1" smtClean="0"/>
+              <a:t>Conditional</a:t>
+            </a:r>
+            <a:r>
+              <a:rPr lang="es-PE" sz="1200" i="1" dirty="0" smtClean="0"/>
+              <a:t> </a:t>
+            </a:r>
+            <a:r>
+              <a:rPr lang="es-PE" sz="1200" i="1" dirty="0" err="1" smtClean="0"/>
+              <a:t>with</a:t>
+            </a:r>
+            <a:r>
+              <a:rPr lang="es-PE" sz="1200" i="1" dirty="0" smtClean="0"/>
+              <a:t> </a:t>
+            </a:r>
+            <a:r>
+              <a:rPr lang="es-PE" sz="1200" i="1" dirty="0" err="1" smtClean="0"/>
+              <a:t>Polymorphism</a:t>
+            </a:r>
+            <a:r>
+              <a:rPr lang="es-PE" sz="1200" i="1" dirty="0" smtClean="0"/>
+              <a:t>, </a:t>
+            </a:r>
+            <a:r>
+              <a:rPr lang="es-PE" sz="1200" i="1" dirty="0" err="1" smtClean="0"/>
+              <a:t>etc</a:t>
+            </a:r>
+            <a:r>
+              <a:rPr lang="es-PE" sz="1200" i="1" dirty="0" smtClean="0"/>
+              <a:t>)</a:t>
+            </a:r>
+          </a:p>
+          <a:p>
+            <a:pPr algn="l"/>
             <a:endParaRPr lang="es-PE" dirty="0"/>
           </a:p>
         </p:txBody>
@@ -977,7 +1083,7 @@
     </p:spTree>
     <p:extLst>
       <p:ext uri="{BB962C8B-B14F-4D97-AF65-F5344CB8AC3E}">
-        <p14:creationId xmlns:p14="http://schemas.microsoft.com/office/powerpoint/2010/main" val="1461112982"/>
+        <p14:creationId xmlns:p14="http://schemas.microsoft.com/office/powerpoint/2010/main" val="3614550747"/>
       </p:ext>
     </p:extLst>
   </p:cSld>
@@ -1223,112 +1329,6 @@
           <a:lstStyle/>
           <a:p>
             <a:pPr algn="l"/>
-            <a:r>
-              <a:rPr lang="es-PE" sz="1200" i="1" dirty="0" smtClean="0"/>
-              <a:t>Existe un gran catálogo de </a:t>
-            </a:r>
-            <a:r>
-              <a:rPr lang="es-PE" sz="1200" i="1" dirty="0" err="1" smtClean="0"/>
-              <a:t>refactorings</a:t>
-            </a:r>
-            <a:r>
-              <a:rPr lang="es-PE" sz="1200" i="1" baseline="0" dirty="0" smtClean="0"/>
-              <a:t> y la meta es tratar de practicar la mayor cantidad </a:t>
-            </a:r>
-            <a:endParaRPr lang="es-PE" sz="1200" i="1" dirty="0" smtClean="0"/>
-          </a:p>
-          <a:p>
-            <a:pPr algn="l"/>
-            <a:r>
-              <a:rPr lang="es-PE" sz="1200" i="1" dirty="0" smtClean="0"/>
-              <a:t>(</a:t>
-            </a:r>
-            <a:r>
-              <a:rPr lang="es-PE" sz="1200" i="1" dirty="0" err="1" smtClean="0"/>
-              <a:t>Move</a:t>
-            </a:r>
-            <a:r>
-              <a:rPr lang="es-PE" sz="1200" i="1" dirty="0" smtClean="0"/>
-              <a:t> </a:t>
-            </a:r>
-            <a:r>
-              <a:rPr lang="es-PE" sz="1200" i="1" dirty="0" err="1" smtClean="0"/>
-              <a:t>Method</a:t>
-            </a:r>
-            <a:r>
-              <a:rPr lang="es-PE" sz="1200" i="1" dirty="0" smtClean="0"/>
-              <a:t>, </a:t>
-            </a:r>
-            <a:r>
-              <a:rPr lang="es-PE" sz="1200" i="1" dirty="0" err="1" smtClean="0"/>
-              <a:t>Inline</a:t>
-            </a:r>
-            <a:r>
-              <a:rPr lang="es-PE" sz="1200" i="1" dirty="0" smtClean="0"/>
-              <a:t> </a:t>
-            </a:r>
-            <a:r>
-              <a:rPr lang="es-PE" sz="1200" i="1" dirty="0" err="1" smtClean="0"/>
-              <a:t>Method</a:t>
-            </a:r>
-            <a:r>
-              <a:rPr lang="es-PE" sz="1200" i="1" dirty="0" smtClean="0"/>
-              <a:t>, </a:t>
-            </a:r>
-            <a:r>
-              <a:rPr lang="es-PE" sz="1200" i="1" dirty="0" err="1" smtClean="0"/>
-              <a:t>Extract</a:t>
-            </a:r>
-            <a:r>
-              <a:rPr lang="es-PE" sz="1200" i="1" dirty="0" smtClean="0"/>
-              <a:t> Interface, </a:t>
-            </a:r>
-          </a:p>
-          <a:p>
-            <a:pPr algn="l"/>
-            <a:r>
-              <a:rPr lang="es-PE" sz="1200" i="1" dirty="0" err="1" smtClean="0"/>
-              <a:t>Replace</a:t>
-            </a:r>
-            <a:r>
-              <a:rPr lang="es-PE" sz="1200" i="1" dirty="0" smtClean="0"/>
-              <a:t> </a:t>
-            </a:r>
-            <a:r>
-              <a:rPr lang="es-PE" sz="1200" i="1" dirty="0" err="1" smtClean="0"/>
-              <a:t>Conditional</a:t>
-            </a:r>
-            <a:r>
-              <a:rPr lang="es-PE" sz="1200" i="1" dirty="0" smtClean="0"/>
-              <a:t> </a:t>
-            </a:r>
-            <a:r>
-              <a:rPr lang="es-PE" sz="1200" i="1" dirty="0" err="1" smtClean="0"/>
-              <a:t>with</a:t>
-            </a:r>
-            <a:r>
-              <a:rPr lang="es-PE" sz="1200" i="1" dirty="0" smtClean="0"/>
-              <a:t> </a:t>
-            </a:r>
-            <a:r>
-              <a:rPr lang="es-PE" sz="1200" i="1" dirty="0" err="1" smtClean="0"/>
-              <a:t>Polymorphism</a:t>
-            </a:r>
-            <a:r>
-              <a:rPr lang="es-PE" sz="1200" i="1" dirty="0" smtClean="0"/>
-              <a:t>, </a:t>
-            </a:r>
-            <a:r>
-              <a:rPr lang="es-PE" sz="1200" i="1" dirty="0" err="1" smtClean="0"/>
-              <a:t>etc</a:t>
-            </a:r>
-            <a:r>
-              <a:rPr lang="es-PE" sz="1200" i="1" dirty="0" smtClean="0"/>
-              <a:t>)</a:t>
-            </a:r>
-          </a:p>
-          <a:p>
-            <a:pPr algn="l"/>
             <a:endParaRPr lang="es-PE" dirty="0"/>
           </a:p>
         </p:txBody>
@@ -1498,7 +1498,6 @@
           <a:bodyPr/>
           <a:lstStyle/>
           <a:p>
-            <a:pPr algn="l"/>
             <a:endParaRPr lang="es-PE" dirty="0"/>
           </a:p>
         </p:txBody>
@@ -1529,7 +1528,7 @@
     </p:spTree>
     <p:extLst>
       <p:ext uri="{BB962C8B-B14F-4D97-AF65-F5344CB8AC3E}">
-        <p14:creationId xmlns:p14="http://schemas.microsoft.com/office/powerpoint/2010/main" val="3614550747"/>
+        <p14:creationId xmlns:p14="http://schemas.microsoft.com/office/powerpoint/2010/main" val="1461112982"/>
       </p:ext>
     </p:extLst>
   </p:cSld>
@@ -1583,7 +1582,12 @@
           <a:bodyPr/>
           <a:lstStyle/>
           <a:p>
-            <a:endParaRPr lang="es-PE" dirty="0"/>
+            <a:pPr algn="l"/>
+            <a:r>
+              <a:rPr lang="en-US" noProof="0" dirty="0" smtClean="0"/>
+              <a:t>Strategies for larger design changes.</a:t>
+            </a:r>
+            <a:endParaRPr lang="en-US" noProof="0" dirty="0"/>
           </a:p>
         </p:txBody>
       </p:sp>
@@ -1613,7 +1617,7 @@
     </p:spTree>
     <p:extLst>
       <p:ext uri="{BB962C8B-B14F-4D97-AF65-F5344CB8AC3E}">
-        <p14:creationId xmlns:p14="http://schemas.microsoft.com/office/powerpoint/2010/main" val="1461112982"/>
+        <p14:creationId xmlns:p14="http://schemas.microsoft.com/office/powerpoint/2010/main" val="3614550747"/>
       </p:ext>
     </p:extLst>
   </p:cSld>
@@ -1770,11 +1774,7 @@
           <a:lstStyle/>
           <a:p>
             <a:pPr algn="l"/>
-            <a:r>
-              <a:rPr lang="en-US" noProof="0" dirty="0" smtClean="0"/>
-              <a:t>Strategies for larger design changes.</a:t>
-            </a:r>
-            <a:endParaRPr lang="en-US" noProof="0" dirty="0"/>
+            <a:endParaRPr lang="es-PE" dirty="0"/>
           </a:p>
         </p:txBody>
       </p:sp>
@@ -1966,91 +1966,6 @@
             <a:fld id="{96DE5A63-0F1F-4DC0-ADE0-CC17EBA6F230}" type="slidenum">
               <a:rPr lang="es-PE" smtClean="0"/>
               <a:t>22</a:t>
-            </a:fld>
-            <a:endParaRPr lang="es-PE"/>
-          </a:p>
-        </p:txBody>
-      </p:sp>
-    </p:spTree>
-    <p:extLst>
-      <p:ext uri="{BB962C8B-B14F-4D97-AF65-F5344CB8AC3E}">
-        <p14:creationId xmlns:p14="http://schemas.microsoft.com/office/powerpoint/2010/main" val="3614550747"/>
-      </p:ext>
-    </p:extLst>
-  </p:cSld>
-  <p:clrMapOvr>
-    <a:masterClrMapping/>
-  </p:clrMapOvr>
-</p:notes>
-</file>
-
-<file path=ppt/notesSlides/notesSlide23.xml><?xml version="1.0" encoding="utf-8"?>
-<p:notes xmlns:a="http://schemas.openxmlformats.org/drawingml/2006/main" xmlns:r="http://schemas.openxmlformats.org/officeDocument/2006/relationships" xmlns:p="http://schemas.openxmlformats.org/presentationml/2006/main">
-  <p:cSld>
-    <p:spTree>
-      <p:nvGrpSpPr>
-        <p:cNvPr id="1" name=""/>
-        <p:cNvGrpSpPr/>
-        <p:nvPr/>
-      </p:nvGrpSpPr>
-      <p:grpSpPr>
-        <a:xfrm>
-          <a:off x="0" y="0"/>
-          <a:ext cx="0" cy="0"/>
-          <a:chOff x="0" y="0"/>
-          <a:chExt cx="0" cy="0"/>
-        </a:xfrm>
-      </p:grpSpPr>
-      <p:sp>
-        <p:nvSpPr>
-          <p:cNvPr id="2" name="1 Marcador de imagen de diapositiva"/>
-          <p:cNvSpPr>
-            <a:spLocks noGrp="1" noRot="1" noChangeAspect="1"/>
-          </p:cNvSpPr>
-          <p:nvPr>
-            <p:ph type="sldImg"/>
-          </p:nvPr>
-        </p:nvSpPr>
-        <p:spPr/>
-      </p:sp>
-      <p:sp>
-        <p:nvSpPr>
-          <p:cNvPr id="3" name="2 Marcador de notas"/>
-          <p:cNvSpPr>
-            <a:spLocks noGrp="1"/>
-          </p:cNvSpPr>
-          <p:nvPr>
-            <p:ph type="body" idx="1"/>
-          </p:nvPr>
-        </p:nvSpPr>
-        <p:spPr/>
-        <p:txBody>
-          <a:bodyPr/>
-          <a:lstStyle/>
-          <a:p>
-            <a:pPr algn="l"/>
-            <a:endParaRPr lang="es-PE" dirty="0"/>
-          </a:p>
-        </p:txBody>
-      </p:sp>
-      <p:sp>
-        <p:nvSpPr>
-          <p:cNvPr id="4" name="3 Marcador de número de diapositiva"/>
-          <p:cNvSpPr>
-            <a:spLocks noGrp="1"/>
-          </p:cNvSpPr>
-          <p:nvPr>
-            <p:ph type="sldNum" sz="quarter" idx="10"/>
-          </p:nvPr>
-        </p:nvSpPr>
-        <p:spPr/>
-        <p:txBody>
-          <a:bodyPr/>
-          <a:lstStyle/>
-          <a:p>
-            <a:fld id="{96DE5A63-0F1F-4DC0-ADE0-CC17EBA6F230}" type="slidenum">
-              <a:rPr lang="es-PE" smtClean="0"/>
-              <a:t>23</a:t>
             </a:fld>
             <a:endParaRPr lang="es-PE"/>
           </a:p>
@@ -2913,7 +2828,7 @@
             <a:fld id="{807CB568-C05F-482F-9F26-AA302B8892DF}" type="datetimeFigureOut">
               <a:rPr lang="es-ES" smtClean="0"/>
               <a:pPr/>
-              <a:t>02/10/2011</a:t>
+              <a:t>09/10/2011</a:t>
             </a:fld>
             <a:endParaRPr lang="es-ES"/>
           </a:p>
@@ -3092,7 +3007,7 @@
             <a:fld id="{807CB568-C05F-482F-9F26-AA302B8892DF}" type="datetimeFigureOut">
               <a:rPr lang="es-ES" smtClean="0"/>
               <a:pPr/>
-              <a:t>02/10/2011</a:t>
+              <a:t>09/10/2011</a:t>
             </a:fld>
             <a:endParaRPr lang="es-ES"/>
           </a:p>
@@ -3281,7 +3196,7 @@
             <a:fld id="{807CB568-C05F-482F-9F26-AA302B8892DF}" type="datetimeFigureOut">
               <a:rPr lang="es-ES" smtClean="0"/>
               <a:pPr/>
-              <a:t>02/10/2011</a:t>
+              <a:t>09/10/2011</a:t>
             </a:fld>
             <a:endParaRPr lang="es-ES"/>
           </a:p>
@@ -3460,7 +3375,7 @@
             <a:fld id="{807CB568-C05F-482F-9F26-AA302B8892DF}" type="datetimeFigureOut">
               <a:rPr lang="es-ES" smtClean="0"/>
               <a:pPr/>
-              <a:t>02/10/2011</a:t>
+              <a:t>09/10/2011</a:t>
             </a:fld>
             <a:endParaRPr lang="es-ES"/>
           </a:p>
@@ -3715,7 +3630,7 @@
             <a:fld id="{807CB568-C05F-482F-9F26-AA302B8892DF}" type="datetimeFigureOut">
               <a:rPr lang="es-ES" smtClean="0"/>
               <a:pPr/>
-              <a:t>02/10/2011</a:t>
+              <a:t>09/10/2011</a:t>
             </a:fld>
             <a:endParaRPr lang="es-ES"/>
           </a:p>
@@ -4012,7 +3927,7 @@
             <a:fld id="{807CB568-C05F-482F-9F26-AA302B8892DF}" type="datetimeFigureOut">
               <a:rPr lang="es-ES" smtClean="0"/>
               <a:pPr/>
-              <a:t>02/10/2011</a:t>
+              <a:t>09/10/2011</a:t>
             </a:fld>
             <a:endParaRPr lang="es-ES"/>
           </a:p>
@@ -4443,7 +4358,7 @@
             <a:fld id="{807CB568-C05F-482F-9F26-AA302B8892DF}" type="datetimeFigureOut">
               <a:rPr lang="es-ES" smtClean="0"/>
               <a:pPr/>
-              <a:t>02/10/2011</a:t>
+              <a:t>09/10/2011</a:t>
             </a:fld>
             <a:endParaRPr lang="es-ES"/>
           </a:p>
@@ -4570,7 +4485,7 @@
             <a:fld id="{807CB568-C05F-482F-9F26-AA302B8892DF}" type="datetimeFigureOut">
               <a:rPr lang="es-ES" smtClean="0"/>
               <a:pPr/>
-              <a:t>02/10/2011</a:t>
+              <a:t>09/10/2011</a:t>
             </a:fld>
             <a:endParaRPr lang="es-ES"/>
           </a:p>
@@ -4674,7 +4589,7 @@
             <a:fld id="{807CB568-C05F-482F-9F26-AA302B8892DF}" type="datetimeFigureOut">
               <a:rPr lang="es-ES" smtClean="0"/>
               <a:pPr/>
-              <a:t>02/10/2011</a:t>
+              <a:t>09/10/2011</a:t>
             </a:fld>
             <a:endParaRPr lang="es-ES"/>
           </a:p>
@@ -4960,7 +4875,7 @@
             <a:fld id="{807CB568-C05F-482F-9F26-AA302B8892DF}" type="datetimeFigureOut">
               <a:rPr lang="es-ES" smtClean="0"/>
               <a:pPr/>
-              <a:t>02/10/2011</a:t>
+              <a:t>09/10/2011</a:t>
             </a:fld>
             <a:endParaRPr lang="es-ES"/>
           </a:p>
@@ -5229,7 +5144,7 @@
             <a:fld id="{807CB568-C05F-482F-9F26-AA302B8892DF}" type="datetimeFigureOut">
               <a:rPr lang="es-ES" smtClean="0"/>
               <a:pPr/>
-              <a:t>02/10/2011</a:t>
+              <a:t>09/10/2011</a:t>
             </a:fld>
             <a:endParaRPr lang="es-ES"/>
           </a:p>
@@ -5480,7 +5395,7 @@
             <a:fld id="{807CB568-C05F-482F-9F26-AA302B8892DF}" type="datetimeFigureOut">
               <a:rPr lang="es-ES" smtClean="0"/>
               <a:pPr/>
-              <a:t>02/10/2011</a:t>
+              <a:t>09/10/2011</a:t>
             </a:fld>
             <a:endParaRPr lang="es-ES"/>
           </a:p>
@@ -6495,146 +6410,6 @@
         </p:nvSpPr>
         <p:spPr>
           <a:xfrm>
-            <a:off x="457200" y="160885"/>
-            <a:ext cx="8229600" cy="792088"/>
-          </a:xfrm>
-        </p:spPr>
-        <p:txBody>
-          <a:bodyPr/>
-          <a:lstStyle/>
-          <a:p>
-            <a:r>
-              <a:rPr lang="es-PE" dirty="0" smtClean="0">
-                <a:solidFill>
-                  <a:srgbClr val="FF0000"/>
-                </a:solidFill>
-              </a:rPr>
-              <a:t>Etiqueta</a:t>
-            </a:r>
-            <a:endParaRPr lang="es-PE" dirty="0">
-              <a:solidFill>
-                <a:srgbClr val="FF0000"/>
-              </a:solidFill>
-            </a:endParaRPr>
-          </a:p>
-        </p:txBody>
-      </p:sp>
-      <p:sp>
-        <p:nvSpPr>
-          <p:cNvPr id="2" name="1 CuadroTexto"/>
-          <p:cNvSpPr txBox="1"/>
-          <p:nvPr/>
-        </p:nvSpPr>
-        <p:spPr>
-          <a:xfrm>
-            <a:off x="320877" y="5230941"/>
-            <a:ext cx="8568951" cy="646331"/>
-          </a:xfrm>
-          <a:prstGeom prst="rect">
-            <a:avLst/>
-          </a:prstGeom>
-          <a:noFill/>
-        </p:spPr>
-        <p:txBody>
-          <a:bodyPr wrap="square" rtlCol="0">
-            <a:spAutoFit/>
-          </a:bodyPr>
-          <a:lstStyle/>
-          <a:p>
-            <a:pPr algn="ctr"/>
-            <a:r>
-              <a:rPr lang="es-PE" sz="3600" dirty="0" smtClean="0"/>
-              <a:t>No criticar el código durante el juego</a:t>
-            </a:r>
-            <a:endParaRPr lang="es-PE" sz="3200" dirty="0"/>
-          </a:p>
-        </p:txBody>
-      </p:sp>
-      <p:pic>
-        <p:nvPicPr>
-          <p:cNvPr id="4" name="3 Imagen"/>
-          <p:cNvPicPr>
-            <a:picLocks noChangeAspect="1"/>
-          </p:cNvPicPr>
-          <p:nvPr/>
-        </p:nvPicPr>
-        <p:blipFill>
-          <a:blip r:embed="rId3">
-            <a:extLst>
-              <a:ext uri="{28A0092B-C50C-407E-A947-70E740481C1C}">
-                <a14:useLocalDpi xmlns:a14="http://schemas.microsoft.com/office/drawing/2010/main" val="0"/>
-              </a:ext>
-            </a:extLst>
-          </a:blip>
-          <a:stretch>
-            <a:fillRect/>
-          </a:stretch>
-        </p:blipFill>
-        <p:spPr>
-          <a:xfrm>
-            <a:off x="1890132" y="1048582"/>
-            <a:ext cx="5430439" cy="4076449"/>
-          </a:xfrm>
-          <a:prstGeom prst="rect">
-            <a:avLst/>
-          </a:prstGeom>
-          <a:ln>
-            <a:noFill/>
-          </a:ln>
-          <a:effectLst>
-            <a:softEdge rad="112500"/>
-          </a:effectLst>
-        </p:spPr>
-      </p:pic>
-    </p:spTree>
-    <p:extLst>
-      <p:ext uri="{BB962C8B-B14F-4D97-AF65-F5344CB8AC3E}">
-        <p14:creationId xmlns:p14="http://schemas.microsoft.com/office/powerpoint/2010/main" val="388100348"/>
-      </p:ext>
-    </p:extLst>
-  </p:cSld>
-  <p:clrMapOvr>
-    <a:masterClrMapping/>
-  </p:clrMapOvr>
-  <p:timing>
-    <p:tnLst>
-      <p:par>
-        <p:cTn id="1" dur="indefinite" restart="never" nodeType="tmRoot"/>
-      </p:par>
-    </p:tnLst>
-  </p:timing>
-</p:sld>
-</file>
-
-<file path=ppt/slides/slide12.xml><?xml version="1.0" encoding="utf-8"?>
-<p:sld xmlns:a="http://schemas.openxmlformats.org/drawingml/2006/main" xmlns:r="http://schemas.openxmlformats.org/officeDocument/2006/relationships" xmlns:p="http://schemas.openxmlformats.org/presentationml/2006/main">
-  <p:cSld>
-    <p:spTree>
-      <p:nvGrpSpPr>
-        <p:cNvPr id="1" name=""/>
-        <p:cNvGrpSpPr/>
-        <p:nvPr/>
-      </p:nvGrpSpPr>
-      <p:grpSpPr>
-        <a:xfrm>
-          <a:off x="0" y="0"/>
-          <a:ext cx="0" cy="0"/>
-          <a:chOff x="0" y="0"/>
-          <a:chExt cx="0" cy="0"/>
-        </a:xfrm>
-      </p:grpSpPr>
-      <p:sp>
-        <p:nvSpPr>
-          <p:cNvPr id="18" name="1 Título"/>
-          <p:cNvSpPr>
-            <a:spLocks noGrp="1"/>
-          </p:cNvSpPr>
-          <p:nvPr>
-            <p:ph type="title"/>
-          </p:nvPr>
-        </p:nvSpPr>
-        <p:spPr>
-          <a:xfrm>
             <a:off x="457200" y="162000"/>
             <a:ext cx="8229600" cy="792088"/>
           </a:xfrm>
@@ -6758,7 +6533,7 @@
 </p:sld>
 </file>
 
-<file path=ppt/slides/slide13.xml><?xml version="1.0" encoding="utf-8"?>
+<file path=ppt/slides/slide12.xml><?xml version="1.0" encoding="utf-8"?>
 <p:sld xmlns:a="http://schemas.openxmlformats.org/drawingml/2006/main" xmlns:r="http://schemas.openxmlformats.org/officeDocument/2006/relationships" xmlns:p="http://schemas.openxmlformats.org/presentationml/2006/main">
   <p:cSld>
     <p:spTree>
@@ -6853,7 +6628,7 @@
 </p:sld>
 </file>
 
-<file path=ppt/slides/slide14.xml><?xml version="1.0" encoding="utf-8"?>
+<file path=ppt/slides/slide13.xml><?xml version="1.0" encoding="utf-8"?>
 <p:sld xmlns:a="http://schemas.openxmlformats.org/drawingml/2006/main" xmlns:r="http://schemas.openxmlformats.org/officeDocument/2006/relationships" xmlns:p="http://schemas.openxmlformats.org/presentationml/2006/main">
   <p:cSld>
     <p:spTree>
@@ -6948,7 +6723,7 @@
 </p:sld>
 </file>
 
-<file path=ppt/slides/slide15.xml><?xml version="1.0" encoding="utf-8"?>
+<file path=ppt/slides/slide14.xml><?xml version="1.0" encoding="utf-8"?>
 <p:sld xmlns:a="http://schemas.openxmlformats.org/drawingml/2006/main" xmlns:r="http://schemas.openxmlformats.org/officeDocument/2006/relationships" xmlns:p="http://schemas.openxmlformats.org/presentationml/2006/main">
   <p:cSld>
     <p:spTree>
@@ -7052,7 +6827,7 @@
 </p:sld>
 </file>
 
-<file path=ppt/slides/slide16.xml><?xml version="1.0" encoding="utf-8"?>
+<file path=ppt/slides/slide15.xml><?xml version="1.0" encoding="utf-8"?>
 <p:sld xmlns:a="http://schemas.openxmlformats.org/drawingml/2006/main" xmlns:r="http://schemas.openxmlformats.org/officeDocument/2006/relationships" xmlns:p="http://schemas.openxmlformats.org/presentationml/2006/main">
   <p:cSld>
     <p:spTree>
@@ -7163,7 +6938,7 @@
 </p:sld>
 </file>
 
-<file path=ppt/slides/slide17.xml><?xml version="1.0" encoding="utf-8"?>
+<file path=ppt/slides/slide16.xml><?xml version="1.0" encoding="utf-8"?>
 <p:sld xmlns:a="http://schemas.openxmlformats.org/drawingml/2006/main" xmlns:r="http://schemas.openxmlformats.org/officeDocument/2006/relationships" xmlns:p="http://schemas.openxmlformats.org/presentationml/2006/main">
   <p:cSld>
     <p:spTree>
@@ -7367,7 +7142,7 @@
 </p:sld>
 </file>
 
-<file path=ppt/slides/slide18.xml><?xml version="1.0" encoding="utf-8"?>
+<file path=ppt/slides/slide17.xml><?xml version="1.0" encoding="utf-8"?>
 <p:sld xmlns:a="http://schemas.openxmlformats.org/drawingml/2006/main" xmlns:r="http://schemas.openxmlformats.org/officeDocument/2006/relationships" xmlns:p="http://schemas.openxmlformats.org/presentationml/2006/main">
   <p:cSld>
     <p:spTree>
@@ -7498,15 +7273,7 @@
             </a:pPr>
             <a:r>
               <a:rPr lang="es-PE" sz="3200" dirty="0" smtClean="0"/>
-              <a:t>No </a:t>
-            </a:r>
-            <a:r>
-              <a:rPr lang="es-PE" sz="3200" dirty="0" smtClean="0"/>
-              <a:t>olvidar las </a:t>
-            </a:r>
-            <a:r>
-              <a:rPr lang="es-PE" sz="3200" dirty="0" smtClean="0"/>
-              <a:t>actividades de cada rol del equipo.</a:t>
+              <a:t>No olvidar las actividades de cada rol del equipo.</a:t>
             </a:r>
           </a:p>
           <a:p>
@@ -7523,15 +7290,7 @@
             </a:pPr>
             <a:r>
               <a:rPr lang="es-PE" sz="3200" dirty="0" smtClean="0"/>
-              <a:t>Tienen </a:t>
-            </a:r>
-            <a:r>
-              <a:rPr lang="es-PE" sz="3200" dirty="0" smtClean="0"/>
-              <a:t>12 </a:t>
-            </a:r>
-            <a:r>
-              <a:rPr lang="es-PE" sz="3200" dirty="0" smtClean="0"/>
-              <a:t>minutos por hoyo.</a:t>
+              <a:t>Tienen 12 minutos por hoyo.</a:t>
             </a:r>
           </a:p>
         </p:txBody>
@@ -7556,7 +7315,7 @@
 </p:sld>
 </file>
 
-<file path=ppt/slides/slide19.xml><?xml version="1.0" encoding="utf-8"?>
+<file path=ppt/slides/slide18.xml><?xml version="1.0" encoding="utf-8"?>
 <p:sld xmlns:a="http://schemas.openxmlformats.org/drawingml/2006/main" xmlns:r="http://schemas.openxmlformats.org/officeDocument/2006/relationships" xmlns:p="http://schemas.openxmlformats.org/presentationml/2006/main">
   <p:cSld>
     <p:spTree>
@@ -7651,6 +7410,149 @@
 </p:sld>
 </file>
 
+<file path=ppt/slides/slide19.xml><?xml version="1.0" encoding="utf-8"?>
+<p:sld xmlns:a="http://schemas.openxmlformats.org/drawingml/2006/main" xmlns:r="http://schemas.openxmlformats.org/officeDocument/2006/relationships" xmlns:p="http://schemas.openxmlformats.org/presentationml/2006/main">
+  <p:cSld>
+    <p:spTree>
+      <p:nvGrpSpPr>
+        <p:cNvPr id="1" name=""/>
+        <p:cNvGrpSpPr/>
+        <p:nvPr/>
+      </p:nvGrpSpPr>
+      <p:grpSpPr>
+        <a:xfrm>
+          <a:off x="0" y="0"/>
+          <a:ext cx="0" cy="0"/>
+          <a:chOff x="0" y="0"/>
+          <a:chExt cx="0" cy="0"/>
+        </a:xfrm>
+      </p:grpSpPr>
+      <p:sp>
+        <p:nvSpPr>
+          <p:cNvPr id="18" name="1 Título"/>
+          <p:cNvSpPr>
+            <a:spLocks noGrp="1"/>
+          </p:cNvSpPr>
+          <p:nvPr>
+            <p:ph type="title"/>
+          </p:nvPr>
+        </p:nvSpPr>
+        <p:spPr>
+          <a:xfrm>
+            <a:off x="457200" y="1589389"/>
+            <a:ext cx="8229600" cy="792088"/>
+          </a:xfrm>
+        </p:spPr>
+        <p:txBody>
+          <a:bodyPr/>
+          <a:lstStyle/>
+          <a:p>
+            <a:r>
+              <a:rPr lang="es-PE" sz="4800" dirty="0" smtClean="0">
+                <a:solidFill>
+                  <a:srgbClr val="FF0000"/>
+                </a:solidFill>
+              </a:rPr>
+              <a:t>Objetivo</a:t>
+            </a:r>
+            <a:endParaRPr lang="es-PE" sz="4800" dirty="0">
+              <a:solidFill>
+                <a:srgbClr val="FF0000"/>
+              </a:solidFill>
+            </a:endParaRPr>
+          </a:p>
+        </p:txBody>
+      </p:sp>
+      <p:sp>
+        <p:nvSpPr>
+          <p:cNvPr id="2" name="1 CuadroTexto"/>
+          <p:cNvSpPr txBox="1"/>
+          <p:nvPr/>
+        </p:nvSpPr>
+        <p:spPr>
+          <a:xfrm>
+            <a:off x="611560" y="2507644"/>
+            <a:ext cx="8064896" cy="1938992"/>
+          </a:xfrm>
+          <a:prstGeom prst="rect">
+            <a:avLst/>
+          </a:prstGeom>
+          <a:noFill/>
+        </p:spPr>
+        <p:txBody>
+          <a:bodyPr wrap="square" rtlCol="0">
+            <a:spAutoFit/>
+          </a:bodyPr>
+          <a:lstStyle/>
+          <a:p>
+            <a:pPr algn="ctr"/>
+            <a:r>
+              <a:rPr lang="es-PE" sz="4000" dirty="0" smtClean="0"/>
+              <a:t>Aprender y practicar diversas estratégicas de refactorización</a:t>
+            </a:r>
+          </a:p>
+          <a:p>
+            <a:pPr algn="ctr"/>
+            <a:r>
+              <a:rPr lang="es-PE" sz="4000" dirty="0" smtClean="0"/>
+              <a:t>(</a:t>
+            </a:r>
+            <a:r>
+              <a:rPr lang="es-PE" sz="4000" dirty="0" err="1" smtClean="0"/>
+              <a:t>Parallel</a:t>
+            </a:r>
+            <a:r>
+              <a:rPr lang="es-PE" sz="4000" dirty="0" smtClean="0"/>
+              <a:t> </a:t>
+            </a:r>
+            <a:r>
+              <a:rPr lang="es-PE" sz="4000" dirty="0" err="1" smtClean="0"/>
+              <a:t>Change</a:t>
+            </a:r>
+            <a:r>
+              <a:rPr lang="es-PE" sz="4000" dirty="0" smtClean="0"/>
+              <a:t> y </a:t>
+            </a:r>
+            <a:r>
+              <a:rPr lang="es-PE" sz="4000" dirty="0" err="1" smtClean="0"/>
+              <a:t>Narrowed</a:t>
+            </a:r>
+            <a:r>
+              <a:rPr lang="es-PE" sz="4000" dirty="0" smtClean="0"/>
+              <a:t> </a:t>
+            </a:r>
+            <a:r>
+              <a:rPr lang="es-PE" sz="4000" dirty="0" err="1" smtClean="0"/>
+              <a:t>Change</a:t>
+            </a:r>
+            <a:r>
+              <a:rPr lang="es-PE" sz="4000" dirty="0" smtClean="0"/>
+              <a:t>)</a:t>
+            </a:r>
+            <a:endParaRPr lang="es-PE" sz="4000" dirty="0"/>
+          </a:p>
+        </p:txBody>
+      </p:sp>
+    </p:spTree>
+    <p:extLst>
+      <p:ext uri="{BB962C8B-B14F-4D97-AF65-F5344CB8AC3E}">
+        <p14:creationId xmlns:p14="http://schemas.microsoft.com/office/powerpoint/2010/main" val="2293511525"/>
+      </p:ext>
+    </p:extLst>
+  </p:cSld>
+  <p:clrMapOvr>
+    <a:masterClrMapping/>
+  </p:clrMapOvr>
+  <p:timing>
+    <p:tnLst>
+      <p:par>
+        <p:cTn id="1" dur="indefinite" restart="never" nodeType="tmRoot"/>
+      </p:par>
+    </p:tnLst>
+  </p:timing>
+</p:sld>
+</file>
+
 <file path=ppt/slides/slide2.xml><?xml version="1.0" encoding="utf-8"?>
 <p:sld xmlns:a="http://schemas.openxmlformats.org/drawingml/2006/main" xmlns:r="http://schemas.openxmlformats.org/officeDocument/2006/relationships" xmlns:p="http://schemas.openxmlformats.org/presentationml/2006/main">
   <p:cSld>
@@ -7851,149 +7753,6 @@
                   <a:srgbClr val="FF0000"/>
                 </a:solidFill>
               </a:rPr>
-              <a:t>Objetivo</a:t>
-            </a:r>
-            <a:endParaRPr lang="es-PE" sz="4800" dirty="0">
-              <a:solidFill>
-                <a:srgbClr val="FF0000"/>
-              </a:solidFill>
-            </a:endParaRPr>
-          </a:p>
-        </p:txBody>
-      </p:sp>
-      <p:sp>
-        <p:nvSpPr>
-          <p:cNvPr id="2" name="1 CuadroTexto"/>
-          <p:cNvSpPr txBox="1"/>
-          <p:nvPr/>
-        </p:nvSpPr>
-        <p:spPr>
-          <a:xfrm>
-            <a:off x="611560" y="2507644"/>
-            <a:ext cx="8064896" cy="1938992"/>
-          </a:xfrm>
-          <a:prstGeom prst="rect">
-            <a:avLst/>
-          </a:prstGeom>
-          <a:noFill/>
-        </p:spPr>
-        <p:txBody>
-          <a:bodyPr wrap="square" rtlCol="0">
-            <a:spAutoFit/>
-          </a:bodyPr>
-          <a:lstStyle/>
-          <a:p>
-            <a:pPr algn="ctr"/>
-            <a:r>
-              <a:rPr lang="es-PE" sz="4000" dirty="0" smtClean="0"/>
-              <a:t>Aprender y practicar diversas estratégicas de refactorización</a:t>
-            </a:r>
-          </a:p>
-          <a:p>
-            <a:pPr algn="ctr"/>
-            <a:r>
-              <a:rPr lang="es-PE" sz="4000" dirty="0" smtClean="0"/>
-              <a:t>(</a:t>
-            </a:r>
-            <a:r>
-              <a:rPr lang="es-PE" sz="4000" dirty="0" err="1" smtClean="0"/>
-              <a:t>Parallel</a:t>
-            </a:r>
-            <a:r>
-              <a:rPr lang="es-PE" sz="4000" dirty="0" smtClean="0"/>
-              <a:t> </a:t>
-            </a:r>
-            <a:r>
-              <a:rPr lang="es-PE" sz="4000" dirty="0" err="1" smtClean="0"/>
-              <a:t>Change</a:t>
-            </a:r>
-            <a:r>
-              <a:rPr lang="es-PE" sz="4000" dirty="0" smtClean="0"/>
-              <a:t> y </a:t>
-            </a:r>
-            <a:r>
-              <a:rPr lang="es-PE" sz="4000" dirty="0" err="1" smtClean="0"/>
-              <a:t>Narrowed</a:t>
-            </a:r>
-            <a:r>
-              <a:rPr lang="es-PE" sz="4000" dirty="0" smtClean="0"/>
-              <a:t> </a:t>
-            </a:r>
-            <a:r>
-              <a:rPr lang="es-PE" sz="4000" dirty="0" err="1" smtClean="0"/>
-              <a:t>Change</a:t>
-            </a:r>
-            <a:r>
-              <a:rPr lang="es-PE" sz="4000" dirty="0" smtClean="0"/>
-              <a:t>)</a:t>
-            </a:r>
-            <a:endParaRPr lang="es-PE" sz="4000" dirty="0"/>
-          </a:p>
-        </p:txBody>
-      </p:sp>
-    </p:spTree>
-    <p:extLst>
-      <p:ext uri="{BB962C8B-B14F-4D97-AF65-F5344CB8AC3E}">
-        <p14:creationId xmlns:p14="http://schemas.microsoft.com/office/powerpoint/2010/main" val="2293511525"/>
-      </p:ext>
-    </p:extLst>
-  </p:cSld>
-  <p:clrMapOvr>
-    <a:masterClrMapping/>
-  </p:clrMapOvr>
-  <p:timing>
-    <p:tnLst>
-      <p:par>
-        <p:cTn id="1" dur="indefinite" restart="never" nodeType="tmRoot"/>
-      </p:par>
-    </p:tnLst>
-  </p:timing>
-</p:sld>
-</file>
-
-<file path=ppt/slides/slide21.xml><?xml version="1.0" encoding="utf-8"?>
-<p:sld xmlns:a="http://schemas.openxmlformats.org/drawingml/2006/main" xmlns:r="http://schemas.openxmlformats.org/officeDocument/2006/relationships" xmlns:p="http://schemas.openxmlformats.org/presentationml/2006/main">
-  <p:cSld>
-    <p:spTree>
-      <p:nvGrpSpPr>
-        <p:cNvPr id="1" name=""/>
-        <p:cNvGrpSpPr/>
-        <p:nvPr/>
-      </p:nvGrpSpPr>
-      <p:grpSpPr>
-        <a:xfrm>
-          <a:off x="0" y="0"/>
-          <a:ext cx="0" cy="0"/>
-          <a:chOff x="0" y="0"/>
-          <a:chExt cx="0" cy="0"/>
-        </a:xfrm>
-      </p:grpSpPr>
-      <p:sp>
-        <p:nvSpPr>
-          <p:cNvPr id="18" name="1 Título"/>
-          <p:cNvSpPr>
-            <a:spLocks noGrp="1"/>
-          </p:cNvSpPr>
-          <p:nvPr>
-            <p:ph type="title"/>
-          </p:nvPr>
-        </p:nvSpPr>
-        <p:spPr>
-          <a:xfrm>
-            <a:off x="457200" y="1589389"/>
-            <a:ext cx="8229600" cy="792088"/>
-          </a:xfrm>
-        </p:spPr>
-        <p:txBody>
-          <a:bodyPr/>
-          <a:lstStyle/>
-          <a:p>
-            <a:r>
-              <a:rPr lang="es-PE" sz="4800" dirty="0" smtClean="0">
-                <a:solidFill>
-                  <a:srgbClr val="FF0000"/>
-                </a:solidFill>
-              </a:rPr>
               <a:t>Descripción</a:t>
             </a:r>
             <a:endParaRPr lang="es-PE" sz="4800" dirty="0">
@@ -8067,7 +7826,7 @@
 </p:sld>
 </file>
 
-<file path=ppt/slides/slide22.xml><?xml version="1.0" encoding="utf-8"?>
+<file path=ppt/slides/slide21.xml><?xml version="1.0" encoding="utf-8"?>
 <p:sld xmlns:a="http://schemas.openxmlformats.org/drawingml/2006/main" xmlns:r="http://schemas.openxmlformats.org/officeDocument/2006/relationships" xmlns:p="http://schemas.openxmlformats.org/presentationml/2006/main">
   <p:cSld>
     <p:spTree>
@@ -8265,7 +8024,7 @@
 </p:sld>
 </file>
 
-<file path=ppt/slides/slide23.xml><?xml version="1.0" encoding="utf-8"?>
+<file path=ppt/slides/slide22.xml><?xml version="1.0" encoding="utf-8"?>
 <p:sld xmlns:a="http://schemas.openxmlformats.org/drawingml/2006/main" xmlns:r="http://schemas.openxmlformats.org/officeDocument/2006/relationships" xmlns:p="http://schemas.openxmlformats.org/presentationml/2006/main">
   <p:cSld>
     <p:spTree>
@@ -8413,15 +8172,7 @@
             </a:pPr>
             <a:r>
               <a:rPr lang="es-PE" sz="3200" dirty="0" smtClean="0"/>
-              <a:t>Tienen </a:t>
-            </a:r>
-            <a:r>
-              <a:rPr lang="es-PE" sz="3200" dirty="0" smtClean="0"/>
-              <a:t>18 </a:t>
-            </a:r>
-            <a:r>
-              <a:rPr lang="es-PE" sz="3200" dirty="0" smtClean="0"/>
-              <a:t>minutos para todo el recorrido.</a:t>
+              <a:t>Tienen 18 minutos para todo el recorrido.</a:t>
             </a:r>
           </a:p>
         </p:txBody>
@@ -8942,11 +8693,7 @@
             <a:pPr algn="ctr"/>
             <a:r>
               <a:rPr lang="es-PE" sz="3600" dirty="0" smtClean="0"/>
-              <a:t>Registrar el número de movimientos y penalidades </a:t>
-            </a:r>
-            <a:r>
-              <a:rPr lang="es-PE" sz="3600" dirty="0" smtClean="0"/>
-              <a:t>cometidas</a:t>
+              <a:t>Registrar el número de movimientos y penalidades cometidas</a:t>
             </a:r>
           </a:p>
           <a:p>
@@ -8967,7 +8714,6 @@
               <a:rPr lang="es-PE" sz="3600" dirty="0" smtClean="0"/>
               <a:t> se ejecuten constantemente</a:t>
             </a:r>
-            <a:endParaRPr lang="es-PE" sz="3600" dirty="0" smtClean="0"/>
           </a:p>
         </p:txBody>
       </p:sp>
@@ -9674,11 +9420,7 @@
             </a:r>
             <a:r>
               <a:rPr lang="es-PE" sz="3500" dirty="0" smtClean="0"/>
-              <a:t>Dar formato o </a:t>
-            </a:r>
-            <a:r>
-              <a:rPr lang="es-PE" sz="3500" dirty="0" smtClean="0"/>
-              <a:t>eliminar líneas en blanco</a:t>
+              <a:t>Dar formato o eliminar líneas en blanco</a:t>
             </a:r>
           </a:p>
           <a:p>

--- a/ppt/Diapositivas.pptx
+++ b/ppt/Diapositivas.pptx
@@ -29,7 +29,7 @@
     <p:sldId id="457" r:id="rId20"/>
     <p:sldId id="467" r:id="rId21"/>
     <p:sldId id="468" r:id="rId22"/>
-    <p:sldId id="471" r:id="rId23"/>
+    <p:sldId id="474" r:id="rId23"/>
   </p:sldIdLst>
   <p:sldSz cx="9144000" cy="6858000" type="screen4x3"/>
   <p:notesSz cx="6858000" cy="9144000"/>
@@ -213,7 +213,7 @@
           <a:p>
             <a:fld id="{63D5FC4C-9EE1-4746-A368-724F618FC790}" type="datetimeFigureOut">
               <a:rPr lang="es-PE" smtClean="0"/>
-              <a:t>09/10/2011</a:t>
+              <a:t>10/10/2011</a:t>
             </a:fld>
             <a:endParaRPr lang="es-PE"/>
           </a:p>
@@ -2134,10 +2134,7 @@
               <a:buFontTx/>
               <a:buNone/>
             </a:pPr>
-            <a:r>
-              <a:rPr lang="es-PE" baseline="0" dirty="0" smtClean="0"/>
-              <a:t>- Explicar todos los movimientos realizados</a:t>
-            </a:r>
+            <a:endParaRPr lang="es-PE" baseline="0" dirty="0" smtClean="0"/>
           </a:p>
         </p:txBody>
       </p:sp>
@@ -2828,7 +2825,7 @@
             <a:fld id="{807CB568-C05F-482F-9F26-AA302B8892DF}" type="datetimeFigureOut">
               <a:rPr lang="es-ES" smtClean="0"/>
               <a:pPr/>
-              <a:t>09/10/2011</a:t>
+              <a:t>10/10/2011</a:t>
             </a:fld>
             <a:endParaRPr lang="es-ES"/>
           </a:p>
@@ -3007,7 +3004,7 @@
             <a:fld id="{807CB568-C05F-482F-9F26-AA302B8892DF}" type="datetimeFigureOut">
               <a:rPr lang="es-ES" smtClean="0"/>
               <a:pPr/>
-              <a:t>09/10/2011</a:t>
+              <a:t>10/10/2011</a:t>
             </a:fld>
             <a:endParaRPr lang="es-ES"/>
           </a:p>
@@ -3196,7 +3193,7 @@
             <a:fld id="{807CB568-C05F-482F-9F26-AA302B8892DF}" type="datetimeFigureOut">
               <a:rPr lang="es-ES" smtClean="0"/>
               <a:pPr/>
-              <a:t>09/10/2011</a:t>
+              <a:t>10/10/2011</a:t>
             </a:fld>
             <a:endParaRPr lang="es-ES"/>
           </a:p>
@@ -3375,7 +3372,7 @@
             <a:fld id="{807CB568-C05F-482F-9F26-AA302B8892DF}" type="datetimeFigureOut">
               <a:rPr lang="es-ES" smtClean="0"/>
               <a:pPr/>
-              <a:t>09/10/2011</a:t>
+              <a:t>10/10/2011</a:t>
             </a:fld>
             <a:endParaRPr lang="es-ES"/>
           </a:p>
@@ -3630,7 +3627,7 @@
             <a:fld id="{807CB568-C05F-482F-9F26-AA302B8892DF}" type="datetimeFigureOut">
               <a:rPr lang="es-ES" smtClean="0"/>
               <a:pPr/>
-              <a:t>09/10/2011</a:t>
+              <a:t>10/10/2011</a:t>
             </a:fld>
             <a:endParaRPr lang="es-ES"/>
           </a:p>
@@ -3927,7 +3924,7 @@
             <a:fld id="{807CB568-C05F-482F-9F26-AA302B8892DF}" type="datetimeFigureOut">
               <a:rPr lang="es-ES" smtClean="0"/>
               <a:pPr/>
-              <a:t>09/10/2011</a:t>
+              <a:t>10/10/2011</a:t>
             </a:fld>
             <a:endParaRPr lang="es-ES"/>
           </a:p>
@@ -4358,7 +4355,7 @@
             <a:fld id="{807CB568-C05F-482F-9F26-AA302B8892DF}" type="datetimeFigureOut">
               <a:rPr lang="es-ES" smtClean="0"/>
               <a:pPr/>
-              <a:t>09/10/2011</a:t>
+              <a:t>10/10/2011</a:t>
             </a:fld>
             <a:endParaRPr lang="es-ES"/>
           </a:p>
@@ -4485,7 +4482,7 @@
             <a:fld id="{807CB568-C05F-482F-9F26-AA302B8892DF}" type="datetimeFigureOut">
               <a:rPr lang="es-ES" smtClean="0"/>
               <a:pPr/>
-              <a:t>09/10/2011</a:t>
+              <a:t>10/10/2011</a:t>
             </a:fld>
             <a:endParaRPr lang="es-ES"/>
           </a:p>
@@ -4589,7 +4586,7 @@
             <a:fld id="{807CB568-C05F-482F-9F26-AA302B8892DF}" type="datetimeFigureOut">
               <a:rPr lang="es-ES" smtClean="0"/>
               <a:pPr/>
-              <a:t>09/10/2011</a:t>
+              <a:t>10/10/2011</a:t>
             </a:fld>
             <a:endParaRPr lang="es-ES"/>
           </a:p>
@@ -4875,7 +4872,7 @@
             <a:fld id="{807CB568-C05F-482F-9F26-AA302B8892DF}" type="datetimeFigureOut">
               <a:rPr lang="es-ES" smtClean="0"/>
               <a:pPr/>
-              <a:t>09/10/2011</a:t>
+              <a:t>10/10/2011</a:t>
             </a:fld>
             <a:endParaRPr lang="es-ES"/>
           </a:p>
@@ -5144,7 +5141,7 @@
             <a:fld id="{807CB568-C05F-482F-9F26-AA302B8892DF}" type="datetimeFigureOut">
               <a:rPr lang="es-ES" smtClean="0"/>
               <a:pPr/>
-              <a:t>09/10/2011</a:t>
+              <a:t>10/10/2011</a:t>
             </a:fld>
             <a:endParaRPr lang="es-ES"/>
           </a:p>
@@ -5395,7 +5392,7 @@
             <a:fld id="{807CB568-C05F-482F-9F26-AA302B8892DF}" type="datetimeFigureOut">
               <a:rPr lang="es-ES" smtClean="0"/>
               <a:pPr/>
-              <a:t>09/10/2011</a:t>
+              <a:t>10/10/2011</a:t>
             </a:fld>
             <a:endParaRPr lang="es-ES"/>
           </a:p>
@@ -6478,8 +6475,13 @@
             <a:pPr algn="ctr"/>
             <a:r>
               <a:rPr lang="es-PE" sz="3200" dirty="0" smtClean="0"/>
-              <a:t>No importa que sea un problema elemental o una carita feliz, deben poner algo en la puerta</a:t>
-            </a:r>
+              <a:t>No importa que sea un problema elemental o una carita feliz, deben poner algo en la </a:t>
+            </a:r>
+            <a:r>
+              <a:rPr lang="es-PE" sz="3200" dirty="0" smtClean="0"/>
+              <a:t>puerta.</a:t>
+            </a:r>
+            <a:endParaRPr lang="es-PE" sz="3200" dirty="0" smtClean="0"/>
           </a:p>
         </p:txBody>
       </p:sp>
@@ -7037,7 +7039,7 @@
         </p:nvSpPr>
         <p:spPr>
           <a:xfrm>
-            <a:off x="251520" y="5373216"/>
+            <a:off x="251520" y="5229200"/>
             <a:ext cx="8640960" cy="1077218"/>
           </a:xfrm>
           <a:prstGeom prst="rect">
@@ -7061,13 +7063,13 @@
       </p:sp>
       <p:pic>
         <p:nvPicPr>
-          <p:cNvPr id="4" name="Picture 2"/>
+          <p:cNvPr id="1027" name="Picture 3"/>
           <p:cNvPicPr>
             <a:picLocks noChangeAspect="1" noChangeArrowheads="1"/>
           </p:cNvPicPr>
           <p:nvPr/>
         </p:nvPicPr>
-        <p:blipFill rotWithShape="1">
+        <p:blipFill>
           <a:blip r:embed="rId3">
             <a:extLst>
               <a:ext uri="{28A0092B-C50C-407E-A947-70E740481C1C}">
@@ -7075,13 +7077,15 @@
               </a:ext>
             </a:extLst>
           </a:blip>
-          <a:srcRect t="2104"/>
-          <a:stretch/>
+          <a:srcRect/>
+          <a:stretch>
+            <a:fillRect/>
+          </a:stretch>
         </p:blipFill>
         <p:spPr bwMode="auto">
           <a:xfrm>
-            <a:off x="3081612" y="2535260"/>
-            <a:ext cx="2980775" cy="2723436"/>
+            <a:off x="3137609" y="2564904"/>
+            <a:ext cx="3306599" cy="2576714"/>
           </a:xfrm>
           <a:prstGeom prst="rect">
             <a:avLst/>
@@ -7220,7 +7224,7 @@
         <p:spPr>
           <a:xfrm>
             <a:off x="251520" y="1208941"/>
-            <a:ext cx="8640960" cy="4524315"/>
+            <a:ext cx="8640960" cy="5016758"/>
           </a:xfrm>
           <a:prstGeom prst="rect">
             <a:avLst/>
@@ -7239,7 +7243,37 @@
             </a:pPr>
             <a:r>
               <a:rPr lang="es-PE" sz="3200" dirty="0" smtClean="0"/>
-              <a:t>Abrir el código inicial en el IDE.</a:t>
+              <a:t>Abrir el código inicial en el </a:t>
+            </a:r>
+            <a:r>
+              <a:rPr lang="es-PE" sz="3200" dirty="0" smtClean="0"/>
+              <a:t>IDE, asegurarse que compile y todos los </a:t>
+            </a:r>
+            <a:r>
+              <a:rPr lang="es-PE" sz="3200" dirty="0" err="1" smtClean="0"/>
+              <a:t>tests</a:t>
+            </a:r>
+            <a:r>
+              <a:rPr lang="es-PE" sz="3200" dirty="0" smtClean="0"/>
+              <a:t> pasen.</a:t>
+            </a:r>
+            <a:endParaRPr lang="es-PE" sz="3200" dirty="0" smtClean="0"/>
+          </a:p>
+          <a:p>
+            <a:endParaRPr lang="es-PE" sz="3200" dirty="0"/>
+          </a:p>
+          <a:p>
+            <a:pPr marL="457200" indent="-457200">
+              <a:buFont typeface="Arial" pitchFamily="34" charset="0"/>
+              <a:buChar char="•"/>
+            </a:pPr>
+            <a:r>
+              <a:rPr lang="es-PE" sz="3200" dirty="0" smtClean="0"/>
+              <a:t>No olvidar las actividades de cada rol del equipo</a:t>
+            </a:r>
+            <a:r>
+              <a:rPr lang="es-PE" sz="3200" dirty="0" smtClean="0"/>
+              <a:t>.</a:t>
             </a:r>
           </a:p>
           <a:p>
@@ -7256,25 +7290,9 @@
             </a:pPr>
             <a:r>
               <a:rPr lang="es-PE" sz="3200" dirty="0" smtClean="0"/>
-              <a:t>Asegurarse que compile y todos los test se pasen.</a:t>
-            </a:r>
-          </a:p>
-          <a:p>
-            <a:pPr marL="457200" indent="-457200">
-              <a:buFont typeface="Arial" pitchFamily="34" charset="0"/>
-              <a:buChar char="•"/>
-            </a:pPr>
-            <a:endParaRPr lang="es-PE" sz="3200" dirty="0"/>
-          </a:p>
-          <a:p>
-            <a:pPr marL="457200" indent="-457200">
-              <a:buFont typeface="Arial" pitchFamily="34" charset="0"/>
-              <a:buChar char="•"/>
-            </a:pPr>
-            <a:r>
-              <a:rPr lang="es-PE" sz="3200" dirty="0" smtClean="0"/>
-              <a:t>No olvidar las actividades de cada rol del equipo.</a:t>
-            </a:r>
+              <a:t>El primer equipo en terminar debe levantar la mano.</a:t>
+            </a:r>
+            <a:endParaRPr lang="es-PE" sz="3200" dirty="0" smtClean="0"/>
           </a:p>
           <a:p>
             <a:pPr marL="457200" indent="-457200">
@@ -7739,7 +7757,7 @@
         </p:nvSpPr>
         <p:spPr>
           <a:xfrm>
-            <a:off x="457200" y="1589389"/>
+            <a:off x="457200" y="692696"/>
             <a:ext cx="8229600" cy="792088"/>
           </a:xfrm>
         </p:spPr>
@@ -7771,8 +7789,8 @@
         </p:nvSpPr>
         <p:spPr>
           <a:xfrm>
-            <a:off x="611560" y="2507644"/>
-            <a:ext cx="8064896" cy="1323439"/>
+            <a:off x="611560" y="1610951"/>
+            <a:ext cx="8064896" cy="3785652"/>
           </a:xfrm>
           <a:prstGeom prst="rect">
             <a:avLst/>
@@ -7801,6 +7819,26 @@
             <a:r>
               <a:rPr lang="es-PE" sz="4000" dirty="0" smtClean="0"/>
               <a:t> (Pila) </a:t>
+            </a:r>
+            <a:endParaRPr lang="es-PE" sz="4000" dirty="0" smtClean="0"/>
+          </a:p>
+          <a:p>
+            <a:pPr algn="ctr"/>
+            <a:endParaRPr lang="es-PE" sz="4000" dirty="0"/>
+          </a:p>
+          <a:p>
+            <a:pPr algn="ctr"/>
+            <a:r>
+              <a:rPr lang="es-PE" sz="4000" dirty="0" smtClean="0"/>
+              <a:t>La meta es reemplazar el </a:t>
+            </a:r>
+            <a:r>
+              <a:rPr lang="es-PE" sz="4000" dirty="0" err="1" smtClean="0"/>
+              <a:t>array</a:t>
+            </a:r>
+            <a:r>
+              <a:rPr lang="es-PE" sz="4000" dirty="0" smtClean="0"/>
+              <a:t> simple por una clase especializada en el manejo de colecciones.</a:t>
             </a:r>
             <a:endParaRPr lang="es-PE" sz="4000" dirty="0"/>
           </a:p>
@@ -7933,7 +7971,15 @@
             <a:pPr algn="ctr"/>
             <a:r>
               <a:rPr lang="es-PE" sz="3200" dirty="0" smtClean="0"/>
-              <a:t>El tiempo de todo el recorrido es de 15 minutos, al finalizar el tiempo el mejor equipo mostrará sus resultados.</a:t>
+              <a:t>El tiempo de todo el recorrido es de </a:t>
+            </a:r>
+            <a:r>
+              <a:rPr lang="es-PE" sz="3200" dirty="0" smtClean="0"/>
+              <a:t>18 </a:t>
+            </a:r>
+            <a:r>
+              <a:rPr lang="es-PE" sz="3200" dirty="0" smtClean="0"/>
+              <a:t>minutos, al finalizar el tiempo el mejor equipo mostrará sus resultados.</a:t>
             </a:r>
             <a:endParaRPr lang="es-PE" sz="3200" dirty="0"/>
           </a:p>
@@ -8102,7 +8148,7 @@
         <p:spPr>
           <a:xfrm>
             <a:off x="251520" y="1208941"/>
-            <a:ext cx="8640960" cy="4524315"/>
+            <a:ext cx="8640960" cy="5016758"/>
           </a:xfrm>
           <a:prstGeom prst="rect">
             <a:avLst/>
@@ -8121,7 +8167,37 @@
             </a:pPr>
             <a:r>
               <a:rPr lang="es-PE" sz="3200" dirty="0" smtClean="0"/>
-              <a:t>Abrir el código inicial en el IDE.</a:t>
+              <a:t>Abrir el código inicial en el </a:t>
+            </a:r>
+            <a:r>
+              <a:rPr lang="es-PE" sz="3200" dirty="0" smtClean="0"/>
+              <a:t>IDE, asegurarse que compile y todos los </a:t>
+            </a:r>
+            <a:r>
+              <a:rPr lang="es-PE" sz="3200" dirty="0" err="1" smtClean="0"/>
+              <a:t>tests</a:t>
+            </a:r>
+            <a:r>
+              <a:rPr lang="es-PE" sz="3200" dirty="0" smtClean="0"/>
+              <a:t> pasen.</a:t>
+            </a:r>
+            <a:endParaRPr lang="es-PE" sz="3200" dirty="0" smtClean="0"/>
+          </a:p>
+          <a:p>
+            <a:endParaRPr lang="es-PE" sz="3200" dirty="0"/>
+          </a:p>
+          <a:p>
+            <a:pPr marL="457200" indent="-457200">
+              <a:buFont typeface="Arial" pitchFamily="34" charset="0"/>
+              <a:buChar char="•"/>
+            </a:pPr>
+            <a:r>
+              <a:rPr lang="es-PE" sz="3200" dirty="0" smtClean="0"/>
+              <a:t>No olvidar las actividades de cada rol del equipo</a:t>
+            </a:r>
+            <a:r>
+              <a:rPr lang="es-PE" sz="3200" dirty="0" smtClean="0"/>
+              <a:t>.</a:t>
             </a:r>
           </a:p>
           <a:p>
@@ -8138,8 +8214,9 @@
             </a:pPr>
             <a:r>
               <a:rPr lang="es-PE" sz="3200" dirty="0" smtClean="0"/>
-              <a:t>Asegurarse que compile y todos los test se pasen.</a:t>
-            </a:r>
+              <a:t>El primer equipo en terminar debe levantar la mano.</a:t>
+            </a:r>
+            <a:endParaRPr lang="es-PE" sz="3200" dirty="0" smtClean="0"/>
           </a:p>
           <a:p>
             <a:pPr marL="457200" indent="-457200">
@@ -8155,32 +8232,20 @@
             </a:pPr>
             <a:r>
               <a:rPr lang="es-PE" sz="3200" dirty="0" smtClean="0"/>
-              <a:t>No se olviden las actividades de cada rol del equipo.</a:t>
-            </a:r>
-          </a:p>
-          <a:p>
-            <a:pPr marL="457200" indent="-457200">
-              <a:buFont typeface="Arial" pitchFamily="34" charset="0"/>
-              <a:buChar char="•"/>
-            </a:pPr>
-            <a:endParaRPr lang="es-PE" sz="3200" dirty="0"/>
-          </a:p>
-          <a:p>
-            <a:pPr marL="457200" indent="-457200">
-              <a:buFont typeface="Arial" pitchFamily="34" charset="0"/>
-              <a:buChar char="•"/>
-            </a:pPr>
+              <a:t>Tienen </a:t>
+            </a:r>
             <a:r>
               <a:rPr lang="es-PE" sz="3200" dirty="0" smtClean="0"/>
-              <a:t>Tienen 18 minutos para todo el recorrido.</a:t>
-            </a:r>
+              <a:t>18 minutos para todo el recorrido.</a:t>
+            </a:r>
+            <a:endParaRPr lang="es-PE" sz="3200" dirty="0" smtClean="0"/>
           </a:p>
         </p:txBody>
       </p:sp>
     </p:spTree>
     <p:extLst>
       <p:ext uri="{BB962C8B-B14F-4D97-AF65-F5344CB8AC3E}">
-        <p14:creationId xmlns:p14="http://schemas.microsoft.com/office/powerpoint/2010/main" val="1687246152"/>
+        <p14:creationId xmlns:p14="http://schemas.microsoft.com/office/powerpoint/2010/main" val="2575741392"/>
       </p:ext>
     </p:extLst>
   </p:cSld>
@@ -9195,19 +9260,11 @@
             </a:r>
             <a:r>
               <a:rPr lang="es-PE" sz="3600" dirty="0" smtClean="0"/>
-              <a:t>final (</a:t>
-            </a:r>
-            <a:r>
-              <a:rPr lang="es-PE" sz="3600" dirty="0" err="1" smtClean="0"/>
-              <a:t>Hole</a:t>
-            </a:r>
-            <a:r>
-              <a:rPr lang="es-PE" sz="3600" dirty="0" smtClean="0"/>
-              <a:t>) </a:t>
+              <a:t>de </a:t>
             </a:r>
             <a:r>
               <a:rPr lang="es-PE" sz="3600" dirty="0"/>
-              <a:t>de cada juego en papel.</a:t>
+              <a:t>cada juego en papel.</a:t>
             </a:r>
           </a:p>
         </p:txBody>

--- a/ppt/Diapositivas.pptx
+++ b/ppt/Diapositivas.pptx
@@ -18,18 +18,18 @@
     <p:sldId id="473" r:id="rId9"/>
     <p:sldId id="462" r:id="rId10"/>
     <p:sldId id="450" r:id="rId11"/>
-    <p:sldId id="472" r:id="rId12"/>
-    <p:sldId id="456" r:id="rId13"/>
-    <p:sldId id="469" r:id="rId14"/>
-    <p:sldId id="453" r:id="rId15"/>
-    <p:sldId id="466" r:id="rId16"/>
-    <p:sldId id="465" r:id="rId17"/>
-    <p:sldId id="470" r:id="rId18"/>
-    <p:sldId id="455" r:id="rId19"/>
-    <p:sldId id="457" r:id="rId20"/>
-    <p:sldId id="467" r:id="rId21"/>
-    <p:sldId id="468" r:id="rId22"/>
-    <p:sldId id="474" r:id="rId23"/>
+    <p:sldId id="456" r:id="rId12"/>
+    <p:sldId id="469" r:id="rId13"/>
+    <p:sldId id="453" r:id="rId14"/>
+    <p:sldId id="466" r:id="rId15"/>
+    <p:sldId id="465" r:id="rId16"/>
+    <p:sldId id="470" r:id="rId17"/>
+    <p:sldId id="455" r:id="rId18"/>
+    <p:sldId id="457" r:id="rId19"/>
+    <p:sldId id="467" r:id="rId20"/>
+    <p:sldId id="468" r:id="rId21"/>
+    <p:sldId id="474" r:id="rId22"/>
+    <p:sldId id="475" r:id="rId23"/>
   </p:sldIdLst>
   <p:sldSz cx="9144000" cy="6858000" type="screen4x3"/>
   <p:notesSz cx="6858000" cy="9144000"/>
@@ -213,7 +213,7 @@
           <a:p>
             <a:fld id="{63D5FC4C-9EE1-4746-A368-724F618FC790}" type="datetimeFigureOut">
               <a:rPr lang="es-PE" smtClean="0"/>
-              <a:t>10/10/2011</a:t>
+              <a:t>08/11/2011</a:t>
             </a:fld>
             <a:endParaRPr lang="es-PE"/>
           </a:p>
@@ -693,7 +693,6 @@
           <a:bodyPr/>
           <a:lstStyle/>
           <a:p>
-            <a:pPr algn="l"/>
             <a:endParaRPr lang="es-PE" dirty="0"/>
           </a:p>
         </p:txBody>
@@ -724,7 +723,7 @@
     </p:spTree>
     <p:extLst>
       <p:ext uri="{BB962C8B-B14F-4D97-AF65-F5344CB8AC3E}">
-        <p14:creationId xmlns:p14="http://schemas.microsoft.com/office/powerpoint/2010/main" val="3614550747"/>
+        <p14:creationId xmlns:p14="http://schemas.microsoft.com/office/powerpoint/2010/main" val="1461112982"/>
       </p:ext>
     </p:extLst>
   </p:cSld>
@@ -862,6 +861,113 @@
           <a:bodyPr/>
           <a:lstStyle/>
           <a:p>
+            <a:pPr algn="l"/>
+            <a:r>
+              <a:rPr lang="es-PE" sz="1200" i="1" dirty="0" smtClean="0"/>
+              <a:t>Existe un gran catálogo de </a:t>
+            </a:r>
+            <a:r>
+              <a:rPr lang="es-PE" sz="1200" i="1" dirty="0" err="1" smtClean="0"/>
+              <a:t>refactorings</a:t>
+            </a:r>
+            <a:r>
+              <a:rPr lang="es-PE" sz="1200" i="1" baseline="0" dirty="0" smtClean="0"/>
+              <a:t> y la meta es tratar de practicar la mayor cantidad </a:t>
+            </a:r>
+            <a:endParaRPr lang="es-PE" sz="1200" i="1" dirty="0" smtClean="0"/>
+          </a:p>
+          <a:p>
+            <a:pPr algn="l"/>
+            <a:r>
+              <a:rPr lang="es-PE" sz="1200" i="1" dirty="0" smtClean="0"/>
+              <a:t>(</a:t>
+            </a:r>
+            <a:r>
+              <a:rPr lang="es-PE" sz="1200" i="1" dirty="0" err="1" smtClean="0"/>
+              <a:t>Move</a:t>
+            </a:r>
+            <a:r>
+              <a:rPr lang="es-PE" sz="1200" i="1" dirty="0" smtClean="0"/>
+              <a:t> </a:t>
+            </a:r>
+            <a:r>
+              <a:rPr lang="es-PE" sz="1200" i="1" dirty="0" err="1" smtClean="0"/>
+              <a:t>Method</a:t>
+            </a:r>
+            <a:r>
+              <a:rPr lang="es-PE" sz="1200" i="1" dirty="0" smtClean="0"/>
+              <a:t>, </a:t>
+            </a:r>
+            <a:r>
+              <a:rPr lang="es-PE" sz="1200" i="1" dirty="0" err="1" smtClean="0"/>
+              <a:t>Inline</a:t>
+            </a:r>
+            <a:r>
+              <a:rPr lang="es-PE" sz="1200" i="1" dirty="0" smtClean="0"/>
+              <a:t> </a:t>
+            </a:r>
+            <a:r>
+              <a:rPr lang="es-PE" sz="1200" i="1" dirty="0" err="1" smtClean="0"/>
+              <a:t>Method</a:t>
+            </a:r>
+            <a:r>
+              <a:rPr lang="es-PE" sz="1200" i="1" dirty="0" smtClean="0"/>
+              <a:t>, </a:t>
+            </a:r>
+            <a:r>
+              <a:rPr lang="es-PE" sz="1200" i="1" dirty="0" err="1" smtClean="0"/>
+              <a:t>Extract</a:t>
+            </a:r>
+            <a:r>
+              <a:rPr lang="es-PE" sz="1200" i="1" dirty="0" smtClean="0"/>
+              <a:t> Interface, </a:t>
+            </a:r>
+          </a:p>
+          <a:p>
+            <a:pPr algn="l"/>
+            <a:r>
+              <a:rPr lang="es-PE" sz="1200" i="1" dirty="0" err="1" smtClean="0"/>
+              <a:t>Replace</a:t>
+            </a:r>
+            <a:r>
+              <a:rPr lang="es-PE" sz="1200" i="1" dirty="0" smtClean="0"/>
+              <a:t> </a:t>
+            </a:r>
+            <a:r>
+              <a:rPr lang="es-PE" sz="1200" i="1" dirty="0" err="1" smtClean="0"/>
+              <a:t>Conditional</a:t>
+            </a:r>
+            <a:r>
+              <a:rPr lang="es-PE" sz="1200" i="1" dirty="0" smtClean="0"/>
+              <a:t> </a:t>
+            </a:r>
+            <a:r>
+              <a:rPr lang="es-PE" sz="1200" i="1" dirty="0" err="1" smtClean="0"/>
+              <a:t>with</a:t>
+            </a:r>
+            <a:r>
+              <a:rPr lang="es-PE" sz="1200" i="1" dirty="0" smtClean="0"/>
+              <a:t> </a:t>
+            </a:r>
+            <a:r>
+              <a:rPr lang="es-PE" sz="1200" i="1" dirty="0" err="1" smtClean="0"/>
+              <a:t>Polymorphism</a:t>
+            </a:r>
+            <a:r>
+              <a:rPr lang="es-PE" sz="1200" i="1" dirty="0" smtClean="0"/>
+              <a:t>, </a:t>
+            </a:r>
+            <a:r>
+              <a:rPr lang="es-PE" sz="1200" i="1" dirty="0" err="1" smtClean="0"/>
+              <a:t>etc</a:t>
+            </a:r>
+            <a:r>
+              <a:rPr lang="es-PE" sz="1200" i="1" dirty="0" smtClean="0"/>
+              <a:t>)</a:t>
+            </a:r>
+          </a:p>
+          <a:p>
+            <a:pPr algn="l"/>
             <a:endParaRPr lang="es-PE" dirty="0"/>
           </a:p>
         </p:txBody>
@@ -892,7 +998,7 @@
     </p:spTree>
     <p:extLst>
       <p:ext uri="{BB962C8B-B14F-4D97-AF65-F5344CB8AC3E}">
-        <p14:creationId xmlns:p14="http://schemas.microsoft.com/office/powerpoint/2010/main" val="1461112982"/>
+        <p14:creationId xmlns:p14="http://schemas.microsoft.com/office/powerpoint/2010/main" val="3614550747"/>
       </p:ext>
     </p:extLst>
   </p:cSld>
@@ -1138,112 +1244,6 @@
           <a:lstStyle/>
           <a:p>
             <a:pPr algn="l"/>
-            <a:r>
-              <a:rPr lang="es-PE" sz="1200" i="1" dirty="0" smtClean="0"/>
-              <a:t>Existe un gran catálogo de </a:t>
-            </a:r>
-            <a:r>
-              <a:rPr lang="es-PE" sz="1200" i="1" dirty="0" err="1" smtClean="0"/>
-              <a:t>refactorings</a:t>
-            </a:r>
-            <a:r>
-              <a:rPr lang="es-PE" sz="1200" i="1" baseline="0" dirty="0" smtClean="0"/>
-              <a:t> y la meta es tratar de practicar la mayor cantidad </a:t>
-            </a:r>
-            <a:endParaRPr lang="es-PE" sz="1200" i="1" dirty="0" smtClean="0"/>
-          </a:p>
-          <a:p>
-            <a:pPr algn="l"/>
-            <a:r>
-              <a:rPr lang="es-PE" sz="1200" i="1" dirty="0" smtClean="0"/>
-              <a:t>(</a:t>
-            </a:r>
-            <a:r>
-              <a:rPr lang="es-PE" sz="1200" i="1" dirty="0" err="1" smtClean="0"/>
-              <a:t>Move</a:t>
-            </a:r>
-            <a:r>
-              <a:rPr lang="es-PE" sz="1200" i="1" dirty="0" smtClean="0"/>
-              <a:t> </a:t>
-            </a:r>
-            <a:r>
-              <a:rPr lang="es-PE" sz="1200" i="1" dirty="0" err="1" smtClean="0"/>
-              <a:t>Method</a:t>
-            </a:r>
-            <a:r>
-              <a:rPr lang="es-PE" sz="1200" i="1" dirty="0" smtClean="0"/>
-              <a:t>, </a:t>
-            </a:r>
-            <a:r>
-              <a:rPr lang="es-PE" sz="1200" i="1" dirty="0" err="1" smtClean="0"/>
-              <a:t>Inline</a:t>
-            </a:r>
-            <a:r>
-              <a:rPr lang="es-PE" sz="1200" i="1" dirty="0" smtClean="0"/>
-              <a:t> </a:t>
-            </a:r>
-            <a:r>
-              <a:rPr lang="es-PE" sz="1200" i="1" dirty="0" err="1" smtClean="0"/>
-              <a:t>Method</a:t>
-            </a:r>
-            <a:r>
-              <a:rPr lang="es-PE" sz="1200" i="1" dirty="0" smtClean="0"/>
-              <a:t>, </a:t>
-            </a:r>
-            <a:r>
-              <a:rPr lang="es-PE" sz="1200" i="1" dirty="0" err="1" smtClean="0"/>
-              <a:t>Extract</a:t>
-            </a:r>
-            <a:r>
-              <a:rPr lang="es-PE" sz="1200" i="1" dirty="0" smtClean="0"/>
-              <a:t> Interface, </a:t>
-            </a:r>
-          </a:p>
-          <a:p>
-            <a:pPr algn="l"/>
-            <a:r>
-              <a:rPr lang="es-PE" sz="1200" i="1" dirty="0" err="1" smtClean="0"/>
-              <a:t>Replace</a:t>
-            </a:r>
-            <a:r>
-              <a:rPr lang="es-PE" sz="1200" i="1" dirty="0" smtClean="0"/>
-              <a:t> </a:t>
-            </a:r>
-            <a:r>
-              <a:rPr lang="es-PE" sz="1200" i="1" dirty="0" err="1" smtClean="0"/>
-              <a:t>Conditional</a:t>
-            </a:r>
-            <a:r>
-              <a:rPr lang="es-PE" sz="1200" i="1" dirty="0" smtClean="0"/>
-              <a:t> </a:t>
-            </a:r>
-            <a:r>
-              <a:rPr lang="es-PE" sz="1200" i="1" dirty="0" err="1" smtClean="0"/>
-              <a:t>with</a:t>
-            </a:r>
-            <a:r>
-              <a:rPr lang="es-PE" sz="1200" i="1" dirty="0" smtClean="0"/>
-              <a:t> </a:t>
-            </a:r>
-            <a:r>
-              <a:rPr lang="es-PE" sz="1200" i="1" dirty="0" err="1" smtClean="0"/>
-              <a:t>Polymorphism</a:t>
-            </a:r>
-            <a:r>
-              <a:rPr lang="es-PE" sz="1200" i="1" dirty="0" smtClean="0"/>
-              <a:t>, </a:t>
-            </a:r>
-            <a:r>
-              <a:rPr lang="es-PE" sz="1200" i="1" dirty="0" err="1" smtClean="0"/>
-              <a:t>etc</a:t>
-            </a:r>
-            <a:r>
-              <a:rPr lang="es-PE" sz="1200" i="1" dirty="0" smtClean="0"/>
-              <a:t>)</a:t>
-            </a:r>
-          </a:p>
-          <a:p>
-            <a:pPr algn="l"/>
             <a:endParaRPr lang="es-PE" dirty="0"/>
           </a:p>
         </p:txBody>
@@ -1413,7 +1413,6 @@
           <a:bodyPr/>
           <a:lstStyle/>
           <a:p>
-            <a:pPr algn="l"/>
             <a:endParaRPr lang="es-PE" dirty="0"/>
           </a:p>
         </p:txBody>
@@ -1444,7 +1443,7 @@
     </p:spTree>
     <p:extLst>
       <p:ext uri="{BB962C8B-B14F-4D97-AF65-F5344CB8AC3E}">
-        <p14:creationId xmlns:p14="http://schemas.microsoft.com/office/powerpoint/2010/main" val="3614550747"/>
+        <p14:creationId xmlns:p14="http://schemas.microsoft.com/office/powerpoint/2010/main" val="1461112982"/>
       </p:ext>
     </p:extLst>
   </p:cSld>
@@ -1498,7 +1497,12 @@
           <a:bodyPr/>
           <a:lstStyle/>
           <a:p>
-            <a:endParaRPr lang="es-PE" dirty="0"/>
+            <a:pPr algn="l"/>
+            <a:r>
+              <a:rPr lang="en-US" noProof="0" dirty="0" smtClean="0"/>
+              <a:t>Strategies for larger design changes.</a:t>
+            </a:r>
+            <a:endParaRPr lang="en-US" noProof="0" dirty="0"/>
           </a:p>
         </p:txBody>
       </p:sp>
@@ -1528,7 +1532,7 @@
     </p:spTree>
     <p:extLst>
       <p:ext uri="{BB962C8B-B14F-4D97-AF65-F5344CB8AC3E}">
-        <p14:creationId xmlns:p14="http://schemas.microsoft.com/office/powerpoint/2010/main" val="1461112982"/>
+        <p14:creationId xmlns:p14="http://schemas.microsoft.com/office/powerpoint/2010/main" val="3614550747"/>
       </p:ext>
     </p:extLst>
   </p:cSld>
@@ -1583,11 +1587,7 @@
           <a:lstStyle/>
           <a:p>
             <a:pPr algn="l"/>
-            <a:r>
-              <a:rPr lang="en-US" noProof="0" dirty="0" smtClean="0"/>
-              <a:t>Strategies for larger design changes.</a:t>
-            </a:r>
-            <a:endParaRPr lang="en-US" noProof="0" dirty="0"/>
+            <a:endParaRPr lang="es-PE" dirty="0"/>
           </a:p>
         </p:txBody>
       </p:sp>
@@ -2664,6 +2664,9 @@
           </p:cNvSpPr>
           <p:nvPr>
             <p:ph type="ctrTitle"/>
+            <p:custDataLst>
+              <p:tags r:id="rId1"/>
+            </p:custDataLst>
           </p:nvPr>
         </p:nvSpPr>
         <p:spPr>
@@ -2692,6 +2695,9 @@
           </p:cNvSpPr>
           <p:nvPr>
             <p:ph type="subTitle" idx="1"/>
+            <p:custDataLst>
+              <p:tags r:id="rId2"/>
+            </p:custDataLst>
           </p:nvPr>
         </p:nvSpPr>
         <p:spPr>
@@ -2811,6 +2817,9 @@
           </p:cNvSpPr>
           <p:nvPr>
             <p:ph type="dt" sz="half" idx="10"/>
+            <p:custDataLst>
+              <p:tags r:id="rId3"/>
+            </p:custDataLst>
           </p:nvPr>
         </p:nvSpPr>
         <p:spPr/>
@@ -2825,7 +2834,7 @@
             <a:fld id="{807CB568-C05F-482F-9F26-AA302B8892DF}" type="datetimeFigureOut">
               <a:rPr lang="es-ES" smtClean="0"/>
               <a:pPr/>
-              <a:t>10/10/2011</a:t>
+              <a:t>08/11/2011</a:t>
             </a:fld>
             <a:endParaRPr lang="es-ES"/>
           </a:p>
@@ -2839,6 +2848,9 @@
           </p:cNvSpPr>
           <p:nvPr>
             <p:ph type="ftr" sz="quarter" idx="11"/>
+            <p:custDataLst>
+              <p:tags r:id="rId4"/>
+            </p:custDataLst>
           </p:nvPr>
         </p:nvSpPr>
         <p:spPr/>
@@ -2862,6 +2874,9 @@
           </p:cNvSpPr>
           <p:nvPr>
             <p:ph type="sldNum" sz="quarter" idx="12"/>
+            <p:custDataLst>
+              <p:tags r:id="rId5"/>
+            </p:custDataLst>
           </p:nvPr>
         </p:nvSpPr>
         <p:spPr/>
@@ -2915,6 +2930,9 @@
           </p:cNvSpPr>
           <p:nvPr>
             <p:ph type="title"/>
+            <p:custDataLst>
+              <p:tags r:id="rId1"/>
+            </p:custDataLst>
           </p:nvPr>
         </p:nvSpPr>
         <p:spPr/>
@@ -2938,6 +2956,9 @@
           </p:cNvSpPr>
           <p:nvPr>
             <p:ph type="body" orient="vert" idx="1"/>
+            <p:custDataLst>
+              <p:tags r:id="rId2"/>
+            </p:custDataLst>
           </p:nvPr>
         </p:nvSpPr>
         <p:spPr/>
@@ -2990,6 +3011,9 @@
           </p:cNvSpPr>
           <p:nvPr>
             <p:ph type="dt" sz="half" idx="10"/>
+            <p:custDataLst>
+              <p:tags r:id="rId3"/>
+            </p:custDataLst>
           </p:nvPr>
         </p:nvSpPr>
         <p:spPr/>
@@ -3004,7 +3028,7 @@
             <a:fld id="{807CB568-C05F-482F-9F26-AA302B8892DF}" type="datetimeFigureOut">
               <a:rPr lang="es-ES" smtClean="0"/>
               <a:pPr/>
-              <a:t>10/10/2011</a:t>
+              <a:t>08/11/2011</a:t>
             </a:fld>
             <a:endParaRPr lang="es-ES"/>
           </a:p>
@@ -3018,6 +3042,9 @@
           </p:cNvSpPr>
           <p:nvPr>
             <p:ph type="ftr" sz="quarter" idx="11"/>
+            <p:custDataLst>
+              <p:tags r:id="rId4"/>
+            </p:custDataLst>
           </p:nvPr>
         </p:nvSpPr>
         <p:spPr/>
@@ -3041,6 +3068,9 @@
           </p:cNvSpPr>
           <p:nvPr>
             <p:ph type="sldNum" sz="quarter" idx="12"/>
+            <p:custDataLst>
+              <p:tags r:id="rId5"/>
+            </p:custDataLst>
           </p:nvPr>
         </p:nvSpPr>
         <p:spPr/>
@@ -3094,6 +3124,9 @@
           </p:cNvSpPr>
           <p:nvPr>
             <p:ph type="title" orient="vert"/>
+            <p:custDataLst>
+              <p:tags r:id="rId1"/>
+            </p:custDataLst>
           </p:nvPr>
         </p:nvSpPr>
         <p:spPr>
@@ -3122,6 +3155,9 @@
           </p:cNvSpPr>
           <p:nvPr>
             <p:ph type="body" orient="vert" idx="1"/>
+            <p:custDataLst>
+              <p:tags r:id="rId2"/>
+            </p:custDataLst>
           </p:nvPr>
         </p:nvSpPr>
         <p:spPr>
@@ -3179,6 +3215,9 @@
           </p:cNvSpPr>
           <p:nvPr>
             <p:ph type="dt" sz="half" idx="10"/>
+            <p:custDataLst>
+              <p:tags r:id="rId3"/>
+            </p:custDataLst>
           </p:nvPr>
         </p:nvSpPr>
         <p:spPr/>
@@ -3193,7 +3232,7 @@
             <a:fld id="{807CB568-C05F-482F-9F26-AA302B8892DF}" type="datetimeFigureOut">
               <a:rPr lang="es-ES" smtClean="0"/>
               <a:pPr/>
-              <a:t>10/10/2011</a:t>
+              <a:t>08/11/2011</a:t>
             </a:fld>
             <a:endParaRPr lang="es-ES"/>
           </a:p>
@@ -3207,6 +3246,9 @@
           </p:cNvSpPr>
           <p:nvPr>
             <p:ph type="ftr" sz="quarter" idx="11"/>
+            <p:custDataLst>
+              <p:tags r:id="rId4"/>
+            </p:custDataLst>
           </p:nvPr>
         </p:nvSpPr>
         <p:spPr/>
@@ -3230,6 +3272,9 @@
           </p:cNvSpPr>
           <p:nvPr>
             <p:ph type="sldNum" sz="quarter" idx="12"/>
+            <p:custDataLst>
+              <p:tags r:id="rId5"/>
+            </p:custDataLst>
           </p:nvPr>
         </p:nvSpPr>
         <p:spPr/>
@@ -3283,6 +3328,9 @@
           </p:cNvSpPr>
           <p:nvPr>
             <p:ph type="title"/>
+            <p:custDataLst>
+              <p:tags r:id="rId1"/>
+            </p:custDataLst>
           </p:nvPr>
         </p:nvSpPr>
         <p:spPr/>
@@ -3306,6 +3354,9 @@
           </p:cNvSpPr>
           <p:nvPr>
             <p:ph idx="1"/>
+            <p:custDataLst>
+              <p:tags r:id="rId2"/>
+            </p:custDataLst>
           </p:nvPr>
         </p:nvSpPr>
         <p:spPr/>
@@ -3358,6 +3409,9 @@
           </p:cNvSpPr>
           <p:nvPr>
             <p:ph type="dt" sz="half" idx="10"/>
+            <p:custDataLst>
+              <p:tags r:id="rId3"/>
+            </p:custDataLst>
           </p:nvPr>
         </p:nvSpPr>
         <p:spPr/>
@@ -3372,7 +3426,7 @@
             <a:fld id="{807CB568-C05F-482F-9F26-AA302B8892DF}" type="datetimeFigureOut">
               <a:rPr lang="es-ES" smtClean="0"/>
               <a:pPr/>
-              <a:t>10/10/2011</a:t>
+              <a:t>08/11/2011</a:t>
             </a:fld>
             <a:endParaRPr lang="es-ES"/>
           </a:p>
@@ -3386,6 +3440,9 @@
           </p:cNvSpPr>
           <p:nvPr>
             <p:ph type="ftr" sz="quarter" idx="11"/>
+            <p:custDataLst>
+              <p:tags r:id="rId4"/>
+            </p:custDataLst>
           </p:nvPr>
         </p:nvSpPr>
         <p:spPr/>
@@ -3409,6 +3466,9 @@
           </p:cNvSpPr>
           <p:nvPr>
             <p:ph type="sldNum" sz="quarter" idx="12"/>
+            <p:custDataLst>
+              <p:tags r:id="rId5"/>
+            </p:custDataLst>
           </p:nvPr>
         </p:nvSpPr>
         <p:spPr/>
@@ -3462,6 +3522,9 @@
           </p:cNvSpPr>
           <p:nvPr>
             <p:ph type="title"/>
+            <p:custDataLst>
+              <p:tags r:id="rId1"/>
+            </p:custDataLst>
           </p:nvPr>
         </p:nvSpPr>
         <p:spPr>
@@ -3494,6 +3557,9 @@
           </p:cNvSpPr>
           <p:nvPr>
             <p:ph type="body" idx="1"/>
+            <p:custDataLst>
+              <p:tags r:id="rId2"/>
+            </p:custDataLst>
           </p:nvPr>
         </p:nvSpPr>
         <p:spPr>
@@ -3613,6 +3679,9 @@
           </p:cNvSpPr>
           <p:nvPr>
             <p:ph type="dt" sz="half" idx="10"/>
+            <p:custDataLst>
+              <p:tags r:id="rId3"/>
+            </p:custDataLst>
           </p:nvPr>
         </p:nvSpPr>
         <p:spPr/>
@@ -3627,7 +3696,7 @@
             <a:fld id="{807CB568-C05F-482F-9F26-AA302B8892DF}" type="datetimeFigureOut">
               <a:rPr lang="es-ES" smtClean="0"/>
               <a:pPr/>
-              <a:t>10/10/2011</a:t>
+              <a:t>08/11/2011</a:t>
             </a:fld>
             <a:endParaRPr lang="es-ES"/>
           </a:p>
@@ -3641,6 +3710,9 @@
           </p:cNvSpPr>
           <p:nvPr>
             <p:ph type="ftr" sz="quarter" idx="11"/>
+            <p:custDataLst>
+              <p:tags r:id="rId4"/>
+            </p:custDataLst>
           </p:nvPr>
         </p:nvSpPr>
         <p:spPr/>
@@ -3664,6 +3736,9 @@
           </p:cNvSpPr>
           <p:nvPr>
             <p:ph type="sldNum" sz="quarter" idx="12"/>
+            <p:custDataLst>
+              <p:tags r:id="rId5"/>
+            </p:custDataLst>
           </p:nvPr>
         </p:nvSpPr>
         <p:spPr/>
@@ -3717,6 +3792,9 @@
           </p:cNvSpPr>
           <p:nvPr>
             <p:ph type="title"/>
+            <p:custDataLst>
+              <p:tags r:id="rId1"/>
+            </p:custDataLst>
           </p:nvPr>
         </p:nvSpPr>
         <p:spPr/>
@@ -3740,6 +3818,9 @@
           </p:cNvSpPr>
           <p:nvPr>
             <p:ph sz="half" idx="1"/>
+            <p:custDataLst>
+              <p:tags r:id="rId2"/>
+            </p:custDataLst>
           </p:nvPr>
         </p:nvSpPr>
         <p:spPr>
@@ -3825,6 +3906,9 @@
           </p:cNvSpPr>
           <p:nvPr>
             <p:ph sz="half" idx="2"/>
+            <p:custDataLst>
+              <p:tags r:id="rId3"/>
+            </p:custDataLst>
           </p:nvPr>
         </p:nvSpPr>
         <p:spPr>
@@ -3910,6 +3994,9 @@
           </p:cNvSpPr>
           <p:nvPr>
             <p:ph type="dt" sz="half" idx="10"/>
+            <p:custDataLst>
+              <p:tags r:id="rId4"/>
+            </p:custDataLst>
           </p:nvPr>
         </p:nvSpPr>
         <p:spPr/>
@@ -3924,7 +4011,7 @@
             <a:fld id="{807CB568-C05F-482F-9F26-AA302B8892DF}" type="datetimeFigureOut">
               <a:rPr lang="es-ES" smtClean="0"/>
               <a:pPr/>
-              <a:t>10/10/2011</a:t>
+              <a:t>08/11/2011</a:t>
             </a:fld>
             <a:endParaRPr lang="es-ES"/>
           </a:p>
@@ -3938,6 +4025,9 @@
           </p:cNvSpPr>
           <p:nvPr>
             <p:ph type="ftr" sz="quarter" idx="11"/>
+            <p:custDataLst>
+              <p:tags r:id="rId5"/>
+            </p:custDataLst>
           </p:nvPr>
         </p:nvSpPr>
         <p:spPr/>
@@ -3961,6 +4051,9 @@
           </p:cNvSpPr>
           <p:nvPr>
             <p:ph type="sldNum" sz="quarter" idx="12"/>
+            <p:custDataLst>
+              <p:tags r:id="rId6"/>
+            </p:custDataLst>
           </p:nvPr>
         </p:nvSpPr>
         <p:spPr/>
@@ -4014,6 +4107,9 @@
           </p:cNvSpPr>
           <p:nvPr>
             <p:ph type="title"/>
+            <p:custDataLst>
+              <p:tags r:id="rId1"/>
+            </p:custDataLst>
           </p:nvPr>
         </p:nvSpPr>
         <p:spPr/>
@@ -4041,6 +4137,9 @@
           </p:cNvSpPr>
           <p:nvPr>
             <p:ph type="body" idx="1"/>
+            <p:custDataLst>
+              <p:tags r:id="rId2"/>
+            </p:custDataLst>
           </p:nvPr>
         </p:nvSpPr>
         <p:spPr>
@@ -4106,6 +4205,9 @@
           </p:cNvSpPr>
           <p:nvPr>
             <p:ph sz="half" idx="2"/>
+            <p:custDataLst>
+              <p:tags r:id="rId3"/>
+            </p:custDataLst>
           </p:nvPr>
         </p:nvSpPr>
         <p:spPr>
@@ -4191,6 +4293,9 @@
           </p:cNvSpPr>
           <p:nvPr>
             <p:ph type="body" sz="quarter" idx="3"/>
+            <p:custDataLst>
+              <p:tags r:id="rId4"/>
+            </p:custDataLst>
           </p:nvPr>
         </p:nvSpPr>
         <p:spPr>
@@ -4256,6 +4361,9 @@
           </p:cNvSpPr>
           <p:nvPr>
             <p:ph sz="quarter" idx="4"/>
+            <p:custDataLst>
+              <p:tags r:id="rId5"/>
+            </p:custDataLst>
           </p:nvPr>
         </p:nvSpPr>
         <p:spPr>
@@ -4341,6 +4449,9 @@
           </p:cNvSpPr>
           <p:nvPr>
             <p:ph type="dt" sz="half" idx="10"/>
+            <p:custDataLst>
+              <p:tags r:id="rId6"/>
+            </p:custDataLst>
           </p:nvPr>
         </p:nvSpPr>
         <p:spPr/>
@@ -4355,7 +4466,7 @@
             <a:fld id="{807CB568-C05F-482F-9F26-AA302B8892DF}" type="datetimeFigureOut">
               <a:rPr lang="es-ES" smtClean="0"/>
               <a:pPr/>
-              <a:t>10/10/2011</a:t>
+              <a:t>08/11/2011</a:t>
             </a:fld>
             <a:endParaRPr lang="es-ES"/>
           </a:p>
@@ -4369,6 +4480,9 @@
           </p:cNvSpPr>
           <p:nvPr>
             <p:ph type="ftr" sz="quarter" idx="11"/>
+            <p:custDataLst>
+              <p:tags r:id="rId7"/>
+            </p:custDataLst>
           </p:nvPr>
         </p:nvSpPr>
         <p:spPr/>
@@ -4392,6 +4506,9 @@
           </p:cNvSpPr>
           <p:nvPr>
             <p:ph type="sldNum" sz="quarter" idx="12"/>
+            <p:custDataLst>
+              <p:tags r:id="rId8"/>
+            </p:custDataLst>
           </p:nvPr>
         </p:nvSpPr>
         <p:spPr/>
@@ -4445,6 +4562,9 @@
           </p:cNvSpPr>
           <p:nvPr>
             <p:ph type="title"/>
+            <p:custDataLst>
+              <p:tags r:id="rId1"/>
+            </p:custDataLst>
           </p:nvPr>
         </p:nvSpPr>
         <p:spPr/>
@@ -4468,6 +4588,9 @@
           </p:cNvSpPr>
           <p:nvPr>
             <p:ph type="dt" sz="half" idx="10"/>
+            <p:custDataLst>
+              <p:tags r:id="rId2"/>
+            </p:custDataLst>
           </p:nvPr>
         </p:nvSpPr>
         <p:spPr/>
@@ -4482,7 +4605,7 @@
             <a:fld id="{807CB568-C05F-482F-9F26-AA302B8892DF}" type="datetimeFigureOut">
               <a:rPr lang="es-ES" smtClean="0"/>
               <a:pPr/>
-              <a:t>10/10/2011</a:t>
+              <a:t>08/11/2011</a:t>
             </a:fld>
             <a:endParaRPr lang="es-ES"/>
           </a:p>
@@ -4496,6 +4619,9 @@
           </p:cNvSpPr>
           <p:nvPr>
             <p:ph type="ftr" sz="quarter" idx="11"/>
+            <p:custDataLst>
+              <p:tags r:id="rId3"/>
+            </p:custDataLst>
           </p:nvPr>
         </p:nvSpPr>
         <p:spPr/>
@@ -4519,6 +4645,9 @@
           </p:cNvSpPr>
           <p:nvPr>
             <p:ph type="sldNum" sz="quarter" idx="12"/>
+            <p:custDataLst>
+              <p:tags r:id="rId4"/>
+            </p:custDataLst>
           </p:nvPr>
         </p:nvSpPr>
         <p:spPr/>
@@ -4572,6 +4701,9 @@
           </p:cNvSpPr>
           <p:nvPr>
             <p:ph type="dt" sz="half" idx="10"/>
+            <p:custDataLst>
+              <p:tags r:id="rId1"/>
+            </p:custDataLst>
           </p:nvPr>
         </p:nvSpPr>
         <p:spPr/>
@@ -4586,7 +4718,7 @@
             <a:fld id="{807CB568-C05F-482F-9F26-AA302B8892DF}" type="datetimeFigureOut">
               <a:rPr lang="es-ES" smtClean="0"/>
               <a:pPr/>
-              <a:t>10/10/2011</a:t>
+              <a:t>08/11/2011</a:t>
             </a:fld>
             <a:endParaRPr lang="es-ES"/>
           </a:p>
@@ -4600,6 +4732,9 @@
           </p:cNvSpPr>
           <p:nvPr>
             <p:ph type="ftr" sz="quarter" idx="11"/>
+            <p:custDataLst>
+              <p:tags r:id="rId2"/>
+            </p:custDataLst>
           </p:nvPr>
         </p:nvSpPr>
         <p:spPr/>
@@ -4623,6 +4758,9 @@
           </p:cNvSpPr>
           <p:nvPr>
             <p:ph type="sldNum" sz="quarter" idx="12"/>
+            <p:custDataLst>
+              <p:tags r:id="rId3"/>
+            </p:custDataLst>
           </p:nvPr>
         </p:nvSpPr>
         <p:spPr/>
@@ -4676,6 +4814,9 @@
           </p:cNvSpPr>
           <p:nvPr>
             <p:ph type="title"/>
+            <p:custDataLst>
+              <p:tags r:id="rId1"/>
+            </p:custDataLst>
           </p:nvPr>
         </p:nvSpPr>
         <p:spPr>
@@ -4708,6 +4849,9 @@
           </p:cNvSpPr>
           <p:nvPr>
             <p:ph idx="1"/>
+            <p:custDataLst>
+              <p:tags r:id="rId2"/>
+            </p:custDataLst>
           </p:nvPr>
         </p:nvSpPr>
         <p:spPr>
@@ -4793,6 +4937,9 @@
           </p:cNvSpPr>
           <p:nvPr>
             <p:ph type="body" sz="half" idx="2"/>
+            <p:custDataLst>
+              <p:tags r:id="rId3"/>
+            </p:custDataLst>
           </p:nvPr>
         </p:nvSpPr>
         <p:spPr>
@@ -4858,6 +5005,9 @@
           </p:cNvSpPr>
           <p:nvPr>
             <p:ph type="dt" sz="half" idx="10"/>
+            <p:custDataLst>
+              <p:tags r:id="rId4"/>
+            </p:custDataLst>
           </p:nvPr>
         </p:nvSpPr>
         <p:spPr/>
@@ -4872,7 +5022,7 @@
             <a:fld id="{807CB568-C05F-482F-9F26-AA302B8892DF}" type="datetimeFigureOut">
               <a:rPr lang="es-ES" smtClean="0"/>
               <a:pPr/>
-              <a:t>10/10/2011</a:t>
+              <a:t>08/11/2011</a:t>
             </a:fld>
             <a:endParaRPr lang="es-ES"/>
           </a:p>
@@ -4886,6 +5036,9 @@
           </p:cNvSpPr>
           <p:nvPr>
             <p:ph type="ftr" sz="quarter" idx="11"/>
+            <p:custDataLst>
+              <p:tags r:id="rId5"/>
+            </p:custDataLst>
           </p:nvPr>
         </p:nvSpPr>
         <p:spPr/>
@@ -4909,6 +5062,9 @@
           </p:cNvSpPr>
           <p:nvPr>
             <p:ph type="sldNum" sz="quarter" idx="12"/>
+            <p:custDataLst>
+              <p:tags r:id="rId6"/>
+            </p:custDataLst>
           </p:nvPr>
         </p:nvSpPr>
         <p:spPr/>
@@ -4962,6 +5118,9 @@
           </p:cNvSpPr>
           <p:nvPr>
             <p:ph type="title"/>
+            <p:custDataLst>
+              <p:tags r:id="rId1"/>
+            </p:custDataLst>
           </p:nvPr>
         </p:nvSpPr>
         <p:spPr>
@@ -4994,6 +5153,9 @@
           </p:cNvSpPr>
           <p:nvPr>
             <p:ph type="pic" idx="1"/>
+            <p:custDataLst>
+              <p:tags r:id="rId2"/>
+            </p:custDataLst>
           </p:nvPr>
         </p:nvSpPr>
         <p:spPr>
@@ -5062,6 +5224,9 @@
           </p:cNvSpPr>
           <p:nvPr>
             <p:ph type="body" sz="half" idx="2"/>
+            <p:custDataLst>
+              <p:tags r:id="rId3"/>
+            </p:custDataLst>
           </p:nvPr>
         </p:nvSpPr>
         <p:spPr>
@@ -5127,6 +5292,9 @@
           </p:cNvSpPr>
           <p:nvPr>
             <p:ph type="dt" sz="half" idx="10"/>
+            <p:custDataLst>
+              <p:tags r:id="rId4"/>
+            </p:custDataLst>
           </p:nvPr>
         </p:nvSpPr>
         <p:spPr/>
@@ -5141,7 +5309,7 @@
             <a:fld id="{807CB568-C05F-482F-9F26-AA302B8892DF}" type="datetimeFigureOut">
               <a:rPr lang="es-ES" smtClean="0"/>
               <a:pPr/>
-              <a:t>10/10/2011</a:t>
+              <a:t>08/11/2011</a:t>
             </a:fld>
             <a:endParaRPr lang="es-ES"/>
           </a:p>
@@ -5155,6 +5323,9 @@
           </p:cNvSpPr>
           <p:nvPr>
             <p:ph type="ftr" sz="quarter" idx="11"/>
+            <p:custDataLst>
+              <p:tags r:id="rId5"/>
+            </p:custDataLst>
           </p:nvPr>
         </p:nvSpPr>
         <p:spPr/>
@@ -5178,6 +5349,9 @@
           </p:cNvSpPr>
           <p:nvPr>
             <p:ph type="sldNum" sz="quarter" idx="12"/>
+            <p:custDataLst>
+              <p:tags r:id="rId6"/>
+            </p:custDataLst>
           </p:nvPr>
         </p:nvSpPr>
         <p:spPr/>
@@ -5212,7 +5386,7 @@
     <p:bg>
       <p:bgPr>
         <a:blipFill dpi="0" rotWithShape="1">
-          <a:blip r:embed="rId13" cstate="print">
+          <a:blip r:embed="rId18" cstate="print">
             <a:lum/>
           </a:blip>
           <a:srcRect/>
@@ -5245,6 +5419,9 @@
           </p:cNvSpPr>
           <p:nvPr>
             <p:ph type="title"/>
+            <p:custDataLst>
+              <p:tags r:id="rId13"/>
+            </p:custDataLst>
           </p:nvPr>
         </p:nvSpPr>
         <p:spPr bwMode="auto">
@@ -5287,6 +5464,9 @@
           </p:cNvSpPr>
           <p:nvPr>
             <p:ph type="body" idx="1"/>
+            <p:custDataLst>
+              <p:tags r:id="rId14"/>
+            </p:custDataLst>
           </p:nvPr>
         </p:nvSpPr>
         <p:spPr bwMode="auto">
@@ -5357,6 +5537,9 @@
           </p:cNvSpPr>
           <p:nvPr>
             <p:ph type="dt" sz="half" idx="2"/>
+            <p:custDataLst>
+              <p:tags r:id="rId15"/>
+            </p:custDataLst>
           </p:nvPr>
         </p:nvSpPr>
         <p:spPr>
@@ -5392,7 +5575,7 @@
             <a:fld id="{807CB568-C05F-482F-9F26-AA302B8892DF}" type="datetimeFigureOut">
               <a:rPr lang="es-ES" smtClean="0"/>
               <a:pPr/>
-              <a:t>10/10/2011</a:t>
+              <a:t>08/11/2011</a:t>
             </a:fld>
             <a:endParaRPr lang="es-ES"/>
           </a:p>
@@ -5406,6 +5589,9 @@
           </p:cNvSpPr>
           <p:nvPr>
             <p:ph type="ftr" sz="quarter" idx="3"/>
+            <p:custDataLst>
+              <p:tags r:id="rId16"/>
+            </p:custDataLst>
           </p:nvPr>
         </p:nvSpPr>
         <p:spPr>
@@ -5450,6 +5636,9 @@
           </p:cNvSpPr>
           <p:nvPr>
             <p:ph type="sldNum" sz="quarter" idx="4"/>
+            <p:custDataLst>
+              <p:tags r:id="rId17"/>
+            </p:custDataLst>
           </p:nvPr>
         </p:nvSpPr>
         <p:spPr>
@@ -5895,7 +6084,7 @@
     <p:bg>
       <p:bgPr>
         <a:blipFill dpi="0" rotWithShape="1">
-          <a:blip r:embed="rId3" cstate="print">
+          <a:blip r:embed="rId9" cstate="print">
             <a:lum/>
           </a:blip>
           <a:srcRect/>
@@ -5928,6 +6117,9 @@
           </p:cNvSpPr>
           <p:nvPr>
             <p:ph type="ctrTitle"/>
+            <p:custDataLst>
+              <p:tags r:id="rId2"/>
+            </p:custDataLst>
           </p:nvPr>
         </p:nvSpPr>
         <p:spPr>
@@ -5966,11 +6158,15 @@
           <p:cNvSpPr txBox="1">
             <a:spLocks/>
           </p:cNvSpPr>
-          <p:nvPr/>
+          <p:nvPr>
+            <p:custDataLst>
+              <p:tags r:id="rId3"/>
+            </p:custDataLst>
+          </p:nvPr>
         </p:nvSpPr>
         <p:spPr bwMode="auto">
           <a:xfrm>
-            <a:off x="179512" y="5407164"/>
+            <a:off x="493195" y="4615076"/>
             <a:ext cx="3214709" cy="515717"/>
           </a:xfrm>
           <a:prstGeom prst="rect">
@@ -6033,12 +6229,16 @@
           <p:cNvSpPr>
             <a:spLocks noChangeArrowheads="1"/>
           </p:cNvSpPr>
-          <p:nvPr/>
+          <p:nvPr>
+            <p:custDataLst>
+              <p:tags r:id="rId4"/>
+            </p:custDataLst>
+          </p:nvPr>
         </p:nvSpPr>
         <p:spPr bwMode="auto">
           <a:xfrm>
-            <a:off x="3715072" y="5157192"/>
-            <a:ext cx="5105400" cy="1015663"/>
+            <a:off x="3715072" y="4518992"/>
+            <a:ext cx="5105400" cy="707886"/>
           </a:xfrm>
           <a:prstGeom prst="rect">
             <a:avLst/>
@@ -6086,7 +6286,7 @@
                 <a:ea typeface="Calibri" pitchFamily="34" charset="0"/>
                 <a:cs typeface="Arial" pitchFamily="34" charset="0"/>
               </a:rPr>
-              <a:t>asnahider@gmail.com</a:t>
+              <a:t>snahider@gmail.com</a:t>
             </a:r>
             <a:endParaRPr lang="en-US" sz="2000" dirty="0">
               <a:solidFill>
@@ -6098,47 +6298,7 @@
             </a:endParaRPr>
           </a:p>
           <a:p>
-            <a:pPr lvl="0" algn="r" eaLnBrk="0" fontAlgn="base" hangingPunct="0">
-              <a:spcBef>
-                <a:spcPct val="0"/>
-              </a:spcBef>
-              <a:spcAft>
-                <a:spcPct val="0"/>
-              </a:spcAft>
-            </a:pPr>
-            <a:r>
-              <a:rPr lang="en-US" sz="2000" dirty="0" smtClean="0">
-                <a:latin typeface="Trebuchet MS" pitchFamily="34" charset="0"/>
-                <a:ea typeface="Calibri" pitchFamily="34" charset="0"/>
-                <a:cs typeface="Arial" pitchFamily="34" charset="0"/>
-              </a:rPr>
-              <a:t>Blog: </a:t>
-            </a:r>
-            <a:r>
-              <a:rPr lang="en-US" sz="2000" dirty="0">
-                <a:solidFill>
-                  <a:srgbClr val="FFC000"/>
-                </a:solidFill>
-                <a:latin typeface="Trebuchet MS" pitchFamily="34" charset="0"/>
-                <a:ea typeface="Calibri" pitchFamily="34" charset="0"/>
-                <a:cs typeface="Arial" pitchFamily="34" charset="0"/>
-              </a:rPr>
-              <a:t>http://</a:t>
-            </a:r>
-            <a:r>
-              <a:rPr lang="en-US" sz="2000" dirty="0" smtClean="0">
-                <a:solidFill>
-                  <a:srgbClr val="FFC000"/>
-                </a:solidFill>
-                <a:latin typeface="Trebuchet MS" pitchFamily="34" charset="0"/>
-                <a:ea typeface="Calibri" pitchFamily="34" charset="0"/>
-                <a:cs typeface="Arial" pitchFamily="34" charset="0"/>
-              </a:rPr>
-              <a:t>snahider.blogspot.com</a:t>
-            </a:r>
-          </a:p>
-          <a:p>
-            <a:pPr lvl="0" algn="r" eaLnBrk="0" fontAlgn="base" hangingPunct="0">
+            <a:pPr lvl="0" algn="r" fontAlgn="base">
               <a:spcBef>
                 <a:spcPct val="0"/>
               </a:spcBef>
@@ -6189,7 +6349,229 @@
           </a:p>
         </p:txBody>
       </p:sp>
+      <p:sp>
+        <p:nvSpPr>
+          <p:cNvPr id="6" name="2 Subtítulo"/>
+          <p:cNvSpPr txBox="1">
+            <a:spLocks/>
+          </p:cNvSpPr>
+          <p:nvPr>
+            <p:custDataLst>
+              <p:tags r:id="rId5"/>
+            </p:custDataLst>
+          </p:nvPr>
+        </p:nvSpPr>
+        <p:spPr bwMode="auto">
+          <a:xfrm>
+            <a:off x="327586" y="5800409"/>
+            <a:ext cx="3812365" cy="515717"/>
+          </a:xfrm>
+          <a:prstGeom prst="rect">
+            <a:avLst/>
+          </a:prstGeom>
+          <a:noFill/>
+          <a:ln w="9525">
+            <a:noFill/>
+            <a:miter lim="800000"/>
+            <a:headEnd/>
+            <a:tailEnd/>
+          </a:ln>
+        </p:spPr>
+        <p:txBody>
+          <a:bodyPr vert="horz" wrap="square" lIns="91440" tIns="45720" rIns="91440" bIns="45720" numCol="1" rtlCol="0" anchor="t" anchorCtr="0" compatLnSpc="1">
+            <a:prstTxWarp prst="textNoShape">
+              <a:avLst/>
+            </a:prstTxWarp>
+            <a:noAutofit/>
+          </a:bodyPr>
+          <a:lstStyle/>
+          <a:p>
+            <a:pPr marL="0" marR="0" lvl="0" indent="0" algn="ctr" defTabSz="914400" rtl="0" eaLnBrk="1" fontAlgn="auto" latinLnBrk="0" hangingPunct="1">
+              <a:lnSpc>
+                <a:spcPct val="100000"/>
+              </a:lnSpc>
+              <a:spcBef>
+                <a:spcPct val="20000"/>
+              </a:spcBef>
+              <a:spcAft>
+                <a:spcPts val="0"/>
+              </a:spcAft>
+              <a:buClrTx/>
+              <a:buSzTx/>
+              <a:buFont typeface="Arial" pitchFamily="34" charset="0"/>
+              <a:buNone/>
+              <a:tabLst/>
+              <a:defRPr/>
+            </a:pPr>
+            <a:r>
+              <a:rPr kumimoji="0" lang="es-PE" sz="2600" b="1" i="0" u="none" strike="noStrike" kern="1200" cap="none" spc="0" normalizeH="0" baseline="0" noProof="0" dirty="0" smtClean="0">
+                <a:ln>
+                  <a:noFill/>
+                </a:ln>
+                <a:solidFill>
+                  <a:srgbClr val="00B050"/>
+                </a:solidFill>
+                <a:effectLst/>
+                <a:uLnTx/>
+                <a:uFillTx/>
+              </a:rPr>
+              <a:t>Gustavo</a:t>
+            </a:r>
+            <a:r>
+              <a:rPr kumimoji="0" lang="es-PE" sz="2600" b="1" i="0" u="none" strike="noStrike" kern="1200" cap="none" spc="0" normalizeH="0" noProof="0" dirty="0" smtClean="0">
+                <a:ln>
+                  <a:noFill/>
+                </a:ln>
+                <a:solidFill>
+                  <a:srgbClr val="00B050"/>
+                </a:solidFill>
+                <a:effectLst/>
+                <a:uLnTx/>
+                <a:uFillTx/>
+              </a:rPr>
+              <a:t> Quiroz Madueño</a:t>
+            </a:r>
+            <a:endParaRPr kumimoji="0" lang="es-PE" sz="2600" b="1" i="0" u="none" strike="noStrike" kern="1200" cap="none" spc="0" normalizeH="0" baseline="0" noProof="0" dirty="0" smtClean="0">
+              <a:ln>
+                <a:noFill/>
+              </a:ln>
+              <a:solidFill>
+                <a:srgbClr val="00B050"/>
+              </a:solidFill>
+              <a:effectLst/>
+              <a:uLnTx/>
+              <a:uFillTx/>
+            </a:endParaRPr>
+          </a:p>
+        </p:txBody>
+      </p:sp>
+      <p:sp>
+        <p:nvSpPr>
+          <p:cNvPr id="8" name="Rectangle 1"/>
+          <p:cNvSpPr>
+            <a:spLocks noChangeArrowheads="1"/>
+          </p:cNvSpPr>
+          <p:nvPr>
+            <p:custDataLst>
+              <p:tags r:id="rId6"/>
+            </p:custDataLst>
+          </p:nvPr>
+        </p:nvSpPr>
+        <p:spPr bwMode="auto">
+          <a:xfrm>
+            <a:off x="3863147" y="5704325"/>
+            <a:ext cx="5105400" cy="707886"/>
+          </a:xfrm>
+          <a:prstGeom prst="rect">
+            <a:avLst/>
+          </a:prstGeom>
+          <a:noFill/>
+          <a:ln w="9525">
+            <a:noFill/>
+            <a:miter lim="800000"/>
+            <a:headEnd/>
+            <a:tailEnd/>
+          </a:ln>
+          <a:effectLst/>
+        </p:spPr>
+        <p:txBody>
+          <a:bodyPr vert="horz" wrap="square" lIns="91440" tIns="45720" rIns="91440" bIns="45720" numCol="1" anchor="ctr" anchorCtr="0" compatLnSpc="1">
+            <a:prstTxWarp prst="textNoShape">
+              <a:avLst/>
+            </a:prstTxWarp>
+            <a:spAutoFit/>
+          </a:bodyPr>
+          <a:lstStyle/>
+          <a:p>
+            <a:pPr lvl="0" algn="r" fontAlgn="base">
+              <a:spcBef>
+                <a:spcPct val="0"/>
+              </a:spcBef>
+              <a:spcAft>
+                <a:spcPct val="0"/>
+              </a:spcAft>
+            </a:pPr>
+            <a:r>
+              <a:rPr lang="en-US" sz="2000" dirty="0" smtClean="0">
+                <a:latin typeface="Trebuchet MS" pitchFamily="34" charset="0"/>
+                <a:ea typeface="Calibri" pitchFamily="34" charset="0"/>
+                <a:cs typeface="Arial" pitchFamily="34" charset="0"/>
+              </a:rPr>
+              <a:t>Email: </a:t>
+            </a:r>
+            <a:r>
+              <a:rPr lang="en-US" sz="2000" dirty="0" smtClean="0">
+                <a:solidFill>
+                  <a:srgbClr val="FFC000"/>
+                </a:solidFill>
+                <a:latin typeface="Trebuchet MS" pitchFamily="34" charset="0"/>
+                <a:ea typeface="Calibri" pitchFamily="34" charset="0"/>
+                <a:cs typeface="Arial" pitchFamily="34" charset="0"/>
+              </a:rPr>
+              <a:t>gquiroz@gmail.com</a:t>
+            </a:r>
+            <a:endParaRPr lang="en-US" sz="2000" dirty="0">
+              <a:solidFill>
+                <a:srgbClr val="FFC000"/>
+              </a:solidFill>
+              <a:latin typeface="Trebuchet MS" pitchFamily="34" charset="0"/>
+              <a:ea typeface="Calibri" pitchFamily="34" charset="0"/>
+              <a:cs typeface="Arial" pitchFamily="34" charset="0"/>
+            </a:endParaRPr>
+          </a:p>
+          <a:p>
+            <a:pPr lvl="0" algn="r" eaLnBrk="0" fontAlgn="base" hangingPunct="0">
+              <a:spcBef>
+                <a:spcPct val="0"/>
+              </a:spcBef>
+              <a:spcAft>
+                <a:spcPct val="0"/>
+              </a:spcAft>
+            </a:pPr>
+            <a:r>
+              <a:rPr lang="en-US" sz="2000" dirty="0" smtClean="0">
+                <a:latin typeface="Trebuchet MS" pitchFamily="34" charset="0"/>
+                <a:ea typeface="Calibri" pitchFamily="34" charset="0"/>
+                <a:cs typeface="Arial" pitchFamily="34" charset="0"/>
+              </a:rPr>
+              <a:t>Twitter: </a:t>
+            </a:r>
+            <a:r>
+              <a:rPr lang="en-US" sz="2000" dirty="0" smtClean="0">
+                <a:solidFill>
+                  <a:srgbClr val="FFC000"/>
+                </a:solidFill>
+                <a:latin typeface="Trebuchet MS" pitchFamily="34" charset="0"/>
+                <a:ea typeface="Calibri" pitchFamily="34" charset="0"/>
+                <a:cs typeface="Arial" pitchFamily="34" charset="0"/>
+              </a:rPr>
+              <a:t>@</a:t>
+            </a:r>
+            <a:r>
+              <a:rPr lang="en-US" sz="2000" dirty="0" err="1" smtClean="0">
+                <a:solidFill>
+                  <a:srgbClr val="FFC000"/>
+                </a:solidFill>
+                <a:latin typeface="Trebuchet MS" pitchFamily="34" charset="0"/>
+                <a:ea typeface="Calibri" pitchFamily="34" charset="0"/>
+                <a:cs typeface="Arial" pitchFamily="34" charset="0"/>
+              </a:rPr>
+              <a:t>quiroz_gustavo</a:t>
+            </a:r>
+            <a:endParaRPr lang="en-US" sz="2000" dirty="0" smtClean="0">
+              <a:solidFill>
+                <a:srgbClr val="FFC000"/>
+              </a:solidFill>
+              <a:latin typeface="Trebuchet MS" pitchFamily="34" charset="0"/>
+              <a:cs typeface="Arial" pitchFamily="34" charset="0"/>
+            </a:endParaRPr>
+          </a:p>
+        </p:txBody>
+      </p:sp>
     </p:spTree>
+    <p:custDataLst>
+      <p:tags r:id="rId1"/>
+    </p:custDataLst>
   </p:cSld>
   <p:clrMapOvr>
     <a:masterClrMapping/>
@@ -6229,6 +6611,9 @@
           </p:cNvSpPr>
           <p:nvPr>
             <p:ph type="title"/>
+            <p:custDataLst>
+              <p:tags r:id="rId2"/>
+            </p:custDataLst>
           </p:nvPr>
         </p:nvSpPr>
         <p:spPr>
@@ -6261,7 +6646,11 @@
         <p:nvSpPr>
           <p:cNvPr id="2" name="1 CuadroTexto"/>
           <p:cNvSpPr txBox="1"/>
-          <p:nvPr/>
+          <p:nvPr>
+            <p:custDataLst>
+              <p:tags r:id="rId3"/>
+            </p:custDataLst>
+          </p:nvPr>
         </p:nvSpPr>
         <p:spPr>
           <a:xfrm>
@@ -6329,10 +6718,14 @@
           <p:cNvPicPr>
             <a:picLocks noChangeAspect="1"/>
           </p:cNvPicPr>
-          <p:nvPr/>
+          <p:nvPr>
+            <p:custDataLst>
+              <p:tags r:id="rId4"/>
+            </p:custDataLst>
+          </p:nvPr>
         </p:nvPicPr>
         <p:blipFill rotWithShape="1">
-          <a:blip r:embed="rId3" cstate="print">
+          <a:blip r:embed="rId7" cstate="print">
             <a:extLst>
               <a:ext uri="{28A0092B-C50C-407E-A947-70E740481C1C}">
                 <a14:useLocalDpi xmlns:a14="http://schemas.microsoft.com/office/drawing/2010/main" val="0"/>
@@ -6359,6 +6752,9 @@
         </p:spPr>
       </p:pic>
     </p:spTree>
+    <p:custDataLst>
+      <p:tags r:id="rId1"/>
+    </p:custDataLst>
     <p:extLst>
       <p:ext uri="{BB962C8B-B14F-4D97-AF65-F5344CB8AC3E}">
         <p14:creationId xmlns:p14="http://schemas.microsoft.com/office/powerpoint/2010/main" val="1123983067"/>
@@ -6379,163 +6775,6 @@
 </file>
 
 <file path=ppt/slides/slide11.xml><?xml version="1.0" encoding="utf-8"?>
-<p:sld xmlns:a="http://schemas.openxmlformats.org/drawingml/2006/main" xmlns:r="http://schemas.openxmlformats.org/officeDocument/2006/relationships" xmlns:p="http://schemas.openxmlformats.org/presentationml/2006/main">
-  <p:cSld>
-    <p:spTree>
-      <p:nvGrpSpPr>
-        <p:cNvPr id="1" name=""/>
-        <p:cNvGrpSpPr/>
-        <p:nvPr/>
-      </p:nvGrpSpPr>
-      <p:grpSpPr>
-        <a:xfrm>
-          <a:off x="0" y="0"/>
-          <a:ext cx="0" cy="0"/>
-          <a:chOff x="0" y="0"/>
-          <a:chExt cx="0" cy="0"/>
-        </a:xfrm>
-      </p:grpSpPr>
-      <p:sp>
-        <p:nvSpPr>
-          <p:cNvPr id="18" name="1 Título"/>
-          <p:cNvSpPr>
-            <a:spLocks noGrp="1"/>
-          </p:cNvSpPr>
-          <p:nvPr>
-            <p:ph type="title"/>
-          </p:nvPr>
-        </p:nvSpPr>
-        <p:spPr>
-          <a:xfrm>
-            <a:off x="457200" y="162000"/>
-            <a:ext cx="8229600" cy="792088"/>
-          </a:xfrm>
-        </p:spPr>
-        <p:txBody>
-          <a:bodyPr/>
-          <a:lstStyle/>
-          <a:p>
-            <a:r>
-              <a:rPr lang="es-PE" sz="4800" dirty="0" err="1" smtClean="0">
-                <a:solidFill>
-                  <a:srgbClr val="FF0000"/>
-                </a:solidFill>
-              </a:rPr>
-              <a:t>Feedback</a:t>
-            </a:r>
-            <a:endParaRPr lang="es-PE" sz="4800" dirty="0">
-              <a:solidFill>
-                <a:srgbClr val="FF0000"/>
-              </a:solidFill>
-            </a:endParaRPr>
-          </a:p>
-        </p:txBody>
-      </p:sp>
-      <p:sp>
-        <p:nvSpPr>
-          <p:cNvPr id="2" name="1 CuadroTexto"/>
-          <p:cNvSpPr txBox="1"/>
-          <p:nvPr/>
-        </p:nvSpPr>
-        <p:spPr>
-          <a:xfrm>
-            <a:off x="3347864" y="1208941"/>
-            <a:ext cx="5400600" cy="4031873"/>
-          </a:xfrm>
-          <a:prstGeom prst="rect">
-            <a:avLst/>
-          </a:prstGeom>
-          <a:noFill/>
-        </p:spPr>
-        <p:txBody>
-          <a:bodyPr wrap="square" rtlCol="0">
-            <a:spAutoFit/>
-          </a:bodyPr>
-          <a:lstStyle/>
-          <a:p>
-            <a:pPr algn="ctr"/>
-            <a:r>
-              <a:rPr lang="es-PE" sz="3200" dirty="0" smtClean="0"/>
-              <a:t>Nadie puede pasar por la puerta sin dejar algún tipo de idea, comentario o </a:t>
-            </a:r>
-            <a:r>
-              <a:rPr lang="es-PE" sz="3200" dirty="0" err="1" smtClean="0"/>
-              <a:t>feedkback</a:t>
-            </a:r>
-            <a:r>
-              <a:rPr lang="es-PE" sz="3200" dirty="0" smtClean="0"/>
-              <a:t>.</a:t>
-            </a:r>
-          </a:p>
-          <a:p>
-            <a:pPr algn="ctr"/>
-            <a:endParaRPr lang="es-PE" sz="3200" dirty="0"/>
-          </a:p>
-          <a:p>
-            <a:pPr algn="ctr"/>
-            <a:r>
-              <a:rPr lang="es-PE" sz="3200" dirty="0" smtClean="0"/>
-              <a:t>No importa que sea un problema elemental o una carita feliz, deben poner algo en la </a:t>
-            </a:r>
-            <a:r>
-              <a:rPr lang="es-PE" sz="3200" dirty="0" smtClean="0"/>
-              <a:t>puerta.</a:t>
-            </a:r>
-            <a:endParaRPr lang="es-PE" sz="3200" dirty="0" smtClean="0"/>
-          </a:p>
-        </p:txBody>
-      </p:sp>
-      <p:pic>
-        <p:nvPicPr>
-          <p:cNvPr id="4" name="3 Imagen"/>
-          <p:cNvPicPr>
-            <a:picLocks noChangeAspect="1"/>
-          </p:cNvPicPr>
-          <p:nvPr/>
-        </p:nvPicPr>
-        <p:blipFill>
-          <a:blip r:embed="rId3">
-            <a:extLst>
-              <a:ext uri="{28A0092B-C50C-407E-A947-70E740481C1C}">
-                <a14:useLocalDpi xmlns:a14="http://schemas.microsoft.com/office/drawing/2010/main" val="0"/>
-              </a:ext>
-            </a:extLst>
-          </a:blip>
-          <a:stretch>
-            <a:fillRect/>
-          </a:stretch>
-        </p:blipFill>
-        <p:spPr>
-          <a:xfrm>
-            <a:off x="591840" y="1556792"/>
-            <a:ext cx="2540000" cy="3390900"/>
-          </a:xfrm>
-          <a:prstGeom prst="rect">
-            <a:avLst/>
-          </a:prstGeom>
-        </p:spPr>
-      </p:pic>
-    </p:spTree>
-    <p:extLst>
-      <p:ext uri="{BB962C8B-B14F-4D97-AF65-F5344CB8AC3E}">
-        <p14:creationId xmlns:p14="http://schemas.microsoft.com/office/powerpoint/2010/main" val="436303969"/>
-      </p:ext>
-    </p:extLst>
-  </p:cSld>
-  <p:clrMapOvr>
-    <a:masterClrMapping/>
-  </p:clrMapOvr>
-  <p:timing>
-    <p:tnLst>
-      <p:par>
-        <p:cTn id="1" dur="indefinite" restart="never" nodeType="tmRoot"/>
-      </p:par>
-    </p:tnLst>
-  </p:timing>
-</p:sld>
-</file>
-
-<file path=ppt/slides/slide12.xml><?xml version="1.0" encoding="utf-8"?>
 <p:sld xmlns:a="http://schemas.openxmlformats.org/drawingml/2006/main" xmlns:r="http://schemas.openxmlformats.org/officeDocument/2006/relationships" xmlns:p="http://schemas.openxmlformats.org/presentationml/2006/main">
   <p:cSld>
     <p:spTree>
@@ -6558,10 +6797,14 @@
           <p:cNvPicPr>
             <a:picLocks noChangeAspect="1"/>
           </p:cNvPicPr>
-          <p:nvPr/>
+          <p:nvPr>
+            <p:custDataLst>
+              <p:tags r:id="rId2"/>
+            </p:custDataLst>
+          </p:nvPr>
         </p:nvPicPr>
         <p:blipFill>
-          <a:blip r:embed="rId3" cstate="print">
+          <a:blip r:embed="rId6" cstate="print">
             <a:extLst>
               <a:ext uri="{28A0092B-C50C-407E-A947-70E740481C1C}">
                 <a14:useLocalDpi xmlns:a14="http://schemas.microsoft.com/office/drawing/2010/main" val="0"/>
@@ -6590,6 +6833,9 @@
           </p:cNvSpPr>
           <p:nvPr>
             <p:ph type="ctrTitle"/>
+            <p:custDataLst>
+              <p:tags r:id="rId3"/>
+            </p:custDataLst>
           </p:nvPr>
         </p:nvSpPr>
         <p:spPr>
@@ -6611,6 +6857,9 @@
         </p:txBody>
       </p:sp>
     </p:spTree>
+    <p:custDataLst>
+      <p:tags r:id="rId1"/>
+    </p:custDataLst>
     <p:extLst>
       <p:ext uri="{BB962C8B-B14F-4D97-AF65-F5344CB8AC3E}">
         <p14:creationId xmlns:p14="http://schemas.microsoft.com/office/powerpoint/2010/main" val="3149365002"/>
@@ -6630,7 +6879,7 @@
 </p:sld>
 </file>
 
-<file path=ppt/slides/slide13.xml><?xml version="1.0" encoding="utf-8"?>
+<file path=ppt/slides/slide12.xml><?xml version="1.0" encoding="utf-8"?>
 <p:sld xmlns:a="http://schemas.openxmlformats.org/drawingml/2006/main" xmlns:r="http://schemas.openxmlformats.org/officeDocument/2006/relationships" xmlns:p="http://schemas.openxmlformats.org/presentationml/2006/main">
   <p:cSld>
     <p:spTree>
@@ -6653,10 +6902,14 @@
           <p:cNvPicPr>
             <a:picLocks noChangeAspect="1"/>
           </p:cNvPicPr>
-          <p:nvPr/>
+          <p:nvPr>
+            <p:custDataLst>
+              <p:tags r:id="rId2"/>
+            </p:custDataLst>
+          </p:nvPr>
         </p:nvPicPr>
         <p:blipFill>
-          <a:blip r:embed="rId3">
+          <a:blip r:embed="rId6">
             <a:extLst>
               <a:ext uri="{28A0092B-C50C-407E-A947-70E740481C1C}">
                 <a14:useLocalDpi xmlns:a14="http://schemas.microsoft.com/office/drawing/2010/main" val="0"/>
@@ -6685,6 +6938,9 @@
           </p:cNvSpPr>
           <p:nvPr>
             <p:ph type="ctrTitle"/>
+            <p:custDataLst>
+              <p:tags r:id="rId3"/>
+            </p:custDataLst>
           </p:nvPr>
         </p:nvSpPr>
         <p:spPr>
@@ -6706,6 +6962,9 @@
         </p:txBody>
       </p:sp>
     </p:spTree>
+    <p:custDataLst>
+      <p:tags r:id="rId1"/>
+    </p:custDataLst>
     <p:extLst>
       <p:ext uri="{BB962C8B-B14F-4D97-AF65-F5344CB8AC3E}">
         <p14:creationId xmlns:p14="http://schemas.microsoft.com/office/powerpoint/2010/main" val="2661519987"/>
@@ -6725,6 +6984,120 @@
 </p:sld>
 </file>
 
+<file path=ppt/slides/slide13.xml><?xml version="1.0" encoding="utf-8"?>
+<p:sld xmlns:a="http://schemas.openxmlformats.org/drawingml/2006/main" xmlns:r="http://schemas.openxmlformats.org/officeDocument/2006/relationships" xmlns:p="http://schemas.openxmlformats.org/presentationml/2006/main">
+  <p:cSld>
+    <p:spTree>
+      <p:nvGrpSpPr>
+        <p:cNvPr id="1" name=""/>
+        <p:cNvGrpSpPr/>
+        <p:nvPr/>
+      </p:nvGrpSpPr>
+      <p:grpSpPr>
+        <a:xfrm>
+          <a:off x="0" y="0"/>
+          <a:ext cx="0" cy="0"/>
+          <a:chOff x="0" y="0"/>
+          <a:chExt cx="0" cy="0"/>
+        </a:xfrm>
+      </p:grpSpPr>
+      <p:sp>
+        <p:nvSpPr>
+          <p:cNvPr id="18" name="1 Título"/>
+          <p:cNvSpPr>
+            <a:spLocks noGrp="1"/>
+          </p:cNvSpPr>
+          <p:nvPr>
+            <p:ph type="title"/>
+            <p:custDataLst>
+              <p:tags r:id="rId2"/>
+            </p:custDataLst>
+          </p:nvPr>
+        </p:nvSpPr>
+        <p:spPr>
+          <a:xfrm>
+            <a:off x="457200" y="1589389"/>
+            <a:ext cx="8229600" cy="792088"/>
+          </a:xfrm>
+        </p:spPr>
+        <p:txBody>
+          <a:bodyPr/>
+          <a:lstStyle/>
+          <a:p>
+            <a:r>
+              <a:rPr lang="es-PE" sz="4800" dirty="0" smtClean="0">
+                <a:solidFill>
+                  <a:srgbClr val="FF0000"/>
+                </a:solidFill>
+              </a:rPr>
+              <a:t>Objetivo</a:t>
+            </a:r>
+            <a:endParaRPr lang="es-PE" sz="4800" dirty="0">
+              <a:solidFill>
+                <a:srgbClr val="FF0000"/>
+              </a:solidFill>
+            </a:endParaRPr>
+          </a:p>
+        </p:txBody>
+      </p:sp>
+      <p:sp>
+        <p:nvSpPr>
+          <p:cNvPr id="2" name="1 CuadroTexto"/>
+          <p:cNvSpPr txBox="1"/>
+          <p:nvPr>
+            <p:custDataLst>
+              <p:tags r:id="rId3"/>
+            </p:custDataLst>
+          </p:nvPr>
+        </p:nvSpPr>
+        <p:spPr>
+          <a:xfrm>
+            <a:off x="611560" y="2507644"/>
+            <a:ext cx="8064896" cy="1938992"/>
+          </a:xfrm>
+          <a:prstGeom prst="rect">
+            <a:avLst/>
+          </a:prstGeom>
+          <a:noFill/>
+        </p:spPr>
+        <p:txBody>
+          <a:bodyPr wrap="square" rtlCol="0">
+            <a:spAutoFit/>
+          </a:bodyPr>
+          <a:lstStyle/>
+          <a:p>
+            <a:pPr algn="ctr"/>
+            <a:r>
+              <a:rPr lang="es-PE" sz="4000" dirty="0" smtClean="0"/>
+              <a:t>Aprender y practicar diversos refactorizaciones tanto simples como complejos</a:t>
+            </a:r>
+            <a:endParaRPr lang="es-PE" sz="4000" dirty="0"/>
+          </a:p>
+        </p:txBody>
+      </p:sp>
+    </p:spTree>
+    <p:custDataLst>
+      <p:tags r:id="rId1"/>
+    </p:custDataLst>
+    <p:extLst>
+      <p:ext uri="{BB962C8B-B14F-4D97-AF65-F5344CB8AC3E}">
+        <p14:creationId xmlns:p14="http://schemas.microsoft.com/office/powerpoint/2010/main" val="426973170"/>
+      </p:ext>
+    </p:extLst>
+  </p:cSld>
+  <p:clrMapOvr>
+    <a:masterClrMapping/>
+  </p:clrMapOvr>
+  <p:timing>
+    <p:tnLst>
+      <p:par>
+        <p:cTn id="1" dur="indefinite" restart="never" nodeType="tmRoot"/>
+      </p:par>
+    </p:tnLst>
+  </p:timing>
+</p:sld>
+</file>
+
 <file path=ppt/slides/slide14.xml><?xml version="1.0" encoding="utf-8"?>
 <p:sld xmlns:a="http://schemas.openxmlformats.org/drawingml/2006/main" xmlns:r="http://schemas.openxmlformats.org/officeDocument/2006/relationships" xmlns:p="http://schemas.openxmlformats.org/presentationml/2006/main">
   <p:cSld>
@@ -6750,6 +7123,9 @@
           </p:cNvSpPr>
           <p:nvPr>
             <p:ph type="title"/>
+            <p:custDataLst>
+              <p:tags r:id="rId2"/>
+            </p:custDataLst>
           </p:nvPr>
         </p:nvSpPr>
         <p:spPr>
@@ -6768,7 +7144,7 @@
                   <a:srgbClr val="FF0000"/>
                 </a:solidFill>
               </a:rPr>
-              <a:t>Objetivo</a:t>
+              <a:t>Descripción</a:t>
             </a:r>
             <a:endParaRPr lang="es-PE" sz="4800" dirty="0">
               <a:solidFill>
@@ -6782,12 +7158,16 @@
         <p:nvSpPr>
           <p:cNvPr id="2" name="1 CuadroTexto"/>
           <p:cNvSpPr txBox="1"/>
-          <p:nvPr/>
+          <p:nvPr>
+            <p:custDataLst>
+              <p:tags r:id="rId3"/>
+            </p:custDataLst>
+          </p:nvPr>
         </p:nvSpPr>
         <p:spPr>
           <a:xfrm>
             <a:off x="611560" y="2507644"/>
-            <a:ext cx="8064896" cy="1938992"/>
+            <a:ext cx="8064896" cy="1323439"/>
           </a:xfrm>
           <a:prstGeom prst="rect">
             <a:avLst/>
@@ -6802,17 +7182,27 @@
           <a:p>
             <a:pPr algn="ctr"/>
             <a:r>
+              <a:rPr lang="es-PE" sz="4000" dirty="0"/>
+              <a:t>El código </a:t>
+            </a:r>
+            <a:r>
               <a:rPr lang="es-PE" sz="4000" dirty="0" smtClean="0"/>
-              <a:t>Aprender y practicar diversos refactorizaciones tanto simples como complejos</a:t>
-            </a:r>
-            <a:endParaRPr lang="es-PE" sz="4000" dirty="0"/>
+              <a:t>representa el dominio de </a:t>
+            </a:r>
+            <a:r>
+              <a:rPr lang="es-PE" sz="4000" dirty="0"/>
+              <a:t>una tienda online de bicicletas.</a:t>
+            </a:r>
           </a:p>
         </p:txBody>
       </p:sp>
     </p:spTree>
+    <p:custDataLst>
+      <p:tags r:id="rId1"/>
+    </p:custDataLst>
     <p:extLst>
       <p:ext uri="{BB962C8B-B14F-4D97-AF65-F5344CB8AC3E}">
-        <p14:creationId xmlns:p14="http://schemas.microsoft.com/office/powerpoint/2010/main" val="426973170"/>
+        <p14:creationId xmlns:p14="http://schemas.microsoft.com/office/powerpoint/2010/main" val="2864752739"/>
       </p:ext>
     </p:extLst>
   </p:cSld>
@@ -6854,117 +7244,9 @@
           </p:cNvSpPr>
           <p:nvPr>
             <p:ph type="title"/>
-          </p:nvPr>
-        </p:nvSpPr>
-        <p:spPr>
-          <a:xfrm>
-            <a:off x="457200" y="1589389"/>
-            <a:ext cx="8229600" cy="792088"/>
-          </a:xfrm>
-        </p:spPr>
-        <p:txBody>
-          <a:bodyPr/>
-          <a:lstStyle/>
-          <a:p>
-            <a:r>
-              <a:rPr lang="es-PE" sz="4800" dirty="0" smtClean="0">
-                <a:solidFill>
-                  <a:srgbClr val="FF0000"/>
-                </a:solidFill>
-              </a:rPr>
-              <a:t>Descripción</a:t>
-            </a:r>
-            <a:endParaRPr lang="es-PE" sz="4800" dirty="0">
-              <a:solidFill>
-                <a:srgbClr val="FF0000"/>
-              </a:solidFill>
-            </a:endParaRPr>
-          </a:p>
-        </p:txBody>
-      </p:sp>
-      <p:sp>
-        <p:nvSpPr>
-          <p:cNvPr id="2" name="1 CuadroTexto"/>
-          <p:cNvSpPr txBox="1"/>
-          <p:nvPr/>
-        </p:nvSpPr>
-        <p:spPr>
-          <a:xfrm>
-            <a:off x="611560" y="2507644"/>
-            <a:ext cx="8064896" cy="1323439"/>
-          </a:xfrm>
-          <a:prstGeom prst="rect">
-            <a:avLst/>
-          </a:prstGeom>
-          <a:noFill/>
-        </p:spPr>
-        <p:txBody>
-          <a:bodyPr wrap="square" rtlCol="0">
-            <a:spAutoFit/>
-          </a:bodyPr>
-          <a:lstStyle/>
-          <a:p>
-            <a:pPr algn="ctr"/>
-            <a:r>
-              <a:rPr lang="es-PE" sz="4000" dirty="0"/>
-              <a:t>El código </a:t>
-            </a:r>
-            <a:r>
-              <a:rPr lang="es-PE" sz="4000" dirty="0" smtClean="0"/>
-              <a:t>representa el dominio de </a:t>
-            </a:r>
-            <a:r>
-              <a:rPr lang="es-PE" sz="4000" dirty="0"/>
-              <a:t>una tienda online de bicicletas.</a:t>
-            </a:r>
-          </a:p>
-        </p:txBody>
-      </p:sp>
-    </p:spTree>
-    <p:extLst>
-      <p:ext uri="{BB962C8B-B14F-4D97-AF65-F5344CB8AC3E}">
-        <p14:creationId xmlns:p14="http://schemas.microsoft.com/office/powerpoint/2010/main" val="2864752739"/>
-      </p:ext>
-    </p:extLst>
-  </p:cSld>
-  <p:clrMapOvr>
-    <a:masterClrMapping/>
-  </p:clrMapOvr>
-  <p:timing>
-    <p:tnLst>
-      <p:par>
-        <p:cTn id="1" dur="indefinite" restart="never" nodeType="tmRoot"/>
-      </p:par>
-    </p:tnLst>
-  </p:timing>
-</p:sld>
-</file>
-
-<file path=ppt/slides/slide16.xml><?xml version="1.0" encoding="utf-8"?>
-<p:sld xmlns:a="http://schemas.openxmlformats.org/drawingml/2006/main" xmlns:r="http://schemas.openxmlformats.org/officeDocument/2006/relationships" xmlns:p="http://schemas.openxmlformats.org/presentationml/2006/main">
-  <p:cSld>
-    <p:spTree>
-      <p:nvGrpSpPr>
-        <p:cNvPr id="1" name=""/>
-        <p:cNvGrpSpPr/>
-        <p:nvPr/>
-      </p:nvGrpSpPr>
-      <p:grpSpPr>
-        <a:xfrm>
-          <a:off x="0" y="0"/>
-          <a:ext cx="0" cy="0"/>
-          <a:chOff x="0" y="0"/>
-          <a:chExt cx="0" cy="0"/>
-        </a:xfrm>
-      </p:grpSpPr>
-      <p:sp>
-        <p:nvSpPr>
-          <p:cNvPr id="18" name="1 Título"/>
-          <p:cNvSpPr>
-            <a:spLocks noGrp="1"/>
-          </p:cNvSpPr>
-          <p:nvPr>
-            <p:ph type="title"/>
+            <p:custDataLst>
+              <p:tags r:id="rId2"/>
+            </p:custDataLst>
           </p:nvPr>
         </p:nvSpPr>
         <p:spPr>
@@ -6997,7 +7279,11 @@
         <p:nvSpPr>
           <p:cNvPr id="2" name="1 CuadroTexto"/>
           <p:cNvSpPr txBox="1"/>
-          <p:nvPr/>
+          <p:nvPr>
+            <p:custDataLst>
+              <p:tags r:id="rId3"/>
+            </p:custDataLst>
+          </p:nvPr>
         </p:nvSpPr>
         <p:spPr>
           <a:xfrm>
@@ -7035,7 +7321,11 @@
         <p:nvSpPr>
           <p:cNvPr id="3" name="2 Rectángulo"/>
           <p:cNvSpPr/>
-          <p:nvPr/>
+          <p:nvPr>
+            <p:custDataLst>
+              <p:tags r:id="rId4"/>
+            </p:custDataLst>
+          </p:nvPr>
         </p:nvSpPr>
         <p:spPr>
           <a:xfrm>
@@ -7067,10 +7357,14 @@
           <p:cNvPicPr>
             <a:picLocks noChangeAspect="1" noChangeArrowheads="1"/>
           </p:cNvPicPr>
-          <p:nvPr/>
+          <p:nvPr>
+            <p:custDataLst>
+              <p:tags r:id="rId5"/>
+            </p:custDataLst>
+          </p:nvPr>
         </p:nvPicPr>
         <p:blipFill>
-          <a:blip r:embed="rId3">
+          <a:blip r:embed="rId8">
             <a:extLst>
               <a:ext uri="{28A0092B-C50C-407E-A947-70E740481C1C}">
                 <a14:useLocalDpi xmlns:a14="http://schemas.microsoft.com/office/drawing/2010/main" val="0"/>
@@ -7127,6 +7421,9 @@
         </p:spPr>
       </p:pic>
     </p:spTree>
+    <p:custDataLst>
+      <p:tags r:id="rId1"/>
+    </p:custDataLst>
     <p:extLst>
       <p:ext uri="{BB962C8B-B14F-4D97-AF65-F5344CB8AC3E}">
         <p14:creationId xmlns:p14="http://schemas.microsoft.com/office/powerpoint/2010/main" val="3539184923"/>
@@ -7146,7 +7443,7 @@
 </p:sld>
 </file>
 
-<file path=ppt/slides/slide17.xml><?xml version="1.0" encoding="utf-8"?>
+<file path=ppt/slides/slide16.xml><?xml version="1.0" encoding="utf-8"?>
 <p:sld xmlns:a="http://schemas.openxmlformats.org/drawingml/2006/main" xmlns:r="http://schemas.openxmlformats.org/officeDocument/2006/relationships" xmlns:p="http://schemas.openxmlformats.org/presentationml/2006/main">
   <p:cSld>
     <p:spTree>
@@ -7171,6 +7468,9 @@
           </p:cNvSpPr>
           <p:nvPr>
             <p:ph type="title"/>
+            <p:custDataLst>
+              <p:tags r:id="rId2"/>
+            </p:custDataLst>
           </p:nvPr>
         </p:nvSpPr>
         <p:spPr>
@@ -7219,7 +7519,11 @@
         <p:nvSpPr>
           <p:cNvPr id="2" name="1 CuadroTexto"/>
           <p:cNvSpPr txBox="1"/>
-          <p:nvPr/>
+          <p:nvPr>
+            <p:custDataLst>
+              <p:tags r:id="rId3"/>
+            </p:custDataLst>
+          </p:nvPr>
         </p:nvSpPr>
         <p:spPr>
           <a:xfrm>
@@ -7243,11 +7547,7 @@
             </a:pPr>
             <a:r>
               <a:rPr lang="es-PE" sz="3200" dirty="0" smtClean="0"/>
-              <a:t>Abrir el código inicial en el </a:t>
-            </a:r>
-            <a:r>
-              <a:rPr lang="es-PE" sz="3200" dirty="0" smtClean="0"/>
-              <a:t>IDE, asegurarse que compile y todos los </a:t>
+              <a:t>Abrir el código inicial en el IDE, asegurarse que compile y todos los </a:t>
             </a:r>
             <a:r>
               <a:rPr lang="es-PE" sz="3200" dirty="0" err="1" smtClean="0"/>
@@ -7257,7 +7557,6 @@
               <a:rPr lang="es-PE" sz="3200" dirty="0" smtClean="0"/>
               <a:t> pasen.</a:t>
             </a:r>
-            <a:endParaRPr lang="es-PE" sz="3200" dirty="0" smtClean="0"/>
           </a:p>
           <a:p>
             <a:endParaRPr lang="es-PE" sz="3200" dirty="0"/>
@@ -7269,11 +7568,7 @@
             </a:pPr>
             <a:r>
               <a:rPr lang="es-PE" sz="3200" dirty="0" smtClean="0"/>
-              <a:t>No olvidar las actividades de cada rol del equipo</a:t>
-            </a:r>
-            <a:r>
-              <a:rPr lang="es-PE" sz="3200" dirty="0" smtClean="0"/>
-              <a:t>.</a:t>
+              <a:t>No olvidar las actividades de cada rol del equipo.</a:t>
             </a:r>
           </a:p>
           <a:p>
@@ -7292,7 +7587,6 @@
               <a:rPr lang="es-PE" sz="3200" dirty="0" smtClean="0"/>
               <a:t>El primer equipo en terminar debe levantar la mano.</a:t>
             </a:r>
-            <a:endParaRPr lang="es-PE" sz="3200" dirty="0" smtClean="0"/>
           </a:p>
           <a:p>
             <a:pPr marL="457200" indent="-457200">
@@ -7314,6 +7608,9 @@
         </p:txBody>
       </p:sp>
     </p:spTree>
+    <p:custDataLst>
+      <p:tags r:id="rId1"/>
+    </p:custDataLst>
     <p:extLst>
       <p:ext uri="{BB962C8B-B14F-4D97-AF65-F5344CB8AC3E}">
         <p14:creationId xmlns:p14="http://schemas.microsoft.com/office/powerpoint/2010/main" val="2616784292"/>
@@ -7333,7 +7630,7 @@
 </p:sld>
 </file>
 
-<file path=ppt/slides/slide18.xml><?xml version="1.0" encoding="utf-8"?>
+<file path=ppt/slides/slide17.xml><?xml version="1.0" encoding="utf-8"?>
 <p:sld xmlns:a="http://schemas.openxmlformats.org/drawingml/2006/main" xmlns:r="http://schemas.openxmlformats.org/officeDocument/2006/relationships" xmlns:p="http://schemas.openxmlformats.org/presentationml/2006/main">
   <p:cSld>
     <p:spTree>
@@ -7356,10 +7653,14 @@
           <p:cNvPicPr>
             <a:picLocks noChangeAspect="1"/>
           </p:cNvPicPr>
-          <p:nvPr/>
+          <p:nvPr>
+            <p:custDataLst>
+              <p:tags r:id="rId2"/>
+            </p:custDataLst>
+          </p:nvPr>
         </p:nvPicPr>
         <p:blipFill>
-          <a:blip r:embed="rId3" cstate="print">
+          <a:blip r:embed="rId6" cstate="print">
             <a:extLst>
               <a:ext uri="{28A0092B-C50C-407E-A947-70E740481C1C}">
                 <a14:useLocalDpi xmlns:a14="http://schemas.microsoft.com/office/drawing/2010/main" val="0"/>
@@ -7388,6 +7689,9 @@
           </p:cNvSpPr>
           <p:nvPr>
             <p:ph type="ctrTitle"/>
+            <p:custDataLst>
+              <p:tags r:id="rId3"/>
+            </p:custDataLst>
           </p:nvPr>
         </p:nvSpPr>
         <p:spPr>
@@ -7409,6 +7713,9 @@
         </p:txBody>
       </p:sp>
     </p:spTree>
+    <p:custDataLst>
+      <p:tags r:id="rId1"/>
+    </p:custDataLst>
     <p:extLst>
       <p:ext uri="{BB962C8B-B14F-4D97-AF65-F5344CB8AC3E}">
         <p14:creationId xmlns:p14="http://schemas.microsoft.com/office/powerpoint/2010/main" val="3991114041"/>
@@ -7428,6 +7735,159 @@
 </p:sld>
 </file>
 
+<file path=ppt/slides/slide18.xml><?xml version="1.0" encoding="utf-8"?>
+<p:sld xmlns:a="http://schemas.openxmlformats.org/drawingml/2006/main" xmlns:r="http://schemas.openxmlformats.org/officeDocument/2006/relationships" xmlns:p="http://schemas.openxmlformats.org/presentationml/2006/main">
+  <p:cSld>
+    <p:spTree>
+      <p:nvGrpSpPr>
+        <p:cNvPr id="1" name=""/>
+        <p:cNvGrpSpPr/>
+        <p:nvPr/>
+      </p:nvGrpSpPr>
+      <p:grpSpPr>
+        <a:xfrm>
+          <a:off x="0" y="0"/>
+          <a:ext cx="0" cy="0"/>
+          <a:chOff x="0" y="0"/>
+          <a:chExt cx="0" cy="0"/>
+        </a:xfrm>
+      </p:grpSpPr>
+      <p:sp>
+        <p:nvSpPr>
+          <p:cNvPr id="18" name="1 Título"/>
+          <p:cNvSpPr>
+            <a:spLocks noGrp="1"/>
+          </p:cNvSpPr>
+          <p:nvPr>
+            <p:ph type="title"/>
+            <p:custDataLst>
+              <p:tags r:id="rId2"/>
+            </p:custDataLst>
+          </p:nvPr>
+        </p:nvSpPr>
+        <p:spPr>
+          <a:xfrm>
+            <a:off x="457200" y="1589389"/>
+            <a:ext cx="8229600" cy="792088"/>
+          </a:xfrm>
+        </p:spPr>
+        <p:txBody>
+          <a:bodyPr/>
+          <a:lstStyle/>
+          <a:p>
+            <a:r>
+              <a:rPr lang="es-PE" sz="4800" dirty="0" smtClean="0">
+                <a:solidFill>
+                  <a:srgbClr val="FF0000"/>
+                </a:solidFill>
+              </a:rPr>
+              <a:t>Objetivo</a:t>
+            </a:r>
+            <a:endParaRPr lang="es-PE" sz="4800" dirty="0">
+              <a:solidFill>
+                <a:srgbClr val="FF0000"/>
+              </a:solidFill>
+            </a:endParaRPr>
+          </a:p>
+        </p:txBody>
+      </p:sp>
+      <p:sp>
+        <p:nvSpPr>
+          <p:cNvPr id="2" name="1 CuadroTexto"/>
+          <p:cNvSpPr txBox="1"/>
+          <p:nvPr>
+            <p:custDataLst>
+              <p:tags r:id="rId3"/>
+            </p:custDataLst>
+          </p:nvPr>
+        </p:nvSpPr>
+        <p:spPr>
+          <a:xfrm>
+            <a:off x="611560" y="2507644"/>
+            <a:ext cx="8064896" cy="1938992"/>
+          </a:xfrm>
+          <a:prstGeom prst="rect">
+            <a:avLst/>
+          </a:prstGeom>
+          <a:noFill/>
+        </p:spPr>
+        <p:txBody>
+          <a:bodyPr wrap="square" rtlCol="0">
+            <a:spAutoFit/>
+          </a:bodyPr>
+          <a:lstStyle/>
+          <a:p>
+            <a:pPr algn="ctr"/>
+            <a:r>
+              <a:rPr lang="es-PE" sz="4000" dirty="0" smtClean="0"/>
+              <a:t>Aprender y practicar diversas estratégicas de refactorización</a:t>
+            </a:r>
+          </a:p>
+          <a:p>
+            <a:pPr algn="ctr"/>
+            <a:r>
+              <a:rPr lang="es-PE" sz="4000" dirty="0" smtClean="0"/>
+              <a:t>(</a:t>
+            </a:r>
+            <a:r>
+              <a:rPr lang="es-PE" sz="4000" dirty="0" err="1" smtClean="0"/>
+              <a:t>Parallel</a:t>
+            </a:r>
+            <a:r>
+              <a:rPr lang="es-PE" sz="4000" dirty="0" smtClean="0"/>
+              <a:t> </a:t>
+            </a:r>
+            <a:r>
+              <a:rPr lang="es-PE" sz="4000" dirty="0" err="1" smtClean="0"/>
+              <a:t>Change</a:t>
+            </a:r>
+            <a:r>
+              <a:rPr lang="es-PE" sz="4000" dirty="0" smtClean="0"/>
+              <a:t> y </a:t>
+            </a:r>
+            <a:r>
+              <a:rPr lang="es-PE" sz="4000" dirty="0" err="1" smtClean="0"/>
+              <a:t>Narrowed</a:t>
+            </a:r>
+            <a:r>
+              <a:rPr lang="es-PE" sz="4000" dirty="0" smtClean="0"/>
+              <a:t> </a:t>
+            </a:r>
+            <a:r>
+              <a:rPr lang="es-PE" sz="4000" dirty="0" err="1" smtClean="0"/>
+              <a:t>Change</a:t>
+            </a:r>
+            <a:r>
+              <a:rPr lang="es-PE" sz="4000" dirty="0" smtClean="0"/>
+              <a:t>)</a:t>
+            </a:r>
+            <a:endParaRPr lang="es-PE" sz="4000" dirty="0"/>
+          </a:p>
+        </p:txBody>
+      </p:sp>
+    </p:spTree>
+    <p:custDataLst>
+      <p:tags r:id="rId1"/>
+    </p:custDataLst>
+    <p:extLst>
+      <p:ext uri="{BB962C8B-B14F-4D97-AF65-F5344CB8AC3E}">
+        <p14:creationId xmlns:p14="http://schemas.microsoft.com/office/powerpoint/2010/main" val="2293511525"/>
+      </p:ext>
+    </p:extLst>
+  </p:cSld>
+  <p:clrMapOvr>
+    <a:masterClrMapping/>
+  </p:clrMapOvr>
+  <p:timing>
+    <p:tnLst>
+      <p:par>
+        <p:cTn id="1" dur="indefinite" restart="never" nodeType="tmRoot"/>
+      </p:par>
+    </p:tnLst>
+  </p:timing>
+</p:sld>
+</file>
+
 <file path=ppt/slides/slide19.xml><?xml version="1.0" encoding="utf-8"?>
 <p:sld xmlns:a="http://schemas.openxmlformats.org/drawingml/2006/main" xmlns:r="http://schemas.openxmlformats.org/officeDocument/2006/relationships" xmlns:p="http://schemas.openxmlformats.org/presentationml/2006/main">
   <p:cSld>
@@ -7453,11 +7913,14 @@
           </p:cNvSpPr>
           <p:nvPr>
             <p:ph type="title"/>
+            <p:custDataLst>
+              <p:tags r:id="rId2"/>
+            </p:custDataLst>
           </p:nvPr>
         </p:nvSpPr>
         <p:spPr>
           <a:xfrm>
-            <a:off x="457200" y="1589389"/>
+            <a:off x="457200" y="692696"/>
             <a:ext cx="8229600" cy="792088"/>
           </a:xfrm>
         </p:spPr>
@@ -7471,7 +7934,7 @@
                   <a:srgbClr val="FF0000"/>
                 </a:solidFill>
               </a:rPr>
-              <a:t>Objetivo</a:t>
+              <a:t>Descripción</a:t>
             </a:r>
             <a:endParaRPr lang="es-PE" sz="4800" dirty="0">
               <a:solidFill>
@@ -7485,12 +7948,16 @@
         <p:nvSpPr>
           <p:cNvPr id="2" name="1 CuadroTexto"/>
           <p:cNvSpPr txBox="1"/>
-          <p:nvPr/>
+          <p:nvPr>
+            <p:custDataLst>
+              <p:tags r:id="rId3"/>
+            </p:custDataLst>
+          </p:nvPr>
         </p:nvSpPr>
         <p:spPr>
           <a:xfrm>
-            <a:off x="611560" y="2507644"/>
-            <a:ext cx="8064896" cy="1938992"/>
+            <a:off x="611560" y="1610951"/>
+            <a:ext cx="8064896" cy="3785652"/>
           </a:xfrm>
           <a:prstGeom prst="rect">
             <a:avLst/>
@@ -7505,56 +7972,51 @@
           <a:p>
             <a:pPr algn="ctr"/>
             <a:r>
+              <a:rPr lang="es-PE" sz="4000" dirty="0"/>
+              <a:t>El código </a:t>
+            </a:r>
+            <a:r>
               <a:rPr lang="es-PE" sz="4000" dirty="0" smtClean="0"/>
-              <a:t>Aprender y practicar diversas estratégicas de refactorización</a:t>
+              <a:t>es de una clase que representa a un </a:t>
+            </a:r>
+            <a:r>
+              <a:rPr lang="es-PE" sz="4000" dirty="0" err="1" smtClean="0"/>
+              <a:t>Stack</a:t>
+            </a:r>
+            <a:r>
+              <a:rPr lang="es-PE" sz="4000" dirty="0" smtClean="0"/>
+              <a:t> (Pila) </a:t>
             </a:r>
           </a:p>
           <a:p>
             <a:pPr algn="ctr"/>
+            <a:endParaRPr lang="es-PE" sz="4000" dirty="0"/>
+          </a:p>
+          <a:p>
+            <a:pPr algn="ctr"/>
             <a:r>
               <a:rPr lang="es-PE" sz="4000" dirty="0" smtClean="0"/>
-              <a:t>(</a:t>
+              <a:t>La meta es reemplazar el </a:t>
             </a:r>
             <a:r>
               <a:rPr lang="es-PE" sz="4000" dirty="0" err="1" smtClean="0"/>
-              <a:t>Parallel</a:t>
+              <a:t>array</a:t>
             </a:r>
             <a:r>
               <a:rPr lang="es-PE" sz="4000" dirty="0" smtClean="0"/>
-              <a:t> </a:t>
-            </a:r>
-            <a:r>
-              <a:rPr lang="es-PE" sz="4000" dirty="0" err="1" smtClean="0"/>
-              <a:t>Change</a:t>
-            </a:r>
-            <a:r>
-              <a:rPr lang="es-PE" sz="4000" dirty="0" smtClean="0"/>
-              <a:t> y </a:t>
-            </a:r>
-            <a:r>
-              <a:rPr lang="es-PE" sz="4000" dirty="0" err="1" smtClean="0"/>
-              <a:t>Narrowed</a:t>
-            </a:r>
-            <a:r>
-              <a:rPr lang="es-PE" sz="4000" dirty="0" smtClean="0"/>
-              <a:t> </a:t>
-            </a:r>
-            <a:r>
-              <a:rPr lang="es-PE" sz="4000" dirty="0" err="1" smtClean="0"/>
-              <a:t>Change</a:t>
-            </a:r>
-            <a:r>
-              <a:rPr lang="es-PE" sz="4000" dirty="0" smtClean="0"/>
-              <a:t>)</a:t>
+              <a:t> simple por una clase especializada en el manejo de colecciones.</a:t>
             </a:r>
             <a:endParaRPr lang="es-PE" sz="4000" dirty="0"/>
           </a:p>
         </p:txBody>
       </p:sp>
     </p:spTree>
+    <p:custDataLst>
+      <p:tags r:id="rId1"/>
+    </p:custDataLst>
     <p:extLst>
       <p:ext uri="{BB962C8B-B14F-4D97-AF65-F5344CB8AC3E}">
-        <p14:creationId xmlns:p14="http://schemas.microsoft.com/office/powerpoint/2010/main" val="2293511525"/>
+        <p14:creationId xmlns:p14="http://schemas.microsoft.com/office/powerpoint/2010/main" val="997755487"/>
       </p:ext>
     </p:extLst>
   </p:cSld>
@@ -7596,6 +8058,9 @@
           </p:cNvSpPr>
           <p:nvPr>
             <p:ph type="title"/>
+            <p:custDataLst>
+              <p:tags r:id="rId2"/>
+            </p:custDataLst>
           </p:nvPr>
         </p:nvSpPr>
         <p:spPr>
@@ -7628,7 +8093,11 @@
         <p:nvSpPr>
           <p:cNvPr id="9" name="8 CuadroTexto"/>
           <p:cNvSpPr txBox="1"/>
-          <p:nvPr/>
+          <p:nvPr>
+            <p:custDataLst>
+              <p:tags r:id="rId3"/>
+            </p:custDataLst>
+          </p:nvPr>
         </p:nvSpPr>
         <p:spPr>
           <a:xfrm>
@@ -7709,6 +8178,9 @@
         </p:txBody>
       </p:sp>
     </p:spTree>
+    <p:custDataLst>
+      <p:tags r:id="rId1"/>
+    </p:custDataLst>
     <p:extLst>
       <p:ext uri="{BB962C8B-B14F-4D97-AF65-F5344CB8AC3E}">
         <p14:creationId xmlns:p14="http://schemas.microsoft.com/office/powerpoint/2010/main" val="2961369227"/>
@@ -7753,142 +8225,9 @@
           </p:cNvSpPr>
           <p:nvPr>
             <p:ph type="title"/>
-          </p:nvPr>
-        </p:nvSpPr>
-        <p:spPr>
-          <a:xfrm>
-            <a:off x="457200" y="692696"/>
-            <a:ext cx="8229600" cy="792088"/>
-          </a:xfrm>
-        </p:spPr>
-        <p:txBody>
-          <a:bodyPr/>
-          <a:lstStyle/>
-          <a:p>
-            <a:r>
-              <a:rPr lang="es-PE" sz="4800" dirty="0" smtClean="0">
-                <a:solidFill>
-                  <a:srgbClr val="FF0000"/>
-                </a:solidFill>
-              </a:rPr>
-              <a:t>Descripción</a:t>
-            </a:r>
-            <a:endParaRPr lang="es-PE" sz="4800" dirty="0">
-              <a:solidFill>
-                <a:srgbClr val="FF0000"/>
-              </a:solidFill>
-            </a:endParaRPr>
-          </a:p>
-        </p:txBody>
-      </p:sp>
-      <p:sp>
-        <p:nvSpPr>
-          <p:cNvPr id="2" name="1 CuadroTexto"/>
-          <p:cNvSpPr txBox="1"/>
-          <p:nvPr/>
-        </p:nvSpPr>
-        <p:spPr>
-          <a:xfrm>
-            <a:off x="611560" y="1610951"/>
-            <a:ext cx="8064896" cy="3785652"/>
-          </a:xfrm>
-          <a:prstGeom prst="rect">
-            <a:avLst/>
-          </a:prstGeom>
-          <a:noFill/>
-        </p:spPr>
-        <p:txBody>
-          <a:bodyPr wrap="square" rtlCol="0">
-            <a:spAutoFit/>
-          </a:bodyPr>
-          <a:lstStyle/>
-          <a:p>
-            <a:pPr algn="ctr"/>
-            <a:r>
-              <a:rPr lang="es-PE" sz="4000" dirty="0"/>
-              <a:t>El código </a:t>
-            </a:r>
-            <a:r>
-              <a:rPr lang="es-PE" sz="4000" dirty="0" smtClean="0"/>
-              <a:t>es de una clase que representa a un </a:t>
-            </a:r>
-            <a:r>
-              <a:rPr lang="es-PE" sz="4000" dirty="0" err="1" smtClean="0"/>
-              <a:t>Stack</a:t>
-            </a:r>
-            <a:r>
-              <a:rPr lang="es-PE" sz="4000" dirty="0" smtClean="0"/>
-              <a:t> (Pila) </a:t>
-            </a:r>
-            <a:endParaRPr lang="es-PE" sz="4000" dirty="0" smtClean="0"/>
-          </a:p>
-          <a:p>
-            <a:pPr algn="ctr"/>
-            <a:endParaRPr lang="es-PE" sz="4000" dirty="0"/>
-          </a:p>
-          <a:p>
-            <a:pPr algn="ctr"/>
-            <a:r>
-              <a:rPr lang="es-PE" sz="4000" dirty="0" smtClean="0"/>
-              <a:t>La meta es reemplazar el </a:t>
-            </a:r>
-            <a:r>
-              <a:rPr lang="es-PE" sz="4000" dirty="0" err="1" smtClean="0"/>
-              <a:t>array</a:t>
-            </a:r>
-            <a:r>
-              <a:rPr lang="es-PE" sz="4000" dirty="0" smtClean="0"/>
-              <a:t> simple por una clase especializada en el manejo de colecciones.</a:t>
-            </a:r>
-            <a:endParaRPr lang="es-PE" sz="4000" dirty="0"/>
-          </a:p>
-        </p:txBody>
-      </p:sp>
-    </p:spTree>
-    <p:extLst>
-      <p:ext uri="{BB962C8B-B14F-4D97-AF65-F5344CB8AC3E}">
-        <p14:creationId xmlns:p14="http://schemas.microsoft.com/office/powerpoint/2010/main" val="997755487"/>
-      </p:ext>
-    </p:extLst>
-  </p:cSld>
-  <p:clrMapOvr>
-    <a:masterClrMapping/>
-  </p:clrMapOvr>
-  <p:timing>
-    <p:tnLst>
-      <p:par>
-        <p:cTn id="1" dur="indefinite" restart="never" nodeType="tmRoot"/>
-      </p:par>
-    </p:tnLst>
-  </p:timing>
-</p:sld>
-</file>
-
-<file path=ppt/slides/slide21.xml><?xml version="1.0" encoding="utf-8"?>
-<p:sld xmlns:a="http://schemas.openxmlformats.org/drawingml/2006/main" xmlns:r="http://schemas.openxmlformats.org/officeDocument/2006/relationships" xmlns:p="http://schemas.openxmlformats.org/presentationml/2006/main">
-  <p:cSld>
-    <p:spTree>
-      <p:nvGrpSpPr>
-        <p:cNvPr id="1" name=""/>
-        <p:cNvGrpSpPr/>
-        <p:nvPr/>
-      </p:nvGrpSpPr>
-      <p:grpSpPr>
-        <a:xfrm>
-          <a:off x="0" y="0"/>
-          <a:ext cx="0" cy="0"/>
-          <a:chOff x="0" y="0"/>
-          <a:chExt cx="0" cy="0"/>
-        </a:xfrm>
-      </p:grpSpPr>
-      <p:sp>
-        <p:nvSpPr>
-          <p:cNvPr id="18" name="1 Título"/>
-          <p:cNvSpPr>
-            <a:spLocks noGrp="1"/>
-          </p:cNvSpPr>
-          <p:nvPr>
-            <p:ph type="title"/>
+            <p:custDataLst>
+              <p:tags r:id="rId2"/>
+            </p:custDataLst>
           </p:nvPr>
         </p:nvSpPr>
         <p:spPr>
@@ -7921,7 +8260,11 @@
         <p:nvSpPr>
           <p:cNvPr id="2" name="1 CuadroTexto"/>
           <p:cNvSpPr txBox="1"/>
-          <p:nvPr/>
+          <p:nvPr>
+            <p:custDataLst>
+              <p:tags r:id="rId3"/>
+            </p:custDataLst>
+          </p:nvPr>
         </p:nvSpPr>
         <p:spPr>
           <a:xfrm>
@@ -7951,7 +8294,11 @@
         <p:nvSpPr>
           <p:cNvPr id="3" name="2 Rectángulo"/>
           <p:cNvSpPr/>
-          <p:nvPr/>
+          <p:nvPr>
+            <p:custDataLst>
+              <p:tags r:id="rId4"/>
+            </p:custDataLst>
+          </p:nvPr>
         </p:nvSpPr>
         <p:spPr>
           <a:xfrm>
@@ -7971,15 +8318,7 @@
             <a:pPr algn="ctr"/>
             <a:r>
               <a:rPr lang="es-PE" sz="3200" dirty="0" smtClean="0"/>
-              <a:t>El tiempo de todo el recorrido es de </a:t>
-            </a:r>
-            <a:r>
-              <a:rPr lang="es-PE" sz="3200" dirty="0" smtClean="0"/>
-              <a:t>18 </a:t>
-            </a:r>
-            <a:r>
-              <a:rPr lang="es-PE" sz="3200" dirty="0" smtClean="0"/>
-              <a:t>minutos, al finalizar el tiempo el mejor equipo mostrará sus resultados.</a:t>
+              <a:t>El tiempo de todo el recorrido es de 18 minutos, al finalizar el tiempo el mejor equipo mostrará sus resultados.</a:t>
             </a:r>
             <a:endParaRPr lang="es-PE" sz="3200" dirty="0"/>
           </a:p>
@@ -7991,10 +8330,14 @@
           <p:cNvPicPr>
             <a:picLocks noChangeAspect="1" noChangeArrowheads="1"/>
           </p:cNvPicPr>
-          <p:nvPr/>
+          <p:nvPr>
+            <p:custDataLst>
+              <p:tags r:id="rId5"/>
+            </p:custDataLst>
+          </p:nvPr>
         </p:nvPicPr>
         <p:blipFill>
-          <a:blip r:embed="rId3">
+          <a:blip r:embed="rId8">
             <a:extLst>
               <a:ext uri="{28A0092B-C50C-407E-A947-70E740481C1C}">
                 <a14:useLocalDpi xmlns:a14="http://schemas.microsoft.com/office/drawing/2010/main" val="0"/>
@@ -8051,6 +8394,9 @@
         </p:spPr>
       </p:pic>
     </p:spTree>
+    <p:custDataLst>
+      <p:tags r:id="rId1"/>
+    </p:custDataLst>
     <p:extLst>
       <p:ext uri="{BB962C8B-B14F-4D97-AF65-F5344CB8AC3E}">
         <p14:creationId xmlns:p14="http://schemas.microsoft.com/office/powerpoint/2010/main" val="110595477"/>
@@ -8070,6 +8416,193 @@
 </p:sld>
 </file>
 
+<file path=ppt/slides/slide21.xml><?xml version="1.0" encoding="utf-8"?>
+<p:sld xmlns:a="http://schemas.openxmlformats.org/drawingml/2006/main" xmlns:r="http://schemas.openxmlformats.org/officeDocument/2006/relationships" xmlns:p="http://schemas.openxmlformats.org/presentationml/2006/main">
+  <p:cSld>
+    <p:spTree>
+      <p:nvGrpSpPr>
+        <p:cNvPr id="1" name=""/>
+        <p:cNvGrpSpPr/>
+        <p:nvPr/>
+      </p:nvGrpSpPr>
+      <p:grpSpPr>
+        <a:xfrm>
+          <a:off x="0" y="0"/>
+          <a:ext cx="0" cy="0"/>
+          <a:chOff x="0" y="0"/>
+          <a:chExt cx="0" cy="0"/>
+        </a:xfrm>
+      </p:grpSpPr>
+      <p:sp>
+        <p:nvSpPr>
+          <p:cNvPr id="18" name="1 Título"/>
+          <p:cNvSpPr>
+            <a:spLocks noGrp="1"/>
+          </p:cNvSpPr>
+          <p:nvPr>
+            <p:ph type="title"/>
+            <p:custDataLst>
+              <p:tags r:id="rId2"/>
+            </p:custDataLst>
+          </p:nvPr>
+        </p:nvSpPr>
+        <p:spPr>
+          <a:xfrm>
+            <a:off x="457200" y="162000"/>
+            <a:ext cx="8229600" cy="792088"/>
+          </a:xfrm>
+        </p:spPr>
+        <p:txBody>
+          <a:bodyPr/>
+          <a:lstStyle/>
+          <a:p>
+            <a:r>
+              <a:rPr lang="es-PE" sz="4800" dirty="0" smtClean="0">
+                <a:solidFill>
+                  <a:srgbClr val="FF0000"/>
+                </a:solidFill>
+              </a:rPr>
+              <a:t>Listos </a:t>
+            </a:r>
+            <a:r>
+              <a:rPr lang="es-PE" sz="4800" dirty="0">
+                <a:solidFill>
+                  <a:srgbClr val="FF0000"/>
+                </a:solidFill>
+              </a:rPr>
+              <a:t>P</a:t>
+            </a:r>
+            <a:r>
+              <a:rPr lang="es-PE" sz="4800" dirty="0" smtClean="0">
+                <a:solidFill>
+                  <a:srgbClr val="FF0000"/>
+                </a:solidFill>
+              </a:rPr>
+              <a:t>ara Comenzar</a:t>
+            </a:r>
+            <a:endParaRPr lang="es-PE" sz="4800" dirty="0">
+              <a:solidFill>
+                <a:srgbClr val="FF0000"/>
+              </a:solidFill>
+            </a:endParaRPr>
+          </a:p>
+        </p:txBody>
+      </p:sp>
+      <p:sp>
+        <p:nvSpPr>
+          <p:cNvPr id="2" name="1 CuadroTexto"/>
+          <p:cNvSpPr txBox="1"/>
+          <p:nvPr>
+            <p:custDataLst>
+              <p:tags r:id="rId3"/>
+            </p:custDataLst>
+          </p:nvPr>
+        </p:nvSpPr>
+        <p:spPr>
+          <a:xfrm>
+            <a:off x="251520" y="1208941"/>
+            <a:ext cx="8640960" cy="5016758"/>
+          </a:xfrm>
+          <a:prstGeom prst="rect">
+            <a:avLst/>
+          </a:prstGeom>
+          <a:noFill/>
+        </p:spPr>
+        <p:txBody>
+          <a:bodyPr wrap="square" rtlCol="0">
+            <a:spAutoFit/>
+          </a:bodyPr>
+          <a:lstStyle/>
+          <a:p>
+            <a:pPr marL="457200" indent="-457200">
+              <a:buFont typeface="Arial" pitchFamily="34" charset="0"/>
+              <a:buChar char="•"/>
+            </a:pPr>
+            <a:r>
+              <a:rPr lang="es-PE" sz="3200" dirty="0" smtClean="0"/>
+              <a:t>Abrir el código inicial en el IDE, asegurarse que compile y todos los </a:t>
+            </a:r>
+            <a:r>
+              <a:rPr lang="es-PE" sz="3200" dirty="0" err="1" smtClean="0"/>
+              <a:t>tests</a:t>
+            </a:r>
+            <a:r>
+              <a:rPr lang="es-PE" sz="3200" dirty="0" smtClean="0"/>
+              <a:t> pasen.</a:t>
+            </a:r>
+          </a:p>
+          <a:p>
+            <a:endParaRPr lang="es-PE" sz="3200" dirty="0"/>
+          </a:p>
+          <a:p>
+            <a:pPr marL="457200" indent="-457200">
+              <a:buFont typeface="Arial" pitchFamily="34" charset="0"/>
+              <a:buChar char="•"/>
+            </a:pPr>
+            <a:r>
+              <a:rPr lang="es-PE" sz="3200" dirty="0" smtClean="0"/>
+              <a:t>No olvidar las actividades de cada rol del equipo.</a:t>
+            </a:r>
+          </a:p>
+          <a:p>
+            <a:pPr marL="457200" indent="-457200">
+              <a:buFont typeface="Arial" pitchFamily="34" charset="0"/>
+              <a:buChar char="•"/>
+            </a:pPr>
+            <a:endParaRPr lang="es-PE" sz="3200" dirty="0"/>
+          </a:p>
+          <a:p>
+            <a:pPr marL="457200" indent="-457200">
+              <a:buFont typeface="Arial" pitchFamily="34" charset="0"/>
+              <a:buChar char="•"/>
+            </a:pPr>
+            <a:r>
+              <a:rPr lang="es-PE" sz="3200" dirty="0" smtClean="0"/>
+              <a:t>El primer equipo en terminar debe levantar la mano.</a:t>
+            </a:r>
+          </a:p>
+          <a:p>
+            <a:pPr marL="457200" indent="-457200">
+              <a:buFont typeface="Arial" pitchFamily="34" charset="0"/>
+              <a:buChar char="•"/>
+            </a:pPr>
+            <a:endParaRPr lang="es-PE" sz="3200" dirty="0"/>
+          </a:p>
+          <a:p>
+            <a:pPr marL="457200" indent="-457200">
+              <a:buFont typeface="Arial" pitchFamily="34" charset="0"/>
+              <a:buChar char="•"/>
+            </a:pPr>
+            <a:r>
+              <a:rPr lang="es-PE" sz="3200" dirty="0" smtClean="0"/>
+              <a:t>Tienen 18 minutos para todo el recorrido.</a:t>
+            </a:r>
+          </a:p>
+        </p:txBody>
+      </p:sp>
+    </p:spTree>
+    <p:custDataLst>
+      <p:tags r:id="rId1"/>
+    </p:custDataLst>
+    <p:extLst>
+      <p:ext uri="{BB962C8B-B14F-4D97-AF65-F5344CB8AC3E}">
+        <p14:creationId xmlns:p14="http://schemas.microsoft.com/office/powerpoint/2010/main" val="2575741392"/>
+      </p:ext>
+    </p:extLst>
+  </p:cSld>
+  <p:clrMapOvr>
+    <a:masterClrMapping/>
+  </p:clrMapOvr>
+  <p:timing>
+    <p:tnLst>
+      <p:par>
+        <p:cTn id="1" dur="indefinite" restart="never" nodeType="tmRoot"/>
+      </p:par>
+    </p:tnLst>
+  </p:timing>
+</p:sld>
+</file>
+
 <file path=ppt/slides/slide22.xml><?xml version="1.0" encoding="utf-8"?>
 <p:sld xmlns:a="http://schemas.openxmlformats.org/drawingml/2006/main" xmlns:r="http://schemas.openxmlformats.org/officeDocument/2006/relationships" xmlns:p="http://schemas.openxmlformats.org/presentationml/2006/main">
   <p:cSld>
@@ -8095,6 +8628,9 @@
           </p:cNvSpPr>
           <p:nvPr>
             <p:ph type="title"/>
+            <p:custDataLst>
+              <p:tags r:id="rId2"/>
+            </p:custDataLst>
           </p:nvPr>
         </p:nvSpPr>
         <p:spPr>
@@ -8108,28 +8644,12 @@
           <a:lstStyle/>
           <a:p>
             <a:r>
-              <a:rPr lang="es-PE" sz="4800" dirty="0" smtClean="0">
+              <a:rPr lang="es-PE" sz="4800" dirty="0" err="1" smtClean="0">
                 <a:solidFill>
                   <a:srgbClr val="FF0000"/>
                 </a:solidFill>
               </a:rPr>
-              <a:t>Listos </a:t>
-            </a:r>
-            <a:r>
-              <a:rPr lang="es-PE" sz="4800" dirty="0">
-                <a:solidFill>
-                  <a:srgbClr val="FF0000"/>
-                </a:solidFill>
-              </a:rPr>
-              <a:t>P</a:t>
-            </a:r>
-            <a:r>
-              <a:rPr lang="es-PE" sz="4800" dirty="0" smtClean="0">
-                <a:solidFill>
-                  <a:srgbClr val="FF0000"/>
-                </a:solidFill>
-              </a:rPr>
-              <a:t>ara Comenzar</a:t>
+              <a:t>Feedback</a:t>
             </a:r>
             <a:endParaRPr lang="es-PE" sz="4800" dirty="0">
               <a:solidFill>
@@ -8143,12 +8663,16 @@
         <p:nvSpPr>
           <p:cNvPr id="2" name="1 CuadroTexto"/>
           <p:cNvSpPr txBox="1"/>
-          <p:nvPr/>
+          <p:nvPr>
+            <p:custDataLst>
+              <p:tags r:id="rId3"/>
+            </p:custDataLst>
+          </p:nvPr>
         </p:nvSpPr>
         <p:spPr>
           <a:xfrm>
-            <a:off x="251520" y="1208941"/>
-            <a:ext cx="8640960" cy="5016758"/>
+            <a:off x="3347864" y="1208941"/>
+            <a:ext cx="5400600" cy="4031873"/>
           </a:xfrm>
           <a:prstGeom prst="rect">
             <a:avLst/>
@@ -8161,39 +8685,14 @@
           </a:bodyPr>
           <a:lstStyle/>
           <a:p>
-            <a:pPr marL="457200" indent="-457200">
-              <a:buFont typeface="Arial" pitchFamily="34" charset="0"/>
-              <a:buChar char="•"/>
-            </a:pPr>
+            <a:pPr algn="ctr"/>
             <a:r>
               <a:rPr lang="es-PE" sz="3200" dirty="0" smtClean="0"/>
-              <a:t>Abrir el código inicial en el </a:t>
-            </a:r>
-            <a:r>
-              <a:rPr lang="es-PE" sz="3200" dirty="0" smtClean="0"/>
-              <a:t>IDE, asegurarse que compile y todos los </a:t>
+              <a:t>Nadie puede pasar por la puerta sin dejar algún tipo de idea, comentario o </a:t>
             </a:r>
             <a:r>
               <a:rPr lang="es-PE" sz="3200" dirty="0" err="1" smtClean="0"/>
-              <a:t>tests</a:t>
-            </a:r>
-            <a:r>
-              <a:rPr lang="es-PE" sz="3200" dirty="0" smtClean="0"/>
-              <a:t> pasen.</a:t>
-            </a:r>
-            <a:endParaRPr lang="es-PE" sz="3200" dirty="0" smtClean="0"/>
-          </a:p>
-          <a:p>
-            <a:endParaRPr lang="es-PE" sz="3200" dirty="0"/>
-          </a:p>
-          <a:p>
-            <a:pPr marL="457200" indent="-457200">
-              <a:buFont typeface="Arial" pitchFamily="34" charset="0"/>
-              <a:buChar char="•"/>
-            </a:pPr>
-            <a:r>
-              <a:rPr lang="es-PE" sz="3200" dirty="0" smtClean="0"/>
-              <a:t>No olvidar las actividades de cada rol del equipo</a:t>
+              <a:t>feedkback</a:t>
             </a:r>
             <a:r>
               <a:rPr lang="es-PE" sz="3200" dirty="0" smtClean="0"/>
@@ -8201,51 +8700,59 @@
             </a:r>
           </a:p>
           <a:p>
-            <a:pPr marL="457200" indent="-457200">
-              <a:buFont typeface="Arial" pitchFamily="34" charset="0"/>
-              <a:buChar char="•"/>
-            </a:pPr>
+            <a:pPr algn="ctr"/>
             <a:endParaRPr lang="es-PE" sz="3200" dirty="0"/>
           </a:p>
           <a:p>
-            <a:pPr marL="457200" indent="-457200">
-              <a:buFont typeface="Arial" pitchFamily="34" charset="0"/>
-              <a:buChar char="•"/>
-            </a:pPr>
+            <a:pPr algn="ctr"/>
             <a:r>
               <a:rPr lang="es-PE" sz="3200" dirty="0" smtClean="0"/>
-              <a:t>El primer equipo en terminar debe levantar la mano.</a:t>
-            </a:r>
-            <a:endParaRPr lang="es-PE" sz="3200" dirty="0" smtClean="0"/>
-          </a:p>
-          <a:p>
-            <a:pPr marL="457200" indent="-457200">
-              <a:buFont typeface="Arial" pitchFamily="34" charset="0"/>
-              <a:buChar char="•"/>
-            </a:pPr>
-            <a:endParaRPr lang="es-PE" sz="3200" dirty="0"/>
-          </a:p>
-          <a:p>
-            <a:pPr marL="457200" indent="-457200">
-              <a:buFont typeface="Arial" pitchFamily="34" charset="0"/>
-              <a:buChar char="•"/>
-            </a:pPr>
-            <a:r>
-              <a:rPr lang="es-PE" sz="3200" dirty="0" smtClean="0"/>
-              <a:t>Tienen </a:t>
-            </a:r>
-            <a:r>
-              <a:rPr lang="es-PE" sz="3200" dirty="0" smtClean="0"/>
-              <a:t>18 minutos para todo el recorrido.</a:t>
-            </a:r>
-            <a:endParaRPr lang="es-PE" sz="3200" dirty="0" smtClean="0"/>
-          </a:p>
-        </p:txBody>
-      </p:sp>
+              <a:t>No importa que sea un problema elemental o una carita feliz, deben poner algo en la puerta.</a:t>
+            </a:r>
+          </a:p>
+        </p:txBody>
+      </p:sp>
+      <p:pic>
+        <p:nvPicPr>
+          <p:cNvPr id="4" name="3 Imagen"/>
+          <p:cNvPicPr>
+            <a:picLocks noChangeAspect="1"/>
+          </p:cNvPicPr>
+          <p:nvPr>
+            <p:custDataLst>
+              <p:tags r:id="rId4"/>
+            </p:custDataLst>
+          </p:nvPr>
+        </p:nvPicPr>
+        <p:blipFill>
+          <a:blip r:embed="rId7">
+            <a:extLst>
+              <a:ext uri="{28A0092B-C50C-407E-A947-70E740481C1C}">
+                <a14:useLocalDpi xmlns:a14="http://schemas.microsoft.com/office/drawing/2010/main" val="0"/>
+              </a:ext>
+            </a:extLst>
+          </a:blip>
+          <a:stretch>
+            <a:fillRect/>
+          </a:stretch>
+        </p:blipFill>
+        <p:spPr>
+          <a:xfrm>
+            <a:off x="591840" y="1556792"/>
+            <a:ext cx="2540000" cy="3390900"/>
+          </a:xfrm>
+          <a:prstGeom prst="rect">
+            <a:avLst/>
+          </a:prstGeom>
+        </p:spPr>
+      </p:pic>
     </p:spTree>
+    <p:custDataLst>
+      <p:tags r:id="rId1"/>
+    </p:custDataLst>
     <p:extLst>
       <p:ext uri="{BB962C8B-B14F-4D97-AF65-F5344CB8AC3E}">
-        <p14:creationId xmlns:p14="http://schemas.microsoft.com/office/powerpoint/2010/main" val="2575741392"/>
+        <p14:creationId xmlns:p14="http://schemas.microsoft.com/office/powerpoint/2010/main" val="3569322866"/>
       </p:ext>
     </p:extLst>
   </p:cSld>
@@ -8287,6 +8794,9 @@
           </p:cNvSpPr>
           <p:nvPr>
             <p:ph type="title"/>
+            <p:custDataLst>
+              <p:tags r:id="rId2"/>
+            </p:custDataLst>
           </p:nvPr>
         </p:nvSpPr>
         <p:spPr>
@@ -8319,7 +8829,11 @@
         <p:nvGrpSpPr>
           <p:cNvPr id="7" name="6 Grupo"/>
           <p:cNvGrpSpPr/>
-          <p:nvPr/>
+          <p:nvPr>
+            <p:custDataLst>
+              <p:tags r:id="rId3"/>
+            </p:custDataLst>
+          </p:nvPr>
         </p:nvGrpSpPr>
         <p:grpSpPr>
           <a:xfrm>
@@ -8338,7 +8852,7 @@
             <p:nvPr/>
           </p:nvPicPr>
           <p:blipFill rotWithShape="1">
-            <a:blip r:embed="rId3">
+            <a:blip r:embed="rId7">
               <a:extLst>
                 <a:ext uri="{28A0092B-C50C-407E-A947-70E740481C1C}">
                   <a14:useLocalDpi xmlns:a14="http://schemas.microsoft.com/office/drawing/2010/main" val="0"/>
@@ -8445,7 +8959,11 @@
         <p:nvSpPr>
           <p:cNvPr id="9" name="8 CuadroTexto"/>
           <p:cNvSpPr txBox="1"/>
-          <p:nvPr/>
+          <p:nvPr>
+            <p:custDataLst>
+              <p:tags r:id="rId4"/>
+            </p:custDataLst>
+          </p:nvPr>
         </p:nvSpPr>
         <p:spPr>
           <a:xfrm>
@@ -8473,6 +8991,9 @@
         </p:txBody>
       </p:sp>
     </p:spTree>
+    <p:custDataLst>
+      <p:tags r:id="rId1"/>
+    </p:custDataLst>
     <p:extLst>
       <p:ext uri="{BB962C8B-B14F-4D97-AF65-F5344CB8AC3E}">
         <p14:creationId xmlns:p14="http://schemas.microsoft.com/office/powerpoint/2010/main" val="1676297572"/>
@@ -8517,6 +9038,9 @@
           </p:cNvSpPr>
           <p:nvPr>
             <p:ph type="title"/>
+            <p:custDataLst>
+              <p:tags r:id="rId2"/>
+            </p:custDataLst>
           </p:nvPr>
         </p:nvSpPr>
         <p:spPr>
@@ -8549,7 +9073,11 @@
         <p:nvSpPr>
           <p:cNvPr id="9" name="8 CuadroTexto"/>
           <p:cNvSpPr txBox="1"/>
-          <p:nvPr/>
+          <p:nvPr>
+            <p:custDataLst>
+              <p:tags r:id="rId3"/>
+            </p:custDataLst>
+          </p:nvPr>
         </p:nvSpPr>
         <p:spPr>
           <a:xfrm>
@@ -8581,10 +9109,14 @@
           <p:cNvPicPr>
             <a:picLocks noChangeAspect="1"/>
           </p:cNvPicPr>
-          <p:nvPr/>
+          <p:nvPr>
+            <p:custDataLst>
+              <p:tags r:id="rId4"/>
+            </p:custDataLst>
+          </p:nvPr>
         </p:nvPicPr>
         <p:blipFill rotWithShape="1">
-          <a:blip r:embed="rId3">
+          <a:blip r:embed="rId8">
             <a:extLst>
               <a:ext uri="{28A0092B-C50C-407E-A947-70E740481C1C}">
                 <a14:useLocalDpi xmlns:a14="http://schemas.microsoft.com/office/drawing/2010/main" val="0"/>
@@ -8614,7 +9146,11 @@
         <p:nvSpPr>
           <p:cNvPr id="3" name="2 Rectángulo"/>
           <p:cNvSpPr/>
-          <p:nvPr/>
+          <p:nvPr>
+            <p:custDataLst>
+              <p:tags r:id="rId5"/>
+            </p:custDataLst>
+          </p:nvPr>
         </p:nvSpPr>
         <p:spPr>
           <a:xfrm>
@@ -8661,6 +9197,9 @@
         </p:txBody>
       </p:sp>
     </p:spTree>
+    <p:custDataLst>
+      <p:tags r:id="rId1"/>
+    </p:custDataLst>
     <p:extLst>
       <p:ext uri="{BB962C8B-B14F-4D97-AF65-F5344CB8AC3E}">
         <p14:creationId xmlns:p14="http://schemas.microsoft.com/office/powerpoint/2010/main" val="1554313781"/>
@@ -8705,6 +9244,9 @@
           </p:cNvSpPr>
           <p:nvPr>
             <p:ph type="title"/>
+            <p:custDataLst>
+              <p:tags r:id="rId2"/>
+            </p:custDataLst>
           </p:nvPr>
         </p:nvSpPr>
         <p:spPr>
@@ -8737,7 +9279,11 @@
         <p:nvSpPr>
           <p:cNvPr id="9" name="8 CuadroTexto"/>
           <p:cNvSpPr txBox="1"/>
-          <p:nvPr/>
+          <p:nvPr>
+            <p:custDataLst>
+              <p:tags r:id="rId3"/>
+            </p:custDataLst>
+          </p:nvPr>
         </p:nvSpPr>
         <p:spPr>
           <a:xfrm>
@@ -8788,10 +9334,14 @@
           <p:cNvPicPr>
             <a:picLocks noChangeAspect="1"/>
           </p:cNvPicPr>
-          <p:nvPr/>
+          <p:nvPr>
+            <p:custDataLst>
+              <p:tags r:id="rId4"/>
+            </p:custDataLst>
+          </p:nvPr>
         </p:nvPicPr>
         <p:blipFill rotWithShape="1">
-          <a:blip r:embed="rId3">
+          <a:blip r:embed="rId8">
             <a:extLst>
               <a:ext uri="{28A0092B-C50C-407E-A947-70E740481C1C}">
                 <a14:useLocalDpi xmlns:a14="http://schemas.microsoft.com/office/drawing/2010/main" val="0"/>
@@ -8821,7 +9371,11 @@
         <p:nvSpPr>
           <p:cNvPr id="5" name="4 Rectángulo"/>
           <p:cNvSpPr/>
-          <p:nvPr/>
+          <p:nvPr>
+            <p:custDataLst>
+              <p:tags r:id="rId5"/>
+            </p:custDataLst>
+          </p:nvPr>
         </p:nvSpPr>
         <p:spPr>
           <a:xfrm>
@@ -8868,6 +9422,9 @@
         </p:txBody>
       </p:sp>
     </p:spTree>
+    <p:custDataLst>
+      <p:tags r:id="rId1"/>
+    </p:custDataLst>
     <p:extLst>
       <p:ext uri="{BB962C8B-B14F-4D97-AF65-F5344CB8AC3E}">
         <p14:creationId xmlns:p14="http://schemas.microsoft.com/office/powerpoint/2010/main" val="873177214"/>
@@ -8912,6 +9469,9 @@
           </p:cNvSpPr>
           <p:nvPr>
             <p:ph type="title"/>
+            <p:custDataLst>
+              <p:tags r:id="rId2"/>
+            </p:custDataLst>
           </p:nvPr>
         </p:nvSpPr>
         <p:spPr>
@@ -8944,7 +9504,11 @@
         <p:nvSpPr>
           <p:cNvPr id="3" name="2 Rectángulo"/>
           <p:cNvSpPr/>
-          <p:nvPr/>
+          <p:nvPr>
+            <p:custDataLst>
+              <p:tags r:id="rId3"/>
+            </p:custDataLst>
+          </p:nvPr>
         </p:nvSpPr>
         <p:spPr>
           <a:xfrm>
@@ -9002,10 +9566,14 @@
           <p:cNvPicPr>
             <a:picLocks noChangeAspect="1" noChangeArrowheads="1"/>
           </p:cNvPicPr>
-          <p:nvPr/>
+          <p:nvPr>
+            <p:custDataLst>
+              <p:tags r:id="rId4"/>
+            </p:custDataLst>
+          </p:nvPr>
         </p:nvPicPr>
         <p:blipFill>
-          <a:blip r:embed="rId3">
+          <a:blip r:embed="rId7">
             <a:extLst>
               <a:ext uri="{28A0092B-C50C-407E-A947-70E740481C1C}">
                 <a14:useLocalDpi xmlns:a14="http://schemas.microsoft.com/office/drawing/2010/main" val="0"/>
@@ -9062,6 +9630,9 @@
         </p:spPr>
       </p:pic>
     </p:spTree>
+    <p:custDataLst>
+      <p:tags r:id="rId1"/>
+    </p:custDataLst>
     <p:extLst>
       <p:ext uri="{BB962C8B-B14F-4D97-AF65-F5344CB8AC3E}">
         <p14:creationId xmlns:p14="http://schemas.microsoft.com/office/powerpoint/2010/main" val="2094414178"/>
@@ -9106,6 +9677,9 @@
           </p:cNvSpPr>
           <p:nvPr>
             <p:ph type="title"/>
+            <p:custDataLst>
+              <p:tags r:id="rId2"/>
+            </p:custDataLst>
           </p:nvPr>
         </p:nvSpPr>
         <p:spPr>
@@ -9138,7 +9712,11 @@
         <p:nvSpPr>
           <p:cNvPr id="3" name="2 Rectángulo"/>
           <p:cNvSpPr/>
-          <p:nvPr/>
+          <p:nvPr>
+            <p:custDataLst>
+              <p:tags r:id="rId3"/>
+            </p:custDataLst>
+          </p:nvPr>
         </p:nvSpPr>
         <p:spPr>
           <a:xfrm>
@@ -9275,10 +9853,14 @@
           <p:cNvPicPr>
             <a:picLocks noChangeAspect="1"/>
           </p:cNvPicPr>
-          <p:nvPr/>
+          <p:nvPr>
+            <p:custDataLst>
+              <p:tags r:id="rId4"/>
+            </p:custDataLst>
+          </p:nvPr>
         </p:nvPicPr>
         <p:blipFill>
-          <a:blip r:embed="rId3">
+          <a:blip r:embed="rId7">
             <a:extLst>
               <a:ext uri="{28A0092B-C50C-407E-A947-70E740481C1C}">
                 <a14:useLocalDpi xmlns:a14="http://schemas.microsoft.com/office/drawing/2010/main" val="0"/>
@@ -9306,6 +9888,9 @@
         </p:spPr>
       </p:pic>
     </p:spTree>
+    <p:custDataLst>
+      <p:tags r:id="rId1"/>
+    </p:custDataLst>
     <p:extLst>
       <p:ext uri="{BB962C8B-B14F-4D97-AF65-F5344CB8AC3E}">
         <p14:creationId xmlns:p14="http://schemas.microsoft.com/office/powerpoint/2010/main" val="1571014780"/>
@@ -9350,6 +9935,9 @@
           </p:cNvSpPr>
           <p:nvPr>
             <p:ph type="title"/>
+            <p:custDataLst>
+              <p:tags r:id="rId2"/>
+            </p:custDataLst>
           </p:nvPr>
         </p:nvSpPr>
         <p:spPr>
@@ -9382,7 +9970,11 @@
         <p:nvSpPr>
           <p:cNvPr id="2" name="1 CuadroTexto"/>
           <p:cNvSpPr txBox="1"/>
-          <p:nvPr/>
+          <p:nvPr>
+            <p:custDataLst>
+              <p:tags r:id="rId3"/>
+            </p:custDataLst>
+          </p:nvPr>
         </p:nvSpPr>
         <p:spPr>
           <a:xfrm>
@@ -9493,7 +10085,11 @@
         <p:nvSpPr>
           <p:cNvPr id="3" name="2 Rectángulo"/>
           <p:cNvSpPr/>
-          <p:nvPr/>
+          <p:nvPr>
+            <p:custDataLst>
+              <p:tags r:id="rId4"/>
+            </p:custDataLst>
+          </p:nvPr>
         </p:nvSpPr>
         <p:spPr>
           <a:xfrm>
@@ -9547,6 +10143,9 @@
         </p:txBody>
       </p:sp>
     </p:spTree>
+    <p:custDataLst>
+      <p:tags r:id="rId1"/>
+    </p:custDataLst>
     <p:extLst>
       <p:ext uri="{BB962C8B-B14F-4D97-AF65-F5344CB8AC3E}">
         <p14:creationId xmlns:p14="http://schemas.microsoft.com/office/powerpoint/2010/main" val="1848309971"/>
@@ -9591,6 +10190,9 @@
           </p:cNvSpPr>
           <p:nvPr>
             <p:ph type="title"/>
+            <p:custDataLst>
+              <p:tags r:id="rId2"/>
+            </p:custDataLst>
           </p:nvPr>
         </p:nvSpPr>
         <p:spPr>
@@ -9623,7 +10225,11 @@
         <p:nvSpPr>
           <p:cNvPr id="3" name="2 Rectángulo"/>
           <p:cNvSpPr/>
-          <p:nvPr/>
+          <p:nvPr>
+            <p:custDataLst>
+              <p:tags r:id="rId3"/>
+            </p:custDataLst>
+          </p:nvPr>
         </p:nvSpPr>
         <p:spPr>
           <a:xfrm>
@@ -9661,6 +10267,9 @@
         </p:txBody>
       </p:sp>
     </p:spTree>
+    <p:custDataLst>
+      <p:tags r:id="rId1"/>
+    </p:custDataLst>
     <p:extLst>
       <p:ext uri="{BB962C8B-B14F-4D97-AF65-F5344CB8AC3E}">
         <p14:creationId xmlns:p14="http://schemas.microsoft.com/office/powerpoint/2010/main" val="1762542377"/>
@@ -9678,6 +10287,882 @@
     </p:tnLst>
   </p:timing>
 </p:sld>
+</file>
+
+<file path=ppt/tags/tag1.xml><?xml version="1.0" encoding="utf-8"?>
+<p:tagLst xmlns:a="http://schemas.openxmlformats.org/drawingml/2006/main" xmlns:r="http://schemas.openxmlformats.org/officeDocument/2006/relationships" xmlns:p="http://schemas.openxmlformats.org/presentationml/2006/main">
+  <p:tag name="DVSHAPEID" val="J78xr1amJSVsgA9UcXQ2nA"/>
+</p:tagLst>
+</file>
+
+<file path=ppt/tags/tag10.xml><?xml version="1.0" encoding="utf-8"?>
+<p:tagLst xmlns:a="http://schemas.openxmlformats.org/drawingml/2006/main" xmlns:r="http://schemas.openxmlformats.org/officeDocument/2006/relationships" xmlns:p="http://schemas.openxmlformats.org/presentationml/2006/main">
+  <p:tag name="DVSHAPEID" val="Odp58axbzPYib5x2e9RTiw"/>
+</p:tagLst>
+</file>
+
+<file path=ppt/tags/tag100.xml><?xml version="1.0" encoding="utf-8"?>
+<p:tagLst xmlns:a="http://schemas.openxmlformats.org/drawingml/2006/main" xmlns:r="http://schemas.openxmlformats.org/officeDocument/2006/relationships" xmlns:p="http://schemas.openxmlformats.org/presentationml/2006/main">
+  <p:tag name="DVSHAPEID" val="vkSy6Awd3lvSIiIly8JJ8v"/>
+</p:tagLst>
+</file>
+
+<file path=ppt/tags/tag101.xml><?xml version="1.0" encoding="utf-8"?>
+<p:tagLst xmlns:a="http://schemas.openxmlformats.org/drawingml/2006/main" xmlns:r="http://schemas.openxmlformats.org/officeDocument/2006/relationships" xmlns:p="http://schemas.openxmlformats.org/presentationml/2006/main">
+  <p:tag name="DVSHAPEID" val="S7SysfZez5CH00ZixVxuzp"/>
+</p:tagLst>
+</file>
+
+<file path=ppt/tags/tag102.xml><?xml version="1.0" encoding="utf-8"?>
+<p:tagLst xmlns:a="http://schemas.openxmlformats.org/drawingml/2006/main" xmlns:r="http://schemas.openxmlformats.org/officeDocument/2006/relationships" xmlns:p="http://schemas.openxmlformats.org/presentationml/2006/main">
+  <p:tag name="DVSECTIONID" val="BZMFbIT4XzLbaYLl6vRQ7Q"/>
+</p:tagLst>
+</file>
+
+<file path=ppt/tags/tag103.xml><?xml version="1.0" encoding="utf-8"?>
+<p:tagLst xmlns:a="http://schemas.openxmlformats.org/drawingml/2006/main" xmlns:r="http://schemas.openxmlformats.org/officeDocument/2006/relationships" xmlns:p="http://schemas.openxmlformats.org/presentationml/2006/main">
+  <p:tag name="DVSHAPEID" val="PFSXajEAyvRZsKFy7gdPLq"/>
+</p:tagLst>
+</file>
+
+<file path=ppt/tags/tag104.xml><?xml version="1.0" encoding="utf-8"?>
+<p:tagLst xmlns:a="http://schemas.openxmlformats.org/drawingml/2006/main" xmlns:r="http://schemas.openxmlformats.org/officeDocument/2006/relationships" xmlns:p="http://schemas.openxmlformats.org/presentationml/2006/main">
+  <p:tag name="DVSHAPEID" val="f0hIlgBNcEWsidFv5GAZw7"/>
+</p:tagLst>
+</file>
+
+<file path=ppt/tags/tag105.xml><?xml version="1.0" encoding="utf-8"?>
+<p:tagLst xmlns:a="http://schemas.openxmlformats.org/drawingml/2006/main" xmlns:r="http://schemas.openxmlformats.org/officeDocument/2006/relationships" xmlns:p="http://schemas.openxmlformats.org/presentationml/2006/main">
+  <p:tag name="DVSHAPEID" val="P0yfDZOghJDppRFrYnYLid"/>
+</p:tagLst>
+</file>
+
+<file path=ppt/tags/tag106.xml><?xml version="1.0" encoding="utf-8"?>
+<p:tagLst xmlns:a="http://schemas.openxmlformats.org/drawingml/2006/main" xmlns:r="http://schemas.openxmlformats.org/officeDocument/2006/relationships" xmlns:p="http://schemas.openxmlformats.org/presentationml/2006/main">
+  <p:tag name="DVSECTIONID" val="6QaPdUBZCvLe6jwlmKcsxw"/>
+</p:tagLst>
+</file>
+
+<file path=ppt/tags/tag107.xml><?xml version="1.0" encoding="utf-8"?>
+<p:tagLst xmlns:a="http://schemas.openxmlformats.org/drawingml/2006/main" xmlns:r="http://schemas.openxmlformats.org/officeDocument/2006/relationships" xmlns:p="http://schemas.openxmlformats.org/presentationml/2006/main">
+  <p:tag name="DVSHAPEID" val="3ZrrSBbxeMU7bha5DBZVmc"/>
+</p:tagLst>
+</file>
+
+<file path=ppt/tags/tag108.xml><?xml version="1.0" encoding="utf-8"?>
+<p:tagLst xmlns:a="http://schemas.openxmlformats.org/drawingml/2006/main" xmlns:r="http://schemas.openxmlformats.org/officeDocument/2006/relationships" xmlns:p="http://schemas.openxmlformats.org/presentationml/2006/main">
+  <p:tag name="DVSHAPEID" val="PSNNPDIc0KOBXyNb6c5JvR"/>
+</p:tagLst>
+</file>
+
+<file path=ppt/tags/tag109.xml><?xml version="1.0" encoding="utf-8"?>
+<p:tagLst xmlns:a="http://schemas.openxmlformats.org/drawingml/2006/main" xmlns:r="http://schemas.openxmlformats.org/officeDocument/2006/relationships" xmlns:p="http://schemas.openxmlformats.org/presentationml/2006/main">
+  <p:tag name="DVSECTIONID" val="Tc0IDerxZaJLSWvmvYtXWf"/>
+</p:tagLst>
+</file>
+
+<file path=ppt/tags/tag11.xml><?xml version="1.0" encoding="utf-8"?>
+<p:tagLst xmlns:a="http://schemas.openxmlformats.org/drawingml/2006/main" xmlns:r="http://schemas.openxmlformats.org/officeDocument/2006/relationships" xmlns:p="http://schemas.openxmlformats.org/presentationml/2006/main">
+  <p:tag name="DVSHAPEID" val="PgfxSiUwKE80N6YBNIEH46"/>
+</p:tagLst>
+</file>
+
+<file path=ppt/tags/tag110.xml><?xml version="1.0" encoding="utf-8"?>
+<p:tagLst xmlns:a="http://schemas.openxmlformats.org/drawingml/2006/main" xmlns:r="http://schemas.openxmlformats.org/officeDocument/2006/relationships" xmlns:p="http://schemas.openxmlformats.org/presentationml/2006/main">
+  <p:tag name="DVSHAPEID" val="vhGohSKmLnQQazD4MxP1L9"/>
+</p:tagLst>
+</file>
+
+<file path=ppt/tags/tag111.xml><?xml version="1.0" encoding="utf-8"?>
+<p:tagLst xmlns:a="http://schemas.openxmlformats.org/drawingml/2006/main" xmlns:r="http://schemas.openxmlformats.org/officeDocument/2006/relationships" xmlns:p="http://schemas.openxmlformats.org/presentationml/2006/main">
+  <p:tag name="DVSHAPEID" val="izjBhruNQDHXnv7rmPsDZr"/>
+</p:tagLst>
+</file>
+
+<file path=ppt/tags/tag112.xml><?xml version="1.0" encoding="utf-8"?>
+<p:tagLst xmlns:a="http://schemas.openxmlformats.org/drawingml/2006/main" xmlns:r="http://schemas.openxmlformats.org/officeDocument/2006/relationships" xmlns:p="http://schemas.openxmlformats.org/presentationml/2006/main">
+  <p:tag name="DVSECTIONID" val="pVSrOL96EEiAWXOuhmy5wA"/>
+</p:tagLst>
+</file>
+
+<file path=ppt/tags/tag113.xml><?xml version="1.0" encoding="utf-8"?>
+<p:tagLst xmlns:a="http://schemas.openxmlformats.org/drawingml/2006/main" xmlns:r="http://schemas.openxmlformats.org/officeDocument/2006/relationships" xmlns:p="http://schemas.openxmlformats.org/presentationml/2006/main">
+  <p:tag name="DVSHAPEID" val="K7ney2pxUt5mZ64FAjSYwd"/>
+</p:tagLst>
+</file>
+
+<file path=ppt/tags/tag114.xml><?xml version="1.0" encoding="utf-8"?>
+<p:tagLst xmlns:a="http://schemas.openxmlformats.org/drawingml/2006/main" xmlns:r="http://schemas.openxmlformats.org/officeDocument/2006/relationships" xmlns:p="http://schemas.openxmlformats.org/presentationml/2006/main">
+  <p:tag name="DVSHAPEID" val="8cb7WkbZz8aQPcd3TsniIe"/>
+</p:tagLst>
+</file>
+
+<file path=ppt/tags/tag115.xml><?xml version="1.0" encoding="utf-8"?>
+<p:tagLst xmlns:a="http://schemas.openxmlformats.org/drawingml/2006/main" xmlns:r="http://schemas.openxmlformats.org/officeDocument/2006/relationships" xmlns:p="http://schemas.openxmlformats.org/presentationml/2006/main">
+  <p:tag name="DVSECTIONID" val="ulrzQ0fdZzADN4QbpFoSw5"/>
+</p:tagLst>
+</file>
+
+<file path=ppt/tags/tag116.xml><?xml version="1.0" encoding="utf-8"?>
+<p:tagLst xmlns:a="http://schemas.openxmlformats.org/drawingml/2006/main" xmlns:r="http://schemas.openxmlformats.org/officeDocument/2006/relationships" xmlns:p="http://schemas.openxmlformats.org/presentationml/2006/main">
+  <p:tag name="DVSHAPEID" val="R0w1mGf9L0VwYb2q55mVTX"/>
+</p:tagLst>
+</file>
+
+<file path=ppt/tags/tag117.xml><?xml version="1.0" encoding="utf-8"?>
+<p:tagLst xmlns:a="http://schemas.openxmlformats.org/drawingml/2006/main" xmlns:r="http://schemas.openxmlformats.org/officeDocument/2006/relationships" xmlns:p="http://schemas.openxmlformats.org/presentationml/2006/main">
+  <p:tag name="DVSHAPEID" val="c8hSswppBdvUlaAVXuKqm9"/>
+</p:tagLst>
+</file>
+
+<file path=ppt/tags/tag118.xml><?xml version="1.0" encoding="utf-8"?>
+<p:tagLst xmlns:a="http://schemas.openxmlformats.org/drawingml/2006/main" xmlns:r="http://schemas.openxmlformats.org/officeDocument/2006/relationships" xmlns:p="http://schemas.openxmlformats.org/presentationml/2006/main">
+  <p:tag name="DVSECTIONID" val="si0xx0H6oQJPrw0fV8RqEI"/>
+</p:tagLst>
+</file>
+
+<file path=ppt/tags/tag119.xml><?xml version="1.0" encoding="utf-8"?>
+<p:tagLst xmlns:a="http://schemas.openxmlformats.org/drawingml/2006/main" xmlns:r="http://schemas.openxmlformats.org/officeDocument/2006/relationships" xmlns:p="http://schemas.openxmlformats.org/presentationml/2006/main">
+  <p:tag name="DVSHAPEID" val="Vid20tmiVNkTOoKudIJloH"/>
+</p:tagLst>
+</file>
+
+<file path=ppt/tags/tag12.xml><?xml version="1.0" encoding="utf-8"?>
+<p:tagLst xmlns:a="http://schemas.openxmlformats.org/drawingml/2006/main" xmlns:r="http://schemas.openxmlformats.org/officeDocument/2006/relationships" xmlns:p="http://schemas.openxmlformats.org/presentationml/2006/main">
+  <p:tag name="DVSHAPEID" val="vgAUvpICWiDin8PBheh24j"/>
+</p:tagLst>
+</file>
+
+<file path=ppt/tags/tag120.xml><?xml version="1.0" encoding="utf-8"?>
+<p:tagLst xmlns:a="http://schemas.openxmlformats.org/drawingml/2006/main" xmlns:r="http://schemas.openxmlformats.org/officeDocument/2006/relationships" xmlns:p="http://schemas.openxmlformats.org/presentationml/2006/main">
+  <p:tag name="DVSHAPEID" val="14QRPa7RbtB2dYEpvW2jhI"/>
+</p:tagLst>
+</file>
+
+<file path=ppt/tags/tag121.xml><?xml version="1.0" encoding="utf-8"?>
+<p:tagLst xmlns:a="http://schemas.openxmlformats.org/drawingml/2006/main" xmlns:r="http://schemas.openxmlformats.org/officeDocument/2006/relationships" xmlns:p="http://schemas.openxmlformats.org/presentationml/2006/main">
+  <p:tag name="DVSHAPEID" val="zrmcath1G0Kdg8c9Dcb4CR"/>
+</p:tagLst>
+</file>
+
+<file path=ppt/tags/tag122.xml><?xml version="1.0" encoding="utf-8"?>
+<p:tagLst xmlns:a="http://schemas.openxmlformats.org/drawingml/2006/main" xmlns:r="http://schemas.openxmlformats.org/officeDocument/2006/relationships" xmlns:p="http://schemas.openxmlformats.org/presentationml/2006/main">
+  <p:tag name="DVSHAPEID" val="iLaLQOcNj5qjvpvCZDA9MA"/>
+</p:tagLst>
+</file>
+
+<file path=ppt/tags/tag123.xml><?xml version="1.0" encoding="utf-8"?>
+<p:tagLst xmlns:a="http://schemas.openxmlformats.org/drawingml/2006/main" xmlns:r="http://schemas.openxmlformats.org/officeDocument/2006/relationships" xmlns:p="http://schemas.openxmlformats.org/presentationml/2006/main">
+  <p:tag name="DVSECTIONID" val="0iaJE5WSHD4oT8zisfwTaJ"/>
+</p:tagLst>
+</file>
+
+<file path=ppt/tags/tag124.xml><?xml version="1.0" encoding="utf-8"?>
+<p:tagLst xmlns:a="http://schemas.openxmlformats.org/drawingml/2006/main" xmlns:r="http://schemas.openxmlformats.org/officeDocument/2006/relationships" xmlns:p="http://schemas.openxmlformats.org/presentationml/2006/main">
+  <p:tag name="DVSHAPEID" val="i0HwdmiQ8d6H8A1pCsPTHF"/>
+</p:tagLst>
+</file>
+
+<file path=ppt/tags/tag125.xml><?xml version="1.0" encoding="utf-8"?>
+<p:tagLst xmlns:a="http://schemas.openxmlformats.org/drawingml/2006/main" xmlns:r="http://schemas.openxmlformats.org/officeDocument/2006/relationships" xmlns:p="http://schemas.openxmlformats.org/presentationml/2006/main">
+  <p:tag name="DVSHAPEID" val="MXDND0cxts5Hta3kAPusXc"/>
+</p:tagLst>
+</file>
+
+<file path=ppt/tags/tag126.xml><?xml version="1.0" encoding="utf-8"?>
+<p:tagLst xmlns:a="http://schemas.openxmlformats.org/drawingml/2006/main" xmlns:r="http://schemas.openxmlformats.org/officeDocument/2006/relationships" xmlns:p="http://schemas.openxmlformats.org/presentationml/2006/main">
+  <p:tag name="DVSECTIONID" val="UXDjbaKf15rJiHnNmBav96"/>
+</p:tagLst>
+</file>
+
+<file path=ppt/tags/tag127.xml><?xml version="1.0" encoding="utf-8"?>
+<p:tagLst xmlns:a="http://schemas.openxmlformats.org/drawingml/2006/main" xmlns:r="http://schemas.openxmlformats.org/officeDocument/2006/relationships" xmlns:p="http://schemas.openxmlformats.org/presentationml/2006/main">
+  <p:tag name="DVSHAPEID" val="dNgUAA18jSTCdKSqIhEBKD"/>
+</p:tagLst>
+</file>
+
+<file path=ppt/tags/tag128.xml><?xml version="1.0" encoding="utf-8"?>
+<p:tagLst xmlns:a="http://schemas.openxmlformats.org/drawingml/2006/main" xmlns:r="http://schemas.openxmlformats.org/officeDocument/2006/relationships" xmlns:p="http://schemas.openxmlformats.org/presentationml/2006/main">
+  <p:tag name="DVSHAPEID" val="Bq6RliRZpeHAKPwJqBvl9d"/>
+</p:tagLst>
+</file>
+
+<file path=ppt/tags/tag129.xml><?xml version="1.0" encoding="utf-8"?>
+<p:tagLst xmlns:a="http://schemas.openxmlformats.org/drawingml/2006/main" xmlns:r="http://schemas.openxmlformats.org/officeDocument/2006/relationships" xmlns:p="http://schemas.openxmlformats.org/presentationml/2006/main">
+  <p:tag name="DVSECTIONID" val="K2DRGCFCULygoc6kTL8sCY"/>
+</p:tagLst>
+</file>
+
+<file path=ppt/tags/tag13.xml><?xml version="1.0" encoding="utf-8"?>
+<p:tagLst xmlns:a="http://schemas.openxmlformats.org/drawingml/2006/main" xmlns:r="http://schemas.openxmlformats.org/officeDocument/2006/relationships" xmlns:p="http://schemas.openxmlformats.org/presentationml/2006/main">
+  <p:tag name="DVSHAPEID" val="9biq3Cm9eArIKYWXNuN8IP"/>
+</p:tagLst>
+</file>
+
+<file path=ppt/tags/tag130.xml><?xml version="1.0" encoding="utf-8"?>
+<p:tagLst xmlns:a="http://schemas.openxmlformats.org/drawingml/2006/main" xmlns:r="http://schemas.openxmlformats.org/officeDocument/2006/relationships" xmlns:p="http://schemas.openxmlformats.org/presentationml/2006/main">
+  <p:tag name="DVSHAPEID" val="OQXjra7cOmrzbPOJfIgktE"/>
+</p:tagLst>
+</file>
+
+<file path=ppt/tags/tag131.xml><?xml version="1.0" encoding="utf-8"?>
+<p:tagLst xmlns:a="http://schemas.openxmlformats.org/drawingml/2006/main" xmlns:r="http://schemas.openxmlformats.org/officeDocument/2006/relationships" xmlns:p="http://schemas.openxmlformats.org/presentationml/2006/main">
+  <p:tag name="DVSHAPEID" val="VCZ3TZR25puoCfT2RGScql"/>
+</p:tagLst>
+</file>
+
+<file path=ppt/tags/tag132.xml><?xml version="1.0" encoding="utf-8"?>
+<p:tagLst xmlns:a="http://schemas.openxmlformats.org/drawingml/2006/main" xmlns:r="http://schemas.openxmlformats.org/officeDocument/2006/relationships" xmlns:p="http://schemas.openxmlformats.org/presentationml/2006/main">
+  <p:tag name="DVSECTIONID" val="X9QRUETUIEzOcAGju7zobG"/>
+</p:tagLst>
+</file>
+
+<file path=ppt/tags/tag133.xml><?xml version="1.0" encoding="utf-8"?>
+<p:tagLst xmlns:a="http://schemas.openxmlformats.org/drawingml/2006/main" xmlns:r="http://schemas.openxmlformats.org/officeDocument/2006/relationships" xmlns:p="http://schemas.openxmlformats.org/presentationml/2006/main">
+  <p:tag name="DVSHAPEID" val="8aDHUGmN4PJ9Vkjnh7kMg2"/>
+</p:tagLst>
+</file>
+
+<file path=ppt/tags/tag134.xml><?xml version="1.0" encoding="utf-8"?>
+<p:tagLst xmlns:a="http://schemas.openxmlformats.org/drawingml/2006/main" xmlns:r="http://schemas.openxmlformats.org/officeDocument/2006/relationships" xmlns:p="http://schemas.openxmlformats.org/presentationml/2006/main">
+  <p:tag name="DVSHAPEID" val="5NczQdQzrgezuOpc5bFhkF"/>
+</p:tagLst>
+</file>
+
+<file path=ppt/tags/tag135.xml><?xml version="1.0" encoding="utf-8"?>
+<p:tagLst xmlns:a="http://schemas.openxmlformats.org/drawingml/2006/main" xmlns:r="http://schemas.openxmlformats.org/officeDocument/2006/relationships" xmlns:p="http://schemas.openxmlformats.org/presentationml/2006/main">
+  <p:tag name="DVSECTIONID" val="b1jbH1HonHtM4t1OI0JZ2T"/>
+</p:tagLst>
+</file>
+
+<file path=ppt/tags/tag136.xml><?xml version="1.0" encoding="utf-8"?>
+<p:tagLst xmlns:a="http://schemas.openxmlformats.org/drawingml/2006/main" xmlns:r="http://schemas.openxmlformats.org/officeDocument/2006/relationships" xmlns:p="http://schemas.openxmlformats.org/presentationml/2006/main">
+  <p:tag name="DVSHAPEID" val="EsjzItpLRE465QulQ9Xunt"/>
+</p:tagLst>
+</file>
+
+<file path=ppt/tags/tag137.xml><?xml version="1.0" encoding="utf-8"?>
+<p:tagLst xmlns:a="http://schemas.openxmlformats.org/drawingml/2006/main" xmlns:r="http://schemas.openxmlformats.org/officeDocument/2006/relationships" xmlns:p="http://schemas.openxmlformats.org/presentationml/2006/main">
+  <p:tag name="DVSHAPEID" val="VmQuX5296ZHq8KfgumaGoA"/>
+</p:tagLst>
+</file>
+
+<file path=ppt/tags/tag138.xml><?xml version="1.0" encoding="utf-8"?>
+<p:tagLst xmlns:a="http://schemas.openxmlformats.org/drawingml/2006/main" xmlns:r="http://schemas.openxmlformats.org/officeDocument/2006/relationships" xmlns:p="http://schemas.openxmlformats.org/presentationml/2006/main">
+  <p:tag name="DVSHAPEID" val="uoJzHJlvkQhbxXJdvkJIx5"/>
+</p:tagLst>
+</file>
+
+<file path=ppt/tags/tag139.xml><?xml version="1.0" encoding="utf-8"?>
+<p:tagLst xmlns:a="http://schemas.openxmlformats.org/drawingml/2006/main" xmlns:r="http://schemas.openxmlformats.org/officeDocument/2006/relationships" xmlns:p="http://schemas.openxmlformats.org/presentationml/2006/main">
+  <p:tag name="DVSHAPEID" val="oFIK5zFAkH4lRsLoniNBER"/>
+</p:tagLst>
+</file>
+
+<file path=ppt/tags/tag14.xml><?xml version="1.0" encoding="utf-8"?>
+<p:tagLst xmlns:a="http://schemas.openxmlformats.org/drawingml/2006/main" xmlns:r="http://schemas.openxmlformats.org/officeDocument/2006/relationships" xmlns:p="http://schemas.openxmlformats.org/presentationml/2006/main">
+  <p:tag name="DVSHAPEID" val="nuJQLcqpq11c7pC4m5gM43"/>
+</p:tagLst>
+</file>
+
+<file path=ppt/tags/tag140.xml><?xml version="1.0" encoding="utf-8"?>
+<p:tagLst xmlns:a="http://schemas.openxmlformats.org/drawingml/2006/main" xmlns:r="http://schemas.openxmlformats.org/officeDocument/2006/relationships" xmlns:p="http://schemas.openxmlformats.org/presentationml/2006/main">
+  <p:tag name="DVSECTIONID" val="GAZvEAh0SdNhYPyJXRckhS"/>
+</p:tagLst>
+</file>
+
+<file path=ppt/tags/tag141.xml><?xml version="1.0" encoding="utf-8"?>
+<p:tagLst xmlns:a="http://schemas.openxmlformats.org/drawingml/2006/main" xmlns:r="http://schemas.openxmlformats.org/officeDocument/2006/relationships" xmlns:p="http://schemas.openxmlformats.org/presentationml/2006/main">
+  <p:tag name="DVSHAPEID" val="8WdhxgRPWG2pZ4RXDLQKvz"/>
+</p:tagLst>
+</file>
+
+<file path=ppt/tags/tag142.xml><?xml version="1.0" encoding="utf-8"?>
+<p:tagLst xmlns:a="http://schemas.openxmlformats.org/drawingml/2006/main" xmlns:r="http://schemas.openxmlformats.org/officeDocument/2006/relationships" xmlns:p="http://schemas.openxmlformats.org/presentationml/2006/main">
+  <p:tag name="DVSHAPEID" val="6b6hs7WrUWqxwLxO2oJvKo"/>
+</p:tagLst>
+</file>
+
+<file path=ppt/tags/tag143.xml><?xml version="1.0" encoding="utf-8"?>
+<p:tagLst xmlns:a="http://schemas.openxmlformats.org/drawingml/2006/main" xmlns:r="http://schemas.openxmlformats.org/officeDocument/2006/relationships" xmlns:p="http://schemas.openxmlformats.org/presentationml/2006/main">
+  <p:tag name="DVSECTIONID" val="kqvciFpyFbEikJbcn77mOg"/>
+</p:tagLst>
+</file>
+
+<file path=ppt/tags/tag144.xml><?xml version="1.0" encoding="utf-8"?>
+<p:tagLst xmlns:a="http://schemas.openxmlformats.org/drawingml/2006/main" xmlns:r="http://schemas.openxmlformats.org/officeDocument/2006/relationships" xmlns:p="http://schemas.openxmlformats.org/presentationml/2006/main">
+  <p:tag name="DVSHAPEID" val="issGxqE1KUmyP1bgNKSvL6"/>
+</p:tagLst>
+</file>
+
+<file path=ppt/tags/tag145.xml><?xml version="1.0" encoding="utf-8"?>
+<p:tagLst xmlns:a="http://schemas.openxmlformats.org/drawingml/2006/main" xmlns:r="http://schemas.openxmlformats.org/officeDocument/2006/relationships" xmlns:p="http://schemas.openxmlformats.org/presentationml/2006/main">
+  <p:tag name="DVSHAPEID" val="Yry5qPJr1ZPISEOMzwMSbw"/>
+</p:tagLst>
+</file>
+
+<file path=ppt/tags/tag146.xml><?xml version="1.0" encoding="utf-8"?>
+<p:tagLst xmlns:a="http://schemas.openxmlformats.org/drawingml/2006/main" xmlns:r="http://schemas.openxmlformats.org/officeDocument/2006/relationships" xmlns:p="http://schemas.openxmlformats.org/presentationml/2006/main">
+  <p:tag name="DVSHAPEID" val="bXVvCMAYCeCbu18sZOiiTm"/>
+</p:tagLst>
+</file>
+
+<file path=ppt/tags/tag15.xml><?xml version="1.0" encoding="utf-8"?>
+<p:tagLst xmlns:a="http://schemas.openxmlformats.org/drawingml/2006/main" xmlns:r="http://schemas.openxmlformats.org/officeDocument/2006/relationships" xmlns:p="http://schemas.openxmlformats.org/presentationml/2006/main">
+  <p:tag name="DVSHAPEID" val="QFnREkrMeWAkNOHcQ9IP9p"/>
+</p:tagLst>
+</file>
+
+<file path=ppt/tags/tag16.xml><?xml version="1.0" encoding="utf-8"?>
+<p:tagLst xmlns:a="http://schemas.openxmlformats.org/drawingml/2006/main" xmlns:r="http://schemas.openxmlformats.org/officeDocument/2006/relationships" xmlns:p="http://schemas.openxmlformats.org/presentationml/2006/main">
+  <p:tag name="DVSHAPEID" val="GyRwlI8HSVLjE4sUx6YDM5"/>
+</p:tagLst>
+</file>
+
+<file path=ppt/tags/tag17.xml><?xml version="1.0" encoding="utf-8"?>
+<p:tagLst xmlns:a="http://schemas.openxmlformats.org/drawingml/2006/main" xmlns:r="http://schemas.openxmlformats.org/officeDocument/2006/relationships" xmlns:p="http://schemas.openxmlformats.org/presentationml/2006/main">
+  <p:tag name="DVSHAPEID" val="BMCOn9e64fTqYPZ7YJDx4E"/>
+</p:tagLst>
+</file>
+
+<file path=ppt/tags/tag18.xml><?xml version="1.0" encoding="utf-8"?>
+<p:tagLst xmlns:a="http://schemas.openxmlformats.org/drawingml/2006/main" xmlns:r="http://schemas.openxmlformats.org/officeDocument/2006/relationships" xmlns:p="http://schemas.openxmlformats.org/presentationml/2006/main">
+  <p:tag name="DVSHAPEID" val="yt9DKWBBRwCBW4UxkZsLRw"/>
+</p:tagLst>
+</file>
+
+<file path=ppt/tags/tag19.xml><?xml version="1.0" encoding="utf-8"?>
+<p:tagLst xmlns:a="http://schemas.openxmlformats.org/drawingml/2006/main" xmlns:r="http://schemas.openxmlformats.org/officeDocument/2006/relationships" xmlns:p="http://schemas.openxmlformats.org/presentationml/2006/main">
+  <p:tag name="DVSHAPEID" val="qd5DUq7eZf1Xe8EJpivsnn"/>
+</p:tagLst>
+</file>
+
+<file path=ppt/tags/tag2.xml><?xml version="1.0" encoding="utf-8"?>
+<p:tagLst xmlns:a="http://schemas.openxmlformats.org/drawingml/2006/main" xmlns:r="http://schemas.openxmlformats.org/officeDocument/2006/relationships" xmlns:p="http://schemas.openxmlformats.org/presentationml/2006/main">
+  <p:tag name="DVSHAPEID" val="6H9ND7wYASCOdOn5kzOgvJ"/>
+</p:tagLst>
+</file>
+
+<file path=ppt/tags/tag20.xml><?xml version="1.0" encoding="utf-8"?>
+<p:tagLst xmlns:a="http://schemas.openxmlformats.org/drawingml/2006/main" xmlns:r="http://schemas.openxmlformats.org/officeDocument/2006/relationships" xmlns:p="http://schemas.openxmlformats.org/presentationml/2006/main">
+  <p:tag name="DVSHAPEID" val="NnSUcroE4iN23Wx71buCwn"/>
+</p:tagLst>
+</file>
+
+<file path=ppt/tags/tag21.xml><?xml version="1.0" encoding="utf-8"?>
+<p:tagLst xmlns:a="http://schemas.openxmlformats.org/drawingml/2006/main" xmlns:r="http://schemas.openxmlformats.org/officeDocument/2006/relationships" xmlns:p="http://schemas.openxmlformats.org/presentationml/2006/main">
+  <p:tag name="DVSHAPEID" val="zZQMTAAago82qHKZdGPlbI"/>
+</p:tagLst>
+</file>
+
+<file path=ppt/tags/tag22.xml><?xml version="1.0" encoding="utf-8"?>
+<p:tagLst xmlns:a="http://schemas.openxmlformats.org/drawingml/2006/main" xmlns:r="http://schemas.openxmlformats.org/officeDocument/2006/relationships" xmlns:p="http://schemas.openxmlformats.org/presentationml/2006/main">
+  <p:tag name="DVSHAPEID" val="9b4HbhgjYLRqNT4qyO4U2o"/>
+</p:tagLst>
+</file>
+
+<file path=ppt/tags/tag23.xml><?xml version="1.0" encoding="utf-8"?>
+<p:tagLst xmlns:a="http://schemas.openxmlformats.org/drawingml/2006/main" xmlns:r="http://schemas.openxmlformats.org/officeDocument/2006/relationships" xmlns:p="http://schemas.openxmlformats.org/presentationml/2006/main">
+  <p:tag name="DVSHAPEID" val="T1wQm1XOMbbQPEIboiTWqm"/>
+</p:tagLst>
+</file>
+
+<file path=ppt/tags/tag24.xml><?xml version="1.0" encoding="utf-8"?>
+<p:tagLst xmlns:a="http://schemas.openxmlformats.org/drawingml/2006/main" xmlns:r="http://schemas.openxmlformats.org/officeDocument/2006/relationships" xmlns:p="http://schemas.openxmlformats.org/presentationml/2006/main">
+  <p:tag name="DVSHAPEID" val="bZURVN71ghGLh3blVfmaYG"/>
+</p:tagLst>
+</file>
+
+<file path=ppt/tags/tag25.xml><?xml version="1.0" encoding="utf-8"?>
+<p:tagLst xmlns:a="http://schemas.openxmlformats.org/drawingml/2006/main" xmlns:r="http://schemas.openxmlformats.org/officeDocument/2006/relationships" xmlns:p="http://schemas.openxmlformats.org/presentationml/2006/main">
+  <p:tag name="DVSHAPEID" val="eX4pHmpM05YwPwVv6aGLUU"/>
+</p:tagLst>
+</file>
+
+<file path=ppt/tags/tag26.xml><?xml version="1.0" encoding="utf-8"?>
+<p:tagLst xmlns:a="http://schemas.openxmlformats.org/drawingml/2006/main" xmlns:r="http://schemas.openxmlformats.org/officeDocument/2006/relationships" xmlns:p="http://schemas.openxmlformats.org/presentationml/2006/main">
+  <p:tag name="DVSHAPEID" val="94mE02mEAfovLWNw5LBugB"/>
+</p:tagLst>
+</file>
+
+<file path=ppt/tags/tag27.xml><?xml version="1.0" encoding="utf-8"?>
+<p:tagLst xmlns:a="http://schemas.openxmlformats.org/drawingml/2006/main" xmlns:r="http://schemas.openxmlformats.org/officeDocument/2006/relationships" xmlns:p="http://schemas.openxmlformats.org/presentationml/2006/main">
+  <p:tag name="DVSHAPEID" val="MLdEpp8btcLjN023mmpmuI"/>
+</p:tagLst>
+</file>
+
+<file path=ppt/tags/tag28.xml><?xml version="1.0" encoding="utf-8"?>
+<p:tagLst xmlns:a="http://schemas.openxmlformats.org/drawingml/2006/main" xmlns:r="http://schemas.openxmlformats.org/officeDocument/2006/relationships" xmlns:p="http://schemas.openxmlformats.org/presentationml/2006/main">
+  <p:tag name="DVSHAPEID" val="8kLYIA5V9qEyhBrlCWvpLb"/>
+</p:tagLst>
+</file>
+
+<file path=ppt/tags/tag29.xml><?xml version="1.0" encoding="utf-8"?>
+<p:tagLst xmlns:a="http://schemas.openxmlformats.org/drawingml/2006/main" xmlns:r="http://schemas.openxmlformats.org/officeDocument/2006/relationships" xmlns:p="http://schemas.openxmlformats.org/presentationml/2006/main">
+  <p:tag name="DVSHAPEID" val="Jr9Mt2of4T63CTTqHy6y3l"/>
+</p:tagLst>
+</file>
+
+<file path=ppt/tags/tag3.xml><?xml version="1.0" encoding="utf-8"?>
+<p:tagLst xmlns:a="http://schemas.openxmlformats.org/drawingml/2006/main" xmlns:r="http://schemas.openxmlformats.org/officeDocument/2006/relationships" xmlns:p="http://schemas.openxmlformats.org/presentationml/2006/main">
+  <p:tag name="DVSHAPEID" val="g2Kxi5BkrRY90rnEn2PKh2"/>
+</p:tagLst>
+</file>
+
+<file path=ppt/tags/tag30.xml><?xml version="1.0" encoding="utf-8"?>
+<p:tagLst xmlns:a="http://schemas.openxmlformats.org/drawingml/2006/main" xmlns:r="http://schemas.openxmlformats.org/officeDocument/2006/relationships" xmlns:p="http://schemas.openxmlformats.org/presentationml/2006/main">
+  <p:tag name="DVSHAPEID" val="EeIqC1JsQ5WWBjPV62wUlL"/>
+</p:tagLst>
+</file>
+
+<file path=ppt/tags/tag31.xml><?xml version="1.0" encoding="utf-8"?>
+<p:tagLst xmlns:a="http://schemas.openxmlformats.org/drawingml/2006/main" xmlns:r="http://schemas.openxmlformats.org/officeDocument/2006/relationships" xmlns:p="http://schemas.openxmlformats.org/presentationml/2006/main">
+  <p:tag name="DVSHAPEID" val="rdYyrbfWid8nNV43qmvB20"/>
+</p:tagLst>
+</file>
+
+<file path=ppt/tags/tag32.xml><?xml version="1.0" encoding="utf-8"?>
+<p:tagLst xmlns:a="http://schemas.openxmlformats.org/drawingml/2006/main" xmlns:r="http://schemas.openxmlformats.org/officeDocument/2006/relationships" xmlns:p="http://schemas.openxmlformats.org/presentationml/2006/main">
+  <p:tag name="DVSHAPEID" val="7FhABMs329ZTMvr3AxdTNJ"/>
+</p:tagLst>
+</file>
+
+<file path=ppt/tags/tag33.xml><?xml version="1.0" encoding="utf-8"?>
+<p:tagLst xmlns:a="http://schemas.openxmlformats.org/drawingml/2006/main" xmlns:r="http://schemas.openxmlformats.org/officeDocument/2006/relationships" xmlns:p="http://schemas.openxmlformats.org/presentationml/2006/main">
+  <p:tag name="DVSHAPEID" val="OdwTR3C9oJIq6jgQAtuebZ"/>
+</p:tagLst>
+</file>
+
+<file path=ppt/tags/tag34.xml><?xml version="1.0" encoding="utf-8"?>
+<p:tagLst xmlns:a="http://schemas.openxmlformats.org/drawingml/2006/main" xmlns:r="http://schemas.openxmlformats.org/officeDocument/2006/relationships" xmlns:p="http://schemas.openxmlformats.org/presentationml/2006/main">
+  <p:tag name="DVSHAPEID" val="oT8zBmMYo8dnR34HUprSKf"/>
+</p:tagLst>
+</file>
+
+<file path=ppt/tags/tag35.xml><?xml version="1.0" encoding="utf-8"?>
+<p:tagLst xmlns:a="http://schemas.openxmlformats.org/drawingml/2006/main" xmlns:r="http://schemas.openxmlformats.org/officeDocument/2006/relationships" xmlns:p="http://schemas.openxmlformats.org/presentationml/2006/main">
+  <p:tag name="DVSHAPEID" val="blo8NJXJpyyPPCLirgmplz"/>
+</p:tagLst>
+</file>
+
+<file path=ppt/tags/tag36.xml><?xml version="1.0" encoding="utf-8"?>
+<p:tagLst xmlns:a="http://schemas.openxmlformats.org/drawingml/2006/main" xmlns:r="http://schemas.openxmlformats.org/officeDocument/2006/relationships" xmlns:p="http://schemas.openxmlformats.org/presentationml/2006/main">
+  <p:tag name="DVSHAPEID" val="dJscMSy5Nie8IMasy30EJF"/>
+</p:tagLst>
+</file>
+
+<file path=ppt/tags/tag37.xml><?xml version="1.0" encoding="utf-8"?>
+<p:tagLst xmlns:a="http://schemas.openxmlformats.org/drawingml/2006/main" xmlns:r="http://schemas.openxmlformats.org/officeDocument/2006/relationships" xmlns:p="http://schemas.openxmlformats.org/presentationml/2006/main">
+  <p:tag name="DVSHAPEID" val="O1erWCXavkUB8FGBX5bkLg"/>
+</p:tagLst>
+</file>
+
+<file path=ppt/tags/tag38.xml><?xml version="1.0" encoding="utf-8"?>
+<p:tagLst xmlns:a="http://schemas.openxmlformats.org/drawingml/2006/main" xmlns:r="http://schemas.openxmlformats.org/officeDocument/2006/relationships" xmlns:p="http://schemas.openxmlformats.org/presentationml/2006/main">
+  <p:tag name="DVSHAPEID" val="BHUY7ZHjoGQyUqYkVV8CMT"/>
+</p:tagLst>
+</file>
+
+<file path=ppt/tags/tag39.xml><?xml version="1.0" encoding="utf-8"?>
+<p:tagLst xmlns:a="http://schemas.openxmlformats.org/drawingml/2006/main" xmlns:r="http://schemas.openxmlformats.org/officeDocument/2006/relationships" xmlns:p="http://schemas.openxmlformats.org/presentationml/2006/main">
+  <p:tag name="DVSHAPEID" val="d6EuLX6VtpTyqxxXvXtbVd"/>
+</p:tagLst>
+</file>
+
+<file path=ppt/tags/tag4.xml><?xml version="1.0" encoding="utf-8"?>
+<p:tagLst xmlns:a="http://schemas.openxmlformats.org/drawingml/2006/main" xmlns:r="http://schemas.openxmlformats.org/officeDocument/2006/relationships" xmlns:p="http://schemas.openxmlformats.org/presentationml/2006/main">
+  <p:tag name="DVSHAPEID" val="Prnlx7Chd74mq725PrmgrL"/>
+</p:tagLst>
+</file>
+
+<file path=ppt/tags/tag40.xml><?xml version="1.0" encoding="utf-8"?>
+<p:tagLst xmlns:a="http://schemas.openxmlformats.org/drawingml/2006/main" xmlns:r="http://schemas.openxmlformats.org/officeDocument/2006/relationships" xmlns:p="http://schemas.openxmlformats.org/presentationml/2006/main">
+  <p:tag name="DVSHAPEID" val="LALgDC9fc8tHtOkDdJdtdq"/>
+</p:tagLst>
+</file>
+
+<file path=ppt/tags/tag41.xml><?xml version="1.0" encoding="utf-8"?>
+<p:tagLst xmlns:a="http://schemas.openxmlformats.org/drawingml/2006/main" xmlns:r="http://schemas.openxmlformats.org/officeDocument/2006/relationships" xmlns:p="http://schemas.openxmlformats.org/presentationml/2006/main">
+  <p:tag name="DVSHAPEID" val="El0rNXqa8AXZk4IvktMddL"/>
+</p:tagLst>
+</file>
+
+<file path=ppt/tags/tag42.xml><?xml version="1.0" encoding="utf-8"?>
+<p:tagLst xmlns:a="http://schemas.openxmlformats.org/drawingml/2006/main" xmlns:r="http://schemas.openxmlformats.org/officeDocument/2006/relationships" xmlns:p="http://schemas.openxmlformats.org/presentationml/2006/main">
+  <p:tag name="DVSHAPEID" val="5I3IDRKJYs0lVpfcObP1ZS"/>
+</p:tagLst>
+</file>
+
+<file path=ppt/tags/tag43.xml><?xml version="1.0" encoding="utf-8"?>
+<p:tagLst xmlns:a="http://schemas.openxmlformats.org/drawingml/2006/main" xmlns:r="http://schemas.openxmlformats.org/officeDocument/2006/relationships" xmlns:p="http://schemas.openxmlformats.org/presentationml/2006/main">
+  <p:tag name="DVSHAPEID" val="KtufUHpJGZdTgin4kyppCu"/>
+</p:tagLst>
+</file>
+
+<file path=ppt/tags/tag44.xml><?xml version="1.0" encoding="utf-8"?>
+<p:tagLst xmlns:a="http://schemas.openxmlformats.org/drawingml/2006/main" xmlns:r="http://schemas.openxmlformats.org/officeDocument/2006/relationships" xmlns:p="http://schemas.openxmlformats.org/presentationml/2006/main">
+  <p:tag name="DVSHAPEID" val="ZZ8jg8FBobLcYzeoX3keM0"/>
+</p:tagLst>
+</file>
+
+<file path=ppt/tags/tag45.xml><?xml version="1.0" encoding="utf-8"?>
+<p:tagLst xmlns:a="http://schemas.openxmlformats.org/drawingml/2006/main" xmlns:r="http://schemas.openxmlformats.org/officeDocument/2006/relationships" xmlns:p="http://schemas.openxmlformats.org/presentationml/2006/main">
+  <p:tag name="DVSHAPEID" val="728XOJRgCAffuv7Brg45B2"/>
+</p:tagLst>
+</file>
+
+<file path=ppt/tags/tag46.xml><?xml version="1.0" encoding="utf-8"?>
+<p:tagLst xmlns:a="http://schemas.openxmlformats.org/drawingml/2006/main" xmlns:r="http://schemas.openxmlformats.org/officeDocument/2006/relationships" xmlns:p="http://schemas.openxmlformats.org/presentationml/2006/main">
+  <p:tag name="DVSHAPEID" val="74jOPWBm5nIYR6aikVK8ya"/>
+</p:tagLst>
+</file>
+
+<file path=ppt/tags/tag47.xml><?xml version="1.0" encoding="utf-8"?>
+<p:tagLst xmlns:a="http://schemas.openxmlformats.org/drawingml/2006/main" xmlns:r="http://schemas.openxmlformats.org/officeDocument/2006/relationships" xmlns:p="http://schemas.openxmlformats.org/presentationml/2006/main">
+  <p:tag name="DVSHAPEID" val="WI4JgmB3aHp4U4D0UVEfvS"/>
+</p:tagLst>
+</file>
+
+<file path=ppt/tags/tag48.xml><?xml version="1.0" encoding="utf-8"?>
+<p:tagLst xmlns:a="http://schemas.openxmlformats.org/drawingml/2006/main" xmlns:r="http://schemas.openxmlformats.org/officeDocument/2006/relationships" xmlns:p="http://schemas.openxmlformats.org/presentationml/2006/main">
+  <p:tag name="DVSHAPEID" val="xvD1q8W8lstW7BJ5FfK1d1"/>
+</p:tagLst>
+</file>
+
+<file path=ppt/tags/tag49.xml><?xml version="1.0" encoding="utf-8"?>
+<p:tagLst xmlns:a="http://schemas.openxmlformats.org/drawingml/2006/main" xmlns:r="http://schemas.openxmlformats.org/officeDocument/2006/relationships" xmlns:p="http://schemas.openxmlformats.org/presentationml/2006/main">
+  <p:tag name="DVSHAPEID" val="zMb5Ek1OtjF4bz6fVt71lW"/>
+</p:tagLst>
+</file>
+
+<file path=ppt/tags/tag5.xml><?xml version="1.0" encoding="utf-8"?>
+<p:tagLst xmlns:a="http://schemas.openxmlformats.org/drawingml/2006/main" xmlns:r="http://schemas.openxmlformats.org/officeDocument/2006/relationships" xmlns:p="http://schemas.openxmlformats.org/presentationml/2006/main">
+  <p:tag name="DVSHAPEID" val="Q4NVIGbLqLsecjaXxuHaDR"/>
+</p:tagLst>
+</file>
+
+<file path=ppt/tags/tag50.xml><?xml version="1.0" encoding="utf-8"?>
+<p:tagLst xmlns:a="http://schemas.openxmlformats.org/drawingml/2006/main" xmlns:r="http://schemas.openxmlformats.org/officeDocument/2006/relationships" xmlns:p="http://schemas.openxmlformats.org/presentationml/2006/main">
+  <p:tag name="DVSHAPEID" val="BXW2gOgpvtEvWQPktC7wZa"/>
+</p:tagLst>
+</file>
+
+<file path=ppt/tags/tag51.xml><?xml version="1.0" encoding="utf-8"?>
+<p:tagLst xmlns:a="http://schemas.openxmlformats.org/drawingml/2006/main" xmlns:r="http://schemas.openxmlformats.org/officeDocument/2006/relationships" xmlns:p="http://schemas.openxmlformats.org/presentationml/2006/main">
+  <p:tag name="DVSHAPEID" val="h3p9ZpjhUbFCbd9C3cy4Nb"/>
+</p:tagLst>
+</file>
+
+<file path=ppt/tags/tag52.xml><?xml version="1.0" encoding="utf-8"?>
+<p:tagLst xmlns:a="http://schemas.openxmlformats.org/drawingml/2006/main" xmlns:r="http://schemas.openxmlformats.org/officeDocument/2006/relationships" xmlns:p="http://schemas.openxmlformats.org/presentationml/2006/main">
+  <p:tag name="DVSHAPEID" val="pFDfqBZvTPXqGTC6OQ6ezs"/>
+</p:tagLst>
+</file>
+
+<file path=ppt/tags/tag53.xml><?xml version="1.0" encoding="utf-8"?>
+<p:tagLst xmlns:a="http://schemas.openxmlformats.org/drawingml/2006/main" xmlns:r="http://schemas.openxmlformats.org/officeDocument/2006/relationships" xmlns:p="http://schemas.openxmlformats.org/presentationml/2006/main">
+  <p:tag name="DVSHAPEID" val="QjFCbRyUXVm5DJwJZIhphP"/>
+</p:tagLst>
+</file>
+
+<file path=ppt/tags/tag54.xml><?xml version="1.0" encoding="utf-8"?>
+<p:tagLst xmlns:a="http://schemas.openxmlformats.org/drawingml/2006/main" xmlns:r="http://schemas.openxmlformats.org/officeDocument/2006/relationships" xmlns:p="http://schemas.openxmlformats.org/presentationml/2006/main">
+  <p:tag name="DVSHAPEID" val="FKxfZWoIXzCWPjAOp8WZS2"/>
+</p:tagLst>
+</file>
+
+<file path=ppt/tags/tag55.xml><?xml version="1.0" encoding="utf-8"?>
+<p:tagLst xmlns:a="http://schemas.openxmlformats.org/drawingml/2006/main" xmlns:r="http://schemas.openxmlformats.org/officeDocument/2006/relationships" xmlns:p="http://schemas.openxmlformats.org/presentationml/2006/main">
+  <p:tag name="DVSHAPEID" val="3BfSA5RoWaa0DU4WRCwfXN"/>
+</p:tagLst>
+</file>
+
+<file path=ppt/tags/tag56.xml><?xml version="1.0" encoding="utf-8"?>
+<p:tagLst xmlns:a="http://schemas.openxmlformats.org/drawingml/2006/main" xmlns:r="http://schemas.openxmlformats.org/officeDocument/2006/relationships" xmlns:p="http://schemas.openxmlformats.org/presentationml/2006/main">
+  <p:tag name="DVSHAPEID" val="sGUc9ai8siXDGVZ6mjQzCr"/>
+</p:tagLst>
+</file>
+
+<file path=ppt/tags/tag57.xml><?xml version="1.0" encoding="utf-8"?>
+<p:tagLst xmlns:a="http://schemas.openxmlformats.org/drawingml/2006/main" xmlns:r="http://schemas.openxmlformats.org/officeDocument/2006/relationships" xmlns:p="http://schemas.openxmlformats.org/presentationml/2006/main">
+  <p:tag name="DVSHAPEID" val="MPGFJthksD4f8zYnVG5OHS"/>
+</p:tagLst>
+</file>
+
+<file path=ppt/tags/tag58.xml><?xml version="1.0" encoding="utf-8"?>
+<p:tagLst xmlns:a="http://schemas.openxmlformats.org/drawingml/2006/main" xmlns:r="http://schemas.openxmlformats.org/officeDocument/2006/relationships" xmlns:p="http://schemas.openxmlformats.org/presentationml/2006/main">
+  <p:tag name="DVSHAPEID" val="30d9WKfdpob0U4wtrPR8Pk"/>
+</p:tagLst>
+</file>
+
+<file path=ppt/tags/tag59.xml><?xml version="1.0" encoding="utf-8"?>
+<p:tagLst xmlns:a="http://schemas.openxmlformats.org/drawingml/2006/main" xmlns:r="http://schemas.openxmlformats.org/officeDocument/2006/relationships" xmlns:p="http://schemas.openxmlformats.org/presentationml/2006/main">
+  <p:tag name="DVSHAPEID" val="yqNq8Zn9tOKTLFszxx4fdF"/>
+</p:tagLst>
+</file>
+
+<file path=ppt/tags/tag6.xml><?xml version="1.0" encoding="utf-8"?>
+<p:tagLst xmlns:a="http://schemas.openxmlformats.org/drawingml/2006/main" xmlns:r="http://schemas.openxmlformats.org/officeDocument/2006/relationships" xmlns:p="http://schemas.openxmlformats.org/presentationml/2006/main">
+  <p:tag name="DVSHAPEID" val="5E1fChdno1B4BixBoW5rGj"/>
+</p:tagLst>
+</file>
+
+<file path=ppt/tags/tag60.xml><?xml version="1.0" encoding="utf-8"?>
+<p:tagLst xmlns:a="http://schemas.openxmlformats.org/drawingml/2006/main" xmlns:r="http://schemas.openxmlformats.org/officeDocument/2006/relationships" xmlns:p="http://schemas.openxmlformats.org/presentationml/2006/main">
+  <p:tag name="DVSHAPEID" val="47EUQsegWz2IrMlvCgQfVn"/>
+</p:tagLst>
+</file>
+
+<file path=ppt/tags/tag61.xml><?xml version="1.0" encoding="utf-8"?>
+<p:tagLst xmlns:a="http://schemas.openxmlformats.org/drawingml/2006/main" xmlns:r="http://schemas.openxmlformats.org/officeDocument/2006/relationships" xmlns:p="http://schemas.openxmlformats.org/presentationml/2006/main">
+  <p:tag name="DVSHAPEID" val="g0iQ1Rhk4A6SmFMd8UUcRb"/>
+</p:tagLst>
+</file>
+
+<file path=ppt/tags/tag62.xml><?xml version="1.0" encoding="utf-8"?>
+<p:tagLst xmlns:a="http://schemas.openxmlformats.org/drawingml/2006/main" xmlns:r="http://schemas.openxmlformats.org/officeDocument/2006/relationships" xmlns:p="http://schemas.openxmlformats.org/presentationml/2006/main">
+  <p:tag name="DVSHAPEID" val="R2eFe1VNpYKHRDBZrnYCus"/>
+</p:tagLst>
+</file>
+
+<file path=ppt/tags/tag63.xml><?xml version="1.0" encoding="utf-8"?>
+<p:tagLst xmlns:a="http://schemas.openxmlformats.org/drawingml/2006/main" xmlns:r="http://schemas.openxmlformats.org/officeDocument/2006/relationships" xmlns:p="http://schemas.openxmlformats.org/presentationml/2006/main">
+  <p:tag name="DVSHAPEID" val="CyqGJo8VlIv59gClDgphb8"/>
+</p:tagLst>
+</file>
+
+<file path=ppt/tags/tag64.xml><?xml version="1.0" encoding="utf-8"?>
+<p:tagLst xmlns:a="http://schemas.openxmlformats.org/drawingml/2006/main" xmlns:r="http://schemas.openxmlformats.org/officeDocument/2006/relationships" xmlns:p="http://schemas.openxmlformats.org/presentationml/2006/main">
+  <p:tag name="DVSECTIONID" val="2XWr3HSZJfLugYrDJ068A5"/>
+</p:tagLst>
+</file>
+
+<file path=ppt/tags/tag65.xml><?xml version="1.0" encoding="utf-8"?>
+<p:tagLst xmlns:a="http://schemas.openxmlformats.org/drawingml/2006/main" xmlns:r="http://schemas.openxmlformats.org/officeDocument/2006/relationships" xmlns:p="http://schemas.openxmlformats.org/presentationml/2006/main">
+  <p:tag name="DVSHAPEID" val="YNvbgY3RMHBOfyZrhBBkxC"/>
+</p:tagLst>
+</file>
+
+<file path=ppt/tags/tag66.xml><?xml version="1.0" encoding="utf-8"?>
+<p:tagLst xmlns:a="http://schemas.openxmlformats.org/drawingml/2006/main" xmlns:r="http://schemas.openxmlformats.org/officeDocument/2006/relationships" xmlns:p="http://schemas.openxmlformats.org/presentationml/2006/main">
+  <p:tag name="DVSHAPEID" val="DGvOyKu5dU44sIH6pruNoW"/>
+</p:tagLst>
+</file>
+
+<file path=ppt/tags/tag67.xml><?xml version="1.0" encoding="utf-8"?>
+<p:tagLst xmlns:a="http://schemas.openxmlformats.org/drawingml/2006/main" xmlns:r="http://schemas.openxmlformats.org/officeDocument/2006/relationships" xmlns:p="http://schemas.openxmlformats.org/presentationml/2006/main">
+  <p:tag name="DVSHAPEID" val="GwtCdVPwLtImaPGrqinHuG"/>
+</p:tagLst>
+</file>
+
+<file path=ppt/tags/tag68.xml><?xml version="1.0" encoding="utf-8"?>
+<p:tagLst xmlns:a="http://schemas.openxmlformats.org/drawingml/2006/main" xmlns:r="http://schemas.openxmlformats.org/officeDocument/2006/relationships" xmlns:p="http://schemas.openxmlformats.org/presentationml/2006/main">
+  <p:tag name="DVSHAPEID" val="Jb6hKabaPJdGZYlVxyfH9A"/>
+</p:tagLst>
+</file>
+
+<file path=ppt/tags/tag69.xml><?xml version="1.0" encoding="utf-8"?>
+<p:tagLst xmlns:a="http://schemas.openxmlformats.org/drawingml/2006/main" xmlns:r="http://schemas.openxmlformats.org/officeDocument/2006/relationships" xmlns:p="http://schemas.openxmlformats.org/presentationml/2006/main">
+  <p:tag name="DVSHAPEID" val="m6xRqX1bqHrZMhwWaFkBEY"/>
+</p:tagLst>
+</file>
+
+<file path=ppt/tags/tag7.xml><?xml version="1.0" encoding="utf-8"?>
+<p:tagLst xmlns:a="http://schemas.openxmlformats.org/drawingml/2006/main" xmlns:r="http://schemas.openxmlformats.org/officeDocument/2006/relationships" xmlns:p="http://schemas.openxmlformats.org/presentationml/2006/main">
+  <p:tag name="DVSHAPEID" val="UcVIVRTRyg7ZY9Us3Ty3mq"/>
+</p:tagLst>
+</file>
+
+<file path=ppt/tags/tag70.xml><?xml version="1.0" encoding="utf-8"?>
+<p:tagLst xmlns:a="http://schemas.openxmlformats.org/drawingml/2006/main" xmlns:r="http://schemas.openxmlformats.org/officeDocument/2006/relationships" xmlns:p="http://schemas.openxmlformats.org/presentationml/2006/main">
+  <p:tag name="DVSECTIONID" val="fSI1SWM36LVjHhdmXNDUIO"/>
+</p:tagLst>
+</file>
+
+<file path=ppt/tags/tag71.xml><?xml version="1.0" encoding="utf-8"?>
+<p:tagLst xmlns:a="http://schemas.openxmlformats.org/drawingml/2006/main" xmlns:r="http://schemas.openxmlformats.org/officeDocument/2006/relationships" xmlns:p="http://schemas.openxmlformats.org/presentationml/2006/main">
+  <p:tag name="DVSHAPEID" val="8tPH6uLOrNx8P0JTKe8Djw"/>
+</p:tagLst>
+</file>
+
+<file path=ppt/tags/tag72.xml><?xml version="1.0" encoding="utf-8"?>
+<p:tagLst xmlns:a="http://schemas.openxmlformats.org/drawingml/2006/main" xmlns:r="http://schemas.openxmlformats.org/officeDocument/2006/relationships" xmlns:p="http://schemas.openxmlformats.org/presentationml/2006/main">
+  <p:tag name="DVSHAPEID" val="fZc3oBoAnxWoX42IRwqBfE"/>
+</p:tagLst>
+</file>
+
+<file path=ppt/tags/tag73.xml><?xml version="1.0" encoding="utf-8"?>
+<p:tagLst xmlns:a="http://schemas.openxmlformats.org/drawingml/2006/main" xmlns:r="http://schemas.openxmlformats.org/officeDocument/2006/relationships" xmlns:p="http://schemas.openxmlformats.org/presentationml/2006/main">
+  <p:tag name="DVSECTIONID" val="KqhQqL9txX1WI3J1OWdG90"/>
+</p:tagLst>
+</file>
+
+<file path=ppt/tags/tag74.xml><?xml version="1.0" encoding="utf-8"?>
+<p:tagLst xmlns:a="http://schemas.openxmlformats.org/drawingml/2006/main" xmlns:r="http://schemas.openxmlformats.org/officeDocument/2006/relationships" xmlns:p="http://schemas.openxmlformats.org/presentationml/2006/main">
+  <p:tag name="DVSHAPEID" val="sDswchU5s1ECePv26aqRq0"/>
+</p:tagLst>
+</file>
+
+<file path=ppt/tags/tag75.xml><?xml version="1.0" encoding="utf-8"?>
+<p:tagLst xmlns:a="http://schemas.openxmlformats.org/drawingml/2006/main" xmlns:r="http://schemas.openxmlformats.org/officeDocument/2006/relationships" xmlns:p="http://schemas.openxmlformats.org/presentationml/2006/main">
+  <p:tag name="DVSHAPEID" val="cr2FQ1nCcHgAxzASo6Fh5U"/>
+</p:tagLst>
+</file>
+
+<file path=ppt/tags/tag76.xml><?xml version="1.0" encoding="utf-8"?>
+<p:tagLst xmlns:a="http://schemas.openxmlformats.org/drawingml/2006/main" xmlns:r="http://schemas.openxmlformats.org/officeDocument/2006/relationships" xmlns:p="http://schemas.openxmlformats.org/presentationml/2006/main">
+  <p:tag name="DVSHAPEID" val="JkPcdOpgbndrq1txqTIPOX"/>
+</p:tagLst>
+</file>
+
+<file path=ppt/tags/tag77.xml><?xml version="1.0" encoding="utf-8"?>
+<p:tagLst xmlns:a="http://schemas.openxmlformats.org/drawingml/2006/main" xmlns:r="http://schemas.openxmlformats.org/officeDocument/2006/relationships" xmlns:p="http://schemas.openxmlformats.org/presentationml/2006/main">
+  <p:tag name="DVSECTIONID" val="zWgapm2iuGnq7iJ2v1TCeY"/>
+</p:tagLst>
+</file>
+
+<file path=ppt/tags/tag78.xml><?xml version="1.0" encoding="utf-8"?>
+<p:tagLst xmlns:a="http://schemas.openxmlformats.org/drawingml/2006/main" xmlns:r="http://schemas.openxmlformats.org/officeDocument/2006/relationships" xmlns:p="http://schemas.openxmlformats.org/presentationml/2006/main">
+  <p:tag name="DVSHAPEID" val="lDiWseLkb9ViHIPENzdWwS"/>
+</p:tagLst>
+</file>
+
+<file path=ppt/tags/tag79.xml><?xml version="1.0" encoding="utf-8"?>
+<p:tagLst xmlns:a="http://schemas.openxmlformats.org/drawingml/2006/main" xmlns:r="http://schemas.openxmlformats.org/officeDocument/2006/relationships" xmlns:p="http://schemas.openxmlformats.org/presentationml/2006/main">
+  <p:tag name="DVSHAPEID" val="m58zoQFMzf6MYbThmbuQb4"/>
+</p:tagLst>
+</file>
+
+<file path=ppt/tags/tag8.xml><?xml version="1.0" encoding="utf-8"?>
+<p:tagLst xmlns:a="http://schemas.openxmlformats.org/drawingml/2006/main" xmlns:r="http://schemas.openxmlformats.org/officeDocument/2006/relationships" xmlns:p="http://schemas.openxmlformats.org/presentationml/2006/main">
+  <p:tag name="DVSHAPEID" val="C8IRqW5K4baLKOkTmmuwsk"/>
+</p:tagLst>
+</file>
+
+<file path=ppt/tags/tag80.xml><?xml version="1.0" encoding="utf-8"?>
+<p:tagLst xmlns:a="http://schemas.openxmlformats.org/drawingml/2006/main" xmlns:r="http://schemas.openxmlformats.org/officeDocument/2006/relationships" xmlns:p="http://schemas.openxmlformats.org/presentationml/2006/main">
+  <p:tag name="DVSHAPEID" val="w8jLHM59CRqthcNTPUEpzF"/>
+</p:tagLst>
+</file>
+
+<file path=ppt/tags/tag81.xml><?xml version="1.0" encoding="utf-8"?>
+<p:tagLst xmlns:a="http://schemas.openxmlformats.org/drawingml/2006/main" xmlns:r="http://schemas.openxmlformats.org/officeDocument/2006/relationships" xmlns:p="http://schemas.openxmlformats.org/presentationml/2006/main">
+  <p:tag name="DVSHAPEID" val="cVJEKwc1sFHhy0fD8THpCe"/>
+</p:tagLst>
+</file>
+
+<file path=ppt/tags/tag82.xml><?xml version="1.0" encoding="utf-8"?>
+<p:tagLst xmlns:a="http://schemas.openxmlformats.org/drawingml/2006/main" xmlns:r="http://schemas.openxmlformats.org/officeDocument/2006/relationships" xmlns:p="http://schemas.openxmlformats.org/presentationml/2006/main">
+  <p:tag name="DVSECTIONID" val="hLzaDWZHG1EKRlzgmNrfsl"/>
+</p:tagLst>
+</file>
+
+<file path=ppt/tags/tag83.xml><?xml version="1.0" encoding="utf-8"?>
+<p:tagLst xmlns:a="http://schemas.openxmlformats.org/drawingml/2006/main" xmlns:r="http://schemas.openxmlformats.org/officeDocument/2006/relationships" xmlns:p="http://schemas.openxmlformats.org/presentationml/2006/main">
+  <p:tag name="DVSHAPEID" val="lvUHttmzcMuRWn131yWApL"/>
+</p:tagLst>
+</file>
+
+<file path=ppt/tags/tag84.xml><?xml version="1.0" encoding="utf-8"?>
+<p:tagLst xmlns:a="http://schemas.openxmlformats.org/drawingml/2006/main" xmlns:r="http://schemas.openxmlformats.org/officeDocument/2006/relationships" xmlns:p="http://schemas.openxmlformats.org/presentationml/2006/main">
+  <p:tag name="DVSHAPEID" val="LZDNDbMLI92XAeJ32JFStU"/>
+</p:tagLst>
+</file>
+
+<file path=ppt/tags/tag85.xml><?xml version="1.0" encoding="utf-8"?>
+<p:tagLst xmlns:a="http://schemas.openxmlformats.org/drawingml/2006/main" xmlns:r="http://schemas.openxmlformats.org/officeDocument/2006/relationships" xmlns:p="http://schemas.openxmlformats.org/presentationml/2006/main">
+  <p:tag name="DVSHAPEID" val="MH4RC5S8t1OzJU3GPaNr3k"/>
+</p:tagLst>
+</file>
+
+<file path=ppt/tags/tag86.xml><?xml version="1.0" encoding="utf-8"?>
+<p:tagLst xmlns:a="http://schemas.openxmlformats.org/drawingml/2006/main" xmlns:r="http://schemas.openxmlformats.org/officeDocument/2006/relationships" xmlns:p="http://schemas.openxmlformats.org/presentationml/2006/main">
+  <p:tag name="DVSHAPEID" val="OYNNjYvcVwiQcWJMzGSAG0"/>
+</p:tagLst>
+</file>
+
+<file path=ppt/tags/tag87.xml><?xml version="1.0" encoding="utf-8"?>
+<p:tagLst xmlns:a="http://schemas.openxmlformats.org/drawingml/2006/main" xmlns:r="http://schemas.openxmlformats.org/officeDocument/2006/relationships" xmlns:p="http://schemas.openxmlformats.org/presentationml/2006/main">
+  <p:tag name="DVSECTIONID" val="yhVriMrcMxMBEvBfJ6iNZl"/>
+</p:tagLst>
+</file>
+
+<file path=ppt/tags/tag88.xml><?xml version="1.0" encoding="utf-8"?>
+<p:tagLst xmlns:a="http://schemas.openxmlformats.org/drawingml/2006/main" xmlns:r="http://schemas.openxmlformats.org/officeDocument/2006/relationships" xmlns:p="http://schemas.openxmlformats.org/presentationml/2006/main">
+  <p:tag name="DVSHAPEID" val="90uPZmUu51RrS53OLUCh6h"/>
+</p:tagLst>
+</file>
+
+<file path=ppt/tags/tag89.xml><?xml version="1.0" encoding="utf-8"?>
+<p:tagLst xmlns:a="http://schemas.openxmlformats.org/drawingml/2006/main" xmlns:r="http://schemas.openxmlformats.org/officeDocument/2006/relationships" xmlns:p="http://schemas.openxmlformats.org/presentationml/2006/main">
+  <p:tag name="DVSHAPEID" val="hSI7X2B6ytEOPMiuY9hrrg"/>
+</p:tagLst>
+</file>
+
+<file path=ppt/tags/tag9.xml><?xml version="1.0" encoding="utf-8"?>
+<p:tagLst xmlns:a="http://schemas.openxmlformats.org/drawingml/2006/main" xmlns:r="http://schemas.openxmlformats.org/officeDocument/2006/relationships" xmlns:p="http://schemas.openxmlformats.org/presentationml/2006/main">
+  <p:tag name="DVSHAPEID" val="WCjoHWTbTDWtzM03rXLNbV"/>
+</p:tagLst>
+</file>
+
+<file path=ppt/tags/tag90.xml><?xml version="1.0" encoding="utf-8"?>
+<p:tagLst xmlns:a="http://schemas.openxmlformats.org/drawingml/2006/main" xmlns:r="http://schemas.openxmlformats.org/officeDocument/2006/relationships" xmlns:p="http://schemas.openxmlformats.org/presentationml/2006/main">
+  <p:tag name="DVSHAPEID" val="ZK3DIKVYXpURJB6RpRTZtn"/>
+</p:tagLst>
+</file>
+
+<file path=ppt/tags/tag91.xml><?xml version="1.0" encoding="utf-8"?>
+<p:tagLst xmlns:a="http://schemas.openxmlformats.org/drawingml/2006/main" xmlns:r="http://schemas.openxmlformats.org/officeDocument/2006/relationships" xmlns:p="http://schemas.openxmlformats.org/presentationml/2006/main">
+  <p:tag name="DVSECTIONID" val="MnrnsfE6bYvWchebDdguf7"/>
+</p:tagLst>
+</file>
+
+<file path=ppt/tags/tag92.xml><?xml version="1.0" encoding="utf-8"?>
+<p:tagLst xmlns:a="http://schemas.openxmlformats.org/drawingml/2006/main" xmlns:r="http://schemas.openxmlformats.org/officeDocument/2006/relationships" xmlns:p="http://schemas.openxmlformats.org/presentationml/2006/main">
+  <p:tag name="DVSHAPEID" val="N4ghwgVsZEQ1TX4jkQazvf"/>
+</p:tagLst>
+</file>
+
+<file path=ppt/tags/tag93.xml><?xml version="1.0" encoding="utf-8"?>
+<p:tagLst xmlns:a="http://schemas.openxmlformats.org/drawingml/2006/main" xmlns:r="http://schemas.openxmlformats.org/officeDocument/2006/relationships" xmlns:p="http://schemas.openxmlformats.org/presentationml/2006/main">
+  <p:tag name="DVSHAPEID" val="TX3Hn6KpxsMBXZmreF3upf"/>
+</p:tagLst>
+</file>
+
+<file path=ppt/tags/tag94.xml><?xml version="1.0" encoding="utf-8"?>
+<p:tagLst xmlns:a="http://schemas.openxmlformats.org/drawingml/2006/main" xmlns:r="http://schemas.openxmlformats.org/officeDocument/2006/relationships" xmlns:p="http://schemas.openxmlformats.org/presentationml/2006/main">
+  <p:tag name="DVSHAPEID" val="0HI9N5x3OTRxaidPSOIz7o"/>
+</p:tagLst>
+</file>
+
+<file path=ppt/tags/tag95.xml><?xml version="1.0" encoding="utf-8"?>
+<p:tagLst xmlns:a="http://schemas.openxmlformats.org/drawingml/2006/main" xmlns:r="http://schemas.openxmlformats.org/officeDocument/2006/relationships" xmlns:p="http://schemas.openxmlformats.org/presentationml/2006/main">
+  <p:tag name="DVSECTIONID" val="YfG4E73kWElduy0UjbxFmN"/>
+</p:tagLst>
+</file>
+
+<file path=ppt/tags/tag96.xml><?xml version="1.0" encoding="utf-8"?>
+<p:tagLst xmlns:a="http://schemas.openxmlformats.org/drawingml/2006/main" xmlns:r="http://schemas.openxmlformats.org/officeDocument/2006/relationships" xmlns:p="http://schemas.openxmlformats.org/presentationml/2006/main">
+  <p:tag name="DVSHAPEID" val="eh04WSBvw0QEXlYejESuDS"/>
+</p:tagLst>
+</file>
+
+<file path=ppt/tags/tag97.xml><?xml version="1.0" encoding="utf-8"?>
+<p:tagLst xmlns:a="http://schemas.openxmlformats.org/drawingml/2006/main" xmlns:r="http://schemas.openxmlformats.org/officeDocument/2006/relationships" xmlns:p="http://schemas.openxmlformats.org/presentationml/2006/main">
+  <p:tag name="DVSHAPEID" val="JpO4dpMeMP8Ctq8I8ErinR"/>
+</p:tagLst>
+</file>
+
+<file path=ppt/tags/tag98.xml><?xml version="1.0" encoding="utf-8"?>
+<p:tagLst xmlns:a="http://schemas.openxmlformats.org/drawingml/2006/main" xmlns:r="http://schemas.openxmlformats.org/officeDocument/2006/relationships" xmlns:p="http://schemas.openxmlformats.org/presentationml/2006/main">
+  <p:tag name="DVSHAPEID" val="HwlSQDv3HCKlxAgSFcJie0"/>
+</p:tagLst>
+</file>
+
+<file path=ppt/tags/tag99.xml><?xml version="1.0" encoding="utf-8"?>
+<p:tagLst xmlns:a="http://schemas.openxmlformats.org/drawingml/2006/main" xmlns:r="http://schemas.openxmlformats.org/officeDocument/2006/relationships" xmlns:p="http://schemas.openxmlformats.org/presentationml/2006/main">
+  <p:tag name="DVSECTIONID" val="5Hij0xt5xu6EobHoAx3Q1R"/>
+</p:tagLst>
 </file>
 
 <file path=ppt/theme/theme1.xml><?xml version="1.0" encoding="utf-8"?>

--- a/ppt/Diapositivas.pptx
+++ b/ppt/Diapositivas.pptx
@@ -2,7 +2,7 @@
 <file path=ppt/presentation.xml><?xml version="1.0" encoding="utf-8"?>
 <p:presentation xmlns:a="http://schemas.openxmlformats.org/drawingml/2006/main" xmlns:r="http://schemas.openxmlformats.org/officeDocument/2006/relationships" xmlns:p="http://schemas.openxmlformats.org/presentationml/2006/main" saveSubsetFonts="1">
   <p:sldMasterIdLst>
-    <p:sldMasterId id="2147483684" r:id="rId1"/>
+    <p:sldMasterId id="2147483696" r:id="rId1"/>
   </p:sldMasterIdLst>
   <p:notesMasterIdLst>
     <p:notesMasterId r:id="rId24"/>
@@ -213,7 +213,7 @@
           <a:p>
             <a:fld id="{63D5FC4C-9EE1-4746-A368-724F618FC790}" type="datetimeFigureOut">
               <a:rPr lang="es-PE" smtClean="0"/>
-              <a:t>08/11/2011</a:t>
+              <a:t>10/9/14</a:t>
             </a:fld>
             <a:endParaRPr lang="es-PE"/>
           </a:p>
@@ -372,7 +372,7 @@
           <a:p>
             <a:fld id="{96DE5A63-0F1F-4DC0-ADE0-CC17EBA6F230}" type="slidenum">
               <a:rPr lang="es-PE" smtClean="0"/>
-              <a:t>‹Nº›</a:t>
+              <a:t>‹#›</a:t>
             </a:fld>
             <a:endParaRPr lang="es-PE"/>
           </a:p>
@@ -609,6 +609,10 @@
           <a:bodyPr/>
           <a:lstStyle/>
           <a:p>
+            <a:r>
+              <a:rPr lang="es-PE" smtClean="0"/>
+              <a:t>http://sweetclipart.com/multisite/sweetclipart/files/question_mark_blue.png</a:t>
+            </a:r>
             <a:endParaRPr lang="es-PE" dirty="0"/>
           </a:p>
         </p:txBody>
@@ -2641,7 +2645,7 @@
 
 <file path=ppt/slideLayouts/slideLayout1.xml><?xml version="1.0" encoding="utf-8"?>
 <p:sldLayout xmlns:a="http://schemas.openxmlformats.org/drawingml/2006/main" xmlns:r="http://schemas.openxmlformats.org/officeDocument/2006/relationships" xmlns:p="http://schemas.openxmlformats.org/presentationml/2006/main" type="title" preserve="1">
-  <p:cSld name="Diapositiva de título">
+  <p:cSld name="Title Slide">
     <p:spTree>
       <p:nvGrpSpPr>
         <p:cNvPr id="1" name=""/>
@@ -2658,20 +2662,17 @@
       </p:grpSpPr>
       <p:sp>
         <p:nvSpPr>
-          <p:cNvPr id="2" name="1 Título"/>
+          <p:cNvPr id="2" name="Title 1"/>
           <p:cNvSpPr>
             <a:spLocks noGrp="1"/>
           </p:cNvSpPr>
           <p:nvPr>
             <p:ph type="ctrTitle"/>
-            <p:custDataLst>
-              <p:tags r:id="rId1"/>
-            </p:custDataLst>
           </p:nvPr>
         </p:nvSpPr>
         <p:spPr>
           <a:xfrm>
-            <a:off x="685800" y="2130428"/>
+            <a:off x="685800" y="2130425"/>
             <a:ext cx="7772400" cy="1470025"/>
           </a:xfrm>
         </p:spPr>
@@ -2680,8 +2681,8 @@
           <a:lstStyle/>
           <a:p>
             <a:r>
-              <a:rPr lang="es-ES" smtClean="0"/>
-              <a:t>Haga clic para modificar el estilo de título del patrón</a:t>
+              <a:rPr lang="en-US" smtClean="0"/>
+              <a:t>Click to edit Master title style</a:t>
             </a:r>
             <a:endParaRPr lang="es-ES"/>
           </a:p>
@@ -2689,15 +2690,12 @@
       </p:sp>
       <p:sp>
         <p:nvSpPr>
-          <p:cNvPr id="3" name="2 Subtítulo"/>
+          <p:cNvPr id="3" name="Subtitle 2"/>
           <p:cNvSpPr>
             <a:spLocks noGrp="1"/>
           </p:cNvSpPr>
           <p:nvPr>
             <p:ph type="subTitle" idx="1"/>
-            <p:custDataLst>
-              <p:tags r:id="rId2"/>
-            </p:custDataLst>
           </p:nvPr>
         </p:nvSpPr>
         <p:spPr>
@@ -2802,8 +2800,8 @@
           </a:lstStyle>
           <a:p>
             <a:r>
-              <a:rPr lang="es-ES" smtClean="0"/>
-              <a:t>Haga clic para modificar el estilo de subtítulo del patrón</a:t>
+              <a:rPr lang="en-US" smtClean="0"/>
+              <a:t>Click to edit Master subtitle style</a:t>
             </a:r>
             <a:endParaRPr lang="es-ES"/>
           </a:p>
@@ -2811,30 +2809,23 @@
       </p:sp>
       <p:sp>
         <p:nvSpPr>
-          <p:cNvPr id="4" name="3 Marcador de fecha"/>
+          <p:cNvPr id="4" name="Date Placeholder 3"/>
           <p:cNvSpPr>
             <a:spLocks noGrp="1"/>
           </p:cNvSpPr>
           <p:nvPr>
             <p:ph type="dt" sz="half" idx="10"/>
-            <p:custDataLst>
-              <p:tags r:id="rId3"/>
-            </p:custDataLst>
           </p:nvPr>
         </p:nvSpPr>
         <p:spPr/>
         <p:txBody>
           <a:bodyPr/>
-          <a:lstStyle>
-            <a:lvl1pPr>
-              <a:defRPr/>
-            </a:lvl1pPr>
-          </a:lstStyle>
+          <a:lstStyle/>
           <a:p>
             <a:fld id="{807CB568-C05F-482F-9F26-AA302B8892DF}" type="datetimeFigureOut">
               <a:rPr lang="es-ES" smtClean="0"/>
               <a:pPr/>
-              <a:t>08/11/2011</a:t>
+              <a:t>10/9/14</a:t>
             </a:fld>
             <a:endParaRPr lang="es-ES"/>
           </a:p>
@@ -2842,25 +2833,18 @@
       </p:sp>
       <p:sp>
         <p:nvSpPr>
-          <p:cNvPr id="5" name="4 Marcador de pie de página"/>
+          <p:cNvPr id="5" name="Footer Placeholder 4"/>
           <p:cNvSpPr>
             <a:spLocks noGrp="1"/>
           </p:cNvSpPr>
           <p:nvPr>
             <p:ph type="ftr" sz="quarter" idx="11"/>
-            <p:custDataLst>
-              <p:tags r:id="rId4"/>
-            </p:custDataLst>
           </p:nvPr>
         </p:nvSpPr>
         <p:spPr/>
         <p:txBody>
           <a:bodyPr/>
-          <a:lstStyle>
-            <a:lvl1pPr>
-              <a:defRPr/>
-            </a:lvl1pPr>
-          </a:lstStyle>
+          <a:lstStyle/>
           <a:p>
             <a:endParaRPr lang="es-ES"/>
           </a:p>
@@ -2868,36 +2852,34 @@
       </p:sp>
       <p:sp>
         <p:nvSpPr>
-          <p:cNvPr id="6" name="5 Marcador de número de diapositiva"/>
+          <p:cNvPr id="6" name="Slide Number Placeholder 5"/>
           <p:cNvSpPr>
             <a:spLocks noGrp="1"/>
           </p:cNvSpPr>
           <p:nvPr>
             <p:ph type="sldNum" sz="quarter" idx="12"/>
-            <p:custDataLst>
-              <p:tags r:id="rId5"/>
-            </p:custDataLst>
           </p:nvPr>
         </p:nvSpPr>
         <p:spPr/>
         <p:txBody>
           <a:bodyPr/>
-          <a:lstStyle>
-            <a:lvl1pPr>
-              <a:defRPr/>
-            </a:lvl1pPr>
-          </a:lstStyle>
+          <a:lstStyle/>
           <a:p>
             <a:fld id="{50178587-63F8-41F6-AE39-05E613E840AE}" type="slidenum">
               <a:rPr lang="es-ES" smtClean="0"/>
               <a:pPr/>
-              <a:t>‹Nº›</a:t>
+              <a:t>‹#›</a:t>
             </a:fld>
             <a:endParaRPr lang="es-ES"/>
           </a:p>
         </p:txBody>
       </p:sp>
     </p:spTree>
+    <p:extLst>
+      <p:ext uri="{BB962C8B-B14F-4D97-AF65-F5344CB8AC3E}">
+        <p14:creationId xmlns:p14="http://schemas.microsoft.com/office/powerpoint/2010/main" val="2424048871"/>
+      </p:ext>
+    </p:extLst>
   </p:cSld>
   <p:clrMapOvr>
     <a:masterClrMapping/>
@@ -2907,7 +2889,7 @@
 
 <file path=ppt/slideLayouts/slideLayout10.xml><?xml version="1.0" encoding="utf-8"?>
 <p:sldLayout xmlns:a="http://schemas.openxmlformats.org/drawingml/2006/main" xmlns:r="http://schemas.openxmlformats.org/officeDocument/2006/relationships" xmlns:p="http://schemas.openxmlformats.org/presentationml/2006/main" type="vertTx" preserve="1">
-  <p:cSld name="Título y texto vertical">
+  <p:cSld name="Title and Vertical Text">
     <p:spTree>
       <p:nvGrpSpPr>
         <p:cNvPr id="1" name=""/>
@@ -2924,15 +2906,12 @@
       </p:grpSpPr>
       <p:sp>
         <p:nvSpPr>
-          <p:cNvPr id="2" name="1 Título"/>
+          <p:cNvPr id="2" name="Title 1"/>
           <p:cNvSpPr>
             <a:spLocks noGrp="1"/>
           </p:cNvSpPr>
           <p:nvPr>
             <p:ph type="title"/>
-            <p:custDataLst>
-              <p:tags r:id="rId1"/>
-            </p:custDataLst>
           </p:nvPr>
         </p:nvSpPr>
         <p:spPr/>
@@ -2941,8 +2920,8 @@
           <a:lstStyle/>
           <a:p>
             <a:r>
-              <a:rPr lang="es-ES" smtClean="0"/>
-              <a:t>Haga clic para modificar el estilo de título del patrón</a:t>
+              <a:rPr lang="en-US" smtClean="0"/>
+              <a:t>Click to edit Master title style</a:t>
             </a:r>
             <a:endParaRPr lang="es-ES"/>
           </a:p>
@@ -2950,15 +2929,12 @@
       </p:sp>
       <p:sp>
         <p:nvSpPr>
-          <p:cNvPr id="3" name="2 Marcador de texto vertical"/>
+          <p:cNvPr id="3" name="Vertical Text Placeholder 2"/>
           <p:cNvSpPr>
             <a:spLocks noGrp="1"/>
           </p:cNvSpPr>
           <p:nvPr>
             <p:ph type="body" orient="vert" idx="1"/>
-            <p:custDataLst>
-              <p:tags r:id="rId2"/>
-            </p:custDataLst>
           </p:nvPr>
         </p:nvSpPr>
         <p:spPr/>
@@ -2968,36 +2944,36 @@
           <a:p>
             <a:pPr lvl="0"/>
             <a:r>
-              <a:rPr lang="es-ES" smtClean="0"/>
-              <a:t>Haga clic para modificar el estilo de texto del patrón</a:t>
+              <a:rPr lang="en-US" smtClean="0"/>
+              <a:t>Click to edit Master text styles</a:t>
             </a:r>
           </a:p>
           <a:p>
             <a:pPr lvl="1"/>
             <a:r>
-              <a:rPr lang="es-ES" smtClean="0"/>
-              <a:t>Segundo nivel</a:t>
+              <a:rPr lang="en-US" smtClean="0"/>
+              <a:t>Second level</a:t>
             </a:r>
           </a:p>
           <a:p>
             <a:pPr lvl="2"/>
             <a:r>
-              <a:rPr lang="es-ES" smtClean="0"/>
-              <a:t>Tercer nivel</a:t>
+              <a:rPr lang="en-US" smtClean="0"/>
+              <a:t>Third level</a:t>
             </a:r>
           </a:p>
           <a:p>
             <a:pPr lvl="3"/>
             <a:r>
-              <a:rPr lang="es-ES" smtClean="0"/>
-              <a:t>Cuarto nivel</a:t>
+              <a:rPr lang="en-US" smtClean="0"/>
+              <a:t>Fourth level</a:t>
             </a:r>
           </a:p>
           <a:p>
             <a:pPr lvl="4"/>
             <a:r>
-              <a:rPr lang="es-ES" smtClean="0"/>
-              <a:t>Quinto nivel</a:t>
+              <a:rPr lang="en-US" smtClean="0"/>
+              <a:t>Fifth level</a:t>
             </a:r>
             <a:endParaRPr lang="es-ES"/>
           </a:p>
@@ -3005,30 +2981,23 @@
       </p:sp>
       <p:sp>
         <p:nvSpPr>
-          <p:cNvPr id="4" name="3 Marcador de fecha"/>
+          <p:cNvPr id="4" name="Date Placeholder 3"/>
           <p:cNvSpPr>
             <a:spLocks noGrp="1"/>
           </p:cNvSpPr>
           <p:nvPr>
             <p:ph type="dt" sz="half" idx="10"/>
-            <p:custDataLst>
-              <p:tags r:id="rId3"/>
-            </p:custDataLst>
           </p:nvPr>
         </p:nvSpPr>
         <p:spPr/>
         <p:txBody>
           <a:bodyPr/>
-          <a:lstStyle>
-            <a:lvl1pPr>
-              <a:defRPr/>
-            </a:lvl1pPr>
-          </a:lstStyle>
+          <a:lstStyle/>
           <a:p>
             <a:fld id="{807CB568-C05F-482F-9F26-AA302B8892DF}" type="datetimeFigureOut">
               <a:rPr lang="es-ES" smtClean="0"/>
               <a:pPr/>
-              <a:t>08/11/2011</a:t>
+              <a:t>10/9/14</a:t>
             </a:fld>
             <a:endParaRPr lang="es-ES"/>
           </a:p>
@@ -3036,25 +3005,18 @@
       </p:sp>
       <p:sp>
         <p:nvSpPr>
-          <p:cNvPr id="5" name="4 Marcador de pie de página"/>
+          <p:cNvPr id="5" name="Footer Placeholder 4"/>
           <p:cNvSpPr>
             <a:spLocks noGrp="1"/>
           </p:cNvSpPr>
           <p:nvPr>
             <p:ph type="ftr" sz="quarter" idx="11"/>
-            <p:custDataLst>
-              <p:tags r:id="rId4"/>
-            </p:custDataLst>
           </p:nvPr>
         </p:nvSpPr>
         <p:spPr/>
         <p:txBody>
           <a:bodyPr/>
-          <a:lstStyle>
-            <a:lvl1pPr>
-              <a:defRPr/>
-            </a:lvl1pPr>
-          </a:lstStyle>
+          <a:lstStyle/>
           <a:p>
             <a:endParaRPr lang="es-ES"/>
           </a:p>
@@ -3062,36 +3024,34 @@
       </p:sp>
       <p:sp>
         <p:nvSpPr>
-          <p:cNvPr id="6" name="5 Marcador de número de diapositiva"/>
+          <p:cNvPr id="6" name="Slide Number Placeholder 5"/>
           <p:cNvSpPr>
             <a:spLocks noGrp="1"/>
           </p:cNvSpPr>
           <p:nvPr>
             <p:ph type="sldNum" sz="quarter" idx="12"/>
-            <p:custDataLst>
-              <p:tags r:id="rId5"/>
-            </p:custDataLst>
           </p:nvPr>
         </p:nvSpPr>
         <p:spPr/>
         <p:txBody>
           <a:bodyPr/>
-          <a:lstStyle>
-            <a:lvl1pPr>
-              <a:defRPr/>
-            </a:lvl1pPr>
-          </a:lstStyle>
+          <a:lstStyle/>
           <a:p>
             <a:fld id="{50178587-63F8-41F6-AE39-05E613E840AE}" type="slidenum">
               <a:rPr lang="es-ES" smtClean="0"/>
               <a:pPr/>
-              <a:t>‹Nº›</a:t>
+              <a:t>‹#›</a:t>
             </a:fld>
             <a:endParaRPr lang="es-ES"/>
           </a:p>
         </p:txBody>
       </p:sp>
     </p:spTree>
+    <p:extLst>
+      <p:ext uri="{BB962C8B-B14F-4D97-AF65-F5344CB8AC3E}">
+        <p14:creationId xmlns:p14="http://schemas.microsoft.com/office/powerpoint/2010/main" val="1474297036"/>
+      </p:ext>
+    </p:extLst>
   </p:cSld>
   <p:clrMapOvr>
     <a:masterClrMapping/>
@@ -3101,7 +3061,7 @@
 
 <file path=ppt/slideLayouts/slideLayout11.xml><?xml version="1.0" encoding="utf-8"?>
 <p:sldLayout xmlns:a="http://schemas.openxmlformats.org/drawingml/2006/main" xmlns:r="http://schemas.openxmlformats.org/officeDocument/2006/relationships" xmlns:p="http://schemas.openxmlformats.org/presentationml/2006/main" type="vertTitleAndTx" preserve="1">
-  <p:cSld name="Título vertical y texto">
+  <p:cSld name="Vertical Title and Text">
     <p:spTree>
       <p:nvGrpSpPr>
         <p:cNvPr id="1" name=""/>
@@ -3118,20 +3078,17 @@
       </p:grpSpPr>
       <p:sp>
         <p:nvSpPr>
-          <p:cNvPr id="2" name="1 Título vertical"/>
+          <p:cNvPr id="2" name="Vertical Title 1"/>
           <p:cNvSpPr>
             <a:spLocks noGrp="1"/>
           </p:cNvSpPr>
           <p:nvPr>
             <p:ph type="title" orient="vert"/>
-            <p:custDataLst>
-              <p:tags r:id="rId1"/>
-            </p:custDataLst>
           </p:nvPr>
         </p:nvSpPr>
         <p:spPr>
           <a:xfrm>
-            <a:off x="6629400" y="274641"/>
+            <a:off x="6629400" y="274638"/>
             <a:ext cx="2057400" cy="5851525"/>
           </a:xfrm>
         </p:spPr>
@@ -3140,8 +3097,8 @@
           <a:lstStyle/>
           <a:p>
             <a:r>
-              <a:rPr lang="es-ES" smtClean="0"/>
-              <a:t>Haga clic para modificar el estilo de título del patrón</a:t>
+              <a:rPr lang="en-US" smtClean="0"/>
+              <a:t>Click to edit Master title style</a:t>
             </a:r>
             <a:endParaRPr lang="es-ES"/>
           </a:p>
@@ -3149,20 +3106,17 @@
       </p:sp>
       <p:sp>
         <p:nvSpPr>
-          <p:cNvPr id="3" name="2 Marcador de texto vertical"/>
+          <p:cNvPr id="3" name="Vertical Text Placeholder 2"/>
           <p:cNvSpPr>
             <a:spLocks noGrp="1"/>
           </p:cNvSpPr>
           <p:nvPr>
             <p:ph type="body" orient="vert" idx="1"/>
-            <p:custDataLst>
-              <p:tags r:id="rId2"/>
-            </p:custDataLst>
           </p:nvPr>
         </p:nvSpPr>
         <p:spPr>
           <a:xfrm>
-            <a:off x="457200" y="274641"/>
+            <a:off x="457200" y="274638"/>
             <a:ext cx="6019800" cy="5851525"/>
           </a:xfrm>
         </p:spPr>
@@ -3172,36 +3126,36 @@
           <a:p>
             <a:pPr lvl="0"/>
             <a:r>
-              <a:rPr lang="es-ES" smtClean="0"/>
-              <a:t>Haga clic para modificar el estilo de texto del patrón</a:t>
+              <a:rPr lang="en-US" smtClean="0"/>
+              <a:t>Click to edit Master text styles</a:t>
             </a:r>
           </a:p>
           <a:p>
             <a:pPr lvl="1"/>
             <a:r>
-              <a:rPr lang="es-ES" smtClean="0"/>
-              <a:t>Segundo nivel</a:t>
+              <a:rPr lang="en-US" smtClean="0"/>
+              <a:t>Second level</a:t>
             </a:r>
           </a:p>
           <a:p>
             <a:pPr lvl="2"/>
             <a:r>
-              <a:rPr lang="es-ES" smtClean="0"/>
-              <a:t>Tercer nivel</a:t>
+              <a:rPr lang="en-US" smtClean="0"/>
+              <a:t>Third level</a:t>
             </a:r>
           </a:p>
           <a:p>
             <a:pPr lvl="3"/>
             <a:r>
-              <a:rPr lang="es-ES" smtClean="0"/>
-              <a:t>Cuarto nivel</a:t>
+              <a:rPr lang="en-US" smtClean="0"/>
+              <a:t>Fourth level</a:t>
             </a:r>
           </a:p>
           <a:p>
             <a:pPr lvl="4"/>
             <a:r>
-              <a:rPr lang="es-ES" smtClean="0"/>
-              <a:t>Quinto nivel</a:t>
+              <a:rPr lang="en-US" smtClean="0"/>
+              <a:t>Fifth level</a:t>
             </a:r>
             <a:endParaRPr lang="es-ES"/>
           </a:p>
@@ -3209,30 +3163,23 @@
       </p:sp>
       <p:sp>
         <p:nvSpPr>
-          <p:cNvPr id="4" name="3 Marcador de fecha"/>
+          <p:cNvPr id="4" name="Date Placeholder 3"/>
           <p:cNvSpPr>
             <a:spLocks noGrp="1"/>
           </p:cNvSpPr>
           <p:nvPr>
             <p:ph type="dt" sz="half" idx="10"/>
-            <p:custDataLst>
-              <p:tags r:id="rId3"/>
-            </p:custDataLst>
           </p:nvPr>
         </p:nvSpPr>
         <p:spPr/>
         <p:txBody>
           <a:bodyPr/>
-          <a:lstStyle>
-            <a:lvl1pPr>
-              <a:defRPr/>
-            </a:lvl1pPr>
-          </a:lstStyle>
+          <a:lstStyle/>
           <a:p>
             <a:fld id="{807CB568-C05F-482F-9F26-AA302B8892DF}" type="datetimeFigureOut">
               <a:rPr lang="es-ES" smtClean="0"/>
               <a:pPr/>
-              <a:t>08/11/2011</a:t>
+              <a:t>10/9/14</a:t>
             </a:fld>
             <a:endParaRPr lang="es-ES"/>
           </a:p>
@@ -3240,25 +3187,18 @@
       </p:sp>
       <p:sp>
         <p:nvSpPr>
-          <p:cNvPr id="5" name="4 Marcador de pie de página"/>
+          <p:cNvPr id="5" name="Footer Placeholder 4"/>
           <p:cNvSpPr>
             <a:spLocks noGrp="1"/>
           </p:cNvSpPr>
           <p:nvPr>
             <p:ph type="ftr" sz="quarter" idx="11"/>
-            <p:custDataLst>
-              <p:tags r:id="rId4"/>
-            </p:custDataLst>
           </p:nvPr>
         </p:nvSpPr>
         <p:spPr/>
         <p:txBody>
           <a:bodyPr/>
-          <a:lstStyle>
-            <a:lvl1pPr>
-              <a:defRPr/>
-            </a:lvl1pPr>
-          </a:lstStyle>
+          <a:lstStyle/>
           <a:p>
             <a:endParaRPr lang="es-ES"/>
           </a:p>
@@ -3266,36 +3206,34 @@
       </p:sp>
       <p:sp>
         <p:nvSpPr>
-          <p:cNvPr id="6" name="5 Marcador de número de diapositiva"/>
+          <p:cNvPr id="6" name="Slide Number Placeholder 5"/>
           <p:cNvSpPr>
             <a:spLocks noGrp="1"/>
           </p:cNvSpPr>
           <p:nvPr>
             <p:ph type="sldNum" sz="quarter" idx="12"/>
-            <p:custDataLst>
-              <p:tags r:id="rId5"/>
-            </p:custDataLst>
           </p:nvPr>
         </p:nvSpPr>
         <p:spPr/>
         <p:txBody>
           <a:bodyPr/>
-          <a:lstStyle>
-            <a:lvl1pPr>
-              <a:defRPr/>
-            </a:lvl1pPr>
-          </a:lstStyle>
+          <a:lstStyle/>
           <a:p>
             <a:fld id="{50178587-63F8-41F6-AE39-05E613E840AE}" type="slidenum">
               <a:rPr lang="es-ES" smtClean="0"/>
               <a:pPr/>
-              <a:t>‹Nº›</a:t>
+              <a:t>‹#›</a:t>
             </a:fld>
             <a:endParaRPr lang="es-ES"/>
           </a:p>
         </p:txBody>
       </p:sp>
     </p:spTree>
+    <p:extLst>
+      <p:ext uri="{BB962C8B-B14F-4D97-AF65-F5344CB8AC3E}">
+        <p14:creationId xmlns:p14="http://schemas.microsoft.com/office/powerpoint/2010/main" val="109775646"/>
+      </p:ext>
+    </p:extLst>
   </p:cSld>
   <p:clrMapOvr>
     <a:masterClrMapping/>
@@ -3305,7 +3243,7 @@
 
 <file path=ppt/slideLayouts/slideLayout2.xml><?xml version="1.0" encoding="utf-8"?>
 <p:sldLayout xmlns:a="http://schemas.openxmlformats.org/drawingml/2006/main" xmlns:r="http://schemas.openxmlformats.org/officeDocument/2006/relationships" xmlns:p="http://schemas.openxmlformats.org/presentationml/2006/main" type="obj" preserve="1">
-  <p:cSld name="Título y objetos">
+  <p:cSld name="Title and Content">
     <p:spTree>
       <p:nvGrpSpPr>
         <p:cNvPr id="1" name=""/>
@@ -3322,15 +3260,12 @@
       </p:grpSpPr>
       <p:sp>
         <p:nvSpPr>
-          <p:cNvPr id="2" name="1 Título"/>
+          <p:cNvPr id="2" name="Title 1"/>
           <p:cNvSpPr>
             <a:spLocks noGrp="1"/>
           </p:cNvSpPr>
           <p:nvPr>
             <p:ph type="title"/>
-            <p:custDataLst>
-              <p:tags r:id="rId1"/>
-            </p:custDataLst>
           </p:nvPr>
         </p:nvSpPr>
         <p:spPr/>
@@ -3339,8 +3274,8 @@
           <a:lstStyle/>
           <a:p>
             <a:r>
-              <a:rPr lang="es-ES" smtClean="0"/>
-              <a:t>Haga clic para modificar el estilo de título del patrón</a:t>
+              <a:rPr lang="en-US" smtClean="0"/>
+              <a:t>Click to edit Master title style</a:t>
             </a:r>
             <a:endParaRPr lang="es-ES"/>
           </a:p>
@@ -3348,15 +3283,12 @@
       </p:sp>
       <p:sp>
         <p:nvSpPr>
-          <p:cNvPr id="3" name="2 Marcador de contenido"/>
+          <p:cNvPr id="3" name="Content Placeholder 2"/>
           <p:cNvSpPr>
             <a:spLocks noGrp="1"/>
           </p:cNvSpPr>
           <p:nvPr>
             <p:ph idx="1"/>
-            <p:custDataLst>
-              <p:tags r:id="rId2"/>
-            </p:custDataLst>
           </p:nvPr>
         </p:nvSpPr>
         <p:spPr/>
@@ -3366,36 +3298,36 @@
           <a:p>
             <a:pPr lvl="0"/>
             <a:r>
-              <a:rPr lang="es-ES" smtClean="0"/>
-              <a:t>Haga clic para modificar el estilo de texto del patrón</a:t>
+              <a:rPr lang="en-US" smtClean="0"/>
+              <a:t>Click to edit Master text styles</a:t>
             </a:r>
           </a:p>
           <a:p>
             <a:pPr lvl="1"/>
             <a:r>
-              <a:rPr lang="es-ES" smtClean="0"/>
-              <a:t>Segundo nivel</a:t>
+              <a:rPr lang="en-US" smtClean="0"/>
+              <a:t>Second level</a:t>
             </a:r>
           </a:p>
           <a:p>
             <a:pPr lvl="2"/>
             <a:r>
-              <a:rPr lang="es-ES" smtClean="0"/>
-              <a:t>Tercer nivel</a:t>
+              <a:rPr lang="en-US" smtClean="0"/>
+              <a:t>Third level</a:t>
             </a:r>
           </a:p>
           <a:p>
             <a:pPr lvl="3"/>
             <a:r>
-              <a:rPr lang="es-ES" smtClean="0"/>
-              <a:t>Cuarto nivel</a:t>
+              <a:rPr lang="en-US" smtClean="0"/>
+              <a:t>Fourth level</a:t>
             </a:r>
           </a:p>
           <a:p>
             <a:pPr lvl="4"/>
             <a:r>
-              <a:rPr lang="es-ES" smtClean="0"/>
-              <a:t>Quinto nivel</a:t>
+              <a:rPr lang="en-US" smtClean="0"/>
+              <a:t>Fifth level</a:t>
             </a:r>
             <a:endParaRPr lang="es-ES"/>
           </a:p>
@@ -3403,30 +3335,23 @@
       </p:sp>
       <p:sp>
         <p:nvSpPr>
-          <p:cNvPr id="4" name="3 Marcador de fecha"/>
+          <p:cNvPr id="4" name="Date Placeholder 3"/>
           <p:cNvSpPr>
             <a:spLocks noGrp="1"/>
           </p:cNvSpPr>
           <p:nvPr>
             <p:ph type="dt" sz="half" idx="10"/>
-            <p:custDataLst>
-              <p:tags r:id="rId3"/>
-            </p:custDataLst>
           </p:nvPr>
         </p:nvSpPr>
         <p:spPr/>
         <p:txBody>
           <a:bodyPr/>
-          <a:lstStyle>
-            <a:lvl1pPr>
-              <a:defRPr/>
-            </a:lvl1pPr>
-          </a:lstStyle>
+          <a:lstStyle/>
           <a:p>
             <a:fld id="{807CB568-C05F-482F-9F26-AA302B8892DF}" type="datetimeFigureOut">
               <a:rPr lang="es-ES" smtClean="0"/>
               <a:pPr/>
-              <a:t>08/11/2011</a:t>
+              <a:t>10/9/14</a:t>
             </a:fld>
             <a:endParaRPr lang="es-ES"/>
           </a:p>
@@ -3434,25 +3359,18 @@
       </p:sp>
       <p:sp>
         <p:nvSpPr>
-          <p:cNvPr id="5" name="4 Marcador de pie de página"/>
+          <p:cNvPr id="5" name="Footer Placeholder 4"/>
           <p:cNvSpPr>
             <a:spLocks noGrp="1"/>
           </p:cNvSpPr>
           <p:nvPr>
             <p:ph type="ftr" sz="quarter" idx="11"/>
-            <p:custDataLst>
-              <p:tags r:id="rId4"/>
-            </p:custDataLst>
           </p:nvPr>
         </p:nvSpPr>
         <p:spPr/>
         <p:txBody>
           <a:bodyPr/>
-          <a:lstStyle>
-            <a:lvl1pPr>
-              <a:defRPr/>
-            </a:lvl1pPr>
-          </a:lstStyle>
+          <a:lstStyle/>
           <a:p>
             <a:endParaRPr lang="es-ES"/>
           </a:p>
@@ -3460,36 +3378,34 @@
       </p:sp>
       <p:sp>
         <p:nvSpPr>
-          <p:cNvPr id="6" name="5 Marcador de número de diapositiva"/>
+          <p:cNvPr id="6" name="Slide Number Placeholder 5"/>
           <p:cNvSpPr>
             <a:spLocks noGrp="1"/>
           </p:cNvSpPr>
           <p:nvPr>
             <p:ph type="sldNum" sz="quarter" idx="12"/>
-            <p:custDataLst>
-              <p:tags r:id="rId5"/>
-            </p:custDataLst>
           </p:nvPr>
         </p:nvSpPr>
         <p:spPr/>
         <p:txBody>
           <a:bodyPr/>
-          <a:lstStyle>
-            <a:lvl1pPr>
-              <a:defRPr/>
-            </a:lvl1pPr>
-          </a:lstStyle>
+          <a:lstStyle/>
           <a:p>
             <a:fld id="{50178587-63F8-41F6-AE39-05E613E840AE}" type="slidenum">
               <a:rPr lang="es-ES" smtClean="0"/>
               <a:pPr/>
-              <a:t>‹Nº›</a:t>
+              <a:t>‹#›</a:t>
             </a:fld>
             <a:endParaRPr lang="es-ES"/>
           </a:p>
         </p:txBody>
       </p:sp>
     </p:spTree>
+    <p:extLst>
+      <p:ext uri="{BB962C8B-B14F-4D97-AF65-F5344CB8AC3E}">
+        <p14:creationId xmlns:p14="http://schemas.microsoft.com/office/powerpoint/2010/main" val="847161188"/>
+      </p:ext>
+    </p:extLst>
   </p:cSld>
   <p:clrMapOvr>
     <a:masterClrMapping/>
@@ -3499,7 +3415,7 @@
 
 <file path=ppt/slideLayouts/slideLayout3.xml><?xml version="1.0" encoding="utf-8"?>
 <p:sldLayout xmlns:a="http://schemas.openxmlformats.org/drawingml/2006/main" xmlns:r="http://schemas.openxmlformats.org/officeDocument/2006/relationships" xmlns:p="http://schemas.openxmlformats.org/presentationml/2006/main" type="secHead" preserve="1">
-  <p:cSld name="Encabezado de sección">
+  <p:cSld name="Section Header">
     <p:spTree>
       <p:nvGrpSpPr>
         <p:cNvPr id="1" name=""/>
@@ -3516,20 +3432,17 @@
       </p:grpSpPr>
       <p:sp>
         <p:nvSpPr>
-          <p:cNvPr id="2" name="1 Título"/>
+          <p:cNvPr id="2" name="Title 1"/>
           <p:cNvSpPr>
             <a:spLocks noGrp="1"/>
           </p:cNvSpPr>
           <p:nvPr>
             <p:ph type="title"/>
-            <p:custDataLst>
-              <p:tags r:id="rId1"/>
-            </p:custDataLst>
           </p:nvPr>
         </p:nvSpPr>
         <p:spPr>
           <a:xfrm>
-            <a:off x="722313" y="4406903"/>
+            <a:off x="722313" y="4406900"/>
             <a:ext cx="7772400" cy="1362075"/>
           </a:xfrm>
         </p:spPr>
@@ -3542,8 +3455,8 @@
           </a:lstStyle>
           <a:p>
             <a:r>
-              <a:rPr lang="es-ES" smtClean="0"/>
-              <a:t>Haga clic para modificar el estilo de título del patrón</a:t>
+              <a:rPr lang="en-US" smtClean="0"/>
+              <a:t>Click to edit Master title style</a:t>
             </a:r>
             <a:endParaRPr lang="es-ES"/>
           </a:p>
@@ -3551,15 +3464,12 @@
       </p:sp>
       <p:sp>
         <p:nvSpPr>
-          <p:cNvPr id="3" name="2 Marcador de texto"/>
+          <p:cNvPr id="3" name="Text Placeholder 2"/>
           <p:cNvSpPr>
             <a:spLocks noGrp="1"/>
           </p:cNvSpPr>
           <p:nvPr>
             <p:ph type="body" idx="1"/>
-            <p:custDataLst>
-              <p:tags r:id="rId2"/>
-            </p:custDataLst>
           </p:nvPr>
         </p:nvSpPr>
         <p:spPr>
@@ -3665,38 +3575,31 @@
           <a:p>
             <a:pPr lvl="0"/>
             <a:r>
-              <a:rPr lang="es-ES" smtClean="0"/>
-              <a:t>Haga clic para modificar el estilo de texto del patrón</a:t>
-            </a:r>
-          </a:p>
-        </p:txBody>
-      </p:sp>
-      <p:sp>
-        <p:nvSpPr>
-          <p:cNvPr id="4" name="3 Marcador de fecha"/>
+              <a:rPr lang="en-US" smtClean="0"/>
+              <a:t>Click to edit Master text styles</a:t>
+            </a:r>
+          </a:p>
+        </p:txBody>
+      </p:sp>
+      <p:sp>
+        <p:nvSpPr>
+          <p:cNvPr id="4" name="Date Placeholder 3"/>
           <p:cNvSpPr>
             <a:spLocks noGrp="1"/>
           </p:cNvSpPr>
           <p:nvPr>
             <p:ph type="dt" sz="half" idx="10"/>
-            <p:custDataLst>
-              <p:tags r:id="rId3"/>
-            </p:custDataLst>
           </p:nvPr>
         </p:nvSpPr>
         <p:spPr/>
         <p:txBody>
           <a:bodyPr/>
-          <a:lstStyle>
-            <a:lvl1pPr>
-              <a:defRPr/>
-            </a:lvl1pPr>
-          </a:lstStyle>
+          <a:lstStyle/>
           <a:p>
             <a:fld id="{807CB568-C05F-482F-9F26-AA302B8892DF}" type="datetimeFigureOut">
               <a:rPr lang="es-ES" smtClean="0"/>
               <a:pPr/>
-              <a:t>08/11/2011</a:t>
+              <a:t>10/9/14</a:t>
             </a:fld>
             <a:endParaRPr lang="es-ES"/>
           </a:p>
@@ -3704,25 +3607,18 @@
       </p:sp>
       <p:sp>
         <p:nvSpPr>
-          <p:cNvPr id="5" name="4 Marcador de pie de página"/>
+          <p:cNvPr id="5" name="Footer Placeholder 4"/>
           <p:cNvSpPr>
             <a:spLocks noGrp="1"/>
           </p:cNvSpPr>
           <p:nvPr>
             <p:ph type="ftr" sz="quarter" idx="11"/>
-            <p:custDataLst>
-              <p:tags r:id="rId4"/>
-            </p:custDataLst>
           </p:nvPr>
         </p:nvSpPr>
         <p:spPr/>
         <p:txBody>
           <a:bodyPr/>
-          <a:lstStyle>
-            <a:lvl1pPr>
-              <a:defRPr/>
-            </a:lvl1pPr>
-          </a:lstStyle>
+          <a:lstStyle/>
           <a:p>
             <a:endParaRPr lang="es-ES"/>
           </a:p>
@@ -3730,36 +3626,34 @@
       </p:sp>
       <p:sp>
         <p:nvSpPr>
-          <p:cNvPr id="6" name="5 Marcador de número de diapositiva"/>
+          <p:cNvPr id="6" name="Slide Number Placeholder 5"/>
           <p:cNvSpPr>
             <a:spLocks noGrp="1"/>
           </p:cNvSpPr>
           <p:nvPr>
             <p:ph type="sldNum" sz="quarter" idx="12"/>
-            <p:custDataLst>
-              <p:tags r:id="rId5"/>
-            </p:custDataLst>
           </p:nvPr>
         </p:nvSpPr>
         <p:spPr/>
         <p:txBody>
           <a:bodyPr/>
-          <a:lstStyle>
-            <a:lvl1pPr>
-              <a:defRPr/>
-            </a:lvl1pPr>
-          </a:lstStyle>
+          <a:lstStyle/>
           <a:p>
             <a:fld id="{50178587-63F8-41F6-AE39-05E613E840AE}" type="slidenum">
               <a:rPr lang="es-ES" smtClean="0"/>
               <a:pPr/>
-              <a:t>‹Nº›</a:t>
+              <a:t>‹#›</a:t>
             </a:fld>
             <a:endParaRPr lang="es-ES"/>
           </a:p>
         </p:txBody>
       </p:sp>
     </p:spTree>
+    <p:extLst>
+      <p:ext uri="{BB962C8B-B14F-4D97-AF65-F5344CB8AC3E}">
+        <p14:creationId xmlns:p14="http://schemas.microsoft.com/office/powerpoint/2010/main" val="524377426"/>
+      </p:ext>
+    </p:extLst>
   </p:cSld>
   <p:clrMapOvr>
     <a:masterClrMapping/>
@@ -3769,7 +3663,7 @@
 
 <file path=ppt/slideLayouts/slideLayout4.xml><?xml version="1.0" encoding="utf-8"?>
 <p:sldLayout xmlns:a="http://schemas.openxmlformats.org/drawingml/2006/main" xmlns:r="http://schemas.openxmlformats.org/officeDocument/2006/relationships" xmlns:p="http://schemas.openxmlformats.org/presentationml/2006/main" type="twoObj" preserve="1">
-  <p:cSld name="Dos objetos">
+  <p:cSld name="Two Content">
     <p:spTree>
       <p:nvGrpSpPr>
         <p:cNvPr id="1" name=""/>
@@ -3786,15 +3680,12 @@
       </p:grpSpPr>
       <p:sp>
         <p:nvSpPr>
-          <p:cNvPr id="2" name="1 Título"/>
+          <p:cNvPr id="2" name="Title 1"/>
           <p:cNvSpPr>
             <a:spLocks noGrp="1"/>
           </p:cNvSpPr>
           <p:nvPr>
             <p:ph type="title"/>
-            <p:custDataLst>
-              <p:tags r:id="rId1"/>
-            </p:custDataLst>
           </p:nvPr>
         </p:nvSpPr>
         <p:spPr/>
@@ -3803,8 +3694,8 @@
           <a:lstStyle/>
           <a:p>
             <a:r>
-              <a:rPr lang="es-ES" smtClean="0"/>
-              <a:t>Haga clic para modificar el estilo de título del patrón</a:t>
+              <a:rPr lang="en-US" smtClean="0"/>
+              <a:t>Click to edit Master title style</a:t>
             </a:r>
             <a:endParaRPr lang="es-ES"/>
           </a:p>
@@ -3812,20 +3703,17 @@
       </p:sp>
       <p:sp>
         <p:nvSpPr>
-          <p:cNvPr id="3" name="2 Marcador de contenido"/>
+          <p:cNvPr id="3" name="Content Placeholder 2"/>
           <p:cNvSpPr>
             <a:spLocks noGrp="1"/>
           </p:cNvSpPr>
           <p:nvPr>
             <p:ph sz="half" idx="1"/>
-            <p:custDataLst>
-              <p:tags r:id="rId2"/>
-            </p:custDataLst>
           </p:nvPr>
         </p:nvSpPr>
         <p:spPr>
           <a:xfrm>
-            <a:off x="457200" y="1600203"/>
+            <a:off x="457200" y="1600200"/>
             <a:ext cx="4038600" cy="4525963"/>
           </a:xfrm>
         </p:spPr>
@@ -3863,36 +3751,36 @@
           <a:p>
             <a:pPr lvl="0"/>
             <a:r>
-              <a:rPr lang="es-ES" smtClean="0"/>
-              <a:t>Haga clic para modificar el estilo de texto del patrón</a:t>
+              <a:rPr lang="en-US" smtClean="0"/>
+              <a:t>Click to edit Master text styles</a:t>
             </a:r>
           </a:p>
           <a:p>
             <a:pPr lvl="1"/>
             <a:r>
-              <a:rPr lang="es-ES" smtClean="0"/>
-              <a:t>Segundo nivel</a:t>
+              <a:rPr lang="en-US" smtClean="0"/>
+              <a:t>Second level</a:t>
             </a:r>
           </a:p>
           <a:p>
             <a:pPr lvl="2"/>
             <a:r>
-              <a:rPr lang="es-ES" smtClean="0"/>
-              <a:t>Tercer nivel</a:t>
+              <a:rPr lang="en-US" smtClean="0"/>
+              <a:t>Third level</a:t>
             </a:r>
           </a:p>
           <a:p>
             <a:pPr lvl="3"/>
             <a:r>
-              <a:rPr lang="es-ES" smtClean="0"/>
-              <a:t>Cuarto nivel</a:t>
+              <a:rPr lang="en-US" smtClean="0"/>
+              <a:t>Fourth level</a:t>
             </a:r>
           </a:p>
           <a:p>
             <a:pPr lvl="4"/>
             <a:r>
-              <a:rPr lang="es-ES" smtClean="0"/>
-              <a:t>Quinto nivel</a:t>
+              <a:rPr lang="en-US" smtClean="0"/>
+              <a:t>Fifth level</a:t>
             </a:r>
             <a:endParaRPr lang="es-ES"/>
           </a:p>
@@ -3900,20 +3788,17 @@
       </p:sp>
       <p:sp>
         <p:nvSpPr>
-          <p:cNvPr id="4" name="3 Marcador de contenido"/>
+          <p:cNvPr id="4" name="Content Placeholder 3"/>
           <p:cNvSpPr>
             <a:spLocks noGrp="1"/>
           </p:cNvSpPr>
           <p:nvPr>
             <p:ph sz="half" idx="2"/>
-            <p:custDataLst>
-              <p:tags r:id="rId3"/>
-            </p:custDataLst>
           </p:nvPr>
         </p:nvSpPr>
         <p:spPr>
           <a:xfrm>
-            <a:off x="4648200" y="1600203"/>
+            <a:off x="4648200" y="1600200"/>
             <a:ext cx="4038600" cy="4525963"/>
           </a:xfrm>
         </p:spPr>
@@ -3951,36 +3836,36 @@
           <a:p>
             <a:pPr lvl="0"/>
             <a:r>
-              <a:rPr lang="es-ES" smtClean="0"/>
-              <a:t>Haga clic para modificar el estilo de texto del patrón</a:t>
+              <a:rPr lang="en-US" smtClean="0"/>
+              <a:t>Click to edit Master text styles</a:t>
             </a:r>
           </a:p>
           <a:p>
             <a:pPr lvl="1"/>
             <a:r>
-              <a:rPr lang="es-ES" smtClean="0"/>
-              <a:t>Segundo nivel</a:t>
+              <a:rPr lang="en-US" smtClean="0"/>
+              <a:t>Second level</a:t>
             </a:r>
           </a:p>
           <a:p>
             <a:pPr lvl="2"/>
             <a:r>
-              <a:rPr lang="es-ES" smtClean="0"/>
-              <a:t>Tercer nivel</a:t>
+              <a:rPr lang="en-US" smtClean="0"/>
+              <a:t>Third level</a:t>
             </a:r>
           </a:p>
           <a:p>
             <a:pPr lvl="3"/>
             <a:r>
-              <a:rPr lang="es-ES" smtClean="0"/>
-              <a:t>Cuarto nivel</a:t>
+              <a:rPr lang="en-US" smtClean="0"/>
+              <a:t>Fourth level</a:t>
             </a:r>
           </a:p>
           <a:p>
             <a:pPr lvl="4"/>
             <a:r>
-              <a:rPr lang="es-ES" smtClean="0"/>
-              <a:t>Quinto nivel</a:t>
+              <a:rPr lang="en-US" smtClean="0"/>
+              <a:t>Fifth level</a:t>
             </a:r>
             <a:endParaRPr lang="es-ES"/>
           </a:p>
@@ -3988,30 +3873,23 @@
       </p:sp>
       <p:sp>
         <p:nvSpPr>
-          <p:cNvPr id="5" name="3 Marcador de fecha"/>
+          <p:cNvPr id="5" name="Date Placeholder 4"/>
           <p:cNvSpPr>
             <a:spLocks noGrp="1"/>
           </p:cNvSpPr>
           <p:nvPr>
             <p:ph type="dt" sz="half" idx="10"/>
-            <p:custDataLst>
-              <p:tags r:id="rId4"/>
-            </p:custDataLst>
           </p:nvPr>
         </p:nvSpPr>
         <p:spPr/>
         <p:txBody>
           <a:bodyPr/>
-          <a:lstStyle>
-            <a:lvl1pPr>
-              <a:defRPr/>
-            </a:lvl1pPr>
-          </a:lstStyle>
+          <a:lstStyle/>
           <a:p>
             <a:fld id="{807CB568-C05F-482F-9F26-AA302B8892DF}" type="datetimeFigureOut">
               <a:rPr lang="es-ES" smtClean="0"/>
               <a:pPr/>
-              <a:t>08/11/2011</a:t>
+              <a:t>10/9/14</a:t>
             </a:fld>
             <a:endParaRPr lang="es-ES"/>
           </a:p>
@@ -4019,25 +3897,18 @@
       </p:sp>
       <p:sp>
         <p:nvSpPr>
-          <p:cNvPr id="6" name="4 Marcador de pie de página"/>
+          <p:cNvPr id="6" name="Footer Placeholder 5"/>
           <p:cNvSpPr>
             <a:spLocks noGrp="1"/>
           </p:cNvSpPr>
           <p:nvPr>
             <p:ph type="ftr" sz="quarter" idx="11"/>
-            <p:custDataLst>
-              <p:tags r:id="rId5"/>
-            </p:custDataLst>
           </p:nvPr>
         </p:nvSpPr>
         <p:spPr/>
         <p:txBody>
           <a:bodyPr/>
-          <a:lstStyle>
-            <a:lvl1pPr>
-              <a:defRPr/>
-            </a:lvl1pPr>
-          </a:lstStyle>
+          <a:lstStyle/>
           <a:p>
             <a:endParaRPr lang="es-ES"/>
           </a:p>
@@ -4045,36 +3916,34 @@
       </p:sp>
       <p:sp>
         <p:nvSpPr>
-          <p:cNvPr id="7" name="5 Marcador de número de diapositiva"/>
+          <p:cNvPr id="7" name="Slide Number Placeholder 6"/>
           <p:cNvSpPr>
             <a:spLocks noGrp="1"/>
           </p:cNvSpPr>
           <p:nvPr>
             <p:ph type="sldNum" sz="quarter" idx="12"/>
-            <p:custDataLst>
-              <p:tags r:id="rId6"/>
-            </p:custDataLst>
           </p:nvPr>
         </p:nvSpPr>
         <p:spPr/>
         <p:txBody>
           <a:bodyPr/>
-          <a:lstStyle>
-            <a:lvl1pPr>
-              <a:defRPr/>
-            </a:lvl1pPr>
-          </a:lstStyle>
+          <a:lstStyle/>
           <a:p>
             <a:fld id="{50178587-63F8-41F6-AE39-05E613E840AE}" type="slidenum">
               <a:rPr lang="es-ES" smtClean="0"/>
               <a:pPr/>
-              <a:t>‹Nº›</a:t>
+              <a:t>‹#›</a:t>
             </a:fld>
             <a:endParaRPr lang="es-ES"/>
           </a:p>
         </p:txBody>
       </p:sp>
     </p:spTree>
+    <p:extLst>
+      <p:ext uri="{BB962C8B-B14F-4D97-AF65-F5344CB8AC3E}">
+        <p14:creationId xmlns:p14="http://schemas.microsoft.com/office/powerpoint/2010/main" val="3773991381"/>
+      </p:ext>
+    </p:extLst>
   </p:cSld>
   <p:clrMapOvr>
     <a:masterClrMapping/>
@@ -4084,7 +3953,7 @@
 
 <file path=ppt/slideLayouts/slideLayout5.xml><?xml version="1.0" encoding="utf-8"?>
 <p:sldLayout xmlns:a="http://schemas.openxmlformats.org/drawingml/2006/main" xmlns:r="http://schemas.openxmlformats.org/officeDocument/2006/relationships" xmlns:p="http://schemas.openxmlformats.org/presentationml/2006/main" type="twoTxTwoObj" preserve="1">
-  <p:cSld name="Comparación">
+  <p:cSld name="Comparison">
     <p:spTree>
       <p:nvGrpSpPr>
         <p:cNvPr id="1" name=""/>
@@ -4101,15 +3970,12 @@
       </p:grpSpPr>
       <p:sp>
         <p:nvSpPr>
-          <p:cNvPr id="2" name="1 Título"/>
+          <p:cNvPr id="2" name="Title 1"/>
           <p:cNvSpPr>
             <a:spLocks noGrp="1"/>
           </p:cNvSpPr>
           <p:nvPr>
             <p:ph type="title"/>
-            <p:custDataLst>
-              <p:tags r:id="rId1"/>
-            </p:custDataLst>
           </p:nvPr>
         </p:nvSpPr>
         <p:spPr/>
@@ -4122,8 +3988,8 @@
           </a:lstStyle>
           <a:p>
             <a:r>
-              <a:rPr lang="es-ES" smtClean="0"/>
-              <a:t>Haga clic para modificar el estilo de título del patrón</a:t>
+              <a:rPr lang="en-US" smtClean="0"/>
+              <a:t>Click to edit Master title style</a:t>
             </a:r>
             <a:endParaRPr lang="es-ES"/>
           </a:p>
@@ -4131,21 +3997,18 @@
       </p:sp>
       <p:sp>
         <p:nvSpPr>
-          <p:cNvPr id="3" name="2 Marcador de texto"/>
+          <p:cNvPr id="3" name="Text Placeholder 2"/>
           <p:cNvSpPr>
             <a:spLocks noGrp="1"/>
           </p:cNvSpPr>
           <p:nvPr>
             <p:ph type="body" idx="1"/>
-            <p:custDataLst>
-              <p:tags r:id="rId2"/>
-            </p:custDataLst>
           </p:nvPr>
         </p:nvSpPr>
         <p:spPr>
           <a:xfrm>
-            <a:off x="457200" y="1535115"/>
-            <a:ext cx="4040188" cy="639763"/>
+            <a:off x="457200" y="1535113"/>
+            <a:ext cx="4040188" cy="639762"/>
           </a:xfrm>
         </p:spPr>
         <p:txBody>
@@ -4191,23 +4054,20 @@
           <a:p>
             <a:pPr lvl="0"/>
             <a:r>
-              <a:rPr lang="es-ES" smtClean="0"/>
-              <a:t>Haga clic para modificar el estilo de texto del patrón</a:t>
-            </a:r>
-          </a:p>
-        </p:txBody>
-      </p:sp>
-      <p:sp>
-        <p:nvSpPr>
-          <p:cNvPr id="4" name="3 Marcador de contenido"/>
+              <a:rPr lang="en-US" smtClean="0"/>
+              <a:t>Click to edit Master text styles</a:t>
+            </a:r>
+          </a:p>
+        </p:txBody>
+      </p:sp>
+      <p:sp>
+        <p:nvSpPr>
+          <p:cNvPr id="4" name="Content Placeholder 3"/>
           <p:cNvSpPr>
             <a:spLocks noGrp="1"/>
           </p:cNvSpPr>
           <p:nvPr>
             <p:ph sz="half" idx="2"/>
-            <p:custDataLst>
-              <p:tags r:id="rId3"/>
-            </p:custDataLst>
           </p:nvPr>
         </p:nvSpPr>
         <p:spPr>
@@ -4250,36 +4110,36 @@
           <a:p>
             <a:pPr lvl="0"/>
             <a:r>
-              <a:rPr lang="es-ES" smtClean="0"/>
-              <a:t>Haga clic para modificar el estilo de texto del patrón</a:t>
+              <a:rPr lang="en-US" smtClean="0"/>
+              <a:t>Click to edit Master text styles</a:t>
             </a:r>
           </a:p>
           <a:p>
             <a:pPr lvl="1"/>
             <a:r>
-              <a:rPr lang="es-ES" smtClean="0"/>
-              <a:t>Segundo nivel</a:t>
+              <a:rPr lang="en-US" smtClean="0"/>
+              <a:t>Second level</a:t>
             </a:r>
           </a:p>
           <a:p>
             <a:pPr lvl="2"/>
             <a:r>
-              <a:rPr lang="es-ES" smtClean="0"/>
-              <a:t>Tercer nivel</a:t>
+              <a:rPr lang="en-US" smtClean="0"/>
+              <a:t>Third level</a:t>
             </a:r>
           </a:p>
           <a:p>
             <a:pPr lvl="3"/>
             <a:r>
-              <a:rPr lang="es-ES" smtClean="0"/>
-              <a:t>Cuarto nivel</a:t>
+              <a:rPr lang="en-US" smtClean="0"/>
+              <a:t>Fourth level</a:t>
             </a:r>
           </a:p>
           <a:p>
             <a:pPr lvl="4"/>
             <a:r>
-              <a:rPr lang="es-ES" smtClean="0"/>
-              <a:t>Quinto nivel</a:t>
+              <a:rPr lang="en-US" smtClean="0"/>
+              <a:t>Fifth level</a:t>
             </a:r>
             <a:endParaRPr lang="es-ES"/>
           </a:p>
@@ -4287,21 +4147,18 @@
       </p:sp>
       <p:sp>
         <p:nvSpPr>
-          <p:cNvPr id="5" name="4 Marcador de texto"/>
+          <p:cNvPr id="5" name="Text Placeholder 4"/>
           <p:cNvSpPr>
             <a:spLocks noGrp="1"/>
           </p:cNvSpPr>
           <p:nvPr>
             <p:ph type="body" sz="quarter" idx="3"/>
-            <p:custDataLst>
-              <p:tags r:id="rId4"/>
-            </p:custDataLst>
           </p:nvPr>
         </p:nvSpPr>
         <p:spPr>
           <a:xfrm>
-            <a:off x="4645028" y="1535115"/>
-            <a:ext cx="4041775" cy="639763"/>
+            <a:off x="4645025" y="1535113"/>
+            <a:ext cx="4041775" cy="639762"/>
           </a:xfrm>
         </p:spPr>
         <p:txBody>
@@ -4347,28 +4204,25 @@
           <a:p>
             <a:pPr lvl="0"/>
             <a:r>
-              <a:rPr lang="es-ES" smtClean="0"/>
-              <a:t>Haga clic para modificar el estilo de texto del patrón</a:t>
-            </a:r>
-          </a:p>
-        </p:txBody>
-      </p:sp>
-      <p:sp>
-        <p:nvSpPr>
-          <p:cNvPr id="6" name="5 Marcador de contenido"/>
+              <a:rPr lang="en-US" smtClean="0"/>
+              <a:t>Click to edit Master text styles</a:t>
+            </a:r>
+          </a:p>
+        </p:txBody>
+      </p:sp>
+      <p:sp>
+        <p:nvSpPr>
+          <p:cNvPr id="6" name="Content Placeholder 5"/>
           <p:cNvSpPr>
             <a:spLocks noGrp="1"/>
           </p:cNvSpPr>
           <p:nvPr>
             <p:ph sz="quarter" idx="4"/>
-            <p:custDataLst>
-              <p:tags r:id="rId5"/>
-            </p:custDataLst>
           </p:nvPr>
         </p:nvSpPr>
         <p:spPr>
           <a:xfrm>
-            <a:off x="4645028" y="2174875"/>
+            <a:off x="4645025" y="2174875"/>
             <a:ext cx="4041775" cy="3951288"/>
           </a:xfrm>
         </p:spPr>
@@ -4406,36 +4260,36 @@
           <a:p>
             <a:pPr lvl="0"/>
             <a:r>
-              <a:rPr lang="es-ES" smtClean="0"/>
-              <a:t>Haga clic para modificar el estilo de texto del patrón</a:t>
+              <a:rPr lang="en-US" smtClean="0"/>
+              <a:t>Click to edit Master text styles</a:t>
             </a:r>
           </a:p>
           <a:p>
             <a:pPr lvl="1"/>
             <a:r>
-              <a:rPr lang="es-ES" smtClean="0"/>
-              <a:t>Segundo nivel</a:t>
+              <a:rPr lang="en-US" smtClean="0"/>
+              <a:t>Second level</a:t>
             </a:r>
           </a:p>
           <a:p>
             <a:pPr lvl="2"/>
             <a:r>
-              <a:rPr lang="es-ES" smtClean="0"/>
-              <a:t>Tercer nivel</a:t>
+              <a:rPr lang="en-US" smtClean="0"/>
+              <a:t>Third level</a:t>
             </a:r>
           </a:p>
           <a:p>
             <a:pPr lvl="3"/>
             <a:r>
-              <a:rPr lang="es-ES" smtClean="0"/>
-              <a:t>Cuarto nivel</a:t>
+              <a:rPr lang="en-US" smtClean="0"/>
+              <a:t>Fourth level</a:t>
             </a:r>
           </a:p>
           <a:p>
             <a:pPr lvl="4"/>
             <a:r>
-              <a:rPr lang="es-ES" smtClean="0"/>
-              <a:t>Quinto nivel</a:t>
+              <a:rPr lang="en-US" smtClean="0"/>
+              <a:t>Fifth level</a:t>
             </a:r>
             <a:endParaRPr lang="es-ES"/>
           </a:p>
@@ -4443,30 +4297,23 @@
       </p:sp>
       <p:sp>
         <p:nvSpPr>
-          <p:cNvPr id="7" name="3 Marcador de fecha"/>
+          <p:cNvPr id="7" name="Date Placeholder 6"/>
           <p:cNvSpPr>
             <a:spLocks noGrp="1"/>
           </p:cNvSpPr>
           <p:nvPr>
             <p:ph type="dt" sz="half" idx="10"/>
-            <p:custDataLst>
-              <p:tags r:id="rId6"/>
-            </p:custDataLst>
           </p:nvPr>
         </p:nvSpPr>
         <p:spPr/>
         <p:txBody>
           <a:bodyPr/>
-          <a:lstStyle>
-            <a:lvl1pPr>
-              <a:defRPr/>
-            </a:lvl1pPr>
-          </a:lstStyle>
+          <a:lstStyle/>
           <a:p>
             <a:fld id="{807CB568-C05F-482F-9F26-AA302B8892DF}" type="datetimeFigureOut">
               <a:rPr lang="es-ES" smtClean="0"/>
               <a:pPr/>
-              <a:t>08/11/2011</a:t>
+              <a:t>10/9/14</a:t>
             </a:fld>
             <a:endParaRPr lang="es-ES"/>
           </a:p>
@@ -4474,25 +4321,18 @@
       </p:sp>
       <p:sp>
         <p:nvSpPr>
-          <p:cNvPr id="8" name="4 Marcador de pie de página"/>
+          <p:cNvPr id="8" name="Footer Placeholder 7"/>
           <p:cNvSpPr>
             <a:spLocks noGrp="1"/>
           </p:cNvSpPr>
           <p:nvPr>
             <p:ph type="ftr" sz="quarter" idx="11"/>
-            <p:custDataLst>
-              <p:tags r:id="rId7"/>
-            </p:custDataLst>
           </p:nvPr>
         </p:nvSpPr>
         <p:spPr/>
         <p:txBody>
           <a:bodyPr/>
-          <a:lstStyle>
-            <a:lvl1pPr>
-              <a:defRPr/>
-            </a:lvl1pPr>
-          </a:lstStyle>
+          <a:lstStyle/>
           <a:p>
             <a:endParaRPr lang="es-ES"/>
           </a:p>
@@ -4500,36 +4340,34 @@
       </p:sp>
       <p:sp>
         <p:nvSpPr>
-          <p:cNvPr id="9" name="5 Marcador de número de diapositiva"/>
+          <p:cNvPr id="9" name="Slide Number Placeholder 8"/>
           <p:cNvSpPr>
             <a:spLocks noGrp="1"/>
           </p:cNvSpPr>
           <p:nvPr>
             <p:ph type="sldNum" sz="quarter" idx="12"/>
-            <p:custDataLst>
-              <p:tags r:id="rId8"/>
-            </p:custDataLst>
           </p:nvPr>
         </p:nvSpPr>
         <p:spPr/>
         <p:txBody>
           <a:bodyPr/>
-          <a:lstStyle>
-            <a:lvl1pPr>
-              <a:defRPr/>
-            </a:lvl1pPr>
-          </a:lstStyle>
+          <a:lstStyle/>
           <a:p>
             <a:fld id="{50178587-63F8-41F6-AE39-05E613E840AE}" type="slidenum">
               <a:rPr lang="es-ES" smtClean="0"/>
               <a:pPr/>
-              <a:t>‹Nº›</a:t>
+              <a:t>‹#›</a:t>
             </a:fld>
             <a:endParaRPr lang="es-ES"/>
           </a:p>
         </p:txBody>
       </p:sp>
     </p:spTree>
+    <p:extLst>
+      <p:ext uri="{BB962C8B-B14F-4D97-AF65-F5344CB8AC3E}">
+        <p14:creationId xmlns:p14="http://schemas.microsoft.com/office/powerpoint/2010/main" val="1463620940"/>
+      </p:ext>
+    </p:extLst>
   </p:cSld>
   <p:clrMapOvr>
     <a:masterClrMapping/>
@@ -4539,7 +4377,7 @@
 
 <file path=ppt/slideLayouts/slideLayout6.xml><?xml version="1.0" encoding="utf-8"?>
 <p:sldLayout xmlns:a="http://schemas.openxmlformats.org/drawingml/2006/main" xmlns:r="http://schemas.openxmlformats.org/officeDocument/2006/relationships" xmlns:p="http://schemas.openxmlformats.org/presentationml/2006/main" type="titleOnly" preserve="1">
-  <p:cSld name="Sólo el título">
+  <p:cSld name="Title Only">
     <p:spTree>
       <p:nvGrpSpPr>
         <p:cNvPr id="1" name=""/>
@@ -4556,15 +4394,12 @@
       </p:grpSpPr>
       <p:sp>
         <p:nvSpPr>
-          <p:cNvPr id="2" name="1 Título"/>
+          <p:cNvPr id="2" name="Title 1"/>
           <p:cNvSpPr>
             <a:spLocks noGrp="1"/>
           </p:cNvSpPr>
           <p:nvPr>
             <p:ph type="title"/>
-            <p:custDataLst>
-              <p:tags r:id="rId1"/>
-            </p:custDataLst>
           </p:nvPr>
         </p:nvSpPr>
         <p:spPr/>
@@ -4573,8 +4408,8 @@
           <a:lstStyle/>
           <a:p>
             <a:r>
-              <a:rPr lang="es-ES" smtClean="0"/>
-              <a:t>Haga clic para modificar el estilo de título del patrón</a:t>
+              <a:rPr lang="en-US" smtClean="0"/>
+              <a:t>Click to edit Master title style</a:t>
             </a:r>
             <a:endParaRPr lang="es-ES"/>
           </a:p>
@@ -4582,30 +4417,23 @@
       </p:sp>
       <p:sp>
         <p:nvSpPr>
-          <p:cNvPr id="3" name="3 Marcador de fecha"/>
+          <p:cNvPr id="3" name="Date Placeholder 2"/>
           <p:cNvSpPr>
             <a:spLocks noGrp="1"/>
           </p:cNvSpPr>
           <p:nvPr>
             <p:ph type="dt" sz="half" idx="10"/>
-            <p:custDataLst>
-              <p:tags r:id="rId2"/>
-            </p:custDataLst>
           </p:nvPr>
         </p:nvSpPr>
         <p:spPr/>
         <p:txBody>
           <a:bodyPr/>
-          <a:lstStyle>
-            <a:lvl1pPr>
-              <a:defRPr/>
-            </a:lvl1pPr>
-          </a:lstStyle>
+          <a:lstStyle/>
           <a:p>
             <a:fld id="{807CB568-C05F-482F-9F26-AA302B8892DF}" type="datetimeFigureOut">
               <a:rPr lang="es-ES" smtClean="0"/>
               <a:pPr/>
-              <a:t>08/11/2011</a:t>
+              <a:t>10/9/14</a:t>
             </a:fld>
             <a:endParaRPr lang="es-ES"/>
           </a:p>
@@ -4613,25 +4441,18 @@
       </p:sp>
       <p:sp>
         <p:nvSpPr>
-          <p:cNvPr id="4" name="4 Marcador de pie de página"/>
+          <p:cNvPr id="4" name="Footer Placeholder 3"/>
           <p:cNvSpPr>
             <a:spLocks noGrp="1"/>
           </p:cNvSpPr>
           <p:nvPr>
             <p:ph type="ftr" sz="quarter" idx="11"/>
-            <p:custDataLst>
-              <p:tags r:id="rId3"/>
-            </p:custDataLst>
           </p:nvPr>
         </p:nvSpPr>
         <p:spPr/>
         <p:txBody>
           <a:bodyPr/>
-          <a:lstStyle>
-            <a:lvl1pPr>
-              <a:defRPr/>
-            </a:lvl1pPr>
-          </a:lstStyle>
+          <a:lstStyle/>
           <a:p>
             <a:endParaRPr lang="es-ES"/>
           </a:p>
@@ -4639,36 +4460,34 @@
       </p:sp>
       <p:sp>
         <p:nvSpPr>
-          <p:cNvPr id="5" name="5 Marcador de número de diapositiva"/>
+          <p:cNvPr id="5" name="Slide Number Placeholder 4"/>
           <p:cNvSpPr>
             <a:spLocks noGrp="1"/>
           </p:cNvSpPr>
           <p:nvPr>
             <p:ph type="sldNum" sz="quarter" idx="12"/>
-            <p:custDataLst>
-              <p:tags r:id="rId4"/>
-            </p:custDataLst>
           </p:nvPr>
         </p:nvSpPr>
         <p:spPr/>
         <p:txBody>
           <a:bodyPr/>
-          <a:lstStyle>
-            <a:lvl1pPr>
-              <a:defRPr/>
-            </a:lvl1pPr>
-          </a:lstStyle>
+          <a:lstStyle/>
           <a:p>
             <a:fld id="{50178587-63F8-41F6-AE39-05E613E840AE}" type="slidenum">
               <a:rPr lang="es-ES" smtClean="0"/>
               <a:pPr/>
-              <a:t>‹Nº›</a:t>
+              <a:t>‹#›</a:t>
             </a:fld>
             <a:endParaRPr lang="es-ES"/>
           </a:p>
         </p:txBody>
       </p:sp>
     </p:spTree>
+    <p:extLst>
+      <p:ext uri="{BB962C8B-B14F-4D97-AF65-F5344CB8AC3E}">
+        <p14:creationId xmlns:p14="http://schemas.microsoft.com/office/powerpoint/2010/main" val="3107704173"/>
+      </p:ext>
+    </p:extLst>
   </p:cSld>
   <p:clrMapOvr>
     <a:masterClrMapping/>
@@ -4678,7 +4497,7 @@
 
 <file path=ppt/slideLayouts/slideLayout7.xml><?xml version="1.0" encoding="utf-8"?>
 <p:sldLayout xmlns:a="http://schemas.openxmlformats.org/drawingml/2006/main" xmlns:r="http://schemas.openxmlformats.org/officeDocument/2006/relationships" xmlns:p="http://schemas.openxmlformats.org/presentationml/2006/main" type="blank" preserve="1">
-  <p:cSld name="En blanco">
+  <p:cSld name="Blank">
     <p:spTree>
       <p:nvGrpSpPr>
         <p:cNvPr id="1" name=""/>
@@ -4695,30 +4514,23 @@
       </p:grpSpPr>
       <p:sp>
         <p:nvSpPr>
-          <p:cNvPr id="2" name="3 Marcador de fecha"/>
+          <p:cNvPr id="2" name="Date Placeholder 1"/>
           <p:cNvSpPr>
             <a:spLocks noGrp="1"/>
           </p:cNvSpPr>
           <p:nvPr>
             <p:ph type="dt" sz="half" idx="10"/>
-            <p:custDataLst>
-              <p:tags r:id="rId1"/>
-            </p:custDataLst>
           </p:nvPr>
         </p:nvSpPr>
         <p:spPr/>
         <p:txBody>
           <a:bodyPr/>
-          <a:lstStyle>
-            <a:lvl1pPr>
-              <a:defRPr/>
-            </a:lvl1pPr>
-          </a:lstStyle>
+          <a:lstStyle/>
           <a:p>
             <a:fld id="{807CB568-C05F-482F-9F26-AA302B8892DF}" type="datetimeFigureOut">
               <a:rPr lang="es-ES" smtClean="0"/>
               <a:pPr/>
-              <a:t>08/11/2011</a:t>
+              <a:t>10/9/14</a:t>
             </a:fld>
             <a:endParaRPr lang="es-ES"/>
           </a:p>
@@ -4726,25 +4538,18 @@
       </p:sp>
       <p:sp>
         <p:nvSpPr>
-          <p:cNvPr id="3" name="4 Marcador de pie de página"/>
+          <p:cNvPr id="3" name="Footer Placeholder 2"/>
           <p:cNvSpPr>
             <a:spLocks noGrp="1"/>
           </p:cNvSpPr>
           <p:nvPr>
             <p:ph type="ftr" sz="quarter" idx="11"/>
-            <p:custDataLst>
-              <p:tags r:id="rId2"/>
-            </p:custDataLst>
           </p:nvPr>
         </p:nvSpPr>
         <p:spPr/>
         <p:txBody>
           <a:bodyPr/>
-          <a:lstStyle>
-            <a:lvl1pPr>
-              <a:defRPr/>
-            </a:lvl1pPr>
-          </a:lstStyle>
+          <a:lstStyle/>
           <a:p>
             <a:endParaRPr lang="es-ES"/>
           </a:p>
@@ -4752,36 +4557,34 @@
       </p:sp>
       <p:sp>
         <p:nvSpPr>
-          <p:cNvPr id="4" name="5 Marcador de número de diapositiva"/>
+          <p:cNvPr id="4" name="Slide Number Placeholder 3"/>
           <p:cNvSpPr>
             <a:spLocks noGrp="1"/>
           </p:cNvSpPr>
           <p:nvPr>
             <p:ph type="sldNum" sz="quarter" idx="12"/>
-            <p:custDataLst>
-              <p:tags r:id="rId3"/>
-            </p:custDataLst>
           </p:nvPr>
         </p:nvSpPr>
         <p:spPr/>
         <p:txBody>
           <a:bodyPr/>
-          <a:lstStyle>
-            <a:lvl1pPr>
-              <a:defRPr/>
-            </a:lvl1pPr>
-          </a:lstStyle>
+          <a:lstStyle/>
           <a:p>
             <a:fld id="{50178587-63F8-41F6-AE39-05E613E840AE}" type="slidenum">
               <a:rPr lang="es-ES" smtClean="0"/>
               <a:pPr/>
-              <a:t>‹Nº›</a:t>
+              <a:t>‹#›</a:t>
             </a:fld>
             <a:endParaRPr lang="es-ES"/>
           </a:p>
         </p:txBody>
       </p:sp>
     </p:spTree>
+    <p:extLst>
+      <p:ext uri="{BB962C8B-B14F-4D97-AF65-F5344CB8AC3E}">
+        <p14:creationId xmlns:p14="http://schemas.microsoft.com/office/powerpoint/2010/main" val="600411707"/>
+      </p:ext>
+    </p:extLst>
   </p:cSld>
   <p:clrMapOvr>
     <a:masterClrMapping/>
@@ -4791,7 +4594,7 @@
 
 <file path=ppt/slideLayouts/slideLayout8.xml><?xml version="1.0" encoding="utf-8"?>
 <p:sldLayout xmlns:a="http://schemas.openxmlformats.org/drawingml/2006/main" xmlns:r="http://schemas.openxmlformats.org/officeDocument/2006/relationships" xmlns:p="http://schemas.openxmlformats.org/presentationml/2006/main" type="objTx" preserve="1">
-  <p:cSld name="Contenido con título">
+  <p:cSld name="Content with Caption">
     <p:spTree>
       <p:nvGrpSpPr>
         <p:cNvPr id="1" name=""/>
@@ -4808,21 +4611,18 @@
       </p:grpSpPr>
       <p:sp>
         <p:nvSpPr>
-          <p:cNvPr id="2" name="1 Título"/>
+          <p:cNvPr id="2" name="Title 1"/>
           <p:cNvSpPr>
             <a:spLocks noGrp="1"/>
           </p:cNvSpPr>
           <p:nvPr>
             <p:ph type="title"/>
-            <p:custDataLst>
-              <p:tags r:id="rId1"/>
-            </p:custDataLst>
           </p:nvPr>
         </p:nvSpPr>
         <p:spPr>
           <a:xfrm>
-            <a:off x="457203" y="273051"/>
-            <a:ext cx="3008313" cy="1162051"/>
+            <a:off x="457200" y="273050"/>
+            <a:ext cx="3008313" cy="1162050"/>
           </a:xfrm>
         </p:spPr>
         <p:txBody>
@@ -4834,8 +4634,8 @@
           </a:lstStyle>
           <a:p>
             <a:r>
-              <a:rPr lang="es-ES" smtClean="0"/>
-              <a:t>Haga clic para modificar el estilo de título del patrón</a:t>
+              <a:rPr lang="en-US" smtClean="0"/>
+              <a:t>Click to edit Master title style</a:t>
             </a:r>
             <a:endParaRPr lang="es-ES"/>
           </a:p>
@@ -4843,20 +4643,17 @@
       </p:sp>
       <p:sp>
         <p:nvSpPr>
-          <p:cNvPr id="3" name="2 Marcador de contenido"/>
+          <p:cNvPr id="3" name="Content Placeholder 2"/>
           <p:cNvSpPr>
             <a:spLocks noGrp="1"/>
           </p:cNvSpPr>
           <p:nvPr>
             <p:ph idx="1"/>
-            <p:custDataLst>
-              <p:tags r:id="rId2"/>
-            </p:custDataLst>
           </p:nvPr>
         </p:nvSpPr>
         <p:spPr>
           <a:xfrm>
-            <a:off x="3575051" y="273054"/>
+            <a:off x="3575050" y="273050"/>
             <a:ext cx="5111750" cy="5853113"/>
           </a:xfrm>
         </p:spPr>
@@ -4894,36 +4691,36 @@
           <a:p>
             <a:pPr lvl="0"/>
             <a:r>
-              <a:rPr lang="es-ES" smtClean="0"/>
-              <a:t>Haga clic para modificar el estilo de texto del patrón</a:t>
+              <a:rPr lang="en-US" smtClean="0"/>
+              <a:t>Click to edit Master text styles</a:t>
             </a:r>
           </a:p>
           <a:p>
             <a:pPr lvl="1"/>
             <a:r>
-              <a:rPr lang="es-ES" smtClean="0"/>
-              <a:t>Segundo nivel</a:t>
+              <a:rPr lang="en-US" smtClean="0"/>
+              <a:t>Second level</a:t>
             </a:r>
           </a:p>
           <a:p>
             <a:pPr lvl="2"/>
             <a:r>
-              <a:rPr lang="es-ES" smtClean="0"/>
-              <a:t>Tercer nivel</a:t>
+              <a:rPr lang="en-US" smtClean="0"/>
+              <a:t>Third level</a:t>
             </a:r>
           </a:p>
           <a:p>
             <a:pPr lvl="3"/>
             <a:r>
-              <a:rPr lang="es-ES" smtClean="0"/>
-              <a:t>Cuarto nivel</a:t>
+              <a:rPr lang="en-US" smtClean="0"/>
+              <a:t>Fourth level</a:t>
             </a:r>
           </a:p>
           <a:p>
             <a:pPr lvl="4"/>
             <a:r>
-              <a:rPr lang="es-ES" smtClean="0"/>
-              <a:t>Quinto nivel</a:t>
+              <a:rPr lang="en-US" smtClean="0"/>
+              <a:t>Fifth level</a:t>
             </a:r>
             <a:endParaRPr lang="es-ES"/>
           </a:p>
@@ -4931,20 +4728,17 @@
       </p:sp>
       <p:sp>
         <p:nvSpPr>
-          <p:cNvPr id="4" name="3 Marcador de texto"/>
+          <p:cNvPr id="4" name="Text Placeholder 3"/>
           <p:cNvSpPr>
             <a:spLocks noGrp="1"/>
           </p:cNvSpPr>
           <p:nvPr>
             <p:ph type="body" sz="half" idx="2"/>
-            <p:custDataLst>
-              <p:tags r:id="rId3"/>
-            </p:custDataLst>
           </p:nvPr>
         </p:nvSpPr>
         <p:spPr>
           <a:xfrm>
-            <a:off x="457203" y="1435103"/>
+            <a:off x="457200" y="1435100"/>
             <a:ext cx="3008313" cy="4691063"/>
           </a:xfrm>
         </p:spPr>
@@ -4991,38 +4785,31 @@
           <a:p>
             <a:pPr lvl="0"/>
             <a:r>
-              <a:rPr lang="es-ES" smtClean="0"/>
-              <a:t>Haga clic para modificar el estilo de texto del patrón</a:t>
-            </a:r>
-          </a:p>
-        </p:txBody>
-      </p:sp>
-      <p:sp>
-        <p:nvSpPr>
-          <p:cNvPr id="5" name="3 Marcador de fecha"/>
+              <a:rPr lang="en-US" smtClean="0"/>
+              <a:t>Click to edit Master text styles</a:t>
+            </a:r>
+          </a:p>
+        </p:txBody>
+      </p:sp>
+      <p:sp>
+        <p:nvSpPr>
+          <p:cNvPr id="5" name="Date Placeholder 4"/>
           <p:cNvSpPr>
             <a:spLocks noGrp="1"/>
           </p:cNvSpPr>
           <p:nvPr>
             <p:ph type="dt" sz="half" idx="10"/>
-            <p:custDataLst>
-              <p:tags r:id="rId4"/>
-            </p:custDataLst>
           </p:nvPr>
         </p:nvSpPr>
         <p:spPr/>
         <p:txBody>
           <a:bodyPr/>
-          <a:lstStyle>
-            <a:lvl1pPr>
-              <a:defRPr/>
-            </a:lvl1pPr>
-          </a:lstStyle>
+          <a:lstStyle/>
           <a:p>
             <a:fld id="{807CB568-C05F-482F-9F26-AA302B8892DF}" type="datetimeFigureOut">
               <a:rPr lang="es-ES" smtClean="0"/>
               <a:pPr/>
-              <a:t>08/11/2011</a:t>
+              <a:t>10/9/14</a:t>
             </a:fld>
             <a:endParaRPr lang="es-ES"/>
           </a:p>
@@ -5030,25 +4817,18 @@
       </p:sp>
       <p:sp>
         <p:nvSpPr>
-          <p:cNvPr id="6" name="4 Marcador de pie de página"/>
+          <p:cNvPr id="6" name="Footer Placeholder 5"/>
           <p:cNvSpPr>
             <a:spLocks noGrp="1"/>
           </p:cNvSpPr>
           <p:nvPr>
             <p:ph type="ftr" sz="quarter" idx="11"/>
-            <p:custDataLst>
-              <p:tags r:id="rId5"/>
-            </p:custDataLst>
           </p:nvPr>
         </p:nvSpPr>
         <p:spPr/>
         <p:txBody>
           <a:bodyPr/>
-          <a:lstStyle>
-            <a:lvl1pPr>
-              <a:defRPr/>
-            </a:lvl1pPr>
-          </a:lstStyle>
+          <a:lstStyle/>
           <a:p>
             <a:endParaRPr lang="es-ES"/>
           </a:p>
@@ -5056,36 +4836,34 @@
       </p:sp>
       <p:sp>
         <p:nvSpPr>
-          <p:cNvPr id="7" name="5 Marcador de número de diapositiva"/>
+          <p:cNvPr id="7" name="Slide Number Placeholder 6"/>
           <p:cNvSpPr>
             <a:spLocks noGrp="1"/>
           </p:cNvSpPr>
           <p:nvPr>
             <p:ph type="sldNum" sz="quarter" idx="12"/>
-            <p:custDataLst>
-              <p:tags r:id="rId6"/>
-            </p:custDataLst>
           </p:nvPr>
         </p:nvSpPr>
         <p:spPr/>
         <p:txBody>
           <a:bodyPr/>
-          <a:lstStyle>
-            <a:lvl1pPr>
-              <a:defRPr/>
-            </a:lvl1pPr>
-          </a:lstStyle>
+          <a:lstStyle/>
           <a:p>
             <a:fld id="{50178587-63F8-41F6-AE39-05E613E840AE}" type="slidenum">
               <a:rPr lang="es-ES" smtClean="0"/>
               <a:pPr/>
-              <a:t>‹Nº›</a:t>
+              <a:t>‹#›</a:t>
             </a:fld>
             <a:endParaRPr lang="es-ES"/>
           </a:p>
         </p:txBody>
       </p:sp>
     </p:spTree>
+    <p:extLst>
+      <p:ext uri="{BB962C8B-B14F-4D97-AF65-F5344CB8AC3E}">
+        <p14:creationId xmlns:p14="http://schemas.microsoft.com/office/powerpoint/2010/main" val="2413865306"/>
+      </p:ext>
+    </p:extLst>
   </p:cSld>
   <p:clrMapOvr>
     <a:masterClrMapping/>
@@ -5095,7 +4873,7 @@
 
 <file path=ppt/slideLayouts/slideLayout9.xml><?xml version="1.0" encoding="utf-8"?>
 <p:sldLayout xmlns:a="http://schemas.openxmlformats.org/drawingml/2006/main" xmlns:r="http://schemas.openxmlformats.org/officeDocument/2006/relationships" xmlns:p="http://schemas.openxmlformats.org/presentationml/2006/main" type="picTx" preserve="1">
-  <p:cSld name="Imagen con título">
+  <p:cSld name="Picture with Caption">
     <p:spTree>
       <p:nvGrpSpPr>
         <p:cNvPr id="1" name=""/>
@@ -5112,21 +4890,18 @@
       </p:grpSpPr>
       <p:sp>
         <p:nvSpPr>
-          <p:cNvPr id="2" name="1 Título"/>
+          <p:cNvPr id="2" name="Title 1"/>
           <p:cNvSpPr>
             <a:spLocks noGrp="1"/>
           </p:cNvSpPr>
           <p:nvPr>
             <p:ph type="title"/>
-            <p:custDataLst>
-              <p:tags r:id="rId1"/>
-            </p:custDataLst>
           </p:nvPr>
         </p:nvSpPr>
         <p:spPr>
           <a:xfrm>
-            <a:off x="1792288" y="4800602"/>
-            <a:ext cx="5486400" cy="566739"/>
+            <a:off x="1792288" y="4800600"/>
+            <a:ext cx="5486400" cy="566738"/>
           </a:xfrm>
         </p:spPr>
         <p:txBody>
@@ -5138,8 +4913,8 @@
           </a:lstStyle>
           <a:p>
             <a:r>
-              <a:rPr lang="es-ES" smtClean="0"/>
-              <a:t>Haga clic para modificar el estilo de título del patrón</a:t>
+              <a:rPr lang="en-US" smtClean="0"/>
+              <a:t>Click to edit Master title style</a:t>
             </a:r>
             <a:endParaRPr lang="es-ES"/>
           </a:p>
@@ -5147,15 +4922,12 @@
       </p:sp>
       <p:sp>
         <p:nvSpPr>
-          <p:cNvPr id="3" name="2 Marcador de posición de imagen"/>
+          <p:cNvPr id="3" name="Picture Placeholder 2"/>
           <p:cNvSpPr>
             <a:spLocks noGrp="1"/>
           </p:cNvSpPr>
           <p:nvPr>
             <p:ph type="pic" idx="1"/>
-            <p:custDataLst>
-              <p:tags r:id="rId2"/>
-            </p:custDataLst>
           </p:nvPr>
         </p:nvSpPr>
         <p:spPr>
@@ -5165,9 +4937,7 @@
           </a:xfrm>
         </p:spPr>
         <p:txBody>
-          <a:bodyPr rtlCol="0">
-            <a:normAutofit/>
-          </a:bodyPr>
+          <a:bodyPr/>
           <a:lstStyle>
             <a:lvl1pPr marL="0" indent="0">
               <a:buNone/>
@@ -5207,32 +4977,24 @@
             </a:lvl9pPr>
           </a:lstStyle>
           <a:p>
-            <a:pPr lvl="0"/>
-            <a:r>
-              <a:rPr lang="es-ES" noProof="0" smtClean="0"/>
-              <a:t>Haga clic en el icono para agregar una imagen</a:t>
-            </a:r>
-            <a:endParaRPr lang="es-ES" noProof="0"/>
-          </a:p>
-        </p:txBody>
-      </p:sp>
-      <p:sp>
-        <p:nvSpPr>
-          <p:cNvPr id="4" name="3 Marcador de texto"/>
+            <a:endParaRPr lang="es-ES"/>
+          </a:p>
+        </p:txBody>
+      </p:sp>
+      <p:sp>
+        <p:nvSpPr>
+          <p:cNvPr id="4" name="Text Placeholder 3"/>
           <p:cNvSpPr>
             <a:spLocks noGrp="1"/>
           </p:cNvSpPr>
           <p:nvPr>
             <p:ph type="body" sz="half" idx="2"/>
-            <p:custDataLst>
-              <p:tags r:id="rId3"/>
-            </p:custDataLst>
           </p:nvPr>
         </p:nvSpPr>
         <p:spPr>
           <a:xfrm>
-            <a:off x="1792288" y="5367340"/>
-            <a:ext cx="5486400" cy="804863"/>
+            <a:off x="1792288" y="5367338"/>
+            <a:ext cx="5486400" cy="804862"/>
           </a:xfrm>
         </p:spPr>
         <p:txBody>
@@ -5278,38 +5040,31 @@
           <a:p>
             <a:pPr lvl="0"/>
             <a:r>
-              <a:rPr lang="es-ES" smtClean="0"/>
-              <a:t>Haga clic para modificar el estilo de texto del patrón</a:t>
-            </a:r>
-          </a:p>
-        </p:txBody>
-      </p:sp>
-      <p:sp>
-        <p:nvSpPr>
-          <p:cNvPr id="5" name="3 Marcador de fecha"/>
+              <a:rPr lang="en-US" smtClean="0"/>
+              <a:t>Click to edit Master text styles</a:t>
+            </a:r>
+          </a:p>
+        </p:txBody>
+      </p:sp>
+      <p:sp>
+        <p:nvSpPr>
+          <p:cNvPr id="5" name="Date Placeholder 4"/>
           <p:cNvSpPr>
             <a:spLocks noGrp="1"/>
           </p:cNvSpPr>
           <p:nvPr>
             <p:ph type="dt" sz="half" idx="10"/>
-            <p:custDataLst>
-              <p:tags r:id="rId4"/>
-            </p:custDataLst>
           </p:nvPr>
         </p:nvSpPr>
         <p:spPr/>
         <p:txBody>
           <a:bodyPr/>
-          <a:lstStyle>
-            <a:lvl1pPr>
-              <a:defRPr/>
-            </a:lvl1pPr>
-          </a:lstStyle>
+          <a:lstStyle/>
           <a:p>
             <a:fld id="{807CB568-C05F-482F-9F26-AA302B8892DF}" type="datetimeFigureOut">
               <a:rPr lang="es-ES" smtClean="0"/>
               <a:pPr/>
-              <a:t>08/11/2011</a:t>
+              <a:t>10/9/14</a:t>
             </a:fld>
             <a:endParaRPr lang="es-ES"/>
           </a:p>
@@ -5317,25 +5072,18 @@
       </p:sp>
       <p:sp>
         <p:nvSpPr>
-          <p:cNvPr id="6" name="4 Marcador de pie de página"/>
+          <p:cNvPr id="6" name="Footer Placeholder 5"/>
           <p:cNvSpPr>
             <a:spLocks noGrp="1"/>
           </p:cNvSpPr>
           <p:nvPr>
             <p:ph type="ftr" sz="quarter" idx="11"/>
-            <p:custDataLst>
-              <p:tags r:id="rId5"/>
-            </p:custDataLst>
           </p:nvPr>
         </p:nvSpPr>
         <p:spPr/>
         <p:txBody>
           <a:bodyPr/>
-          <a:lstStyle>
-            <a:lvl1pPr>
-              <a:defRPr/>
-            </a:lvl1pPr>
-          </a:lstStyle>
+          <a:lstStyle/>
           <a:p>
             <a:endParaRPr lang="es-ES"/>
           </a:p>
@@ -5343,36 +5091,34 @@
       </p:sp>
       <p:sp>
         <p:nvSpPr>
-          <p:cNvPr id="7" name="5 Marcador de número de diapositiva"/>
+          <p:cNvPr id="7" name="Slide Number Placeholder 6"/>
           <p:cNvSpPr>
             <a:spLocks noGrp="1"/>
           </p:cNvSpPr>
           <p:nvPr>
             <p:ph type="sldNum" sz="quarter" idx="12"/>
-            <p:custDataLst>
-              <p:tags r:id="rId6"/>
-            </p:custDataLst>
           </p:nvPr>
         </p:nvSpPr>
         <p:spPr/>
         <p:txBody>
           <a:bodyPr/>
-          <a:lstStyle>
-            <a:lvl1pPr>
-              <a:defRPr/>
-            </a:lvl1pPr>
-          </a:lstStyle>
+          <a:lstStyle/>
           <a:p>
             <a:fld id="{50178587-63F8-41F6-AE39-05E613E840AE}" type="slidenum">
               <a:rPr lang="es-ES" smtClean="0"/>
               <a:pPr/>
-              <a:t>‹Nº›</a:t>
+              <a:t>‹#›</a:t>
             </a:fld>
             <a:endParaRPr lang="es-ES"/>
           </a:p>
         </p:txBody>
       </p:sp>
     </p:spTree>
+    <p:extLst>
+      <p:ext uri="{BB962C8B-B14F-4D97-AF65-F5344CB8AC3E}">
+        <p14:creationId xmlns:p14="http://schemas.microsoft.com/office/powerpoint/2010/main" val="1521191207"/>
+      </p:ext>
+    </p:extLst>
   </p:cSld>
   <p:clrMapOvr>
     <a:masterClrMapping/>
@@ -5384,18 +5130,9 @@
 <p:sldMaster xmlns:a="http://schemas.openxmlformats.org/drawingml/2006/main" xmlns:r="http://schemas.openxmlformats.org/officeDocument/2006/relationships" xmlns:p="http://schemas.openxmlformats.org/presentationml/2006/main">
   <p:cSld>
     <p:bg>
-      <p:bgPr>
-        <a:blipFill dpi="0" rotWithShape="1">
-          <a:blip r:embed="rId18" cstate="print">
-            <a:lum/>
-          </a:blip>
-          <a:srcRect/>
-          <a:stretch>
-            <a:fillRect/>
-          </a:stretch>
-        </a:blipFill>
-        <a:effectLst/>
-      </p:bgPr>
+      <p:bgRef idx="1001">
+        <a:schemeClr val="bg1"/>
+      </p:bgRef>
     </p:bg>
     <p:spTree>
       <p:nvGrpSpPr>
@@ -5413,138 +5150,112 @@
       </p:grpSpPr>
       <p:sp>
         <p:nvSpPr>
-          <p:cNvPr id="1026" name="1 Marcador de título"/>
+          <p:cNvPr id="2" name="Title Placeholder 1"/>
           <p:cNvSpPr>
             <a:spLocks noGrp="1"/>
           </p:cNvSpPr>
           <p:nvPr>
             <p:ph type="title"/>
-            <p:custDataLst>
-              <p:tags r:id="rId13"/>
-            </p:custDataLst>
-          </p:nvPr>
-        </p:nvSpPr>
-        <p:spPr bwMode="auto">
+          </p:nvPr>
+        </p:nvSpPr>
+        <p:spPr>
           <a:xfrm>
-            <a:off x="457200" y="274639"/>
+            <a:off x="457200" y="274638"/>
             <a:ext cx="8229600" cy="1143000"/>
           </a:xfrm>
           <a:prstGeom prst="rect">
             <a:avLst/>
           </a:prstGeom>
-          <a:noFill/>
-          <a:ln w="9525">
-            <a:noFill/>
-            <a:miter lim="800000"/>
-            <a:headEnd/>
-            <a:tailEnd/>
-          </a:ln>
         </p:spPr>
         <p:txBody>
-          <a:bodyPr vert="horz" wrap="square" lIns="91440" tIns="45720" rIns="91440" bIns="45720" numCol="1" anchor="ctr" anchorCtr="0" compatLnSpc="1">
-            <a:prstTxWarp prst="textNoShape">
-              <a:avLst/>
-            </a:prstTxWarp>
+          <a:bodyPr vert="horz" lIns="91440" tIns="45720" rIns="91440" bIns="45720" rtlCol="0" anchor="ctr">
+            <a:normAutofit/>
           </a:bodyPr>
           <a:lstStyle/>
           <a:p>
-            <a:pPr lvl="0"/>
-            <a:r>
-              <a:rPr lang="es-ES" smtClean="0"/>
-              <a:t>Haga clic para modificar el estilo de título del patrón</a:t>
-            </a:r>
-          </a:p>
-        </p:txBody>
-      </p:sp>
-      <p:sp>
-        <p:nvSpPr>
-          <p:cNvPr id="1027" name="2 Marcador de texto"/>
+            <a:r>
+              <a:rPr lang="en-US" smtClean="0"/>
+              <a:t>Click to edit Master title style</a:t>
+            </a:r>
+            <a:endParaRPr lang="es-ES"/>
+          </a:p>
+        </p:txBody>
+      </p:sp>
+      <p:sp>
+        <p:nvSpPr>
+          <p:cNvPr id="3" name="Text Placeholder 2"/>
           <p:cNvSpPr>
             <a:spLocks noGrp="1"/>
           </p:cNvSpPr>
           <p:nvPr>
             <p:ph type="body" idx="1"/>
-            <p:custDataLst>
-              <p:tags r:id="rId14"/>
-            </p:custDataLst>
-          </p:nvPr>
-        </p:nvSpPr>
-        <p:spPr bwMode="auto">
+          </p:nvPr>
+        </p:nvSpPr>
+        <p:spPr>
           <a:xfrm>
-            <a:off x="457200" y="1600203"/>
+            <a:off x="457200" y="1600200"/>
             <a:ext cx="8229600" cy="4525963"/>
           </a:xfrm>
           <a:prstGeom prst="rect">
             <a:avLst/>
           </a:prstGeom>
-          <a:noFill/>
-          <a:ln w="9525">
-            <a:noFill/>
-            <a:miter lim="800000"/>
-            <a:headEnd/>
-            <a:tailEnd/>
-          </a:ln>
         </p:spPr>
         <p:txBody>
-          <a:bodyPr vert="horz" wrap="square" lIns="91440" tIns="45720" rIns="91440" bIns="45720" numCol="1" anchor="t" anchorCtr="0" compatLnSpc="1">
-            <a:prstTxWarp prst="textNoShape">
-              <a:avLst/>
-            </a:prstTxWarp>
+          <a:bodyPr vert="horz" lIns="91440" tIns="45720" rIns="91440" bIns="45720" rtlCol="0">
+            <a:normAutofit/>
           </a:bodyPr>
           <a:lstStyle/>
           <a:p>
             <a:pPr lvl="0"/>
             <a:r>
-              <a:rPr lang="es-ES" smtClean="0"/>
-              <a:t>Haga clic para modificar el estilo de texto del patrón</a:t>
+              <a:rPr lang="en-US" smtClean="0"/>
+              <a:t>Click to edit Master text styles</a:t>
             </a:r>
           </a:p>
           <a:p>
             <a:pPr lvl="1"/>
             <a:r>
-              <a:rPr lang="es-ES" smtClean="0"/>
-              <a:t>Segundo nivel</a:t>
+              <a:rPr lang="en-US" smtClean="0"/>
+              <a:t>Second level</a:t>
             </a:r>
           </a:p>
           <a:p>
             <a:pPr lvl="2"/>
             <a:r>
-              <a:rPr lang="es-ES" smtClean="0"/>
-              <a:t>Tercer nivel</a:t>
+              <a:rPr lang="en-US" smtClean="0"/>
+              <a:t>Third level</a:t>
             </a:r>
           </a:p>
           <a:p>
             <a:pPr lvl="3"/>
             <a:r>
-              <a:rPr lang="es-ES" smtClean="0"/>
-              <a:t>Cuarto nivel</a:t>
+              <a:rPr lang="en-US" smtClean="0"/>
+              <a:t>Fourth level</a:t>
             </a:r>
           </a:p>
           <a:p>
             <a:pPr lvl="4"/>
             <a:r>
-              <a:rPr lang="es-ES" smtClean="0"/>
-              <a:t>Quinto nivel</a:t>
-            </a:r>
-          </a:p>
-        </p:txBody>
-      </p:sp>
-      <p:sp>
-        <p:nvSpPr>
-          <p:cNvPr id="4" name="3 Marcador de fecha"/>
+              <a:rPr lang="en-US" smtClean="0"/>
+              <a:t>Fifth level</a:t>
+            </a:r>
+            <a:endParaRPr lang="es-ES"/>
+          </a:p>
+        </p:txBody>
+      </p:sp>
+      <p:sp>
+        <p:nvSpPr>
+          <p:cNvPr id="4" name="Date Placeholder 3"/>
           <p:cNvSpPr>
             <a:spLocks noGrp="1"/>
           </p:cNvSpPr>
           <p:nvPr>
             <p:ph type="dt" sz="half" idx="2"/>
-            <p:custDataLst>
-              <p:tags r:id="rId15"/>
-            </p:custDataLst>
           </p:nvPr>
         </p:nvSpPr>
         <p:spPr>
           <a:xfrm>
-            <a:off x="457200" y="6356353"/>
+            <a:off x="457200" y="6356350"/>
             <a:ext cx="2133600" cy="365125"/>
           </a:xfrm>
           <a:prstGeom prst="rect">
@@ -5554,20 +5265,13 @@
         <p:txBody>
           <a:bodyPr vert="horz" lIns="91440" tIns="45720" rIns="91440" bIns="45720" rtlCol="0" anchor="ctr"/>
           <a:lstStyle>
-            <a:lvl1pPr algn="l" fontAlgn="auto">
-              <a:spcBef>
-                <a:spcPts val="0"/>
-              </a:spcBef>
-              <a:spcAft>
-                <a:spcPts val="0"/>
-              </a:spcAft>
-              <a:defRPr sz="1200" smtClean="0">
+            <a:lvl1pPr algn="l">
+              <a:defRPr sz="1200">
                 <a:solidFill>
                   <a:schemeClr val="tx1">
                     <a:tint val="75000"/>
                   </a:schemeClr>
                 </a:solidFill>
-                <a:latin typeface="+mn-lt"/>
               </a:defRPr>
             </a:lvl1pPr>
           </a:lstStyle>
@@ -5575,7 +5279,7 @@
             <a:fld id="{807CB568-C05F-482F-9F26-AA302B8892DF}" type="datetimeFigureOut">
               <a:rPr lang="es-ES" smtClean="0"/>
               <a:pPr/>
-              <a:t>08/11/2011</a:t>
+              <a:t>10/9/14</a:t>
             </a:fld>
             <a:endParaRPr lang="es-ES"/>
           </a:p>
@@ -5583,20 +5287,17 @@
       </p:sp>
       <p:sp>
         <p:nvSpPr>
-          <p:cNvPr id="5" name="4 Marcador de pie de página"/>
+          <p:cNvPr id="5" name="Footer Placeholder 4"/>
           <p:cNvSpPr>
             <a:spLocks noGrp="1"/>
           </p:cNvSpPr>
           <p:nvPr>
             <p:ph type="ftr" sz="quarter" idx="3"/>
-            <p:custDataLst>
-              <p:tags r:id="rId16"/>
-            </p:custDataLst>
           </p:nvPr>
         </p:nvSpPr>
         <p:spPr>
           <a:xfrm>
-            <a:off x="3124200" y="6356353"/>
+            <a:off x="3124200" y="6356350"/>
             <a:ext cx="2895600" cy="365125"/>
           </a:xfrm>
           <a:prstGeom prst="rect">
@@ -5606,20 +5307,13 @@
         <p:txBody>
           <a:bodyPr vert="horz" lIns="91440" tIns="45720" rIns="91440" bIns="45720" rtlCol="0" anchor="ctr"/>
           <a:lstStyle>
-            <a:lvl1pPr algn="ctr" fontAlgn="auto">
-              <a:spcBef>
-                <a:spcPts val="0"/>
-              </a:spcBef>
-              <a:spcAft>
-                <a:spcPts val="0"/>
-              </a:spcAft>
+            <a:lvl1pPr algn="ctr">
               <a:defRPr sz="1200">
                 <a:solidFill>
                   <a:schemeClr val="tx1">
                     <a:tint val="75000"/>
                   </a:schemeClr>
                 </a:solidFill>
-                <a:latin typeface="+mn-lt"/>
               </a:defRPr>
             </a:lvl1pPr>
           </a:lstStyle>
@@ -5630,20 +5324,17 @@
       </p:sp>
       <p:sp>
         <p:nvSpPr>
-          <p:cNvPr id="6" name="5 Marcador de número de diapositiva"/>
+          <p:cNvPr id="6" name="Slide Number Placeholder 5"/>
           <p:cNvSpPr>
             <a:spLocks noGrp="1"/>
           </p:cNvSpPr>
           <p:nvPr>
             <p:ph type="sldNum" sz="quarter" idx="4"/>
-            <p:custDataLst>
-              <p:tags r:id="rId17"/>
-            </p:custDataLst>
           </p:nvPr>
         </p:nvSpPr>
         <p:spPr>
           <a:xfrm>
-            <a:off x="6553200" y="6356353"/>
+            <a:off x="6553200" y="6356350"/>
             <a:ext cx="2133600" cy="365125"/>
           </a:xfrm>
           <a:prstGeom prst="rect">
@@ -5653,20 +5344,13 @@
         <p:txBody>
           <a:bodyPr vert="horz" lIns="91440" tIns="45720" rIns="91440" bIns="45720" rtlCol="0" anchor="ctr"/>
           <a:lstStyle>
-            <a:lvl1pPr algn="r" fontAlgn="auto">
-              <a:spcBef>
-                <a:spcPts val="0"/>
-              </a:spcBef>
-              <a:spcAft>
-                <a:spcPts val="0"/>
-              </a:spcAft>
-              <a:defRPr sz="1200" smtClean="0">
+            <a:lvl1pPr algn="r">
+              <a:defRPr sz="1200">
                 <a:solidFill>
                   <a:schemeClr val="tx1">
                     <a:tint val="75000"/>
                   </a:schemeClr>
                 </a:solidFill>
-                <a:latin typeface="+mn-lt"/>
               </a:defRPr>
             </a:lvl1pPr>
           </a:lstStyle>
@@ -5674,37 +5358,40 @@
             <a:fld id="{50178587-63F8-41F6-AE39-05E613E840AE}" type="slidenum">
               <a:rPr lang="es-ES" smtClean="0"/>
               <a:pPr/>
-              <a:t>‹Nº›</a:t>
+              <a:t>‹#›</a:t>
             </a:fld>
             <a:endParaRPr lang="es-ES"/>
           </a:p>
         </p:txBody>
       </p:sp>
     </p:spTree>
+    <p:extLst>
+      <p:ext uri="{BB962C8B-B14F-4D97-AF65-F5344CB8AC3E}">
+        <p14:creationId xmlns:p14="http://schemas.microsoft.com/office/powerpoint/2010/main" val="3782886306"/>
+      </p:ext>
+    </p:extLst>
   </p:cSld>
-  <p:clrMap bg1="dk1" tx1="lt1" bg2="dk2" tx2="lt2" accent1="accent1" accent2="accent2" accent3="accent3" accent4="accent4" accent5="accent5" accent6="accent6" hlink="hlink" folHlink="folHlink"/>
+  <p:clrMap bg1="lt1" tx1="dk1" bg2="lt2" tx2="dk2" accent1="accent1" accent2="accent2" accent3="accent3" accent4="accent4" accent5="accent5" accent6="accent6" hlink="hlink" folHlink="folHlink"/>
   <p:sldLayoutIdLst>
-    <p:sldLayoutId id="2147483685" r:id="rId1"/>
-    <p:sldLayoutId id="2147483686" r:id="rId2"/>
-    <p:sldLayoutId id="2147483687" r:id="rId3"/>
-    <p:sldLayoutId id="2147483688" r:id="rId4"/>
-    <p:sldLayoutId id="2147483689" r:id="rId5"/>
-    <p:sldLayoutId id="2147483690" r:id="rId6"/>
-    <p:sldLayoutId id="2147483691" r:id="rId7"/>
-    <p:sldLayoutId id="2147483692" r:id="rId8"/>
-    <p:sldLayoutId id="2147483693" r:id="rId9"/>
-    <p:sldLayoutId id="2147483694" r:id="rId10"/>
-    <p:sldLayoutId id="2147483695" r:id="rId11"/>
+    <p:sldLayoutId id="2147483697" r:id="rId1"/>
+    <p:sldLayoutId id="2147483698" r:id="rId2"/>
+    <p:sldLayoutId id="2147483699" r:id="rId3"/>
+    <p:sldLayoutId id="2147483700" r:id="rId4"/>
+    <p:sldLayoutId id="2147483701" r:id="rId5"/>
+    <p:sldLayoutId id="2147483702" r:id="rId6"/>
+    <p:sldLayoutId id="2147483703" r:id="rId7"/>
+    <p:sldLayoutId id="2147483704" r:id="rId8"/>
+    <p:sldLayoutId id="2147483705" r:id="rId9"/>
+    <p:sldLayoutId id="2147483706" r:id="rId10"/>
+    <p:sldLayoutId id="2147483707" r:id="rId11"/>
   </p:sldLayoutIdLst>
   <p:txStyles>
     <p:titleStyle>
-      <a:lvl1pPr algn="ctr" rtl="0" eaLnBrk="1" fontAlgn="base" hangingPunct="1">
+      <a:lvl1pPr algn="ctr" defTabSz="457200" rtl="0" eaLnBrk="1" latinLnBrk="0" hangingPunct="1">
         <a:spcBef>
           <a:spcPct val="0"/>
         </a:spcBef>
-        <a:spcAft>
-          <a:spcPct val="0"/>
-        </a:spcAft>
+        <a:buNone/>
         <a:defRPr sz="4400" kern="1200">
           <a:solidFill>
             <a:schemeClr val="tx1"/>
@@ -5714,128 +5401,13 @@
           <a:cs typeface="+mj-cs"/>
         </a:defRPr>
       </a:lvl1pPr>
-      <a:lvl2pPr algn="ctr" rtl="0" eaLnBrk="1" fontAlgn="base" hangingPunct="1">
-        <a:spcBef>
-          <a:spcPct val="0"/>
-        </a:spcBef>
-        <a:spcAft>
-          <a:spcPct val="0"/>
-        </a:spcAft>
-        <a:defRPr sz="4400">
-          <a:solidFill>
-            <a:schemeClr val="tx1"/>
-          </a:solidFill>
-          <a:latin typeface="Calibri" pitchFamily="34" charset="0"/>
-        </a:defRPr>
-      </a:lvl2pPr>
-      <a:lvl3pPr algn="ctr" rtl="0" eaLnBrk="1" fontAlgn="base" hangingPunct="1">
-        <a:spcBef>
-          <a:spcPct val="0"/>
-        </a:spcBef>
-        <a:spcAft>
-          <a:spcPct val="0"/>
-        </a:spcAft>
-        <a:defRPr sz="4400">
-          <a:solidFill>
-            <a:schemeClr val="tx1"/>
-          </a:solidFill>
-          <a:latin typeface="Calibri" pitchFamily="34" charset="0"/>
-        </a:defRPr>
-      </a:lvl3pPr>
-      <a:lvl4pPr algn="ctr" rtl="0" eaLnBrk="1" fontAlgn="base" hangingPunct="1">
-        <a:spcBef>
-          <a:spcPct val="0"/>
-        </a:spcBef>
-        <a:spcAft>
-          <a:spcPct val="0"/>
-        </a:spcAft>
-        <a:defRPr sz="4400">
-          <a:solidFill>
-            <a:schemeClr val="tx1"/>
-          </a:solidFill>
-          <a:latin typeface="Calibri" pitchFamily="34" charset="0"/>
-        </a:defRPr>
-      </a:lvl4pPr>
-      <a:lvl5pPr algn="ctr" rtl="0" eaLnBrk="1" fontAlgn="base" hangingPunct="1">
-        <a:spcBef>
-          <a:spcPct val="0"/>
-        </a:spcBef>
-        <a:spcAft>
-          <a:spcPct val="0"/>
-        </a:spcAft>
-        <a:defRPr sz="4400">
-          <a:solidFill>
-            <a:schemeClr val="tx1"/>
-          </a:solidFill>
-          <a:latin typeface="Calibri" pitchFamily="34" charset="0"/>
-        </a:defRPr>
-      </a:lvl5pPr>
-      <a:lvl6pPr marL="457200" algn="ctr" rtl="0" eaLnBrk="1" fontAlgn="base" hangingPunct="1">
-        <a:spcBef>
-          <a:spcPct val="0"/>
-        </a:spcBef>
-        <a:spcAft>
-          <a:spcPct val="0"/>
-        </a:spcAft>
-        <a:defRPr sz="4400">
-          <a:solidFill>
-            <a:schemeClr val="tx1"/>
-          </a:solidFill>
-          <a:latin typeface="Calibri" pitchFamily="34" charset="0"/>
-        </a:defRPr>
-      </a:lvl6pPr>
-      <a:lvl7pPr marL="914400" algn="ctr" rtl="0" eaLnBrk="1" fontAlgn="base" hangingPunct="1">
-        <a:spcBef>
-          <a:spcPct val="0"/>
-        </a:spcBef>
-        <a:spcAft>
-          <a:spcPct val="0"/>
-        </a:spcAft>
-        <a:defRPr sz="4400">
-          <a:solidFill>
-            <a:schemeClr val="tx1"/>
-          </a:solidFill>
-          <a:latin typeface="Calibri" pitchFamily="34" charset="0"/>
-        </a:defRPr>
-      </a:lvl7pPr>
-      <a:lvl8pPr marL="1371600" algn="ctr" rtl="0" eaLnBrk="1" fontAlgn="base" hangingPunct="1">
-        <a:spcBef>
-          <a:spcPct val="0"/>
-        </a:spcBef>
-        <a:spcAft>
-          <a:spcPct val="0"/>
-        </a:spcAft>
-        <a:defRPr sz="4400">
-          <a:solidFill>
-            <a:schemeClr val="tx1"/>
-          </a:solidFill>
-          <a:latin typeface="Calibri" pitchFamily="34" charset="0"/>
-        </a:defRPr>
-      </a:lvl8pPr>
-      <a:lvl9pPr marL="1828800" algn="ctr" rtl="0" eaLnBrk="1" fontAlgn="base" hangingPunct="1">
-        <a:spcBef>
-          <a:spcPct val="0"/>
-        </a:spcBef>
-        <a:spcAft>
-          <a:spcPct val="0"/>
-        </a:spcAft>
-        <a:defRPr sz="4400">
-          <a:solidFill>
-            <a:schemeClr val="tx1"/>
-          </a:solidFill>
-          <a:latin typeface="Calibri" pitchFamily="34" charset="0"/>
-        </a:defRPr>
-      </a:lvl9pPr>
     </p:titleStyle>
     <p:bodyStyle>
-      <a:lvl1pPr marL="342900" indent="-342900" algn="l" rtl="0" eaLnBrk="1" fontAlgn="base" hangingPunct="1">
+      <a:lvl1pPr marL="342900" indent="-342900" algn="l" defTabSz="457200" rtl="0" eaLnBrk="1" latinLnBrk="0" hangingPunct="1">
         <a:spcBef>
           <a:spcPct val="20000"/>
         </a:spcBef>
-        <a:spcAft>
-          <a:spcPct val="0"/>
-        </a:spcAft>
-        <a:buFont typeface="Arial" charset="0"/>
+        <a:buFont typeface="Arial"/>
         <a:buChar char="•"/>
         <a:defRPr sz="3200" kern="1200">
           <a:solidFill>
@@ -5846,14 +5418,11 @@
           <a:cs typeface="+mn-cs"/>
         </a:defRPr>
       </a:lvl1pPr>
-      <a:lvl2pPr marL="742950" indent="-285750" algn="l" rtl="0" eaLnBrk="1" fontAlgn="base" hangingPunct="1">
+      <a:lvl2pPr marL="742950" indent="-285750" algn="l" defTabSz="457200" rtl="0" eaLnBrk="1" latinLnBrk="0" hangingPunct="1">
         <a:spcBef>
           <a:spcPct val="20000"/>
         </a:spcBef>
-        <a:spcAft>
-          <a:spcPct val="0"/>
-        </a:spcAft>
-        <a:buFont typeface="Arial" charset="0"/>
+        <a:buFont typeface="Arial"/>
         <a:buChar char="–"/>
         <a:defRPr sz="2800" kern="1200">
           <a:solidFill>
@@ -5864,14 +5433,11 @@
           <a:cs typeface="+mn-cs"/>
         </a:defRPr>
       </a:lvl2pPr>
-      <a:lvl3pPr marL="1143000" indent="-228600" algn="l" rtl="0" eaLnBrk="1" fontAlgn="base" hangingPunct="1">
+      <a:lvl3pPr marL="1143000" indent="-228600" algn="l" defTabSz="457200" rtl="0" eaLnBrk="1" latinLnBrk="0" hangingPunct="1">
         <a:spcBef>
           <a:spcPct val="20000"/>
         </a:spcBef>
-        <a:spcAft>
-          <a:spcPct val="0"/>
-        </a:spcAft>
-        <a:buFont typeface="Arial" charset="0"/>
+        <a:buFont typeface="Arial"/>
         <a:buChar char="•"/>
         <a:defRPr sz="2400" kern="1200">
           <a:solidFill>
@@ -5882,14 +5448,11 @@
           <a:cs typeface="+mn-cs"/>
         </a:defRPr>
       </a:lvl3pPr>
-      <a:lvl4pPr marL="1600200" indent="-228600" algn="l" rtl="0" eaLnBrk="1" fontAlgn="base" hangingPunct="1">
+      <a:lvl4pPr marL="1600200" indent="-228600" algn="l" defTabSz="457200" rtl="0" eaLnBrk="1" latinLnBrk="0" hangingPunct="1">
         <a:spcBef>
           <a:spcPct val="20000"/>
         </a:spcBef>
-        <a:spcAft>
-          <a:spcPct val="0"/>
-        </a:spcAft>
-        <a:buFont typeface="Arial" charset="0"/>
+        <a:buFont typeface="Arial"/>
         <a:buChar char="–"/>
         <a:defRPr sz="2000" kern="1200">
           <a:solidFill>
@@ -5900,14 +5463,11 @@
           <a:cs typeface="+mn-cs"/>
         </a:defRPr>
       </a:lvl4pPr>
-      <a:lvl5pPr marL="2057400" indent="-228600" algn="l" rtl="0" eaLnBrk="1" fontAlgn="base" hangingPunct="1">
+      <a:lvl5pPr marL="2057400" indent="-228600" algn="l" defTabSz="457200" rtl="0" eaLnBrk="1" latinLnBrk="0" hangingPunct="1">
         <a:spcBef>
           <a:spcPct val="20000"/>
         </a:spcBef>
-        <a:spcAft>
-          <a:spcPct val="0"/>
-        </a:spcAft>
-        <a:buFont typeface="Arial" charset="0"/>
+        <a:buFont typeface="Arial"/>
         <a:buChar char="»"/>
         <a:defRPr sz="2000" kern="1200">
           <a:solidFill>
@@ -5918,11 +5478,11 @@
           <a:cs typeface="+mn-cs"/>
         </a:defRPr>
       </a:lvl5pPr>
-      <a:lvl6pPr marL="2514600" indent="-228600" algn="l" defTabSz="914400" rtl="0" eaLnBrk="1" latinLnBrk="0" hangingPunct="1">
+      <a:lvl6pPr marL="2514600" indent="-228600" algn="l" defTabSz="457200" rtl="0" eaLnBrk="1" latinLnBrk="0" hangingPunct="1">
         <a:spcBef>
           <a:spcPct val="20000"/>
         </a:spcBef>
-        <a:buFont typeface="Arial" pitchFamily="34" charset="0"/>
+        <a:buFont typeface="Arial"/>
         <a:buChar char="•"/>
         <a:defRPr sz="2000" kern="1200">
           <a:solidFill>
@@ -5933,11 +5493,11 @@
           <a:cs typeface="+mn-cs"/>
         </a:defRPr>
       </a:lvl6pPr>
-      <a:lvl7pPr marL="2971800" indent="-228600" algn="l" defTabSz="914400" rtl="0" eaLnBrk="1" latinLnBrk="0" hangingPunct="1">
+      <a:lvl7pPr marL="2971800" indent="-228600" algn="l" defTabSz="457200" rtl="0" eaLnBrk="1" latinLnBrk="0" hangingPunct="1">
         <a:spcBef>
           <a:spcPct val="20000"/>
         </a:spcBef>
-        <a:buFont typeface="Arial" pitchFamily="34" charset="0"/>
+        <a:buFont typeface="Arial"/>
         <a:buChar char="•"/>
         <a:defRPr sz="2000" kern="1200">
           <a:solidFill>
@@ -5948,11 +5508,11 @@
           <a:cs typeface="+mn-cs"/>
         </a:defRPr>
       </a:lvl7pPr>
-      <a:lvl8pPr marL="3429000" indent="-228600" algn="l" defTabSz="914400" rtl="0" eaLnBrk="1" latinLnBrk="0" hangingPunct="1">
+      <a:lvl8pPr marL="3429000" indent="-228600" algn="l" defTabSz="457200" rtl="0" eaLnBrk="1" latinLnBrk="0" hangingPunct="1">
         <a:spcBef>
           <a:spcPct val="20000"/>
         </a:spcBef>
-        <a:buFont typeface="Arial" pitchFamily="34" charset="0"/>
+        <a:buFont typeface="Arial"/>
         <a:buChar char="•"/>
         <a:defRPr sz="2000" kern="1200">
           <a:solidFill>
@@ -5963,11 +5523,11 @@
           <a:cs typeface="+mn-cs"/>
         </a:defRPr>
       </a:lvl8pPr>
-      <a:lvl9pPr marL="3886200" indent="-228600" algn="l" defTabSz="914400" rtl="0" eaLnBrk="1" latinLnBrk="0" hangingPunct="1">
+      <a:lvl9pPr marL="3886200" indent="-228600" algn="l" defTabSz="457200" rtl="0" eaLnBrk="1" latinLnBrk="0" hangingPunct="1">
         <a:spcBef>
           <a:spcPct val="20000"/>
         </a:spcBef>
-        <a:buFont typeface="Arial" pitchFamily="34" charset="0"/>
+        <a:buFont typeface="Arial"/>
         <a:buChar char="•"/>
         <a:defRPr sz="2000" kern="1200">
           <a:solidFill>
@@ -5981,9 +5541,9 @@
     </p:bodyStyle>
     <p:otherStyle>
       <a:defPPr>
-        <a:defRPr lang="es-ES"/>
+        <a:defRPr lang="en-US"/>
       </a:defPPr>
-      <a:lvl1pPr marL="0" algn="l" defTabSz="914400" rtl="0" eaLnBrk="1" latinLnBrk="0" hangingPunct="1">
+      <a:lvl1pPr marL="0" algn="l" defTabSz="457200" rtl="0" eaLnBrk="1" latinLnBrk="0" hangingPunct="1">
         <a:defRPr sz="1800" kern="1200">
           <a:solidFill>
             <a:schemeClr val="tx1"/>
@@ -5993,7 +5553,7 @@
           <a:cs typeface="+mn-cs"/>
         </a:defRPr>
       </a:lvl1pPr>
-      <a:lvl2pPr marL="457200" algn="l" defTabSz="914400" rtl="0" eaLnBrk="1" latinLnBrk="0" hangingPunct="1">
+      <a:lvl2pPr marL="457200" algn="l" defTabSz="457200" rtl="0" eaLnBrk="1" latinLnBrk="0" hangingPunct="1">
         <a:defRPr sz="1800" kern="1200">
           <a:solidFill>
             <a:schemeClr val="tx1"/>
@@ -6003,7 +5563,7 @@
           <a:cs typeface="+mn-cs"/>
         </a:defRPr>
       </a:lvl2pPr>
-      <a:lvl3pPr marL="914400" algn="l" defTabSz="914400" rtl="0" eaLnBrk="1" latinLnBrk="0" hangingPunct="1">
+      <a:lvl3pPr marL="914400" algn="l" defTabSz="457200" rtl="0" eaLnBrk="1" latinLnBrk="0" hangingPunct="1">
         <a:defRPr sz="1800" kern="1200">
           <a:solidFill>
             <a:schemeClr val="tx1"/>
@@ -6013,7 +5573,7 @@
           <a:cs typeface="+mn-cs"/>
         </a:defRPr>
       </a:lvl3pPr>
-      <a:lvl4pPr marL="1371600" algn="l" defTabSz="914400" rtl="0" eaLnBrk="1" latinLnBrk="0" hangingPunct="1">
+      <a:lvl4pPr marL="1371600" algn="l" defTabSz="457200" rtl="0" eaLnBrk="1" latinLnBrk="0" hangingPunct="1">
         <a:defRPr sz="1800" kern="1200">
           <a:solidFill>
             <a:schemeClr val="tx1"/>
@@ -6023,7 +5583,7 @@
           <a:cs typeface="+mn-cs"/>
         </a:defRPr>
       </a:lvl4pPr>
-      <a:lvl5pPr marL="1828800" algn="l" defTabSz="914400" rtl="0" eaLnBrk="1" latinLnBrk="0" hangingPunct="1">
+      <a:lvl5pPr marL="1828800" algn="l" defTabSz="457200" rtl="0" eaLnBrk="1" latinLnBrk="0" hangingPunct="1">
         <a:defRPr sz="1800" kern="1200">
           <a:solidFill>
             <a:schemeClr val="tx1"/>
@@ -6033,7 +5593,7 @@
           <a:cs typeface="+mn-cs"/>
         </a:defRPr>
       </a:lvl5pPr>
-      <a:lvl6pPr marL="2286000" algn="l" defTabSz="914400" rtl="0" eaLnBrk="1" latinLnBrk="0" hangingPunct="1">
+      <a:lvl6pPr marL="2286000" algn="l" defTabSz="457200" rtl="0" eaLnBrk="1" latinLnBrk="0" hangingPunct="1">
         <a:defRPr sz="1800" kern="1200">
           <a:solidFill>
             <a:schemeClr val="tx1"/>
@@ -6043,7 +5603,7 @@
           <a:cs typeface="+mn-cs"/>
         </a:defRPr>
       </a:lvl6pPr>
-      <a:lvl7pPr marL="2743200" algn="l" defTabSz="914400" rtl="0" eaLnBrk="1" latinLnBrk="0" hangingPunct="1">
+      <a:lvl7pPr marL="2743200" algn="l" defTabSz="457200" rtl="0" eaLnBrk="1" latinLnBrk="0" hangingPunct="1">
         <a:defRPr sz="1800" kern="1200">
           <a:solidFill>
             <a:schemeClr val="tx1"/>
@@ -6053,7 +5613,7 @@
           <a:cs typeface="+mn-cs"/>
         </a:defRPr>
       </a:lvl7pPr>
-      <a:lvl8pPr marL="3200400" algn="l" defTabSz="914400" rtl="0" eaLnBrk="1" latinLnBrk="0" hangingPunct="1">
+      <a:lvl8pPr marL="3200400" algn="l" defTabSz="457200" rtl="0" eaLnBrk="1" latinLnBrk="0" hangingPunct="1">
         <a:defRPr sz="1800" kern="1200">
           <a:solidFill>
             <a:schemeClr val="tx1"/>
@@ -6063,7 +5623,7 @@
           <a:cs typeface="+mn-cs"/>
         </a:defRPr>
       </a:lvl8pPr>
-      <a:lvl9pPr marL="3657600" algn="l" defTabSz="914400" rtl="0" eaLnBrk="1" latinLnBrk="0" hangingPunct="1">
+      <a:lvl9pPr marL="3657600" algn="l" defTabSz="457200" rtl="0" eaLnBrk="1" latinLnBrk="0" hangingPunct="1">
         <a:defRPr sz="1800" kern="1200">
           <a:solidFill>
             <a:schemeClr val="tx1"/>
@@ -6081,20 +5641,6 @@
 <file path=ppt/slides/slide1.xml><?xml version="1.0" encoding="utf-8"?>
 <p:sld xmlns:a="http://schemas.openxmlformats.org/drawingml/2006/main" xmlns:r="http://schemas.openxmlformats.org/officeDocument/2006/relationships" xmlns:p="http://schemas.openxmlformats.org/presentationml/2006/main">
   <p:cSld>
-    <p:bg>
-      <p:bgPr>
-        <a:blipFill dpi="0" rotWithShape="1">
-          <a:blip r:embed="rId9" cstate="print">
-            <a:lum/>
-          </a:blip>
-          <a:srcRect/>
-          <a:stretch>
-            <a:fillRect/>
-          </a:stretch>
-        </a:blipFill>
-        <a:effectLst/>
-      </p:bgPr>
-    </p:bg>
     <p:spTree>
       <p:nvGrpSpPr>
         <p:cNvPr id="1" name=""/>
@@ -6129,7 +5675,9 @@
           </a:xfrm>
         </p:spPr>
         <p:txBody>
-          <a:bodyPr/>
+          <a:bodyPr>
+            <a:normAutofit fontScale="90000"/>
+          </a:bodyPr>
           <a:lstStyle/>
           <a:p>
             <a:r>
@@ -6166,7 +5714,7 @@
         </p:nvSpPr>
         <p:spPr bwMode="auto">
           <a:xfrm>
-            <a:off x="493195" y="4615076"/>
+            <a:off x="493195" y="5841534"/>
             <a:ext cx="3214709" cy="515717"/>
           </a:xfrm>
           <a:prstGeom prst="rect">
@@ -6237,7 +5785,7 @@
         </p:nvSpPr>
         <p:spPr bwMode="auto">
           <a:xfrm>
-            <a:off x="3715072" y="4518992"/>
+            <a:off x="3715072" y="5745450"/>
             <a:ext cx="5105400" cy="707886"/>
           </a:xfrm>
           <a:prstGeom prst="rect">
@@ -6349,225 +5897,6 @@
           </a:p>
         </p:txBody>
       </p:sp>
-      <p:sp>
-        <p:nvSpPr>
-          <p:cNvPr id="6" name="2 Subtítulo"/>
-          <p:cNvSpPr txBox="1">
-            <a:spLocks/>
-          </p:cNvSpPr>
-          <p:nvPr>
-            <p:custDataLst>
-              <p:tags r:id="rId5"/>
-            </p:custDataLst>
-          </p:nvPr>
-        </p:nvSpPr>
-        <p:spPr bwMode="auto">
-          <a:xfrm>
-            <a:off x="327586" y="5800409"/>
-            <a:ext cx="3812365" cy="515717"/>
-          </a:xfrm>
-          <a:prstGeom prst="rect">
-            <a:avLst/>
-          </a:prstGeom>
-          <a:noFill/>
-          <a:ln w="9525">
-            <a:noFill/>
-            <a:miter lim="800000"/>
-            <a:headEnd/>
-            <a:tailEnd/>
-          </a:ln>
-        </p:spPr>
-        <p:txBody>
-          <a:bodyPr vert="horz" wrap="square" lIns="91440" tIns="45720" rIns="91440" bIns="45720" numCol="1" rtlCol="0" anchor="t" anchorCtr="0" compatLnSpc="1">
-            <a:prstTxWarp prst="textNoShape">
-              <a:avLst/>
-            </a:prstTxWarp>
-            <a:noAutofit/>
-          </a:bodyPr>
-          <a:lstStyle/>
-          <a:p>
-            <a:pPr marL="0" marR="0" lvl="0" indent="0" algn="ctr" defTabSz="914400" rtl="0" eaLnBrk="1" fontAlgn="auto" latinLnBrk="0" hangingPunct="1">
-              <a:lnSpc>
-                <a:spcPct val="100000"/>
-              </a:lnSpc>
-              <a:spcBef>
-                <a:spcPct val="20000"/>
-              </a:spcBef>
-              <a:spcAft>
-                <a:spcPts val="0"/>
-              </a:spcAft>
-              <a:buClrTx/>
-              <a:buSzTx/>
-              <a:buFont typeface="Arial" pitchFamily="34" charset="0"/>
-              <a:buNone/>
-              <a:tabLst/>
-              <a:defRPr/>
-            </a:pPr>
-            <a:r>
-              <a:rPr kumimoji="0" lang="es-PE" sz="2600" b="1" i="0" u="none" strike="noStrike" kern="1200" cap="none" spc="0" normalizeH="0" baseline="0" noProof="0" dirty="0" smtClean="0">
-                <a:ln>
-                  <a:noFill/>
-                </a:ln>
-                <a:solidFill>
-                  <a:srgbClr val="00B050"/>
-                </a:solidFill>
-                <a:effectLst/>
-                <a:uLnTx/>
-                <a:uFillTx/>
-              </a:rPr>
-              <a:t>Gustavo</a:t>
-            </a:r>
-            <a:r>
-              <a:rPr kumimoji="0" lang="es-PE" sz="2600" b="1" i="0" u="none" strike="noStrike" kern="1200" cap="none" spc="0" normalizeH="0" noProof="0" dirty="0" smtClean="0">
-                <a:ln>
-                  <a:noFill/>
-                </a:ln>
-                <a:solidFill>
-                  <a:srgbClr val="00B050"/>
-                </a:solidFill>
-                <a:effectLst/>
-                <a:uLnTx/>
-                <a:uFillTx/>
-              </a:rPr>
-              <a:t> Quiroz Madueño</a:t>
-            </a:r>
-            <a:endParaRPr kumimoji="0" lang="es-PE" sz="2600" b="1" i="0" u="none" strike="noStrike" kern="1200" cap="none" spc="0" normalizeH="0" baseline="0" noProof="0" dirty="0" smtClean="0">
-              <a:ln>
-                <a:noFill/>
-              </a:ln>
-              <a:solidFill>
-                <a:srgbClr val="00B050"/>
-              </a:solidFill>
-              <a:effectLst/>
-              <a:uLnTx/>
-              <a:uFillTx/>
-            </a:endParaRPr>
-          </a:p>
-        </p:txBody>
-      </p:sp>
-      <p:sp>
-        <p:nvSpPr>
-          <p:cNvPr id="8" name="Rectangle 1"/>
-          <p:cNvSpPr>
-            <a:spLocks noChangeArrowheads="1"/>
-          </p:cNvSpPr>
-          <p:nvPr>
-            <p:custDataLst>
-              <p:tags r:id="rId6"/>
-            </p:custDataLst>
-          </p:nvPr>
-        </p:nvSpPr>
-        <p:spPr bwMode="auto">
-          <a:xfrm>
-            <a:off x="3863147" y="5704325"/>
-            <a:ext cx="5105400" cy="707886"/>
-          </a:xfrm>
-          <a:prstGeom prst="rect">
-            <a:avLst/>
-          </a:prstGeom>
-          <a:noFill/>
-          <a:ln w="9525">
-            <a:noFill/>
-            <a:miter lim="800000"/>
-            <a:headEnd/>
-            <a:tailEnd/>
-          </a:ln>
-          <a:effectLst/>
-        </p:spPr>
-        <p:txBody>
-          <a:bodyPr vert="horz" wrap="square" lIns="91440" tIns="45720" rIns="91440" bIns="45720" numCol="1" anchor="ctr" anchorCtr="0" compatLnSpc="1">
-            <a:prstTxWarp prst="textNoShape">
-              <a:avLst/>
-            </a:prstTxWarp>
-            <a:spAutoFit/>
-          </a:bodyPr>
-          <a:lstStyle/>
-          <a:p>
-            <a:pPr lvl="0" algn="r" fontAlgn="base">
-              <a:spcBef>
-                <a:spcPct val="0"/>
-              </a:spcBef>
-              <a:spcAft>
-                <a:spcPct val="0"/>
-              </a:spcAft>
-            </a:pPr>
-            <a:r>
-              <a:rPr lang="en-US" sz="2000" dirty="0" smtClean="0">
-                <a:latin typeface="Trebuchet MS" pitchFamily="34" charset="0"/>
-                <a:ea typeface="Calibri" pitchFamily="34" charset="0"/>
-                <a:cs typeface="Arial" pitchFamily="34" charset="0"/>
-              </a:rPr>
-              <a:t>Email: </a:t>
-            </a:r>
-            <a:r>
-              <a:rPr lang="en-US" sz="2000" dirty="0" smtClean="0">
-                <a:solidFill>
-                  <a:srgbClr val="FFC000"/>
-                </a:solidFill>
-                <a:latin typeface="Trebuchet MS" pitchFamily="34" charset="0"/>
-                <a:ea typeface="Calibri" pitchFamily="34" charset="0"/>
-                <a:cs typeface="Arial" pitchFamily="34" charset="0"/>
-              </a:rPr>
-              <a:t>gquiroz@gmail.com</a:t>
-            </a:r>
-            <a:endParaRPr lang="en-US" sz="2000" dirty="0">
-              <a:solidFill>
-                <a:srgbClr val="FFC000"/>
-              </a:solidFill>
-              <a:latin typeface="Trebuchet MS" pitchFamily="34" charset="0"/>
-              <a:ea typeface="Calibri" pitchFamily="34" charset="0"/>
-              <a:cs typeface="Arial" pitchFamily="34" charset="0"/>
-            </a:endParaRPr>
-          </a:p>
-          <a:p>
-            <a:pPr lvl="0" algn="r" eaLnBrk="0" fontAlgn="base" hangingPunct="0">
-              <a:spcBef>
-                <a:spcPct val="0"/>
-              </a:spcBef>
-              <a:spcAft>
-                <a:spcPct val="0"/>
-              </a:spcAft>
-            </a:pPr>
-            <a:r>
-              <a:rPr lang="en-US" sz="2000" dirty="0" smtClean="0">
-                <a:latin typeface="Trebuchet MS" pitchFamily="34" charset="0"/>
-                <a:ea typeface="Calibri" pitchFamily="34" charset="0"/>
-                <a:cs typeface="Arial" pitchFamily="34" charset="0"/>
-              </a:rPr>
-              <a:t>Twitter: </a:t>
-            </a:r>
-            <a:r>
-              <a:rPr lang="en-US" sz="2000" dirty="0" smtClean="0">
-                <a:solidFill>
-                  <a:srgbClr val="FFC000"/>
-                </a:solidFill>
-                <a:latin typeface="Trebuchet MS" pitchFamily="34" charset="0"/>
-                <a:ea typeface="Calibri" pitchFamily="34" charset="0"/>
-                <a:cs typeface="Arial" pitchFamily="34" charset="0"/>
-              </a:rPr>
-              <a:t>@</a:t>
-            </a:r>
-            <a:r>
-              <a:rPr lang="en-US" sz="2000" dirty="0" err="1" smtClean="0">
-                <a:solidFill>
-                  <a:srgbClr val="FFC000"/>
-                </a:solidFill>
-                <a:latin typeface="Trebuchet MS" pitchFamily="34" charset="0"/>
-                <a:ea typeface="Calibri" pitchFamily="34" charset="0"/>
-                <a:cs typeface="Arial" pitchFamily="34" charset="0"/>
-              </a:rPr>
-              <a:t>quiroz_gustavo</a:t>
-            </a:r>
-            <a:endParaRPr lang="en-US" sz="2000" dirty="0" smtClean="0">
-              <a:solidFill>
-                <a:srgbClr val="FFC000"/>
-              </a:solidFill>
-              <a:latin typeface="Trebuchet MS" pitchFamily="34" charset="0"/>
-              <a:cs typeface="Arial" pitchFamily="34" charset="0"/>
-            </a:endParaRPr>
-          </a:p>
-        </p:txBody>
-      </p:sp>
     </p:spTree>
     <p:custDataLst>
       <p:tags r:id="rId1"/>
@@ -6579,7 +5908,7 @@
   <p:timing>
     <p:tnLst>
       <p:par>
-        <p:cTn id="1" dur="indefinite" restart="never" nodeType="tmRoot"/>
+        <p:cTn xmlns:p14="http://schemas.microsoft.com/office/powerpoint/2010/main" id="1" dur="indefinite" restart="never" nodeType="tmRoot"/>
       </p:par>
     </p:tnLst>
   </p:timing>
@@ -6642,76 +5971,6 @@
           </a:p>
         </p:txBody>
       </p:sp>
-      <p:sp>
-        <p:nvSpPr>
-          <p:cNvPr id="2" name="1 CuadroTexto"/>
-          <p:cNvSpPr txBox="1"/>
-          <p:nvPr>
-            <p:custDataLst>
-              <p:tags r:id="rId3"/>
-            </p:custDataLst>
-          </p:nvPr>
-        </p:nvSpPr>
-        <p:spPr>
-          <a:xfrm>
-            <a:off x="3547427" y="1700808"/>
-            <a:ext cx="5256584" cy="3539430"/>
-          </a:xfrm>
-          <a:prstGeom prst="rect">
-            <a:avLst/>
-          </a:prstGeom>
-          <a:noFill/>
-        </p:spPr>
-        <p:txBody>
-          <a:bodyPr wrap="square" rtlCol="0">
-            <a:spAutoFit/>
-          </a:bodyPr>
-          <a:lstStyle/>
-          <a:p>
-            <a:pPr algn="ctr"/>
-            <a:r>
-              <a:rPr lang="es-PE" sz="3200" dirty="0" smtClean="0"/>
-              <a:t>El equipo ganador de cada juego se llevará 2 licencias de </a:t>
-            </a:r>
-            <a:r>
-              <a:rPr lang="es-PE" sz="3200" i="1" dirty="0" err="1" smtClean="0"/>
-              <a:t>JetBrains</a:t>
-            </a:r>
-            <a:r>
-              <a:rPr lang="es-PE" sz="3200" i="1" dirty="0" smtClean="0"/>
-              <a:t>.</a:t>
-            </a:r>
-          </a:p>
-          <a:p>
-            <a:pPr algn="ctr"/>
-            <a:endParaRPr lang="es-PE" sz="3200" dirty="0"/>
-          </a:p>
-          <a:p>
-            <a:pPr algn="ctr"/>
-            <a:r>
-              <a:rPr lang="es-PE" sz="3200" dirty="0" smtClean="0"/>
-              <a:t>Cada licencia será válida para </a:t>
-            </a:r>
-            <a:r>
-              <a:rPr lang="es-PE" sz="3200" i="1" dirty="0" err="1" smtClean="0"/>
-              <a:t>Resharper</a:t>
-            </a:r>
-            <a:r>
-              <a:rPr lang="es-PE" sz="3200" dirty="0" smtClean="0"/>
-              <a:t> o </a:t>
-            </a:r>
-            <a:r>
-              <a:rPr lang="es-PE" sz="3200" i="1" dirty="0" err="1" smtClean="0"/>
-              <a:t>IntelliJ</a:t>
-            </a:r>
-            <a:r>
-              <a:rPr lang="es-PE" sz="3200" dirty="0" smtClean="0"/>
-              <a:t> según elección.</a:t>
-            </a:r>
-            <a:endParaRPr lang="es-PE" sz="2800" dirty="0"/>
-          </a:p>
-        </p:txBody>
-      </p:sp>
       <p:pic>
         <p:nvPicPr>
           <p:cNvPr id="3" name="2 Imagen"/>
@@ -6720,19 +5979,19 @@
           </p:cNvPicPr>
           <p:nvPr>
             <p:custDataLst>
-              <p:tags r:id="rId4"/>
+              <p:tags r:id="rId3"/>
             </p:custDataLst>
           </p:nvPr>
         </p:nvPicPr>
         <p:blipFill rotWithShape="1">
-          <a:blip r:embed="rId7" cstate="print">
+          <a:blip r:embed="rId6" cstate="print">
             <a:extLst>
               <a:ext uri="{28A0092B-C50C-407E-A947-70E740481C1C}">
-                <a14:useLocalDpi xmlns:a14="http://schemas.microsoft.com/office/drawing/2010/main" val="0"/>
+                <a14:useLocalDpi xmlns:a14="http://schemas.microsoft.com/office/drawing/2010/main"/>
               </a:ext>
             </a:extLst>
           </a:blip>
-          <a:srcRect l="31564" t="5322" r="29719" b="6045"/>
+          <a:srcRect/>
           <a:stretch/>
         </p:blipFill>
         <p:spPr>
@@ -6751,6 +6010,36 @@
           </a:effectLst>
         </p:spPr>
       </p:pic>
+      <p:pic>
+        <p:nvPicPr>
+          <p:cNvPr id="5" name="Picture 4"/>
+          <p:cNvPicPr>
+            <a:picLocks noChangeAspect="1"/>
+          </p:cNvPicPr>
+          <p:nvPr/>
+        </p:nvPicPr>
+        <p:blipFill>
+          <a:blip r:embed="rId7" cstate="print">
+            <a:extLst>
+              <a:ext uri="{28A0092B-C50C-407E-A947-70E740481C1C}">
+                <a14:useLocalDpi xmlns:a14="http://schemas.microsoft.com/office/drawing/2010/main"/>
+              </a:ext>
+            </a:extLst>
+          </a:blip>
+          <a:stretch>
+            <a:fillRect/>
+          </a:stretch>
+        </p:blipFill>
+        <p:spPr>
+          <a:xfrm>
+            <a:off x="5004048" y="1628800"/>
+            <a:ext cx="2376264" cy="4143575"/>
+          </a:xfrm>
+          <a:prstGeom prst="rect">
+            <a:avLst/>
+          </a:prstGeom>
+        </p:spPr>
+      </p:pic>
     </p:spTree>
     <p:custDataLst>
       <p:tags r:id="rId1"/>
@@ -6767,7 +6056,7 @@
   <p:timing>
     <p:tnLst>
       <p:par>
-        <p:cTn id="1" dur="indefinite" restart="never" nodeType="tmRoot"/>
+        <p:cTn xmlns:p14="http://schemas.microsoft.com/office/powerpoint/2010/main" id="1" dur="indefinite" restart="never" nodeType="tmRoot"/>
       </p:par>
     </p:tnLst>
   </p:timing>
@@ -6807,7 +6096,7 @@
           <a:blip r:embed="rId6" cstate="print">
             <a:extLst>
               <a:ext uri="{28A0092B-C50C-407E-A947-70E740481C1C}">
-                <a14:useLocalDpi xmlns:a14="http://schemas.microsoft.com/office/drawing/2010/main" val="0"/>
+                <a14:useLocalDpi xmlns:a14="http://schemas.microsoft.com/office/drawing/2010/main"/>
               </a:ext>
             </a:extLst>
           </a:blip>
@@ -6845,14 +6134,24 @@
           </a:xfrm>
         </p:spPr>
         <p:txBody>
-          <a:bodyPr/>
-          <a:lstStyle/>
-          <a:p>
-            <a:r>
-              <a:rPr lang="es-PE" sz="11500" b="1" spc="300" dirty="0" smtClean="0"/>
+          <a:bodyPr>
+            <a:normAutofit fontScale="90000"/>
+          </a:bodyPr>
+          <a:lstStyle/>
+          <a:p>
+            <a:r>
+              <a:rPr lang="es-PE" sz="11500" b="1" spc="300" dirty="0" smtClean="0">
+                <a:solidFill>
+                  <a:srgbClr val="FFFFFF"/>
+                </a:solidFill>
+              </a:rPr>
               <a:t>DEMO</a:t>
             </a:r>
-            <a:endParaRPr lang="es-ES" sz="9600" b="1" spc="300" dirty="0"/>
+            <a:endParaRPr lang="es-ES" sz="9600" b="1" spc="300" dirty="0">
+              <a:solidFill>
+                <a:srgbClr val="FFFFFF"/>
+              </a:solidFill>
+            </a:endParaRPr>
           </a:p>
         </p:txBody>
       </p:sp>
@@ -6872,7 +6171,7 @@
   <p:timing>
     <p:tnLst>
       <p:par>
-        <p:cTn id="1" dur="indefinite" restart="never" nodeType="tmRoot"/>
+        <p:cTn xmlns:p14="http://schemas.microsoft.com/office/powerpoint/2010/main" id="1" dur="indefinite" restart="never" nodeType="tmRoot"/>
       </p:par>
     </p:tnLst>
   </p:timing>
@@ -6912,7 +6211,7 @@
           <a:blip r:embed="rId6">
             <a:extLst>
               <a:ext uri="{28A0092B-C50C-407E-A947-70E740481C1C}">
-                <a14:useLocalDpi xmlns:a14="http://schemas.microsoft.com/office/drawing/2010/main" val="0"/>
+                <a14:useLocalDpi xmlns:a14="http://schemas.microsoft.com/office/drawing/2010/main"/>
               </a:ext>
             </a:extLst>
           </a:blip>
@@ -6950,14 +6249,24 @@
           </a:xfrm>
         </p:spPr>
         <p:txBody>
-          <a:bodyPr/>
-          <a:lstStyle/>
-          <a:p>
-            <a:r>
-              <a:rPr lang="es-PE" sz="11500" b="1" spc="300" dirty="0" smtClean="0"/>
+          <a:bodyPr>
+            <a:normAutofit fontScale="90000"/>
+          </a:bodyPr>
+          <a:lstStyle/>
+          <a:p>
+            <a:r>
+              <a:rPr lang="es-PE" sz="11500" b="1" spc="300" dirty="0" smtClean="0">
+                <a:solidFill>
+                  <a:schemeClr val="bg1"/>
+                </a:solidFill>
+              </a:rPr>
               <a:t>1st COURSE</a:t>
             </a:r>
-            <a:endParaRPr lang="es-ES" sz="9600" b="1" spc="300" dirty="0"/>
+            <a:endParaRPr lang="es-ES" sz="9600" b="1" spc="300" dirty="0">
+              <a:solidFill>
+                <a:schemeClr val="bg1"/>
+              </a:solidFill>
+            </a:endParaRPr>
           </a:p>
         </p:txBody>
       </p:sp>
@@ -6977,7 +6286,7 @@
   <p:timing>
     <p:tnLst>
       <p:par>
-        <p:cTn id="1" dur="indefinite" restart="never" nodeType="tmRoot"/>
+        <p:cTn xmlns:p14="http://schemas.microsoft.com/office/powerpoint/2010/main" id="1" dur="indefinite" restart="never" nodeType="tmRoot"/>
       </p:par>
     </p:tnLst>
   </p:timing>
@@ -7021,7 +6330,9 @@
           </a:xfrm>
         </p:spPr>
         <p:txBody>
-          <a:bodyPr/>
+          <a:bodyPr>
+            <a:normAutofit fontScale="90000"/>
+          </a:bodyPr>
           <a:lstStyle/>
           <a:p>
             <a:r>
@@ -7091,7 +6402,7 @@
   <p:timing>
     <p:tnLst>
       <p:par>
-        <p:cTn id="1" dur="indefinite" restart="never" nodeType="tmRoot"/>
+        <p:cTn xmlns:p14="http://schemas.microsoft.com/office/powerpoint/2010/main" id="1" dur="indefinite" restart="never" nodeType="tmRoot"/>
       </p:par>
     </p:tnLst>
   </p:timing>
@@ -7135,7 +6446,9 @@
           </a:xfrm>
         </p:spPr>
         <p:txBody>
-          <a:bodyPr/>
+          <a:bodyPr>
+            <a:normAutofit fontScale="90000"/>
+          </a:bodyPr>
           <a:lstStyle/>
           <a:p>
             <a:r>
@@ -7212,7 +6525,7 @@
   <p:timing>
     <p:tnLst>
       <p:par>
-        <p:cTn id="1" dur="indefinite" restart="never" nodeType="tmRoot"/>
+        <p:cTn xmlns:p14="http://schemas.microsoft.com/office/powerpoint/2010/main" id="1" dur="indefinite" restart="never" nodeType="tmRoot"/>
       </p:par>
     </p:tnLst>
   </p:timing>
@@ -7256,7 +6569,9 @@
           </a:xfrm>
         </p:spPr>
         <p:txBody>
-          <a:bodyPr/>
+          <a:bodyPr>
+            <a:normAutofit fontScale="90000"/>
+          </a:bodyPr>
           <a:lstStyle/>
           <a:p>
             <a:r>
@@ -7367,7 +6682,7 @@
           <a:blip r:embed="rId8">
             <a:extLst>
               <a:ext uri="{28A0092B-C50C-407E-A947-70E740481C1C}">
-                <a14:useLocalDpi xmlns:a14="http://schemas.microsoft.com/office/drawing/2010/main" val="0"/>
+                <a14:useLocalDpi xmlns:a14="http://schemas.microsoft.com/office/drawing/2010/main"/>
               </a:ext>
             </a:extLst>
           </a:blip>
@@ -7391,14 +6706,14 @@
             <a:softEdge rad="112500"/>
           </a:effectLst>
           <a:extLst>
-            <a:ext uri="{909E8E84-426E-40DD-AFC4-6F175D3DCCD1}">
+            <a:ext uri="{909E8E84-426E-40dd-AFC4-6F175D3DCCD1}">
               <a14:hiddenFill xmlns:a14="http://schemas.microsoft.com/office/drawing/2010/main">
                 <a:solidFill>
                   <a:schemeClr val="accent1"/>
                 </a:solidFill>
               </a14:hiddenFill>
             </a:ext>
-            <a:ext uri="{91240B29-F687-4F45-9708-019B960494DF}">
+            <a:ext uri="{91240B29-F687-4f45-9708-019B960494DF}">
               <a14:hiddenLine xmlns:a14="http://schemas.microsoft.com/office/drawing/2010/main" w="9525">
                 <a:solidFill>
                   <a:schemeClr val="tx1"/>
@@ -7408,7 +6723,7 @@
                 <a:tailEnd/>
               </a14:hiddenLine>
             </a:ext>
-            <a:ext uri="{AF507438-7753-43E0-B8FC-AC1667EBCBE1}">
+            <a:ext uri="{AF507438-7753-43e0-B8FC-AC1667EBCBE1}">
               <a14:hiddenEffects xmlns:a14="http://schemas.microsoft.com/office/drawing/2010/main">
                 <a:effectLst>
                   <a:outerShdw dist="35921" dir="2700000" algn="ctr" rotWithShape="0">
@@ -7436,7 +6751,7 @@
   <p:timing>
     <p:tnLst>
       <p:par>
-        <p:cTn id="1" dur="indefinite" restart="never" nodeType="tmRoot"/>
+        <p:cTn xmlns:p14="http://schemas.microsoft.com/office/powerpoint/2010/main" id="1" dur="indefinite" restart="never" nodeType="tmRoot"/>
       </p:par>
     </p:tnLst>
   </p:timing>
@@ -7480,7 +6795,9 @@
           </a:xfrm>
         </p:spPr>
         <p:txBody>
-          <a:bodyPr/>
+          <a:bodyPr>
+            <a:normAutofit fontScale="90000"/>
+          </a:bodyPr>
           <a:lstStyle/>
           <a:p>
             <a:r>
@@ -7623,7 +6940,7 @@
   <p:timing>
     <p:tnLst>
       <p:par>
-        <p:cTn id="1" dur="indefinite" restart="never" nodeType="tmRoot"/>
+        <p:cTn xmlns:p14="http://schemas.microsoft.com/office/powerpoint/2010/main" id="1" dur="indefinite" restart="never" nodeType="tmRoot"/>
       </p:par>
     </p:tnLst>
   </p:timing>
@@ -7663,7 +6980,7 @@
           <a:blip r:embed="rId6" cstate="print">
             <a:extLst>
               <a:ext uri="{28A0092B-C50C-407E-A947-70E740481C1C}">
-                <a14:useLocalDpi xmlns:a14="http://schemas.microsoft.com/office/drawing/2010/main" val="0"/>
+                <a14:useLocalDpi xmlns:a14="http://schemas.microsoft.com/office/drawing/2010/main"/>
               </a:ext>
             </a:extLst>
           </a:blip>
@@ -7701,14 +7018,24 @@
           </a:xfrm>
         </p:spPr>
         <p:txBody>
-          <a:bodyPr/>
-          <a:lstStyle/>
-          <a:p>
-            <a:r>
-              <a:rPr lang="es-PE" sz="11500" b="1" spc="300" dirty="0" smtClean="0"/>
+          <a:bodyPr>
+            <a:normAutofit fontScale="90000"/>
+          </a:bodyPr>
+          <a:lstStyle/>
+          <a:p>
+            <a:r>
+              <a:rPr lang="es-PE" sz="11500" b="1" spc="300" dirty="0" smtClean="0">
+                <a:solidFill>
+                  <a:srgbClr val="FFFFFF"/>
+                </a:solidFill>
+              </a:rPr>
               <a:t>2nd COURSE</a:t>
             </a:r>
-            <a:endParaRPr lang="es-ES" sz="9600" b="1" spc="300" dirty="0"/>
+            <a:endParaRPr lang="es-ES" sz="9600" b="1" spc="300" dirty="0">
+              <a:solidFill>
+                <a:srgbClr val="FFFFFF"/>
+              </a:solidFill>
+            </a:endParaRPr>
           </a:p>
         </p:txBody>
       </p:sp>
@@ -7728,7 +7055,7 @@
   <p:timing>
     <p:tnLst>
       <p:par>
-        <p:cTn id="1" dur="indefinite" restart="never" nodeType="tmRoot"/>
+        <p:cTn xmlns:p14="http://schemas.microsoft.com/office/powerpoint/2010/main" id="1" dur="indefinite" restart="never" nodeType="tmRoot"/>
       </p:par>
     </p:tnLst>
   </p:timing>
@@ -7772,7 +7099,9 @@
           </a:xfrm>
         </p:spPr>
         <p:txBody>
-          <a:bodyPr/>
+          <a:bodyPr>
+            <a:normAutofit fontScale="90000"/>
+          </a:bodyPr>
           <a:lstStyle/>
           <a:p>
             <a:r>
@@ -7881,7 +7210,7 @@
   <p:timing>
     <p:tnLst>
       <p:par>
-        <p:cTn id="1" dur="indefinite" restart="never" nodeType="tmRoot"/>
+        <p:cTn xmlns:p14="http://schemas.microsoft.com/office/powerpoint/2010/main" id="1" dur="indefinite" restart="never" nodeType="tmRoot"/>
       </p:par>
     </p:tnLst>
   </p:timing>
@@ -7925,7 +7254,9 @@
           </a:xfrm>
         </p:spPr>
         <p:txBody>
-          <a:bodyPr/>
+          <a:bodyPr>
+            <a:normAutofit fontScale="90000"/>
+          </a:bodyPr>
           <a:lstStyle/>
           <a:p>
             <a:r>
@@ -8026,7 +7357,7 @@
   <p:timing>
     <p:tnLst>
       <p:par>
-        <p:cTn id="1" dur="indefinite" restart="never" nodeType="tmRoot"/>
+        <p:cTn xmlns:p14="http://schemas.microsoft.com/office/powerpoint/2010/main" id="1" dur="indefinite" restart="never" nodeType="tmRoot"/>
       </p:par>
     </p:tnLst>
   </p:timing>
@@ -8119,7 +7450,7 @@
             <a:r>
               <a:rPr lang="es-PE" sz="3000" dirty="0" smtClean="0">
                 <a:solidFill>
-                  <a:srgbClr val="FFC000"/>
+                  <a:srgbClr val="00823B"/>
                 </a:solidFill>
               </a:rPr>
               <a:t>Es un juego en el cual se utilizan ejercicios de refactorización.</a:t>
@@ -8193,7 +7524,7 @@
   <p:timing>
     <p:tnLst>
       <p:par>
-        <p:cTn id="1" dur="indefinite" restart="never" nodeType="tmRoot"/>
+        <p:cTn xmlns:p14="http://schemas.microsoft.com/office/powerpoint/2010/main" id="1" dur="indefinite" restart="never" nodeType="tmRoot"/>
       </p:par>
     </p:tnLst>
   </p:timing>
@@ -8237,7 +7568,9 @@
           </a:xfrm>
         </p:spPr>
         <p:txBody>
-          <a:bodyPr/>
+          <a:bodyPr>
+            <a:normAutofit fontScale="90000"/>
+          </a:bodyPr>
           <a:lstStyle/>
           <a:p>
             <a:r>
@@ -8340,7 +7673,7 @@
           <a:blip r:embed="rId8">
             <a:extLst>
               <a:ext uri="{28A0092B-C50C-407E-A947-70E740481C1C}">
-                <a14:useLocalDpi xmlns:a14="http://schemas.microsoft.com/office/drawing/2010/main" val="0"/>
+                <a14:useLocalDpi xmlns:a14="http://schemas.microsoft.com/office/drawing/2010/main"/>
               </a:ext>
             </a:extLst>
           </a:blip>
@@ -8364,14 +7697,14 @@
             <a:softEdge rad="112500"/>
           </a:effectLst>
           <a:extLst>
-            <a:ext uri="{909E8E84-426E-40DD-AFC4-6F175D3DCCD1}">
+            <a:ext uri="{909E8E84-426E-40dd-AFC4-6F175D3DCCD1}">
               <a14:hiddenFill xmlns:a14="http://schemas.microsoft.com/office/drawing/2010/main">
                 <a:solidFill>
                   <a:schemeClr val="accent1"/>
                 </a:solidFill>
               </a14:hiddenFill>
             </a:ext>
-            <a:ext uri="{91240B29-F687-4F45-9708-019B960494DF}">
+            <a:ext uri="{91240B29-F687-4f45-9708-019B960494DF}">
               <a14:hiddenLine xmlns:a14="http://schemas.microsoft.com/office/drawing/2010/main" w="9525">
                 <a:solidFill>
                   <a:schemeClr val="tx1"/>
@@ -8381,7 +7714,7 @@
                 <a:tailEnd/>
               </a14:hiddenLine>
             </a:ext>
-            <a:ext uri="{AF507438-7753-43E0-B8FC-AC1667EBCBE1}">
+            <a:ext uri="{AF507438-7753-43e0-B8FC-AC1667EBCBE1}">
               <a14:hiddenEffects xmlns:a14="http://schemas.microsoft.com/office/drawing/2010/main">
                 <a:effectLst>
                   <a:outerShdw dist="35921" dir="2700000" algn="ctr" rotWithShape="0">
@@ -8409,7 +7742,7 @@
   <p:timing>
     <p:tnLst>
       <p:par>
-        <p:cTn id="1" dur="indefinite" restart="never" nodeType="tmRoot"/>
+        <p:cTn xmlns:p14="http://schemas.microsoft.com/office/powerpoint/2010/main" id="1" dur="indefinite" restart="never" nodeType="tmRoot"/>
       </p:par>
     </p:tnLst>
   </p:timing>
@@ -8453,7 +7786,9 @@
           </a:xfrm>
         </p:spPr>
         <p:txBody>
-          <a:bodyPr/>
+          <a:bodyPr>
+            <a:normAutofit fontScale="90000"/>
+          </a:bodyPr>
           <a:lstStyle/>
           <a:p>
             <a:r>
@@ -8596,7 +7931,7 @@
   <p:timing>
     <p:tnLst>
       <p:par>
-        <p:cTn id="1" dur="indefinite" restart="never" nodeType="tmRoot"/>
+        <p:cTn xmlns:p14="http://schemas.microsoft.com/office/powerpoint/2010/main" id="1" dur="indefinite" restart="never" nodeType="tmRoot"/>
       </p:par>
     </p:tnLst>
   </p:timing>
@@ -8640,7 +7975,9 @@
           </a:xfrm>
         </p:spPr>
         <p:txBody>
-          <a:bodyPr/>
+          <a:bodyPr>
+            <a:normAutofit fontScale="90000"/>
+          </a:bodyPr>
           <a:lstStyle/>
           <a:p>
             <a:r>
@@ -8728,7 +8065,7 @@
           <a:blip r:embed="rId7">
             <a:extLst>
               <a:ext uri="{28A0092B-C50C-407E-A947-70E740481C1C}">
-                <a14:useLocalDpi xmlns:a14="http://schemas.microsoft.com/office/drawing/2010/main" val="0"/>
+                <a14:useLocalDpi xmlns:a14="http://schemas.microsoft.com/office/drawing/2010/main"/>
               </a:ext>
             </a:extLst>
           </a:blip>
@@ -8762,7 +8099,7 @@
   <p:timing>
     <p:tnLst>
       <p:par>
-        <p:cTn id="1" dur="indefinite" restart="never" nodeType="tmRoot"/>
+        <p:cTn xmlns:p14="http://schemas.microsoft.com/office/powerpoint/2010/main" id="1" dur="indefinite" restart="never" nodeType="tmRoot"/>
       </p:par>
     </p:tnLst>
   </p:timing>
@@ -8852,14 +8189,14 @@
             <p:nvPr/>
           </p:nvPicPr>
           <p:blipFill rotWithShape="1">
-            <a:blip r:embed="rId7">
+            <a:blip r:embed="rId7" cstate="print">
               <a:extLst>
                 <a:ext uri="{28A0092B-C50C-407E-A947-70E740481C1C}">
-                  <a14:useLocalDpi xmlns:a14="http://schemas.microsoft.com/office/drawing/2010/main" val="0"/>
+                  <a14:useLocalDpi xmlns:a14="http://schemas.microsoft.com/office/drawing/2010/main"/>
                 </a:ext>
               </a:extLst>
             </a:blip>
-            <a:srcRect t="7230" r="6068"/>
+            <a:srcRect/>
             <a:stretch/>
           </p:blipFill>
           <p:spPr>
@@ -9006,7 +8343,7 @@
   <p:timing>
     <p:tnLst>
       <p:par>
-        <p:cTn id="1" dur="indefinite" restart="never" nodeType="tmRoot"/>
+        <p:cTn xmlns:p14="http://schemas.microsoft.com/office/powerpoint/2010/main" id="1" dur="indefinite" restart="never" nodeType="tmRoot"/>
       </p:par>
     </p:tnLst>
   </p:timing>
@@ -9116,14 +8453,14 @@
           </p:nvPr>
         </p:nvPicPr>
         <p:blipFill rotWithShape="1">
-          <a:blip r:embed="rId8">
+          <a:blip r:embed="rId8" cstate="print">
             <a:extLst>
               <a:ext uri="{28A0092B-C50C-407E-A947-70E740481C1C}">
-                <a14:useLocalDpi xmlns:a14="http://schemas.microsoft.com/office/drawing/2010/main" val="0"/>
+                <a14:useLocalDpi xmlns:a14="http://schemas.microsoft.com/office/drawing/2010/main"/>
               </a:ext>
             </a:extLst>
           </a:blip>
-          <a:srcRect l="45071" t="4411" r="6650"/>
+          <a:srcRect/>
           <a:stretch/>
         </p:blipFill>
         <p:spPr>
@@ -9171,7 +8508,7 @@
             <a:r>
               <a:rPr lang="es-PE" sz="2800" dirty="0" smtClean="0">
                 <a:solidFill>
-                  <a:srgbClr val="FFC000"/>
+                  <a:srgbClr val="00823B"/>
                 </a:solidFill>
               </a:rPr>
               <a:t>Además ser el </a:t>
@@ -9179,7 +8516,7 @@
             <a:r>
               <a:rPr lang="es-PE" sz="2800" i="1" dirty="0" smtClean="0">
                 <a:solidFill>
-                  <a:srgbClr val="FFC000"/>
+                  <a:srgbClr val="00823B"/>
                 </a:solidFill>
               </a:rPr>
               <a:t>DRIVER</a:t>
@@ -9187,12 +8524,16 @@
             <a:r>
               <a:rPr lang="es-PE" sz="2800" dirty="0" smtClean="0">
                 <a:solidFill>
-                  <a:srgbClr val="FFC000"/>
+                  <a:srgbClr val="00823B"/>
                 </a:solidFill>
               </a:rPr>
               <a:t> del equipo</a:t>
             </a:r>
-            <a:endParaRPr lang="es-PE" sz="2800" dirty="0"/>
+            <a:endParaRPr lang="es-PE" sz="2800" dirty="0">
+              <a:solidFill>
+                <a:srgbClr val="00823B"/>
+              </a:solidFill>
+            </a:endParaRPr>
           </a:p>
         </p:txBody>
       </p:sp>
@@ -9212,7 +8553,7 @@
   <p:timing>
     <p:tnLst>
       <p:par>
-        <p:cTn id="1" dur="indefinite" restart="never" nodeType="tmRoot"/>
+        <p:cTn xmlns:p14="http://schemas.microsoft.com/office/powerpoint/2010/main" id="1" dur="indefinite" restart="never" nodeType="tmRoot"/>
       </p:par>
     </p:tnLst>
   </p:timing>
@@ -9341,14 +8682,14 @@
           </p:nvPr>
         </p:nvPicPr>
         <p:blipFill rotWithShape="1">
-          <a:blip r:embed="rId8">
+          <a:blip r:embed="rId8" cstate="print">
             <a:extLst>
               <a:ext uri="{28A0092B-C50C-407E-A947-70E740481C1C}">
-                <a14:useLocalDpi xmlns:a14="http://schemas.microsoft.com/office/drawing/2010/main" val="0"/>
+                <a14:useLocalDpi xmlns:a14="http://schemas.microsoft.com/office/drawing/2010/main"/>
               </a:ext>
             </a:extLst>
           </a:blip>
-          <a:srcRect l="7581" t="4411" r="52097"/>
+          <a:srcRect/>
           <a:stretch/>
         </p:blipFill>
         <p:spPr>
@@ -9396,7 +8737,7 @@
             <a:r>
               <a:rPr lang="es-PE" sz="2800" dirty="0" smtClean="0">
                 <a:solidFill>
-                  <a:srgbClr val="FFC000"/>
+                  <a:srgbClr val="00823B"/>
                 </a:solidFill>
               </a:rPr>
               <a:t>Además ser el </a:t>
@@ -9404,7 +8745,7 @@
             <a:r>
               <a:rPr lang="es-PE" sz="2800" i="1" dirty="0" smtClean="0">
                 <a:solidFill>
-                  <a:srgbClr val="FFC000"/>
+                  <a:srgbClr val="00823B"/>
                 </a:solidFill>
               </a:rPr>
               <a:t>NAVIGATOR </a:t>
@@ -9412,12 +8753,16 @@
             <a:r>
               <a:rPr lang="es-PE" sz="2800" dirty="0" smtClean="0">
                 <a:solidFill>
-                  <a:srgbClr val="FFC000"/>
+                  <a:srgbClr val="00823B"/>
                 </a:solidFill>
               </a:rPr>
               <a:t>del equipo</a:t>
             </a:r>
-            <a:endParaRPr lang="es-PE" sz="2800" dirty="0"/>
+            <a:endParaRPr lang="es-PE" sz="2800" dirty="0">
+              <a:solidFill>
+                <a:srgbClr val="00823B"/>
+              </a:solidFill>
+            </a:endParaRPr>
           </a:p>
         </p:txBody>
       </p:sp>
@@ -9437,7 +8782,7 @@
   <p:timing>
     <p:tnLst>
       <p:par>
-        <p:cTn id="1" dur="indefinite" restart="never" nodeType="tmRoot"/>
+        <p:cTn xmlns:p14="http://schemas.microsoft.com/office/powerpoint/2010/main" id="1" dur="indefinite" restart="never" nodeType="tmRoot"/>
       </p:par>
     </p:tnLst>
   </p:timing>
@@ -9576,7 +8921,7 @@
           <a:blip r:embed="rId7">
             <a:extLst>
               <a:ext uri="{28A0092B-C50C-407E-A947-70E740481C1C}">
-                <a14:useLocalDpi xmlns:a14="http://schemas.microsoft.com/office/drawing/2010/main" val="0"/>
+                <a14:useLocalDpi xmlns:a14="http://schemas.microsoft.com/office/drawing/2010/main"/>
               </a:ext>
             </a:extLst>
           </a:blip>
@@ -9600,14 +8945,14 @@
             <a:softEdge rad="112500"/>
           </a:effectLst>
           <a:extLst>
-            <a:ext uri="{909E8E84-426E-40DD-AFC4-6F175D3DCCD1}">
+            <a:ext uri="{909E8E84-426E-40dd-AFC4-6F175D3DCCD1}">
               <a14:hiddenFill xmlns:a14="http://schemas.microsoft.com/office/drawing/2010/main">
                 <a:solidFill>
                   <a:schemeClr val="accent1"/>
                 </a:solidFill>
               </a14:hiddenFill>
             </a:ext>
-            <a:ext uri="{91240B29-F687-4F45-9708-019B960494DF}">
+            <a:ext uri="{91240B29-F687-4f45-9708-019B960494DF}">
               <a14:hiddenLine xmlns:a14="http://schemas.microsoft.com/office/drawing/2010/main" w="9525">
                 <a:solidFill>
                   <a:schemeClr val="tx1"/>
@@ -9617,7 +8962,7 @@
                 <a:tailEnd/>
               </a14:hiddenLine>
             </a:ext>
-            <a:ext uri="{AF507438-7753-43E0-B8FC-AC1667EBCBE1}">
+            <a:ext uri="{AF507438-7753-43e0-B8FC-AC1667EBCBE1}">
               <a14:hiddenEffects xmlns:a14="http://schemas.microsoft.com/office/drawing/2010/main">
                 <a:effectLst>
                   <a:outerShdw dist="35921" dir="2700000" algn="ctr" rotWithShape="0">
@@ -9645,7 +8990,7 @@
   <p:timing>
     <p:tnLst>
       <p:par>
-        <p:cTn id="1" dur="indefinite" restart="never" nodeType="tmRoot"/>
+        <p:cTn xmlns:p14="http://schemas.microsoft.com/office/powerpoint/2010/main" id="1" dur="indefinite" restart="never" nodeType="tmRoot"/>
       </p:par>
     </p:tnLst>
   </p:timing>
@@ -9761,7 +9106,7 @@
             <a:r>
               <a:rPr lang="es-PE" sz="2800" dirty="0">
                 <a:solidFill>
-                  <a:srgbClr val="FFC000"/>
+                  <a:srgbClr val="00823B"/>
                 </a:solidFill>
               </a:rPr>
               <a:t>*Recomendación*</a:t>
@@ -9769,14 +9114,14 @@
             <a:br>
               <a:rPr lang="es-PE" sz="2800" dirty="0">
                 <a:solidFill>
-                  <a:srgbClr val="FFC000"/>
+                  <a:srgbClr val="00823B"/>
                 </a:solidFill>
               </a:rPr>
             </a:br>
             <a:r>
               <a:rPr lang="es-PE" sz="2800" dirty="0">
                 <a:solidFill>
-                  <a:srgbClr val="FFC000"/>
+                  <a:srgbClr val="00823B"/>
                 </a:solidFill>
               </a:rPr>
               <a:t>Si usan VS instalar </a:t>
@@ -9784,12 +9129,16 @@
             <a:r>
               <a:rPr lang="es-PE" sz="2800" dirty="0" err="1" smtClean="0">
                 <a:solidFill>
-                  <a:srgbClr val="FFC000"/>
+                  <a:srgbClr val="00823B"/>
                 </a:solidFill>
               </a:rPr>
               <a:t>Resharper</a:t>
             </a:r>
-            <a:endParaRPr lang="es-PE" sz="2800" dirty="0"/>
+            <a:endParaRPr lang="es-PE" sz="2800" dirty="0">
+              <a:solidFill>
+                <a:srgbClr val="00823B"/>
+              </a:solidFill>
+            </a:endParaRPr>
           </a:p>
           <a:p>
             <a:pPr marL="439738" indent="-439738">
@@ -9863,7 +9212,7 @@
           <a:blip r:embed="rId7">
             <a:extLst>
               <a:ext uri="{28A0092B-C50C-407E-A947-70E740481C1C}">
-                <a14:useLocalDpi xmlns:a14="http://schemas.microsoft.com/office/drawing/2010/main" val="0"/>
+                <a14:useLocalDpi xmlns:a14="http://schemas.microsoft.com/office/drawing/2010/main"/>
               </a:ext>
             </a:extLst>
           </a:blip>
@@ -9903,7 +9252,7 @@
   <p:timing>
     <p:tnLst>
       <p:par>
-        <p:cTn id="1" dur="indefinite" restart="never" nodeType="tmRoot"/>
+        <p:cTn xmlns:p14="http://schemas.microsoft.com/office/powerpoint/2010/main" id="1" dur="indefinite" restart="never" nodeType="tmRoot"/>
       </p:par>
     </p:tnLst>
   </p:timing>
@@ -9996,12 +9345,11 @@
             <a:r>
               <a:rPr lang="es-PE" sz="3500" dirty="0" smtClean="0">
                 <a:solidFill>
-                  <a:srgbClr val="FFC000"/>
+                  <a:srgbClr val="00823B"/>
                 </a:solidFill>
               </a:rPr>
               <a:t>General</a:t>
             </a:r>
-            <a:endParaRPr lang="es-PE" sz="3500" dirty="0" smtClean="0"/>
           </a:p>
           <a:p>
             <a:r>
@@ -10110,7 +9458,7 @@
             <a:r>
               <a:rPr lang="es-PE" sz="3500" dirty="0">
                 <a:solidFill>
-                  <a:srgbClr val="FFC000"/>
+                  <a:srgbClr val="00823B"/>
                 </a:solidFill>
               </a:rPr>
               <a:t>Penalidades</a:t>
@@ -10158,7 +9506,7 @@
   <p:timing>
     <p:tnLst>
       <p:par>
-        <p:cTn id="1" dur="indefinite" restart="never" nodeType="tmRoot"/>
+        <p:cTn xmlns:p14="http://schemas.microsoft.com/office/powerpoint/2010/main" id="1" dur="indefinite" restart="never" nodeType="tmRoot"/>
       </p:par>
     </p:tnLst>
   </p:timing>
@@ -10282,7 +9630,7 @@
   <p:timing>
     <p:tnLst>
       <p:par>
-        <p:cTn id="1" dur="indefinite" restart="never" nodeType="tmRoot"/>
+        <p:cTn xmlns:p14="http://schemas.microsoft.com/office/powerpoint/2010/main" id="1" dur="indefinite" restart="never" nodeType="tmRoot"/>
       </p:par>
     </p:tnLst>
   </p:timing>
@@ -10291,882 +9639,486 @@
 
 <file path=ppt/tags/tag1.xml><?xml version="1.0" encoding="utf-8"?>
 <p:tagLst xmlns:a="http://schemas.openxmlformats.org/drawingml/2006/main" xmlns:r="http://schemas.openxmlformats.org/officeDocument/2006/relationships" xmlns:p="http://schemas.openxmlformats.org/presentationml/2006/main">
-  <p:tag name="DVSHAPEID" val="J78xr1amJSVsgA9UcXQ2nA"/>
+  <p:tag name="DVSECTIONID" val="2XWr3HSZJfLugYrDJ068A5"/>
 </p:tagLst>
 </file>
 
 <file path=ppt/tags/tag10.xml><?xml version="1.0" encoding="utf-8"?>
 <p:tagLst xmlns:a="http://schemas.openxmlformats.org/drawingml/2006/main" xmlns:r="http://schemas.openxmlformats.org/officeDocument/2006/relationships" xmlns:p="http://schemas.openxmlformats.org/presentationml/2006/main">
-  <p:tag name="DVSHAPEID" val="Odp58axbzPYib5x2e9RTiw"/>
+  <p:tag name="DVSHAPEID" val="cr2FQ1nCcHgAxzASo6Fh5U"/>
 </p:tagLst>
 </file>
 
-<file path=ppt/tags/tag100.xml><?xml version="1.0" encoding="utf-8"?>
+<file path=ppt/tags/tag11.xml><?xml version="1.0" encoding="utf-8"?>
+<p:tagLst xmlns:a="http://schemas.openxmlformats.org/drawingml/2006/main" xmlns:r="http://schemas.openxmlformats.org/officeDocument/2006/relationships" xmlns:p="http://schemas.openxmlformats.org/presentationml/2006/main">
+  <p:tag name="DVSHAPEID" val="JkPcdOpgbndrq1txqTIPOX"/>
+</p:tagLst>
+</file>
+
+<file path=ppt/tags/tag12.xml><?xml version="1.0" encoding="utf-8"?>
+<p:tagLst xmlns:a="http://schemas.openxmlformats.org/drawingml/2006/main" xmlns:r="http://schemas.openxmlformats.org/officeDocument/2006/relationships" xmlns:p="http://schemas.openxmlformats.org/presentationml/2006/main">
+  <p:tag name="DVSECTIONID" val="zWgapm2iuGnq7iJ2v1TCeY"/>
+</p:tagLst>
+</file>
+
+<file path=ppt/tags/tag13.xml><?xml version="1.0" encoding="utf-8"?>
+<p:tagLst xmlns:a="http://schemas.openxmlformats.org/drawingml/2006/main" xmlns:r="http://schemas.openxmlformats.org/officeDocument/2006/relationships" xmlns:p="http://schemas.openxmlformats.org/presentationml/2006/main">
+  <p:tag name="DVSHAPEID" val="lDiWseLkb9ViHIPENzdWwS"/>
+</p:tagLst>
+</file>
+
+<file path=ppt/tags/tag14.xml><?xml version="1.0" encoding="utf-8"?>
+<p:tagLst xmlns:a="http://schemas.openxmlformats.org/drawingml/2006/main" xmlns:r="http://schemas.openxmlformats.org/officeDocument/2006/relationships" xmlns:p="http://schemas.openxmlformats.org/presentationml/2006/main">
+  <p:tag name="DVSHAPEID" val="m58zoQFMzf6MYbThmbuQb4"/>
+</p:tagLst>
+</file>
+
+<file path=ppt/tags/tag15.xml><?xml version="1.0" encoding="utf-8"?>
+<p:tagLst xmlns:a="http://schemas.openxmlformats.org/drawingml/2006/main" xmlns:r="http://schemas.openxmlformats.org/officeDocument/2006/relationships" xmlns:p="http://schemas.openxmlformats.org/presentationml/2006/main">
+  <p:tag name="DVSHAPEID" val="w8jLHM59CRqthcNTPUEpzF"/>
+</p:tagLst>
+</file>
+
+<file path=ppt/tags/tag16.xml><?xml version="1.0" encoding="utf-8"?>
+<p:tagLst xmlns:a="http://schemas.openxmlformats.org/drawingml/2006/main" xmlns:r="http://schemas.openxmlformats.org/officeDocument/2006/relationships" xmlns:p="http://schemas.openxmlformats.org/presentationml/2006/main">
+  <p:tag name="DVSHAPEID" val="cVJEKwc1sFHhy0fD8THpCe"/>
+</p:tagLst>
+</file>
+
+<file path=ppt/tags/tag17.xml><?xml version="1.0" encoding="utf-8"?>
+<p:tagLst xmlns:a="http://schemas.openxmlformats.org/drawingml/2006/main" xmlns:r="http://schemas.openxmlformats.org/officeDocument/2006/relationships" xmlns:p="http://schemas.openxmlformats.org/presentationml/2006/main">
+  <p:tag name="DVSECTIONID" val="hLzaDWZHG1EKRlzgmNrfsl"/>
+</p:tagLst>
+</file>
+
+<file path=ppt/tags/tag18.xml><?xml version="1.0" encoding="utf-8"?>
+<p:tagLst xmlns:a="http://schemas.openxmlformats.org/drawingml/2006/main" xmlns:r="http://schemas.openxmlformats.org/officeDocument/2006/relationships" xmlns:p="http://schemas.openxmlformats.org/presentationml/2006/main">
+  <p:tag name="DVSHAPEID" val="lvUHttmzcMuRWn131yWApL"/>
+</p:tagLst>
+</file>
+
+<file path=ppt/tags/tag19.xml><?xml version="1.0" encoding="utf-8"?>
+<p:tagLst xmlns:a="http://schemas.openxmlformats.org/drawingml/2006/main" xmlns:r="http://schemas.openxmlformats.org/officeDocument/2006/relationships" xmlns:p="http://schemas.openxmlformats.org/presentationml/2006/main">
+  <p:tag name="DVSHAPEID" val="LZDNDbMLI92XAeJ32JFStU"/>
+</p:tagLst>
+</file>
+
+<file path=ppt/tags/tag2.xml><?xml version="1.0" encoding="utf-8"?>
+<p:tagLst xmlns:a="http://schemas.openxmlformats.org/drawingml/2006/main" xmlns:r="http://schemas.openxmlformats.org/officeDocument/2006/relationships" xmlns:p="http://schemas.openxmlformats.org/presentationml/2006/main">
+  <p:tag name="DVSHAPEID" val="YNvbgY3RMHBOfyZrhBBkxC"/>
+</p:tagLst>
+</file>
+
+<file path=ppt/tags/tag20.xml><?xml version="1.0" encoding="utf-8"?>
+<p:tagLst xmlns:a="http://schemas.openxmlformats.org/drawingml/2006/main" xmlns:r="http://schemas.openxmlformats.org/officeDocument/2006/relationships" xmlns:p="http://schemas.openxmlformats.org/presentationml/2006/main">
+  <p:tag name="DVSHAPEID" val="MH4RC5S8t1OzJU3GPaNr3k"/>
+</p:tagLst>
+</file>
+
+<file path=ppt/tags/tag21.xml><?xml version="1.0" encoding="utf-8"?>
+<p:tagLst xmlns:a="http://schemas.openxmlformats.org/drawingml/2006/main" xmlns:r="http://schemas.openxmlformats.org/officeDocument/2006/relationships" xmlns:p="http://schemas.openxmlformats.org/presentationml/2006/main">
+  <p:tag name="DVSHAPEID" val="OYNNjYvcVwiQcWJMzGSAG0"/>
+</p:tagLst>
+</file>
+
+<file path=ppt/tags/tag22.xml><?xml version="1.0" encoding="utf-8"?>
+<p:tagLst xmlns:a="http://schemas.openxmlformats.org/drawingml/2006/main" xmlns:r="http://schemas.openxmlformats.org/officeDocument/2006/relationships" xmlns:p="http://schemas.openxmlformats.org/presentationml/2006/main">
+  <p:tag name="DVSECTIONID" val="yhVriMrcMxMBEvBfJ6iNZl"/>
+</p:tagLst>
+</file>
+
+<file path=ppt/tags/tag23.xml><?xml version="1.0" encoding="utf-8"?>
+<p:tagLst xmlns:a="http://schemas.openxmlformats.org/drawingml/2006/main" xmlns:r="http://schemas.openxmlformats.org/officeDocument/2006/relationships" xmlns:p="http://schemas.openxmlformats.org/presentationml/2006/main">
+  <p:tag name="DVSHAPEID" val="90uPZmUu51RrS53OLUCh6h"/>
+</p:tagLst>
+</file>
+
+<file path=ppt/tags/tag24.xml><?xml version="1.0" encoding="utf-8"?>
+<p:tagLst xmlns:a="http://schemas.openxmlformats.org/drawingml/2006/main" xmlns:r="http://schemas.openxmlformats.org/officeDocument/2006/relationships" xmlns:p="http://schemas.openxmlformats.org/presentationml/2006/main">
+  <p:tag name="DVSHAPEID" val="hSI7X2B6ytEOPMiuY9hrrg"/>
+</p:tagLst>
+</file>
+
+<file path=ppt/tags/tag25.xml><?xml version="1.0" encoding="utf-8"?>
+<p:tagLst xmlns:a="http://schemas.openxmlformats.org/drawingml/2006/main" xmlns:r="http://schemas.openxmlformats.org/officeDocument/2006/relationships" xmlns:p="http://schemas.openxmlformats.org/presentationml/2006/main">
+  <p:tag name="DVSHAPEID" val="ZK3DIKVYXpURJB6RpRTZtn"/>
+</p:tagLst>
+</file>
+
+<file path=ppt/tags/tag26.xml><?xml version="1.0" encoding="utf-8"?>
+<p:tagLst xmlns:a="http://schemas.openxmlformats.org/drawingml/2006/main" xmlns:r="http://schemas.openxmlformats.org/officeDocument/2006/relationships" xmlns:p="http://schemas.openxmlformats.org/presentationml/2006/main">
+  <p:tag name="DVSECTIONID" val="MnrnsfE6bYvWchebDdguf7"/>
+</p:tagLst>
+</file>
+
+<file path=ppt/tags/tag27.xml><?xml version="1.0" encoding="utf-8"?>
+<p:tagLst xmlns:a="http://schemas.openxmlformats.org/drawingml/2006/main" xmlns:r="http://schemas.openxmlformats.org/officeDocument/2006/relationships" xmlns:p="http://schemas.openxmlformats.org/presentationml/2006/main">
+  <p:tag name="DVSHAPEID" val="N4ghwgVsZEQ1TX4jkQazvf"/>
+</p:tagLst>
+</file>
+
+<file path=ppt/tags/tag28.xml><?xml version="1.0" encoding="utf-8"?>
+<p:tagLst xmlns:a="http://schemas.openxmlformats.org/drawingml/2006/main" xmlns:r="http://schemas.openxmlformats.org/officeDocument/2006/relationships" xmlns:p="http://schemas.openxmlformats.org/presentationml/2006/main">
+  <p:tag name="DVSHAPEID" val="TX3Hn6KpxsMBXZmreF3upf"/>
+</p:tagLst>
+</file>
+
+<file path=ppt/tags/tag29.xml><?xml version="1.0" encoding="utf-8"?>
+<p:tagLst xmlns:a="http://schemas.openxmlformats.org/drawingml/2006/main" xmlns:r="http://schemas.openxmlformats.org/officeDocument/2006/relationships" xmlns:p="http://schemas.openxmlformats.org/presentationml/2006/main">
+  <p:tag name="DVSHAPEID" val="0HI9N5x3OTRxaidPSOIz7o"/>
+</p:tagLst>
+</file>
+
+<file path=ppt/tags/tag3.xml><?xml version="1.0" encoding="utf-8"?>
+<p:tagLst xmlns:a="http://schemas.openxmlformats.org/drawingml/2006/main" xmlns:r="http://schemas.openxmlformats.org/officeDocument/2006/relationships" xmlns:p="http://schemas.openxmlformats.org/presentationml/2006/main">
+  <p:tag name="DVSHAPEID" val="DGvOyKu5dU44sIH6pruNoW"/>
+</p:tagLst>
+</file>
+
+<file path=ppt/tags/tag30.xml><?xml version="1.0" encoding="utf-8"?>
+<p:tagLst xmlns:a="http://schemas.openxmlformats.org/drawingml/2006/main" xmlns:r="http://schemas.openxmlformats.org/officeDocument/2006/relationships" xmlns:p="http://schemas.openxmlformats.org/presentationml/2006/main">
+  <p:tag name="DVSECTIONID" val="YfG4E73kWElduy0UjbxFmN"/>
+</p:tagLst>
+</file>
+
+<file path=ppt/tags/tag31.xml><?xml version="1.0" encoding="utf-8"?>
+<p:tagLst xmlns:a="http://schemas.openxmlformats.org/drawingml/2006/main" xmlns:r="http://schemas.openxmlformats.org/officeDocument/2006/relationships" xmlns:p="http://schemas.openxmlformats.org/presentationml/2006/main">
+  <p:tag name="DVSHAPEID" val="eh04WSBvw0QEXlYejESuDS"/>
+</p:tagLst>
+</file>
+
+<file path=ppt/tags/tag32.xml><?xml version="1.0" encoding="utf-8"?>
+<p:tagLst xmlns:a="http://schemas.openxmlformats.org/drawingml/2006/main" xmlns:r="http://schemas.openxmlformats.org/officeDocument/2006/relationships" xmlns:p="http://schemas.openxmlformats.org/presentationml/2006/main">
+  <p:tag name="DVSHAPEID" val="JpO4dpMeMP8Ctq8I8ErinR"/>
+</p:tagLst>
+</file>
+
+<file path=ppt/tags/tag33.xml><?xml version="1.0" encoding="utf-8"?>
+<p:tagLst xmlns:a="http://schemas.openxmlformats.org/drawingml/2006/main" xmlns:r="http://schemas.openxmlformats.org/officeDocument/2006/relationships" xmlns:p="http://schemas.openxmlformats.org/presentationml/2006/main">
+  <p:tag name="DVSHAPEID" val="HwlSQDv3HCKlxAgSFcJie0"/>
+</p:tagLst>
+</file>
+
+<file path=ppt/tags/tag34.xml><?xml version="1.0" encoding="utf-8"?>
+<p:tagLst xmlns:a="http://schemas.openxmlformats.org/drawingml/2006/main" xmlns:r="http://schemas.openxmlformats.org/officeDocument/2006/relationships" xmlns:p="http://schemas.openxmlformats.org/presentationml/2006/main">
+  <p:tag name="DVSECTIONID" val="5Hij0xt5xu6EobHoAx3Q1R"/>
+</p:tagLst>
+</file>
+
+<file path=ppt/tags/tag35.xml><?xml version="1.0" encoding="utf-8"?>
 <p:tagLst xmlns:a="http://schemas.openxmlformats.org/drawingml/2006/main" xmlns:r="http://schemas.openxmlformats.org/officeDocument/2006/relationships" xmlns:p="http://schemas.openxmlformats.org/presentationml/2006/main">
   <p:tag name="DVSHAPEID" val="vkSy6Awd3lvSIiIly8JJ8v"/>
 </p:tagLst>
 </file>
 
-<file path=ppt/tags/tag101.xml><?xml version="1.0" encoding="utf-8"?>
+<file path=ppt/tags/tag36.xml><?xml version="1.0" encoding="utf-8"?>
 <p:tagLst xmlns:a="http://schemas.openxmlformats.org/drawingml/2006/main" xmlns:r="http://schemas.openxmlformats.org/officeDocument/2006/relationships" xmlns:p="http://schemas.openxmlformats.org/presentationml/2006/main">
   <p:tag name="DVSHAPEID" val="S7SysfZez5CH00ZixVxuzp"/>
 </p:tagLst>
 </file>
 
-<file path=ppt/tags/tag102.xml><?xml version="1.0" encoding="utf-8"?>
+<file path=ppt/tags/tag37.xml><?xml version="1.0" encoding="utf-8"?>
 <p:tagLst xmlns:a="http://schemas.openxmlformats.org/drawingml/2006/main" xmlns:r="http://schemas.openxmlformats.org/officeDocument/2006/relationships" xmlns:p="http://schemas.openxmlformats.org/presentationml/2006/main">
   <p:tag name="DVSECTIONID" val="BZMFbIT4XzLbaYLl6vRQ7Q"/>
 </p:tagLst>
 </file>
 
-<file path=ppt/tags/tag103.xml><?xml version="1.0" encoding="utf-8"?>
+<file path=ppt/tags/tag38.xml><?xml version="1.0" encoding="utf-8"?>
 <p:tagLst xmlns:a="http://schemas.openxmlformats.org/drawingml/2006/main" xmlns:r="http://schemas.openxmlformats.org/officeDocument/2006/relationships" xmlns:p="http://schemas.openxmlformats.org/presentationml/2006/main">
   <p:tag name="DVSHAPEID" val="PFSXajEAyvRZsKFy7gdPLq"/>
 </p:tagLst>
 </file>
 
-<file path=ppt/tags/tag104.xml><?xml version="1.0" encoding="utf-8"?>
-<p:tagLst xmlns:a="http://schemas.openxmlformats.org/drawingml/2006/main" xmlns:r="http://schemas.openxmlformats.org/officeDocument/2006/relationships" xmlns:p="http://schemas.openxmlformats.org/presentationml/2006/main">
-  <p:tag name="DVSHAPEID" val="f0hIlgBNcEWsidFv5GAZw7"/>
-</p:tagLst>
-</file>
-
-<file path=ppt/tags/tag105.xml><?xml version="1.0" encoding="utf-8"?>
+<file path=ppt/tags/tag39.xml><?xml version="1.0" encoding="utf-8"?>
 <p:tagLst xmlns:a="http://schemas.openxmlformats.org/drawingml/2006/main" xmlns:r="http://schemas.openxmlformats.org/officeDocument/2006/relationships" xmlns:p="http://schemas.openxmlformats.org/presentationml/2006/main">
   <p:tag name="DVSHAPEID" val="P0yfDZOghJDppRFrYnYLid"/>
 </p:tagLst>
 </file>
 
-<file path=ppt/tags/tag106.xml><?xml version="1.0" encoding="utf-8"?>
+<file path=ppt/tags/tag4.xml><?xml version="1.0" encoding="utf-8"?>
+<p:tagLst xmlns:a="http://schemas.openxmlformats.org/drawingml/2006/main" xmlns:r="http://schemas.openxmlformats.org/officeDocument/2006/relationships" xmlns:p="http://schemas.openxmlformats.org/presentationml/2006/main">
+  <p:tag name="DVSHAPEID" val="GwtCdVPwLtImaPGrqinHuG"/>
+</p:tagLst>
+</file>
+
+<file path=ppt/tags/tag40.xml><?xml version="1.0" encoding="utf-8"?>
 <p:tagLst xmlns:a="http://schemas.openxmlformats.org/drawingml/2006/main" xmlns:r="http://schemas.openxmlformats.org/officeDocument/2006/relationships" xmlns:p="http://schemas.openxmlformats.org/presentationml/2006/main">
   <p:tag name="DVSECTIONID" val="6QaPdUBZCvLe6jwlmKcsxw"/>
 </p:tagLst>
 </file>
 
-<file path=ppt/tags/tag107.xml><?xml version="1.0" encoding="utf-8"?>
+<file path=ppt/tags/tag41.xml><?xml version="1.0" encoding="utf-8"?>
 <p:tagLst xmlns:a="http://schemas.openxmlformats.org/drawingml/2006/main" xmlns:r="http://schemas.openxmlformats.org/officeDocument/2006/relationships" xmlns:p="http://schemas.openxmlformats.org/presentationml/2006/main">
   <p:tag name="DVSHAPEID" val="3ZrrSBbxeMU7bha5DBZVmc"/>
 </p:tagLst>
 </file>
 
-<file path=ppt/tags/tag108.xml><?xml version="1.0" encoding="utf-8"?>
+<file path=ppt/tags/tag42.xml><?xml version="1.0" encoding="utf-8"?>
 <p:tagLst xmlns:a="http://schemas.openxmlformats.org/drawingml/2006/main" xmlns:r="http://schemas.openxmlformats.org/officeDocument/2006/relationships" xmlns:p="http://schemas.openxmlformats.org/presentationml/2006/main">
   <p:tag name="DVSHAPEID" val="PSNNPDIc0KOBXyNb6c5JvR"/>
 </p:tagLst>
 </file>
 
-<file path=ppt/tags/tag109.xml><?xml version="1.0" encoding="utf-8"?>
+<file path=ppt/tags/tag43.xml><?xml version="1.0" encoding="utf-8"?>
 <p:tagLst xmlns:a="http://schemas.openxmlformats.org/drawingml/2006/main" xmlns:r="http://schemas.openxmlformats.org/officeDocument/2006/relationships" xmlns:p="http://schemas.openxmlformats.org/presentationml/2006/main">
   <p:tag name="DVSECTIONID" val="Tc0IDerxZaJLSWvmvYtXWf"/>
 </p:tagLst>
 </file>
 
-<file path=ppt/tags/tag11.xml><?xml version="1.0" encoding="utf-8"?>
-<p:tagLst xmlns:a="http://schemas.openxmlformats.org/drawingml/2006/main" xmlns:r="http://schemas.openxmlformats.org/officeDocument/2006/relationships" xmlns:p="http://schemas.openxmlformats.org/presentationml/2006/main">
-  <p:tag name="DVSHAPEID" val="PgfxSiUwKE80N6YBNIEH46"/>
-</p:tagLst>
-</file>
-
-<file path=ppt/tags/tag110.xml><?xml version="1.0" encoding="utf-8"?>
+<file path=ppt/tags/tag44.xml><?xml version="1.0" encoding="utf-8"?>
 <p:tagLst xmlns:a="http://schemas.openxmlformats.org/drawingml/2006/main" xmlns:r="http://schemas.openxmlformats.org/officeDocument/2006/relationships" xmlns:p="http://schemas.openxmlformats.org/presentationml/2006/main">
   <p:tag name="DVSHAPEID" val="vhGohSKmLnQQazD4MxP1L9"/>
 </p:tagLst>
 </file>
 
-<file path=ppt/tags/tag111.xml><?xml version="1.0" encoding="utf-8"?>
+<file path=ppt/tags/tag45.xml><?xml version="1.0" encoding="utf-8"?>
 <p:tagLst xmlns:a="http://schemas.openxmlformats.org/drawingml/2006/main" xmlns:r="http://schemas.openxmlformats.org/officeDocument/2006/relationships" xmlns:p="http://schemas.openxmlformats.org/presentationml/2006/main">
   <p:tag name="DVSHAPEID" val="izjBhruNQDHXnv7rmPsDZr"/>
 </p:tagLst>
 </file>
 
-<file path=ppt/tags/tag112.xml><?xml version="1.0" encoding="utf-8"?>
+<file path=ppt/tags/tag46.xml><?xml version="1.0" encoding="utf-8"?>
 <p:tagLst xmlns:a="http://schemas.openxmlformats.org/drawingml/2006/main" xmlns:r="http://schemas.openxmlformats.org/officeDocument/2006/relationships" xmlns:p="http://schemas.openxmlformats.org/presentationml/2006/main">
   <p:tag name="DVSECTIONID" val="pVSrOL96EEiAWXOuhmy5wA"/>
 </p:tagLst>
 </file>
 
-<file path=ppt/tags/tag113.xml><?xml version="1.0" encoding="utf-8"?>
+<file path=ppt/tags/tag47.xml><?xml version="1.0" encoding="utf-8"?>
 <p:tagLst xmlns:a="http://schemas.openxmlformats.org/drawingml/2006/main" xmlns:r="http://schemas.openxmlformats.org/officeDocument/2006/relationships" xmlns:p="http://schemas.openxmlformats.org/presentationml/2006/main">
   <p:tag name="DVSHAPEID" val="K7ney2pxUt5mZ64FAjSYwd"/>
 </p:tagLst>
 </file>
 
-<file path=ppt/tags/tag114.xml><?xml version="1.0" encoding="utf-8"?>
+<file path=ppt/tags/tag48.xml><?xml version="1.0" encoding="utf-8"?>
 <p:tagLst xmlns:a="http://schemas.openxmlformats.org/drawingml/2006/main" xmlns:r="http://schemas.openxmlformats.org/officeDocument/2006/relationships" xmlns:p="http://schemas.openxmlformats.org/presentationml/2006/main">
   <p:tag name="DVSHAPEID" val="8cb7WkbZz8aQPcd3TsniIe"/>
 </p:tagLst>
 </file>
 
-<file path=ppt/tags/tag115.xml><?xml version="1.0" encoding="utf-8"?>
+<file path=ppt/tags/tag49.xml><?xml version="1.0" encoding="utf-8"?>
 <p:tagLst xmlns:a="http://schemas.openxmlformats.org/drawingml/2006/main" xmlns:r="http://schemas.openxmlformats.org/officeDocument/2006/relationships" xmlns:p="http://schemas.openxmlformats.org/presentationml/2006/main">
   <p:tag name="DVSECTIONID" val="ulrzQ0fdZzADN4QbpFoSw5"/>
 </p:tagLst>
 </file>
 
-<file path=ppt/tags/tag116.xml><?xml version="1.0" encoding="utf-8"?>
+<file path=ppt/tags/tag5.xml><?xml version="1.0" encoding="utf-8"?>
+<p:tagLst xmlns:a="http://schemas.openxmlformats.org/drawingml/2006/main" xmlns:r="http://schemas.openxmlformats.org/officeDocument/2006/relationships" xmlns:p="http://schemas.openxmlformats.org/presentationml/2006/main">
+  <p:tag name="DVSECTIONID" val="fSI1SWM36LVjHhdmXNDUIO"/>
+</p:tagLst>
+</file>
+
+<file path=ppt/tags/tag50.xml><?xml version="1.0" encoding="utf-8"?>
 <p:tagLst xmlns:a="http://schemas.openxmlformats.org/drawingml/2006/main" xmlns:r="http://schemas.openxmlformats.org/officeDocument/2006/relationships" xmlns:p="http://schemas.openxmlformats.org/presentationml/2006/main">
   <p:tag name="DVSHAPEID" val="R0w1mGf9L0VwYb2q55mVTX"/>
 </p:tagLst>
 </file>
 
-<file path=ppt/tags/tag117.xml><?xml version="1.0" encoding="utf-8"?>
+<file path=ppt/tags/tag51.xml><?xml version="1.0" encoding="utf-8"?>
 <p:tagLst xmlns:a="http://schemas.openxmlformats.org/drawingml/2006/main" xmlns:r="http://schemas.openxmlformats.org/officeDocument/2006/relationships" xmlns:p="http://schemas.openxmlformats.org/presentationml/2006/main">
   <p:tag name="DVSHAPEID" val="c8hSswppBdvUlaAVXuKqm9"/>
 </p:tagLst>
 </file>
 
-<file path=ppt/tags/tag118.xml><?xml version="1.0" encoding="utf-8"?>
+<file path=ppt/tags/tag52.xml><?xml version="1.0" encoding="utf-8"?>
 <p:tagLst xmlns:a="http://schemas.openxmlformats.org/drawingml/2006/main" xmlns:r="http://schemas.openxmlformats.org/officeDocument/2006/relationships" xmlns:p="http://schemas.openxmlformats.org/presentationml/2006/main">
   <p:tag name="DVSECTIONID" val="si0xx0H6oQJPrw0fV8RqEI"/>
 </p:tagLst>
 </file>
 
-<file path=ppt/tags/tag119.xml><?xml version="1.0" encoding="utf-8"?>
+<file path=ppt/tags/tag53.xml><?xml version="1.0" encoding="utf-8"?>
 <p:tagLst xmlns:a="http://schemas.openxmlformats.org/drawingml/2006/main" xmlns:r="http://schemas.openxmlformats.org/officeDocument/2006/relationships" xmlns:p="http://schemas.openxmlformats.org/presentationml/2006/main">
   <p:tag name="DVSHAPEID" val="Vid20tmiVNkTOoKudIJloH"/>
 </p:tagLst>
 </file>
 
-<file path=ppt/tags/tag12.xml><?xml version="1.0" encoding="utf-8"?>
-<p:tagLst xmlns:a="http://schemas.openxmlformats.org/drawingml/2006/main" xmlns:r="http://schemas.openxmlformats.org/officeDocument/2006/relationships" xmlns:p="http://schemas.openxmlformats.org/presentationml/2006/main">
-  <p:tag name="DVSHAPEID" val="vgAUvpICWiDin8PBheh24j"/>
-</p:tagLst>
-</file>
-
-<file path=ppt/tags/tag120.xml><?xml version="1.0" encoding="utf-8"?>
+<file path=ppt/tags/tag54.xml><?xml version="1.0" encoding="utf-8"?>
 <p:tagLst xmlns:a="http://schemas.openxmlformats.org/drawingml/2006/main" xmlns:r="http://schemas.openxmlformats.org/officeDocument/2006/relationships" xmlns:p="http://schemas.openxmlformats.org/presentationml/2006/main">
   <p:tag name="DVSHAPEID" val="14QRPa7RbtB2dYEpvW2jhI"/>
 </p:tagLst>
 </file>
 
-<file path=ppt/tags/tag121.xml><?xml version="1.0" encoding="utf-8"?>
+<file path=ppt/tags/tag55.xml><?xml version="1.0" encoding="utf-8"?>
 <p:tagLst xmlns:a="http://schemas.openxmlformats.org/drawingml/2006/main" xmlns:r="http://schemas.openxmlformats.org/officeDocument/2006/relationships" xmlns:p="http://schemas.openxmlformats.org/presentationml/2006/main">
   <p:tag name="DVSHAPEID" val="zrmcath1G0Kdg8c9Dcb4CR"/>
 </p:tagLst>
 </file>
 
-<file path=ppt/tags/tag122.xml><?xml version="1.0" encoding="utf-8"?>
+<file path=ppt/tags/tag56.xml><?xml version="1.0" encoding="utf-8"?>
 <p:tagLst xmlns:a="http://schemas.openxmlformats.org/drawingml/2006/main" xmlns:r="http://schemas.openxmlformats.org/officeDocument/2006/relationships" xmlns:p="http://schemas.openxmlformats.org/presentationml/2006/main">
   <p:tag name="DVSHAPEID" val="iLaLQOcNj5qjvpvCZDA9MA"/>
 </p:tagLst>
 </file>
 
-<file path=ppt/tags/tag123.xml><?xml version="1.0" encoding="utf-8"?>
+<file path=ppt/tags/tag57.xml><?xml version="1.0" encoding="utf-8"?>
 <p:tagLst xmlns:a="http://schemas.openxmlformats.org/drawingml/2006/main" xmlns:r="http://schemas.openxmlformats.org/officeDocument/2006/relationships" xmlns:p="http://schemas.openxmlformats.org/presentationml/2006/main">
   <p:tag name="DVSECTIONID" val="0iaJE5WSHD4oT8zisfwTaJ"/>
 </p:tagLst>
 </file>
 
-<file path=ppt/tags/tag124.xml><?xml version="1.0" encoding="utf-8"?>
+<file path=ppt/tags/tag58.xml><?xml version="1.0" encoding="utf-8"?>
 <p:tagLst xmlns:a="http://schemas.openxmlformats.org/drawingml/2006/main" xmlns:r="http://schemas.openxmlformats.org/officeDocument/2006/relationships" xmlns:p="http://schemas.openxmlformats.org/presentationml/2006/main">
   <p:tag name="DVSHAPEID" val="i0HwdmiQ8d6H8A1pCsPTHF"/>
 </p:tagLst>
 </file>
 
-<file path=ppt/tags/tag125.xml><?xml version="1.0" encoding="utf-8"?>
+<file path=ppt/tags/tag59.xml><?xml version="1.0" encoding="utf-8"?>
 <p:tagLst xmlns:a="http://schemas.openxmlformats.org/drawingml/2006/main" xmlns:r="http://schemas.openxmlformats.org/officeDocument/2006/relationships" xmlns:p="http://schemas.openxmlformats.org/presentationml/2006/main">
   <p:tag name="DVSHAPEID" val="MXDND0cxts5Hta3kAPusXc"/>
 </p:tagLst>
 </file>
 
-<file path=ppt/tags/tag126.xml><?xml version="1.0" encoding="utf-8"?>
+<file path=ppt/tags/tag6.xml><?xml version="1.0" encoding="utf-8"?>
+<p:tagLst xmlns:a="http://schemas.openxmlformats.org/drawingml/2006/main" xmlns:r="http://schemas.openxmlformats.org/officeDocument/2006/relationships" xmlns:p="http://schemas.openxmlformats.org/presentationml/2006/main">
+  <p:tag name="DVSHAPEID" val="8tPH6uLOrNx8P0JTKe8Djw"/>
+</p:tagLst>
+</file>
+
+<file path=ppt/tags/tag60.xml><?xml version="1.0" encoding="utf-8"?>
 <p:tagLst xmlns:a="http://schemas.openxmlformats.org/drawingml/2006/main" xmlns:r="http://schemas.openxmlformats.org/officeDocument/2006/relationships" xmlns:p="http://schemas.openxmlformats.org/presentationml/2006/main">
   <p:tag name="DVSECTIONID" val="UXDjbaKf15rJiHnNmBav96"/>
 </p:tagLst>
 </file>
 
-<file path=ppt/tags/tag127.xml><?xml version="1.0" encoding="utf-8"?>
+<file path=ppt/tags/tag61.xml><?xml version="1.0" encoding="utf-8"?>
 <p:tagLst xmlns:a="http://schemas.openxmlformats.org/drawingml/2006/main" xmlns:r="http://schemas.openxmlformats.org/officeDocument/2006/relationships" xmlns:p="http://schemas.openxmlformats.org/presentationml/2006/main">
   <p:tag name="DVSHAPEID" val="dNgUAA18jSTCdKSqIhEBKD"/>
 </p:tagLst>
 </file>
 
-<file path=ppt/tags/tag128.xml><?xml version="1.0" encoding="utf-8"?>
+<file path=ppt/tags/tag62.xml><?xml version="1.0" encoding="utf-8"?>
 <p:tagLst xmlns:a="http://schemas.openxmlformats.org/drawingml/2006/main" xmlns:r="http://schemas.openxmlformats.org/officeDocument/2006/relationships" xmlns:p="http://schemas.openxmlformats.org/presentationml/2006/main">
   <p:tag name="DVSHAPEID" val="Bq6RliRZpeHAKPwJqBvl9d"/>
 </p:tagLst>
 </file>
 
-<file path=ppt/tags/tag129.xml><?xml version="1.0" encoding="utf-8"?>
+<file path=ppt/tags/tag63.xml><?xml version="1.0" encoding="utf-8"?>
 <p:tagLst xmlns:a="http://schemas.openxmlformats.org/drawingml/2006/main" xmlns:r="http://schemas.openxmlformats.org/officeDocument/2006/relationships" xmlns:p="http://schemas.openxmlformats.org/presentationml/2006/main">
   <p:tag name="DVSECTIONID" val="K2DRGCFCULygoc6kTL8sCY"/>
 </p:tagLst>
 </file>
 
-<file path=ppt/tags/tag13.xml><?xml version="1.0" encoding="utf-8"?>
-<p:tagLst xmlns:a="http://schemas.openxmlformats.org/drawingml/2006/main" xmlns:r="http://schemas.openxmlformats.org/officeDocument/2006/relationships" xmlns:p="http://schemas.openxmlformats.org/presentationml/2006/main">
-  <p:tag name="DVSHAPEID" val="9biq3Cm9eArIKYWXNuN8IP"/>
-</p:tagLst>
-</file>
-
-<file path=ppt/tags/tag130.xml><?xml version="1.0" encoding="utf-8"?>
+<file path=ppt/tags/tag64.xml><?xml version="1.0" encoding="utf-8"?>
 <p:tagLst xmlns:a="http://schemas.openxmlformats.org/drawingml/2006/main" xmlns:r="http://schemas.openxmlformats.org/officeDocument/2006/relationships" xmlns:p="http://schemas.openxmlformats.org/presentationml/2006/main">
   <p:tag name="DVSHAPEID" val="OQXjra7cOmrzbPOJfIgktE"/>
 </p:tagLst>
 </file>
 
-<file path=ppt/tags/tag131.xml><?xml version="1.0" encoding="utf-8"?>
+<file path=ppt/tags/tag65.xml><?xml version="1.0" encoding="utf-8"?>
 <p:tagLst xmlns:a="http://schemas.openxmlformats.org/drawingml/2006/main" xmlns:r="http://schemas.openxmlformats.org/officeDocument/2006/relationships" xmlns:p="http://schemas.openxmlformats.org/presentationml/2006/main">
   <p:tag name="DVSHAPEID" val="VCZ3TZR25puoCfT2RGScql"/>
 </p:tagLst>
 </file>
 
-<file path=ppt/tags/tag132.xml><?xml version="1.0" encoding="utf-8"?>
+<file path=ppt/tags/tag66.xml><?xml version="1.0" encoding="utf-8"?>
 <p:tagLst xmlns:a="http://schemas.openxmlformats.org/drawingml/2006/main" xmlns:r="http://schemas.openxmlformats.org/officeDocument/2006/relationships" xmlns:p="http://schemas.openxmlformats.org/presentationml/2006/main">
   <p:tag name="DVSECTIONID" val="X9QRUETUIEzOcAGju7zobG"/>
 </p:tagLst>
 </file>
 
-<file path=ppt/tags/tag133.xml><?xml version="1.0" encoding="utf-8"?>
+<file path=ppt/tags/tag67.xml><?xml version="1.0" encoding="utf-8"?>
 <p:tagLst xmlns:a="http://schemas.openxmlformats.org/drawingml/2006/main" xmlns:r="http://schemas.openxmlformats.org/officeDocument/2006/relationships" xmlns:p="http://schemas.openxmlformats.org/presentationml/2006/main">
   <p:tag name="DVSHAPEID" val="8aDHUGmN4PJ9Vkjnh7kMg2"/>
 </p:tagLst>
 </file>
 
-<file path=ppt/tags/tag134.xml><?xml version="1.0" encoding="utf-8"?>
+<file path=ppt/tags/tag68.xml><?xml version="1.0" encoding="utf-8"?>
 <p:tagLst xmlns:a="http://schemas.openxmlformats.org/drawingml/2006/main" xmlns:r="http://schemas.openxmlformats.org/officeDocument/2006/relationships" xmlns:p="http://schemas.openxmlformats.org/presentationml/2006/main">
   <p:tag name="DVSHAPEID" val="5NczQdQzrgezuOpc5bFhkF"/>
 </p:tagLst>
 </file>
 
-<file path=ppt/tags/tag135.xml><?xml version="1.0" encoding="utf-8"?>
+<file path=ppt/tags/tag69.xml><?xml version="1.0" encoding="utf-8"?>
 <p:tagLst xmlns:a="http://schemas.openxmlformats.org/drawingml/2006/main" xmlns:r="http://schemas.openxmlformats.org/officeDocument/2006/relationships" xmlns:p="http://schemas.openxmlformats.org/presentationml/2006/main">
   <p:tag name="DVSECTIONID" val="b1jbH1HonHtM4t1OI0JZ2T"/>
 </p:tagLst>
 </file>
 
-<file path=ppt/tags/tag136.xml><?xml version="1.0" encoding="utf-8"?>
+<file path=ppt/tags/tag7.xml><?xml version="1.0" encoding="utf-8"?>
+<p:tagLst xmlns:a="http://schemas.openxmlformats.org/drawingml/2006/main" xmlns:r="http://schemas.openxmlformats.org/officeDocument/2006/relationships" xmlns:p="http://schemas.openxmlformats.org/presentationml/2006/main">
+  <p:tag name="DVSHAPEID" val="fZc3oBoAnxWoX42IRwqBfE"/>
+</p:tagLst>
+</file>
+
+<file path=ppt/tags/tag70.xml><?xml version="1.0" encoding="utf-8"?>
 <p:tagLst xmlns:a="http://schemas.openxmlformats.org/drawingml/2006/main" xmlns:r="http://schemas.openxmlformats.org/officeDocument/2006/relationships" xmlns:p="http://schemas.openxmlformats.org/presentationml/2006/main">
   <p:tag name="DVSHAPEID" val="EsjzItpLRE465QulQ9Xunt"/>
 </p:tagLst>
 </file>
 
-<file path=ppt/tags/tag137.xml><?xml version="1.0" encoding="utf-8"?>
+<file path=ppt/tags/tag71.xml><?xml version="1.0" encoding="utf-8"?>
 <p:tagLst xmlns:a="http://schemas.openxmlformats.org/drawingml/2006/main" xmlns:r="http://schemas.openxmlformats.org/officeDocument/2006/relationships" xmlns:p="http://schemas.openxmlformats.org/presentationml/2006/main">
   <p:tag name="DVSHAPEID" val="VmQuX5296ZHq8KfgumaGoA"/>
 </p:tagLst>
 </file>
 
-<file path=ppt/tags/tag138.xml><?xml version="1.0" encoding="utf-8"?>
+<file path=ppt/tags/tag72.xml><?xml version="1.0" encoding="utf-8"?>
 <p:tagLst xmlns:a="http://schemas.openxmlformats.org/drawingml/2006/main" xmlns:r="http://schemas.openxmlformats.org/officeDocument/2006/relationships" xmlns:p="http://schemas.openxmlformats.org/presentationml/2006/main">
   <p:tag name="DVSHAPEID" val="uoJzHJlvkQhbxXJdvkJIx5"/>
 </p:tagLst>
 </file>
 
-<file path=ppt/tags/tag139.xml><?xml version="1.0" encoding="utf-8"?>
+<file path=ppt/tags/tag73.xml><?xml version="1.0" encoding="utf-8"?>
 <p:tagLst xmlns:a="http://schemas.openxmlformats.org/drawingml/2006/main" xmlns:r="http://schemas.openxmlformats.org/officeDocument/2006/relationships" xmlns:p="http://schemas.openxmlformats.org/presentationml/2006/main">
   <p:tag name="DVSHAPEID" val="oFIK5zFAkH4lRsLoniNBER"/>
 </p:tagLst>
 </file>
 
-<file path=ppt/tags/tag14.xml><?xml version="1.0" encoding="utf-8"?>
-<p:tagLst xmlns:a="http://schemas.openxmlformats.org/drawingml/2006/main" xmlns:r="http://schemas.openxmlformats.org/officeDocument/2006/relationships" xmlns:p="http://schemas.openxmlformats.org/presentationml/2006/main">
-  <p:tag name="DVSHAPEID" val="nuJQLcqpq11c7pC4m5gM43"/>
-</p:tagLst>
-</file>
-
-<file path=ppt/tags/tag140.xml><?xml version="1.0" encoding="utf-8"?>
+<file path=ppt/tags/tag74.xml><?xml version="1.0" encoding="utf-8"?>
 <p:tagLst xmlns:a="http://schemas.openxmlformats.org/drawingml/2006/main" xmlns:r="http://schemas.openxmlformats.org/officeDocument/2006/relationships" xmlns:p="http://schemas.openxmlformats.org/presentationml/2006/main">
   <p:tag name="DVSECTIONID" val="GAZvEAh0SdNhYPyJXRckhS"/>
 </p:tagLst>
 </file>
 
-<file path=ppt/tags/tag141.xml><?xml version="1.0" encoding="utf-8"?>
+<file path=ppt/tags/tag75.xml><?xml version="1.0" encoding="utf-8"?>
 <p:tagLst xmlns:a="http://schemas.openxmlformats.org/drawingml/2006/main" xmlns:r="http://schemas.openxmlformats.org/officeDocument/2006/relationships" xmlns:p="http://schemas.openxmlformats.org/presentationml/2006/main">
   <p:tag name="DVSHAPEID" val="8WdhxgRPWG2pZ4RXDLQKvz"/>
 </p:tagLst>
 </file>
 
-<file path=ppt/tags/tag142.xml><?xml version="1.0" encoding="utf-8"?>
+<file path=ppt/tags/tag76.xml><?xml version="1.0" encoding="utf-8"?>
 <p:tagLst xmlns:a="http://schemas.openxmlformats.org/drawingml/2006/main" xmlns:r="http://schemas.openxmlformats.org/officeDocument/2006/relationships" xmlns:p="http://schemas.openxmlformats.org/presentationml/2006/main">
   <p:tag name="DVSHAPEID" val="6b6hs7WrUWqxwLxO2oJvKo"/>
 </p:tagLst>
 </file>
 
-<file path=ppt/tags/tag143.xml><?xml version="1.0" encoding="utf-8"?>
+<file path=ppt/tags/tag77.xml><?xml version="1.0" encoding="utf-8"?>
 <p:tagLst xmlns:a="http://schemas.openxmlformats.org/drawingml/2006/main" xmlns:r="http://schemas.openxmlformats.org/officeDocument/2006/relationships" xmlns:p="http://schemas.openxmlformats.org/presentationml/2006/main">
   <p:tag name="DVSECTIONID" val="kqvciFpyFbEikJbcn77mOg"/>
 </p:tagLst>
 </file>
 
-<file path=ppt/tags/tag144.xml><?xml version="1.0" encoding="utf-8"?>
+<file path=ppt/tags/tag78.xml><?xml version="1.0" encoding="utf-8"?>
 <p:tagLst xmlns:a="http://schemas.openxmlformats.org/drawingml/2006/main" xmlns:r="http://schemas.openxmlformats.org/officeDocument/2006/relationships" xmlns:p="http://schemas.openxmlformats.org/presentationml/2006/main">
   <p:tag name="DVSHAPEID" val="issGxqE1KUmyP1bgNKSvL6"/>
 </p:tagLst>
 </file>
 
-<file path=ppt/tags/tag145.xml><?xml version="1.0" encoding="utf-8"?>
+<file path=ppt/tags/tag79.xml><?xml version="1.0" encoding="utf-8"?>
 <p:tagLst xmlns:a="http://schemas.openxmlformats.org/drawingml/2006/main" xmlns:r="http://schemas.openxmlformats.org/officeDocument/2006/relationships" xmlns:p="http://schemas.openxmlformats.org/presentationml/2006/main">
   <p:tag name="DVSHAPEID" val="Yry5qPJr1ZPISEOMzwMSbw"/>
 </p:tagLst>
 </file>
 
-<file path=ppt/tags/tag146.xml><?xml version="1.0" encoding="utf-8"?>
+<file path=ppt/tags/tag8.xml><?xml version="1.0" encoding="utf-8"?>
+<p:tagLst xmlns:a="http://schemas.openxmlformats.org/drawingml/2006/main" xmlns:r="http://schemas.openxmlformats.org/officeDocument/2006/relationships" xmlns:p="http://schemas.openxmlformats.org/presentationml/2006/main">
+  <p:tag name="DVSECTIONID" val="KqhQqL9txX1WI3J1OWdG90"/>
+</p:tagLst>
+</file>
+
+<file path=ppt/tags/tag80.xml><?xml version="1.0" encoding="utf-8"?>
 <p:tagLst xmlns:a="http://schemas.openxmlformats.org/drawingml/2006/main" xmlns:r="http://schemas.openxmlformats.org/officeDocument/2006/relationships" xmlns:p="http://schemas.openxmlformats.org/presentationml/2006/main">
   <p:tag name="DVSHAPEID" val="bXVvCMAYCeCbu18sZOiiTm"/>
 </p:tagLst>
 </file>
 
-<file path=ppt/tags/tag15.xml><?xml version="1.0" encoding="utf-8"?>
-<p:tagLst xmlns:a="http://schemas.openxmlformats.org/drawingml/2006/main" xmlns:r="http://schemas.openxmlformats.org/officeDocument/2006/relationships" xmlns:p="http://schemas.openxmlformats.org/presentationml/2006/main">
-  <p:tag name="DVSHAPEID" val="QFnREkrMeWAkNOHcQ9IP9p"/>
-</p:tagLst>
-</file>
-
-<file path=ppt/tags/tag16.xml><?xml version="1.0" encoding="utf-8"?>
-<p:tagLst xmlns:a="http://schemas.openxmlformats.org/drawingml/2006/main" xmlns:r="http://schemas.openxmlformats.org/officeDocument/2006/relationships" xmlns:p="http://schemas.openxmlformats.org/presentationml/2006/main">
-  <p:tag name="DVSHAPEID" val="GyRwlI8HSVLjE4sUx6YDM5"/>
-</p:tagLst>
-</file>
-
-<file path=ppt/tags/tag17.xml><?xml version="1.0" encoding="utf-8"?>
-<p:tagLst xmlns:a="http://schemas.openxmlformats.org/drawingml/2006/main" xmlns:r="http://schemas.openxmlformats.org/officeDocument/2006/relationships" xmlns:p="http://schemas.openxmlformats.org/presentationml/2006/main">
-  <p:tag name="DVSHAPEID" val="BMCOn9e64fTqYPZ7YJDx4E"/>
-</p:tagLst>
-</file>
-
-<file path=ppt/tags/tag18.xml><?xml version="1.0" encoding="utf-8"?>
-<p:tagLst xmlns:a="http://schemas.openxmlformats.org/drawingml/2006/main" xmlns:r="http://schemas.openxmlformats.org/officeDocument/2006/relationships" xmlns:p="http://schemas.openxmlformats.org/presentationml/2006/main">
-  <p:tag name="DVSHAPEID" val="yt9DKWBBRwCBW4UxkZsLRw"/>
-</p:tagLst>
-</file>
-
-<file path=ppt/tags/tag19.xml><?xml version="1.0" encoding="utf-8"?>
-<p:tagLst xmlns:a="http://schemas.openxmlformats.org/drawingml/2006/main" xmlns:r="http://schemas.openxmlformats.org/officeDocument/2006/relationships" xmlns:p="http://schemas.openxmlformats.org/presentationml/2006/main">
-  <p:tag name="DVSHAPEID" val="qd5DUq7eZf1Xe8EJpivsnn"/>
-</p:tagLst>
-</file>
-
-<file path=ppt/tags/tag2.xml><?xml version="1.0" encoding="utf-8"?>
-<p:tagLst xmlns:a="http://schemas.openxmlformats.org/drawingml/2006/main" xmlns:r="http://schemas.openxmlformats.org/officeDocument/2006/relationships" xmlns:p="http://schemas.openxmlformats.org/presentationml/2006/main">
-  <p:tag name="DVSHAPEID" val="6H9ND7wYASCOdOn5kzOgvJ"/>
-</p:tagLst>
-</file>
-
-<file path=ppt/tags/tag20.xml><?xml version="1.0" encoding="utf-8"?>
-<p:tagLst xmlns:a="http://schemas.openxmlformats.org/drawingml/2006/main" xmlns:r="http://schemas.openxmlformats.org/officeDocument/2006/relationships" xmlns:p="http://schemas.openxmlformats.org/presentationml/2006/main">
-  <p:tag name="DVSHAPEID" val="NnSUcroE4iN23Wx71buCwn"/>
-</p:tagLst>
-</file>
-
-<file path=ppt/tags/tag21.xml><?xml version="1.0" encoding="utf-8"?>
-<p:tagLst xmlns:a="http://schemas.openxmlformats.org/drawingml/2006/main" xmlns:r="http://schemas.openxmlformats.org/officeDocument/2006/relationships" xmlns:p="http://schemas.openxmlformats.org/presentationml/2006/main">
-  <p:tag name="DVSHAPEID" val="zZQMTAAago82qHKZdGPlbI"/>
-</p:tagLst>
-</file>
-
-<file path=ppt/tags/tag22.xml><?xml version="1.0" encoding="utf-8"?>
-<p:tagLst xmlns:a="http://schemas.openxmlformats.org/drawingml/2006/main" xmlns:r="http://schemas.openxmlformats.org/officeDocument/2006/relationships" xmlns:p="http://schemas.openxmlformats.org/presentationml/2006/main">
-  <p:tag name="DVSHAPEID" val="9b4HbhgjYLRqNT4qyO4U2o"/>
-</p:tagLst>
-</file>
-
-<file path=ppt/tags/tag23.xml><?xml version="1.0" encoding="utf-8"?>
-<p:tagLst xmlns:a="http://schemas.openxmlformats.org/drawingml/2006/main" xmlns:r="http://schemas.openxmlformats.org/officeDocument/2006/relationships" xmlns:p="http://schemas.openxmlformats.org/presentationml/2006/main">
-  <p:tag name="DVSHAPEID" val="T1wQm1XOMbbQPEIboiTWqm"/>
-</p:tagLst>
-</file>
-
-<file path=ppt/tags/tag24.xml><?xml version="1.0" encoding="utf-8"?>
-<p:tagLst xmlns:a="http://schemas.openxmlformats.org/drawingml/2006/main" xmlns:r="http://schemas.openxmlformats.org/officeDocument/2006/relationships" xmlns:p="http://schemas.openxmlformats.org/presentationml/2006/main">
-  <p:tag name="DVSHAPEID" val="bZURVN71ghGLh3blVfmaYG"/>
-</p:tagLst>
-</file>
-
-<file path=ppt/tags/tag25.xml><?xml version="1.0" encoding="utf-8"?>
-<p:tagLst xmlns:a="http://schemas.openxmlformats.org/drawingml/2006/main" xmlns:r="http://schemas.openxmlformats.org/officeDocument/2006/relationships" xmlns:p="http://schemas.openxmlformats.org/presentationml/2006/main">
-  <p:tag name="DVSHAPEID" val="eX4pHmpM05YwPwVv6aGLUU"/>
-</p:tagLst>
-</file>
-
-<file path=ppt/tags/tag26.xml><?xml version="1.0" encoding="utf-8"?>
-<p:tagLst xmlns:a="http://schemas.openxmlformats.org/drawingml/2006/main" xmlns:r="http://schemas.openxmlformats.org/officeDocument/2006/relationships" xmlns:p="http://schemas.openxmlformats.org/presentationml/2006/main">
-  <p:tag name="DVSHAPEID" val="94mE02mEAfovLWNw5LBugB"/>
-</p:tagLst>
-</file>
-
-<file path=ppt/tags/tag27.xml><?xml version="1.0" encoding="utf-8"?>
-<p:tagLst xmlns:a="http://schemas.openxmlformats.org/drawingml/2006/main" xmlns:r="http://schemas.openxmlformats.org/officeDocument/2006/relationships" xmlns:p="http://schemas.openxmlformats.org/presentationml/2006/main">
-  <p:tag name="DVSHAPEID" val="MLdEpp8btcLjN023mmpmuI"/>
-</p:tagLst>
-</file>
-
-<file path=ppt/tags/tag28.xml><?xml version="1.0" encoding="utf-8"?>
-<p:tagLst xmlns:a="http://schemas.openxmlformats.org/drawingml/2006/main" xmlns:r="http://schemas.openxmlformats.org/officeDocument/2006/relationships" xmlns:p="http://schemas.openxmlformats.org/presentationml/2006/main">
-  <p:tag name="DVSHAPEID" val="8kLYIA5V9qEyhBrlCWvpLb"/>
-</p:tagLst>
-</file>
-
-<file path=ppt/tags/tag29.xml><?xml version="1.0" encoding="utf-8"?>
-<p:tagLst xmlns:a="http://schemas.openxmlformats.org/drawingml/2006/main" xmlns:r="http://schemas.openxmlformats.org/officeDocument/2006/relationships" xmlns:p="http://schemas.openxmlformats.org/presentationml/2006/main">
-  <p:tag name="DVSHAPEID" val="Jr9Mt2of4T63CTTqHy6y3l"/>
-</p:tagLst>
-</file>
-
-<file path=ppt/tags/tag3.xml><?xml version="1.0" encoding="utf-8"?>
-<p:tagLst xmlns:a="http://schemas.openxmlformats.org/drawingml/2006/main" xmlns:r="http://schemas.openxmlformats.org/officeDocument/2006/relationships" xmlns:p="http://schemas.openxmlformats.org/presentationml/2006/main">
-  <p:tag name="DVSHAPEID" val="g2Kxi5BkrRY90rnEn2PKh2"/>
-</p:tagLst>
-</file>
-
-<file path=ppt/tags/tag30.xml><?xml version="1.0" encoding="utf-8"?>
-<p:tagLst xmlns:a="http://schemas.openxmlformats.org/drawingml/2006/main" xmlns:r="http://schemas.openxmlformats.org/officeDocument/2006/relationships" xmlns:p="http://schemas.openxmlformats.org/presentationml/2006/main">
-  <p:tag name="DVSHAPEID" val="EeIqC1JsQ5WWBjPV62wUlL"/>
-</p:tagLst>
-</file>
-
-<file path=ppt/tags/tag31.xml><?xml version="1.0" encoding="utf-8"?>
-<p:tagLst xmlns:a="http://schemas.openxmlformats.org/drawingml/2006/main" xmlns:r="http://schemas.openxmlformats.org/officeDocument/2006/relationships" xmlns:p="http://schemas.openxmlformats.org/presentationml/2006/main">
-  <p:tag name="DVSHAPEID" val="rdYyrbfWid8nNV43qmvB20"/>
-</p:tagLst>
-</file>
-
-<file path=ppt/tags/tag32.xml><?xml version="1.0" encoding="utf-8"?>
-<p:tagLst xmlns:a="http://schemas.openxmlformats.org/drawingml/2006/main" xmlns:r="http://schemas.openxmlformats.org/officeDocument/2006/relationships" xmlns:p="http://schemas.openxmlformats.org/presentationml/2006/main">
-  <p:tag name="DVSHAPEID" val="7FhABMs329ZTMvr3AxdTNJ"/>
-</p:tagLst>
-</file>
-
-<file path=ppt/tags/tag33.xml><?xml version="1.0" encoding="utf-8"?>
-<p:tagLst xmlns:a="http://schemas.openxmlformats.org/drawingml/2006/main" xmlns:r="http://schemas.openxmlformats.org/officeDocument/2006/relationships" xmlns:p="http://schemas.openxmlformats.org/presentationml/2006/main">
-  <p:tag name="DVSHAPEID" val="OdwTR3C9oJIq6jgQAtuebZ"/>
-</p:tagLst>
-</file>
-
-<file path=ppt/tags/tag34.xml><?xml version="1.0" encoding="utf-8"?>
-<p:tagLst xmlns:a="http://schemas.openxmlformats.org/drawingml/2006/main" xmlns:r="http://schemas.openxmlformats.org/officeDocument/2006/relationships" xmlns:p="http://schemas.openxmlformats.org/presentationml/2006/main">
-  <p:tag name="DVSHAPEID" val="oT8zBmMYo8dnR34HUprSKf"/>
-</p:tagLst>
-</file>
-
-<file path=ppt/tags/tag35.xml><?xml version="1.0" encoding="utf-8"?>
-<p:tagLst xmlns:a="http://schemas.openxmlformats.org/drawingml/2006/main" xmlns:r="http://schemas.openxmlformats.org/officeDocument/2006/relationships" xmlns:p="http://schemas.openxmlformats.org/presentationml/2006/main">
-  <p:tag name="DVSHAPEID" val="blo8NJXJpyyPPCLirgmplz"/>
-</p:tagLst>
-</file>
-
-<file path=ppt/tags/tag36.xml><?xml version="1.0" encoding="utf-8"?>
-<p:tagLst xmlns:a="http://schemas.openxmlformats.org/drawingml/2006/main" xmlns:r="http://schemas.openxmlformats.org/officeDocument/2006/relationships" xmlns:p="http://schemas.openxmlformats.org/presentationml/2006/main">
-  <p:tag name="DVSHAPEID" val="dJscMSy5Nie8IMasy30EJF"/>
-</p:tagLst>
-</file>
-
-<file path=ppt/tags/tag37.xml><?xml version="1.0" encoding="utf-8"?>
-<p:tagLst xmlns:a="http://schemas.openxmlformats.org/drawingml/2006/main" xmlns:r="http://schemas.openxmlformats.org/officeDocument/2006/relationships" xmlns:p="http://schemas.openxmlformats.org/presentationml/2006/main">
-  <p:tag name="DVSHAPEID" val="O1erWCXavkUB8FGBX5bkLg"/>
-</p:tagLst>
-</file>
-
-<file path=ppt/tags/tag38.xml><?xml version="1.0" encoding="utf-8"?>
-<p:tagLst xmlns:a="http://schemas.openxmlformats.org/drawingml/2006/main" xmlns:r="http://schemas.openxmlformats.org/officeDocument/2006/relationships" xmlns:p="http://schemas.openxmlformats.org/presentationml/2006/main">
-  <p:tag name="DVSHAPEID" val="BHUY7ZHjoGQyUqYkVV8CMT"/>
-</p:tagLst>
-</file>
-
-<file path=ppt/tags/tag39.xml><?xml version="1.0" encoding="utf-8"?>
-<p:tagLst xmlns:a="http://schemas.openxmlformats.org/drawingml/2006/main" xmlns:r="http://schemas.openxmlformats.org/officeDocument/2006/relationships" xmlns:p="http://schemas.openxmlformats.org/presentationml/2006/main">
-  <p:tag name="DVSHAPEID" val="d6EuLX6VtpTyqxxXvXtbVd"/>
-</p:tagLst>
-</file>
-
-<file path=ppt/tags/tag4.xml><?xml version="1.0" encoding="utf-8"?>
-<p:tagLst xmlns:a="http://schemas.openxmlformats.org/drawingml/2006/main" xmlns:r="http://schemas.openxmlformats.org/officeDocument/2006/relationships" xmlns:p="http://schemas.openxmlformats.org/presentationml/2006/main">
-  <p:tag name="DVSHAPEID" val="Prnlx7Chd74mq725PrmgrL"/>
-</p:tagLst>
-</file>
-
-<file path=ppt/tags/tag40.xml><?xml version="1.0" encoding="utf-8"?>
-<p:tagLst xmlns:a="http://schemas.openxmlformats.org/drawingml/2006/main" xmlns:r="http://schemas.openxmlformats.org/officeDocument/2006/relationships" xmlns:p="http://schemas.openxmlformats.org/presentationml/2006/main">
-  <p:tag name="DVSHAPEID" val="LALgDC9fc8tHtOkDdJdtdq"/>
-</p:tagLst>
-</file>
-
-<file path=ppt/tags/tag41.xml><?xml version="1.0" encoding="utf-8"?>
-<p:tagLst xmlns:a="http://schemas.openxmlformats.org/drawingml/2006/main" xmlns:r="http://schemas.openxmlformats.org/officeDocument/2006/relationships" xmlns:p="http://schemas.openxmlformats.org/presentationml/2006/main">
-  <p:tag name="DVSHAPEID" val="El0rNXqa8AXZk4IvktMddL"/>
-</p:tagLst>
-</file>
-
-<file path=ppt/tags/tag42.xml><?xml version="1.0" encoding="utf-8"?>
-<p:tagLst xmlns:a="http://schemas.openxmlformats.org/drawingml/2006/main" xmlns:r="http://schemas.openxmlformats.org/officeDocument/2006/relationships" xmlns:p="http://schemas.openxmlformats.org/presentationml/2006/main">
-  <p:tag name="DVSHAPEID" val="5I3IDRKJYs0lVpfcObP1ZS"/>
-</p:tagLst>
-</file>
-
-<file path=ppt/tags/tag43.xml><?xml version="1.0" encoding="utf-8"?>
-<p:tagLst xmlns:a="http://schemas.openxmlformats.org/drawingml/2006/main" xmlns:r="http://schemas.openxmlformats.org/officeDocument/2006/relationships" xmlns:p="http://schemas.openxmlformats.org/presentationml/2006/main">
-  <p:tag name="DVSHAPEID" val="KtufUHpJGZdTgin4kyppCu"/>
-</p:tagLst>
-</file>
-
-<file path=ppt/tags/tag44.xml><?xml version="1.0" encoding="utf-8"?>
-<p:tagLst xmlns:a="http://schemas.openxmlformats.org/drawingml/2006/main" xmlns:r="http://schemas.openxmlformats.org/officeDocument/2006/relationships" xmlns:p="http://schemas.openxmlformats.org/presentationml/2006/main">
-  <p:tag name="DVSHAPEID" val="ZZ8jg8FBobLcYzeoX3keM0"/>
-</p:tagLst>
-</file>
-
-<file path=ppt/tags/tag45.xml><?xml version="1.0" encoding="utf-8"?>
-<p:tagLst xmlns:a="http://schemas.openxmlformats.org/drawingml/2006/main" xmlns:r="http://schemas.openxmlformats.org/officeDocument/2006/relationships" xmlns:p="http://schemas.openxmlformats.org/presentationml/2006/main">
-  <p:tag name="DVSHAPEID" val="728XOJRgCAffuv7Brg45B2"/>
-</p:tagLst>
-</file>
-
-<file path=ppt/tags/tag46.xml><?xml version="1.0" encoding="utf-8"?>
-<p:tagLst xmlns:a="http://schemas.openxmlformats.org/drawingml/2006/main" xmlns:r="http://schemas.openxmlformats.org/officeDocument/2006/relationships" xmlns:p="http://schemas.openxmlformats.org/presentationml/2006/main">
-  <p:tag name="DVSHAPEID" val="74jOPWBm5nIYR6aikVK8ya"/>
-</p:tagLst>
-</file>
-
-<file path=ppt/tags/tag47.xml><?xml version="1.0" encoding="utf-8"?>
-<p:tagLst xmlns:a="http://schemas.openxmlformats.org/drawingml/2006/main" xmlns:r="http://schemas.openxmlformats.org/officeDocument/2006/relationships" xmlns:p="http://schemas.openxmlformats.org/presentationml/2006/main">
-  <p:tag name="DVSHAPEID" val="WI4JgmB3aHp4U4D0UVEfvS"/>
-</p:tagLst>
-</file>
-
-<file path=ppt/tags/tag48.xml><?xml version="1.0" encoding="utf-8"?>
-<p:tagLst xmlns:a="http://schemas.openxmlformats.org/drawingml/2006/main" xmlns:r="http://schemas.openxmlformats.org/officeDocument/2006/relationships" xmlns:p="http://schemas.openxmlformats.org/presentationml/2006/main">
-  <p:tag name="DVSHAPEID" val="xvD1q8W8lstW7BJ5FfK1d1"/>
-</p:tagLst>
-</file>
-
-<file path=ppt/tags/tag49.xml><?xml version="1.0" encoding="utf-8"?>
-<p:tagLst xmlns:a="http://schemas.openxmlformats.org/drawingml/2006/main" xmlns:r="http://schemas.openxmlformats.org/officeDocument/2006/relationships" xmlns:p="http://schemas.openxmlformats.org/presentationml/2006/main">
-  <p:tag name="DVSHAPEID" val="zMb5Ek1OtjF4bz6fVt71lW"/>
-</p:tagLst>
-</file>
-
-<file path=ppt/tags/tag5.xml><?xml version="1.0" encoding="utf-8"?>
-<p:tagLst xmlns:a="http://schemas.openxmlformats.org/drawingml/2006/main" xmlns:r="http://schemas.openxmlformats.org/officeDocument/2006/relationships" xmlns:p="http://schemas.openxmlformats.org/presentationml/2006/main">
-  <p:tag name="DVSHAPEID" val="Q4NVIGbLqLsecjaXxuHaDR"/>
-</p:tagLst>
-</file>
-
-<file path=ppt/tags/tag50.xml><?xml version="1.0" encoding="utf-8"?>
-<p:tagLst xmlns:a="http://schemas.openxmlformats.org/drawingml/2006/main" xmlns:r="http://schemas.openxmlformats.org/officeDocument/2006/relationships" xmlns:p="http://schemas.openxmlformats.org/presentationml/2006/main">
-  <p:tag name="DVSHAPEID" val="BXW2gOgpvtEvWQPktC7wZa"/>
-</p:tagLst>
-</file>
-
-<file path=ppt/tags/tag51.xml><?xml version="1.0" encoding="utf-8"?>
-<p:tagLst xmlns:a="http://schemas.openxmlformats.org/drawingml/2006/main" xmlns:r="http://schemas.openxmlformats.org/officeDocument/2006/relationships" xmlns:p="http://schemas.openxmlformats.org/presentationml/2006/main">
-  <p:tag name="DVSHAPEID" val="h3p9ZpjhUbFCbd9C3cy4Nb"/>
-</p:tagLst>
-</file>
-
-<file path=ppt/tags/tag52.xml><?xml version="1.0" encoding="utf-8"?>
-<p:tagLst xmlns:a="http://schemas.openxmlformats.org/drawingml/2006/main" xmlns:r="http://schemas.openxmlformats.org/officeDocument/2006/relationships" xmlns:p="http://schemas.openxmlformats.org/presentationml/2006/main">
-  <p:tag name="DVSHAPEID" val="pFDfqBZvTPXqGTC6OQ6ezs"/>
-</p:tagLst>
-</file>
-
-<file path=ppt/tags/tag53.xml><?xml version="1.0" encoding="utf-8"?>
-<p:tagLst xmlns:a="http://schemas.openxmlformats.org/drawingml/2006/main" xmlns:r="http://schemas.openxmlformats.org/officeDocument/2006/relationships" xmlns:p="http://schemas.openxmlformats.org/presentationml/2006/main">
-  <p:tag name="DVSHAPEID" val="QjFCbRyUXVm5DJwJZIhphP"/>
-</p:tagLst>
-</file>
-
-<file path=ppt/tags/tag54.xml><?xml version="1.0" encoding="utf-8"?>
-<p:tagLst xmlns:a="http://schemas.openxmlformats.org/drawingml/2006/main" xmlns:r="http://schemas.openxmlformats.org/officeDocument/2006/relationships" xmlns:p="http://schemas.openxmlformats.org/presentationml/2006/main">
-  <p:tag name="DVSHAPEID" val="FKxfZWoIXzCWPjAOp8WZS2"/>
-</p:tagLst>
-</file>
-
-<file path=ppt/tags/tag55.xml><?xml version="1.0" encoding="utf-8"?>
-<p:tagLst xmlns:a="http://schemas.openxmlformats.org/drawingml/2006/main" xmlns:r="http://schemas.openxmlformats.org/officeDocument/2006/relationships" xmlns:p="http://schemas.openxmlformats.org/presentationml/2006/main">
-  <p:tag name="DVSHAPEID" val="3BfSA5RoWaa0DU4WRCwfXN"/>
-</p:tagLst>
-</file>
-
-<file path=ppt/tags/tag56.xml><?xml version="1.0" encoding="utf-8"?>
-<p:tagLst xmlns:a="http://schemas.openxmlformats.org/drawingml/2006/main" xmlns:r="http://schemas.openxmlformats.org/officeDocument/2006/relationships" xmlns:p="http://schemas.openxmlformats.org/presentationml/2006/main">
-  <p:tag name="DVSHAPEID" val="sGUc9ai8siXDGVZ6mjQzCr"/>
-</p:tagLst>
-</file>
-
-<file path=ppt/tags/tag57.xml><?xml version="1.0" encoding="utf-8"?>
-<p:tagLst xmlns:a="http://schemas.openxmlformats.org/drawingml/2006/main" xmlns:r="http://schemas.openxmlformats.org/officeDocument/2006/relationships" xmlns:p="http://schemas.openxmlformats.org/presentationml/2006/main">
-  <p:tag name="DVSHAPEID" val="MPGFJthksD4f8zYnVG5OHS"/>
-</p:tagLst>
-</file>
-
-<file path=ppt/tags/tag58.xml><?xml version="1.0" encoding="utf-8"?>
-<p:tagLst xmlns:a="http://schemas.openxmlformats.org/drawingml/2006/main" xmlns:r="http://schemas.openxmlformats.org/officeDocument/2006/relationships" xmlns:p="http://schemas.openxmlformats.org/presentationml/2006/main">
-  <p:tag name="DVSHAPEID" val="30d9WKfdpob0U4wtrPR8Pk"/>
-</p:tagLst>
-</file>
-
-<file path=ppt/tags/tag59.xml><?xml version="1.0" encoding="utf-8"?>
-<p:tagLst xmlns:a="http://schemas.openxmlformats.org/drawingml/2006/main" xmlns:r="http://schemas.openxmlformats.org/officeDocument/2006/relationships" xmlns:p="http://schemas.openxmlformats.org/presentationml/2006/main">
-  <p:tag name="DVSHAPEID" val="yqNq8Zn9tOKTLFszxx4fdF"/>
-</p:tagLst>
-</file>
-
-<file path=ppt/tags/tag6.xml><?xml version="1.0" encoding="utf-8"?>
-<p:tagLst xmlns:a="http://schemas.openxmlformats.org/drawingml/2006/main" xmlns:r="http://schemas.openxmlformats.org/officeDocument/2006/relationships" xmlns:p="http://schemas.openxmlformats.org/presentationml/2006/main">
-  <p:tag name="DVSHAPEID" val="5E1fChdno1B4BixBoW5rGj"/>
-</p:tagLst>
-</file>
-
-<file path=ppt/tags/tag60.xml><?xml version="1.0" encoding="utf-8"?>
-<p:tagLst xmlns:a="http://schemas.openxmlformats.org/drawingml/2006/main" xmlns:r="http://schemas.openxmlformats.org/officeDocument/2006/relationships" xmlns:p="http://schemas.openxmlformats.org/presentationml/2006/main">
-  <p:tag name="DVSHAPEID" val="47EUQsegWz2IrMlvCgQfVn"/>
-</p:tagLst>
-</file>
-
-<file path=ppt/tags/tag61.xml><?xml version="1.0" encoding="utf-8"?>
-<p:tagLst xmlns:a="http://schemas.openxmlformats.org/drawingml/2006/main" xmlns:r="http://schemas.openxmlformats.org/officeDocument/2006/relationships" xmlns:p="http://schemas.openxmlformats.org/presentationml/2006/main">
-  <p:tag name="DVSHAPEID" val="g0iQ1Rhk4A6SmFMd8UUcRb"/>
-</p:tagLst>
-</file>
-
-<file path=ppt/tags/tag62.xml><?xml version="1.0" encoding="utf-8"?>
-<p:tagLst xmlns:a="http://schemas.openxmlformats.org/drawingml/2006/main" xmlns:r="http://schemas.openxmlformats.org/officeDocument/2006/relationships" xmlns:p="http://schemas.openxmlformats.org/presentationml/2006/main">
-  <p:tag name="DVSHAPEID" val="R2eFe1VNpYKHRDBZrnYCus"/>
-</p:tagLst>
-</file>
-
-<file path=ppt/tags/tag63.xml><?xml version="1.0" encoding="utf-8"?>
-<p:tagLst xmlns:a="http://schemas.openxmlformats.org/drawingml/2006/main" xmlns:r="http://schemas.openxmlformats.org/officeDocument/2006/relationships" xmlns:p="http://schemas.openxmlformats.org/presentationml/2006/main">
-  <p:tag name="DVSHAPEID" val="CyqGJo8VlIv59gClDgphb8"/>
-</p:tagLst>
-</file>
-
-<file path=ppt/tags/tag64.xml><?xml version="1.0" encoding="utf-8"?>
-<p:tagLst xmlns:a="http://schemas.openxmlformats.org/drawingml/2006/main" xmlns:r="http://schemas.openxmlformats.org/officeDocument/2006/relationships" xmlns:p="http://schemas.openxmlformats.org/presentationml/2006/main">
-  <p:tag name="DVSECTIONID" val="2XWr3HSZJfLugYrDJ068A5"/>
-</p:tagLst>
-</file>
-
-<file path=ppt/tags/tag65.xml><?xml version="1.0" encoding="utf-8"?>
-<p:tagLst xmlns:a="http://schemas.openxmlformats.org/drawingml/2006/main" xmlns:r="http://schemas.openxmlformats.org/officeDocument/2006/relationships" xmlns:p="http://schemas.openxmlformats.org/presentationml/2006/main">
-  <p:tag name="DVSHAPEID" val="YNvbgY3RMHBOfyZrhBBkxC"/>
-</p:tagLst>
-</file>
-
-<file path=ppt/tags/tag66.xml><?xml version="1.0" encoding="utf-8"?>
-<p:tagLst xmlns:a="http://schemas.openxmlformats.org/drawingml/2006/main" xmlns:r="http://schemas.openxmlformats.org/officeDocument/2006/relationships" xmlns:p="http://schemas.openxmlformats.org/presentationml/2006/main">
-  <p:tag name="DVSHAPEID" val="DGvOyKu5dU44sIH6pruNoW"/>
-</p:tagLst>
-</file>
-
-<file path=ppt/tags/tag67.xml><?xml version="1.0" encoding="utf-8"?>
-<p:tagLst xmlns:a="http://schemas.openxmlformats.org/drawingml/2006/main" xmlns:r="http://schemas.openxmlformats.org/officeDocument/2006/relationships" xmlns:p="http://schemas.openxmlformats.org/presentationml/2006/main">
-  <p:tag name="DVSHAPEID" val="GwtCdVPwLtImaPGrqinHuG"/>
-</p:tagLst>
-</file>
-
-<file path=ppt/tags/tag68.xml><?xml version="1.0" encoding="utf-8"?>
-<p:tagLst xmlns:a="http://schemas.openxmlformats.org/drawingml/2006/main" xmlns:r="http://schemas.openxmlformats.org/officeDocument/2006/relationships" xmlns:p="http://schemas.openxmlformats.org/presentationml/2006/main">
-  <p:tag name="DVSHAPEID" val="Jb6hKabaPJdGZYlVxyfH9A"/>
-</p:tagLst>
-</file>
-
-<file path=ppt/tags/tag69.xml><?xml version="1.0" encoding="utf-8"?>
-<p:tagLst xmlns:a="http://schemas.openxmlformats.org/drawingml/2006/main" xmlns:r="http://schemas.openxmlformats.org/officeDocument/2006/relationships" xmlns:p="http://schemas.openxmlformats.org/presentationml/2006/main">
-  <p:tag name="DVSHAPEID" val="m6xRqX1bqHrZMhwWaFkBEY"/>
-</p:tagLst>
-</file>
-
-<file path=ppt/tags/tag7.xml><?xml version="1.0" encoding="utf-8"?>
-<p:tagLst xmlns:a="http://schemas.openxmlformats.org/drawingml/2006/main" xmlns:r="http://schemas.openxmlformats.org/officeDocument/2006/relationships" xmlns:p="http://schemas.openxmlformats.org/presentationml/2006/main">
-  <p:tag name="DVSHAPEID" val="UcVIVRTRyg7ZY9Us3Ty3mq"/>
-</p:tagLst>
-</file>
-
-<file path=ppt/tags/tag70.xml><?xml version="1.0" encoding="utf-8"?>
-<p:tagLst xmlns:a="http://schemas.openxmlformats.org/drawingml/2006/main" xmlns:r="http://schemas.openxmlformats.org/officeDocument/2006/relationships" xmlns:p="http://schemas.openxmlformats.org/presentationml/2006/main">
-  <p:tag name="DVSECTIONID" val="fSI1SWM36LVjHhdmXNDUIO"/>
-</p:tagLst>
-</file>
-
-<file path=ppt/tags/tag71.xml><?xml version="1.0" encoding="utf-8"?>
-<p:tagLst xmlns:a="http://schemas.openxmlformats.org/drawingml/2006/main" xmlns:r="http://schemas.openxmlformats.org/officeDocument/2006/relationships" xmlns:p="http://schemas.openxmlformats.org/presentationml/2006/main">
-  <p:tag name="DVSHAPEID" val="8tPH6uLOrNx8P0JTKe8Djw"/>
-</p:tagLst>
-</file>
-
-<file path=ppt/tags/tag72.xml><?xml version="1.0" encoding="utf-8"?>
-<p:tagLst xmlns:a="http://schemas.openxmlformats.org/drawingml/2006/main" xmlns:r="http://schemas.openxmlformats.org/officeDocument/2006/relationships" xmlns:p="http://schemas.openxmlformats.org/presentationml/2006/main">
-  <p:tag name="DVSHAPEID" val="fZc3oBoAnxWoX42IRwqBfE"/>
-</p:tagLst>
-</file>
-
-<file path=ppt/tags/tag73.xml><?xml version="1.0" encoding="utf-8"?>
-<p:tagLst xmlns:a="http://schemas.openxmlformats.org/drawingml/2006/main" xmlns:r="http://schemas.openxmlformats.org/officeDocument/2006/relationships" xmlns:p="http://schemas.openxmlformats.org/presentationml/2006/main">
-  <p:tag name="DVSECTIONID" val="KqhQqL9txX1WI3J1OWdG90"/>
-</p:tagLst>
-</file>
-
-<file path=ppt/tags/tag74.xml><?xml version="1.0" encoding="utf-8"?>
+<file path=ppt/tags/tag9.xml><?xml version="1.0" encoding="utf-8"?>
 <p:tagLst xmlns:a="http://schemas.openxmlformats.org/drawingml/2006/main" xmlns:r="http://schemas.openxmlformats.org/officeDocument/2006/relationships" xmlns:p="http://schemas.openxmlformats.org/presentationml/2006/main">
   <p:tag name="DVSHAPEID" val="sDswchU5s1ECePv26aqRq0"/>
 </p:tagLst>
 </file>
 
-<file path=ppt/tags/tag75.xml><?xml version="1.0" encoding="utf-8"?>
-<p:tagLst xmlns:a="http://schemas.openxmlformats.org/drawingml/2006/main" xmlns:r="http://schemas.openxmlformats.org/officeDocument/2006/relationships" xmlns:p="http://schemas.openxmlformats.org/presentationml/2006/main">
-  <p:tag name="DVSHAPEID" val="cr2FQ1nCcHgAxzASo6Fh5U"/>
-</p:tagLst>
-</file>
-
-<file path=ppt/tags/tag76.xml><?xml version="1.0" encoding="utf-8"?>
-<p:tagLst xmlns:a="http://schemas.openxmlformats.org/drawingml/2006/main" xmlns:r="http://schemas.openxmlformats.org/officeDocument/2006/relationships" xmlns:p="http://schemas.openxmlformats.org/presentationml/2006/main">
-  <p:tag name="DVSHAPEID" val="JkPcdOpgbndrq1txqTIPOX"/>
-</p:tagLst>
-</file>
-
-<file path=ppt/tags/tag77.xml><?xml version="1.0" encoding="utf-8"?>
-<p:tagLst xmlns:a="http://schemas.openxmlformats.org/drawingml/2006/main" xmlns:r="http://schemas.openxmlformats.org/officeDocument/2006/relationships" xmlns:p="http://schemas.openxmlformats.org/presentationml/2006/main">
-  <p:tag name="DVSECTIONID" val="zWgapm2iuGnq7iJ2v1TCeY"/>
-</p:tagLst>
-</file>
-
-<file path=ppt/tags/tag78.xml><?xml version="1.0" encoding="utf-8"?>
-<p:tagLst xmlns:a="http://schemas.openxmlformats.org/drawingml/2006/main" xmlns:r="http://schemas.openxmlformats.org/officeDocument/2006/relationships" xmlns:p="http://schemas.openxmlformats.org/presentationml/2006/main">
-  <p:tag name="DVSHAPEID" val="lDiWseLkb9ViHIPENzdWwS"/>
-</p:tagLst>
-</file>
-
-<file path=ppt/tags/tag79.xml><?xml version="1.0" encoding="utf-8"?>
-<p:tagLst xmlns:a="http://schemas.openxmlformats.org/drawingml/2006/main" xmlns:r="http://schemas.openxmlformats.org/officeDocument/2006/relationships" xmlns:p="http://schemas.openxmlformats.org/presentationml/2006/main">
-  <p:tag name="DVSHAPEID" val="m58zoQFMzf6MYbThmbuQb4"/>
-</p:tagLst>
-</file>
-
-<file path=ppt/tags/tag8.xml><?xml version="1.0" encoding="utf-8"?>
-<p:tagLst xmlns:a="http://schemas.openxmlformats.org/drawingml/2006/main" xmlns:r="http://schemas.openxmlformats.org/officeDocument/2006/relationships" xmlns:p="http://schemas.openxmlformats.org/presentationml/2006/main">
-  <p:tag name="DVSHAPEID" val="C8IRqW5K4baLKOkTmmuwsk"/>
-</p:tagLst>
-</file>
-
-<file path=ppt/tags/tag80.xml><?xml version="1.0" encoding="utf-8"?>
-<p:tagLst xmlns:a="http://schemas.openxmlformats.org/drawingml/2006/main" xmlns:r="http://schemas.openxmlformats.org/officeDocument/2006/relationships" xmlns:p="http://schemas.openxmlformats.org/presentationml/2006/main">
-  <p:tag name="DVSHAPEID" val="w8jLHM59CRqthcNTPUEpzF"/>
-</p:tagLst>
-</file>
-
-<file path=ppt/tags/tag81.xml><?xml version="1.0" encoding="utf-8"?>
-<p:tagLst xmlns:a="http://schemas.openxmlformats.org/drawingml/2006/main" xmlns:r="http://schemas.openxmlformats.org/officeDocument/2006/relationships" xmlns:p="http://schemas.openxmlformats.org/presentationml/2006/main">
-  <p:tag name="DVSHAPEID" val="cVJEKwc1sFHhy0fD8THpCe"/>
-</p:tagLst>
-</file>
-
-<file path=ppt/tags/tag82.xml><?xml version="1.0" encoding="utf-8"?>
-<p:tagLst xmlns:a="http://schemas.openxmlformats.org/drawingml/2006/main" xmlns:r="http://schemas.openxmlformats.org/officeDocument/2006/relationships" xmlns:p="http://schemas.openxmlformats.org/presentationml/2006/main">
-  <p:tag name="DVSECTIONID" val="hLzaDWZHG1EKRlzgmNrfsl"/>
-</p:tagLst>
-</file>
-
-<file path=ppt/tags/tag83.xml><?xml version="1.0" encoding="utf-8"?>
-<p:tagLst xmlns:a="http://schemas.openxmlformats.org/drawingml/2006/main" xmlns:r="http://schemas.openxmlformats.org/officeDocument/2006/relationships" xmlns:p="http://schemas.openxmlformats.org/presentationml/2006/main">
-  <p:tag name="DVSHAPEID" val="lvUHttmzcMuRWn131yWApL"/>
-</p:tagLst>
-</file>
-
-<file path=ppt/tags/tag84.xml><?xml version="1.0" encoding="utf-8"?>
-<p:tagLst xmlns:a="http://schemas.openxmlformats.org/drawingml/2006/main" xmlns:r="http://schemas.openxmlformats.org/officeDocument/2006/relationships" xmlns:p="http://schemas.openxmlformats.org/presentationml/2006/main">
-  <p:tag name="DVSHAPEID" val="LZDNDbMLI92XAeJ32JFStU"/>
-</p:tagLst>
-</file>
-
-<file path=ppt/tags/tag85.xml><?xml version="1.0" encoding="utf-8"?>
-<p:tagLst xmlns:a="http://schemas.openxmlformats.org/drawingml/2006/main" xmlns:r="http://schemas.openxmlformats.org/officeDocument/2006/relationships" xmlns:p="http://schemas.openxmlformats.org/presentationml/2006/main">
-  <p:tag name="DVSHAPEID" val="MH4RC5S8t1OzJU3GPaNr3k"/>
-</p:tagLst>
-</file>
-
-<file path=ppt/tags/tag86.xml><?xml version="1.0" encoding="utf-8"?>
-<p:tagLst xmlns:a="http://schemas.openxmlformats.org/drawingml/2006/main" xmlns:r="http://schemas.openxmlformats.org/officeDocument/2006/relationships" xmlns:p="http://schemas.openxmlformats.org/presentationml/2006/main">
-  <p:tag name="DVSHAPEID" val="OYNNjYvcVwiQcWJMzGSAG0"/>
-</p:tagLst>
-</file>
-
-<file path=ppt/tags/tag87.xml><?xml version="1.0" encoding="utf-8"?>
-<p:tagLst xmlns:a="http://schemas.openxmlformats.org/drawingml/2006/main" xmlns:r="http://schemas.openxmlformats.org/officeDocument/2006/relationships" xmlns:p="http://schemas.openxmlformats.org/presentationml/2006/main">
-  <p:tag name="DVSECTIONID" val="yhVriMrcMxMBEvBfJ6iNZl"/>
-</p:tagLst>
-</file>
-
-<file path=ppt/tags/tag88.xml><?xml version="1.0" encoding="utf-8"?>
-<p:tagLst xmlns:a="http://schemas.openxmlformats.org/drawingml/2006/main" xmlns:r="http://schemas.openxmlformats.org/officeDocument/2006/relationships" xmlns:p="http://schemas.openxmlformats.org/presentationml/2006/main">
-  <p:tag name="DVSHAPEID" val="90uPZmUu51RrS53OLUCh6h"/>
-</p:tagLst>
-</file>
-
-<file path=ppt/tags/tag89.xml><?xml version="1.0" encoding="utf-8"?>
-<p:tagLst xmlns:a="http://schemas.openxmlformats.org/drawingml/2006/main" xmlns:r="http://schemas.openxmlformats.org/officeDocument/2006/relationships" xmlns:p="http://schemas.openxmlformats.org/presentationml/2006/main">
-  <p:tag name="DVSHAPEID" val="hSI7X2B6ytEOPMiuY9hrrg"/>
-</p:tagLst>
-</file>
-
-<file path=ppt/tags/tag9.xml><?xml version="1.0" encoding="utf-8"?>
-<p:tagLst xmlns:a="http://schemas.openxmlformats.org/drawingml/2006/main" xmlns:r="http://schemas.openxmlformats.org/officeDocument/2006/relationships" xmlns:p="http://schemas.openxmlformats.org/presentationml/2006/main">
-  <p:tag name="DVSHAPEID" val="WCjoHWTbTDWtzM03rXLNbV"/>
-</p:tagLst>
-</file>
-
-<file path=ppt/tags/tag90.xml><?xml version="1.0" encoding="utf-8"?>
-<p:tagLst xmlns:a="http://schemas.openxmlformats.org/drawingml/2006/main" xmlns:r="http://schemas.openxmlformats.org/officeDocument/2006/relationships" xmlns:p="http://schemas.openxmlformats.org/presentationml/2006/main">
-  <p:tag name="DVSHAPEID" val="ZK3DIKVYXpURJB6RpRTZtn"/>
-</p:tagLst>
-</file>
-
-<file path=ppt/tags/tag91.xml><?xml version="1.0" encoding="utf-8"?>
-<p:tagLst xmlns:a="http://schemas.openxmlformats.org/drawingml/2006/main" xmlns:r="http://schemas.openxmlformats.org/officeDocument/2006/relationships" xmlns:p="http://schemas.openxmlformats.org/presentationml/2006/main">
-  <p:tag name="DVSECTIONID" val="MnrnsfE6bYvWchebDdguf7"/>
-</p:tagLst>
-</file>
-
-<file path=ppt/tags/tag92.xml><?xml version="1.0" encoding="utf-8"?>
-<p:tagLst xmlns:a="http://schemas.openxmlformats.org/drawingml/2006/main" xmlns:r="http://schemas.openxmlformats.org/officeDocument/2006/relationships" xmlns:p="http://schemas.openxmlformats.org/presentationml/2006/main">
-  <p:tag name="DVSHAPEID" val="N4ghwgVsZEQ1TX4jkQazvf"/>
-</p:tagLst>
-</file>
-
-<file path=ppt/tags/tag93.xml><?xml version="1.0" encoding="utf-8"?>
-<p:tagLst xmlns:a="http://schemas.openxmlformats.org/drawingml/2006/main" xmlns:r="http://schemas.openxmlformats.org/officeDocument/2006/relationships" xmlns:p="http://schemas.openxmlformats.org/presentationml/2006/main">
-  <p:tag name="DVSHAPEID" val="TX3Hn6KpxsMBXZmreF3upf"/>
-</p:tagLst>
-</file>
-
-<file path=ppt/tags/tag94.xml><?xml version="1.0" encoding="utf-8"?>
-<p:tagLst xmlns:a="http://schemas.openxmlformats.org/drawingml/2006/main" xmlns:r="http://schemas.openxmlformats.org/officeDocument/2006/relationships" xmlns:p="http://schemas.openxmlformats.org/presentationml/2006/main">
-  <p:tag name="DVSHAPEID" val="0HI9N5x3OTRxaidPSOIz7o"/>
-</p:tagLst>
-</file>
-
-<file path=ppt/tags/tag95.xml><?xml version="1.0" encoding="utf-8"?>
-<p:tagLst xmlns:a="http://schemas.openxmlformats.org/drawingml/2006/main" xmlns:r="http://schemas.openxmlformats.org/officeDocument/2006/relationships" xmlns:p="http://schemas.openxmlformats.org/presentationml/2006/main">
-  <p:tag name="DVSECTIONID" val="YfG4E73kWElduy0UjbxFmN"/>
-</p:tagLst>
-</file>
-
-<file path=ppt/tags/tag96.xml><?xml version="1.0" encoding="utf-8"?>
-<p:tagLst xmlns:a="http://schemas.openxmlformats.org/drawingml/2006/main" xmlns:r="http://schemas.openxmlformats.org/officeDocument/2006/relationships" xmlns:p="http://schemas.openxmlformats.org/presentationml/2006/main">
-  <p:tag name="DVSHAPEID" val="eh04WSBvw0QEXlYejESuDS"/>
-</p:tagLst>
-</file>
-
-<file path=ppt/tags/tag97.xml><?xml version="1.0" encoding="utf-8"?>
-<p:tagLst xmlns:a="http://schemas.openxmlformats.org/drawingml/2006/main" xmlns:r="http://schemas.openxmlformats.org/officeDocument/2006/relationships" xmlns:p="http://schemas.openxmlformats.org/presentationml/2006/main">
-  <p:tag name="DVSHAPEID" val="JpO4dpMeMP8Ctq8I8ErinR"/>
-</p:tagLst>
-</file>
-
-<file path=ppt/tags/tag98.xml><?xml version="1.0" encoding="utf-8"?>
-<p:tagLst xmlns:a="http://schemas.openxmlformats.org/drawingml/2006/main" xmlns:r="http://schemas.openxmlformats.org/officeDocument/2006/relationships" xmlns:p="http://schemas.openxmlformats.org/presentationml/2006/main">
-  <p:tag name="DVSHAPEID" val="HwlSQDv3HCKlxAgSFcJie0"/>
-</p:tagLst>
-</file>
-
-<file path=ppt/tags/tag99.xml><?xml version="1.0" encoding="utf-8"?>
-<p:tagLst xmlns:a="http://schemas.openxmlformats.org/drawingml/2006/main" xmlns:r="http://schemas.openxmlformats.org/officeDocument/2006/relationships" xmlns:p="http://schemas.openxmlformats.org/presentationml/2006/main">
-  <p:tag name="DVSECTIONID" val="5Hij0xt5xu6EobHoAx3Q1R"/>
-</p:tagLst>
-</file>
-
 <file path=ppt/theme/theme1.xml><?xml version="1.0" encoding="utf-8"?>
-<a:theme xmlns:a="http://schemas.openxmlformats.org/drawingml/2006/main" name="BlackTheme">
+<a:theme xmlns:a="http://schemas.openxmlformats.org/drawingml/2006/main" name="Office Theme">
   <a:themeElements>
     <a:clrScheme name="Office">
       <a:dk1>
@@ -11240,6 +10192,7 @@
         <a:font script="Mong" typeface="Mongolian Baiti"/>
         <a:font script="Viet" typeface="Times New Roman"/>
         <a:font script="Uigh" typeface="Microsoft Uighur"/>
+        <a:font script="Geor" typeface="Sylfaen"/>
       </a:majorFont>
       <a:minorFont>
         <a:latin typeface="Calibri"/>
@@ -11274,6 +10227,7 @@
         <a:font script="Mong" typeface="Mongolian Baiti"/>
         <a:font script="Viet" typeface="Arial"/>
         <a:font script="Uigh" typeface="Microsoft Uighur"/>
+        <a:font script="Geor" typeface="Sylfaen"/>
       </a:minorFont>
     </a:fontScheme>
     <a:fmtScheme name="Office">
@@ -11308,20 +10262,16 @@
           <a:gsLst>
             <a:gs pos="0">
               <a:schemeClr val="phClr">
-                <a:shade val="51000"/>
-                <a:satMod val="130000"/>
-              </a:schemeClr>
-            </a:gs>
-            <a:gs pos="80000">
-              <a:schemeClr val="phClr">
-                <a:shade val="93000"/>
+                <a:tint val="100000"/>
+                <a:shade val="100000"/>
                 <a:satMod val="130000"/>
               </a:schemeClr>
             </a:gs>
             <a:gs pos="100000">
               <a:schemeClr val="phClr">
-                <a:shade val="94000"/>
-                <a:satMod val="135000"/>
+                <a:tint val="50000"/>
+                <a:shade val="100000"/>
+                <a:satMod val="350000"/>
               </a:schemeClr>
             </a:gs>
           </a:gsLst>
@@ -11443,7 +10393,46 @@
       </a:bgFillStyleLst>
     </a:fmtScheme>
   </a:themeElements>
-  <a:objectDefaults/>
+  <a:objectDefaults>
+    <a:spDef>
+      <a:spPr/>
+      <a:bodyPr/>
+      <a:lstStyle/>
+      <a:style>
+        <a:lnRef idx="1">
+          <a:schemeClr val="accent1"/>
+        </a:lnRef>
+        <a:fillRef idx="3">
+          <a:schemeClr val="accent1"/>
+        </a:fillRef>
+        <a:effectRef idx="2">
+          <a:schemeClr val="accent1"/>
+        </a:effectRef>
+        <a:fontRef idx="minor">
+          <a:schemeClr val="lt1"/>
+        </a:fontRef>
+      </a:style>
+    </a:spDef>
+    <a:lnDef>
+      <a:spPr/>
+      <a:bodyPr/>
+      <a:lstStyle/>
+      <a:style>
+        <a:lnRef idx="2">
+          <a:schemeClr val="accent1"/>
+        </a:lnRef>
+        <a:fillRef idx="0">
+          <a:schemeClr val="accent1"/>
+        </a:fillRef>
+        <a:effectRef idx="1">
+          <a:schemeClr val="accent1"/>
+        </a:effectRef>
+        <a:fontRef idx="minor">
+          <a:schemeClr val="tx1"/>
+        </a:fontRef>
+      </a:style>
+    </a:lnDef>
+  </a:objectDefaults>
   <a:extraClrSchemeLst/>
 </a:theme>
 </file>

--- a/ppt/Diapositivas.pptx
+++ b/ppt/Diapositivas.pptx
@@ -5,31 +5,34 @@
     <p:sldMasterId id="2147483696" r:id="rId1"/>
   </p:sldMasterIdLst>
   <p:notesMasterIdLst>
-    <p:notesMasterId r:id="rId24"/>
+    <p:notesMasterId r:id="rId27"/>
   </p:notesMasterIdLst>
   <p:sldIdLst>
     <p:sldId id="256" r:id="rId2"/>
-    <p:sldId id="460" r:id="rId3"/>
-    <p:sldId id="461" r:id="rId4"/>
-    <p:sldId id="448" r:id="rId5"/>
-    <p:sldId id="449" r:id="rId6"/>
-    <p:sldId id="464" r:id="rId7"/>
-    <p:sldId id="463" r:id="rId8"/>
-    <p:sldId id="473" r:id="rId9"/>
-    <p:sldId id="462" r:id="rId10"/>
-    <p:sldId id="450" r:id="rId11"/>
-    <p:sldId id="456" r:id="rId12"/>
-    <p:sldId id="469" r:id="rId13"/>
-    <p:sldId id="453" r:id="rId14"/>
-    <p:sldId id="466" r:id="rId15"/>
-    <p:sldId id="465" r:id="rId16"/>
-    <p:sldId id="470" r:id="rId17"/>
-    <p:sldId id="455" r:id="rId18"/>
-    <p:sldId id="457" r:id="rId19"/>
-    <p:sldId id="467" r:id="rId20"/>
-    <p:sldId id="468" r:id="rId21"/>
-    <p:sldId id="474" r:id="rId22"/>
-    <p:sldId id="475" r:id="rId23"/>
+    <p:sldId id="476" r:id="rId3"/>
+    <p:sldId id="460" r:id="rId4"/>
+    <p:sldId id="461" r:id="rId5"/>
+    <p:sldId id="448" r:id="rId6"/>
+    <p:sldId id="449" r:id="rId7"/>
+    <p:sldId id="464" r:id="rId8"/>
+    <p:sldId id="463" r:id="rId9"/>
+    <p:sldId id="473" r:id="rId10"/>
+    <p:sldId id="462" r:id="rId11"/>
+    <p:sldId id="450" r:id="rId12"/>
+    <p:sldId id="456" r:id="rId13"/>
+    <p:sldId id="469" r:id="rId14"/>
+    <p:sldId id="453" r:id="rId15"/>
+    <p:sldId id="466" r:id="rId16"/>
+    <p:sldId id="465" r:id="rId17"/>
+    <p:sldId id="470" r:id="rId18"/>
+    <p:sldId id="477" r:id="rId19"/>
+    <p:sldId id="478" r:id="rId20"/>
+    <p:sldId id="455" r:id="rId21"/>
+    <p:sldId id="457" r:id="rId22"/>
+    <p:sldId id="467" r:id="rId23"/>
+    <p:sldId id="468" r:id="rId24"/>
+    <p:sldId id="474" r:id="rId25"/>
+    <p:sldId id="475" r:id="rId26"/>
   </p:sldIdLst>
   <p:sldSz cx="9144000" cy="6858000" type="screen4x3"/>
   <p:notesSz cx="6858000" cy="9144000"/>
@@ -213,7 +216,7 @@
           <a:p>
             <a:fld id="{63D5FC4C-9EE1-4746-A368-724F618FC790}" type="datetimeFigureOut">
               <a:rPr lang="es-PE" smtClean="0"/>
-              <a:t>10/9/14</a:t>
+              <a:t>10/17/14</a:t>
             </a:fld>
             <a:endParaRPr lang="es-PE"/>
           </a:p>
@@ -609,10 +612,6 @@
           <a:bodyPr/>
           <a:lstStyle/>
           <a:p>
-            <a:r>
-              <a:rPr lang="es-PE" smtClean="0"/>
-              <a:t>http://sweetclipart.com/multisite/sweetclipart/files/question_mark_blue.png</a:t>
-            </a:r>
             <a:endParaRPr lang="es-PE" dirty="0"/>
           </a:p>
         </p:txBody>
@@ -697,6 +696,10 @@
           <a:bodyPr/>
           <a:lstStyle/>
           <a:p>
+            <a:r>
+              <a:rPr lang="es-PE" smtClean="0"/>
+              <a:t>http://sweetclipart.com/multisite/sweetclipart/files/question_mark_blue.png</a:t>
+            </a:r>
             <a:endParaRPr lang="es-PE" dirty="0"/>
           </a:p>
         </p:txBody>
@@ -727,7 +730,7 @@
     </p:spTree>
     <p:extLst>
       <p:ext uri="{BB962C8B-B14F-4D97-AF65-F5344CB8AC3E}">
-        <p14:creationId xmlns:p14="http://schemas.microsoft.com/office/powerpoint/2010/main" val="1461112982"/>
+        <p14:creationId xmlns:p14="http://schemas.microsoft.com/office/powerpoint/2010/main" val="3614550747"/>
       </p:ext>
     </p:extLst>
   </p:cSld>
@@ -865,113 +868,6 @@
           <a:bodyPr/>
           <a:lstStyle/>
           <a:p>
-            <a:pPr algn="l"/>
-            <a:r>
-              <a:rPr lang="es-PE" sz="1200" i="1" dirty="0" smtClean="0"/>
-              <a:t>Existe un gran catálogo de </a:t>
-            </a:r>
-            <a:r>
-              <a:rPr lang="es-PE" sz="1200" i="1" dirty="0" err="1" smtClean="0"/>
-              <a:t>refactorings</a:t>
-            </a:r>
-            <a:r>
-              <a:rPr lang="es-PE" sz="1200" i="1" baseline="0" dirty="0" smtClean="0"/>
-              <a:t> y la meta es tratar de practicar la mayor cantidad </a:t>
-            </a:r>
-            <a:endParaRPr lang="es-PE" sz="1200" i="1" dirty="0" smtClean="0"/>
-          </a:p>
-          <a:p>
-            <a:pPr algn="l"/>
-            <a:r>
-              <a:rPr lang="es-PE" sz="1200" i="1" dirty="0" smtClean="0"/>
-              <a:t>(</a:t>
-            </a:r>
-            <a:r>
-              <a:rPr lang="es-PE" sz="1200" i="1" dirty="0" err="1" smtClean="0"/>
-              <a:t>Move</a:t>
-            </a:r>
-            <a:r>
-              <a:rPr lang="es-PE" sz="1200" i="1" dirty="0" smtClean="0"/>
-              <a:t> </a:t>
-            </a:r>
-            <a:r>
-              <a:rPr lang="es-PE" sz="1200" i="1" dirty="0" err="1" smtClean="0"/>
-              <a:t>Method</a:t>
-            </a:r>
-            <a:r>
-              <a:rPr lang="es-PE" sz="1200" i="1" dirty="0" smtClean="0"/>
-              <a:t>, </a:t>
-            </a:r>
-            <a:r>
-              <a:rPr lang="es-PE" sz="1200" i="1" dirty="0" err="1" smtClean="0"/>
-              <a:t>Inline</a:t>
-            </a:r>
-            <a:r>
-              <a:rPr lang="es-PE" sz="1200" i="1" dirty="0" smtClean="0"/>
-              <a:t> </a:t>
-            </a:r>
-            <a:r>
-              <a:rPr lang="es-PE" sz="1200" i="1" dirty="0" err="1" smtClean="0"/>
-              <a:t>Method</a:t>
-            </a:r>
-            <a:r>
-              <a:rPr lang="es-PE" sz="1200" i="1" dirty="0" smtClean="0"/>
-              <a:t>, </a:t>
-            </a:r>
-            <a:r>
-              <a:rPr lang="es-PE" sz="1200" i="1" dirty="0" err="1" smtClean="0"/>
-              <a:t>Extract</a:t>
-            </a:r>
-            <a:r>
-              <a:rPr lang="es-PE" sz="1200" i="1" dirty="0" smtClean="0"/>
-              <a:t> Interface, </a:t>
-            </a:r>
-          </a:p>
-          <a:p>
-            <a:pPr algn="l"/>
-            <a:r>
-              <a:rPr lang="es-PE" sz="1200" i="1" dirty="0" err="1" smtClean="0"/>
-              <a:t>Replace</a:t>
-            </a:r>
-            <a:r>
-              <a:rPr lang="es-PE" sz="1200" i="1" dirty="0" smtClean="0"/>
-              <a:t> </a:t>
-            </a:r>
-            <a:r>
-              <a:rPr lang="es-PE" sz="1200" i="1" dirty="0" err="1" smtClean="0"/>
-              <a:t>Conditional</a:t>
-            </a:r>
-            <a:r>
-              <a:rPr lang="es-PE" sz="1200" i="1" dirty="0" smtClean="0"/>
-              <a:t> </a:t>
-            </a:r>
-            <a:r>
-              <a:rPr lang="es-PE" sz="1200" i="1" dirty="0" err="1" smtClean="0"/>
-              <a:t>with</a:t>
-            </a:r>
-            <a:r>
-              <a:rPr lang="es-PE" sz="1200" i="1" dirty="0" smtClean="0"/>
-              <a:t> </a:t>
-            </a:r>
-            <a:r>
-              <a:rPr lang="es-PE" sz="1200" i="1" dirty="0" err="1" smtClean="0"/>
-              <a:t>Polymorphism</a:t>
-            </a:r>
-            <a:r>
-              <a:rPr lang="es-PE" sz="1200" i="1" dirty="0" smtClean="0"/>
-              <a:t>, </a:t>
-            </a:r>
-            <a:r>
-              <a:rPr lang="es-PE" sz="1200" i="1" dirty="0" err="1" smtClean="0"/>
-              <a:t>etc</a:t>
-            </a:r>
-            <a:r>
-              <a:rPr lang="es-PE" sz="1200" i="1" dirty="0" smtClean="0"/>
-              <a:t>)</a:t>
-            </a:r>
-          </a:p>
-          <a:p>
-            <a:pPr algn="l"/>
             <a:endParaRPr lang="es-PE" dirty="0"/>
           </a:p>
         </p:txBody>
@@ -1002,7 +898,7 @@
     </p:spTree>
     <p:extLst>
       <p:ext uri="{BB962C8B-B14F-4D97-AF65-F5344CB8AC3E}">
-        <p14:creationId xmlns:p14="http://schemas.microsoft.com/office/powerpoint/2010/main" val="3614550747"/>
+        <p14:creationId xmlns:p14="http://schemas.microsoft.com/office/powerpoint/2010/main" val="1461112982"/>
       </p:ext>
     </p:extLst>
   </p:cSld>
@@ -1248,6 +1144,112 @@
           <a:lstStyle/>
           <a:p>
             <a:pPr algn="l"/>
+            <a:r>
+              <a:rPr lang="es-PE" sz="1200" i="1" dirty="0" smtClean="0"/>
+              <a:t>Existe un gran catálogo de </a:t>
+            </a:r>
+            <a:r>
+              <a:rPr lang="es-PE" sz="1200" i="1" dirty="0" err="1" smtClean="0"/>
+              <a:t>refactorings</a:t>
+            </a:r>
+            <a:r>
+              <a:rPr lang="es-PE" sz="1200" i="1" baseline="0" dirty="0" smtClean="0"/>
+              <a:t> y la meta es tratar de practicar la mayor cantidad </a:t>
+            </a:r>
+            <a:endParaRPr lang="es-PE" sz="1200" i="1" dirty="0" smtClean="0"/>
+          </a:p>
+          <a:p>
+            <a:pPr algn="l"/>
+            <a:r>
+              <a:rPr lang="es-PE" sz="1200" i="1" dirty="0" smtClean="0"/>
+              <a:t>(</a:t>
+            </a:r>
+            <a:r>
+              <a:rPr lang="es-PE" sz="1200" i="1" dirty="0" err="1" smtClean="0"/>
+              <a:t>Move</a:t>
+            </a:r>
+            <a:r>
+              <a:rPr lang="es-PE" sz="1200" i="1" dirty="0" smtClean="0"/>
+              <a:t> </a:t>
+            </a:r>
+            <a:r>
+              <a:rPr lang="es-PE" sz="1200" i="1" dirty="0" err="1" smtClean="0"/>
+              <a:t>Method</a:t>
+            </a:r>
+            <a:r>
+              <a:rPr lang="es-PE" sz="1200" i="1" dirty="0" smtClean="0"/>
+              <a:t>, </a:t>
+            </a:r>
+            <a:r>
+              <a:rPr lang="es-PE" sz="1200" i="1" dirty="0" err="1" smtClean="0"/>
+              <a:t>Inline</a:t>
+            </a:r>
+            <a:r>
+              <a:rPr lang="es-PE" sz="1200" i="1" dirty="0" smtClean="0"/>
+              <a:t> </a:t>
+            </a:r>
+            <a:r>
+              <a:rPr lang="es-PE" sz="1200" i="1" dirty="0" err="1" smtClean="0"/>
+              <a:t>Method</a:t>
+            </a:r>
+            <a:r>
+              <a:rPr lang="es-PE" sz="1200" i="1" dirty="0" smtClean="0"/>
+              <a:t>, </a:t>
+            </a:r>
+            <a:r>
+              <a:rPr lang="es-PE" sz="1200" i="1" dirty="0" err="1" smtClean="0"/>
+              <a:t>Extract</a:t>
+            </a:r>
+            <a:r>
+              <a:rPr lang="es-PE" sz="1200" i="1" dirty="0" smtClean="0"/>
+              <a:t> Interface, </a:t>
+            </a:r>
+          </a:p>
+          <a:p>
+            <a:pPr algn="l"/>
+            <a:r>
+              <a:rPr lang="es-PE" sz="1200" i="1" dirty="0" err="1" smtClean="0"/>
+              <a:t>Replace</a:t>
+            </a:r>
+            <a:r>
+              <a:rPr lang="es-PE" sz="1200" i="1" dirty="0" smtClean="0"/>
+              <a:t> </a:t>
+            </a:r>
+            <a:r>
+              <a:rPr lang="es-PE" sz="1200" i="1" dirty="0" err="1" smtClean="0"/>
+              <a:t>Conditional</a:t>
+            </a:r>
+            <a:r>
+              <a:rPr lang="es-PE" sz="1200" i="1" dirty="0" smtClean="0"/>
+              <a:t> </a:t>
+            </a:r>
+            <a:r>
+              <a:rPr lang="es-PE" sz="1200" i="1" dirty="0" err="1" smtClean="0"/>
+              <a:t>with</a:t>
+            </a:r>
+            <a:r>
+              <a:rPr lang="es-PE" sz="1200" i="1" dirty="0" smtClean="0"/>
+              <a:t> </a:t>
+            </a:r>
+            <a:r>
+              <a:rPr lang="es-PE" sz="1200" i="1" dirty="0" err="1" smtClean="0"/>
+              <a:t>Polymorphism</a:t>
+            </a:r>
+            <a:r>
+              <a:rPr lang="es-PE" sz="1200" i="1" dirty="0" smtClean="0"/>
+              <a:t>, </a:t>
+            </a:r>
+            <a:r>
+              <a:rPr lang="es-PE" sz="1200" i="1" dirty="0" err="1" smtClean="0"/>
+              <a:t>etc</a:t>
+            </a:r>
+            <a:r>
+              <a:rPr lang="es-PE" sz="1200" i="1" dirty="0" smtClean="0"/>
+              <a:t>)</a:t>
+            </a:r>
+          </a:p>
+          <a:p>
+            <a:pPr algn="l"/>
             <a:endParaRPr lang="es-PE" dirty="0"/>
           </a:p>
         </p:txBody>
@@ -1417,6 +1419,7 @@
           <a:bodyPr/>
           <a:lstStyle/>
           <a:p>
+            <a:pPr algn="l"/>
             <a:endParaRPr lang="es-PE" dirty="0"/>
           </a:p>
         </p:txBody>
@@ -1447,7 +1450,7 @@
     </p:spTree>
     <p:extLst>
       <p:ext uri="{BB962C8B-B14F-4D97-AF65-F5344CB8AC3E}">
-        <p14:creationId xmlns:p14="http://schemas.microsoft.com/office/powerpoint/2010/main" val="1461112982"/>
+        <p14:creationId xmlns:p14="http://schemas.microsoft.com/office/powerpoint/2010/main" val="3614550747"/>
       </p:ext>
     </p:extLst>
   </p:cSld>
@@ -1503,10 +1506,112 @@
           <a:p>
             <a:pPr algn="l"/>
             <a:r>
-              <a:rPr lang="en-US" noProof="0" dirty="0" smtClean="0"/>
-              <a:t>Strategies for larger design changes.</a:t>
-            </a:r>
-            <a:endParaRPr lang="en-US" noProof="0" dirty="0"/>
+              <a:rPr lang="es-PE" sz="1200" i="1" dirty="0" smtClean="0"/>
+              <a:t>Existe un gran catálogo de </a:t>
+            </a:r>
+            <a:r>
+              <a:rPr lang="es-PE" sz="1200" i="1" dirty="0" err="1" smtClean="0"/>
+              <a:t>refactorings</a:t>
+            </a:r>
+            <a:r>
+              <a:rPr lang="es-PE" sz="1200" i="1" baseline="0" dirty="0" smtClean="0"/>
+              <a:t> y la meta es tratar de practicar la mayor cantidad </a:t>
+            </a:r>
+            <a:endParaRPr lang="es-PE" sz="1200" i="1" dirty="0" smtClean="0"/>
+          </a:p>
+          <a:p>
+            <a:pPr algn="l"/>
+            <a:r>
+              <a:rPr lang="es-PE" sz="1200" i="1" dirty="0" smtClean="0"/>
+              <a:t>(</a:t>
+            </a:r>
+            <a:r>
+              <a:rPr lang="es-PE" sz="1200" i="1" dirty="0" err="1" smtClean="0"/>
+              <a:t>Move</a:t>
+            </a:r>
+            <a:r>
+              <a:rPr lang="es-PE" sz="1200" i="1" dirty="0" smtClean="0"/>
+              <a:t> </a:t>
+            </a:r>
+            <a:r>
+              <a:rPr lang="es-PE" sz="1200" i="1" dirty="0" err="1" smtClean="0"/>
+              <a:t>Method</a:t>
+            </a:r>
+            <a:r>
+              <a:rPr lang="es-PE" sz="1200" i="1" dirty="0" smtClean="0"/>
+              <a:t>, </a:t>
+            </a:r>
+            <a:r>
+              <a:rPr lang="es-PE" sz="1200" i="1" dirty="0" err="1" smtClean="0"/>
+              <a:t>Inline</a:t>
+            </a:r>
+            <a:r>
+              <a:rPr lang="es-PE" sz="1200" i="1" dirty="0" smtClean="0"/>
+              <a:t> </a:t>
+            </a:r>
+            <a:r>
+              <a:rPr lang="es-PE" sz="1200" i="1" dirty="0" err="1" smtClean="0"/>
+              <a:t>Method</a:t>
+            </a:r>
+            <a:r>
+              <a:rPr lang="es-PE" sz="1200" i="1" dirty="0" smtClean="0"/>
+              <a:t>, </a:t>
+            </a:r>
+            <a:r>
+              <a:rPr lang="es-PE" sz="1200" i="1" dirty="0" err="1" smtClean="0"/>
+              <a:t>Extract</a:t>
+            </a:r>
+            <a:r>
+              <a:rPr lang="es-PE" sz="1200" i="1" dirty="0" smtClean="0"/>
+              <a:t> Interface, </a:t>
+            </a:r>
+          </a:p>
+          <a:p>
+            <a:pPr algn="l"/>
+            <a:r>
+              <a:rPr lang="es-PE" sz="1200" i="1" dirty="0" err="1" smtClean="0"/>
+              <a:t>Replace</a:t>
+            </a:r>
+            <a:r>
+              <a:rPr lang="es-PE" sz="1200" i="1" dirty="0" smtClean="0"/>
+              <a:t> </a:t>
+            </a:r>
+            <a:r>
+              <a:rPr lang="es-PE" sz="1200" i="1" dirty="0" err="1" smtClean="0"/>
+              <a:t>Conditional</a:t>
+            </a:r>
+            <a:r>
+              <a:rPr lang="es-PE" sz="1200" i="1" dirty="0" smtClean="0"/>
+              <a:t> </a:t>
+            </a:r>
+            <a:r>
+              <a:rPr lang="es-PE" sz="1200" i="1" dirty="0" err="1" smtClean="0"/>
+              <a:t>with</a:t>
+            </a:r>
+            <a:r>
+              <a:rPr lang="es-PE" sz="1200" i="1" dirty="0" smtClean="0"/>
+              <a:t> </a:t>
+            </a:r>
+            <a:r>
+              <a:rPr lang="es-PE" sz="1200" i="1" dirty="0" err="1" smtClean="0"/>
+              <a:t>Polymorphism</a:t>
+            </a:r>
+            <a:r>
+              <a:rPr lang="es-PE" sz="1200" i="1" dirty="0" smtClean="0"/>
+              <a:t>, </a:t>
+            </a:r>
+            <a:r>
+              <a:rPr lang="es-PE" sz="1200" i="1" dirty="0" err="1" smtClean="0"/>
+              <a:t>etc</a:t>
+            </a:r>
+            <a:r>
+              <a:rPr lang="es-PE" sz="1200" i="1" dirty="0" smtClean="0"/>
+              <a:t>)</a:t>
+            </a:r>
+          </a:p>
+          <a:p>
+            <a:pPr algn="l"/>
+            <a:endParaRPr lang="es-PE" dirty="0"/>
           </a:p>
         </p:txBody>
       </p:sp>
@@ -1591,6 +1696,112 @@
           <a:lstStyle/>
           <a:p>
             <a:pPr algn="l"/>
+            <a:r>
+              <a:rPr lang="es-PE" sz="1200" i="1" dirty="0" smtClean="0"/>
+              <a:t>Existe un gran catálogo de </a:t>
+            </a:r>
+            <a:r>
+              <a:rPr lang="es-PE" sz="1200" i="1" dirty="0" err="1" smtClean="0"/>
+              <a:t>refactorings</a:t>
+            </a:r>
+            <a:r>
+              <a:rPr lang="es-PE" sz="1200" i="1" baseline="0" dirty="0" smtClean="0"/>
+              <a:t> y la meta es tratar de practicar la mayor cantidad </a:t>
+            </a:r>
+            <a:endParaRPr lang="es-PE" sz="1200" i="1" dirty="0" smtClean="0"/>
+          </a:p>
+          <a:p>
+            <a:pPr algn="l"/>
+            <a:r>
+              <a:rPr lang="es-PE" sz="1200" i="1" dirty="0" smtClean="0"/>
+              <a:t>(</a:t>
+            </a:r>
+            <a:r>
+              <a:rPr lang="es-PE" sz="1200" i="1" dirty="0" err="1" smtClean="0"/>
+              <a:t>Move</a:t>
+            </a:r>
+            <a:r>
+              <a:rPr lang="es-PE" sz="1200" i="1" dirty="0" smtClean="0"/>
+              <a:t> </a:t>
+            </a:r>
+            <a:r>
+              <a:rPr lang="es-PE" sz="1200" i="1" dirty="0" err="1" smtClean="0"/>
+              <a:t>Method</a:t>
+            </a:r>
+            <a:r>
+              <a:rPr lang="es-PE" sz="1200" i="1" dirty="0" smtClean="0"/>
+              <a:t>, </a:t>
+            </a:r>
+            <a:r>
+              <a:rPr lang="es-PE" sz="1200" i="1" dirty="0" err="1" smtClean="0"/>
+              <a:t>Inline</a:t>
+            </a:r>
+            <a:r>
+              <a:rPr lang="es-PE" sz="1200" i="1" dirty="0" smtClean="0"/>
+              <a:t> </a:t>
+            </a:r>
+            <a:r>
+              <a:rPr lang="es-PE" sz="1200" i="1" dirty="0" err="1" smtClean="0"/>
+              <a:t>Method</a:t>
+            </a:r>
+            <a:r>
+              <a:rPr lang="es-PE" sz="1200" i="1" dirty="0" smtClean="0"/>
+              <a:t>, </a:t>
+            </a:r>
+            <a:r>
+              <a:rPr lang="es-PE" sz="1200" i="1" dirty="0" err="1" smtClean="0"/>
+              <a:t>Extract</a:t>
+            </a:r>
+            <a:r>
+              <a:rPr lang="es-PE" sz="1200" i="1" dirty="0" smtClean="0"/>
+              <a:t> Interface, </a:t>
+            </a:r>
+          </a:p>
+          <a:p>
+            <a:pPr algn="l"/>
+            <a:r>
+              <a:rPr lang="es-PE" sz="1200" i="1" dirty="0" err="1" smtClean="0"/>
+              <a:t>Replace</a:t>
+            </a:r>
+            <a:r>
+              <a:rPr lang="es-PE" sz="1200" i="1" dirty="0" smtClean="0"/>
+              <a:t> </a:t>
+            </a:r>
+            <a:r>
+              <a:rPr lang="es-PE" sz="1200" i="1" dirty="0" err="1" smtClean="0"/>
+              <a:t>Conditional</a:t>
+            </a:r>
+            <a:r>
+              <a:rPr lang="es-PE" sz="1200" i="1" dirty="0" smtClean="0"/>
+              <a:t> </a:t>
+            </a:r>
+            <a:r>
+              <a:rPr lang="es-PE" sz="1200" i="1" dirty="0" err="1" smtClean="0"/>
+              <a:t>with</a:t>
+            </a:r>
+            <a:r>
+              <a:rPr lang="es-PE" sz="1200" i="1" dirty="0" smtClean="0"/>
+              <a:t> </a:t>
+            </a:r>
+            <a:r>
+              <a:rPr lang="es-PE" sz="1200" i="1" dirty="0" err="1" smtClean="0"/>
+              <a:t>Polymorphism</a:t>
+            </a:r>
+            <a:r>
+              <a:rPr lang="es-PE" sz="1200" i="1" dirty="0" smtClean="0"/>
+              <a:t>, </a:t>
+            </a:r>
+            <a:r>
+              <a:rPr lang="es-PE" sz="1200" i="1" dirty="0" err="1" smtClean="0"/>
+              <a:t>etc</a:t>
+            </a:r>
+            <a:r>
+              <a:rPr lang="es-PE" sz="1200" i="1" dirty="0" smtClean="0"/>
+              <a:t>)</a:t>
+            </a:r>
+          </a:p>
+          <a:p>
+            <a:pPr algn="l"/>
             <a:endParaRPr lang="es-PE" dirty="0"/>
           </a:p>
         </p:txBody>
@@ -1777,7 +1988,6 @@
           <a:bodyPr/>
           <a:lstStyle/>
           <a:p>
-            <a:pPr algn="l"/>
             <a:endParaRPr lang="es-PE" dirty="0"/>
           </a:p>
         </p:txBody>
@@ -1808,7 +2018,7 @@
     </p:spTree>
     <p:extLst>
       <p:ext uri="{BB962C8B-B14F-4D97-AF65-F5344CB8AC3E}">
-        <p14:creationId xmlns:p14="http://schemas.microsoft.com/office/powerpoint/2010/main" val="3614550747"/>
+        <p14:creationId xmlns:p14="http://schemas.microsoft.com/office/powerpoint/2010/main" val="1461112982"/>
       </p:ext>
     </p:extLst>
   </p:cSld>
@@ -1863,7 +2073,11 @@
           <a:lstStyle/>
           <a:p>
             <a:pPr algn="l"/>
-            <a:endParaRPr lang="es-PE" dirty="0"/>
+            <a:r>
+              <a:rPr lang="en-US" noProof="0" dirty="0" smtClean="0"/>
+              <a:t>Strategies for larger design changes.</a:t>
+            </a:r>
+            <a:endParaRPr lang="en-US" noProof="0" dirty="0"/>
           </a:p>
         </p:txBody>
       </p:sp>
@@ -1988,6 +2202,261 @@
 </p:notes>
 </file>
 
+<file path=ppt/notesSlides/notesSlide23.xml><?xml version="1.0" encoding="utf-8"?>
+<p:notes xmlns:a="http://schemas.openxmlformats.org/drawingml/2006/main" xmlns:r="http://schemas.openxmlformats.org/officeDocument/2006/relationships" xmlns:p="http://schemas.openxmlformats.org/presentationml/2006/main">
+  <p:cSld>
+    <p:spTree>
+      <p:nvGrpSpPr>
+        <p:cNvPr id="1" name=""/>
+        <p:cNvGrpSpPr/>
+        <p:nvPr/>
+      </p:nvGrpSpPr>
+      <p:grpSpPr>
+        <a:xfrm>
+          <a:off x="0" y="0"/>
+          <a:ext cx="0" cy="0"/>
+          <a:chOff x="0" y="0"/>
+          <a:chExt cx="0" cy="0"/>
+        </a:xfrm>
+      </p:grpSpPr>
+      <p:sp>
+        <p:nvSpPr>
+          <p:cNvPr id="2" name="1 Marcador de imagen de diapositiva"/>
+          <p:cNvSpPr>
+            <a:spLocks noGrp="1" noRot="1" noChangeAspect="1"/>
+          </p:cNvSpPr>
+          <p:nvPr>
+            <p:ph type="sldImg"/>
+          </p:nvPr>
+        </p:nvSpPr>
+        <p:spPr/>
+      </p:sp>
+      <p:sp>
+        <p:nvSpPr>
+          <p:cNvPr id="3" name="2 Marcador de notas"/>
+          <p:cNvSpPr>
+            <a:spLocks noGrp="1"/>
+          </p:cNvSpPr>
+          <p:nvPr>
+            <p:ph type="body" idx="1"/>
+          </p:nvPr>
+        </p:nvSpPr>
+        <p:spPr/>
+        <p:txBody>
+          <a:bodyPr/>
+          <a:lstStyle/>
+          <a:p>
+            <a:pPr algn="l"/>
+            <a:endParaRPr lang="es-PE" dirty="0"/>
+          </a:p>
+        </p:txBody>
+      </p:sp>
+      <p:sp>
+        <p:nvSpPr>
+          <p:cNvPr id="4" name="3 Marcador de número de diapositiva"/>
+          <p:cNvSpPr>
+            <a:spLocks noGrp="1"/>
+          </p:cNvSpPr>
+          <p:nvPr>
+            <p:ph type="sldNum" sz="quarter" idx="10"/>
+          </p:nvPr>
+        </p:nvSpPr>
+        <p:spPr/>
+        <p:txBody>
+          <a:bodyPr/>
+          <a:lstStyle/>
+          <a:p>
+            <a:fld id="{96DE5A63-0F1F-4DC0-ADE0-CC17EBA6F230}" type="slidenum">
+              <a:rPr lang="es-PE" smtClean="0"/>
+              <a:t>23</a:t>
+            </a:fld>
+            <a:endParaRPr lang="es-PE"/>
+          </a:p>
+        </p:txBody>
+      </p:sp>
+    </p:spTree>
+    <p:extLst>
+      <p:ext uri="{BB962C8B-B14F-4D97-AF65-F5344CB8AC3E}">
+        <p14:creationId xmlns:p14="http://schemas.microsoft.com/office/powerpoint/2010/main" val="3614550747"/>
+      </p:ext>
+    </p:extLst>
+  </p:cSld>
+  <p:clrMapOvr>
+    <a:masterClrMapping/>
+  </p:clrMapOvr>
+</p:notes>
+</file>
+
+<file path=ppt/notesSlides/notesSlide24.xml><?xml version="1.0" encoding="utf-8"?>
+<p:notes xmlns:a="http://schemas.openxmlformats.org/drawingml/2006/main" xmlns:r="http://schemas.openxmlformats.org/officeDocument/2006/relationships" xmlns:p="http://schemas.openxmlformats.org/presentationml/2006/main">
+  <p:cSld>
+    <p:spTree>
+      <p:nvGrpSpPr>
+        <p:cNvPr id="1" name=""/>
+        <p:cNvGrpSpPr/>
+        <p:nvPr/>
+      </p:nvGrpSpPr>
+      <p:grpSpPr>
+        <a:xfrm>
+          <a:off x="0" y="0"/>
+          <a:ext cx="0" cy="0"/>
+          <a:chOff x="0" y="0"/>
+          <a:chExt cx="0" cy="0"/>
+        </a:xfrm>
+      </p:grpSpPr>
+      <p:sp>
+        <p:nvSpPr>
+          <p:cNvPr id="2" name="1 Marcador de imagen de diapositiva"/>
+          <p:cNvSpPr>
+            <a:spLocks noGrp="1" noRot="1" noChangeAspect="1"/>
+          </p:cNvSpPr>
+          <p:nvPr>
+            <p:ph type="sldImg"/>
+          </p:nvPr>
+        </p:nvSpPr>
+        <p:spPr/>
+      </p:sp>
+      <p:sp>
+        <p:nvSpPr>
+          <p:cNvPr id="3" name="2 Marcador de notas"/>
+          <p:cNvSpPr>
+            <a:spLocks noGrp="1"/>
+          </p:cNvSpPr>
+          <p:nvPr>
+            <p:ph type="body" idx="1"/>
+          </p:nvPr>
+        </p:nvSpPr>
+        <p:spPr/>
+        <p:txBody>
+          <a:bodyPr/>
+          <a:lstStyle/>
+          <a:p>
+            <a:pPr algn="l"/>
+            <a:endParaRPr lang="es-PE" dirty="0"/>
+          </a:p>
+        </p:txBody>
+      </p:sp>
+      <p:sp>
+        <p:nvSpPr>
+          <p:cNvPr id="4" name="3 Marcador de número de diapositiva"/>
+          <p:cNvSpPr>
+            <a:spLocks noGrp="1"/>
+          </p:cNvSpPr>
+          <p:nvPr>
+            <p:ph type="sldNum" sz="quarter" idx="10"/>
+          </p:nvPr>
+        </p:nvSpPr>
+        <p:spPr/>
+        <p:txBody>
+          <a:bodyPr/>
+          <a:lstStyle/>
+          <a:p>
+            <a:fld id="{96DE5A63-0F1F-4DC0-ADE0-CC17EBA6F230}" type="slidenum">
+              <a:rPr lang="es-PE" smtClean="0"/>
+              <a:t>24</a:t>
+            </a:fld>
+            <a:endParaRPr lang="es-PE"/>
+          </a:p>
+        </p:txBody>
+      </p:sp>
+    </p:spTree>
+    <p:extLst>
+      <p:ext uri="{BB962C8B-B14F-4D97-AF65-F5344CB8AC3E}">
+        <p14:creationId xmlns:p14="http://schemas.microsoft.com/office/powerpoint/2010/main" val="3614550747"/>
+      </p:ext>
+    </p:extLst>
+  </p:cSld>
+  <p:clrMapOvr>
+    <a:masterClrMapping/>
+  </p:clrMapOvr>
+</p:notes>
+</file>
+
+<file path=ppt/notesSlides/notesSlide25.xml><?xml version="1.0" encoding="utf-8"?>
+<p:notes xmlns:a="http://schemas.openxmlformats.org/drawingml/2006/main" xmlns:r="http://schemas.openxmlformats.org/officeDocument/2006/relationships" xmlns:p="http://schemas.openxmlformats.org/presentationml/2006/main">
+  <p:cSld>
+    <p:spTree>
+      <p:nvGrpSpPr>
+        <p:cNvPr id="1" name=""/>
+        <p:cNvGrpSpPr/>
+        <p:nvPr/>
+      </p:nvGrpSpPr>
+      <p:grpSpPr>
+        <a:xfrm>
+          <a:off x="0" y="0"/>
+          <a:ext cx="0" cy="0"/>
+          <a:chOff x="0" y="0"/>
+          <a:chExt cx="0" cy="0"/>
+        </a:xfrm>
+      </p:grpSpPr>
+      <p:sp>
+        <p:nvSpPr>
+          <p:cNvPr id="2" name="1 Marcador de imagen de diapositiva"/>
+          <p:cNvSpPr>
+            <a:spLocks noGrp="1" noRot="1" noChangeAspect="1"/>
+          </p:cNvSpPr>
+          <p:nvPr>
+            <p:ph type="sldImg"/>
+          </p:nvPr>
+        </p:nvSpPr>
+        <p:spPr/>
+      </p:sp>
+      <p:sp>
+        <p:nvSpPr>
+          <p:cNvPr id="3" name="2 Marcador de notas"/>
+          <p:cNvSpPr>
+            <a:spLocks noGrp="1"/>
+          </p:cNvSpPr>
+          <p:nvPr>
+            <p:ph type="body" idx="1"/>
+          </p:nvPr>
+        </p:nvSpPr>
+        <p:spPr/>
+        <p:txBody>
+          <a:bodyPr/>
+          <a:lstStyle/>
+          <a:p>
+            <a:pPr algn="l"/>
+            <a:endParaRPr lang="es-PE" dirty="0"/>
+          </a:p>
+        </p:txBody>
+      </p:sp>
+      <p:sp>
+        <p:nvSpPr>
+          <p:cNvPr id="4" name="3 Marcador de número de diapositiva"/>
+          <p:cNvSpPr>
+            <a:spLocks noGrp="1"/>
+          </p:cNvSpPr>
+          <p:nvPr>
+            <p:ph type="sldNum" sz="quarter" idx="10"/>
+          </p:nvPr>
+        </p:nvSpPr>
+        <p:spPr/>
+        <p:txBody>
+          <a:bodyPr/>
+          <a:lstStyle/>
+          <a:p>
+            <a:fld id="{96DE5A63-0F1F-4DC0-ADE0-CC17EBA6F230}" type="slidenum">
+              <a:rPr lang="es-PE" smtClean="0"/>
+              <a:t>25</a:t>
+            </a:fld>
+            <a:endParaRPr lang="es-PE"/>
+          </a:p>
+        </p:txBody>
+      </p:sp>
+    </p:spTree>
+    <p:extLst>
+      <p:ext uri="{BB962C8B-B14F-4D97-AF65-F5344CB8AC3E}">
+        <p14:creationId xmlns:p14="http://schemas.microsoft.com/office/powerpoint/2010/main" val="3614550747"/>
+      </p:ext>
+    </p:extLst>
+  </p:cSld>
+  <p:clrMapOvr>
+    <a:masterClrMapping/>
+  </p:clrMapOvr>
+</p:notes>
+</file>
+
 <file path=ppt/notesSlides/notesSlide3.xml><?xml version="1.0" encoding="utf-8"?>
 <p:notes xmlns:a="http://schemas.openxmlformats.org/drawingml/2006/main" xmlns:r="http://schemas.openxmlformats.org/officeDocument/2006/relationships" xmlns:p="http://schemas.openxmlformats.org/presentationml/2006/main">
   <p:cSld>
@@ -2138,6 +2607,20 @@
               <a:buFontTx/>
               <a:buNone/>
             </a:pPr>
+            <a:r>
+              <a:rPr lang="es-PE" dirty="0" smtClean="0"/>
+              <a:t>Para este momento todos debe estar sentados</a:t>
+            </a:r>
+            <a:r>
+              <a:rPr lang="es-PE" baseline="0" dirty="0" smtClean="0"/>
+              <a:t> en parejas</a:t>
+            </a:r>
+          </a:p>
+          <a:p>
+            <a:pPr marL="0" indent="0">
+              <a:buFontTx/>
+              <a:buNone/>
+            </a:pPr>
             <a:endParaRPr lang="es-PE" baseline="0" dirty="0" smtClean="0"/>
           </a:p>
         </p:txBody>
@@ -2226,48 +2709,7 @@
               <a:buFontTx/>
               <a:buNone/>
             </a:pPr>
-            <a:r>
-              <a:rPr lang="es-PE" baseline="0" dirty="0" smtClean="0"/>
-              <a:t>- De manera adicional todas las actividades del </a:t>
-            </a:r>
-            <a:r>
-              <a:rPr lang="es-PE" baseline="0" dirty="0" err="1" smtClean="0"/>
-              <a:t>navigator</a:t>
-            </a:r>
-            <a:r>
-              <a:rPr lang="es-PE" baseline="0" dirty="0" smtClean="0"/>
-              <a:t> ( aconsejar sobre el siguiente movimiento o jugada)</a:t>
-            </a:r>
-          </a:p>
-          <a:p>
-            <a:pPr marL="171450" indent="-171450">
-              <a:buFontTx/>
-              <a:buChar char="-"/>
-            </a:pPr>
-            <a:r>
-              <a:rPr lang="es-PE" baseline="0" dirty="0" smtClean="0"/>
-              <a:t>Manejar las hojas con el inicio y el fin</a:t>
-            </a:r>
-          </a:p>
-          <a:p>
-            <a:pPr marL="171450" indent="-171450">
-              <a:buFontTx/>
-              <a:buChar char="-"/>
-            </a:pPr>
-            <a:r>
-              <a:rPr lang="es-PE" baseline="0" dirty="0" smtClean="0"/>
-              <a:t>Asegurarse que los test se están ejecutando de manera muy continua (podría ser una regla)</a:t>
-            </a:r>
-          </a:p>
-          <a:p>
-            <a:pPr marL="171450" indent="-171450">
-              <a:buFontTx/>
-              <a:buChar char="-"/>
-            </a:pPr>
-            <a:r>
-              <a:rPr lang="es-PE" baseline="0" dirty="0" smtClean="0"/>
-              <a:t>Asegurarse que las reglas y roles se están cumpliendo.</a:t>
-            </a:r>
+            <a:endParaRPr lang="es-PE" baseline="0" dirty="0" smtClean="0"/>
           </a:p>
         </p:txBody>
       </p:sp>
@@ -2351,7 +2793,52 @@
           <a:bodyPr/>
           <a:lstStyle/>
           <a:p>
-            <a:endParaRPr lang="es-PE" dirty="0"/>
+            <a:pPr marL="0" indent="0">
+              <a:buFontTx/>
+              <a:buNone/>
+            </a:pPr>
+            <a:r>
+              <a:rPr lang="es-PE" baseline="0" dirty="0" smtClean="0"/>
+              <a:t>- De manera adicional todas las actividades del </a:t>
+            </a:r>
+            <a:r>
+              <a:rPr lang="es-PE" baseline="0" dirty="0" err="1" smtClean="0"/>
+              <a:t>navigator</a:t>
+            </a:r>
+            <a:r>
+              <a:rPr lang="es-PE" baseline="0" dirty="0" smtClean="0"/>
+              <a:t> ( aconsejar sobre el siguiente movimiento o jugada)</a:t>
+            </a:r>
+          </a:p>
+          <a:p>
+            <a:pPr marL="171450" indent="-171450">
+              <a:buFontTx/>
+              <a:buChar char="-"/>
+            </a:pPr>
+            <a:r>
+              <a:rPr lang="es-PE" baseline="0" dirty="0" smtClean="0"/>
+              <a:t>Manejar las hojas con el inicio y el fin</a:t>
+            </a:r>
+          </a:p>
+          <a:p>
+            <a:pPr marL="171450" indent="-171450">
+              <a:buFontTx/>
+              <a:buChar char="-"/>
+            </a:pPr>
+            <a:r>
+              <a:rPr lang="es-PE" baseline="0" dirty="0" smtClean="0"/>
+              <a:t>Asegurarse que los test se están ejecutando de manera muy continua (podría ser una regla)</a:t>
+            </a:r>
+          </a:p>
+          <a:p>
+            <a:pPr marL="171450" indent="-171450">
+              <a:buFontTx/>
+              <a:buChar char="-"/>
+            </a:pPr>
+            <a:r>
+              <a:rPr lang="es-PE" baseline="0" dirty="0" smtClean="0"/>
+              <a:t>Asegurarse que las reglas y roles se están cumpliendo.</a:t>
+            </a:r>
           </a:p>
         </p:txBody>
       </p:sp>
@@ -2825,7 +3312,7 @@
             <a:fld id="{807CB568-C05F-482F-9F26-AA302B8892DF}" type="datetimeFigureOut">
               <a:rPr lang="es-ES" smtClean="0"/>
               <a:pPr/>
-              <a:t>10/9/14</a:t>
+              <a:t>10/17/14</a:t>
             </a:fld>
             <a:endParaRPr lang="es-ES"/>
           </a:p>
@@ -2997,7 +3484,7 @@
             <a:fld id="{807CB568-C05F-482F-9F26-AA302B8892DF}" type="datetimeFigureOut">
               <a:rPr lang="es-ES" smtClean="0"/>
               <a:pPr/>
-              <a:t>10/9/14</a:t>
+              <a:t>10/17/14</a:t>
             </a:fld>
             <a:endParaRPr lang="es-ES"/>
           </a:p>
@@ -3179,7 +3666,7 @@
             <a:fld id="{807CB568-C05F-482F-9F26-AA302B8892DF}" type="datetimeFigureOut">
               <a:rPr lang="es-ES" smtClean="0"/>
               <a:pPr/>
-              <a:t>10/9/14</a:t>
+              <a:t>10/17/14</a:t>
             </a:fld>
             <a:endParaRPr lang="es-ES"/>
           </a:p>
@@ -3351,7 +3838,7 @@
             <a:fld id="{807CB568-C05F-482F-9F26-AA302B8892DF}" type="datetimeFigureOut">
               <a:rPr lang="es-ES" smtClean="0"/>
               <a:pPr/>
-              <a:t>10/9/14</a:t>
+              <a:t>10/17/14</a:t>
             </a:fld>
             <a:endParaRPr lang="es-ES"/>
           </a:p>
@@ -3599,7 +4086,7 @@
             <a:fld id="{807CB568-C05F-482F-9F26-AA302B8892DF}" type="datetimeFigureOut">
               <a:rPr lang="es-ES" smtClean="0"/>
               <a:pPr/>
-              <a:t>10/9/14</a:t>
+              <a:t>10/17/14</a:t>
             </a:fld>
             <a:endParaRPr lang="es-ES"/>
           </a:p>
@@ -3889,7 +4376,7 @@
             <a:fld id="{807CB568-C05F-482F-9F26-AA302B8892DF}" type="datetimeFigureOut">
               <a:rPr lang="es-ES" smtClean="0"/>
               <a:pPr/>
-              <a:t>10/9/14</a:t>
+              <a:t>10/17/14</a:t>
             </a:fld>
             <a:endParaRPr lang="es-ES"/>
           </a:p>
@@ -4313,7 +4800,7 @@
             <a:fld id="{807CB568-C05F-482F-9F26-AA302B8892DF}" type="datetimeFigureOut">
               <a:rPr lang="es-ES" smtClean="0"/>
               <a:pPr/>
-              <a:t>10/9/14</a:t>
+              <a:t>10/17/14</a:t>
             </a:fld>
             <a:endParaRPr lang="es-ES"/>
           </a:p>
@@ -4433,7 +4920,7 @@
             <a:fld id="{807CB568-C05F-482F-9F26-AA302B8892DF}" type="datetimeFigureOut">
               <a:rPr lang="es-ES" smtClean="0"/>
               <a:pPr/>
-              <a:t>10/9/14</a:t>
+              <a:t>10/17/14</a:t>
             </a:fld>
             <a:endParaRPr lang="es-ES"/>
           </a:p>
@@ -4530,7 +5017,7 @@
             <a:fld id="{807CB568-C05F-482F-9F26-AA302B8892DF}" type="datetimeFigureOut">
               <a:rPr lang="es-ES" smtClean="0"/>
               <a:pPr/>
-              <a:t>10/9/14</a:t>
+              <a:t>10/17/14</a:t>
             </a:fld>
             <a:endParaRPr lang="es-ES"/>
           </a:p>
@@ -4809,7 +5296,7 @@
             <a:fld id="{807CB568-C05F-482F-9F26-AA302B8892DF}" type="datetimeFigureOut">
               <a:rPr lang="es-ES" smtClean="0"/>
               <a:pPr/>
-              <a:t>10/9/14</a:t>
+              <a:t>10/17/14</a:t>
             </a:fld>
             <a:endParaRPr lang="es-ES"/>
           </a:p>
@@ -5064,7 +5551,7 @@
             <a:fld id="{807CB568-C05F-482F-9F26-AA302B8892DF}" type="datetimeFigureOut">
               <a:rPr lang="es-ES" smtClean="0"/>
               <a:pPr/>
-              <a:t>10/9/14</a:t>
+              <a:t>10/17/14</a:t>
             </a:fld>
             <a:endParaRPr lang="es-ES"/>
           </a:p>
@@ -5279,7 +5766,7 @@
             <a:fld id="{807CB568-C05F-482F-9F26-AA302B8892DF}" type="datetimeFigureOut">
               <a:rPr lang="es-ES" smtClean="0"/>
               <a:pPr/>
-              <a:t>10/9/14</a:t>
+              <a:t>10/17/14</a:t>
             </a:fld>
             <a:endParaRPr lang="es-ES"/>
           </a:p>
@@ -5961,6 +6448,130 @@
                   <a:srgbClr val="FF0000"/>
                 </a:solidFill>
               </a:rPr>
+              <a:t>Equipo Ganador</a:t>
+            </a:r>
+            <a:endParaRPr lang="es-PE" dirty="0">
+              <a:solidFill>
+                <a:srgbClr val="FF0000"/>
+              </a:solidFill>
+            </a:endParaRPr>
+          </a:p>
+        </p:txBody>
+      </p:sp>
+      <p:sp>
+        <p:nvSpPr>
+          <p:cNvPr id="3" name="2 Rectángulo"/>
+          <p:cNvSpPr/>
+          <p:nvPr>
+            <p:custDataLst>
+              <p:tags r:id="rId3"/>
+            </p:custDataLst>
+          </p:nvPr>
+        </p:nvSpPr>
+        <p:spPr>
+          <a:xfrm>
+            <a:off x="610315" y="1668864"/>
+            <a:ext cx="7874820" cy="3416320"/>
+          </a:xfrm>
+          <a:prstGeom prst="rect">
+            <a:avLst/>
+          </a:prstGeom>
+        </p:spPr>
+        <p:txBody>
+          <a:bodyPr wrap="square">
+            <a:spAutoFit/>
+          </a:bodyPr>
+          <a:lstStyle/>
+          <a:p>
+            <a:pPr algn="ctr"/>
+            <a:r>
+              <a:rPr lang="es-PE" sz="3600" dirty="0" smtClean="0"/>
+              <a:t>El equipo que logre el menor puntaje será el ganador.</a:t>
+            </a:r>
+          </a:p>
+          <a:p>
+            <a:pPr algn="ctr"/>
+            <a:endParaRPr lang="es-PE" sz="3600" dirty="0"/>
+          </a:p>
+          <a:p>
+            <a:pPr algn="ctr"/>
+            <a:r>
+              <a:rPr lang="es-PE" sz="3600" dirty="0" smtClean="0"/>
+              <a:t>Al finalizar el juego, el equipo ganador mostrará como realizó el juego al resto de asistentes.</a:t>
+            </a:r>
+            <a:endParaRPr lang="es-PE" sz="3600" dirty="0"/>
+          </a:p>
+        </p:txBody>
+      </p:sp>
+    </p:spTree>
+    <p:custDataLst>
+      <p:tags r:id="rId1"/>
+    </p:custDataLst>
+    <p:extLst>
+      <p:ext uri="{BB962C8B-B14F-4D97-AF65-F5344CB8AC3E}">
+        <p14:creationId xmlns:p14="http://schemas.microsoft.com/office/powerpoint/2010/main" val="1762542377"/>
+      </p:ext>
+    </p:extLst>
+  </p:cSld>
+  <p:clrMapOvr>
+    <a:masterClrMapping/>
+  </p:clrMapOvr>
+  <p:timing>
+    <p:tnLst>
+      <p:par>
+        <p:cTn xmlns:p14="http://schemas.microsoft.com/office/powerpoint/2010/main" id="1" dur="indefinite" restart="never" nodeType="tmRoot"/>
+      </p:par>
+    </p:tnLst>
+  </p:timing>
+</p:sld>
+</file>
+
+<file path=ppt/slides/slide11.xml><?xml version="1.0" encoding="utf-8"?>
+<p:sld xmlns:a="http://schemas.openxmlformats.org/drawingml/2006/main" xmlns:r="http://schemas.openxmlformats.org/officeDocument/2006/relationships" xmlns:p="http://schemas.openxmlformats.org/presentationml/2006/main">
+  <p:cSld>
+    <p:spTree>
+      <p:nvGrpSpPr>
+        <p:cNvPr id="1" name=""/>
+        <p:cNvGrpSpPr/>
+        <p:nvPr/>
+      </p:nvGrpSpPr>
+      <p:grpSpPr>
+        <a:xfrm>
+          <a:off x="0" y="0"/>
+          <a:ext cx="0" cy="0"/>
+          <a:chOff x="0" y="0"/>
+          <a:chExt cx="0" cy="0"/>
+        </a:xfrm>
+      </p:grpSpPr>
+      <p:sp>
+        <p:nvSpPr>
+          <p:cNvPr id="18" name="1 Título"/>
+          <p:cNvSpPr>
+            <a:spLocks noGrp="1"/>
+          </p:cNvSpPr>
+          <p:nvPr>
+            <p:ph type="title"/>
+            <p:custDataLst>
+              <p:tags r:id="rId2"/>
+            </p:custDataLst>
+          </p:nvPr>
+        </p:nvSpPr>
+        <p:spPr>
+          <a:xfrm>
+            <a:off x="457200" y="160885"/>
+            <a:ext cx="8229600" cy="792088"/>
+          </a:xfrm>
+        </p:spPr>
+        <p:txBody>
+          <a:bodyPr/>
+          <a:lstStyle/>
+          <a:p>
+            <a:r>
+              <a:rPr lang="es-PE" dirty="0" smtClean="0">
+                <a:solidFill>
+                  <a:srgbClr val="FF0000"/>
+                </a:solidFill>
+              </a:rPr>
               <a:t>Premios</a:t>
             </a:r>
             <a:endParaRPr lang="es-PE" dirty="0">
@@ -6063,7 +6674,7 @@
 </p:sld>
 </file>
 
-<file path=ppt/slides/slide11.xml><?xml version="1.0" encoding="utf-8"?>
+<file path=ppt/slides/slide12.xml><?xml version="1.0" encoding="utf-8"?>
 <p:sld xmlns:a="http://schemas.openxmlformats.org/drawingml/2006/main" xmlns:r="http://schemas.openxmlformats.org/officeDocument/2006/relationships" xmlns:p="http://schemas.openxmlformats.org/presentationml/2006/main">
   <p:cSld>
     <p:spTree>
@@ -6178,7 +6789,7 @@
 </p:sld>
 </file>
 
-<file path=ppt/slides/slide12.xml><?xml version="1.0" encoding="utf-8"?>
+<file path=ppt/slides/slide13.xml><?xml version="1.0" encoding="utf-8"?>
 <p:sld xmlns:a="http://schemas.openxmlformats.org/drawingml/2006/main" xmlns:r="http://schemas.openxmlformats.org/officeDocument/2006/relationships" xmlns:p="http://schemas.openxmlformats.org/presentationml/2006/main">
   <p:cSld>
     <p:spTree>
@@ -6293,7 +6904,7 @@
 </p:sld>
 </file>
 
-<file path=ppt/slides/slide13.xml><?xml version="1.0" encoding="utf-8"?>
+<file path=ppt/slides/slide14.xml><?xml version="1.0" encoding="utf-8"?>
 <p:sld xmlns:a="http://schemas.openxmlformats.org/drawingml/2006/main" xmlns:r="http://schemas.openxmlformats.org/officeDocument/2006/relationships" xmlns:p="http://schemas.openxmlformats.org/presentationml/2006/main">
   <p:cSld>
     <p:spTree>
@@ -6409,7 +7020,7 @@
 </p:sld>
 </file>
 
-<file path=ppt/slides/slide14.xml><?xml version="1.0" encoding="utf-8"?>
+<file path=ppt/slides/slide15.xml><?xml version="1.0" encoding="utf-8"?>
 <p:sld xmlns:a="http://schemas.openxmlformats.org/drawingml/2006/main" xmlns:r="http://schemas.openxmlformats.org/officeDocument/2006/relationships" xmlns:p="http://schemas.openxmlformats.org/presentationml/2006/main">
   <p:cSld>
     <p:spTree>
@@ -6532,7 +7143,7 @@
 </p:sld>
 </file>
 
-<file path=ppt/slides/slide15.xml><?xml version="1.0" encoding="utf-8"?>
+<file path=ppt/slides/slide16.xml><?xml version="1.0" encoding="utf-8"?>
 <p:sld xmlns:a="http://schemas.openxmlformats.org/drawingml/2006/main" xmlns:r="http://schemas.openxmlformats.org/officeDocument/2006/relationships" xmlns:p="http://schemas.openxmlformats.org/presentationml/2006/main">
   <p:cSld>
     <p:spTree>
@@ -6758,7 +7369,7 @@
 </p:sld>
 </file>
 
-<file path=ppt/slides/slide16.xml><?xml version="1.0" encoding="utf-8"?>
+<file path=ppt/slides/slide17.xml><?xml version="1.0" encoding="utf-8"?>
 <p:sld xmlns:a="http://schemas.openxmlformats.org/drawingml/2006/main" xmlns:r="http://schemas.openxmlformats.org/officeDocument/2006/relationships" xmlns:p="http://schemas.openxmlformats.org/presentationml/2006/main">
   <p:cSld>
     <p:spTree>
@@ -6947,7 +7558,419 @@
 </p:sld>
 </file>
 
-<file path=ppt/slides/slide17.xml><?xml version="1.0" encoding="utf-8"?>
+<file path=ppt/slides/slide18.xml><?xml version="1.0" encoding="utf-8"?>
+<p:sld xmlns:a="http://schemas.openxmlformats.org/drawingml/2006/main" xmlns:r="http://schemas.openxmlformats.org/officeDocument/2006/relationships" xmlns:p="http://schemas.openxmlformats.org/presentationml/2006/main">
+  <p:cSld>
+    <p:spTree>
+      <p:nvGrpSpPr>
+        <p:cNvPr id="1" name=""/>
+        <p:cNvGrpSpPr/>
+        <p:nvPr/>
+      </p:nvGrpSpPr>
+      <p:grpSpPr>
+        <a:xfrm>
+          <a:off x="0" y="0"/>
+          <a:ext cx="0" cy="0"/>
+          <a:chOff x="0" y="0"/>
+          <a:chExt cx="0" cy="0"/>
+        </a:xfrm>
+      </p:grpSpPr>
+      <p:sp>
+        <p:nvSpPr>
+          <p:cNvPr id="18" name="1 Título"/>
+          <p:cNvSpPr>
+            <a:spLocks noGrp="1"/>
+          </p:cNvSpPr>
+          <p:nvPr>
+            <p:ph type="title"/>
+            <p:custDataLst>
+              <p:tags r:id="rId2"/>
+            </p:custDataLst>
+          </p:nvPr>
+        </p:nvSpPr>
+        <p:spPr>
+          <a:xfrm>
+            <a:off x="457200" y="1589389"/>
+            <a:ext cx="8229600" cy="792088"/>
+          </a:xfrm>
+        </p:spPr>
+        <p:txBody>
+          <a:bodyPr>
+            <a:normAutofit fontScale="90000"/>
+          </a:bodyPr>
+          <a:lstStyle/>
+          <a:p>
+            <a:r>
+              <a:rPr lang="es-PE" sz="4800" dirty="0" smtClean="0">
+                <a:solidFill>
+                  <a:srgbClr val="FF0000"/>
+                </a:solidFill>
+              </a:rPr>
+              <a:t>Objetivo Hole 1</a:t>
+            </a:r>
+            <a:endParaRPr lang="es-PE" sz="4800" dirty="0">
+              <a:solidFill>
+                <a:srgbClr val="FF0000"/>
+              </a:solidFill>
+            </a:endParaRPr>
+          </a:p>
+        </p:txBody>
+      </p:sp>
+      <p:sp>
+        <p:nvSpPr>
+          <p:cNvPr id="2" name="1 CuadroTexto"/>
+          <p:cNvSpPr txBox="1"/>
+          <p:nvPr>
+            <p:custDataLst>
+              <p:tags r:id="rId3"/>
+            </p:custDataLst>
+          </p:nvPr>
+        </p:nvSpPr>
+        <p:spPr>
+          <a:xfrm>
+            <a:off x="611560" y="2507644"/>
+            <a:ext cx="8064896" cy="1323439"/>
+          </a:xfrm>
+          <a:prstGeom prst="rect">
+            <a:avLst/>
+          </a:prstGeom>
+          <a:noFill/>
+        </p:spPr>
+        <p:txBody>
+          <a:bodyPr wrap="square" rtlCol="0">
+            <a:spAutoFit/>
+          </a:bodyPr>
+          <a:lstStyle/>
+          <a:p>
+            <a:pPr algn="ctr"/>
+            <a:r>
+              <a:rPr lang="es-PE" sz="4000" dirty="0" smtClean="0"/>
+              <a:t>Aprender y pr</a:t>
+            </a:r>
+            <a:r>
+              <a:rPr lang="es-PE" sz="4000" dirty="0" smtClean="0"/>
+              <a:t>ácticar</a:t>
+            </a:r>
+            <a:r>
+              <a:rPr lang="es-PE" sz="4000" dirty="0" smtClean="0"/>
+              <a:t> los ref</a:t>
+            </a:r>
+            <a:r>
+              <a:rPr lang="es-PE" sz="4000" dirty="0" smtClean="0"/>
+              <a:t>áctorings Atómicos</a:t>
+            </a:r>
+            <a:endParaRPr lang="es-PE" sz="4000" dirty="0"/>
+          </a:p>
+        </p:txBody>
+      </p:sp>
+    </p:spTree>
+    <p:custDataLst>
+      <p:tags r:id="rId1"/>
+    </p:custDataLst>
+    <p:extLst>
+      <p:ext uri="{BB962C8B-B14F-4D97-AF65-F5344CB8AC3E}">
+        <p14:creationId xmlns:p14="http://schemas.microsoft.com/office/powerpoint/2010/main" val="553681569"/>
+      </p:ext>
+    </p:extLst>
+  </p:cSld>
+  <p:clrMapOvr>
+    <a:masterClrMapping/>
+  </p:clrMapOvr>
+  <p:timing>
+    <p:tnLst>
+      <p:par>
+        <p:cTn xmlns:p14="http://schemas.microsoft.com/office/powerpoint/2010/main" id="1" dur="indefinite" restart="never" nodeType="tmRoot"/>
+      </p:par>
+    </p:tnLst>
+  </p:timing>
+</p:sld>
+</file>
+
+<file path=ppt/slides/slide19.xml><?xml version="1.0" encoding="utf-8"?>
+<p:sld xmlns:a="http://schemas.openxmlformats.org/drawingml/2006/main" xmlns:r="http://schemas.openxmlformats.org/officeDocument/2006/relationships" xmlns:p="http://schemas.openxmlformats.org/presentationml/2006/main">
+  <p:cSld>
+    <p:spTree>
+      <p:nvGrpSpPr>
+        <p:cNvPr id="1" name=""/>
+        <p:cNvGrpSpPr/>
+        <p:nvPr/>
+      </p:nvGrpSpPr>
+      <p:grpSpPr>
+        <a:xfrm>
+          <a:off x="0" y="0"/>
+          <a:ext cx="0" cy="0"/>
+          <a:chOff x="0" y="0"/>
+          <a:chExt cx="0" cy="0"/>
+        </a:xfrm>
+      </p:grpSpPr>
+      <p:sp>
+        <p:nvSpPr>
+          <p:cNvPr id="18" name="1 Título"/>
+          <p:cNvSpPr>
+            <a:spLocks noGrp="1"/>
+          </p:cNvSpPr>
+          <p:nvPr>
+            <p:ph type="title"/>
+            <p:custDataLst>
+              <p:tags r:id="rId2"/>
+            </p:custDataLst>
+          </p:nvPr>
+        </p:nvSpPr>
+        <p:spPr>
+          <a:xfrm>
+            <a:off x="457200" y="216356"/>
+            <a:ext cx="8229600" cy="792088"/>
+          </a:xfrm>
+        </p:spPr>
+        <p:txBody>
+          <a:bodyPr>
+            <a:normAutofit fontScale="90000"/>
+          </a:bodyPr>
+          <a:lstStyle/>
+          <a:p>
+            <a:r>
+              <a:rPr lang="es-PE" sz="4800" dirty="0" smtClean="0">
+                <a:solidFill>
+                  <a:srgbClr val="FF0000"/>
+                </a:solidFill>
+              </a:rPr>
+              <a:t>Refactorings At</a:t>
+            </a:r>
+            <a:r>
+              <a:rPr lang="es-PE" sz="4800" dirty="0" smtClean="0">
+                <a:solidFill>
+                  <a:srgbClr val="FF0000"/>
+                </a:solidFill>
+              </a:rPr>
+              <a:t>ómicos</a:t>
+            </a:r>
+            <a:endParaRPr lang="es-PE" sz="4800" dirty="0">
+              <a:solidFill>
+                <a:srgbClr val="FF0000"/>
+              </a:solidFill>
+            </a:endParaRPr>
+          </a:p>
+        </p:txBody>
+      </p:sp>
+      <p:sp>
+        <p:nvSpPr>
+          <p:cNvPr id="2" name="1 CuadroTexto"/>
+          <p:cNvSpPr txBox="1"/>
+          <p:nvPr>
+            <p:custDataLst>
+              <p:tags r:id="rId3"/>
+            </p:custDataLst>
+          </p:nvPr>
+        </p:nvSpPr>
+        <p:spPr>
+          <a:xfrm>
+            <a:off x="611560" y="1134611"/>
+            <a:ext cx="8064896" cy="4154984"/>
+          </a:xfrm>
+          <a:prstGeom prst="rect">
+            <a:avLst/>
+          </a:prstGeom>
+          <a:noFill/>
+        </p:spPr>
+        <p:txBody>
+          <a:bodyPr wrap="square" rtlCol="0">
+            <a:spAutoFit/>
+          </a:bodyPr>
+          <a:lstStyle/>
+          <a:p>
+            <a:pPr algn="ctr"/>
+            <a:r>
+              <a:rPr lang="es-PE" sz="4000" dirty="0" smtClean="0"/>
+              <a:t>Refactorings base que involucran muy pocas operaciones.</a:t>
+            </a:r>
+          </a:p>
+          <a:p>
+            <a:pPr algn="ctr"/>
+            <a:endParaRPr lang="es-PE" sz="4000" dirty="0" smtClean="0"/>
+          </a:p>
+          <a:p>
+            <a:pPr marL="571500" indent="-571500">
+              <a:buFont typeface="Arial"/>
+              <a:buChar char="•"/>
+            </a:pPr>
+            <a:r>
+              <a:rPr lang="es-PE" sz="3600" dirty="0" smtClean="0"/>
+              <a:t>Rename</a:t>
+            </a:r>
+          </a:p>
+          <a:p>
+            <a:pPr marL="571500" indent="-571500">
+              <a:buFont typeface="Arial"/>
+              <a:buChar char="•"/>
+            </a:pPr>
+            <a:r>
+              <a:rPr lang="es-PE" sz="3600" dirty="0" smtClean="0"/>
+              <a:t>Extract Method / Variable</a:t>
+            </a:r>
+          </a:p>
+          <a:p>
+            <a:pPr marL="571500" indent="-571500">
+              <a:buFont typeface="Arial"/>
+              <a:buChar char="•"/>
+            </a:pPr>
+            <a:r>
+              <a:rPr lang="es-PE" sz="3600" dirty="0" smtClean="0"/>
+              <a:t>Inline Method / Variable</a:t>
+            </a:r>
+          </a:p>
+          <a:p>
+            <a:pPr marL="571500" indent="-571500">
+              <a:buFont typeface="Arial"/>
+              <a:buChar char="•"/>
+            </a:pPr>
+            <a:r>
+              <a:rPr lang="es-PE" sz="3600" dirty="0" smtClean="0"/>
+              <a:t>Move Method</a:t>
+            </a:r>
+          </a:p>
+        </p:txBody>
+      </p:sp>
+    </p:spTree>
+    <p:custDataLst>
+      <p:tags r:id="rId1"/>
+    </p:custDataLst>
+    <p:extLst>
+      <p:ext uri="{BB962C8B-B14F-4D97-AF65-F5344CB8AC3E}">
+        <p14:creationId xmlns:p14="http://schemas.microsoft.com/office/powerpoint/2010/main" val="1157743056"/>
+      </p:ext>
+    </p:extLst>
+  </p:cSld>
+  <p:clrMapOvr>
+    <a:masterClrMapping/>
+  </p:clrMapOvr>
+  <p:timing>
+    <p:tnLst>
+      <p:par>
+        <p:cTn xmlns:p14="http://schemas.microsoft.com/office/powerpoint/2010/main" id="1" dur="indefinite" restart="never" nodeType="tmRoot"/>
+      </p:par>
+    </p:tnLst>
+  </p:timing>
+</p:sld>
+</file>
+
+<file path=ppt/slides/slide2.xml><?xml version="1.0" encoding="utf-8"?>
+<p:sld xmlns:a="http://schemas.openxmlformats.org/drawingml/2006/main" xmlns:r="http://schemas.openxmlformats.org/officeDocument/2006/relationships" xmlns:p="http://schemas.openxmlformats.org/presentationml/2006/main">
+  <p:cSld>
+    <p:spTree>
+      <p:nvGrpSpPr>
+        <p:cNvPr id="1" name=""/>
+        <p:cNvGrpSpPr/>
+        <p:nvPr/>
+      </p:nvGrpSpPr>
+      <p:grpSpPr>
+        <a:xfrm>
+          <a:off x="0" y="0"/>
+          <a:ext cx="0" cy="0"/>
+          <a:chOff x="0" y="0"/>
+          <a:chExt cx="0" cy="0"/>
+        </a:xfrm>
+      </p:grpSpPr>
+      <p:sp>
+        <p:nvSpPr>
+          <p:cNvPr id="18" name="1 Título"/>
+          <p:cNvSpPr>
+            <a:spLocks noGrp="1"/>
+          </p:cNvSpPr>
+          <p:nvPr>
+            <p:ph type="title"/>
+            <p:custDataLst>
+              <p:tags r:id="rId2"/>
+            </p:custDataLst>
+          </p:nvPr>
+        </p:nvSpPr>
+        <p:spPr>
+          <a:xfrm>
+            <a:off x="457200" y="160885"/>
+            <a:ext cx="8229600" cy="792088"/>
+          </a:xfrm>
+        </p:spPr>
+        <p:txBody>
+          <a:bodyPr/>
+          <a:lstStyle/>
+          <a:p>
+            <a:r>
+              <a:rPr lang="es-PE" dirty="0" smtClean="0">
+                <a:solidFill>
+                  <a:srgbClr val="FF0000"/>
+                </a:solidFill>
+              </a:rPr>
+              <a:t>Objetivos</a:t>
+            </a:r>
+            <a:endParaRPr lang="es-PE" dirty="0">
+              <a:solidFill>
+                <a:srgbClr val="FF0000"/>
+              </a:solidFill>
+            </a:endParaRPr>
+          </a:p>
+        </p:txBody>
+      </p:sp>
+      <p:sp>
+        <p:nvSpPr>
+          <p:cNvPr id="9" name="8 CuadroTexto"/>
+          <p:cNvSpPr txBox="1"/>
+          <p:nvPr>
+            <p:custDataLst>
+              <p:tags r:id="rId3"/>
+            </p:custDataLst>
+          </p:nvPr>
+        </p:nvSpPr>
+        <p:spPr>
+          <a:xfrm>
+            <a:off x="294033" y="980728"/>
+            <a:ext cx="8568951" cy="553998"/>
+          </a:xfrm>
+          <a:prstGeom prst="rect">
+            <a:avLst/>
+          </a:prstGeom>
+          <a:noFill/>
+        </p:spPr>
+        <p:txBody>
+          <a:bodyPr wrap="square" rtlCol="0">
+            <a:spAutoFit/>
+          </a:bodyPr>
+          <a:lstStyle/>
+          <a:p>
+            <a:pPr marL="457200" indent="-457200" algn="ctr">
+              <a:buFont typeface="Arial"/>
+              <a:buChar char="•"/>
+            </a:pPr>
+            <a:r>
+              <a:rPr lang="es-PE" sz="3000" dirty="0" smtClean="0"/>
+              <a:t>Aprender </a:t>
+            </a:r>
+            <a:endParaRPr lang="es-PE" sz="3000" dirty="0"/>
+          </a:p>
+        </p:txBody>
+      </p:sp>
+    </p:spTree>
+    <p:custDataLst>
+      <p:tags r:id="rId1"/>
+    </p:custDataLst>
+    <p:extLst>
+      <p:ext uri="{BB962C8B-B14F-4D97-AF65-F5344CB8AC3E}">
+        <p14:creationId xmlns:p14="http://schemas.microsoft.com/office/powerpoint/2010/main" val="3484589936"/>
+      </p:ext>
+    </p:extLst>
+  </p:cSld>
+  <p:clrMapOvr>
+    <a:masterClrMapping/>
+  </p:clrMapOvr>
+  <p:timing>
+    <p:tnLst>
+      <p:par>
+        <p:cTn xmlns:p14="http://schemas.microsoft.com/office/powerpoint/2010/main" id="1" dur="indefinite" restart="never" nodeType="tmRoot"/>
+      </p:par>
+    </p:tnLst>
+  </p:timing>
+</p:sld>
+</file>
+
+<file path=ppt/slides/slide20.xml><?xml version="1.0" encoding="utf-8"?>
 <p:sld xmlns:a="http://schemas.openxmlformats.org/drawingml/2006/main" xmlns:r="http://schemas.openxmlformats.org/officeDocument/2006/relationships" xmlns:p="http://schemas.openxmlformats.org/presentationml/2006/main">
   <p:cSld>
     <p:spTree>
@@ -7062,7 +8085,7 @@
 </p:sld>
 </file>
 
-<file path=ppt/slides/slide18.xml><?xml version="1.0" encoding="utf-8"?>
+<file path=ppt/slides/slide21.xml><?xml version="1.0" encoding="utf-8"?>
 <p:sld xmlns:a="http://schemas.openxmlformats.org/drawingml/2006/main" xmlns:r="http://schemas.openxmlformats.org/officeDocument/2006/relationships" xmlns:p="http://schemas.openxmlformats.org/presentationml/2006/main">
   <p:cSld>
     <p:spTree>
@@ -7217,7 +8240,7 @@
 </p:sld>
 </file>
 
-<file path=ppt/slides/slide19.xml><?xml version="1.0" encoding="utf-8"?>
+<file path=ppt/slides/slide22.xml><?xml version="1.0" encoding="utf-8"?>
 <p:sld xmlns:a="http://schemas.openxmlformats.org/drawingml/2006/main" xmlns:r="http://schemas.openxmlformats.org/officeDocument/2006/relationships" xmlns:p="http://schemas.openxmlformats.org/presentationml/2006/main">
   <p:cSld>
     <p:spTree>
@@ -7364,174 +8387,7 @@
 </p:sld>
 </file>
 
-<file path=ppt/slides/slide2.xml><?xml version="1.0" encoding="utf-8"?>
-<p:sld xmlns:a="http://schemas.openxmlformats.org/drawingml/2006/main" xmlns:r="http://schemas.openxmlformats.org/officeDocument/2006/relationships" xmlns:p="http://schemas.openxmlformats.org/presentationml/2006/main">
-  <p:cSld>
-    <p:spTree>
-      <p:nvGrpSpPr>
-        <p:cNvPr id="1" name=""/>
-        <p:cNvGrpSpPr/>
-        <p:nvPr/>
-      </p:nvGrpSpPr>
-      <p:grpSpPr>
-        <a:xfrm>
-          <a:off x="0" y="0"/>
-          <a:ext cx="0" cy="0"/>
-          <a:chOff x="0" y="0"/>
-          <a:chExt cx="0" cy="0"/>
-        </a:xfrm>
-      </p:grpSpPr>
-      <p:sp>
-        <p:nvSpPr>
-          <p:cNvPr id="18" name="1 Título"/>
-          <p:cNvSpPr>
-            <a:spLocks noGrp="1"/>
-          </p:cNvSpPr>
-          <p:nvPr>
-            <p:ph type="title"/>
-            <p:custDataLst>
-              <p:tags r:id="rId2"/>
-            </p:custDataLst>
-          </p:nvPr>
-        </p:nvSpPr>
-        <p:spPr>
-          <a:xfrm>
-            <a:off x="457200" y="160885"/>
-            <a:ext cx="8229600" cy="792088"/>
-          </a:xfrm>
-        </p:spPr>
-        <p:txBody>
-          <a:bodyPr/>
-          <a:lstStyle/>
-          <a:p>
-            <a:r>
-              <a:rPr lang="es-PE" dirty="0" smtClean="0">
-                <a:solidFill>
-                  <a:srgbClr val="FF0000"/>
-                </a:solidFill>
-              </a:rPr>
-              <a:t>Descripción</a:t>
-            </a:r>
-            <a:endParaRPr lang="es-PE" dirty="0">
-              <a:solidFill>
-                <a:srgbClr val="FF0000"/>
-              </a:solidFill>
-            </a:endParaRPr>
-          </a:p>
-        </p:txBody>
-      </p:sp>
-      <p:sp>
-        <p:nvSpPr>
-          <p:cNvPr id="9" name="8 CuadroTexto"/>
-          <p:cNvSpPr txBox="1"/>
-          <p:nvPr>
-            <p:custDataLst>
-              <p:tags r:id="rId3"/>
-            </p:custDataLst>
-          </p:nvPr>
-        </p:nvSpPr>
-        <p:spPr>
-          <a:xfrm>
-            <a:off x="294033" y="980728"/>
-            <a:ext cx="8568951" cy="5632311"/>
-          </a:xfrm>
-          <a:prstGeom prst="rect">
-            <a:avLst/>
-          </a:prstGeom>
-          <a:noFill/>
-        </p:spPr>
-        <p:txBody>
-          <a:bodyPr wrap="square" rtlCol="0">
-            <a:spAutoFit/>
-          </a:bodyPr>
-          <a:lstStyle/>
-          <a:p>
-            <a:pPr algn="ctr"/>
-            <a:r>
-              <a:rPr lang="es-PE" sz="3000" dirty="0" smtClean="0">
-                <a:solidFill>
-                  <a:srgbClr val="00823B"/>
-                </a:solidFill>
-              </a:rPr>
-              <a:t>Es un juego en el cual se utilizan ejercicios de refactorización.</a:t>
-            </a:r>
-          </a:p>
-          <a:p>
-            <a:pPr algn="ctr"/>
-            <a:endParaRPr lang="es-PE" sz="3000" dirty="0"/>
-          </a:p>
-          <a:p>
-            <a:pPr algn="ctr"/>
-            <a:r>
-              <a:rPr lang="es-PE" sz="3000" dirty="0" smtClean="0"/>
-              <a:t>Se formarán equipos y a cada uno se le dará un código inicial y uno final. </a:t>
-            </a:r>
-          </a:p>
-          <a:p>
-            <a:pPr algn="ctr"/>
-            <a:endParaRPr lang="es-PE" sz="3000" dirty="0"/>
-          </a:p>
-          <a:p>
-            <a:pPr algn="ctr"/>
-            <a:r>
-              <a:rPr lang="es-PE" sz="3000" dirty="0" smtClean="0"/>
-              <a:t>De </a:t>
-            </a:r>
-            <a:r>
-              <a:rPr lang="es-PE" sz="3000" dirty="0"/>
-              <a:t>manera similar al golf, la meta es utilizar la menor cantidad de movimientos </a:t>
-            </a:r>
-            <a:r>
-              <a:rPr lang="es-PE" sz="3000" dirty="0" smtClean="0"/>
-              <a:t>para </a:t>
-            </a:r>
-            <a:r>
-              <a:rPr lang="es-PE" sz="3000" dirty="0"/>
-              <a:t>llegar del punto inicial al final. </a:t>
-            </a:r>
-            <a:endParaRPr lang="es-PE" sz="3000" dirty="0" smtClean="0"/>
-          </a:p>
-          <a:p>
-            <a:pPr algn="ctr"/>
-            <a:endParaRPr lang="es-PE" sz="3000" dirty="0"/>
-          </a:p>
-          <a:p>
-            <a:pPr algn="ctr"/>
-            <a:r>
-              <a:rPr lang="es-PE" sz="3000" dirty="0" smtClean="0"/>
-              <a:t>Las </a:t>
-            </a:r>
-            <a:r>
-              <a:rPr lang="es-PE" sz="3000" dirty="0"/>
-              <a:t>mejores soluciones serán presentadas al resto de los asistentes.</a:t>
-            </a:r>
-          </a:p>
-        </p:txBody>
-      </p:sp>
-    </p:spTree>
-    <p:custDataLst>
-      <p:tags r:id="rId1"/>
-    </p:custDataLst>
-    <p:extLst>
-      <p:ext uri="{BB962C8B-B14F-4D97-AF65-F5344CB8AC3E}">
-        <p14:creationId xmlns:p14="http://schemas.microsoft.com/office/powerpoint/2010/main" val="2961369227"/>
-      </p:ext>
-    </p:extLst>
-  </p:cSld>
-  <p:clrMapOvr>
-    <a:masterClrMapping/>
-  </p:clrMapOvr>
-  <p:timing>
-    <p:tnLst>
-      <p:par>
-        <p:cTn xmlns:p14="http://schemas.microsoft.com/office/powerpoint/2010/main" id="1" dur="indefinite" restart="never" nodeType="tmRoot"/>
-      </p:par>
-    </p:tnLst>
-  </p:timing>
-</p:sld>
-</file>
-
-<file path=ppt/slides/slide20.xml><?xml version="1.0" encoding="utf-8"?>
+<file path=ppt/slides/slide23.xml><?xml version="1.0" encoding="utf-8"?>
 <p:sld xmlns:a="http://schemas.openxmlformats.org/drawingml/2006/main" xmlns:r="http://schemas.openxmlformats.org/officeDocument/2006/relationships" xmlns:p="http://schemas.openxmlformats.org/presentationml/2006/main">
   <p:cSld>
     <p:spTree>
@@ -7749,7 +8605,7 @@
 </p:sld>
 </file>
 
-<file path=ppt/slides/slide21.xml><?xml version="1.0" encoding="utf-8"?>
+<file path=ppt/slides/slide24.xml><?xml version="1.0" encoding="utf-8"?>
 <p:sld xmlns:a="http://schemas.openxmlformats.org/drawingml/2006/main" xmlns:r="http://schemas.openxmlformats.org/officeDocument/2006/relationships" xmlns:p="http://schemas.openxmlformats.org/presentationml/2006/main">
   <p:cSld>
     <p:spTree>
@@ -7938,7 +8794,7 @@
 </p:sld>
 </file>
 
-<file path=ppt/slides/slide22.xml><?xml version="1.0" encoding="utf-8"?>
+<file path=ppt/slides/slide25.xml><?xml version="1.0" encoding="utf-8"?>
 <p:sld xmlns:a="http://schemas.openxmlformats.org/drawingml/2006/main" xmlns:r="http://schemas.openxmlformats.org/officeDocument/2006/relationships" xmlns:p="http://schemas.openxmlformats.org/presentationml/2006/main">
   <p:cSld>
     <p:spTree>
@@ -8107,6 +8963,173 @@
 </file>
 
 <file path=ppt/slides/slide3.xml><?xml version="1.0" encoding="utf-8"?>
+<p:sld xmlns:a="http://schemas.openxmlformats.org/drawingml/2006/main" xmlns:r="http://schemas.openxmlformats.org/officeDocument/2006/relationships" xmlns:p="http://schemas.openxmlformats.org/presentationml/2006/main">
+  <p:cSld>
+    <p:spTree>
+      <p:nvGrpSpPr>
+        <p:cNvPr id="1" name=""/>
+        <p:cNvGrpSpPr/>
+        <p:nvPr/>
+      </p:nvGrpSpPr>
+      <p:grpSpPr>
+        <a:xfrm>
+          <a:off x="0" y="0"/>
+          <a:ext cx="0" cy="0"/>
+          <a:chOff x="0" y="0"/>
+          <a:chExt cx="0" cy="0"/>
+        </a:xfrm>
+      </p:grpSpPr>
+      <p:sp>
+        <p:nvSpPr>
+          <p:cNvPr id="18" name="1 Título"/>
+          <p:cNvSpPr>
+            <a:spLocks noGrp="1"/>
+          </p:cNvSpPr>
+          <p:nvPr>
+            <p:ph type="title"/>
+            <p:custDataLst>
+              <p:tags r:id="rId2"/>
+            </p:custDataLst>
+          </p:nvPr>
+        </p:nvSpPr>
+        <p:spPr>
+          <a:xfrm>
+            <a:off x="457200" y="160885"/>
+            <a:ext cx="8229600" cy="792088"/>
+          </a:xfrm>
+        </p:spPr>
+        <p:txBody>
+          <a:bodyPr/>
+          <a:lstStyle/>
+          <a:p>
+            <a:r>
+              <a:rPr lang="es-PE" dirty="0" smtClean="0">
+                <a:solidFill>
+                  <a:srgbClr val="FF0000"/>
+                </a:solidFill>
+              </a:rPr>
+              <a:t>Descripción</a:t>
+            </a:r>
+            <a:endParaRPr lang="es-PE" dirty="0">
+              <a:solidFill>
+                <a:srgbClr val="FF0000"/>
+              </a:solidFill>
+            </a:endParaRPr>
+          </a:p>
+        </p:txBody>
+      </p:sp>
+      <p:sp>
+        <p:nvSpPr>
+          <p:cNvPr id="9" name="8 CuadroTexto"/>
+          <p:cNvSpPr txBox="1"/>
+          <p:nvPr>
+            <p:custDataLst>
+              <p:tags r:id="rId3"/>
+            </p:custDataLst>
+          </p:nvPr>
+        </p:nvSpPr>
+        <p:spPr>
+          <a:xfrm>
+            <a:off x="294033" y="980728"/>
+            <a:ext cx="8568951" cy="5632311"/>
+          </a:xfrm>
+          <a:prstGeom prst="rect">
+            <a:avLst/>
+          </a:prstGeom>
+          <a:noFill/>
+        </p:spPr>
+        <p:txBody>
+          <a:bodyPr wrap="square" rtlCol="0">
+            <a:spAutoFit/>
+          </a:bodyPr>
+          <a:lstStyle/>
+          <a:p>
+            <a:pPr algn="ctr"/>
+            <a:r>
+              <a:rPr lang="es-PE" sz="3000" dirty="0" smtClean="0">
+                <a:solidFill>
+                  <a:srgbClr val="00823B"/>
+                </a:solidFill>
+              </a:rPr>
+              <a:t>Es un juego en el cual se utilizan ejercicios de refactorización.</a:t>
+            </a:r>
+          </a:p>
+          <a:p>
+            <a:pPr algn="ctr"/>
+            <a:endParaRPr lang="es-PE" sz="3000" dirty="0"/>
+          </a:p>
+          <a:p>
+            <a:pPr algn="ctr"/>
+            <a:r>
+              <a:rPr lang="es-PE" sz="3000" dirty="0" smtClean="0"/>
+              <a:t>Se formarán equipos y a cada uno se le dará un código inicial y uno final. </a:t>
+            </a:r>
+          </a:p>
+          <a:p>
+            <a:pPr algn="ctr"/>
+            <a:endParaRPr lang="es-PE" sz="3000" dirty="0"/>
+          </a:p>
+          <a:p>
+            <a:pPr algn="ctr"/>
+            <a:r>
+              <a:rPr lang="es-PE" sz="3000" dirty="0" smtClean="0"/>
+              <a:t>De </a:t>
+            </a:r>
+            <a:r>
+              <a:rPr lang="es-PE" sz="3000" dirty="0"/>
+              <a:t>manera similar al golf, la meta es utilizar la menor cantidad de movimientos </a:t>
+            </a:r>
+            <a:r>
+              <a:rPr lang="es-PE" sz="3000" dirty="0" smtClean="0"/>
+              <a:t>para </a:t>
+            </a:r>
+            <a:r>
+              <a:rPr lang="es-PE" sz="3000" dirty="0"/>
+              <a:t>llegar del punto inicial al final. </a:t>
+            </a:r>
+            <a:endParaRPr lang="es-PE" sz="3000" dirty="0" smtClean="0"/>
+          </a:p>
+          <a:p>
+            <a:pPr algn="ctr"/>
+            <a:endParaRPr lang="es-PE" sz="3000" dirty="0"/>
+          </a:p>
+          <a:p>
+            <a:pPr algn="ctr"/>
+            <a:r>
+              <a:rPr lang="es-PE" sz="3000" dirty="0" smtClean="0"/>
+              <a:t>Las </a:t>
+            </a:r>
+            <a:r>
+              <a:rPr lang="es-PE" sz="3000" dirty="0"/>
+              <a:t>mejores soluciones serán presentadas al resto de los asistentes.</a:t>
+            </a:r>
+          </a:p>
+        </p:txBody>
+      </p:sp>
+    </p:spTree>
+    <p:custDataLst>
+      <p:tags r:id="rId1"/>
+    </p:custDataLst>
+    <p:extLst>
+      <p:ext uri="{BB962C8B-B14F-4D97-AF65-F5344CB8AC3E}">
+        <p14:creationId xmlns:p14="http://schemas.microsoft.com/office/powerpoint/2010/main" val="2961369227"/>
+      </p:ext>
+    </p:extLst>
+  </p:cSld>
+  <p:clrMapOvr>
+    <a:masterClrMapping/>
+  </p:clrMapOvr>
+  <p:timing>
+    <p:tnLst>
+      <p:par>
+        <p:cTn xmlns:p14="http://schemas.microsoft.com/office/powerpoint/2010/main" id="1" dur="indefinite" restart="never" nodeType="tmRoot"/>
+      </p:par>
+    </p:tnLst>
+  </p:timing>
+</p:sld>
+</file>
+
+<file path=ppt/slides/slide4.xml><?xml version="1.0" encoding="utf-8"?>
 <p:sld xmlns:a="http://schemas.openxmlformats.org/drawingml/2006/main" xmlns:r="http://schemas.openxmlformats.org/officeDocument/2006/relationships" xmlns:p="http://schemas.openxmlformats.org/presentationml/2006/main">
   <p:cSld>
     <p:spTree>
@@ -8350,7 +9373,7 @@
 </p:sld>
 </file>
 
-<file path=ppt/slides/slide4.xml><?xml version="1.0" encoding="utf-8"?>
+<file path=ppt/slides/slide5.xml><?xml version="1.0" encoding="utf-8"?>
 <p:sld xmlns:a="http://schemas.openxmlformats.org/drawingml/2006/main" xmlns:r="http://schemas.openxmlformats.org/officeDocument/2006/relationships" xmlns:p="http://schemas.openxmlformats.org/presentationml/2006/main">
   <p:cSld>
     <p:spTree>
@@ -8560,7 +9583,7 @@
 </p:sld>
 </file>
 
-<file path=ppt/slides/slide5.xml><?xml version="1.0" encoding="utf-8"?>
+<file path=ppt/slides/slide6.xml><?xml version="1.0" encoding="utf-8"?>
 <p:sld xmlns:a="http://schemas.openxmlformats.org/drawingml/2006/main" xmlns:r="http://schemas.openxmlformats.org/officeDocument/2006/relationships" xmlns:p="http://schemas.openxmlformats.org/presentationml/2006/main">
   <p:cSld>
     <p:spTree>
@@ -8789,7 +9812,7 @@
 </p:sld>
 </file>
 
-<file path=ppt/slides/slide6.xml><?xml version="1.0" encoding="utf-8"?>
+<file path=ppt/slides/slide7.xml><?xml version="1.0" encoding="utf-8"?>
 <p:sld xmlns:a="http://schemas.openxmlformats.org/drawingml/2006/main" xmlns:r="http://schemas.openxmlformats.org/officeDocument/2006/relationships" xmlns:p="http://schemas.openxmlformats.org/presentationml/2006/main">
   <p:cSld>
     <p:spTree>
@@ -8997,7 +10020,7 @@
 </p:sld>
 </file>
 
-<file path=ppt/slides/slide7.xml><?xml version="1.0" encoding="utf-8"?>
+<file path=ppt/slides/slide8.xml><?xml version="1.0" encoding="utf-8"?>
 <p:sld xmlns:a="http://schemas.openxmlformats.org/drawingml/2006/main" xmlns:r="http://schemas.openxmlformats.org/officeDocument/2006/relationships" xmlns:p="http://schemas.openxmlformats.org/presentationml/2006/main">
   <p:cSld>
     <p:spTree>
@@ -9094,8 +10117,13 @@
             </a:br>
             <a:r>
               <a:rPr lang="es-PE" sz="2800" dirty="0" smtClean="0"/>
-              <a:t>(El código se encuentra en VS2010 y Eclipse pero se puede importar)</a:t>
-            </a:r>
+              <a:t>(El código se encuentra en VS2010 y </a:t>
+            </a:r>
+            <a:r>
+              <a:rPr lang="es-PE" sz="2800" dirty="0" smtClean="0"/>
+              <a:t>Eclipse)</a:t>
+            </a:r>
+            <a:endParaRPr lang="es-PE" sz="2800" dirty="0" smtClean="0"/>
           </a:p>
           <a:p>
             <a:pPr marL="439738" indent="-439738" algn="ctr">
@@ -9259,7 +10287,7 @@
 </p:sld>
 </file>
 
-<file path=ppt/slides/slide8.xml><?xml version="1.0" encoding="utf-8"?>
+<file path=ppt/slides/slide9.xml><?xml version="1.0" encoding="utf-8"?>
 <p:sld xmlns:a="http://schemas.openxmlformats.org/drawingml/2006/main" xmlns:r="http://schemas.openxmlformats.org/officeDocument/2006/relationships" xmlns:p="http://schemas.openxmlformats.org/presentationml/2006/main">
   <p:cSld>
     <p:spTree>
@@ -9513,130 +10541,6 @@
 </p:sld>
 </file>
 
-<file path=ppt/slides/slide9.xml><?xml version="1.0" encoding="utf-8"?>
-<p:sld xmlns:a="http://schemas.openxmlformats.org/drawingml/2006/main" xmlns:r="http://schemas.openxmlformats.org/officeDocument/2006/relationships" xmlns:p="http://schemas.openxmlformats.org/presentationml/2006/main">
-  <p:cSld>
-    <p:spTree>
-      <p:nvGrpSpPr>
-        <p:cNvPr id="1" name=""/>
-        <p:cNvGrpSpPr/>
-        <p:nvPr/>
-      </p:nvGrpSpPr>
-      <p:grpSpPr>
-        <a:xfrm>
-          <a:off x="0" y="0"/>
-          <a:ext cx="0" cy="0"/>
-          <a:chOff x="0" y="0"/>
-          <a:chExt cx="0" cy="0"/>
-        </a:xfrm>
-      </p:grpSpPr>
-      <p:sp>
-        <p:nvSpPr>
-          <p:cNvPr id="18" name="1 Título"/>
-          <p:cNvSpPr>
-            <a:spLocks noGrp="1"/>
-          </p:cNvSpPr>
-          <p:nvPr>
-            <p:ph type="title"/>
-            <p:custDataLst>
-              <p:tags r:id="rId2"/>
-            </p:custDataLst>
-          </p:nvPr>
-        </p:nvSpPr>
-        <p:spPr>
-          <a:xfrm>
-            <a:off x="457200" y="160885"/>
-            <a:ext cx="8229600" cy="792088"/>
-          </a:xfrm>
-        </p:spPr>
-        <p:txBody>
-          <a:bodyPr/>
-          <a:lstStyle/>
-          <a:p>
-            <a:r>
-              <a:rPr lang="es-PE" dirty="0" smtClean="0">
-                <a:solidFill>
-                  <a:srgbClr val="FF0000"/>
-                </a:solidFill>
-              </a:rPr>
-              <a:t>Equipo Ganador</a:t>
-            </a:r>
-            <a:endParaRPr lang="es-PE" dirty="0">
-              <a:solidFill>
-                <a:srgbClr val="FF0000"/>
-              </a:solidFill>
-            </a:endParaRPr>
-          </a:p>
-        </p:txBody>
-      </p:sp>
-      <p:sp>
-        <p:nvSpPr>
-          <p:cNvPr id="3" name="2 Rectángulo"/>
-          <p:cNvSpPr/>
-          <p:nvPr>
-            <p:custDataLst>
-              <p:tags r:id="rId3"/>
-            </p:custDataLst>
-          </p:nvPr>
-        </p:nvSpPr>
-        <p:spPr>
-          <a:xfrm>
-            <a:off x="610315" y="1668864"/>
-            <a:ext cx="7874820" cy="3416320"/>
-          </a:xfrm>
-          <a:prstGeom prst="rect">
-            <a:avLst/>
-          </a:prstGeom>
-        </p:spPr>
-        <p:txBody>
-          <a:bodyPr wrap="square">
-            <a:spAutoFit/>
-          </a:bodyPr>
-          <a:lstStyle/>
-          <a:p>
-            <a:pPr algn="ctr"/>
-            <a:r>
-              <a:rPr lang="es-PE" sz="3600" dirty="0" smtClean="0"/>
-              <a:t>El equipo que logre el menor puntaje será el ganador.</a:t>
-            </a:r>
-          </a:p>
-          <a:p>
-            <a:pPr algn="ctr"/>
-            <a:endParaRPr lang="es-PE" sz="3600" dirty="0"/>
-          </a:p>
-          <a:p>
-            <a:pPr algn="ctr"/>
-            <a:r>
-              <a:rPr lang="es-PE" sz="3600" dirty="0" smtClean="0"/>
-              <a:t>Al finalizar el juego, el equipo ganador mostrará como realizó el juego al resto de asistentes.</a:t>
-            </a:r>
-            <a:endParaRPr lang="es-PE" sz="3600" dirty="0"/>
-          </a:p>
-        </p:txBody>
-      </p:sp>
-    </p:spTree>
-    <p:custDataLst>
-      <p:tags r:id="rId1"/>
-    </p:custDataLst>
-    <p:extLst>
-      <p:ext uri="{BB962C8B-B14F-4D97-AF65-F5344CB8AC3E}">
-        <p14:creationId xmlns:p14="http://schemas.microsoft.com/office/powerpoint/2010/main" val="1762542377"/>
-      </p:ext>
-    </p:extLst>
-  </p:cSld>
-  <p:clrMapOvr>
-    <a:masterClrMapping/>
-  </p:clrMapOvr>
-  <p:timing>
-    <p:tnLst>
-      <p:par>
-        <p:cTn xmlns:p14="http://schemas.microsoft.com/office/powerpoint/2010/main" id="1" dur="indefinite" restart="never" nodeType="tmRoot"/>
-      </p:par>
-    </p:tnLst>
-  </p:timing>
-</p:sld>
-</file>
-
 <file path=ppt/tags/tag1.xml><?xml version="1.0" encoding="utf-8"?>
 <p:tagLst xmlns:a="http://schemas.openxmlformats.org/drawingml/2006/main" xmlns:r="http://schemas.openxmlformats.org/officeDocument/2006/relationships" xmlns:p="http://schemas.openxmlformats.org/presentationml/2006/main">
   <p:tag name="DVSECTIONID" val="2XWr3HSZJfLugYrDJ068A5"/>
@@ -9645,61 +10549,61 @@
 
 <file path=ppt/tags/tag10.xml><?xml version="1.0" encoding="utf-8"?>
 <p:tagLst xmlns:a="http://schemas.openxmlformats.org/drawingml/2006/main" xmlns:r="http://schemas.openxmlformats.org/officeDocument/2006/relationships" xmlns:p="http://schemas.openxmlformats.org/presentationml/2006/main">
+  <p:tag name="DVSHAPEID" val="fZc3oBoAnxWoX42IRwqBfE"/>
+</p:tagLst>
+</file>
+
+<file path=ppt/tags/tag11.xml><?xml version="1.0" encoding="utf-8"?>
+<p:tagLst xmlns:a="http://schemas.openxmlformats.org/drawingml/2006/main" xmlns:r="http://schemas.openxmlformats.org/officeDocument/2006/relationships" xmlns:p="http://schemas.openxmlformats.org/presentationml/2006/main">
+  <p:tag name="DVSECTIONID" val="KqhQqL9txX1WI3J1OWdG90"/>
+</p:tagLst>
+</file>
+
+<file path=ppt/tags/tag12.xml><?xml version="1.0" encoding="utf-8"?>
+<p:tagLst xmlns:a="http://schemas.openxmlformats.org/drawingml/2006/main" xmlns:r="http://schemas.openxmlformats.org/officeDocument/2006/relationships" xmlns:p="http://schemas.openxmlformats.org/presentationml/2006/main">
+  <p:tag name="DVSHAPEID" val="sDswchU5s1ECePv26aqRq0"/>
+</p:tagLst>
+</file>
+
+<file path=ppt/tags/tag13.xml><?xml version="1.0" encoding="utf-8"?>
+<p:tagLst xmlns:a="http://schemas.openxmlformats.org/drawingml/2006/main" xmlns:r="http://schemas.openxmlformats.org/officeDocument/2006/relationships" xmlns:p="http://schemas.openxmlformats.org/presentationml/2006/main">
   <p:tag name="DVSHAPEID" val="cr2FQ1nCcHgAxzASo6Fh5U"/>
 </p:tagLst>
 </file>
 
-<file path=ppt/tags/tag11.xml><?xml version="1.0" encoding="utf-8"?>
+<file path=ppt/tags/tag14.xml><?xml version="1.0" encoding="utf-8"?>
 <p:tagLst xmlns:a="http://schemas.openxmlformats.org/drawingml/2006/main" xmlns:r="http://schemas.openxmlformats.org/officeDocument/2006/relationships" xmlns:p="http://schemas.openxmlformats.org/presentationml/2006/main">
   <p:tag name="DVSHAPEID" val="JkPcdOpgbndrq1txqTIPOX"/>
 </p:tagLst>
 </file>
 
-<file path=ppt/tags/tag12.xml><?xml version="1.0" encoding="utf-8"?>
+<file path=ppt/tags/tag15.xml><?xml version="1.0" encoding="utf-8"?>
 <p:tagLst xmlns:a="http://schemas.openxmlformats.org/drawingml/2006/main" xmlns:r="http://schemas.openxmlformats.org/officeDocument/2006/relationships" xmlns:p="http://schemas.openxmlformats.org/presentationml/2006/main">
   <p:tag name="DVSECTIONID" val="zWgapm2iuGnq7iJ2v1TCeY"/>
 </p:tagLst>
 </file>
 
-<file path=ppt/tags/tag13.xml><?xml version="1.0" encoding="utf-8"?>
+<file path=ppt/tags/tag16.xml><?xml version="1.0" encoding="utf-8"?>
 <p:tagLst xmlns:a="http://schemas.openxmlformats.org/drawingml/2006/main" xmlns:r="http://schemas.openxmlformats.org/officeDocument/2006/relationships" xmlns:p="http://schemas.openxmlformats.org/presentationml/2006/main">
   <p:tag name="DVSHAPEID" val="lDiWseLkb9ViHIPENzdWwS"/>
 </p:tagLst>
 </file>
 
-<file path=ppt/tags/tag14.xml><?xml version="1.0" encoding="utf-8"?>
+<file path=ppt/tags/tag17.xml><?xml version="1.0" encoding="utf-8"?>
 <p:tagLst xmlns:a="http://schemas.openxmlformats.org/drawingml/2006/main" xmlns:r="http://schemas.openxmlformats.org/officeDocument/2006/relationships" xmlns:p="http://schemas.openxmlformats.org/presentationml/2006/main">
   <p:tag name="DVSHAPEID" val="m58zoQFMzf6MYbThmbuQb4"/>
 </p:tagLst>
 </file>
 
-<file path=ppt/tags/tag15.xml><?xml version="1.0" encoding="utf-8"?>
+<file path=ppt/tags/tag18.xml><?xml version="1.0" encoding="utf-8"?>
 <p:tagLst xmlns:a="http://schemas.openxmlformats.org/drawingml/2006/main" xmlns:r="http://schemas.openxmlformats.org/officeDocument/2006/relationships" xmlns:p="http://schemas.openxmlformats.org/presentationml/2006/main">
   <p:tag name="DVSHAPEID" val="w8jLHM59CRqthcNTPUEpzF"/>
 </p:tagLst>
 </file>
 
-<file path=ppt/tags/tag16.xml><?xml version="1.0" encoding="utf-8"?>
+<file path=ppt/tags/tag19.xml><?xml version="1.0" encoding="utf-8"?>
 <p:tagLst xmlns:a="http://schemas.openxmlformats.org/drawingml/2006/main" xmlns:r="http://schemas.openxmlformats.org/officeDocument/2006/relationships" xmlns:p="http://schemas.openxmlformats.org/presentationml/2006/main">
   <p:tag name="DVSHAPEID" val="cVJEKwc1sFHhy0fD8THpCe"/>
-</p:tagLst>
-</file>
-
-<file path=ppt/tags/tag17.xml><?xml version="1.0" encoding="utf-8"?>
-<p:tagLst xmlns:a="http://schemas.openxmlformats.org/drawingml/2006/main" xmlns:r="http://schemas.openxmlformats.org/officeDocument/2006/relationships" xmlns:p="http://schemas.openxmlformats.org/presentationml/2006/main">
-  <p:tag name="DVSECTIONID" val="hLzaDWZHG1EKRlzgmNrfsl"/>
-</p:tagLst>
-</file>
-
-<file path=ppt/tags/tag18.xml><?xml version="1.0" encoding="utf-8"?>
-<p:tagLst xmlns:a="http://schemas.openxmlformats.org/drawingml/2006/main" xmlns:r="http://schemas.openxmlformats.org/officeDocument/2006/relationships" xmlns:p="http://schemas.openxmlformats.org/presentationml/2006/main">
-  <p:tag name="DVSHAPEID" val="lvUHttmzcMuRWn131yWApL"/>
-</p:tagLst>
-</file>
-
-<file path=ppt/tags/tag19.xml><?xml version="1.0" encoding="utf-8"?>
-<p:tagLst xmlns:a="http://schemas.openxmlformats.org/drawingml/2006/main" xmlns:r="http://schemas.openxmlformats.org/officeDocument/2006/relationships" xmlns:p="http://schemas.openxmlformats.org/presentationml/2006/main">
-  <p:tag name="DVSHAPEID" val="LZDNDbMLI92XAeJ32JFStU"/>
 </p:tagLst>
 </file>
 
@@ -9711,61 +10615,61 @@
 
 <file path=ppt/tags/tag20.xml><?xml version="1.0" encoding="utf-8"?>
 <p:tagLst xmlns:a="http://schemas.openxmlformats.org/drawingml/2006/main" xmlns:r="http://schemas.openxmlformats.org/officeDocument/2006/relationships" xmlns:p="http://schemas.openxmlformats.org/presentationml/2006/main">
+  <p:tag name="DVSECTIONID" val="hLzaDWZHG1EKRlzgmNrfsl"/>
+</p:tagLst>
+</file>
+
+<file path=ppt/tags/tag21.xml><?xml version="1.0" encoding="utf-8"?>
+<p:tagLst xmlns:a="http://schemas.openxmlformats.org/drawingml/2006/main" xmlns:r="http://schemas.openxmlformats.org/officeDocument/2006/relationships" xmlns:p="http://schemas.openxmlformats.org/presentationml/2006/main">
+  <p:tag name="DVSHAPEID" val="lvUHttmzcMuRWn131yWApL"/>
+</p:tagLst>
+</file>
+
+<file path=ppt/tags/tag22.xml><?xml version="1.0" encoding="utf-8"?>
+<p:tagLst xmlns:a="http://schemas.openxmlformats.org/drawingml/2006/main" xmlns:r="http://schemas.openxmlformats.org/officeDocument/2006/relationships" xmlns:p="http://schemas.openxmlformats.org/presentationml/2006/main">
+  <p:tag name="DVSHAPEID" val="LZDNDbMLI92XAeJ32JFStU"/>
+</p:tagLst>
+</file>
+
+<file path=ppt/tags/tag23.xml><?xml version="1.0" encoding="utf-8"?>
+<p:tagLst xmlns:a="http://schemas.openxmlformats.org/drawingml/2006/main" xmlns:r="http://schemas.openxmlformats.org/officeDocument/2006/relationships" xmlns:p="http://schemas.openxmlformats.org/presentationml/2006/main">
   <p:tag name="DVSHAPEID" val="MH4RC5S8t1OzJU3GPaNr3k"/>
 </p:tagLst>
 </file>
 
-<file path=ppt/tags/tag21.xml><?xml version="1.0" encoding="utf-8"?>
+<file path=ppt/tags/tag24.xml><?xml version="1.0" encoding="utf-8"?>
 <p:tagLst xmlns:a="http://schemas.openxmlformats.org/drawingml/2006/main" xmlns:r="http://schemas.openxmlformats.org/officeDocument/2006/relationships" xmlns:p="http://schemas.openxmlformats.org/presentationml/2006/main">
   <p:tag name="DVSHAPEID" val="OYNNjYvcVwiQcWJMzGSAG0"/>
 </p:tagLst>
 </file>
 
-<file path=ppt/tags/tag22.xml><?xml version="1.0" encoding="utf-8"?>
+<file path=ppt/tags/tag25.xml><?xml version="1.0" encoding="utf-8"?>
 <p:tagLst xmlns:a="http://schemas.openxmlformats.org/drawingml/2006/main" xmlns:r="http://schemas.openxmlformats.org/officeDocument/2006/relationships" xmlns:p="http://schemas.openxmlformats.org/presentationml/2006/main">
   <p:tag name="DVSECTIONID" val="yhVriMrcMxMBEvBfJ6iNZl"/>
 </p:tagLst>
 </file>
 
-<file path=ppt/tags/tag23.xml><?xml version="1.0" encoding="utf-8"?>
+<file path=ppt/tags/tag26.xml><?xml version="1.0" encoding="utf-8"?>
 <p:tagLst xmlns:a="http://schemas.openxmlformats.org/drawingml/2006/main" xmlns:r="http://schemas.openxmlformats.org/officeDocument/2006/relationships" xmlns:p="http://schemas.openxmlformats.org/presentationml/2006/main">
   <p:tag name="DVSHAPEID" val="90uPZmUu51RrS53OLUCh6h"/>
 </p:tagLst>
 </file>
 
-<file path=ppt/tags/tag24.xml><?xml version="1.0" encoding="utf-8"?>
+<file path=ppt/tags/tag27.xml><?xml version="1.0" encoding="utf-8"?>
 <p:tagLst xmlns:a="http://schemas.openxmlformats.org/drawingml/2006/main" xmlns:r="http://schemas.openxmlformats.org/officeDocument/2006/relationships" xmlns:p="http://schemas.openxmlformats.org/presentationml/2006/main">
   <p:tag name="DVSHAPEID" val="hSI7X2B6ytEOPMiuY9hrrg"/>
 </p:tagLst>
 </file>
 
-<file path=ppt/tags/tag25.xml><?xml version="1.0" encoding="utf-8"?>
+<file path=ppt/tags/tag28.xml><?xml version="1.0" encoding="utf-8"?>
 <p:tagLst xmlns:a="http://schemas.openxmlformats.org/drawingml/2006/main" xmlns:r="http://schemas.openxmlformats.org/officeDocument/2006/relationships" xmlns:p="http://schemas.openxmlformats.org/presentationml/2006/main">
   <p:tag name="DVSHAPEID" val="ZK3DIKVYXpURJB6RpRTZtn"/>
 </p:tagLst>
 </file>
 
-<file path=ppt/tags/tag26.xml><?xml version="1.0" encoding="utf-8"?>
+<file path=ppt/tags/tag29.xml><?xml version="1.0" encoding="utf-8"?>
 <p:tagLst xmlns:a="http://schemas.openxmlformats.org/drawingml/2006/main" xmlns:r="http://schemas.openxmlformats.org/officeDocument/2006/relationships" xmlns:p="http://schemas.openxmlformats.org/presentationml/2006/main">
   <p:tag name="DVSECTIONID" val="MnrnsfE6bYvWchebDdguf7"/>
-</p:tagLst>
-</file>
-
-<file path=ppt/tags/tag27.xml><?xml version="1.0" encoding="utf-8"?>
-<p:tagLst xmlns:a="http://schemas.openxmlformats.org/drawingml/2006/main" xmlns:r="http://schemas.openxmlformats.org/officeDocument/2006/relationships" xmlns:p="http://schemas.openxmlformats.org/presentationml/2006/main">
-  <p:tag name="DVSHAPEID" val="N4ghwgVsZEQ1TX4jkQazvf"/>
-</p:tagLst>
-</file>
-
-<file path=ppt/tags/tag28.xml><?xml version="1.0" encoding="utf-8"?>
-<p:tagLst xmlns:a="http://schemas.openxmlformats.org/drawingml/2006/main" xmlns:r="http://schemas.openxmlformats.org/officeDocument/2006/relationships" xmlns:p="http://schemas.openxmlformats.org/presentationml/2006/main">
-  <p:tag name="DVSHAPEID" val="TX3Hn6KpxsMBXZmreF3upf"/>
-</p:tagLst>
-</file>
-
-<file path=ppt/tags/tag29.xml><?xml version="1.0" encoding="utf-8"?>
-<p:tagLst xmlns:a="http://schemas.openxmlformats.org/drawingml/2006/main" xmlns:r="http://schemas.openxmlformats.org/officeDocument/2006/relationships" xmlns:p="http://schemas.openxmlformats.org/presentationml/2006/main">
-  <p:tag name="DVSHAPEID" val="0HI9N5x3OTRxaidPSOIz7o"/>
 </p:tagLst>
 </file>
 
@@ -9777,61 +10681,61 @@
 
 <file path=ppt/tags/tag30.xml><?xml version="1.0" encoding="utf-8"?>
 <p:tagLst xmlns:a="http://schemas.openxmlformats.org/drawingml/2006/main" xmlns:r="http://schemas.openxmlformats.org/officeDocument/2006/relationships" xmlns:p="http://schemas.openxmlformats.org/presentationml/2006/main">
+  <p:tag name="DVSHAPEID" val="N4ghwgVsZEQ1TX4jkQazvf"/>
+</p:tagLst>
+</file>
+
+<file path=ppt/tags/tag31.xml><?xml version="1.0" encoding="utf-8"?>
+<p:tagLst xmlns:a="http://schemas.openxmlformats.org/drawingml/2006/main" xmlns:r="http://schemas.openxmlformats.org/officeDocument/2006/relationships" xmlns:p="http://schemas.openxmlformats.org/presentationml/2006/main">
+  <p:tag name="DVSHAPEID" val="TX3Hn6KpxsMBXZmreF3upf"/>
+</p:tagLst>
+</file>
+
+<file path=ppt/tags/tag32.xml><?xml version="1.0" encoding="utf-8"?>
+<p:tagLst xmlns:a="http://schemas.openxmlformats.org/drawingml/2006/main" xmlns:r="http://schemas.openxmlformats.org/officeDocument/2006/relationships" xmlns:p="http://schemas.openxmlformats.org/presentationml/2006/main">
+  <p:tag name="DVSHAPEID" val="0HI9N5x3OTRxaidPSOIz7o"/>
+</p:tagLst>
+</file>
+
+<file path=ppt/tags/tag33.xml><?xml version="1.0" encoding="utf-8"?>
+<p:tagLst xmlns:a="http://schemas.openxmlformats.org/drawingml/2006/main" xmlns:r="http://schemas.openxmlformats.org/officeDocument/2006/relationships" xmlns:p="http://schemas.openxmlformats.org/presentationml/2006/main">
   <p:tag name="DVSECTIONID" val="YfG4E73kWElduy0UjbxFmN"/>
 </p:tagLst>
 </file>
 
-<file path=ppt/tags/tag31.xml><?xml version="1.0" encoding="utf-8"?>
+<file path=ppt/tags/tag34.xml><?xml version="1.0" encoding="utf-8"?>
 <p:tagLst xmlns:a="http://schemas.openxmlformats.org/drawingml/2006/main" xmlns:r="http://schemas.openxmlformats.org/officeDocument/2006/relationships" xmlns:p="http://schemas.openxmlformats.org/presentationml/2006/main">
   <p:tag name="DVSHAPEID" val="eh04WSBvw0QEXlYejESuDS"/>
 </p:tagLst>
 </file>
 
-<file path=ppt/tags/tag32.xml><?xml version="1.0" encoding="utf-8"?>
+<file path=ppt/tags/tag35.xml><?xml version="1.0" encoding="utf-8"?>
 <p:tagLst xmlns:a="http://schemas.openxmlformats.org/drawingml/2006/main" xmlns:r="http://schemas.openxmlformats.org/officeDocument/2006/relationships" xmlns:p="http://schemas.openxmlformats.org/presentationml/2006/main">
   <p:tag name="DVSHAPEID" val="JpO4dpMeMP8Ctq8I8ErinR"/>
 </p:tagLst>
 </file>
 
-<file path=ppt/tags/tag33.xml><?xml version="1.0" encoding="utf-8"?>
+<file path=ppt/tags/tag36.xml><?xml version="1.0" encoding="utf-8"?>
 <p:tagLst xmlns:a="http://schemas.openxmlformats.org/drawingml/2006/main" xmlns:r="http://schemas.openxmlformats.org/officeDocument/2006/relationships" xmlns:p="http://schemas.openxmlformats.org/presentationml/2006/main">
   <p:tag name="DVSHAPEID" val="HwlSQDv3HCKlxAgSFcJie0"/>
 </p:tagLst>
 </file>
 
-<file path=ppt/tags/tag34.xml><?xml version="1.0" encoding="utf-8"?>
+<file path=ppt/tags/tag37.xml><?xml version="1.0" encoding="utf-8"?>
 <p:tagLst xmlns:a="http://schemas.openxmlformats.org/drawingml/2006/main" xmlns:r="http://schemas.openxmlformats.org/officeDocument/2006/relationships" xmlns:p="http://schemas.openxmlformats.org/presentationml/2006/main">
   <p:tag name="DVSECTIONID" val="5Hij0xt5xu6EobHoAx3Q1R"/>
 </p:tagLst>
 </file>
 
-<file path=ppt/tags/tag35.xml><?xml version="1.0" encoding="utf-8"?>
+<file path=ppt/tags/tag38.xml><?xml version="1.0" encoding="utf-8"?>
 <p:tagLst xmlns:a="http://schemas.openxmlformats.org/drawingml/2006/main" xmlns:r="http://schemas.openxmlformats.org/officeDocument/2006/relationships" xmlns:p="http://schemas.openxmlformats.org/presentationml/2006/main">
   <p:tag name="DVSHAPEID" val="vkSy6Awd3lvSIiIly8JJ8v"/>
 </p:tagLst>
 </file>
 
-<file path=ppt/tags/tag36.xml><?xml version="1.0" encoding="utf-8"?>
+<file path=ppt/tags/tag39.xml><?xml version="1.0" encoding="utf-8"?>
 <p:tagLst xmlns:a="http://schemas.openxmlformats.org/drawingml/2006/main" xmlns:r="http://schemas.openxmlformats.org/officeDocument/2006/relationships" xmlns:p="http://schemas.openxmlformats.org/presentationml/2006/main">
   <p:tag name="DVSHAPEID" val="S7SysfZez5CH00ZixVxuzp"/>
-</p:tagLst>
-</file>
-
-<file path=ppt/tags/tag37.xml><?xml version="1.0" encoding="utf-8"?>
-<p:tagLst xmlns:a="http://schemas.openxmlformats.org/drawingml/2006/main" xmlns:r="http://schemas.openxmlformats.org/officeDocument/2006/relationships" xmlns:p="http://schemas.openxmlformats.org/presentationml/2006/main">
-  <p:tag name="DVSECTIONID" val="BZMFbIT4XzLbaYLl6vRQ7Q"/>
-</p:tagLst>
-</file>
-
-<file path=ppt/tags/tag38.xml><?xml version="1.0" encoding="utf-8"?>
-<p:tagLst xmlns:a="http://schemas.openxmlformats.org/drawingml/2006/main" xmlns:r="http://schemas.openxmlformats.org/officeDocument/2006/relationships" xmlns:p="http://schemas.openxmlformats.org/presentationml/2006/main">
-  <p:tag name="DVSHAPEID" val="PFSXajEAyvRZsKFy7gdPLq"/>
-</p:tagLst>
-</file>
-
-<file path=ppt/tags/tag39.xml><?xml version="1.0" encoding="utf-8"?>
-<p:tagLst xmlns:a="http://schemas.openxmlformats.org/drawingml/2006/main" xmlns:r="http://schemas.openxmlformats.org/officeDocument/2006/relationships" xmlns:p="http://schemas.openxmlformats.org/presentationml/2006/main">
-  <p:tag name="DVSHAPEID" val="P0yfDZOghJDppRFrYnYLid"/>
 </p:tagLst>
 </file>
 
@@ -9843,61 +10747,61 @@
 
 <file path=ppt/tags/tag40.xml><?xml version="1.0" encoding="utf-8"?>
 <p:tagLst xmlns:a="http://schemas.openxmlformats.org/drawingml/2006/main" xmlns:r="http://schemas.openxmlformats.org/officeDocument/2006/relationships" xmlns:p="http://schemas.openxmlformats.org/presentationml/2006/main">
+  <p:tag name="DVSECTIONID" val="BZMFbIT4XzLbaYLl6vRQ7Q"/>
+</p:tagLst>
+</file>
+
+<file path=ppt/tags/tag41.xml><?xml version="1.0" encoding="utf-8"?>
+<p:tagLst xmlns:a="http://schemas.openxmlformats.org/drawingml/2006/main" xmlns:r="http://schemas.openxmlformats.org/officeDocument/2006/relationships" xmlns:p="http://schemas.openxmlformats.org/presentationml/2006/main">
+  <p:tag name="DVSHAPEID" val="PFSXajEAyvRZsKFy7gdPLq"/>
+</p:tagLst>
+</file>
+
+<file path=ppt/tags/tag42.xml><?xml version="1.0" encoding="utf-8"?>
+<p:tagLst xmlns:a="http://schemas.openxmlformats.org/drawingml/2006/main" xmlns:r="http://schemas.openxmlformats.org/officeDocument/2006/relationships" xmlns:p="http://schemas.openxmlformats.org/presentationml/2006/main">
+  <p:tag name="DVSHAPEID" val="P0yfDZOghJDppRFrYnYLid"/>
+</p:tagLst>
+</file>
+
+<file path=ppt/tags/tag43.xml><?xml version="1.0" encoding="utf-8"?>
+<p:tagLst xmlns:a="http://schemas.openxmlformats.org/drawingml/2006/main" xmlns:r="http://schemas.openxmlformats.org/officeDocument/2006/relationships" xmlns:p="http://schemas.openxmlformats.org/presentationml/2006/main">
   <p:tag name="DVSECTIONID" val="6QaPdUBZCvLe6jwlmKcsxw"/>
 </p:tagLst>
 </file>
 
-<file path=ppt/tags/tag41.xml><?xml version="1.0" encoding="utf-8"?>
+<file path=ppt/tags/tag44.xml><?xml version="1.0" encoding="utf-8"?>
 <p:tagLst xmlns:a="http://schemas.openxmlformats.org/drawingml/2006/main" xmlns:r="http://schemas.openxmlformats.org/officeDocument/2006/relationships" xmlns:p="http://schemas.openxmlformats.org/presentationml/2006/main">
   <p:tag name="DVSHAPEID" val="3ZrrSBbxeMU7bha5DBZVmc"/>
 </p:tagLst>
 </file>
 
-<file path=ppt/tags/tag42.xml><?xml version="1.0" encoding="utf-8"?>
+<file path=ppt/tags/tag45.xml><?xml version="1.0" encoding="utf-8"?>
 <p:tagLst xmlns:a="http://schemas.openxmlformats.org/drawingml/2006/main" xmlns:r="http://schemas.openxmlformats.org/officeDocument/2006/relationships" xmlns:p="http://schemas.openxmlformats.org/presentationml/2006/main">
   <p:tag name="DVSHAPEID" val="PSNNPDIc0KOBXyNb6c5JvR"/>
 </p:tagLst>
 </file>
 
-<file path=ppt/tags/tag43.xml><?xml version="1.0" encoding="utf-8"?>
+<file path=ppt/tags/tag46.xml><?xml version="1.0" encoding="utf-8"?>
 <p:tagLst xmlns:a="http://schemas.openxmlformats.org/drawingml/2006/main" xmlns:r="http://schemas.openxmlformats.org/officeDocument/2006/relationships" xmlns:p="http://schemas.openxmlformats.org/presentationml/2006/main">
   <p:tag name="DVSECTIONID" val="Tc0IDerxZaJLSWvmvYtXWf"/>
 </p:tagLst>
 </file>
 
-<file path=ppt/tags/tag44.xml><?xml version="1.0" encoding="utf-8"?>
+<file path=ppt/tags/tag47.xml><?xml version="1.0" encoding="utf-8"?>
 <p:tagLst xmlns:a="http://schemas.openxmlformats.org/drawingml/2006/main" xmlns:r="http://schemas.openxmlformats.org/officeDocument/2006/relationships" xmlns:p="http://schemas.openxmlformats.org/presentationml/2006/main">
   <p:tag name="DVSHAPEID" val="vhGohSKmLnQQazD4MxP1L9"/>
 </p:tagLst>
 </file>
 
-<file path=ppt/tags/tag45.xml><?xml version="1.0" encoding="utf-8"?>
+<file path=ppt/tags/tag48.xml><?xml version="1.0" encoding="utf-8"?>
 <p:tagLst xmlns:a="http://schemas.openxmlformats.org/drawingml/2006/main" xmlns:r="http://schemas.openxmlformats.org/officeDocument/2006/relationships" xmlns:p="http://schemas.openxmlformats.org/presentationml/2006/main">
   <p:tag name="DVSHAPEID" val="izjBhruNQDHXnv7rmPsDZr"/>
 </p:tagLst>
 </file>
 
-<file path=ppt/tags/tag46.xml><?xml version="1.0" encoding="utf-8"?>
+<file path=ppt/tags/tag49.xml><?xml version="1.0" encoding="utf-8"?>
 <p:tagLst xmlns:a="http://schemas.openxmlformats.org/drawingml/2006/main" xmlns:r="http://schemas.openxmlformats.org/officeDocument/2006/relationships" xmlns:p="http://schemas.openxmlformats.org/presentationml/2006/main">
   <p:tag name="DVSECTIONID" val="pVSrOL96EEiAWXOuhmy5wA"/>
-</p:tagLst>
-</file>
-
-<file path=ppt/tags/tag47.xml><?xml version="1.0" encoding="utf-8"?>
-<p:tagLst xmlns:a="http://schemas.openxmlformats.org/drawingml/2006/main" xmlns:r="http://schemas.openxmlformats.org/officeDocument/2006/relationships" xmlns:p="http://schemas.openxmlformats.org/presentationml/2006/main">
-  <p:tag name="DVSHAPEID" val="K7ney2pxUt5mZ64FAjSYwd"/>
-</p:tagLst>
-</file>
-
-<file path=ppt/tags/tag48.xml><?xml version="1.0" encoding="utf-8"?>
-<p:tagLst xmlns:a="http://schemas.openxmlformats.org/drawingml/2006/main" xmlns:r="http://schemas.openxmlformats.org/officeDocument/2006/relationships" xmlns:p="http://schemas.openxmlformats.org/presentationml/2006/main">
-  <p:tag name="DVSHAPEID" val="8cb7WkbZz8aQPcd3TsniIe"/>
-</p:tagLst>
-</file>
-
-<file path=ppt/tags/tag49.xml><?xml version="1.0" encoding="utf-8"?>
-<p:tagLst xmlns:a="http://schemas.openxmlformats.org/drawingml/2006/main" xmlns:r="http://schemas.openxmlformats.org/officeDocument/2006/relationships" xmlns:p="http://schemas.openxmlformats.org/presentationml/2006/main">
-  <p:tag name="DVSECTIONID" val="ulrzQ0fdZzADN4QbpFoSw5"/>
 </p:tagLst>
 </file>
 
@@ -9909,61 +10813,61 @@
 
 <file path=ppt/tags/tag50.xml><?xml version="1.0" encoding="utf-8"?>
 <p:tagLst xmlns:a="http://schemas.openxmlformats.org/drawingml/2006/main" xmlns:r="http://schemas.openxmlformats.org/officeDocument/2006/relationships" xmlns:p="http://schemas.openxmlformats.org/presentationml/2006/main">
+  <p:tag name="DVSHAPEID" val="K7ney2pxUt5mZ64FAjSYwd"/>
+</p:tagLst>
+</file>
+
+<file path=ppt/tags/tag51.xml><?xml version="1.0" encoding="utf-8"?>
+<p:tagLst xmlns:a="http://schemas.openxmlformats.org/drawingml/2006/main" xmlns:r="http://schemas.openxmlformats.org/officeDocument/2006/relationships" xmlns:p="http://schemas.openxmlformats.org/presentationml/2006/main">
+  <p:tag name="DVSHAPEID" val="8cb7WkbZz8aQPcd3TsniIe"/>
+</p:tagLst>
+</file>
+
+<file path=ppt/tags/tag52.xml><?xml version="1.0" encoding="utf-8"?>
+<p:tagLst xmlns:a="http://schemas.openxmlformats.org/drawingml/2006/main" xmlns:r="http://schemas.openxmlformats.org/officeDocument/2006/relationships" xmlns:p="http://schemas.openxmlformats.org/presentationml/2006/main">
+  <p:tag name="DVSECTIONID" val="ulrzQ0fdZzADN4QbpFoSw5"/>
+</p:tagLst>
+</file>
+
+<file path=ppt/tags/tag53.xml><?xml version="1.0" encoding="utf-8"?>
+<p:tagLst xmlns:a="http://schemas.openxmlformats.org/drawingml/2006/main" xmlns:r="http://schemas.openxmlformats.org/officeDocument/2006/relationships" xmlns:p="http://schemas.openxmlformats.org/presentationml/2006/main">
   <p:tag name="DVSHAPEID" val="R0w1mGf9L0VwYb2q55mVTX"/>
 </p:tagLst>
 </file>
 
-<file path=ppt/tags/tag51.xml><?xml version="1.0" encoding="utf-8"?>
+<file path=ppt/tags/tag54.xml><?xml version="1.0" encoding="utf-8"?>
 <p:tagLst xmlns:a="http://schemas.openxmlformats.org/drawingml/2006/main" xmlns:r="http://schemas.openxmlformats.org/officeDocument/2006/relationships" xmlns:p="http://schemas.openxmlformats.org/presentationml/2006/main">
   <p:tag name="DVSHAPEID" val="c8hSswppBdvUlaAVXuKqm9"/>
 </p:tagLst>
 </file>
 
-<file path=ppt/tags/tag52.xml><?xml version="1.0" encoding="utf-8"?>
+<file path=ppt/tags/tag55.xml><?xml version="1.0" encoding="utf-8"?>
 <p:tagLst xmlns:a="http://schemas.openxmlformats.org/drawingml/2006/main" xmlns:r="http://schemas.openxmlformats.org/officeDocument/2006/relationships" xmlns:p="http://schemas.openxmlformats.org/presentationml/2006/main">
   <p:tag name="DVSECTIONID" val="si0xx0H6oQJPrw0fV8RqEI"/>
 </p:tagLst>
 </file>
 
-<file path=ppt/tags/tag53.xml><?xml version="1.0" encoding="utf-8"?>
+<file path=ppt/tags/tag56.xml><?xml version="1.0" encoding="utf-8"?>
 <p:tagLst xmlns:a="http://schemas.openxmlformats.org/drawingml/2006/main" xmlns:r="http://schemas.openxmlformats.org/officeDocument/2006/relationships" xmlns:p="http://schemas.openxmlformats.org/presentationml/2006/main">
   <p:tag name="DVSHAPEID" val="Vid20tmiVNkTOoKudIJloH"/>
 </p:tagLst>
 </file>
 
-<file path=ppt/tags/tag54.xml><?xml version="1.0" encoding="utf-8"?>
+<file path=ppt/tags/tag57.xml><?xml version="1.0" encoding="utf-8"?>
 <p:tagLst xmlns:a="http://schemas.openxmlformats.org/drawingml/2006/main" xmlns:r="http://schemas.openxmlformats.org/officeDocument/2006/relationships" xmlns:p="http://schemas.openxmlformats.org/presentationml/2006/main">
   <p:tag name="DVSHAPEID" val="14QRPa7RbtB2dYEpvW2jhI"/>
 </p:tagLst>
 </file>
 
-<file path=ppt/tags/tag55.xml><?xml version="1.0" encoding="utf-8"?>
+<file path=ppt/tags/tag58.xml><?xml version="1.0" encoding="utf-8"?>
 <p:tagLst xmlns:a="http://schemas.openxmlformats.org/drawingml/2006/main" xmlns:r="http://schemas.openxmlformats.org/officeDocument/2006/relationships" xmlns:p="http://schemas.openxmlformats.org/presentationml/2006/main">
   <p:tag name="DVSHAPEID" val="zrmcath1G0Kdg8c9Dcb4CR"/>
 </p:tagLst>
 </file>
 
-<file path=ppt/tags/tag56.xml><?xml version="1.0" encoding="utf-8"?>
+<file path=ppt/tags/tag59.xml><?xml version="1.0" encoding="utf-8"?>
 <p:tagLst xmlns:a="http://schemas.openxmlformats.org/drawingml/2006/main" xmlns:r="http://schemas.openxmlformats.org/officeDocument/2006/relationships" xmlns:p="http://schemas.openxmlformats.org/presentationml/2006/main">
   <p:tag name="DVSHAPEID" val="iLaLQOcNj5qjvpvCZDA9MA"/>
-</p:tagLst>
-</file>
-
-<file path=ppt/tags/tag57.xml><?xml version="1.0" encoding="utf-8"?>
-<p:tagLst xmlns:a="http://schemas.openxmlformats.org/drawingml/2006/main" xmlns:r="http://schemas.openxmlformats.org/officeDocument/2006/relationships" xmlns:p="http://schemas.openxmlformats.org/presentationml/2006/main">
-  <p:tag name="DVSECTIONID" val="0iaJE5WSHD4oT8zisfwTaJ"/>
-</p:tagLst>
-</file>
-
-<file path=ppt/tags/tag58.xml><?xml version="1.0" encoding="utf-8"?>
-<p:tagLst xmlns:a="http://schemas.openxmlformats.org/drawingml/2006/main" xmlns:r="http://schemas.openxmlformats.org/officeDocument/2006/relationships" xmlns:p="http://schemas.openxmlformats.org/presentationml/2006/main">
-  <p:tag name="DVSHAPEID" val="i0HwdmiQ8d6H8A1pCsPTHF"/>
-</p:tagLst>
-</file>
-
-<file path=ppt/tags/tag59.xml><?xml version="1.0" encoding="utf-8"?>
-<p:tagLst xmlns:a="http://schemas.openxmlformats.org/drawingml/2006/main" xmlns:r="http://schemas.openxmlformats.org/officeDocument/2006/relationships" xmlns:p="http://schemas.openxmlformats.org/presentationml/2006/main">
-  <p:tag name="DVSHAPEID" val="MXDND0cxts5Hta3kAPusXc"/>
 </p:tagLst>
 </file>
 
@@ -9975,61 +10879,61 @@
 
 <file path=ppt/tags/tag60.xml><?xml version="1.0" encoding="utf-8"?>
 <p:tagLst xmlns:a="http://schemas.openxmlformats.org/drawingml/2006/main" xmlns:r="http://schemas.openxmlformats.org/officeDocument/2006/relationships" xmlns:p="http://schemas.openxmlformats.org/presentationml/2006/main">
-  <p:tag name="DVSECTIONID" val="UXDjbaKf15rJiHnNmBav96"/>
+  <p:tag name="DVSECTIONID" val="0iaJE5WSHD4oT8zisfwTaJ"/>
 </p:tagLst>
 </file>
 
 <file path=ppt/tags/tag61.xml><?xml version="1.0" encoding="utf-8"?>
 <p:tagLst xmlns:a="http://schemas.openxmlformats.org/drawingml/2006/main" xmlns:r="http://schemas.openxmlformats.org/officeDocument/2006/relationships" xmlns:p="http://schemas.openxmlformats.org/presentationml/2006/main">
-  <p:tag name="DVSHAPEID" val="dNgUAA18jSTCdKSqIhEBKD"/>
+  <p:tag name="DVSHAPEID" val="i0HwdmiQ8d6H8A1pCsPTHF"/>
 </p:tagLst>
 </file>
 
 <file path=ppt/tags/tag62.xml><?xml version="1.0" encoding="utf-8"?>
 <p:tagLst xmlns:a="http://schemas.openxmlformats.org/drawingml/2006/main" xmlns:r="http://schemas.openxmlformats.org/officeDocument/2006/relationships" xmlns:p="http://schemas.openxmlformats.org/presentationml/2006/main">
-  <p:tag name="DVSHAPEID" val="Bq6RliRZpeHAKPwJqBvl9d"/>
+  <p:tag name="DVSHAPEID" val="MXDND0cxts5Hta3kAPusXc"/>
 </p:tagLst>
 </file>
 
 <file path=ppt/tags/tag63.xml><?xml version="1.0" encoding="utf-8"?>
 <p:tagLst xmlns:a="http://schemas.openxmlformats.org/drawingml/2006/main" xmlns:r="http://schemas.openxmlformats.org/officeDocument/2006/relationships" xmlns:p="http://schemas.openxmlformats.org/presentationml/2006/main">
-  <p:tag name="DVSECTIONID" val="K2DRGCFCULygoc6kTL8sCY"/>
+  <p:tag name="DVSECTIONID" val="pVSrOL96EEiAWXOuhmy5wA"/>
 </p:tagLst>
 </file>
 
 <file path=ppt/tags/tag64.xml><?xml version="1.0" encoding="utf-8"?>
 <p:tagLst xmlns:a="http://schemas.openxmlformats.org/drawingml/2006/main" xmlns:r="http://schemas.openxmlformats.org/officeDocument/2006/relationships" xmlns:p="http://schemas.openxmlformats.org/presentationml/2006/main">
-  <p:tag name="DVSHAPEID" val="OQXjra7cOmrzbPOJfIgktE"/>
+  <p:tag name="DVSHAPEID" val="K7ney2pxUt5mZ64FAjSYwd"/>
 </p:tagLst>
 </file>
 
 <file path=ppt/tags/tag65.xml><?xml version="1.0" encoding="utf-8"?>
 <p:tagLst xmlns:a="http://schemas.openxmlformats.org/drawingml/2006/main" xmlns:r="http://schemas.openxmlformats.org/officeDocument/2006/relationships" xmlns:p="http://schemas.openxmlformats.org/presentationml/2006/main">
-  <p:tag name="DVSHAPEID" val="VCZ3TZR25puoCfT2RGScql"/>
+  <p:tag name="DVSHAPEID" val="8cb7WkbZz8aQPcd3TsniIe"/>
 </p:tagLst>
 </file>
 
 <file path=ppt/tags/tag66.xml><?xml version="1.0" encoding="utf-8"?>
 <p:tagLst xmlns:a="http://schemas.openxmlformats.org/drawingml/2006/main" xmlns:r="http://schemas.openxmlformats.org/officeDocument/2006/relationships" xmlns:p="http://schemas.openxmlformats.org/presentationml/2006/main">
-  <p:tag name="DVSECTIONID" val="X9QRUETUIEzOcAGju7zobG"/>
+  <p:tag name="DVSECTIONID" val="pVSrOL96EEiAWXOuhmy5wA"/>
 </p:tagLst>
 </file>
 
 <file path=ppt/tags/tag67.xml><?xml version="1.0" encoding="utf-8"?>
 <p:tagLst xmlns:a="http://schemas.openxmlformats.org/drawingml/2006/main" xmlns:r="http://schemas.openxmlformats.org/officeDocument/2006/relationships" xmlns:p="http://schemas.openxmlformats.org/presentationml/2006/main">
-  <p:tag name="DVSHAPEID" val="8aDHUGmN4PJ9Vkjnh7kMg2"/>
+  <p:tag name="DVSHAPEID" val="K7ney2pxUt5mZ64FAjSYwd"/>
 </p:tagLst>
 </file>
 
 <file path=ppt/tags/tag68.xml><?xml version="1.0" encoding="utf-8"?>
 <p:tagLst xmlns:a="http://schemas.openxmlformats.org/drawingml/2006/main" xmlns:r="http://schemas.openxmlformats.org/officeDocument/2006/relationships" xmlns:p="http://schemas.openxmlformats.org/presentationml/2006/main">
-  <p:tag name="DVSHAPEID" val="5NczQdQzrgezuOpc5bFhkF"/>
+  <p:tag name="DVSHAPEID" val="8cb7WkbZz8aQPcd3TsniIe"/>
 </p:tagLst>
 </file>
 
 <file path=ppt/tags/tag69.xml><?xml version="1.0" encoding="utf-8"?>
 <p:tagLst xmlns:a="http://schemas.openxmlformats.org/drawingml/2006/main" xmlns:r="http://schemas.openxmlformats.org/officeDocument/2006/relationships" xmlns:p="http://schemas.openxmlformats.org/presentationml/2006/main">
-  <p:tag name="DVSECTIONID" val="b1jbH1HonHtM4t1OI0JZ2T"/>
+  <p:tag name="DVSECTIONID" val="UXDjbaKf15rJiHnNmBav96"/>
 </p:tagLst>
 </file>
 
@@ -10041,71 +10945,125 @@
 
 <file path=ppt/tags/tag70.xml><?xml version="1.0" encoding="utf-8"?>
 <p:tagLst xmlns:a="http://schemas.openxmlformats.org/drawingml/2006/main" xmlns:r="http://schemas.openxmlformats.org/officeDocument/2006/relationships" xmlns:p="http://schemas.openxmlformats.org/presentationml/2006/main">
+  <p:tag name="DVSHAPEID" val="dNgUAA18jSTCdKSqIhEBKD"/>
+</p:tagLst>
+</file>
+
+<file path=ppt/tags/tag71.xml><?xml version="1.0" encoding="utf-8"?>
+<p:tagLst xmlns:a="http://schemas.openxmlformats.org/drawingml/2006/main" xmlns:r="http://schemas.openxmlformats.org/officeDocument/2006/relationships" xmlns:p="http://schemas.openxmlformats.org/presentationml/2006/main">
+  <p:tag name="DVSHAPEID" val="Bq6RliRZpeHAKPwJqBvl9d"/>
+</p:tagLst>
+</file>
+
+<file path=ppt/tags/tag72.xml><?xml version="1.0" encoding="utf-8"?>
+<p:tagLst xmlns:a="http://schemas.openxmlformats.org/drawingml/2006/main" xmlns:r="http://schemas.openxmlformats.org/officeDocument/2006/relationships" xmlns:p="http://schemas.openxmlformats.org/presentationml/2006/main">
+  <p:tag name="DVSECTIONID" val="K2DRGCFCULygoc6kTL8sCY"/>
+</p:tagLst>
+</file>
+
+<file path=ppt/tags/tag73.xml><?xml version="1.0" encoding="utf-8"?>
+<p:tagLst xmlns:a="http://schemas.openxmlformats.org/drawingml/2006/main" xmlns:r="http://schemas.openxmlformats.org/officeDocument/2006/relationships" xmlns:p="http://schemas.openxmlformats.org/presentationml/2006/main">
+  <p:tag name="DVSHAPEID" val="OQXjra7cOmrzbPOJfIgktE"/>
+</p:tagLst>
+</file>
+
+<file path=ppt/tags/tag74.xml><?xml version="1.0" encoding="utf-8"?>
+<p:tagLst xmlns:a="http://schemas.openxmlformats.org/drawingml/2006/main" xmlns:r="http://schemas.openxmlformats.org/officeDocument/2006/relationships" xmlns:p="http://schemas.openxmlformats.org/presentationml/2006/main">
+  <p:tag name="DVSHAPEID" val="VCZ3TZR25puoCfT2RGScql"/>
+</p:tagLst>
+</file>
+
+<file path=ppt/tags/tag75.xml><?xml version="1.0" encoding="utf-8"?>
+<p:tagLst xmlns:a="http://schemas.openxmlformats.org/drawingml/2006/main" xmlns:r="http://schemas.openxmlformats.org/officeDocument/2006/relationships" xmlns:p="http://schemas.openxmlformats.org/presentationml/2006/main">
+  <p:tag name="DVSECTIONID" val="X9QRUETUIEzOcAGju7zobG"/>
+</p:tagLst>
+</file>
+
+<file path=ppt/tags/tag76.xml><?xml version="1.0" encoding="utf-8"?>
+<p:tagLst xmlns:a="http://schemas.openxmlformats.org/drawingml/2006/main" xmlns:r="http://schemas.openxmlformats.org/officeDocument/2006/relationships" xmlns:p="http://schemas.openxmlformats.org/presentationml/2006/main">
+  <p:tag name="DVSHAPEID" val="8aDHUGmN4PJ9Vkjnh7kMg2"/>
+</p:tagLst>
+</file>
+
+<file path=ppt/tags/tag77.xml><?xml version="1.0" encoding="utf-8"?>
+<p:tagLst xmlns:a="http://schemas.openxmlformats.org/drawingml/2006/main" xmlns:r="http://schemas.openxmlformats.org/officeDocument/2006/relationships" xmlns:p="http://schemas.openxmlformats.org/presentationml/2006/main">
+  <p:tag name="DVSHAPEID" val="5NczQdQzrgezuOpc5bFhkF"/>
+</p:tagLst>
+</file>
+
+<file path=ppt/tags/tag78.xml><?xml version="1.0" encoding="utf-8"?>
+<p:tagLst xmlns:a="http://schemas.openxmlformats.org/drawingml/2006/main" xmlns:r="http://schemas.openxmlformats.org/officeDocument/2006/relationships" xmlns:p="http://schemas.openxmlformats.org/presentationml/2006/main">
+  <p:tag name="DVSECTIONID" val="b1jbH1HonHtM4t1OI0JZ2T"/>
+</p:tagLst>
+</file>
+
+<file path=ppt/tags/tag79.xml><?xml version="1.0" encoding="utf-8"?>
+<p:tagLst xmlns:a="http://schemas.openxmlformats.org/drawingml/2006/main" xmlns:r="http://schemas.openxmlformats.org/officeDocument/2006/relationships" xmlns:p="http://schemas.openxmlformats.org/presentationml/2006/main">
   <p:tag name="DVSHAPEID" val="EsjzItpLRE465QulQ9Xunt"/>
 </p:tagLst>
 </file>
 
-<file path=ppt/tags/tag71.xml><?xml version="1.0" encoding="utf-8"?>
+<file path=ppt/tags/tag8.xml><?xml version="1.0" encoding="utf-8"?>
+<p:tagLst xmlns:a="http://schemas.openxmlformats.org/drawingml/2006/main" xmlns:r="http://schemas.openxmlformats.org/officeDocument/2006/relationships" xmlns:p="http://schemas.openxmlformats.org/presentationml/2006/main">
+  <p:tag name="DVSECTIONID" val="fSI1SWM36LVjHhdmXNDUIO"/>
+</p:tagLst>
+</file>
+
+<file path=ppt/tags/tag80.xml><?xml version="1.0" encoding="utf-8"?>
 <p:tagLst xmlns:a="http://schemas.openxmlformats.org/drawingml/2006/main" xmlns:r="http://schemas.openxmlformats.org/officeDocument/2006/relationships" xmlns:p="http://schemas.openxmlformats.org/presentationml/2006/main">
   <p:tag name="DVSHAPEID" val="VmQuX5296ZHq8KfgumaGoA"/>
 </p:tagLst>
 </file>
 
-<file path=ppt/tags/tag72.xml><?xml version="1.0" encoding="utf-8"?>
+<file path=ppt/tags/tag81.xml><?xml version="1.0" encoding="utf-8"?>
 <p:tagLst xmlns:a="http://schemas.openxmlformats.org/drawingml/2006/main" xmlns:r="http://schemas.openxmlformats.org/officeDocument/2006/relationships" xmlns:p="http://schemas.openxmlformats.org/presentationml/2006/main">
   <p:tag name="DVSHAPEID" val="uoJzHJlvkQhbxXJdvkJIx5"/>
 </p:tagLst>
 </file>
 
-<file path=ppt/tags/tag73.xml><?xml version="1.0" encoding="utf-8"?>
+<file path=ppt/tags/tag82.xml><?xml version="1.0" encoding="utf-8"?>
 <p:tagLst xmlns:a="http://schemas.openxmlformats.org/drawingml/2006/main" xmlns:r="http://schemas.openxmlformats.org/officeDocument/2006/relationships" xmlns:p="http://schemas.openxmlformats.org/presentationml/2006/main">
   <p:tag name="DVSHAPEID" val="oFIK5zFAkH4lRsLoniNBER"/>
 </p:tagLst>
 </file>
 
-<file path=ppt/tags/tag74.xml><?xml version="1.0" encoding="utf-8"?>
+<file path=ppt/tags/tag83.xml><?xml version="1.0" encoding="utf-8"?>
 <p:tagLst xmlns:a="http://schemas.openxmlformats.org/drawingml/2006/main" xmlns:r="http://schemas.openxmlformats.org/officeDocument/2006/relationships" xmlns:p="http://schemas.openxmlformats.org/presentationml/2006/main">
   <p:tag name="DVSECTIONID" val="GAZvEAh0SdNhYPyJXRckhS"/>
 </p:tagLst>
 </file>
 
-<file path=ppt/tags/tag75.xml><?xml version="1.0" encoding="utf-8"?>
+<file path=ppt/tags/tag84.xml><?xml version="1.0" encoding="utf-8"?>
 <p:tagLst xmlns:a="http://schemas.openxmlformats.org/drawingml/2006/main" xmlns:r="http://schemas.openxmlformats.org/officeDocument/2006/relationships" xmlns:p="http://schemas.openxmlformats.org/presentationml/2006/main">
   <p:tag name="DVSHAPEID" val="8WdhxgRPWG2pZ4RXDLQKvz"/>
 </p:tagLst>
 </file>
 
-<file path=ppt/tags/tag76.xml><?xml version="1.0" encoding="utf-8"?>
+<file path=ppt/tags/tag85.xml><?xml version="1.0" encoding="utf-8"?>
 <p:tagLst xmlns:a="http://schemas.openxmlformats.org/drawingml/2006/main" xmlns:r="http://schemas.openxmlformats.org/officeDocument/2006/relationships" xmlns:p="http://schemas.openxmlformats.org/presentationml/2006/main">
   <p:tag name="DVSHAPEID" val="6b6hs7WrUWqxwLxO2oJvKo"/>
 </p:tagLst>
 </file>
 
-<file path=ppt/tags/tag77.xml><?xml version="1.0" encoding="utf-8"?>
+<file path=ppt/tags/tag86.xml><?xml version="1.0" encoding="utf-8"?>
 <p:tagLst xmlns:a="http://schemas.openxmlformats.org/drawingml/2006/main" xmlns:r="http://schemas.openxmlformats.org/officeDocument/2006/relationships" xmlns:p="http://schemas.openxmlformats.org/presentationml/2006/main">
   <p:tag name="DVSECTIONID" val="kqvciFpyFbEikJbcn77mOg"/>
 </p:tagLst>
 </file>
 
-<file path=ppt/tags/tag78.xml><?xml version="1.0" encoding="utf-8"?>
+<file path=ppt/tags/tag87.xml><?xml version="1.0" encoding="utf-8"?>
 <p:tagLst xmlns:a="http://schemas.openxmlformats.org/drawingml/2006/main" xmlns:r="http://schemas.openxmlformats.org/officeDocument/2006/relationships" xmlns:p="http://schemas.openxmlformats.org/presentationml/2006/main">
   <p:tag name="DVSHAPEID" val="issGxqE1KUmyP1bgNKSvL6"/>
 </p:tagLst>
 </file>
 
-<file path=ppt/tags/tag79.xml><?xml version="1.0" encoding="utf-8"?>
+<file path=ppt/tags/tag88.xml><?xml version="1.0" encoding="utf-8"?>
 <p:tagLst xmlns:a="http://schemas.openxmlformats.org/drawingml/2006/main" xmlns:r="http://schemas.openxmlformats.org/officeDocument/2006/relationships" xmlns:p="http://schemas.openxmlformats.org/presentationml/2006/main">
   <p:tag name="DVSHAPEID" val="Yry5qPJr1ZPISEOMzwMSbw"/>
 </p:tagLst>
 </file>
 
-<file path=ppt/tags/tag8.xml><?xml version="1.0" encoding="utf-8"?>
-<p:tagLst xmlns:a="http://schemas.openxmlformats.org/drawingml/2006/main" xmlns:r="http://schemas.openxmlformats.org/officeDocument/2006/relationships" xmlns:p="http://schemas.openxmlformats.org/presentationml/2006/main">
-  <p:tag name="DVSECTIONID" val="KqhQqL9txX1WI3J1OWdG90"/>
-</p:tagLst>
-</file>
-
-<file path=ppt/tags/tag80.xml><?xml version="1.0" encoding="utf-8"?>
+<file path=ppt/tags/tag89.xml><?xml version="1.0" encoding="utf-8"?>
 <p:tagLst xmlns:a="http://schemas.openxmlformats.org/drawingml/2006/main" xmlns:r="http://schemas.openxmlformats.org/officeDocument/2006/relationships" xmlns:p="http://schemas.openxmlformats.org/presentationml/2006/main">
   <p:tag name="DVSHAPEID" val="bXVvCMAYCeCbu18sZOiiTm"/>
 </p:tagLst>
@@ -10113,7 +11071,7 @@
 
 <file path=ppt/tags/tag9.xml><?xml version="1.0" encoding="utf-8"?>
 <p:tagLst xmlns:a="http://schemas.openxmlformats.org/drawingml/2006/main" xmlns:r="http://schemas.openxmlformats.org/officeDocument/2006/relationships" xmlns:p="http://schemas.openxmlformats.org/presentationml/2006/main">
-  <p:tag name="DVSHAPEID" val="sDswchU5s1ECePv26aqRq0"/>
+  <p:tag name="DVSHAPEID" val="8tPH6uLOrNx8P0JTKe8Djw"/>
 </p:tagLst>
 </file>
 

--- a/ppt/Diapositivas.pptx
+++ b/ppt/Diapositivas.pptx
@@ -3033,7 +3033,7 @@
           <a:p>
             <a:fld id="{63D5FC4C-9EE1-4746-A368-724F618FC790}" type="datetimeFigureOut">
               <a:rPr lang="es-PE" smtClean="0"/>
-              <a:t>10/24/14</a:t>
+              <a:t>10/31/14</a:t>
             </a:fld>
             <a:endParaRPr lang="es-PE"/>
           </a:p>
@@ -5709,7 +5709,7 @@
             <a:fld id="{807CB568-C05F-482F-9F26-AA302B8892DF}" type="datetimeFigureOut">
               <a:rPr lang="es-ES" smtClean="0"/>
               <a:pPr/>
-              <a:t>10/24/14</a:t>
+              <a:t>10/31/14</a:t>
             </a:fld>
             <a:endParaRPr lang="es-ES"/>
           </a:p>
@@ -5881,7 +5881,7 @@
             <a:fld id="{807CB568-C05F-482F-9F26-AA302B8892DF}" type="datetimeFigureOut">
               <a:rPr lang="es-ES" smtClean="0"/>
               <a:pPr/>
-              <a:t>10/24/14</a:t>
+              <a:t>10/31/14</a:t>
             </a:fld>
             <a:endParaRPr lang="es-ES"/>
           </a:p>
@@ -6063,7 +6063,7 @@
             <a:fld id="{807CB568-C05F-482F-9F26-AA302B8892DF}" type="datetimeFigureOut">
               <a:rPr lang="es-ES" smtClean="0"/>
               <a:pPr/>
-              <a:t>10/24/14</a:t>
+              <a:t>10/31/14</a:t>
             </a:fld>
             <a:endParaRPr lang="es-ES"/>
           </a:p>
@@ -6235,7 +6235,7 @@
             <a:fld id="{807CB568-C05F-482F-9F26-AA302B8892DF}" type="datetimeFigureOut">
               <a:rPr lang="es-ES" smtClean="0"/>
               <a:pPr/>
-              <a:t>10/24/14</a:t>
+              <a:t>10/31/14</a:t>
             </a:fld>
             <a:endParaRPr lang="es-ES"/>
           </a:p>
@@ -6483,7 +6483,7 @@
             <a:fld id="{807CB568-C05F-482F-9F26-AA302B8892DF}" type="datetimeFigureOut">
               <a:rPr lang="es-ES" smtClean="0"/>
               <a:pPr/>
-              <a:t>10/24/14</a:t>
+              <a:t>10/31/14</a:t>
             </a:fld>
             <a:endParaRPr lang="es-ES"/>
           </a:p>
@@ -6773,7 +6773,7 @@
             <a:fld id="{807CB568-C05F-482F-9F26-AA302B8892DF}" type="datetimeFigureOut">
               <a:rPr lang="es-ES" smtClean="0"/>
               <a:pPr/>
-              <a:t>10/24/14</a:t>
+              <a:t>10/31/14</a:t>
             </a:fld>
             <a:endParaRPr lang="es-ES"/>
           </a:p>
@@ -7197,7 +7197,7 @@
             <a:fld id="{807CB568-C05F-482F-9F26-AA302B8892DF}" type="datetimeFigureOut">
               <a:rPr lang="es-ES" smtClean="0"/>
               <a:pPr/>
-              <a:t>10/24/14</a:t>
+              <a:t>10/31/14</a:t>
             </a:fld>
             <a:endParaRPr lang="es-ES"/>
           </a:p>
@@ -7317,7 +7317,7 @@
             <a:fld id="{807CB568-C05F-482F-9F26-AA302B8892DF}" type="datetimeFigureOut">
               <a:rPr lang="es-ES" smtClean="0"/>
               <a:pPr/>
-              <a:t>10/24/14</a:t>
+              <a:t>10/31/14</a:t>
             </a:fld>
             <a:endParaRPr lang="es-ES"/>
           </a:p>
@@ -7414,7 +7414,7 @@
             <a:fld id="{807CB568-C05F-482F-9F26-AA302B8892DF}" type="datetimeFigureOut">
               <a:rPr lang="es-ES" smtClean="0"/>
               <a:pPr/>
-              <a:t>10/24/14</a:t>
+              <a:t>10/31/14</a:t>
             </a:fld>
             <a:endParaRPr lang="es-ES"/>
           </a:p>
@@ -7693,7 +7693,7 @@
             <a:fld id="{807CB568-C05F-482F-9F26-AA302B8892DF}" type="datetimeFigureOut">
               <a:rPr lang="es-ES" smtClean="0"/>
               <a:pPr/>
-              <a:t>10/24/14</a:t>
+              <a:t>10/31/14</a:t>
             </a:fld>
             <a:endParaRPr lang="es-ES"/>
           </a:p>
@@ -7948,7 +7948,7 @@
             <a:fld id="{807CB568-C05F-482F-9F26-AA302B8892DF}" type="datetimeFigureOut">
               <a:rPr lang="es-ES" smtClean="0"/>
               <a:pPr/>
-              <a:t>10/24/14</a:t>
+              <a:t>10/31/14</a:t>
             </a:fld>
             <a:endParaRPr lang="es-ES"/>
           </a:p>
@@ -8163,7 +8163,7 @@
             <a:fld id="{807CB568-C05F-482F-9F26-AA302B8892DF}" type="datetimeFigureOut">
               <a:rPr lang="es-ES" smtClean="0"/>
               <a:pPr/>
-              <a:t>10/24/14</a:t>
+              <a:t>10/31/14</a:t>
             </a:fld>
             <a:endParaRPr lang="es-ES"/>
           </a:p>
@@ -8598,7 +8598,7 @@
         </p:nvSpPr>
         <p:spPr bwMode="auto">
           <a:xfrm>
-            <a:off x="493195" y="5841534"/>
+            <a:off x="395536" y="5877272"/>
             <a:ext cx="3214709" cy="515717"/>
           </a:xfrm>
           <a:prstGeom prst="rect">
@@ -8669,8 +8669,8 @@
         </p:nvSpPr>
         <p:spPr bwMode="auto">
           <a:xfrm>
-            <a:off x="3715072" y="5745450"/>
-            <a:ext cx="5105400" cy="707886"/>
+            <a:off x="3715072" y="5683895"/>
+            <a:ext cx="5105400" cy="830997"/>
           </a:xfrm>
           <a:prstGeom prst="rect">
             <a:avLst/>
@@ -8702,40 +8702,26 @@
               </a:spcAft>
             </a:pPr>
             <a:r>
-              <a:rPr lang="en-US" sz="2000" dirty="0" smtClean="0">
-                <a:latin typeface="Trebuchet MS" pitchFamily="34" charset="0"/>
+              <a:rPr lang="en-US" sz="2400" dirty="0" smtClean="0">
                 <a:ea typeface="Calibri" pitchFamily="34" charset="0"/>
                 <a:cs typeface="Arial" pitchFamily="34" charset="0"/>
               </a:rPr>
               <a:t>Email: </a:t>
             </a:r>
             <a:r>
-              <a:rPr lang="en-US" sz="2000" dirty="0" err="1" smtClean="0">
+              <a:rPr lang="en-US" sz="2400" dirty="0" err="1" smtClean="0">
                 <a:solidFill>
                   <a:srgbClr val="00823B"/>
                 </a:solidFill>
-                <a:latin typeface="Trebuchet MS" pitchFamily="34" charset="0"/>
                 <a:ea typeface="Calibri" pitchFamily="34" charset="0"/>
                 <a:cs typeface="Arial" pitchFamily="34" charset="0"/>
               </a:rPr>
-              <a:t>angel.nunez</a:t>
-            </a:r>
-            <a:r>
-              <a:rPr lang="en-US" sz="2000" dirty="0" err="1" smtClean="0">
-                <a:solidFill>
-                  <a:srgbClr val="00823B"/>
-                </a:solidFill>
-                <a:latin typeface="Trebuchet MS" pitchFamily="34" charset="0"/>
-                <a:ea typeface="Calibri" pitchFamily="34" charset="0"/>
-                <a:cs typeface="Arial" pitchFamily="34" charset="0"/>
-              </a:rPr>
-              <a:t>@kleer.la</a:t>
-            </a:r>
-            <a:endParaRPr lang="en-US" sz="2000" dirty="0">
+              <a:t>angel.nunez@kleer.la</a:t>
+            </a:r>
+            <a:endParaRPr lang="en-US" sz="2400" dirty="0">
               <a:solidFill>
                 <a:srgbClr val="00823B"/>
               </a:solidFill>
-              <a:latin typeface="Trebuchet MS" pitchFamily="34" charset="0"/>
               <a:ea typeface="Calibri" pitchFamily="34" charset="0"/>
               <a:cs typeface="Arial" pitchFamily="34" charset="0"/>
             </a:endParaRPr>
@@ -8750,41 +8736,37 @@
               </a:spcAft>
             </a:pPr>
             <a:r>
-              <a:rPr lang="en-US" sz="2000" dirty="0" smtClean="0">
-                <a:latin typeface="Trebuchet MS" pitchFamily="34" charset="0"/>
+              <a:rPr lang="en-US" sz="2400" dirty="0" smtClean="0">
                 <a:ea typeface="Calibri" pitchFamily="34" charset="0"/>
                 <a:cs typeface="Arial" pitchFamily="34" charset="0"/>
               </a:rPr>
               <a:t>Twitter: </a:t>
             </a:r>
             <a:r>
-              <a:rPr lang="en-US" sz="2000" dirty="0" smtClean="0">
+              <a:rPr lang="en-US" sz="2400" dirty="0" smtClean="0">
                 <a:solidFill>
                   <a:srgbClr val="00823B"/>
                 </a:solidFill>
-                <a:latin typeface="Trebuchet MS" pitchFamily="34" charset="0"/>
                 <a:ea typeface="Calibri" pitchFamily="34" charset="0"/>
                 <a:cs typeface="Arial" pitchFamily="34" charset="0"/>
               </a:rPr>
               <a:t>@</a:t>
             </a:r>
             <a:r>
-              <a:rPr lang="en-US" sz="2000" dirty="0" err="1" smtClean="0">
+              <a:rPr lang="en-US" sz="2400" dirty="0" err="1" smtClean="0">
                 <a:solidFill>
                   <a:srgbClr val="00823B"/>
                 </a:solidFill>
-                <a:latin typeface="Trebuchet MS" pitchFamily="34" charset="0"/>
                 <a:ea typeface="Calibri" pitchFamily="34" charset="0"/>
                 <a:cs typeface="Arial" pitchFamily="34" charset="0"/>
               </a:rPr>
               <a:t>snahider</a:t>
             </a:r>
             <a:r>
-              <a:rPr lang="en-US" sz="2000" dirty="0" smtClean="0">
+              <a:rPr lang="en-US" sz="2400" dirty="0" smtClean="0">
                 <a:solidFill>
                   <a:srgbClr val="00823B"/>
                 </a:solidFill>
-                <a:latin typeface="Trebuchet MS" pitchFamily="34" charset="0"/>
                 <a:cs typeface="Arial" pitchFamily="34" charset="0"/>
               </a:rPr>
               <a:t> </a:t>
@@ -8860,17 +8842,6 @@
               </a:rPr>
               <a:t>#RefactoringGolf</a:t>
             </a:r>
-            <a:endParaRPr kumimoji="0" lang="es-PE" sz="3600" b="1" i="0" u="none" strike="noStrike" kern="1200" cap="none" spc="0" normalizeH="0" baseline="0" noProof="0" dirty="0" smtClean="0">
-              <a:ln>
-                <a:noFill/>
-              </a:ln>
-              <a:solidFill>
-                <a:schemeClr val="accent6"/>
-              </a:solidFill>
-              <a:effectLst/>
-              <a:uLnTx/>
-              <a:uFillTx/>
-            </a:endParaRPr>
           </a:p>
         </p:txBody>
       </p:sp>
